--- a/Session 2 - Matrices and image processing/MATLAB Session 2.pptx
+++ b/Session 2 - Matrices and image processing/MATLAB Session 2.pptx
@@ -5,7 +5,7 @@
     <p:sldMasterId id="2147483678" r:id="rId1"/>
   </p:sldMasterIdLst>
   <p:notesMasterIdLst>
-    <p:notesMasterId r:id="rId19"/>
+    <p:notesMasterId r:id="rId24"/>
   </p:notesMasterIdLst>
   <p:sldIdLst>
     <p:sldId id="316" r:id="rId2"/>
@@ -15,16 +15,21 @@
     <p:sldId id="360" r:id="rId6"/>
     <p:sldId id="361" r:id="rId7"/>
     <p:sldId id="352" r:id="rId8"/>
-    <p:sldId id="365" r:id="rId9"/>
-    <p:sldId id="354" r:id="rId10"/>
-    <p:sldId id="353" r:id="rId11"/>
-    <p:sldId id="363" r:id="rId12"/>
-    <p:sldId id="364" r:id="rId13"/>
-    <p:sldId id="362" r:id="rId14"/>
-    <p:sldId id="355" r:id="rId15"/>
-    <p:sldId id="356" r:id="rId16"/>
-    <p:sldId id="358" r:id="rId17"/>
-    <p:sldId id="357" r:id="rId18"/>
+    <p:sldId id="367" r:id="rId9"/>
+    <p:sldId id="370" r:id="rId10"/>
+    <p:sldId id="369" r:id="rId11"/>
+    <p:sldId id="368" r:id="rId12"/>
+    <p:sldId id="366" r:id="rId13"/>
+    <p:sldId id="365" r:id="rId14"/>
+    <p:sldId id="354" r:id="rId15"/>
+    <p:sldId id="353" r:id="rId16"/>
+    <p:sldId id="363" r:id="rId17"/>
+    <p:sldId id="364" r:id="rId18"/>
+    <p:sldId id="362" r:id="rId19"/>
+    <p:sldId id="355" r:id="rId20"/>
+    <p:sldId id="356" r:id="rId21"/>
+    <p:sldId id="358" r:id="rId22"/>
+    <p:sldId id="357" r:id="rId23"/>
   </p:sldIdLst>
   <p:sldSz cx="12192000" cy="6858000"/>
   <p:notesSz cx="6669088" cy="9926638"/>
@@ -897,10 +902,22 @@
         <p:txBody>
           <a:bodyPr/>
           <a:lstStyle>
+            <a:lvl1pPr>
+              <a:defRPr sz="2800"/>
+            </a:lvl1pPr>
+            <a:lvl2pPr>
+              <a:defRPr sz="2400"/>
+            </a:lvl2pPr>
+            <a:lvl3pPr>
+              <a:defRPr sz="2000"/>
+            </a:lvl3pPr>
+            <a:lvl4pPr>
+              <a:defRPr sz="1800"/>
+            </a:lvl4pPr>
             <a:lvl5pPr>
               <a:buFont typeface="Arial" pitchFamily="34" charset="0"/>
               <a:buChar char="­"/>
-              <a:defRPr/>
+              <a:defRPr sz="1800"/>
             </a:lvl5pPr>
           </a:lstStyle>
           <a:p>
@@ -993,10 +1010,22 @@
         <p:txBody>
           <a:bodyPr/>
           <a:lstStyle>
+            <a:lvl1pPr>
+              <a:defRPr sz="2800"/>
+            </a:lvl1pPr>
+            <a:lvl2pPr>
+              <a:defRPr sz="2400"/>
+            </a:lvl2pPr>
+            <a:lvl3pPr>
+              <a:defRPr sz="2000"/>
+            </a:lvl3pPr>
+            <a:lvl4pPr>
+              <a:defRPr sz="1800"/>
+            </a:lvl4pPr>
             <a:lvl5pPr>
               <a:buFont typeface="Arial" pitchFamily="34" charset="0"/>
               <a:buChar char="­"/>
-              <a:defRPr/>
+              <a:defRPr sz="1800"/>
             </a:lvl5pPr>
           </a:lstStyle>
           <a:p>
@@ -1134,7 +1163,7 @@
         <p:spPr>
           <a:xfrm>
             <a:off x="609600" y="1412784"/>
-            <a:ext cx="5384800" cy="4525963"/>
+            <a:ext cx="5486400" cy="4525963"/>
           </a:xfrm>
           <a:prstGeom prst="rect">
             <a:avLst/>
@@ -1221,8 +1250,8 @@
         </p:nvSpPr>
         <p:spPr>
           <a:xfrm>
-            <a:off x="6197600" y="1412784"/>
-            <a:ext cx="5384800" cy="4525963"/>
+            <a:off x="6096000" y="1412784"/>
+            <a:ext cx="5486400" cy="4525963"/>
           </a:xfrm>
           <a:prstGeom prst="rect">
             <a:avLst/>
@@ -1262,38 +1291,38 @@
           <a:p>
             <a:pPr lvl="0"/>
             <a:r>
-              <a:rPr lang="en-US"/>
+              <a:rPr lang="en-US" dirty="0"/>
               <a:t>Click to edit Master text styles</a:t>
             </a:r>
           </a:p>
           <a:p>
             <a:pPr lvl="1"/>
             <a:r>
-              <a:rPr lang="en-US"/>
+              <a:rPr lang="en-US" dirty="0"/>
               <a:t>Second level</a:t>
             </a:r>
           </a:p>
           <a:p>
             <a:pPr lvl="2"/>
             <a:r>
-              <a:rPr lang="en-US"/>
+              <a:rPr lang="en-US" dirty="0"/>
               <a:t>Third level</a:t>
             </a:r>
           </a:p>
           <a:p>
             <a:pPr lvl="3"/>
             <a:r>
-              <a:rPr lang="en-US"/>
+              <a:rPr lang="en-US" dirty="0"/>
               <a:t>Fourth level</a:t>
             </a:r>
           </a:p>
           <a:p>
             <a:pPr lvl="4"/>
             <a:r>
-              <a:rPr lang="en-US"/>
+              <a:rPr lang="en-US" dirty="0"/>
               <a:t>Fifth level</a:t>
             </a:r>
-            <a:endParaRPr lang="en-GB"/>
+            <a:endParaRPr lang="en-GB" dirty="0"/>
           </a:p>
         </p:txBody>
       </p:sp>
@@ -2332,7 +2361,7 @@
             </a:br>
             <a:r>
               <a:rPr lang="en-GB" sz="2800" dirty="0"/>
-              <a:t>Session 1: Introduction</a:t>
+              <a:t>Session 2: Matrices and image processing</a:t>
             </a:r>
             <a:endParaRPr lang="en-GB" dirty="0"/>
           </a:p>
@@ -2403,7 +2432,7 @@
           <a:p>
             <a:r>
               <a:rPr lang="en-GB" dirty="0"/>
-              <a:t>Optimising code</a:t>
+              <a:t>Creating matrices</a:t>
             </a:r>
           </a:p>
         </p:txBody>
@@ -2430,36 +2459,25 @@
           <a:lstStyle/>
           <a:p>
             <a:r>
-              <a:rPr lang="en-GB" dirty="0"/>
-              <a:t>Tic toc</a:t>
-            </a:r>
-          </a:p>
-          <a:p>
-            <a:pPr lvl="1"/>
-            <a:r>
-              <a:rPr lang="en-GB" dirty="0"/>
-              <a:t>Demo</a:t>
-            </a:r>
-          </a:p>
-          <a:p>
-            <a:r>
-              <a:rPr lang="en-GB" dirty="0"/>
-              <a:t>Profiler</a:t>
-            </a:r>
-          </a:p>
-          <a:p>
-            <a:pPr lvl="1"/>
-            <a:r>
-              <a:rPr lang="en-GB" dirty="0"/>
-              <a:t>Demo</a:t>
-            </a:r>
+              <a:rPr lang="en-GB" sz="2800" dirty="0">
+                <a:solidFill>
+                  <a:srgbClr val="FF0000"/>
+                </a:solidFill>
+              </a:rPr>
+              <a:t>[Have them do an exercise]</a:t>
+            </a:r>
+            <a:endParaRPr lang="en-GB" dirty="0">
+              <a:solidFill>
+                <a:srgbClr val="FF0000"/>
+              </a:solidFill>
+            </a:endParaRPr>
           </a:p>
         </p:txBody>
       </p:sp>
     </p:spTree>
     <p:extLst>
       <p:ext uri="{BB962C8B-B14F-4D97-AF65-F5344CB8AC3E}">
-        <p14:creationId xmlns:p14="http://schemas.microsoft.com/office/powerpoint/2010/main" val="1218872746"/>
+        <p14:creationId xmlns:p14="http://schemas.microsoft.com/office/powerpoint/2010/main" val="3472984134"/>
       </p:ext>
     </p:extLst>
   </p:cSld>
@@ -2491,7 +2509,7 @@
           <p:cNvPr id="2" name="Title 1">
             <a:extLst>
               <a:ext uri="{FF2B5EF4-FFF2-40B4-BE49-F238E27FC236}">
-                <a16:creationId xmlns:a16="http://schemas.microsoft.com/office/drawing/2014/main" id="{8EEF9218-B50A-424A-A99D-57BA08F4A8E3}"/>
+                <a16:creationId xmlns:a16="http://schemas.microsoft.com/office/drawing/2014/main" id="{8B0C5865-E132-43F0-814F-C61B94E5671C}"/>
               </a:ext>
             </a:extLst>
           </p:cNvPr>
@@ -2507,73 +2525,65 @@
           <a:bodyPr/>
           <a:lstStyle/>
           <a:p>
-            <a:endParaRPr lang="en-GB" dirty="0"/>
+            <a:r>
+              <a:rPr lang="en-GB" dirty="0"/>
+              <a:t>Accessing matrix data</a:t>
+            </a:r>
           </a:p>
         </p:txBody>
       </p:sp>
       <p:sp>
         <p:nvSpPr>
-          <p:cNvPr id="4" name="TextBox 3">
+          <p:cNvPr id="3" name="Content Placeholder 2">
             <a:extLst>
               <a:ext uri="{FF2B5EF4-FFF2-40B4-BE49-F238E27FC236}">
-                <a16:creationId xmlns:a16="http://schemas.microsoft.com/office/drawing/2014/main" id="{31426854-EE0B-4A5A-AC6D-2BF50C4B1D90}"/>
+                <a16:creationId xmlns:a16="http://schemas.microsoft.com/office/drawing/2014/main" id="{B00B5046-B5DF-4F1A-AFA6-4A5FA79CAEFA}"/>
               </a:ext>
             </a:extLst>
           </p:cNvPr>
-          <p:cNvSpPr txBox="1"/>
-          <p:nvPr/>
+          <p:cNvSpPr>
+            <a:spLocks noGrp="1"/>
+          </p:cNvSpPr>
+          <p:nvPr>
+            <p:ph idx="1"/>
+          </p:nvPr>
         </p:nvSpPr>
-        <p:spPr>
-          <a:xfrm>
-            <a:off x="2052408" y="3136612"/>
-            <a:ext cx="8087183" cy="584775"/>
-          </a:xfrm>
-          <a:prstGeom prst="rect">
-            <a:avLst/>
-          </a:prstGeom>
-          <a:noFill/>
-        </p:spPr>
+        <p:spPr/>
         <p:txBody>
-          <a:bodyPr wrap="square" rtlCol="0">
-            <a:spAutoFit/>
-          </a:bodyPr>
+          <a:bodyPr/>
           <a:lstStyle/>
           <a:p>
-            <a:pPr algn="ctr"/>
-            <a:r>
-              <a:rPr lang="en-GB" sz="3200" dirty="0"/>
-              <a:t>Visualising data</a:t>
-            </a:r>
-            <a:endParaRPr lang="en-GB" sz="2800" dirty="0">
-              <a:solidFill>
-                <a:schemeClr val="tx1"/>
-              </a:solidFill>
-            </a:endParaRPr>
+            <a:r>
+              <a:rPr lang="en-GB" sz="2800" dirty="0"/>
+              <a:t>Access values in a matrix using coordinates</a:t>
+            </a:r>
+            <a:endParaRPr lang="en-GB" dirty="0"/>
+          </a:p>
+          <a:p>
+            <a:pPr lvl="1"/>
+            <a:endParaRPr lang="en-GB" dirty="0"/>
+          </a:p>
+          <a:p>
+            <a:pPr marL="0" indent="0">
+              <a:buNone/>
+            </a:pPr>
+            <a:endParaRPr lang="en-GB" dirty="0"/>
+          </a:p>
+          <a:p>
+            <a:endParaRPr lang="en-GB" dirty="0"/>
           </a:p>
         </p:txBody>
       </p:sp>
     </p:spTree>
     <p:extLst>
       <p:ext uri="{BB962C8B-B14F-4D97-AF65-F5344CB8AC3E}">
-        <p14:creationId xmlns:p14="http://schemas.microsoft.com/office/powerpoint/2010/main" val="1305681593"/>
+        <p14:creationId xmlns:p14="http://schemas.microsoft.com/office/powerpoint/2010/main" val="4110354984"/>
       </p:ext>
     </p:extLst>
   </p:cSld>
   <p:clrMapOvr>
     <a:masterClrMapping/>
   </p:clrMapOvr>
-  <mc:AlternateContent xmlns:mc="http://schemas.openxmlformats.org/markup-compatibility/2006" xmlns:p14="http://schemas.microsoft.com/office/powerpoint/2010/main">
-    <mc:Choice Requires="p14">
-      <p:transition p14:dur="300">
-        <p:fade/>
-      </p:transition>
-    </mc:Choice>
-    <mc:Fallback xmlns="">
-      <p:transition>
-        <p:fade/>
-      </p:transition>
-    </mc:Fallback>
-  </mc:AlternateContent>
 </p:sld>
 </file>
 
@@ -2617,7 +2627,7 @@
           <a:p>
             <a:r>
               <a:rPr lang="en-GB" dirty="0"/>
-              <a:t>Image loading</a:t>
+              <a:t>Introduction to matrices</a:t>
             </a:r>
           </a:p>
         </p:txBody>
@@ -2645,46 +2655,47 @@
           <a:p>
             <a:r>
               <a:rPr lang="en-GB" dirty="0"/>
-              <a:t>Figures and plotting</a:t>
+              <a:t>Demo creating a small matrix</a:t>
             </a:r>
           </a:p>
           <a:p>
             <a:r>
               <a:rPr lang="en-GB" dirty="0"/>
-              <a:t>Generate a 1D trace, then plot this</a:t>
+              <a:t>Could use rand(3)</a:t>
             </a:r>
           </a:p>
           <a:p>
             <a:r>
               <a:rPr lang="en-GB" dirty="0"/>
-              <a:t>Functions</a:t>
+              <a:t>Dimension order</a:t>
+            </a:r>
+          </a:p>
+          <a:p>
+            <a:r>
+              <a:rPr lang="en-GB" dirty="0"/>
+              <a:t>Indexing</a:t>
             </a:r>
           </a:p>
           <a:p>
             <a:pPr lvl="1"/>
             <a:r>
               <a:rPr lang="en-GB" dirty="0"/>
-              <a:t>hold</a:t>
+              <a:t>Accessing a single value</a:t>
             </a:r>
           </a:p>
           <a:p>
             <a:pPr lvl="1"/>
             <a:r>
-              <a:rPr lang="en-GB" dirty="0" err="1"/>
-              <a:t>gca</a:t>
-            </a:r>
-            <a:endParaRPr lang="en-GB" dirty="0"/>
-          </a:p>
-          <a:p>
-            <a:pPr lvl="1"/>
-            <a:endParaRPr lang="en-GB" dirty="0"/>
+              <a:rPr lang="en-GB" dirty="0"/>
+              <a:t>Accessing a range of values</a:t>
+            </a:r>
           </a:p>
         </p:txBody>
       </p:sp>
     </p:spTree>
     <p:extLst>
       <p:ext uri="{BB962C8B-B14F-4D97-AF65-F5344CB8AC3E}">
-        <p14:creationId xmlns:p14="http://schemas.microsoft.com/office/powerpoint/2010/main" val="2694363004"/>
+        <p14:creationId xmlns:p14="http://schemas.microsoft.com/office/powerpoint/2010/main" val="2285108047"/>
       </p:ext>
     </p:extLst>
   </p:cSld>
@@ -2716,7 +2727,7 @@
           <p:cNvPr id="2" name="Title 1">
             <a:extLst>
               <a:ext uri="{FF2B5EF4-FFF2-40B4-BE49-F238E27FC236}">
-                <a16:creationId xmlns:a16="http://schemas.microsoft.com/office/drawing/2014/main" id="{8EEF9218-B50A-424A-A99D-57BA08F4A8E3}"/>
+                <a16:creationId xmlns:a16="http://schemas.microsoft.com/office/drawing/2014/main" id="{8B0C5865-E132-43F0-814F-C61B94E5671C}"/>
               </a:ext>
             </a:extLst>
           </p:cNvPr>
@@ -2732,73 +2743,72 @@
           <a:bodyPr/>
           <a:lstStyle/>
           <a:p>
-            <a:endParaRPr lang="en-GB" dirty="0"/>
+            <a:r>
+              <a:rPr lang="en-GB" dirty="0"/>
+              <a:t>Introduction to matrices</a:t>
+            </a:r>
           </a:p>
         </p:txBody>
       </p:sp>
       <p:sp>
         <p:nvSpPr>
-          <p:cNvPr id="4" name="TextBox 3">
+          <p:cNvPr id="3" name="Content Placeholder 2">
             <a:extLst>
               <a:ext uri="{FF2B5EF4-FFF2-40B4-BE49-F238E27FC236}">
-                <a16:creationId xmlns:a16="http://schemas.microsoft.com/office/drawing/2014/main" id="{31426854-EE0B-4A5A-AC6D-2BF50C4B1D90}"/>
+                <a16:creationId xmlns:a16="http://schemas.microsoft.com/office/drawing/2014/main" id="{B00B5046-B5DF-4F1A-AFA6-4A5FA79CAEFA}"/>
               </a:ext>
             </a:extLst>
           </p:cNvPr>
-          <p:cNvSpPr txBox="1"/>
-          <p:nvPr/>
+          <p:cNvSpPr>
+            <a:spLocks noGrp="1"/>
+          </p:cNvSpPr>
+          <p:nvPr>
+            <p:ph idx="1"/>
+          </p:nvPr>
         </p:nvSpPr>
-        <p:spPr>
-          <a:xfrm>
-            <a:off x="2052408" y="3136612"/>
-            <a:ext cx="8087183" cy="584775"/>
-          </a:xfrm>
-          <a:prstGeom prst="rect">
-            <a:avLst/>
-          </a:prstGeom>
-          <a:noFill/>
-        </p:spPr>
+        <p:spPr/>
         <p:txBody>
-          <a:bodyPr wrap="square" rtlCol="0">
-            <a:spAutoFit/>
-          </a:bodyPr>
+          <a:bodyPr/>
           <a:lstStyle/>
           <a:p>
-            <a:pPr algn="ctr"/>
-            <a:r>
-              <a:rPr lang="en-GB" sz="3200" dirty="0"/>
-              <a:t>Image processing</a:t>
-            </a:r>
-            <a:endParaRPr lang="en-GB" sz="2800" dirty="0">
-              <a:solidFill>
-                <a:schemeClr val="tx1"/>
-              </a:solidFill>
-            </a:endParaRPr>
+            <a:r>
+              <a:rPr lang="en-GB" dirty="0"/>
+              <a:t>Matrix operations</a:t>
+            </a:r>
+          </a:p>
+          <a:p>
+            <a:pPr lvl="1"/>
+            <a:r>
+              <a:rPr lang="en-GB" dirty="0"/>
+              <a:t>Start by adding a single value to a matrix</a:t>
+            </a:r>
+          </a:p>
+          <a:p>
+            <a:pPr lvl="1"/>
+            <a:r>
+              <a:rPr lang="en-GB" dirty="0"/>
+              <a:t>Add two matrices together</a:t>
+            </a:r>
+          </a:p>
+          <a:p>
+            <a:pPr lvl="1"/>
+            <a:r>
+              <a:rPr lang="en-GB" dirty="0"/>
+              <a:t>Talk about the element-wise dot (e.g. .*)</a:t>
+            </a:r>
           </a:p>
         </p:txBody>
       </p:sp>
     </p:spTree>
     <p:extLst>
       <p:ext uri="{BB962C8B-B14F-4D97-AF65-F5344CB8AC3E}">
-        <p14:creationId xmlns:p14="http://schemas.microsoft.com/office/powerpoint/2010/main" val="519321222"/>
+        <p14:creationId xmlns:p14="http://schemas.microsoft.com/office/powerpoint/2010/main" val="909048802"/>
       </p:ext>
     </p:extLst>
   </p:cSld>
   <p:clrMapOvr>
     <a:masterClrMapping/>
   </p:clrMapOvr>
-  <mc:AlternateContent xmlns:mc="http://schemas.openxmlformats.org/markup-compatibility/2006" xmlns:p14="http://schemas.microsoft.com/office/powerpoint/2010/main">
-    <mc:Choice Requires="p14">
-      <p:transition p14:dur="300">
-        <p:fade/>
-      </p:transition>
-    </mc:Choice>
-    <mc:Fallback xmlns="">
-      <p:transition>
-        <p:fade/>
-      </p:transition>
-    </mc:Fallback>
-  </mc:AlternateContent>
 </p:sld>
 </file>
 
@@ -2842,7 +2852,7 @@
           <a:p>
             <a:r>
               <a:rPr lang="en-GB" dirty="0"/>
-              <a:t>Image loading</a:t>
+              <a:t>Initialising matrices</a:t>
             </a:r>
           </a:p>
         </p:txBody>
@@ -2870,35 +2880,43 @@
           <a:p>
             <a:r>
               <a:rPr lang="en-GB" dirty="0"/>
-              <a:t>Using standard libraries</a:t>
+              <a:t>Why and how?</a:t>
+            </a:r>
+          </a:p>
+          <a:p>
+            <a:r>
+              <a:rPr lang="en-GB" dirty="0"/>
+              <a:t>Demo of creating a matrix</a:t>
             </a:r>
           </a:p>
           <a:p>
             <a:pPr lvl="1"/>
             <a:r>
-              <a:rPr lang="en-GB" dirty="0" err="1"/>
-              <a:t>imread</a:t>
-            </a:r>
+              <a:rPr lang="en-GB" dirty="0"/>
+              <a:t>Non-initialised</a:t>
+            </a:r>
+          </a:p>
+          <a:p>
+            <a:pPr lvl="1"/>
+            <a:r>
+              <a:rPr lang="en-GB" dirty="0"/>
+              <a:t>Initialised</a:t>
+            </a:r>
+          </a:p>
+          <a:p>
+            <a:pPr lvl="1"/>
             <a:endParaRPr lang="en-GB" dirty="0"/>
           </a:p>
           <a:p>
-            <a:r>
-              <a:rPr lang="en-GB" dirty="0"/>
-              <a:t>Oh look, they’re matrices</a:t>
-            </a:r>
-          </a:p>
-          <a:p>
-            <a:r>
-              <a:rPr lang="en-GB" dirty="0"/>
-              <a:t>Multidimensionality</a:t>
-            </a:r>
+            <a:pPr lvl="1"/>
+            <a:endParaRPr lang="en-GB" dirty="0"/>
           </a:p>
         </p:txBody>
       </p:sp>
     </p:spTree>
     <p:extLst>
       <p:ext uri="{BB962C8B-B14F-4D97-AF65-F5344CB8AC3E}">
-        <p14:creationId xmlns:p14="http://schemas.microsoft.com/office/powerpoint/2010/main" val="2947281789"/>
+        <p14:creationId xmlns:p14="http://schemas.microsoft.com/office/powerpoint/2010/main" val="1466587016"/>
       </p:ext>
     </p:extLst>
   </p:cSld>
@@ -2948,7 +2966,7 @@
           <a:p>
             <a:r>
               <a:rPr lang="en-GB" dirty="0"/>
-              <a:t>Visualising images</a:t>
+              <a:t>Optimising code</a:t>
             </a:r>
           </a:p>
         </p:txBody>
@@ -2976,30 +2994,35 @@
           <a:p>
             <a:r>
               <a:rPr lang="en-GB" dirty="0"/>
-              <a:t>image</a:t>
+              <a:t>Tic toc</a:t>
             </a:r>
           </a:p>
           <a:p>
             <a:pPr lvl="1"/>
             <a:r>
-              <a:rPr lang="en-GB" dirty="0" err="1"/>
-              <a:t>imagesc</a:t>
-            </a:r>
-            <a:endParaRPr lang="en-GB" dirty="0"/>
-          </a:p>
-          <a:p>
-            <a:r>
-              <a:rPr lang="en-GB" dirty="0" err="1"/>
-              <a:t>imshow</a:t>
-            </a:r>
-            <a:endParaRPr lang="en-GB" dirty="0"/>
+              <a:rPr lang="en-GB" dirty="0"/>
+              <a:t>Demo</a:t>
+            </a:r>
+          </a:p>
+          <a:p>
+            <a:r>
+              <a:rPr lang="en-GB" dirty="0"/>
+              <a:t>Profiler</a:t>
+            </a:r>
+          </a:p>
+          <a:p>
+            <a:pPr lvl="1"/>
+            <a:r>
+              <a:rPr lang="en-GB" dirty="0"/>
+              <a:t>Demo</a:t>
+            </a:r>
           </a:p>
         </p:txBody>
       </p:sp>
     </p:spTree>
     <p:extLst>
       <p:ext uri="{BB962C8B-B14F-4D97-AF65-F5344CB8AC3E}">
-        <p14:creationId xmlns:p14="http://schemas.microsoft.com/office/powerpoint/2010/main" val="1668107566"/>
+        <p14:creationId xmlns:p14="http://schemas.microsoft.com/office/powerpoint/2010/main" val="1218872746"/>
       </p:ext>
     </p:extLst>
   </p:cSld>
@@ -3031,7 +3054,7 @@
           <p:cNvPr id="2" name="Title 1">
             <a:extLst>
               <a:ext uri="{FF2B5EF4-FFF2-40B4-BE49-F238E27FC236}">
-                <a16:creationId xmlns:a16="http://schemas.microsoft.com/office/drawing/2014/main" id="{8B0C5865-E132-43F0-814F-C61B94E5671C}"/>
+                <a16:creationId xmlns:a16="http://schemas.microsoft.com/office/drawing/2014/main" id="{8EEF9218-B50A-424A-A99D-57BA08F4A8E3}"/>
               </a:ext>
             </a:extLst>
           </p:cNvPr>
@@ -3047,79 +3070,73 @@
           <a:bodyPr/>
           <a:lstStyle/>
           <a:p>
-            <a:r>
-              <a:rPr lang="en-GB" dirty="0"/>
-              <a:t>Image processing</a:t>
-            </a:r>
+            <a:endParaRPr lang="en-GB" dirty="0"/>
           </a:p>
         </p:txBody>
       </p:sp>
       <p:sp>
         <p:nvSpPr>
-          <p:cNvPr id="3" name="Content Placeholder 2">
+          <p:cNvPr id="4" name="TextBox 3">
             <a:extLst>
               <a:ext uri="{FF2B5EF4-FFF2-40B4-BE49-F238E27FC236}">
-                <a16:creationId xmlns:a16="http://schemas.microsoft.com/office/drawing/2014/main" id="{B00B5046-B5DF-4F1A-AFA6-4A5FA79CAEFA}"/>
+                <a16:creationId xmlns:a16="http://schemas.microsoft.com/office/drawing/2014/main" id="{31426854-EE0B-4A5A-AC6D-2BF50C4B1D90}"/>
               </a:ext>
             </a:extLst>
           </p:cNvPr>
-          <p:cNvSpPr>
-            <a:spLocks noGrp="1"/>
-          </p:cNvSpPr>
-          <p:nvPr>
-            <p:ph idx="1"/>
-          </p:nvPr>
+          <p:cNvSpPr txBox="1"/>
+          <p:nvPr/>
         </p:nvSpPr>
-        <p:spPr/>
+        <p:spPr>
+          <a:xfrm>
+            <a:off x="2052408" y="3136612"/>
+            <a:ext cx="8087183" cy="584775"/>
+          </a:xfrm>
+          <a:prstGeom prst="rect">
+            <a:avLst/>
+          </a:prstGeom>
+          <a:noFill/>
+        </p:spPr>
         <p:txBody>
-          <a:bodyPr/>
+          <a:bodyPr wrap="square" rtlCol="0">
+            <a:spAutoFit/>
+          </a:bodyPr>
           <a:lstStyle/>
           <a:p>
-            <a:r>
-              <a:rPr lang="en-GB" dirty="0"/>
-              <a:t>Filters</a:t>
-            </a:r>
-          </a:p>
-          <a:p>
-            <a:pPr lvl="1"/>
-            <a:r>
-              <a:rPr lang="en-GB" dirty="0"/>
-              <a:t>Median</a:t>
-            </a:r>
-          </a:p>
-          <a:p>
-            <a:pPr lvl="1"/>
-            <a:r>
-              <a:rPr lang="en-GB" dirty="0"/>
-              <a:t>Gaussian</a:t>
-            </a:r>
-            <a:endParaRPr lang="en-GB" b="1" dirty="0"/>
-          </a:p>
-          <a:p>
-            <a:r>
-              <a:rPr lang="en-GB" dirty="0"/>
-              <a:t>Thresholding</a:t>
-            </a:r>
-          </a:p>
-          <a:p>
-            <a:pPr lvl="1"/>
-            <a:r>
-              <a:rPr lang="en-GB" dirty="0"/>
-              <a:t>Otsu method</a:t>
-            </a:r>
+            <a:pPr algn="ctr"/>
+            <a:r>
+              <a:rPr lang="en-GB" sz="3200" dirty="0"/>
+              <a:t>Visualising data</a:t>
+            </a:r>
+            <a:endParaRPr lang="en-GB" sz="2800" dirty="0">
+              <a:solidFill>
+                <a:schemeClr val="tx1"/>
+              </a:solidFill>
+            </a:endParaRPr>
           </a:p>
         </p:txBody>
       </p:sp>
     </p:spTree>
     <p:extLst>
       <p:ext uri="{BB962C8B-B14F-4D97-AF65-F5344CB8AC3E}">
-        <p14:creationId xmlns:p14="http://schemas.microsoft.com/office/powerpoint/2010/main" val="3035785174"/>
+        <p14:creationId xmlns:p14="http://schemas.microsoft.com/office/powerpoint/2010/main" val="1305681593"/>
       </p:ext>
     </p:extLst>
   </p:cSld>
   <p:clrMapOvr>
     <a:masterClrMapping/>
   </p:clrMapOvr>
+  <mc:AlternateContent xmlns:mc="http://schemas.openxmlformats.org/markup-compatibility/2006" xmlns:p14="http://schemas.microsoft.com/office/powerpoint/2010/main">
+    <mc:Choice Requires="p14">
+      <p:transition p14:dur="300">
+        <p:fade/>
+      </p:transition>
+    </mc:Choice>
+    <mc:Fallback xmlns="">
+      <p:transition>
+        <p:fade/>
+      </p:transition>
+    </mc:Fallback>
+  </mc:AlternateContent>
 </p:sld>
 </file>
 
@@ -3163,7 +3180,7 @@
           <a:p>
             <a:r>
               <a:rPr lang="en-GB" dirty="0"/>
-              <a:t>Saving images</a:t>
+              <a:t>Image loading</a:t>
             </a:r>
           </a:p>
         </p:txBody>
@@ -3190,9 +3207,39 @@
           <a:lstStyle/>
           <a:p>
             <a:r>
+              <a:rPr lang="en-GB" dirty="0"/>
+              <a:t>Figures and plotting</a:t>
+            </a:r>
+          </a:p>
+          <a:p>
+            <a:r>
+              <a:rPr lang="en-GB" dirty="0"/>
+              <a:t>Generate a 1D trace, then plot this</a:t>
+            </a:r>
+          </a:p>
+          <a:p>
+            <a:r>
+              <a:rPr lang="en-GB" dirty="0"/>
+              <a:t>Functions</a:t>
+            </a:r>
+          </a:p>
+          <a:p>
+            <a:pPr lvl="1"/>
+            <a:r>
+              <a:rPr lang="en-GB" dirty="0"/>
+              <a:t>hold</a:t>
+            </a:r>
+          </a:p>
+          <a:p>
+            <a:pPr lvl="1"/>
+            <a:r>
               <a:rPr lang="en-GB" dirty="0" err="1"/>
-              <a:t>imwrite</a:t>
-            </a:r>
+              <a:t>gca</a:t>
+            </a:r>
+            <a:endParaRPr lang="en-GB" dirty="0"/>
+          </a:p>
+          <a:p>
+            <a:pPr lvl="1"/>
             <a:endParaRPr lang="en-GB" dirty="0"/>
           </a:p>
         </p:txBody>
@@ -3200,7 +3247,221 @@
     </p:spTree>
     <p:extLst>
       <p:ext uri="{BB962C8B-B14F-4D97-AF65-F5344CB8AC3E}">
-        <p14:creationId xmlns:p14="http://schemas.microsoft.com/office/powerpoint/2010/main" val="4047485129"/>
+        <p14:creationId xmlns:p14="http://schemas.microsoft.com/office/powerpoint/2010/main" val="2694363004"/>
+      </p:ext>
+    </p:extLst>
+  </p:cSld>
+  <p:clrMapOvr>
+    <a:masterClrMapping/>
+  </p:clrMapOvr>
+</p:sld>
+</file>
+
+<file path=ppt/slides/slide18.xml><?xml version="1.0" encoding="utf-8"?>
+<p:sld xmlns:a="http://schemas.openxmlformats.org/drawingml/2006/main" xmlns:r="http://schemas.openxmlformats.org/officeDocument/2006/relationships" xmlns:p="http://schemas.openxmlformats.org/presentationml/2006/main">
+  <p:cSld>
+    <p:spTree>
+      <p:nvGrpSpPr>
+        <p:cNvPr id="1" name=""/>
+        <p:cNvGrpSpPr/>
+        <p:nvPr/>
+      </p:nvGrpSpPr>
+      <p:grpSpPr>
+        <a:xfrm>
+          <a:off x="0" y="0"/>
+          <a:ext cx="0" cy="0"/>
+          <a:chOff x="0" y="0"/>
+          <a:chExt cx="0" cy="0"/>
+        </a:xfrm>
+      </p:grpSpPr>
+      <p:sp>
+        <p:nvSpPr>
+          <p:cNvPr id="2" name="Title 1">
+            <a:extLst>
+              <a:ext uri="{FF2B5EF4-FFF2-40B4-BE49-F238E27FC236}">
+                <a16:creationId xmlns:a16="http://schemas.microsoft.com/office/drawing/2014/main" id="{8EEF9218-B50A-424A-A99D-57BA08F4A8E3}"/>
+              </a:ext>
+            </a:extLst>
+          </p:cNvPr>
+          <p:cNvSpPr>
+            <a:spLocks noGrp="1"/>
+          </p:cNvSpPr>
+          <p:nvPr>
+            <p:ph type="title"/>
+          </p:nvPr>
+        </p:nvSpPr>
+        <p:spPr/>
+        <p:txBody>
+          <a:bodyPr/>
+          <a:lstStyle/>
+          <a:p>
+            <a:endParaRPr lang="en-GB" dirty="0"/>
+          </a:p>
+        </p:txBody>
+      </p:sp>
+      <p:sp>
+        <p:nvSpPr>
+          <p:cNvPr id="4" name="TextBox 3">
+            <a:extLst>
+              <a:ext uri="{FF2B5EF4-FFF2-40B4-BE49-F238E27FC236}">
+                <a16:creationId xmlns:a16="http://schemas.microsoft.com/office/drawing/2014/main" id="{31426854-EE0B-4A5A-AC6D-2BF50C4B1D90}"/>
+              </a:ext>
+            </a:extLst>
+          </p:cNvPr>
+          <p:cNvSpPr txBox="1"/>
+          <p:nvPr/>
+        </p:nvSpPr>
+        <p:spPr>
+          <a:xfrm>
+            <a:off x="2052408" y="3136612"/>
+            <a:ext cx="8087183" cy="584775"/>
+          </a:xfrm>
+          <a:prstGeom prst="rect">
+            <a:avLst/>
+          </a:prstGeom>
+          <a:noFill/>
+        </p:spPr>
+        <p:txBody>
+          <a:bodyPr wrap="square" rtlCol="0">
+            <a:spAutoFit/>
+          </a:bodyPr>
+          <a:lstStyle/>
+          <a:p>
+            <a:pPr algn="ctr"/>
+            <a:r>
+              <a:rPr lang="en-GB" sz="3200" dirty="0"/>
+              <a:t>Image processing</a:t>
+            </a:r>
+            <a:endParaRPr lang="en-GB" sz="2800" dirty="0">
+              <a:solidFill>
+                <a:schemeClr val="tx1"/>
+              </a:solidFill>
+            </a:endParaRPr>
+          </a:p>
+        </p:txBody>
+      </p:sp>
+    </p:spTree>
+    <p:extLst>
+      <p:ext uri="{BB962C8B-B14F-4D97-AF65-F5344CB8AC3E}">
+        <p14:creationId xmlns:p14="http://schemas.microsoft.com/office/powerpoint/2010/main" val="519321222"/>
+      </p:ext>
+    </p:extLst>
+  </p:cSld>
+  <p:clrMapOvr>
+    <a:masterClrMapping/>
+  </p:clrMapOvr>
+  <mc:AlternateContent xmlns:mc="http://schemas.openxmlformats.org/markup-compatibility/2006" xmlns:p14="http://schemas.microsoft.com/office/powerpoint/2010/main">
+    <mc:Choice Requires="p14">
+      <p:transition p14:dur="300">
+        <p:fade/>
+      </p:transition>
+    </mc:Choice>
+    <mc:Fallback xmlns="">
+      <p:transition>
+        <p:fade/>
+      </p:transition>
+    </mc:Fallback>
+  </mc:AlternateContent>
+</p:sld>
+</file>
+
+<file path=ppt/slides/slide19.xml><?xml version="1.0" encoding="utf-8"?>
+<p:sld xmlns:a="http://schemas.openxmlformats.org/drawingml/2006/main" xmlns:r="http://schemas.openxmlformats.org/officeDocument/2006/relationships" xmlns:p="http://schemas.openxmlformats.org/presentationml/2006/main">
+  <p:cSld>
+    <p:spTree>
+      <p:nvGrpSpPr>
+        <p:cNvPr id="1" name=""/>
+        <p:cNvGrpSpPr/>
+        <p:nvPr/>
+      </p:nvGrpSpPr>
+      <p:grpSpPr>
+        <a:xfrm>
+          <a:off x="0" y="0"/>
+          <a:ext cx="0" cy="0"/>
+          <a:chOff x="0" y="0"/>
+          <a:chExt cx="0" cy="0"/>
+        </a:xfrm>
+      </p:grpSpPr>
+      <p:sp>
+        <p:nvSpPr>
+          <p:cNvPr id="2" name="Title 1">
+            <a:extLst>
+              <a:ext uri="{FF2B5EF4-FFF2-40B4-BE49-F238E27FC236}">
+                <a16:creationId xmlns:a16="http://schemas.microsoft.com/office/drawing/2014/main" id="{8B0C5865-E132-43F0-814F-C61B94E5671C}"/>
+              </a:ext>
+            </a:extLst>
+          </p:cNvPr>
+          <p:cNvSpPr>
+            <a:spLocks noGrp="1"/>
+          </p:cNvSpPr>
+          <p:nvPr>
+            <p:ph type="title"/>
+          </p:nvPr>
+        </p:nvSpPr>
+        <p:spPr/>
+        <p:txBody>
+          <a:bodyPr/>
+          <a:lstStyle/>
+          <a:p>
+            <a:r>
+              <a:rPr lang="en-GB" dirty="0"/>
+              <a:t>Image loading</a:t>
+            </a:r>
+          </a:p>
+        </p:txBody>
+      </p:sp>
+      <p:sp>
+        <p:nvSpPr>
+          <p:cNvPr id="3" name="Content Placeholder 2">
+            <a:extLst>
+              <a:ext uri="{FF2B5EF4-FFF2-40B4-BE49-F238E27FC236}">
+                <a16:creationId xmlns:a16="http://schemas.microsoft.com/office/drawing/2014/main" id="{B00B5046-B5DF-4F1A-AFA6-4A5FA79CAEFA}"/>
+              </a:ext>
+            </a:extLst>
+          </p:cNvPr>
+          <p:cNvSpPr>
+            <a:spLocks noGrp="1"/>
+          </p:cNvSpPr>
+          <p:nvPr>
+            <p:ph idx="1"/>
+          </p:nvPr>
+        </p:nvSpPr>
+        <p:spPr/>
+        <p:txBody>
+          <a:bodyPr/>
+          <a:lstStyle/>
+          <a:p>
+            <a:r>
+              <a:rPr lang="en-GB" dirty="0"/>
+              <a:t>Using standard libraries</a:t>
+            </a:r>
+          </a:p>
+          <a:p>
+            <a:pPr lvl="1"/>
+            <a:r>
+              <a:rPr lang="en-GB" dirty="0" err="1"/>
+              <a:t>imread</a:t>
+            </a:r>
+            <a:endParaRPr lang="en-GB" dirty="0"/>
+          </a:p>
+          <a:p>
+            <a:r>
+              <a:rPr lang="en-GB" dirty="0"/>
+              <a:t>Oh look, they’re matrices</a:t>
+            </a:r>
+          </a:p>
+          <a:p>
+            <a:r>
+              <a:rPr lang="en-GB" dirty="0"/>
+              <a:t>Multidimensionality</a:t>
+            </a:r>
+          </a:p>
+        </p:txBody>
+      </p:sp>
+    </p:spTree>
+    <p:extLst>
+      <p:ext uri="{BB962C8B-B14F-4D97-AF65-F5344CB8AC3E}">
+        <p14:creationId xmlns:p14="http://schemas.microsoft.com/office/powerpoint/2010/main" val="2947281789"/>
       </p:ext>
     </p:extLst>
   </p:cSld>
@@ -3899,6 +4160,47 @@
           </p:txBody>
         </p:sp>
       </p:grpSp>
+      <p:cxnSp>
+        <p:nvCxnSpPr>
+          <p:cNvPr id="9" name="Straight Connector 8">
+            <a:extLst>
+              <a:ext uri="{FF2B5EF4-FFF2-40B4-BE49-F238E27FC236}">
+                <a16:creationId xmlns:a16="http://schemas.microsoft.com/office/drawing/2014/main" id="{80BBB059-26DA-449D-AAC9-D94184DEC30C}"/>
+              </a:ext>
+            </a:extLst>
+          </p:cNvPr>
+          <p:cNvCxnSpPr/>
+          <p:nvPr/>
+        </p:nvCxnSpPr>
+        <p:spPr>
+          <a:xfrm>
+            <a:off x="6862194" y="1946246"/>
+            <a:ext cx="2457975" cy="0"/>
+          </a:xfrm>
+          <a:prstGeom prst="line">
+            <a:avLst/>
+          </a:prstGeom>
+          <a:ln w="57150">
+            <a:solidFill>
+              <a:srgbClr val="FF0000"/>
+            </a:solidFill>
+          </a:ln>
+        </p:spPr>
+        <p:style>
+          <a:lnRef idx="1">
+            <a:schemeClr val="accent1"/>
+          </a:lnRef>
+          <a:fillRef idx="0">
+            <a:schemeClr val="accent1"/>
+          </a:fillRef>
+          <a:effectRef idx="0">
+            <a:schemeClr val="accent1"/>
+          </a:effectRef>
+          <a:fontRef idx="minor">
+            <a:schemeClr val="tx1"/>
+          </a:fontRef>
+        </p:style>
+      </p:cxnSp>
     </p:spTree>
     <p:extLst>
       <p:ext uri="{BB962C8B-B14F-4D97-AF65-F5344CB8AC3E}">
@@ -4007,6 +4309,308 @@
 </p:sld>
 </file>
 
+<file path=ppt/slides/slide20.xml><?xml version="1.0" encoding="utf-8"?>
+<p:sld xmlns:a="http://schemas.openxmlformats.org/drawingml/2006/main" xmlns:r="http://schemas.openxmlformats.org/officeDocument/2006/relationships" xmlns:p="http://schemas.openxmlformats.org/presentationml/2006/main">
+  <p:cSld>
+    <p:spTree>
+      <p:nvGrpSpPr>
+        <p:cNvPr id="1" name=""/>
+        <p:cNvGrpSpPr/>
+        <p:nvPr/>
+      </p:nvGrpSpPr>
+      <p:grpSpPr>
+        <a:xfrm>
+          <a:off x="0" y="0"/>
+          <a:ext cx="0" cy="0"/>
+          <a:chOff x="0" y="0"/>
+          <a:chExt cx="0" cy="0"/>
+        </a:xfrm>
+      </p:grpSpPr>
+      <p:sp>
+        <p:nvSpPr>
+          <p:cNvPr id="2" name="Title 1">
+            <a:extLst>
+              <a:ext uri="{FF2B5EF4-FFF2-40B4-BE49-F238E27FC236}">
+                <a16:creationId xmlns:a16="http://schemas.microsoft.com/office/drawing/2014/main" id="{8B0C5865-E132-43F0-814F-C61B94E5671C}"/>
+              </a:ext>
+            </a:extLst>
+          </p:cNvPr>
+          <p:cNvSpPr>
+            <a:spLocks noGrp="1"/>
+          </p:cNvSpPr>
+          <p:nvPr>
+            <p:ph type="title"/>
+          </p:nvPr>
+        </p:nvSpPr>
+        <p:spPr/>
+        <p:txBody>
+          <a:bodyPr/>
+          <a:lstStyle/>
+          <a:p>
+            <a:r>
+              <a:rPr lang="en-GB" dirty="0"/>
+              <a:t>Visualising images</a:t>
+            </a:r>
+          </a:p>
+        </p:txBody>
+      </p:sp>
+      <p:sp>
+        <p:nvSpPr>
+          <p:cNvPr id="3" name="Content Placeholder 2">
+            <a:extLst>
+              <a:ext uri="{FF2B5EF4-FFF2-40B4-BE49-F238E27FC236}">
+                <a16:creationId xmlns:a16="http://schemas.microsoft.com/office/drawing/2014/main" id="{B00B5046-B5DF-4F1A-AFA6-4A5FA79CAEFA}"/>
+              </a:ext>
+            </a:extLst>
+          </p:cNvPr>
+          <p:cNvSpPr>
+            <a:spLocks noGrp="1"/>
+          </p:cNvSpPr>
+          <p:nvPr>
+            <p:ph idx="1"/>
+          </p:nvPr>
+        </p:nvSpPr>
+        <p:spPr/>
+        <p:txBody>
+          <a:bodyPr/>
+          <a:lstStyle/>
+          <a:p>
+            <a:r>
+              <a:rPr lang="en-GB" dirty="0"/>
+              <a:t>image</a:t>
+            </a:r>
+          </a:p>
+          <a:p>
+            <a:pPr lvl="1"/>
+            <a:r>
+              <a:rPr lang="en-GB" dirty="0" err="1"/>
+              <a:t>imagesc</a:t>
+            </a:r>
+            <a:endParaRPr lang="en-GB" dirty="0"/>
+          </a:p>
+          <a:p>
+            <a:r>
+              <a:rPr lang="en-GB" dirty="0" err="1"/>
+              <a:t>imshow</a:t>
+            </a:r>
+            <a:endParaRPr lang="en-GB" dirty="0"/>
+          </a:p>
+        </p:txBody>
+      </p:sp>
+    </p:spTree>
+    <p:extLst>
+      <p:ext uri="{BB962C8B-B14F-4D97-AF65-F5344CB8AC3E}">
+        <p14:creationId xmlns:p14="http://schemas.microsoft.com/office/powerpoint/2010/main" val="1668107566"/>
+      </p:ext>
+    </p:extLst>
+  </p:cSld>
+  <p:clrMapOvr>
+    <a:masterClrMapping/>
+  </p:clrMapOvr>
+</p:sld>
+</file>
+
+<file path=ppt/slides/slide21.xml><?xml version="1.0" encoding="utf-8"?>
+<p:sld xmlns:a="http://schemas.openxmlformats.org/drawingml/2006/main" xmlns:r="http://schemas.openxmlformats.org/officeDocument/2006/relationships" xmlns:p="http://schemas.openxmlformats.org/presentationml/2006/main">
+  <p:cSld>
+    <p:spTree>
+      <p:nvGrpSpPr>
+        <p:cNvPr id="1" name=""/>
+        <p:cNvGrpSpPr/>
+        <p:nvPr/>
+      </p:nvGrpSpPr>
+      <p:grpSpPr>
+        <a:xfrm>
+          <a:off x="0" y="0"/>
+          <a:ext cx="0" cy="0"/>
+          <a:chOff x="0" y="0"/>
+          <a:chExt cx="0" cy="0"/>
+        </a:xfrm>
+      </p:grpSpPr>
+      <p:sp>
+        <p:nvSpPr>
+          <p:cNvPr id="2" name="Title 1">
+            <a:extLst>
+              <a:ext uri="{FF2B5EF4-FFF2-40B4-BE49-F238E27FC236}">
+                <a16:creationId xmlns:a16="http://schemas.microsoft.com/office/drawing/2014/main" id="{8B0C5865-E132-43F0-814F-C61B94E5671C}"/>
+              </a:ext>
+            </a:extLst>
+          </p:cNvPr>
+          <p:cNvSpPr>
+            <a:spLocks noGrp="1"/>
+          </p:cNvSpPr>
+          <p:nvPr>
+            <p:ph type="title"/>
+          </p:nvPr>
+        </p:nvSpPr>
+        <p:spPr/>
+        <p:txBody>
+          <a:bodyPr/>
+          <a:lstStyle/>
+          <a:p>
+            <a:r>
+              <a:rPr lang="en-GB" dirty="0"/>
+              <a:t>Image processing</a:t>
+            </a:r>
+          </a:p>
+        </p:txBody>
+      </p:sp>
+      <p:sp>
+        <p:nvSpPr>
+          <p:cNvPr id="3" name="Content Placeholder 2">
+            <a:extLst>
+              <a:ext uri="{FF2B5EF4-FFF2-40B4-BE49-F238E27FC236}">
+                <a16:creationId xmlns:a16="http://schemas.microsoft.com/office/drawing/2014/main" id="{B00B5046-B5DF-4F1A-AFA6-4A5FA79CAEFA}"/>
+              </a:ext>
+            </a:extLst>
+          </p:cNvPr>
+          <p:cNvSpPr>
+            <a:spLocks noGrp="1"/>
+          </p:cNvSpPr>
+          <p:nvPr>
+            <p:ph idx="1"/>
+          </p:nvPr>
+        </p:nvSpPr>
+        <p:spPr/>
+        <p:txBody>
+          <a:bodyPr/>
+          <a:lstStyle/>
+          <a:p>
+            <a:r>
+              <a:rPr lang="en-GB" dirty="0"/>
+              <a:t>Filters</a:t>
+            </a:r>
+          </a:p>
+          <a:p>
+            <a:pPr lvl="1"/>
+            <a:r>
+              <a:rPr lang="en-GB" dirty="0"/>
+              <a:t>Median</a:t>
+            </a:r>
+          </a:p>
+          <a:p>
+            <a:pPr lvl="1"/>
+            <a:r>
+              <a:rPr lang="en-GB" dirty="0"/>
+              <a:t>Gaussian</a:t>
+            </a:r>
+            <a:endParaRPr lang="en-GB" b="1" dirty="0"/>
+          </a:p>
+          <a:p>
+            <a:r>
+              <a:rPr lang="en-GB" dirty="0"/>
+              <a:t>Thresholding</a:t>
+            </a:r>
+          </a:p>
+          <a:p>
+            <a:pPr lvl="1"/>
+            <a:r>
+              <a:rPr lang="en-GB" dirty="0"/>
+              <a:t>Otsu method</a:t>
+            </a:r>
+          </a:p>
+        </p:txBody>
+      </p:sp>
+    </p:spTree>
+    <p:extLst>
+      <p:ext uri="{BB962C8B-B14F-4D97-AF65-F5344CB8AC3E}">
+        <p14:creationId xmlns:p14="http://schemas.microsoft.com/office/powerpoint/2010/main" val="3035785174"/>
+      </p:ext>
+    </p:extLst>
+  </p:cSld>
+  <p:clrMapOvr>
+    <a:masterClrMapping/>
+  </p:clrMapOvr>
+</p:sld>
+</file>
+
+<file path=ppt/slides/slide22.xml><?xml version="1.0" encoding="utf-8"?>
+<p:sld xmlns:a="http://schemas.openxmlformats.org/drawingml/2006/main" xmlns:r="http://schemas.openxmlformats.org/officeDocument/2006/relationships" xmlns:p="http://schemas.openxmlformats.org/presentationml/2006/main">
+  <p:cSld>
+    <p:spTree>
+      <p:nvGrpSpPr>
+        <p:cNvPr id="1" name=""/>
+        <p:cNvGrpSpPr/>
+        <p:nvPr/>
+      </p:nvGrpSpPr>
+      <p:grpSpPr>
+        <a:xfrm>
+          <a:off x="0" y="0"/>
+          <a:ext cx="0" cy="0"/>
+          <a:chOff x="0" y="0"/>
+          <a:chExt cx="0" cy="0"/>
+        </a:xfrm>
+      </p:grpSpPr>
+      <p:sp>
+        <p:nvSpPr>
+          <p:cNvPr id="2" name="Title 1">
+            <a:extLst>
+              <a:ext uri="{FF2B5EF4-FFF2-40B4-BE49-F238E27FC236}">
+                <a16:creationId xmlns:a16="http://schemas.microsoft.com/office/drawing/2014/main" id="{8B0C5865-E132-43F0-814F-C61B94E5671C}"/>
+              </a:ext>
+            </a:extLst>
+          </p:cNvPr>
+          <p:cNvSpPr>
+            <a:spLocks noGrp="1"/>
+          </p:cNvSpPr>
+          <p:nvPr>
+            <p:ph type="title"/>
+          </p:nvPr>
+        </p:nvSpPr>
+        <p:spPr/>
+        <p:txBody>
+          <a:bodyPr/>
+          <a:lstStyle/>
+          <a:p>
+            <a:r>
+              <a:rPr lang="en-GB" dirty="0"/>
+              <a:t>Saving images</a:t>
+            </a:r>
+          </a:p>
+        </p:txBody>
+      </p:sp>
+      <p:sp>
+        <p:nvSpPr>
+          <p:cNvPr id="3" name="Content Placeholder 2">
+            <a:extLst>
+              <a:ext uri="{FF2B5EF4-FFF2-40B4-BE49-F238E27FC236}">
+                <a16:creationId xmlns:a16="http://schemas.microsoft.com/office/drawing/2014/main" id="{B00B5046-B5DF-4F1A-AFA6-4A5FA79CAEFA}"/>
+              </a:ext>
+            </a:extLst>
+          </p:cNvPr>
+          <p:cNvSpPr>
+            <a:spLocks noGrp="1"/>
+          </p:cNvSpPr>
+          <p:nvPr>
+            <p:ph idx="1"/>
+          </p:nvPr>
+        </p:nvSpPr>
+        <p:spPr/>
+        <p:txBody>
+          <a:bodyPr/>
+          <a:lstStyle/>
+          <a:p>
+            <a:r>
+              <a:rPr lang="en-GB" dirty="0" err="1"/>
+              <a:t>imwrite</a:t>
+            </a:r>
+            <a:endParaRPr lang="en-GB" dirty="0"/>
+          </a:p>
+        </p:txBody>
+      </p:sp>
+    </p:spTree>
+    <p:extLst>
+      <p:ext uri="{BB962C8B-B14F-4D97-AF65-F5344CB8AC3E}">
+        <p14:creationId xmlns:p14="http://schemas.microsoft.com/office/powerpoint/2010/main" val="4047485129"/>
+      </p:ext>
+    </p:extLst>
+  </p:cSld>
+  <p:clrMapOvr>
+    <a:masterClrMapping/>
+  </p:clrMapOvr>
+</p:sld>
+</file>
+
 <file path=ppt/slides/slide3.xml><?xml version="1.0" encoding="utf-8"?>
 <p:sld xmlns:a="http://schemas.openxmlformats.org/drawingml/2006/main" xmlns:r="http://schemas.openxmlformats.org/officeDocument/2006/relationships" xmlns:p="http://schemas.openxmlformats.org/presentationml/2006/main">
   <p:cSld>
@@ -4087,6 +4691,57 @@
                 <a:schemeClr val="tx1"/>
               </a:solidFill>
             </a:endParaRPr>
+          </a:p>
+        </p:txBody>
+      </p:sp>
+      <p:sp>
+        <p:nvSpPr>
+          <p:cNvPr id="5" name="TextBox 4">
+            <a:extLst>
+              <a:ext uri="{FF2B5EF4-FFF2-40B4-BE49-F238E27FC236}">
+                <a16:creationId xmlns:a16="http://schemas.microsoft.com/office/drawing/2014/main" id="{88A0D0CE-853E-4791-888E-234DF0D515B0}"/>
+              </a:ext>
+            </a:extLst>
+          </p:cNvPr>
+          <p:cNvSpPr txBox="1"/>
+          <p:nvPr/>
+        </p:nvSpPr>
+        <p:spPr>
+          <a:xfrm>
+            <a:off x="2417266" y="3661459"/>
+            <a:ext cx="7482980" cy="1569660"/>
+          </a:xfrm>
+          <a:prstGeom prst="rect">
+            <a:avLst/>
+          </a:prstGeom>
+          <a:noFill/>
+        </p:spPr>
+        <p:txBody>
+          <a:bodyPr wrap="square" rtlCol="0">
+            <a:spAutoFit/>
+          </a:bodyPr>
+          <a:lstStyle/>
+          <a:p>
+            <a:pPr algn="ctr"/>
+            <a:r>
+              <a:rPr lang="en-GB" sz="4800" dirty="0">
+                <a:solidFill>
+                  <a:srgbClr val="FF0000"/>
+                </a:solidFill>
+              </a:rPr>
+              <a:t>Is this necessary?  </a:t>
+            </a:r>
+          </a:p>
+          <a:p>
+            <a:pPr algn="ctr"/>
+            <a:r>
+              <a:rPr lang="en-GB" sz="4800" dirty="0">
+                <a:solidFill>
+                  <a:srgbClr val="FF0000"/>
+                </a:solidFill>
+              </a:rPr>
+              <a:t>It’s just another function…</a:t>
+            </a:r>
           </a:p>
         </p:txBody>
       </p:sp>
@@ -4219,6 +4874,57 @@
           </a:p>
         </p:txBody>
       </p:sp>
+      <p:sp>
+        <p:nvSpPr>
+          <p:cNvPr id="4" name="TextBox 3">
+            <a:extLst>
+              <a:ext uri="{FF2B5EF4-FFF2-40B4-BE49-F238E27FC236}">
+                <a16:creationId xmlns:a16="http://schemas.microsoft.com/office/drawing/2014/main" id="{AFE64C81-16B2-435A-9A2D-48939DC62FC4}"/>
+              </a:ext>
+            </a:extLst>
+          </p:cNvPr>
+          <p:cNvSpPr txBox="1"/>
+          <p:nvPr/>
+        </p:nvSpPr>
+        <p:spPr>
+          <a:xfrm>
+            <a:off x="2417266" y="3661459"/>
+            <a:ext cx="7482980" cy="1569660"/>
+          </a:xfrm>
+          <a:prstGeom prst="rect">
+            <a:avLst/>
+          </a:prstGeom>
+          <a:noFill/>
+        </p:spPr>
+        <p:txBody>
+          <a:bodyPr wrap="square" rtlCol="0">
+            <a:spAutoFit/>
+          </a:bodyPr>
+          <a:lstStyle/>
+          <a:p>
+            <a:pPr algn="ctr"/>
+            <a:r>
+              <a:rPr lang="en-GB" sz="4800" dirty="0">
+                <a:solidFill>
+                  <a:srgbClr val="FF0000"/>
+                </a:solidFill>
+              </a:rPr>
+              <a:t>Is this necessary?  </a:t>
+            </a:r>
+          </a:p>
+          <a:p>
+            <a:pPr algn="ctr"/>
+            <a:r>
+              <a:rPr lang="en-GB" sz="4800" dirty="0">
+                <a:solidFill>
+                  <a:srgbClr val="FF0000"/>
+                </a:solidFill>
+              </a:rPr>
+              <a:t>It’s just another function…</a:t>
+            </a:r>
+          </a:p>
+        </p:txBody>
+      </p:sp>
     </p:spTree>
     <p:extLst>
       <p:ext uri="{BB962C8B-B14F-4D97-AF65-F5344CB8AC3E}">
@@ -4320,6 +5026,61 @@
             <a:r>
               <a:rPr lang="en-GB" dirty="0"/>
               <a:t> (say we will cover this in more detail later)</a:t>
+            </a:r>
+          </a:p>
+          <a:p>
+            <a:pPr lvl="1"/>
+            <a:endParaRPr lang="en-GB" dirty="0"/>
+          </a:p>
+        </p:txBody>
+      </p:sp>
+      <p:sp>
+        <p:nvSpPr>
+          <p:cNvPr id="4" name="TextBox 3">
+            <a:extLst>
+              <a:ext uri="{FF2B5EF4-FFF2-40B4-BE49-F238E27FC236}">
+                <a16:creationId xmlns:a16="http://schemas.microsoft.com/office/drawing/2014/main" id="{8698B1F1-5740-427E-879D-71EAD4CF19C1}"/>
+              </a:ext>
+            </a:extLst>
+          </p:cNvPr>
+          <p:cNvSpPr txBox="1"/>
+          <p:nvPr/>
+        </p:nvSpPr>
+        <p:spPr>
+          <a:xfrm>
+            <a:off x="2417266" y="3661459"/>
+            <a:ext cx="7482980" cy="1569660"/>
+          </a:xfrm>
+          <a:prstGeom prst="rect">
+            <a:avLst/>
+          </a:prstGeom>
+          <a:noFill/>
+        </p:spPr>
+        <p:txBody>
+          <a:bodyPr wrap="square" rtlCol="0">
+            <a:spAutoFit/>
+          </a:bodyPr>
+          <a:lstStyle/>
+          <a:p>
+            <a:pPr algn="ctr"/>
+            <a:r>
+              <a:rPr lang="en-GB" sz="4800" dirty="0">
+                <a:solidFill>
+                  <a:srgbClr val="FF0000"/>
+                </a:solidFill>
+              </a:rPr>
+              <a:t>Is this necessary?  </a:t>
+            </a:r>
+          </a:p>
+          <a:p>
+            <a:pPr algn="ctr"/>
+            <a:r>
+              <a:rPr lang="en-GB" sz="4800" dirty="0">
+                <a:solidFill>
+                  <a:srgbClr val="FF0000"/>
+                </a:solidFill>
+              </a:rPr>
+              <a:t>It’s just another function…</a:t>
             </a:r>
           </a:p>
         </p:txBody>
@@ -4512,38 +5273,91 @@
           <a:lstStyle/>
           <a:p>
             <a:r>
+              <a:rPr lang="en-GB" sz="2800" dirty="0"/>
+              <a:t>So far we’ve only looked at variables holding a single value</a:t>
+            </a:r>
+          </a:p>
+          <a:p>
+            <a:endParaRPr lang="en-GB" sz="1200" dirty="0"/>
+          </a:p>
+          <a:p>
+            <a:r>
               <a:rPr lang="en-GB" dirty="0"/>
-              <a:t>Demo creating a small matrix</a:t>
-            </a:r>
-          </a:p>
-          <a:p>
+              <a:t>Matrices hold multiple numeric values in an n-dimensional grid</a:t>
+            </a:r>
+          </a:p>
+          <a:p>
+            <a:pPr lvl="1"/>
             <a:r>
               <a:rPr lang="en-GB" dirty="0"/>
-              <a:t>Could use rand(3)</a:t>
-            </a:r>
-          </a:p>
-          <a:p>
+              <a:t>MATLAB is specifically optimised for calculations on these</a:t>
+            </a:r>
+          </a:p>
+          <a:p>
+            <a:pPr lvl="1"/>
             <a:r>
               <a:rPr lang="en-GB" dirty="0"/>
-              <a:t>Indexing</a:t>
+              <a:t>Have a minimum of 2 dimensions (XY)</a:t>
             </a:r>
           </a:p>
           <a:p>
             <a:pPr lvl="1"/>
             <a:r>
               <a:rPr lang="en-GB" dirty="0"/>
-              <a:t>Accessing a single value</a:t>
+              <a:t>XY dimensions always specified first in the order (row, column)</a:t>
             </a:r>
           </a:p>
           <a:p>
             <a:pPr lvl="1"/>
-            <a:r>
-              <a:rPr lang="en-GB" dirty="0"/>
-              <a:t>Accessing a range of values</a:t>
-            </a:r>
+            <a:endParaRPr lang="en-GB" dirty="0"/>
+          </a:p>
+          <a:p>
+            <a:pPr marL="0" indent="0">
+              <a:buNone/>
+            </a:pPr>
+            <a:endParaRPr lang="en-GB" dirty="0"/>
+          </a:p>
+          <a:p>
+            <a:endParaRPr lang="en-GB" dirty="0"/>
           </a:p>
         </p:txBody>
       </p:sp>
+      <p:pic>
+        <p:nvPicPr>
+          <p:cNvPr id="5" name="Picture 4">
+            <a:extLst>
+              <a:ext uri="{FF2B5EF4-FFF2-40B4-BE49-F238E27FC236}">
+                <a16:creationId xmlns:a16="http://schemas.microsoft.com/office/drawing/2014/main" id="{B1FEA4F3-C917-4C3E-BA69-FAE55AB9EAB2}"/>
+              </a:ext>
+            </a:extLst>
+          </p:cNvPr>
+          <p:cNvPicPr>
+            <a:picLocks noChangeAspect="1"/>
+          </p:cNvPicPr>
+          <p:nvPr/>
+        </p:nvPicPr>
+        <p:blipFill>
+          <a:blip r:embed="rId2">
+            <a:extLst>
+              <a:ext uri="{28A0092B-C50C-407E-A947-70E740481C1C}">
+                <a14:useLocalDpi xmlns:a14="http://schemas.microsoft.com/office/drawing/2010/main" val="0"/>
+              </a:ext>
+            </a:extLst>
+          </a:blip>
+          <a:stretch>
+            <a:fillRect/>
+          </a:stretch>
+        </p:blipFill>
+        <p:spPr>
+          <a:xfrm>
+            <a:off x="3186604" y="3880684"/>
+            <a:ext cx="5818792" cy="2160442"/>
+          </a:xfrm>
+          <a:prstGeom prst="rect">
+            <a:avLst/>
+          </a:prstGeom>
+        </p:spPr>
+      </p:pic>
     </p:spTree>
     <p:extLst>
       <p:ext uri="{BB962C8B-B14F-4D97-AF65-F5344CB8AC3E}">
@@ -4597,7 +5411,7 @@
           <a:p>
             <a:r>
               <a:rPr lang="en-GB" dirty="0"/>
-              <a:t>Introduction to matrices</a:t>
+              <a:t>Creating matrices</a:t>
             </a:r>
           </a:p>
         </p:txBody>
@@ -4624,37 +5438,103 @@
           <a:lstStyle/>
           <a:p>
             <a:r>
+              <a:rPr lang="en-GB" sz="2800" dirty="0"/>
+              <a:t>Create a matrix from known values</a:t>
+            </a:r>
+          </a:p>
+          <a:p>
+            <a:pPr lvl="1"/>
+            <a:r>
               <a:rPr lang="en-GB" dirty="0"/>
-              <a:t>Matrix operations</a:t>
+              <a:t>Comma-separate items on the same row</a:t>
             </a:r>
           </a:p>
           <a:p>
             <a:pPr lvl="1"/>
             <a:r>
               <a:rPr lang="en-GB" dirty="0"/>
-              <a:t>Start by adding a single value to a matrix</a:t>
+              <a:t>Semicolon-separate rows</a:t>
             </a:r>
           </a:p>
           <a:p>
             <a:pPr lvl="1"/>
+            <a:endParaRPr lang="en-GB" sz="1200" dirty="0"/>
+          </a:p>
+          <a:p>
             <a:r>
               <a:rPr lang="en-GB" dirty="0"/>
-              <a:t>Add two matrices together</a:t>
+              <a:t>A single row matrix</a:t>
             </a:r>
           </a:p>
           <a:p>
             <a:pPr lvl="1"/>
             <a:r>
               <a:rPr lang="en-GB" dirty="0"/>
-              <a:t>Talk about the element-wise dot (e.g. .*)</a:t>
-            </a:r>
+              <a:t>new_mat_1 = [32,-12,7];</a:t>
+            </a:r>
+          </a:p>
+          <a:p>
+            <a:pPr lvl="1"/>
+            <a:endParaRPr lang="en-GB" sz="1200" dirty="0"/>
+          </a:p>
+          <a:p>
+            <a:r>
+              <a:rPr lang="en-GB" dirty="0"/>
+              <a:t>A single column matrix</a:t>
+            </a:r>
+          </a:p>
+          <a:p>
+            <a:pPr lvl="1"/>
+            <a:r>
+              <a:rPr lang="en-GB" dirty="0"/>
+              <a:t>new_mat_2 = [1;2;3];</a:t>
+            </a:r>
+          </a:p>
+          <a:p>
+            <a:pPr lvl="1"/>
+            <a:endParaRPr lang="en-GB" dirty="0"/>
+          </a:p>
+          <a:p>
+            <a:pPr marL="0" indent="0">
+              <a:buNone/>
+            </a:pPr>
+            <a:endParaRPr lang="en-GB" sz="2800" dirty="0"/>
           </a:p>
         </p:txBody>
       </p:sp>
+      <p:pic>
+        <p:nvPicPr>
+          <p:cNvPr id="4" name="Picture 3">
+            <a:extLst>
+              <a:ext uri="{FF2B5EF4-FFF2-40B4-BE49-F238E27FC236}">
+                <a16:creationId xmlns:a16="http://schemas.microsoft.com/office/drawing/2014/main" id="{4EA86319-D018-46CB-AD76-83A2E71A4E79}"/>
+              </a:ext>
+            </a:extLst>
+          </p:cNvPr>
+          <p:cNvPicPr>
+            <a:picLocks noChangeAspect="1"/>
+          </p:cNvPicPr>
+          <p:nvPr/>
+        </p:nvPicPr>
+        <p:blipFill rotWithShape="1">
+          <a:blip r:embed="rId2"/>
+          <a:srcRect l="29862" t="8440" r="48533" b="59266"/>
+          <a:stretch/>
+        </p:blipFill>
+        <p:spPr>
+          <a:xfrm>
+            <a:off x="7140591" y="2554112"/>
+            <a:ext cx="2634143" cy="2214694"/>
+          </a:xfrm>
+          <a:prstGeom prst="rect">
+            <a:avLst/>
+          </a:prstGeom>
+        </p:spPr>
+      </p:pic>
     </p:spTree>
     <p:extLst>
       <p:ext uri="{BB962C8B-B14F-4D97-AF65-F5344CB8AC3E}">
-        <p14:creationId xmlns:p14="http://schemas.microsoft.com/office/powerpoint/2010/main" val="909048802"/>
+        <p14:creationId xmlns:p14="http://schemas.microsoft.com/office/powerpoint/2010/main" val="460338814"/>
       </p:ext>
     </p:extLst>
   </p:cSld>
@@ -4704,7 +5584,7 @@
           <a:p>
             <a:r>
               <a:rPr lang="en-GB" dirty="0"/>
-              <a:t>Initialising variables</a:t>
+              <a:t>Creating matrices</a:t>
             </a:r>
           </a:p>
         </p:txBody>
@@ -4732,43 +5612,27 @@
           <a:p>
             <a:r>
               <a:rPr lang="en-GB" dirty="0"/>
-              <a:t>Why and how?</a:t>
-            </a:r>
+              <a:t>Initialising an empty matrix</a:t>
+            </a:r>
+          </a:p>
+          <a:p>
+            <a:pPr marL="0" indent="0">
+              <a:buNone/>
+            </a:pPr>
+            <a:endParaRPr lang="en-GB" dirty="0"/>
           </a:p>
           <a:p>
             <a:r>
               <a:rPr lang="en-GB" dirty="0"/>
-              <a:t>Demo of creating a matrix</a:t>
-            </a:r>
-          </a:p>
-          <a:p>
-            <a:pPr lvl="1"/>
-            <a:r>
-              <a:rPr lang="en-GB" dirty="0"/>
-              <a:t>Non-initialised</a:t>
-            </a:r>
-          </a:p>
-          <a:p>
-            <a:pPr lvl="1"/>
-            <a:r>
-              <a:rPr lang="en-GB" dirty="0"/>
-              <a:t>Initialised</a:t>
-            </a:r>
-          </a:p>
-          <a:p>
-            <a:pPr lvl="1"/>
-            <a:endParaRPr lang="en-GB" dirty="0"/>
-          </a:p>
-          <a:p>
-            <a:pPr lvl="1"/>
-            <a:endParaRPr lang="en-GB" dirty="0"/>
+              <a:t>Matrices can be re-sized, but this is SLOW</a:t>
+            </a:r>
           </a:p>
         </p:txBody>
       </p:sp>
     </p:spTree>
     <p:extLst>
       <p:ext uri="{BB962C8B-B14F-4D97-AF65-F5344CB8AC3E}">
-        <p14:creationId xmlns:p14="http://schemas.microsoft.com/office/powerpoint/2010/main" val="1466587016"/>
+        <p14:creationId xmlns:p14="http://schemas.microsoft.com/office/powerpoint/2010/main" val="2138320475"/>
       </p:ext>
     </p:extLst>
   </p:cSld>

--- a/Session 2 - Matrices and image processing/MATLAB Session 2.pptx
+++ b/Session 2 - Matrices and image processing/MATLAB Session 2.pptx
@@ -5,31 +5,32 @@
     <p:sldMasterId id="2147483678" r:id="rId1"/>
   </p:sldMasterIdLst>
   <p:notesMasterIdLst>
-    <p:notesMasterId r:id="rId24"/>
+    <p:notesMasterId r:id="rId25"/>
   </p:notesMasterIdLst>
   <p:sldIdLst>
     <p:sldId id="316" r:id="rId2"/>
     <p:sldId id="351" r:id="rId3"/>
-    <p:sldId id="337" r:id="rId4"/>
-    <p:sldId id="359" r:id="rId5"/>
-    <p:sldId id="360" r:id="rId6"/>
-    <p:sldId id="361" r:id="rId7"/>
-    <p:sldId id="352" r:id="rId8"/>
-    <p:sldId id="367" r:id="rId9"/>
-    <p:sldId id="370" r:id="rId10"/>
-    <p:sldId id="369" r:id="rId11"/>
-    <p:sldId id="368" r:id="rId12"/>
-    <p:sldId id="366" r:id="rId13"/>
-    <p:sldId id="365" r:id="rId14"/>
-    <p:sldId id="354" r:id="rId15"/>
-    <p:sldId id="353" r:id="rId16"/>
-    <p:sldId id="363" r:id="rId17"/>
-    <p:sldId id="364" r:id="rId18"/>
-    <p:sldId id="362" r:id="rId19"/>
-    <p:sldId id="355" r:id="rId20"/>
-    <p:sldId id="356" r:id="rId21"/>
-    <p:sldId id="358" r:id="rId22"/>
-    <p:sldId id="357" r:id="rId23"/>
+    <p:sldId id="361" r:id="rId4"/>
+    <p:sldId id="352" r:id="rId5"/>
+    <p:sldId id="367" r:id="rId6"/>
+    <p:sldId id="371" r:id="rId7"/>
+    <p:sldId id="373" r:id="rId8"/>
+    <p:sldId id="372" r:id="rId9"/>
+    <p:sldId id="374" r:id="rId10"/>
+    <p:sldId id="370" r:id="rId11"/>
+    <p:sldId id="369" r:id="rId12"/>
+    <p:sldId id="368" r:id="rId13"/>
+    <p:sldId id="366" r:id="rId14"/>
+    <p:sldId id="365" r:id="rId15"/>
+    <p:sldId id="354" r:id="rId16"/>
+    <p:sldId id="353" r:id="rId17"/>
+    <p:sldId id="363" r:id="rId18"/>
+    <p:sldId id="364" r:id="rId19"/>
+    <p:sldId id="362" r:id="rId20"/>
+    <p:sldId id="355" r:id="rId21"/>
+    <p:sldId id="356" r:id="rId22"/>
+    <p:sldId id="358" r:id="rId23"/>
+    <p:sldId id="357" r:id="rId24"/>
   </p:sldIdLst>
   <p:sldSz cx="12192000" cy="6858000"/>
   <p:notesSz cx="6669088" cy="9926638"/>
@@ -371,7 +372,7 @@
     </p:spTree>
     <p:extLst>
       <p:ext uri="{BB962C8B-B14F-4D97-AF65-F5344CB8AC3E}">
-        <p14:creationId xmlns:p14="http://schemas.microsoft.com/office/powerpoint/2010/main" val="106637204"/>
+        <p14:creationId xmlns:p14="http://schemas.microsoft.com/office/powerpoint/2010/main" val="2439927427"/>
       </p:ext>
     </p:extLst>
   </p:cSld>
@@ -435,7 +436,7 @@
     </p:spTree>
     <p:extLst>
       <p:ext uri="{BB962C8B-B14F-4D97-AF65-F5344CB8AC3E}">
-        <p14:creationId xmlns:p14="http://schemas.microsoft.com/office/powerpoint/2010/main" val="2439927427"/>
+        <p14:creationId xmlns:p14="http://schemas.microsoft.com/office/powerpoint/2010/main" val="991565844"/>
       </p:ext>
     </p:extLst>
   </p:cSld>
@@ -446,70 +447,6 @@
 </file>
 
 <file path=ppt/notesSlides/notesSlide3.xml><?xml version="1.0" encoding="utf-8"?>
-<p:notes xmlns:a="http://schemas.openxmlformats.org/drawingml/2006/main" xmlns:r="http://schemas.openxmlformats.org/officeDocument/2006/relationships" xmlns:p="http://schemas.openxmlformats.org/presentationml/2006/main">
-  <p:cSld>
-    <p:spTree>
-      <p:nvGrpSpPr>
-        <p:cNvPr id="1" name=""/>
-        <p:cNvGrpSpPr/>
-        <p:nvPr/>
-      </p:nvGrpSpPr>
-      <p:grpSpPr>
-        <a:xfrm>
-          <a:off x="0" y="0"/>
-          <a:ext cx="0" cy="0"/>
-          <a:chOff x="0" y="0"/>
-          <a:chExt cx="0" cy="0"/>
-        </a:xfrm>
-      </p:grpSpPr>
-      <p:sp>
-        <p:nvSpPr>
-          <p:cNvPr id="2" name="Slide Image Placeholder 1"/>
-          <p:cNvSpPr>
-            <a:spLocks noGrp="1" noRot="1" noChangeAspect="1"/>
-          </p:cNvSpPr>
-          <p:nvPr>
-            <p:ph type="sldImg"/>
-          </p:nvPr>
-        </p:nvSpPr>
-        <p:spPr/>
-      </p:sp>
-      <p:sp>
-        <p:nvSpPr>
-          <p:cNvPr id="3" name="Notes Placeholder 2"/>
-          <p:cNvSpPr>
-            <a:spLocks noGrp="1"/>
-          </p:cNvSpPr>
-          <p:nvPr>
-            <p:ph type="body" idx="1"/>
-          </p:nvPr>
-        </p:nvSpPr>
-        <p:spPr/>
-        <p:txBody>
-          <a:bodyPr/>
-          <a:lstStyle/>
-          <a:p>
-            <a:r>
-              <a:rPr lang="en-GB" dirty="0"/>
-              <a:t>Convert this into 2 spider diagrams if there’s time</a:t>
-            </a:r>
-          </a:p>
-        </p:txBody>
-      </p:sp>
-    </p:spTree>
-    <p:extLst>
-      <p:ext uri="{BB962C8B-B14F-4D97-AF65-F5344CB8AC3E}">
-        <p14:creationId xmlns:p14="http://schemas.microsoft.com/office/powerpoint/2010/main" val="991565844"/>
-      </p:ext>
-    </p:extLst>
-  </p:cSld>
-  <p:clrMapOvr>
-    <a:masterClrMapping/>
-  </p:clrMapOvr>
-</p:notes>
-</file>
-
-<file path=ppt/notesSlides/notesSlide4.xml><?xml version="1.0" encoding="utf-8"?>
 <p:notes xmlns:a="http://schemas.openxmlformats.org/drawingml/2006/main" xmlns:r="http://schemas.openxmlformats.org/officeDocument/2006/relationships" xmlns:p="http://schemas.openxmlformats.org/presentationml/2006/main">
   <p:cSld>
     <p:spTree>
@@ -763,6 +700,18 @@
   <p:clrMapOvr>
     <a:masterClrMapping/>
   </p:clrMapOvr>
+  <mc:AlternateContent xmlns:mc="http://schemas.openxmlformats.org/markup-compatibility/2006">
+    <mc:Choice xmlns:p14="http://schemas.microsoft.com/office/powerpoint/2010/main" Requires="p14">
+      <p:transition p14:dur="300">
+        <p:fade/>
+      </p:transition>
+    </mc:Choice>
+    <mc:Fallback>
+      <p:transition>
+        <p:fade/>
+      </p:transition>
+    </mc:Fallback>
+  </mc:AlternateContent>
 </p:sldLayout>
 </file>
 
@@ -968,6 +917,18 @@
   <p:clrMapOvr>
     <a:masterClrMapping/>
   </p:clrMapOvr>
+  <mc:AlternateContent xmlns:mc="http://schemas.openxmlformats.org/markup-compatibility/2006">
+    <mc:Choice xmlns:p14="http://schemas.microsoft.com/office/powerpoint/2010/main" Requires="p14">
+      <p:transition p14:dur="300">
+        <p:fade/>
+      </p:transition>
+    </mc:Choice>
+    <mc:Fallback>
+      <p:transition>
+        <p:fade/>
+      </p:transition>
+    </mc:Fallback>
+  </mc:AlternateContent>
 </p:sldLayout>
 </file>
 
@@ -1130,6 +1091,18 @@
   <p:clrMapOvr>
     <a:masterClrMapping/>
   </p:clrMapOvr>
+  <mc:AlternateContent xmlns:mc="http://schemas.openxmlformats.org/markup-compatibility/2006">
+    <mc:Choice xmlns:p14="http://schemas.microsoft.com/office/powerpoint/2010/main" Requires="p14">
+      <p:transition p14:dur="300">
+        <p:fade/>
+      </p:transition>
+    </mc:Choice>
+    <mc:Fallback>
+      <p:transition>
+        <p:fade/>
+      </p:transition>
+    </mc:Fallback>
+  </mc:AlternateContent>
 </p:sldLayout>
 </file>
 
@@ -1390,6 +1363,18 @@
   <p:clrMapOvr>
     <a:masterClrMapping/>
   </p:clrMapOvr>
+  <mc:AlternateContent xmlns:mc="http://schemas.openxmlformats.org/markup-compatibility/2006">
+    <mc:Choice xmlns:p14="http://schemas.microsoft.com/office/powerpoint/2010/main" Requires="p14">
+      <p:transition p14:dur="300">
+        <p:fade/>
+      </p:transition>
+    </mc:Choice>
+    <mc:Fallback>
+      <p:transition>
+        <p:fade/>
+      </p:transition>
+    </mc:Fallback>
+  </mc:AlternateContent>
 </p:sldLayout>
 </file>
 
@@ -1613,6 +1598,18 @@
   <p:clrMapOvr>
     <a:masterClrMapping/>
   </p:clrMapOvr>
+  <mc:AlternateContent xmlns:mc="http://schemas.openxmlformats.org/markup-compatibility/2006">
+    <mc:Choice xmlns:p14="http://schemas.microsoft.com/office/powerpoint/2010/main" Requires="p14">
+      <p:transition p14:dur="300">
+        <p:fade/>
+      </p:transition>
+    </mc:Choice>
+    <mc:Fallback>
+      <p:transition>
+        <p:fade/>
+      </p:transition>
+    </mc:Fallback>
+  </mc:AlternateContent>
 </p:sldLayout>
 </file>
 
@@ -1697,6 +1694,18 @@
   <p:clrMapOvr>
     <a:masterClrMapping/>
   </p:clrMapOvr>
+  <mc:AlternateContent xmlns:mc="http://schemas.openxmlformats.org/markup-compatibility/2006">
+    <mc:Choice xmlns:p14="http://schemas.microsoft.com/office/powerpoint/2010/main" Requires="p14">
+      <p:transition p14:dur="300">
+        <p:fade/>
+      </p:transition>
+    </mc:Choice>
+    <mc:Fallback>
+      <p:transition>
+        <p:fade/>
+      </p:transition>
+    </mc:Fallback>
+  </mc:AlternateContent>
 </p:sldLayout>
 </file>
 
@@ -1925,6 +1934,18 @@
     <p:sldLayoutId id="2147483683" r:id="rId5"/>
     <p:sldLayoutId id="2147483684" r:id="rId6"/>
   </p:sldLayoutIdLst>
+  <mc:AlternateContent xmlns:mc="http://schemas.openxmlformats.org/markup-compatibility/2006">
+    <mc:Choice xmlns:p14="http://schemas.microsoft.com/office/powerpoint/2010/main" Requires="p14">
+      <p:transition p14:dur="300">
+        <p:fade/>
+      </p:transition>
+    </mc:Choice>
+    <mc:Fallback>
+      <p:transition>
+        <p:fade/>
+      </p:transition>
+    </mc:Fallback>
+  </mc:AlternateContent>
   <p:txStyles>
     <p:titleStyle>
       <a:lvl1pPr algn="l" rtl="0" eaLnBrk="1" fontAlgn="base" hangingPunct="1">
@@ -2377,13 +2398,13 @@
   <p:clrMapOvr>
     <a:masterClrMapping/>
   </p:clrMapOvr>
-  <mc:AlternateContent xmlns:mc="http://schemas.openxmlformats.org/markup-compatibility/2006" xmlns:p14="http://schemas.microsoft.com/office/powerpoint/2010/main">
-    <mc:Choice Requires="p14">
+  <mc:AlternateContent xmlns:mc="http://schemas.openxmlformats.org/markup-compatibility/2006">
+    <mc:Choice xmlns:p14="http://schemas.microsoft.com/office/powerpoint/2010/main" Requires="p14">
       <p:transition p14:dur="300">
         <p:fade/>
       </p:transition>
     </mc:Choice>
-    <mc:Fallback xmlns="">
+    <mc:Fallback>
       <p:transition>
         <p:fade/>
       </p:transition>
@@ -2459,31 +2480,46 @@
           <a:lstStyle/>
           <a:p>
             <a:r>
-              <a:rPr lang="en-GB" sz="2800" dirty="0">
-                <a:solidFill>
-                  <a:srgbClr val="FF0000"/>
-                </a:solidFill>
-              </a:rPr>
-              <a:t>[Have them do an exercise]</a:t>
-            </a:r>
-            <a:endParaRPr lang="en-GB" dirty="0">
-              <a:solidFill>
-                <a:srgbClr val="FF0000"/>
-              </a:solidFill>
-            </a:endParaRPr>
+              <a:rPr lang="en-GB" dirty="0"/>
+              <a:t>Initialising an empty matrix</a:t>
+            </a:r>
+          </a:p>
+          <a:p>
+            <a:pPr marL="0" indent="0">
+              <a:buNone/>
+            </a:pPr>
+            <a:endParaRPr lang="en-GB" dirty="0"/>
+          </a:p>
+          <a:p>
+            <a:r>
+              <a:rPr lang="en-GB" dirty="0"/>
+              <a:t>Matrices can be re-sized, but this is SLOW</a:t>
+            </a:r>
           </a:p>
         </p:txBody>
       </p:sp>
     </p:spTree>
     <p:extLst>
       <p:ext uri="{BB962C8B-B14F-4D97-AF65-F5344CB8AC3E}">
-        <p14:creationId xmlns:p14="http://schemas.microsoft.com/office/powerpoint/2010/main" val="3472984134"/>
+        <p14:creationId xmlns:p14="http://schemas.microsoft.com/office/powerpoint/2010/main" val="2138320475"/>
       </p:ext>
     </p:extLst>
   </p:cSld>
   <p:clrMapOvr>
     <a:masterClrMapping/>
   </p:clrMapOvr>
+  <mc:AlternateContent xmlns:mc="http://schemas.openxmlformats.org/markup-compatibility/2006">
+    <mc:Choice xmlns:p14="http://schemas.microsoft.com/office/powerpoint/2010/main" Requires="p14">
+      <p:transition p14:dur="300">
+        <p:fade/>
+      </p:transition>
+    </mc:Choice>
+    <mc:Fallback>
+      <p:transition>
+        <p:fade/>
+      </p:transition>
+    </mc:Fallback>
+  </mc:AlternateContent>
 </p:sld>
 </file>
 
@@ -2527,7 +2563,7 @@
           <a:p>
             <a:r>
               <a:rPr lang="en-GB" dirty="0"/>
-              <a:t>Accessing matrix data</a:t>
+              <a:t>Creating matrices</a:t>
             </a:r>
           </a:p>
         </p:txBody>
@@ -2554,36 +2590,43 @@
           <a:lstStyle/>
           <a:p>
             <a:r>
-              <a:rPr lang="en-GB" sz="2800" dirty="0"/>
-              <a:t>Access values in a matrix using coordinates</a:t>
-            </a:r>
-            <a:endParaRPr lang="en-GB" dirty="0"/>
-          </a:p>
-          <a:p>
-            <a:pPr lvl="1"/>
-            <a:endParaRPr lang="en-GB" dirty="0"/>
-          </a:p>
-          <a:p>
-            <a:pPr marL="0" indent="0">
-              <a:buNone/>
-            </a:pPr>
-            <a:endParaRPr lang="en-GB" dirty="0"/>
-          </a:p>
-          <a:p>
-            <a:endParaRPr lang="en-GB" dirty="0"/>
+              <a:rPr lang="en-GB" sz="2800" dirty="0">
+                <a:solidFill>
+                  <a:srgbClr val="FF0000"/>
+                </a:solidFill>
+              </a:rPr>
+              <a:t>[Have them do an exercise]</a:t>
+            </a:r>
+            <a:endParaRPr lang="en-GB" dirty="0">
+              <a:solidFill>
+                <a:srgbClr val="FF0000"/>
+              </a:solidFill>
+            </a:endParaRPr>
           </a:p>
         </p:txBody>
       </p:sp>
     </p:spTree>
     <p:extLst>
       <p:ext uri="{BB962C8B-B14F-4D97-AF65-F5344CB8AC3E}">
-        <p14:creationId xmlns:p14="http://schemas.microsoft.com/office/powerpoint/2010/main" val="4110354984"/>
+        <p14:creationId xmlns:p14="http://schemas.microsoft.com/office/powerpoint/2010/main" val="3472984134"/>
       </p:ext>
     </p:extLst>
   </p:cSld>
   <p:clrMapOvr>
     <a:masterClrMapping/>
   </p:clrMapOvr>
+  <mc:AlternateContent xmlns:mc="http://schemas.openxmlformats.org/markup-compatibility/2006">
+    <mc:Choice xmlns:p14="http://schemas.microsoft.com/office/powerpoint/2010/main" Requires="p14">
+      <p:transition p14:dur="300">
+        <p:fade/>
+      </p:transition>
+    </mc:Choice>
+    <mc:Fallback>
+      <p:transition>
+        <p:fade/>
+      </p:transition>
+    </mc:Fallback>
+  </mc:AlternateContent>
 </p:sld>
 </file>
 
@@ -2627,7 +2670,7 @@
           <a:p>
             <a:r>
               <a:rPr lang="en-GB" dirty="0"/>
-              <a:t>Introduction to matrices</a:t>
+              <a:t>Accessing matrix data</a:t>
             </a:r>
           </a:p>
         </p:txBody>
@@ -2654,54 +2697,48 @@
           <a:lstStyle/>
           <a:p>
             <a:r>
-              <a:rPr lang="en-GB" dirty="0"/>
-              <a:t>Demo creating a small matrix</a:t>
-            </a:r>
-          </a:p>
-          <a:p>
-            <a:r>
-              <a:rPr lang="en-GB" dirty="0"/>
-              <a:t>Could use rand(3)</a:t>
-            </a:r>
-          </a:p>
-          <a:p>
-            <a:r>
-              <a:rPr lang="en-GB" dirty="0"/>
-              <a:t>Dimension order</a:t>
-            </a:r>
-          </a:p>
-          <a:p>
-            <a:r>
-              <a:rPr lang="en-GB" dirty="0"/>
-              <a:t>Indexing</a:t>
-            </a:r>
+              <a:rPr lang="en-GB" sz="2800" dirty="0"/>
+              <a:t>Access values in a matrix using coordinates</a:t>
+            </a:r>
+            <a:endParaRPr lang="en-GB" dirty="0"/>
           </a:p>
           <a:p>
             <a:pPr lvl="1"/>
-            <a:r>
-              <a:rPr lang="en-GB" dirty="0"/>
-              <a:t>Accessing a single value</a:t>
-            </a:r>
-          </a:p>
-          <a:p>
-            <a:pPr lvl="1"/>
-            <a:r>
-              <a:rPr lang="en-GB" dirty="0"/>
-              <a:t>Accessing a range of values</a:t>
-            </a:r>
+            <a:endParaRPr lang="en-GB" dirty="0"/>
+          </a:p>
+          <a:p>
+            <a:pPr marL="0" indent="0">
+              <a:buNone/>
+            </a:pPr>
+            <a:endParaRPr lang="en-GB" dirty="0"/>
+          </a:p>
+          <a:p>
+            <a:endParaRPr lang="en-GB" dirty="0"/>
           </a:p>
         </p:txBody>
       </p:sp>
     </p:spTree>
     <p:extLst>
       <p:ext uri="{BB962C8B-B14F-4D97-AF65-F5344CB8AC3E}">
-        <p14:creationId xmlns:p14="http://schemas.microsoft.com/office/powerpoint/2010/main" val="2285108047"/>
+        <p14:creationId xmlns:p14="http://schemas.microsoft.com/office/powerpoint/2010/main" val="4110354984"/>
       </p:ext>
     </p:extLst>
   </p:cSld>
   <p:clrMapOvr>
     <a:masterClrMapping/>
   </p:clrMapOvr>
+  <mc:AlternateContent xmlns:mc="http://schemas.openxmlformats.org/markup-compatibility/2006">
+    <mc:Choice xmlns:p14="http://schemas.microsoft.com/office/powerpoint/2010/main" Requires="p14">
+      <p:transition p14:dur="300">
+        <p:fade/>
+      </p:transition>
+    </mc:Choice>
+    <mc:Fallback>
+      <p:transition>
+        <p:fade/>
+      </p:transition>
+    </mc:Fallback>
+  </mc:AlternateContent>
 </p:sld>
 </file>
 
@@ -2773,28 +2810,39 @@
           <a:p>
             <a:r>
               <a:rPr lang="en-GB" dirty="0"/>
-              <a:t>Matrix operations</a:t>
+              <a:t>Demo creating a small matrix</a:t>
+            </a:r>
+          </a:p>
+          <a:p>
+            <a:r>
+              <a:rPr lang="en-GB" dirty="0"/>
+              <a:t>Could use rand(3)</a:t>
+            </a:r>
+          </a:p>
+          <a:p>
+            <a:r>
+              <a:rPr lang="en-GB" dirty="0"/>
+              <a:t>Dimension order</a:t>
+            </a:r>
+          </a:p>
+          <a:p>
+            <a:r>
+              <a:rPr lang="en-GB" dirty="0"/>
+              <a:t>Indexing</a:t>
             </a:r>
           </a:p>
           <a:p>
             <a:pPr lvl="1"/>
             <a:r>
               <a:rPr lang="en-GB" dirty="0"/>
-              <a:t>Start by adding a single value to a matrix</a:t>
+              <a:t>Accessing a single value</a:t>
             </a:r>
           </a:p>
           <a:p>
             <a:pPr lvl="1"/>
             <a:r>
               <a:rPr lang="en-GB" dirty="0"/>
-              <a:t>Add two matrices together</a:t>
-            </a:r>
-          </a:p>
-          <a:p>
-            <a:pPr lvl="1"/>
-            <a:r>
-              <a:rPr lang="en-GB" dirty="0"/>
-              <a:t>Talk about the element-wise dot (e.g. .*)</a:t>
+              <a:t>Accessing a range of values</a:t>
             </a:r>
           </a:p>
         </p:txBody>
@@ -2802,13 +2850,25 @@
     </p:spTree>
     <p:extLst>
       <p:ext uri="{BB962C8B-B14F-4D97-AF65-F5344CB8AC3E}">
-        <p14:creationId xmlns:p14="http://schemas.microsoft.com/office/powerpoint/2010/main" val="909048802"/>
+        <p14:creationId xmlns:p14="http://schemas.microsoft.com/office/powerpoint/2010/main" val="2285108047"/>
       </p:ext>
     </p:extLst>
   </p:cSld>
   <p:clrMapOvr>
     <a:masterClrMapping/>
   </p:clrMapOvr>
+  <mc:AlternateContent xmlns:mc="http://schemas.openxmlformats.org/markup-compatibility/2006">
+    <mc:Choice xmlns:p14="http://schemas.microsoft.com/office/powerpoint/2010/main" Requires="p14">
+      <p:transition p14:dur="300">
+        <p:fade/>
+      </p:transition>
+    </mc:Choice>
+    <mc:Fallback>
+      <p:transition>
+        <p:fade/>
+      </p:transition>
+    </mc:Fallback>
+  </mc:AlternateContent>
 </p:sld>
 </file>
 
@@ -2852,7 +2912,7 @@
           <a:p>
             <a:r>
               <a:rPr lang="en-GB" dirty="0"/>
-              <a:t>Initialising matrices</a:t>
+              <a:t>Introduction to matrices</a:t>
             </a:r>
           </a:p>
         </p:txBody>
@@ -2880,49 +2940,54 @@
           <a:p>
             <a:r>
               <a:rPr lang="en-GB" dirty="0"/>
-              <a:t>Why and how?</a:t>
-            </a:r>
-          </a:p>
-          <a:p>
-            <a:r>
-              <a:rPr lang="en-GB" dirty="0"/>
-              <a:t>Demo of creating a matrix</a:t>
+              <a:t>Matrix operations</a:t>
             </a:r>
           </a:p>
           <a:p>
             <a:pPr lvl="1"/>
             <a:r>
               <a:rPr lang="en-GB" dirty="0"/>
-              <a:t>Non-initialised</a:t>
+              <a:t>Start by adding a single value to a matrix</a:t>
             </a:r>
           </a:p>
           <a:p>
             <a:pPr lvl="1"/>
             <a:r>
               <a:rPr lang="en-GB" dirty="0"/>
-              <a:t>Initialised</a:t>
+              <a:t>Add two matrices together</a:t>
             </a:r>
           </a:p>
           <a:p>
             <a:pPr lvl="1"/>
-            <a:endParaRPr lang="en-GB" dirty="0"/>
-          </a:p>
-          <a:p>
-            <a:pPr lvl="1"/>
-            <a:endParaRPr lang="en-GB" dirty="0"/>
+            <a:r>
+              <a:rPr lang="en-GB" dirty="0"/>
+              <a:t>Talk about the element-wise dot (e.g. .*)</a:t>
+            </a:r>
           </a:p>
         </p:txBody>
       </p:sp>
     </p:spTree>
     <p:extLst>
       <p:ext uri="{BB962C8B-B14F-4D97-AF65-F5344CB8AC3E}">
-        <p14:creationId xmlns:p14="http://schemas.microsoft.com/office/powerpoint/2010/main" val="1466587016"/>
+        <p14:creationId xmlns:p14="http://schemas.microsoft.com/office/powerpoint/2010/main" val="909048802"/>
       </p:ext>
     </p:extLst>
   </p:cSld>
   <p:clrMapOvr>
     <a:masterClrMapping/>
   </p:clrMapOvr>
+  <mc:AlternateContent xmlns:mc="http://schemas.openxmlformats.org/markup-compatibility/2006">
+    <mc:Choice xmlns:p14="http://schemas.microsoft.com/office/powerpoint/2010/main" Requires="p14">
+      <p:transition p14:dur="300">
+        <p:fade/>
+      </p:transition>
+    </mc:Choice>
+    <mc:Fallback>
+      <p:transition>
+        <p:fade/>
+      </p:transition>
+    </mc:Fallback>
+  </mc:AlternateContent>
 </p:sld>
 </file>
 
@@ -2966,7 +3031,7 @@
           <a:p>
             <a:r>
               <a:rPr lang="en-GB" dirty="0"/>
-              <a:t>Optimising code</a:t>
+              <a:t>Initialising matrices</a:t>
             </a:r>
           </a:p>
         </p:txBody>
@@ -2994,6 +3059,132 @@
           <a:p>
             <a:r>
               <a:rPr lang="en-GB" dirty="0"/>
+              <a:t>Why and how?</a:t>
+            </a:r>
+          </a:p>
+          <a:p>
+            <a:r>
+              <a:rPr lang="en-GB" dirty="0"/>
+              <a:t>Demo of creating a matrix</a:t>
+            </a:r>
+          </a:p>
+          <a:p>
+            <a:pPr lvl="1"/>
+            <a:r>
+              <a:rPr lang="en-GB" dirty="0"/>
+              <a:t>Non-initialised</a:t>
+            </a:r>
+          </a:p>
+          <a:p>
+            <a:pPr lvl="1"/>
+            <a:r>
+              <a:rPr lang="en-GB" dirty="0"/>
+              <a:t>Initialised</a:t>
+            </a:r>
+          </a:p>
+          <a:p>
+            <a:pPr lvl="1"/>
+            <a:endParaRPr lang="en-GB" dirty="0"/>
+          </a:p>
+          <a:p>
+            <a:pPr lvl="1"/>
+            <a:endParaRPr lang="en-GB" dirty="0"/>
+          </a:p>
+        </p:txBody>
+      </p:sp>
+    </p:spTree>
+    <p:extLst>
+      <p:ext uri="{BB962C8B-B14F-4D97-AF65-F5344CB8AC3E}">
+        <p14:creationId xmlns:p14="http://schemas.microsoft.com/office/powerpoint/2010/main" val="1466587016"/>
+      </p:ext>
+    </p:extLst>
+  </p:cSld>
+  <p:clrMapOvr>
+    <a:masterClrMapping/>
+  </p:clrMapOvr>
+  <mc:AlternateContent xmlns:mc="http://schemas.openxmlformats.org/markup-compatibility/2006">
+    <mc:Choice xmlns:p14="http://schemas.microsoft.com/office/powerpoint/2010/main" Requires="p14">
+      <p:transition p14:dur="300">
+        <p:fade/>
+      </p:transition>
+    </mc:Choice>
+    <mc:Fallback>
+      <p:transition>
+        <p:fade/>
+      </p:transition>
+    </mc:Fallback>
+  </mc:AlternateContent>
+</p:sld>
+</file>
+
+<file path=ppt/slides/slide16.xml><?xml version="1.0" encoding="utf-8"?>
+<p:sld xmlns:a="http://schemas.openxmlformats.org/drawingml/2006/main" xmlns:r="http://schemas.openxmlformats.org/officeDocument/2006/relationships" xmlns:p="http://schemas.openxmlformats.org/presentationml/2006/main">
+  <p:cSld>
+    <p:spTree>
+      <p:nvGrpSpPr>
+        <p:cNvPr id="1" name=""/>
+        <p:cNvGrpSpPr/>
+        <p:nvPr/>
+      </p:nvGrpSpPr>
+      <p:grpSpPr>
+        <a:xfrm>
+          <a:off x="0" y="0"/>
+          <a:ext cx="0" cy="0"/>
+          <a:chOff x="0" y="0"/>
+          <a:chExt cx="0" cy="0"/>
+        </a:xfrm>
+      </p:grpSpPr>
+      <p:sp>
+        <p:nvSpPr>
+          <p:cNvPr id="2" name="Title 1">
+            <a:extLst>
+              <a:ext uri="{FF2B5EF4-FFF2-40B4-BE49-F238E27FC236}">
+                <a16:creationId xmlns:a16="http://schemas.microsoft.com/office/drawing/2014/main" id="{8B0C5865-E132-43F0-814F-C61B94E5671C}"/>
+              </a:ext>
+            </a:extLst>
+          </p:cNvPr>
+          <p:cNvSpPr>
+            <a:spLocks noGrp="1"/>
+          </p:cNvSpPr>
+          <p:nvPr>
+            <p:ph type="title"/>
+          </p:nvPr>
+        </p:nvSpPr>
+        <p:spPr/>
+        <p:txBody>
+          <a:bodyPr/>
+          <a:lstStyle/>
+          <a:p>
+            <a:r>
+              <a:rPr lang="en-GB" dirty="0"/>
+              <a:t>Optimising code</a:t>
+            </a:r>
+          </a:p>
+        </p:txBody>
+      </p:sp>
+      <p:sp>
+        <p:nvSpPr>
+          <p:cNvPr id="3" name="Content Placeholder 2">
+            <a:extLst>
+              <a:ext uri="{FF2B5EF4-FFF2-40B4-BE49-F238E27FC236}">
+                <a16:creationId xmlns:a16="http://schemas.microsoft.com/office/drawing/2014/main" id="{B00B5046-B5DF-4F1A-AFA6-4A5FA79CAEFA}"/>
+              </a:ext>
+            </a:extLst>
+          </p:cNvPr>
+          <p:cNvSpPr>
+            <a:spLocks noGrp="1"/>
+          </p:cNvSpPr>
+          <p:nvPr>
+            <p:ph idx="1"/>
+          </p:nvPr>
+        </p:nvSpPr>
+        <p:spPr/>
+        <p:txBody>
+          <a:bodyPr/>
+          <a:lstStyle/>
+          <a:p>
+            <a:r>
+              <a:rPr lang="en-GB" dirty="0"/>
               <a:t>Tic toc</a:t>
             </a:r>
           </a:p>
@@ -3029,10 +3220,22 @@
   <p:clrMapOvr>
     <a:masterClrMapping/>
   </p:clrMapOvr>
+  <mc:AlternateContent xmlns:mc="http://schemas.openxmlformats.org/markup-compatibility/2006">
+    <mc:Choice xmlns:p14="http://schemas.microsoft.com/office/powerpoint/2010/main" Requires="p14">
+      <p:transition p14:dur="300">
+        <p:fade/>
+      </p:transition>
+    </mc:Choice>
+    <mc:Fallback>
+      <p:transition>
+        <p:fade/>
+      </p:transition>
+    </mc:Fallback>
+  </mc:AlternateContent>
 </p:sld>
 </file>
 
-<file path=ppt/slides/slide16.xml><?xml version="1.0" encoding="utf-8"?>
+<file path=ppt/slides/slide17.xml><?xml version="1.0" encoding="utf-8"?>
 <p:sld xmlns:a="http://schemas.openxmlformats.org/drawingml/2006/main" xmlns:r="http://schemas.openxmlformats.org/officeDocument/2006/relationships" xmlns:p="http://schemas.openxmlformats.org/presentationml/2006/main">
   <p:cSld>
     <p:spTree>
@@ -3125,13 +3328,13 @@
   <p:clrMapOvr>
     <a:masterClrMapping/>
   </p:clrMapOvr>
-  <mc:AlternateContent xmlns:mc="http://schemas.openxmlformats.org/markup-compatibility/2006" xmlns:p14="http://schemas.microsoft.com/office/powerpoint/2010/main">
-    <mc:Choice Requires="p14">
+  <mc:AlternateContent xmlns:mc="http://schemas.openxmlformats.org/markup-compatibility/2006">
+    <mc:Choice xmlns:p14="http://schemas.microsoft.com/office/powerpoint/2010/main" Requires="p14">
       <p:transition p14:dur="300">
         <p:fade/>
       </p:transition>
     </mc:Choice>
-    <mc:Fallback xmlns="">
+    <mc:Fallback>
       <p:transition>
         <p:fade/>
       </p:transition>
@@ -3140,7 +3343,7 @@
 </p:sld>
 </file>
 
-<file path=ppt/slides/slide17.xml><?xml version="1.0" encoding="utf-8"?>
+<file path=ppt/slides/slide18.xml><?xml version="1.0" encoding="utf-8"?>
 <p:sld xmlns:a="http://schemas.openxmlformats.org/drawingml/2006/main" xmlns:r="http://schemas.openxmlformats.org/officeDocument/2006/relationships" xmlns:p="http://schemas.openxmlformats.org/presentationml/2006/main">
   <p:cSld>
     <p:spTree>
@@ -3254,10 +3457,22 @@
   <p:clrMapOvr>
     <a:masterClrMapping/>
   </p:clrMapOvr>
+  <mc:AlternateContent xmlns:mc="http://schemas.openxmlformats.org/markup-compatibility/2006">
+    <mc:Choice xmlns:p14="http://schemas.microsoft.com/office/powerpoint/2010/main" Requires="p14">
+      <p:transition p14:dur="300">
+        <p:fade/>
+      </p:transition>
+    </mc:Choice>
+    <mc:Fallback>
+      <p:transition>
+        <p:fade/>
+      </p:transition>
+    </mc:Fallback>
+  </mc:AlternateContent>
 </p:sld>
 </file>
 
-<file path=ppt/slides/slide18.xml><?xml version="1.0" encoding="utf-8"?>
+<file path=ppt/slides/slide19.xml><?xml version="1.0" encoding="utf-8"?>
 <p:sld xmlns:a="http://schemas.openxmlformats.org/drawingml/2006/main" xmlns:r="http://schemas.openxmlformats.org/officeDocument/2006/relationships" xmlns:p="http://schemas.openxmlformats.org/presentationml/2006/main">
   <p:cSld>
     <p:spTree>
@@ -3350,124 +3565,18 @@
   <p:clrMapOvr>
     <a:masterClrMapping/>
   </p:clrMapOvr>
-  <mc:AlternateContent xmlns:mc="http://schemas.openxmlformats.org/markup-compatibility/2006" xmlns:p14="http://schemas.microsoft.com/office/powerpoint/2010/main">
-    <mc:Choice Requires="p14">
+  <mc:AlternateContent xmlns:mc="http://schemas.openxmlformats.org/markup-compatibility/2006">
+    <mc:Choice xmlns:p14="http://schemas.microsoft.com/office/powerpoint/2010/main" Requires="p14">
       <p:transition p14:dur="300">
         <p:fade/>
       </p:transition>
     </mc:Choice>
-    <mc:Fallback xmlns="">
+    <mc:Fallback>
       <p:transition>
         <p:fade/>
       </p:transition>
     </mc:Fallback>
   </mc:AlternateContent>
-</p:sld>
-</file>
-
-<file path=ppt/slides/slide19.xml><?xml version="1.0" encoding="utf-8"?>
-<p:sld xmlns:a="http://schemas.openxmlformats.org/drawingml/2006/main" xmlns:r="http://schemas.openxmlformats.org/officeDocument/2006/relationships" xmlns:p="http://schemas.openxmlformats.org/presentationml/2006/main">
-  <p:cSld>
-    <p:spTree>
-      <p:nvGrpSpPr>
-        <p:cNvPr id="1" name=""/>
-        <p:cNvGrpSpPr/>
-        <p:nvPr/>
-      </p:nvGrpSpPr>
-      <p:grpSpPr>
-        <a:xfrm>
-          <a:off x="0" y="0"/>
-          <a:ext cx="0" cy="0"/>
-          <a:chOff x="0" y="0"/>
-          <a:chExt cx="0" cy="0"/>
-        </a:xfrm>
-      </p:grpSpPr>
-      <p:sp>
-        <p:nvSpPr>
-          <p:cNvPr id="2" name="Title 1">
-            <a:extLst>
-              <a:ext uri="{FF2B5EF4-FFF2-40B4-BE49-F238E27FC236}">
-                <a16:creationId xmlns:a16="http://schemas.microsoft.com/office/drawing/2014/main" id="{8B0C5865-E132-43F0-814F-C61B94E5671C}"/>
-              </a:ext>
-            </a:extLst>
-          </p:cNvPr>
-          <p:cNvSpPr>
-            <a:spLocks noGrp="1"/>
-          </p:cNvSpPr>
-          <p:nvPr>
-            <p:ph type="title"/>
-          </p:nvPr>
-        </p:nvSpPr>
-        <p:spPr/>
-        <p:txBody>
-          <a:bodyPr/>
-          <a:lstStyle/>
-          <a:p>
-            <a:r>
-              <a:rPr lang="en-GB" dirty="0"/>
-              <a:t>Image loading</a:t>
-            </a:r>
-          </a:p>
-        </p:txBody>
-      </p:sp>
-      <p:sp>
-        <p:nvSpPr>
-          <p:cNvPr id="3" name="Content Placeholder 2">
-            <a:extLst>
-              <a:ext uri="{FF2B5EF4-FFF2-40B4-BE49-F238E27FC236}">
-                <a16:creationId xmlns:a16="http://schemas.microsoft.com/office/drawing/2014/main" id="{B00B5046-B5DF-4F1A-AFA6-4A5FA79CAEFA}"/>
-              </a:ext>
-            </a:extLst>
-          </p:cNvPr>
-          <p:cNvSpPr>
-            <a:spLocks noGrp="1"/>
-          </p:cNvSpPr>
-          <p:nvPr>
-            <p:ph idx="1"/>
-          </p:nvPr>
-        </p:nvSpPr>
-        <p:spPr/>
-        <p:txBody>
-          <a:bodyPr/>
-          <a:lstStyle/>
-          <a:p>
-            <a:r>
-              <a:rPr lang="en-GB" dirty="0"/>
-              <a:t>Using standard libraries</a:t>
-            </a:r>
-          </a:p>
-          <a:p>
-            <a:pPr lvl="1"/>
-            <a:r>
-              <a:rPr lang="en-GB" dirty="0" err="1"/>
-              <a:t>imread</a:t>
-            </a:r>
-            <a:endParaRPr lang="en-GB" dirty="0"/>
-          </a:p>
-          <a:p>
-            <a:r>
-              <a:rPr lang="en-GB" dirty="0"/>
-              <a:t>Oh look, they’re matrices</a:t>
-            </a:r>
-          </a:p>
-          <a:p>
-            <a:r>
-              <a:rPr lang="en-GB" dirty="0"/>
-              <a:t>Multidimensionality</a:t>
-            </a:r>
-          </a:p>
-        </p:txBody>
-      </p:sp>
-    </p:spTree>
-    <p:extLst>
-      <p:ext uri="{BB962C8B-B14F-4D97-AF65-F5344CB8AC3E}">
-        <p14:creationId xmlns:p14="http://schemas.microsoft.com/office/powerpoint/2010/main" val="2947281789"/>
-      </p:ext>
-    </p:extLst>
-  </p:cSld>
-  <p:clrMapOvr>
-    <a:masterClrMapping/>
-  </p:clrMapOvr>
 </p:sld>
 </file>
 
@@ -3805,13 +3914,6 @@
             <a:pPr lvl="1"/>
             <a:r>
               <a:rPr lang="en-GB" sz="2400" dirty="0"/>
-              <a:t>Data input/output</a:t>
-            </a:r>
-          </a:p>
-          <a:p>
-            <a:pPr lvl="1"/>
-            <a:r>
-              <a:rPr lang="en-GB" sz="2400" dirty="0"/>
               <a:t>Matrix operations</a:t>
             </a:r>
           </a:p>
@@ -3828,6 +3930,10 @@
               <a:rPr lang="en-GB" sz="2400" dirty="0"/>
               <a:t>Image processing</a:t>
             </a:r>
+          </a:p>
+          <a:p>
+            <a:pPr lvl="1"/>
+            <a:endParaRPr lang="en-GB" sz="2400" dirty="0"/>
           </a:p>
           <a:p>
             <a:pPr lvl="1"/>
@@ -4160,47 +4266,6 @@
           </p:txBody>
         </p:sp>
       </p:grpSp>
-      <p:cxnSp>
-        <p:nvCxnSpPr>
-          <p:cNvPr id="9" name="Straight Connector 8">
-            <a:extLst>
-              <a:ext uri="{FF2B5EF4-FFF2-40B4-BE49-F238E27FC236}">
-                <a16:creationId xmlns:a16="http://schemas.microsoft.com/office/drawing/2014/main" id="{80BBB059-26DA-449D-AAC9-D94184DEC30C}"/>
-              </a:ext>
-            </a:extLst>
-          </p:cNvPr>
-          <p:cNvCxnSpPr/>
-          <p:nvPr/>
-        </p:nvCxnSpPr>
-        <p:spPr>
-          <a:xfrm>
-            <a:off x="6862194" y="1946246"/>
-            <a:ext cx="2457975" cy="0"/>
-          </a:xfrm>
-          <a:prstGeom prst="line">
-            <a:avLst/>
-          </a:prstGeom>
-          <a:ln w="57150">
-            <a:solidFill>
-              <a:srgbClr val="FF0000"/>
-            </a:solidFill>
-          </a:ln>
-        </p:spPr>
-        <p:style>
-          <a:lnRef idx="1">
-            <a:schemeClr val="accent1"/>
-          </a:lnRef>
-          <a:fillRef idx="0">
-            <a:schemeClr val="accent1"/>
-          </a:fillRef>
-          <a:effectRef idx="0">
-            <a:schemeClr val="accent1"/>
-          </a:effectRef>
-          <a:fontRef idx="minor">
-            <a:schemeClr val="tx1"/>
-          </a:fontRef>
-        </p:style>
-      </p:cxnSp>
     </p:spTree>
     <p:extLst>
       <p:ext uri="{BB962C8B-B14F-4D97-AF65-F5344CB8AC3E}">
@@ -4211,13 +4276,13 @@
   <p:clrMapOvr>
     <a:masterClrMapping/>
   </p:clrMapOvr>
-  <mc:AlternateContent xmlns:mc="http://schemas.openxmlformats.org/markup-compatibility/2006" xmlns:p14="http://schemas.microsoft.com/office/powerpoint/2010/main">
-    <mc:Choice Requires="p14">
+  <mc:AlternateContent xmlns:mc="http://schemas.openxmlformats.org/markup-compatibility/2006">
+    <mc:Choice xmlns:p14="http://schemas.microsoft.com/office/powerpoint/2010/main" Requires="p14">
       <p:transition p14:dur="300">
         <p:fade/>
       </p:transition>
     </mc:Choice>
-    <mc:Fallback xmlns="">
+    <mc:Fallback>
       <p:transition>
         <p:fade/>
       </p:transition>
@@ -4349,7 +4414,7 @@
           <a:p>
             <a:r>
               <a:rPr lang="en-GB" dirty="0"/>
-              <a:t>Visualising images</a:t>
+              <a:t>Image loading</a:t>
             </a:r>
           </a:p>
         </p:txBody>
@@ -4377,36 +4442,53 @@
           <a:p>
             <a:r>
               <a:rPr lang="en-GB" dirty="0"/>
-              <a:t>image</a:t>
+              <a:t>Using standard libraries</a:t>
             </a:r>
           </a:p>
           <a:p>
             <a:pPr lvl="1"/>
             <a:r>
               <a:rPr lang="en-GB" dirty="0" err="1"/>
-              <a:t>imagesc</a:t>
+              <a:t>imread</a:t>
             </a:r>
             <a:endParaRPr lang="en-GB" dirty="0"/>
           </a:p>
           <a:p>
             <a:r>
-              <a:rPr lang="en-GB" dirty="0" err="1"/>
-              <a:t>imshow</a:t>
-            </a:r>
-            <a:endParaRPr lang="en-GB" dirty="0"/>
+              <a:rPr lang="en-GB" dirty="0"/>
+              <a:t>Oh look, they’re matrices</a:t>
+            </a:r>
+          </a:p>
+          <a:p>
+            <a:r>
+              <a:rPr lang="en-GB" dirty="0"/>
+              <a:t>Multidimensionality</a:t>
+            </a:r>
           </a:p>
         </p:txBody>
       </p:sp>
     </p:spTree>
     <p:extLst>
       <p:ext uri="{BB962C8B-B14F-4D97-AF65-F5344CB8AC3E}">
-        <p14:creationId xmlns:p14="http://schemas.microsoft.com/office/powerpoint/2010/main" val="1668107566"/>
+        <p14:creationId xmlns:p14="http://schemas.microsoft.com/office/powerpoint/2010/main" val="2947281789"/>
       </p:ext>
     </p:extLst>
   </p:cSld>
   <p:clrMapOvr>
     <a:masterClrMapping/>
   </p:clrMapOvr>
+  <mc:AlternateContent xmlns:mc="http://schemas.openxmlformats.org/markup-compatibility/2006">
+    <mc:Choice xmlns:p14="http://schemas.microsoft.com/office/powerpoint/2010/main" Requires="p14">
+      <p:transition p14:dur="300">
+        <p:fade/>
+      </p:transition>
+    </mc:Choice>
+    <mc:Fallback>
+      <p:transition>
+        <p:fade/>
+      </p:transition>
+    </mc:Fallback>
+  </mc:AlternateContent>
 </p:sld>
 </file>
 
@@ -4450,7 +4532,7 @@
           <a:p>
             <a:r>
               <a:rPr lang="en-GB" dirty="0"/>
-              <a:t>Image processing</a:t>
+              <a:t>Visualising images</a:t>
             </a:r>
           </a:p>
         </p:txBody>
@@ -4478,49 +4560,48 @@
           <a:p>
             <a:r>
               <a:rPr lang="en-GB" dirty="0"/>
-              <a:t>Filters</a:t>
+              <a:t>image</a:t>
             </a:r>
           </a:p>
           <a:p>
             <a:pPr lvl="1"/>
             <a:r>
-              <a:rPr lang="en-GB" dirty="0"/>
-              <a:t>Median</a:t>
-            </a:r>
-          </a:p>
-          <a:p>
-            <a:pPr lvl="1"/>
-            <a:r>
-              <a:rPr lang="en-GB" dirty="0"/>
-              <a:t>Gaussian</a:t>
-            </a:r>
-            <a:endParaRPr lang="en-GB" b="1" dirty="0"/>
-          </a:p>
-          <a:p>
-            <a:r>
-              <a:rPr lang="en-GB" dirty="0"/>
-              <a:t>Thresholding</a:t>
-            </a:r>
-          </a:p>
-          <a:p>
-            <a:pPr lvl="1"/>
-            <a:r>
-              <a:rPr lang="en-GB" dirty="0"/>
-              <a:t>Otsu method</a:t>
-            </a:r>
+              <a:rPr lang="en-GB" dirty="0" err="1"/>
+              <a:t>imagesc</a:t>
+            </a:r>
+            <a:endParaRPr lang="en-GB" dirty="0"/>
+          </a:p>
+          <a:p>
+            <a:r>
+              <a:rPr lang="en-GB" dirty="0" err="1"/>
+              <a:t>imshow</a:t>
+            </a:r>
+            <a:endParaRPr lang="en-GB" dirty="0"/>
           </a:p>
         </p:txBody>
       </p:sp>
     </p:spTree>
     <p:extLst>
       <p:ext uri="{BB962C8B-B14F-4D97-AF65-F5344CB8AC3E}">
-        <p14:creationId xmlns:p14="http://schemas.microsoft.com/office/powerpoint/2010/main" val="3035785174"/>
+        <p14:creationId xmlns:p14="http://schemas.microsoft.com/office/powerpoint/2010/main" val="1668107566"/>
       </p:ext>
     </p:extLst>
   </p:cSld>
   <p:clrMapOvr>
     <a:masterClrMapping/>
   </p:clrMapOvr>
+  <mc:AlternateContent xmlns:mc="http://schemas.openxmlformats.org/markup-compatibility/2006">
+    <mc:Choice xmlns:p14="http://schemas.microsoft.com/office/powerpoint/2010/main" Requires="p14">
+      <p:transition p14:dur="300">
+        <p:fade/>
+      </p:transition>
+    </mc:Choice>
+    <mc:Fallback>
+      <p:transition>
+        <p:fade/>
+      </p:transition>
+    </mc:Fallback>
+  </mc:AlternateContent>
 </p:sld>
 </file>
 
@@ -4564,7 +4645,7 @@
           <a:p>
             <a:r>
               <a:rPr lang="en-GB" dirty="0"/>
-              <a:t>Saving images</a:t>
+              <a:t>Image processing</a:t>
             </a:r>
           </a:p>
         </p:txBody>
@@ -4591,6 +4672,132 @@
           <a:lstStyle/>
           <a:p>
             <a:r>
+              <a:rPr lang="en-GB" dirty="0"/>
+              <a:t>Filters</a:t>
+            </a:r>
+          </a:p>
+          <a:p>
+            <a:pPr lvl="1"/>
+            <a:r>
+              <a:rPr lang="en-GB" dirty="0"/>
+              <a:t>Median</a:t>
+            </a:r>
+          </a:p>
+          <a:p>
+            <a:pPr lvl="1"/>
+            <a:r>
+              <a:rPr lang="en-GB" dirty="0"/>
+              <a:t>Gaussian</a:t>
+            </a:r>
+            <a:endParaRPr lang="en-GB" b="1" dirty="0"/>
+          </a:p>
+          <a:p>
+            <a:r>
+              <a:rPr lang="en-GB" dirty="0"/>
+              <a:t>Thresholding</a:t>
+            </a:r>
+          </a:p>
+          <a:p>
+            <a:pPr lvl="1"/>
+            <a:r>
+              <a:rPr lang="en-GB" dirty="0"/>
+              <a:t>Otsu method</a:t>
+            </a:r>
+          </a:p>
+        </p:txBody>
+      </p:sp>
+    </p:spTree>
+    <p:extLst>
+      <p:ext uri="{BB962C8B-B14F-4D97-AF65-F5344CB8AC3E}">
+        <p14:creationId xmlns:p14="http://schemas.microsoft.com/office/powerpoint/2010/main" val="3035785174"/>
+      </p:ext>
+    </p:extLst>
+  </p:cSld>
+  <p:clrMapOvr>
+    <a:masterClrMapping/>
+  </p:clrMapOvr>
+  <mc:AlternateContent xmlns:mc="http://schemas.openxmlformats.org/markup-compatibility/2006">
+    <mc:Choice xmlns:p14="http://schemas.microsoft.com/office/powerpoint/2010/main" Requires="p14">
+      <p:transition p14:dur="300">
+        <p:fade/>
+      </p:transition>
+    </mc:Choice>
+    <mc:Fallback>
+      <p:transition>
+        <p:fade/>
+      </p:transition>
+    </mc:Fallback>
+  </mc:AlternateContent>
+</p:sld>
+</file>
+
+<file path=ppt/slides/slide23.xml><?xml version="1.0" encoding="utf-8"?>
+<p:sld xmlns:a="http://schemas.openxmlformats.org/drawingml/2006/main" xmlns:r="http://schemas.openxmlformats.org/officeDocument/2006/relationships" xmlns:p="http://schemas.openxmlformats.org/presentationml/2006/main">
+  <p:cSld>
+    <p:spTree>
+      <p:nvGrpSpPr>
+        <p:cNvPr id="1" name=""/>
+        <p:cNvGrpSpPr/>
+        <p:nvPr/>
+      </p:nvGrpSpPr>
+      <p:grpSpPr>
+        <a:xfrm>
+          <a:off x="0" y="0"/>
+          <a:ext cx="0" cy="0"/>
+          <a:chOff x="0" y="0"/>
+          <a:chExt cx="0" cy="0"/>
+        </a:xfrm>
+      </p:grpSpPr>
+      <p:sp>
+        <p:nvSpPr>
+          <p:cNvPr id="2" name="Title 1">
+            <a:extLst>
+              <a:ext uri="{FF2B5EF4-FFF2-40B4-BE49-F238E27FC236}">
+                <a16:creationId xmlns:a16="http://schemas.microsoft.com/office/drawing/2014/main" id="{8B0C5865-E132-43F0-814F-C61B94E5671C}"/>
+              </a:ext>
+            </a:extLst>
+          </p:cNvPr>
+          <p:cNvSpPr>
+            <a:spLocks noGrp="1"/>
+          </p:cNvSpPr>
+          <p:nvPr>
+            <p:ph type="title"/>
+          </p:nvPr>
+        </p:nvSpPr>
+        <p:spPr/>
+        <p:txBody>
+          <a:bodyPr/>
+          <a:lstStyle/>
+          <a:p>
+            <a:r>
+              <a:rPr lang="en-GB" dirty="0"/>
+              <a:t>Saving images</a:t>
+            </a:r>
+          </a:p>
+        </p:txBody>
+      </p:sp>
+      <p:sp>
+        <p:nvSpPr>
+          <p:cNvPr id="3" name="Content Placeholder 2">
+            <a:extLst>
+              <a:ext uri="{FF2B5EF4-FFF2-40B4-BE49-F238E27FC236}">
+                <a16:creationId xmlns:a16="http://schemas.microsoft.com/office/drawing/2014/main" id="{B00B5046-B5DF-4F1A-AFA6-4A5FA79CAEFA}"/>
+              </a:ext>
+            </a:extLst>
+          </p:cNvPr>
+          <p:cNvSpPr>
+            <a:spLocks noGrp="1"/>
+          </p:cNvSpPr>
+          <p:nvPr>
+            <p:ph idx="1"/>
+          </p:nvPr>
+        </p:nvSpPr>
+        <p:spPr/>
+        <p:txBody>
+          <a:bodyPr/>
+          <a:lstStyle/>
+          <a:p>
+            <a:r>
               <a:rPr lang="en-GB" dirty="0" err="1"/>
               <a:t>imwrite</a:t>
             </a:r>
@@ -4608,6 +4815,18 @@
   <p:clrMapOvr>
     <a:masterClrMapping/>
   </p:clrMapOvr>
+  <mc:AlternateContent xmlns:mc="http://schemas.openxmlformats.org/markup-compatibility/2006">
+    <mc:Choice xmlns:p14="http://schemas.microsoft.com/office/powerpoint/2010/main" Requires="p14">
+      <p:transition p14:dur="300">
+        <p:fade/>
+      </p:transition>
+    </mc:Choice>
+    <mc:Fallback>
+      <p:transition>
+        <p:fade/>
+      </p:transition>
+    </mc:Fallback>
+  </mc:AlternateContent>
 </p:sld>
 </file>
 
@@ -4684,493 +4903,6 @@
             <a:pPr algn="ctr"/>
             <a:r>
               <a:rPr lang="en-GB" sz="3200" dirty="0"/>
-              <a:t>Data input/output</a:t>
-            </a:r>
-            <a:endParaRPr lang="en-GB" sz="2800" dirty="0">
-              <a:solidFill>
-                <a:schemeClr val="tx1"/>
-              </a:solidFill>
-            </a:endParaRPr>
-          </a:p>
-        </p:txBody>
-      </p:sp>
-      <p:sp>
-        <p:nvSpPr>
-          <p:cNvPr id="5" name="TextBox 4">
-            <a:extLst>
-              <a:ext uri="{FF2B5EF4-FFF2-40B4-BE49-F238E27FC236}">
-                <a16:creationId xmlns:a16="http://schemas.microsoft.com/office/drawing/2014/main" id="{88A0D0CE-853E-4791-888E-234DF0D515B0}"/>
-              </a:ext>
-            </a:extLst>
-          </p:cNvPr>
-          <p:cNvSpPr txBox="1"/>
-          <p:nvPr/>
-        </p:nvSpPr>
-        <p:spPr>
-          <a:xfrm>
-            <a:off x="2417266" y="3661459"/>
-            <a:ext cx="7482980" cy="1569660"/>
-          </a:xfrm>
-          <a:prstGeom prst="rect">
-            <a:avLst/>
-          </a:prstGeom>
-          <a:noFill/>
-        </p:spPr>
-        <p:txBody>
-          <a:bodyPr wrap="square" rtlCol="0">
-            <a:spAutoFit/>
-          </a:bodyPr>
-          <a:lstStyle/>
-          <a:p>
-            <a:pPr algn="ctr"/>
-            <a:r>
-              <a:rPr lang="en-GB" sz="4800" dirty="0">
-                <a:solidFill>
-                  <a:srgbClr val="FF0000"/>
-                </a:solidFill>
-              </a:rPr>
-              <a:t>Is this necessary?  </a:t>
-            </a:r>
-          </a:p>
-          <a:p>
-            <a:pPr algn="ctr"/>
-            <a:r>
-              <a:rPr lang="en-GB" sz="4800" dirty="0">
-                <a:solidFill>
-                  <a:srgbClr val="FF0000"/>
-                </a:solidFill>
-              </a:rPr>
-              <a:t>It’s just another function…</a:t>
-            </a:r>
-          </a:p>
-        </p:txBody>
-      </p:sp>
-    </p:spTree>
-    <p:extLst>
-      <p:ext uri="{BB962C8B-B14F-4D97-AF65-F5344CB8AC3E}">
-        <p14:creationId xmlns:p14="http://schemas.microsoft.com/office/powerpoint/2010/main" val="4097000453"/>
-      </p:ext>
-    </p:extLst>
-  </p:cSld>
-  <p:clrMapOvr>
-    <a:masterClrMapping/>
-  </p:clrMapOvr>
-  <mc:AlternateContent xmlns:mc="http://schemas.openxmlformats.org/markup-compatibility/2006" xmlns:p14="http://schemas.microsoft.com/office/powerpoint/2010/main">
-    <mc:Choice Requires="p14">
-      <p:transition p14:dur="300">
-        <p:fade/>
-      </p:transition>
-    </mc:Choice>
-    <mc:Fallback xmlns="">
-      <p:transition>
-        <p:fade/>
-      </p:transition>
-    </mc:Fallback>
-  </mc:AlternateContent>
-</p:sld>
-</file>
-
-<file path=ppt/slides/slide4.xml><?xml version="1.0" encoding="utf-8"?>
-<p:sld xmlns:a="http://schemas.openxmlformats.org/drawingml/2006/main" xmlns:r="http://schemas.openxmlformats.org/officeDocument/2006/relationships" xmlns:p="http://schemas.openxmlformats.org/presentationml/2006/main">
-  <p:cSld>
-    <p:spTree>
-      <p:nvGrpSpPr>
-        <p:cNvPr id="1" name=""/>
-        <p:cNvGrpSpPr/>
-        <p:nvPr/>
-      </p:nvGrpSpPr>
-      <p:grpSpPr>
-        <a:xfrm>
-          <a:off x="0" y="0"/>
-          <a:ext cx="0" cy="0"/>
-          <a:chOff x="0" y="0"/>
-          <a:chExt cx="0" cy="0"/>
-        </a:xfrm>
-      </p:grpSpPr>
-      <p:sp>
-        <p:nvSpPr>
-          <p:cNvPr id="2" name="Title 1">
-            <a:extLst>
-              <a:ext uri="{FF2B5EF4-FFF2-40B4-BE49-F238E27FC236}">
-                <a16:creationId xmlns:a16="http://schemas.microsoft.com/office/drawing/2014/main" id="{8B0C5865-E132-43F0-814F-C61B94E5671C}"/>
-              </a:ext>
-            </a:extLst>
-          </p:cNvPr>
-          <p:cNvSpPr>
-            <a:spLocks noGrp="1"/>
-          </p:cNvSpPr>
-          <p:nvPr>
-            <p:ph type="title"/>
-          </p:nvPr>
-        </p:nvSpPr>
-        <p:spPr/>
-        <p:txBody>
-          <a:bodyPr/>
-          <a:lstStyle/>
-          <a:p>
-            <a:r>
-              <a:rPr lang="en-GB" dirty="0"/>
-              <a:t>Reading data from file</a:t>
-            </a:r>
-          </a:p>
-        </p:txBody>
-      </p:sp>
-      <p:sp>
-        <p:nvSpPr>
-          <p:cNvPr id="3" name="Content Placeholder 2">
-            <a:extLst>
-              <a:ext uri="{FF2B5EF4-FFF2-40B4-BE49-F238E27FC236}">
-                <a16:creationId xmlns:a16="http://schemas.microsoft.com/office/drawing/2014/main" id="{B00B5046-B5DF-4F1A-AFA6-4A5FA79CAEFA}"/>
-              </a:ext>
-            </a:extLst>
-          </p:cNvPr>
-          <p:cNvSpPr>
-            <a:spLocks noGrp="1"/>
-          </p:cNvSpPr>
-          <p:nvPr>
-            <p:ph idx="1"/>
-          </p:nvPr>
-        </p:nvSpPr>
-        <p:spPr/>
-        <p:txBody>
-          <a:bodyPr/>
-          <a:lstStyle/>
-          <a:p>
-            <a:r>
-              <a:rPr lang="en-GB" dirty="0"/>
-              <a:t>Examples</a:t>
-            </a:r>
-          </a:p>
-          <a:p>
-            <a:pPr lvl="1"/>
-            <a:r>
-              <a:rPr lang="en-GB" dirty="0" err="1"/>
-              <a:t>csvread</a:t>
-            </a:r>
-            <a:endParaRPr lang="en-GB" dirty="0"/>
-          </a:p>
-          <a:p>
-            <a:pPr lvl="1"/>
-            <a:r>
-              <a:rPr lang="en-GB" dirty="0" err="1"/>
-              <a:t>xlsread</a:t>
-            </a:r>
-            <a:endParaRPr lang="en-GB" dirty="0"/>
-          </a:p>
-          <a:p>
-            <a:pPr lvl="1"/>
-            <a:r>
-              <a:rPr lang="en-GB" dirty="0" err="1"/>
-              <a:t>Imread</a:t>
-            </a:r>
-            <a:r>
-              <a:rPr lang="en-GB" dirty="0"/>
-              <a:t> (say we will cover this in more detail later)</a:t>
-            </a:r>
-          </a:p>
-          <a:p>
-            <a:pPr lvl="1"/>
-            <a:endParaRPr lang="en-GB" dirty="0"/>
-          </a:p>
-        </p:txBody>
-      </p:sp>
-      <p:sp>
-        <p:nvSpPr>
-          <p:cNvPr id="4" name="TextBox 3">
-            <a:extLst>
-              <a:ext uri="{FF2B5EF4-FFF2-40B4-BE49-F238E27FC236}">
-                <a16:creationId xmlns:a16="http://schemas.microsoft.com/office/drawing/2014/main" id="{AFE64C81-16B2-435A-9A2D-48939DC62FC4}"/>
-              </a:ext>
-            </a:extLst>
-          </p:cNvPr>
-          <p:cNvSpPr txBox="1"/>
-          <p:nvPr/>
-        </p:nvSpPr>
-        <p:spPr>
-          <a:xfrm>
-            <a:off x="2417266" y="3661459"/>
-            <a:ext cx="7482980" cy="1569660"/>
-          </a:xfrm>
-          <a:prstGeom prst="rect">
-            <a:avLst/>
-          </a:prstGeom>
-          <a:noFill/>
-        </p:spPr>
-        <p:txBody>
-          <a:bodyPr wrap="square" rtlCol="0">
-            <a:spAutoFit/>
-          </a:bodyPr>
-          <a:lstStyle/>
-          <a:p>
-            <a:pPr algn="ctr"/>
-            <a:r>
-              <a:rPr lang="en-GB" sz="4800" dirty="0">
-                <a:solidFill>
-                  <a:srgbClr val="FF0000"/>
-                </a:solidFill>
-              </a:rPr>
-              <a:t>Is this necessary?  </a:t>
-            </a:r>
-          </a:p>
-          <a:p>
-            <a:pPr algn="ctr"/>
-            <a:r>
-              <a:rPr lang="en-GB" sz="4800" dirty="0">
-                <a:solidFill>
-                  <a:srgbClr val="FF0000"/>
-                </a:solidFill>
-              </a:rPr>
-              <a:t>It’s just another function…</a:t>
-            </a:r>
-          </a:p>
-        </p:txBody>
-      </p:sp>
-    </p:spTree>
-    <p:extLst>
-      <p:ext uri="{BB962C8B-B14F-4D97-AF65-F5344CB8AC3E}">
-        <p14:creationId xmlns:p14="http://schemas.microsoft.com/office/powerpoint/2010/main" val="341838192"/>
-      </p:ext>
-    </p:extLst>
-  </p:cSld>
-  <p:clrMapOvr>
-    <a:masterClrMapping/>
-  </p:clrMapOvr>
-</p:sld>
-</file>
-
-<file path=ppt/slides/slide5.xml><?xml version="1.0" encoding="utf-8"?>
-<p:sld xmlns:a="http://schemas.openxmlformats.org/drawingml/2006/main" xmlns:r="http://schemas.openxmlformats.org/officeDocument/2006/relationships" xmlns:p="http://schemas.openxmlformats.org/presentationml/2006/main">
-  <p:cSld>
-    <p:spTree>
-      <p:nvGrpSpPr>
-        <p:cNvPr id="1" name=""/>
-        <p:cNvGrpSpPr/>
-        <p:nvPr/>
-      </p:nvGrpSpPr>
-      <p:grpSpPr>
-        <a:xfrm>
-          <a:off x="0" y="0"/>
-          <a:ext cx="0" cy="0"/>
-          <a:chOff x="0" y="0"/>
-          <a:chExt cx="0" cy="0"/>
-        </a:xfrm>
-      </p:grpSpPr>
-      <p:sp>
-        <p:nvSpPr>
-          <p:cNvPr id="2" name="Title 1">
-            <a:extLst>
-              <a:ext uri="{FF2B5EF4-FFF2-40B4-BE49-F238E27FC236}">
-                <a16:creationId xmlns:a16="http://schemas.microsoft.com/office/drawing/2014/main" id="{8B0C5865-E132-43F0-814F-C61B94E5671C}"/>
-              </a:ext>
-            </a:extLst>
-          </p:cNvPr>
-          <p:cNvSpPr>
-            <a:spLocks noGrp="1"/>
-          </p:cNvSpPr>
-          <p:nvPr>
-            <p:ph type="title"/>
-          </p:nvPr>
-        </p:nvSpPr>
-        <p:spPr/>
-        <p:txBody>
-          <a:bodyPr/>
-          <a:lstStyle/>
-          <a:p>
-            <a:r>
-              <a:rPr lang="en-GB" dirty="0"/>
-              <a:t>Saving data to file</a:t>
-            </a:r>
-          </a:p>
-        </p:txBody>
-      </p:sp>
-      <p:sp>
-        <p:nvSpPr>
-          <p:cNvPr id="3" name="Content Placeholder 2">
-            <a:extLst>
-              <a:ext uri="{FF2B5EF4-FFF2-40B4-BE49-F238E27FC236}">
-                <a16:creationId xmlns:a16="http://schemas.microsoft.com/office/drawing/2014/main" id="{B00B5046-B5DF-4F1A-AFA6-4A5FA79CAEFA}"/>
-              </a:ext>
-            </a:extLst>
-          </p:cNvPr>
-          <p:cNvSpPr>
-            <a:spLocks noGrp="1"/>
-          </p:cNvSpPr>
-          <p:nvPr>
-            <p:ph idx="1"/>
-          </p:nvPr>
-        </p:nvSpPr>
-        <p:spPr/>
-        <p:txBody>
-          <a:bodyPr/>
-          <a:lstStyle/>
-          <a:p>
-            <a:r>
-              <a:rPr lang="en-GB" dirty="0"/>
-              <a:t>Examples</a:t>
-            </a:r>
-          </a:p>
-          <a:p>
-            <a:pPr lvl="1"/>
-            <a:r>
-              <a:rPr lang="en-GB" dirty="0" err="1"/>
-              <a:t>xlswrite</a:t>
-            </a:r>
-            <a:endParaRPr lang="en-GB" dirty="0"/>
-          </a:p>
-          <a:p>
-            <a:pPr lvl="1"/>
-            <a:r>
-              <a:rPr lang="en-GB" dirty="0" err="1"/>
-              <a:t>Imwrite</a:t>
-            </a:r>
-            <a:r>
-              <a:rPr lang="en-GB" dirty="0"/>
-              <a:t> (say we will cover this in more detail later)</a:t>
-            </a:r>
-          </a:p>
-          <a:p>
-            <a:pPr lvl="1"/>
-            <a:endParaRPr lang="en-GB" dirty="0"/>
-          </a:p>
-        </p:txBody>
-      </p:sp>
-      <p:sp>
-        <p:nvSpPr>
-          <p:cNvPr id="4" name="TextBox 3">
-            <a:extLst>
-              <a:ext uri="{FF2B5EF4-FFF2-40B4-BE49-F238E27FC236}">
-                <a16:creationId xmlns:a16="http://schemas.microsoft.com/office/drawing/2014/main" id="{8698B1F1-5740-427E-879D-71EAD4CF19C1}"/>
-              </a:ext>
-            </a:extLst>
-          </p:cNvPr>
-          <p:cNvSpPr txBox="1"/>
-          <p:nvPr/>
-        </p:nvSpPr>
-        <p:spPr>
-          <a:xfrm>
-            <a:off x="2417266" y="3661459"/>
-            <a:ext cx="7482980" cy="1569660"/>
-          </a:xfrm>
-          <a:prstGeom prst="rect">
-            <a:avLst/>
-          </a:prstGeom>
-          <a:noFill/>
-        </p:spPr>
-        <p:txBody>
-          <a:bodyPr wrap="square" rtlCol="0">
-            <a:spAutoFit/>
-          </a:bodyPr>
-          <a:lstStyle/>
-          <a:p>
-            <a:pPr algn="ctr"/>
-            <a:r>
-              <a:rPr lang="en-GB" sz="4800" dirty="0">
-                <a:solidFill>
-                  <a:srgbClr val="FF0000"/>
-                </a:solidFill>
-              </a:rPr>
-              <a:t>Is this necessary?  </a:t>
-            </a:r>
-          </a:p>
-          <a:p>
-            <a:pPr algn="ctr"/>
-            <a:r>
-              <a:rPr lang="en-GB" sz="4800" dirty="0">
-                <a:solidFill>
-                  <a:srgbClr val="FF0000"/>
-                </a:solidFill>
-              </a:rPr>
-              <a:t>It’s just another function…</a:t>
-            </a:r>
-          </a:p>
-        </p:txBody>
-      </p:sp>
-    </p:spTree>
-    <p:extLst>
-      <p:ext uri="{BB962C8B-B14F-4D97-AF65-F5344CB8AC3E}">
-        <p14:creationId xmlns:p14="http://schemas.microsoft.com/office/powerpoint/2010/main" val="2396767174"/>
-      </p:ext>
-    </p:extLst>
-  </p:cSld>
-  <p:clrMapOvr>
-    <a:masterClrMapping/>
-  </p:clrMapOvr>
-</p:sld>
-</file>
-
-<file path=ppt/slides/slide6.xml><?xml version="1.0" encoding="utf-8"?>
-<p:sld xmlns:a="http://schemas.openxmlformats.org/drawingml/2006/main" xmlns:r="http://schemas.openxmlformats.org/officeDocument/2006/relationships" xmlns:p="http://schemas.openxmlformats.org/presentationml/2006/main">
-  <p:cSld>
-    <p:spTree>
-      <p:nvGrpSpPr>
-        <p:cNvPr id="1" name=""/>
-        <p:cNvGrpSpPr/>
-        <p:nvPr/>
-      </p:nvGrpSpPr>
-      <p:grpSpPr>
-        <a:xfrm>
-          <a:off x="0" y="0"/>
-          <a:ext cx="0" cy="0"/>
-          <a:chOff x="0" y="0"/>
-          <a:chExt cx="0" cy="0"/>
-        </a:xfrm>
-      </p:grpSpPr>
-      <p:sp>
-        <p:nvSpPr>
-          <p:cNvPr id="2" name="Title 1">
-            <a:extLst>
-              <a:ext uri="{FF2B5EF4-FFF2-40B4-BE49-F238E27FC236}">
-                <a16:creationId xmlns:a16="http://schemas.microsoft.com/office/drawing/2014/main" id="{8EEF9218-B50A-424A-A99D-57BA08F4A8E3}"/>
-              </a:ext>
-            </a:extLst>
-          </p:cNvPr>
-          <p:cNvSpPr>
-            <a:spLocks noGrp="1"/>
-          </p:cNvSpPr>
-          <p:nvPr>
-            <p:ph type="title"/>
-          </p:nvPr>
-        </p:nvSpPr>
-        <p:spPr/>
-        <p:txBody>
-          <a:bodyPr/>
-          <a:lstStyle/>
-          <a:p>
-            <a:endParaRPr lang="en-GB" dirty="0"/>
-          </a:p>
-        </p:txBody>
-      </p:sp>
-      <p:sp>
-        <p:nvSpPr>
-          <p:cNvPr id="4" name="TextBox 3">
-            <a:extLst>
-              <a:ext uri="{FF2B5EF4-FFF2-40B4-BE49-F238E27FC236}">
-                <a16:creationId xmlns:a16="http://schemas.microsoft.com/office/drawing/2014/main" id="{31426854-EE0B-4A5A-AC6D-2BF50C4B1D90}"/>
-              </a:ext>
-            </a:extLst>
-          </p:cNvPr>
-          <p:cNvSpPr txBox="1"/>
-          <p:nvPr/>
-        </p:nvSpPr>
-        <p:spPr>
-          <a:xfrm>
-            <a:off x="2052408" y="3136612"/>
-            <a:ext cx="8087183" cy="584775"/>
-          </a:xfrm>
-          <a:prstGeom prst="rect">
-            <a:avLst/>
-          </a:prstGeom>
-          <a:noFill/>
-        </p:spPr>
-        <p:txBody>
-          <a:bodyPr wrap="square" rtlCol="0">
-            <a:spAutoFit/>
-          </a:bodyPr>
-          <a:lstStyle/>
-          <a:p>
-            <a:pPr algn="ctr"/>
-            <a:r>
-              <a:rPr lang="en-GB" sz="3200" dirty="0"/>
               <a:t>Matrix operations</a:t>
             </a:r>
             <a:endParaRPr lang="en-GB" sz="2800" dirty="0">
@@ -5191,13 +4923,13 @@
   <p:clrMapOvr>
     <a:masterClrMapping/>
   </p:clrMapOvr>
-  <mc:AlternateContent xmlns:mc="http://schemas.openxmlformats.org/markup-compatibility/2006" xmlns:p14="http://schemas.microsoft.com/office/powerpoint/2010/main">
-    <mc:Choice Requires="p14">
+  <mc:AlternateContent xmlns:mc="http://schemas.openxmlformats.org/markup-compatibility/2006">
+    <mc:Choice xmlns:p14="http://schemas.microsoft.com/office/powerpoint/2010/main" Requires="p14">
       <p:transition p14:dur="300">
         <p:fade/>
       </p:transition>
     </mc:Choice>
-    <mc:Fallback xmlns="">
+    <mc:Fallback>
       <p:transition>
         <p:fade/>
       </p:transition>
@@ -5206,7 +4938,7 @@
 </p:sld>
 </file>
 
-<file path=ppt/slides/slide7.xml><?xml version="1.0" encoding="utf-8"?>
+<file path=ppt/slides/slide4.xml><?xml version="1.0" encoding="utf-8"?>
 <p:sld xmlns:a="http://schemas.openxmlformats.org/drawingml/2006/main" xmlns:r="http://schemas.openxmlformats.org/officeDocument/2006/relationships" xmlns:p="http://schemas.openxmlformats.org/presentationml/2006/main">
   <p:cSld>
     <p:spTree>
@@ -5368,6 +5100,1503 @@
   <p:clrMapOvr>
     <a:masterClrMapping/>
   </p:clrMapOvr>
+  <mc:AlternateContent xmlns:mc="http://schemas.openxmlformats.org/markup-compatibility/2006">
+    <mc:Choice xmlns:p14="http://schemas.microsoft.com/office/powerpoint/2010/main" Requires="p14">
+      <p:transition p14:dur="300">
+        <p:fade/>
+      </p:transition>
+    </mc:Choice>
+    <mc:Fallback>
+      <p:transition>
+        <p:fade/>
+      </p:transition>
+    </mc:Fallback>
+  </mc:AlternateContent>
+</p:sld>
+</file>
+
+<file path=ppt/slides/slide5.xml><?xml version="1.0" encoding="utf-8"?>
+<p:sld xmlns:a="http://schemas.openxmlformats.org/drawingml/2006/main" xmlns:r="http://schemas.openxmlformats.org/officeDocument/2006/relationships" xmlns:p="http://schemas.openxmlformats.org/presentationml/2006/main">
+  <p:cSld>
+    <p:spTree>
+      <p:nvGrpSpPr>
+        <p:cNvPr id="1" name=""/>
+        <p:cNvGrpSpPr/>
+        <p:nvPr/>
+      </p:nvGrpSpPr>
+      <p:grpSpPr>
+        <a:xfrm>
+          <a:off x="0" y="0"/>
+          <a:ext cx="0" cy="0"/>
+          <a:chOff x="0" y="0"/>
+          <a:chExt cx="0" cy="0"/>
+        </a:xfrm>
+      </p:grpSpPr>
+      <p:sp>
+        <p:nvSpPr>
+          <p:cNvPr id="2" name="Title 1">
+            <a:extLst>
+              <a:ext uri="{FF2B5EF4-FFF2-40B4-BE49-F238E27FC236}">
+                <a16:creationId xmlns:a16="http://schemas.microsoft.com/office/drawing/2014/main" id="{8B0C5865-E132-43F0-814F-C61B94E5671C}"/>
+              </a:ext>
+            </a:extLst>
+          </p:cNvPr>
+          <p:cNvSpPr>
+            <a:spLocks noGrp="1"/>
+          </p:cNvSpPr>
+          <p:nvPr>
+            <p:ph type="title"/>
+          </p:nvPr>
+        </p:nvSpPr>
+        <p:spPr/>
+        <p:txBody>
+          <a:bodyPr/>
+          <a:lstStyle/>
+          <a:p>
+            <a:r>
+              <a:rPr lang="en-GB" dirty="0"/>
+              <a:t>Creating matrices</a:t>
+            </a:r>
+          </a:p>
+        </p:txBody>
+      </p:sp>
+      <p:sp>
+        <p:nvSpPr>
+          <p:cNvPr id="3" name="Content Placeholder 2">
+            <a:extLst>
+              <a:ext uri="{FF2B5EF4-FFF2-40B4-BE49-F238E27FC236}">
+                <a16:creationId xmlns:a16="http://schemas.microsoft.com/office/drawing/2014/main" id="{B00B5046-B5DF-4F1A-AFA6-4A5FA79CAEFA}"/>
+              </a:ext>
+            </a:extLst>
+          </p:cNvPr>
+          <p:cNvSpPr>
+            <a:spLocks noGrp="1"/>
+          </p:cNvSpPr>
+          <p:nvPr>
+            <p:ph idx="1"/>
+          </p:nvPr>
+        </p:nvSpPr>
+        <p:spPr/>
+        <p:txBody>
+          <a:bodyPr/>
+          <a:lstStyle/>
+          <a:p>
+            <a:r>
+              <a:rPr lang="en-GB" sz="2800" dirty="0"/>
+              <a:t>Creating a 2D matrix from known values</a:t>
+            </a:r>
+          </a:p>
+          <a:p>
+            <a:pPr lvl="1"/>
+            <a:r>
+              <a:rPr lang="en-GB" dirty="0"/>
+              <a:t>Surround values with square brackets</a:t>
+            </a:r>
+          </a:p>
+          <a:p>
+            <a:pPr lvl="1"/>
+            <a:r>
+              <a:rPr lang="en-GB" dirty="0"/>
+              <a:t>Comma-separate items on the same row</a:t>
+            </a:r>
+          </a:p>
+          <a:p>
+            <a:pPr lvl="1"/>
+            <a:r>
+              <a:rPr lang="en-GB" dirty="0"/>
+              <a:t>Semicolon-separate rows</a:t>
+            </a:r>
+            <a:endParaRPr lang="en-GB" sz="2800" dirty="0"/>
+          </a:p>
+        </p:txBody>
+      </p:sp>
+      <p:sp>
+        <p:nvSpPr>
+          <p:cNvPr id="15" name="Content Placeholder 2">
+            <a:extLst>
+              <a:ext uri="{FF2B5EF4-FFF2-40B4-BE49-F238E27FC236}">
+                <a16:creationId xmlns:a16="http://schemas.microsoft.com/office/drawing/2014/main" id="{CE0D0426-0B06-473B-9CD0-B82445A8FEE4}"/>
+              </a:ext>
+            </a:extLst>
+          </p:cNvPr>
+          <p:cNvSpPr txBox="1">
+            <a:spLocks/>
+          </p:cNvSpPr>
+          <p:nvPr/>
+        </p:nvSpPr>
+        <p:spPr>
+          <a:xfrm>
+            <a:off x="335360" y="3247697"/>
+            <a:ext cx="3841200" cy="1878217"/>
+          </a:xfrm>
+          <a:prstGeom prst="rect">
+            <a:avLst/>
+          </a:prstGeom>
+        </p:spPr>
+        <p:txBody>
+          <a:bodyPr/>
+          <a:lstStyle>
+            <a:lvl1pPr marL="342900" indent="-342900" algn="l" rtl="0" eaLnBrk="1" fontAlgn="base" hangingPunct="1">
+              <a:spcBef>
+                <a:spcPct val="20000"/>
+              </a:spcBef>
+              <a:spcAft>
+                <a:spcPct val="0"/>
+              </a:spcAft>
+              <a:buFont typeface="Arial" panose="020B0604020202020204" pitchFamily="34" charset="0"/>
+              <a:buChar char="•"/>
+              <a:defRPr sz="2800" kern="1200">
+                <a:solidFill>
+                  <a:schemeClr val="tx1"/>
+                </a:solidFill>
+                <a:latin typeface="+mn-lt"/>
+                <a:ea typeface="+mn-ea"/>
+                <a:cs typeface="+mn-cs"/>
+              </a:defRPr>
+            </a:lvl1pPr>
+            <a:lvl2pPr marL="742950" indent="-285750" algn="l" rtl="0" eaLnBrk="1" fontAlgn="base" hangingPunct="1">
+              <a:spcBef>
+                <a:spcPct val="20000"/>
+              </a:spcBef>
+              <a:spcAft>
+                <a:spcPct val="0"/>
+              </a:spcAft>
+              <a:buFont typeface="Arial" panose="020B0604020202020204" pitchFamily="34" charset="0"/>
+              <a:buChar char="•"/>
+              <a:defRPr sz="2400" kern="1200">
+                <a:solidFill>
+                  <a:srgbClr val="BF2F37"/>
+                </a:solidFill>
+                <a:latin typeface="+mn-lt"/>
+                <a:ea typeface="+mn-ea"/>
+                <a:cs typeface="+mn-cs"/>
+              </a:defRPr>
+            </a:lvl2pPr>
+            <a:lvl3pPr marL="1143000" indent="-228600" algn="l" rtl="0" eaLnBrk="1" fontAlgn="base" hangingPunct="1">
+              <a:spcBef>
+                <a:spcPct val="20000"/>
+              </a:spcBef>
+              <a:spcAft>
+                <a:spcPct val="0"/>
+              </a:spcAft>
+              <a:buFont typeface="Arial" panose="020B0604020202020204" pitchFamily="34" charset="0"/>
+              <a:buChar char="•"/>
+              <a:defRPr sz="2000" kern="1200">
+                <a:solidFill>
+                  <a:schemeClr val="tx1"/>
+                </a:solidFill>
+                <a:latin typeface="+mn-lt"/>
+                <a:ea typeface="+mn-ea"/>
+                <a:cs typeface="+mn-cs"/>
+              </a:defRPr>
+            </a:lvl3pPr>
+            <a:lvl4pPr marL="1600200" indent="-228600" algn="l" rtl="0" eaLnBrk="1" fontAlgn="base" hangingPunct="1">
+              <a:spcBef>
+                <a:spcPct val="20000"/>
+              </a:spcBef>
+              <a:spcAft>
+                <a:spcPct val="0"/>
+              </a:spcAft>
+              <a:buFont typeface="Arial" panose="020B0604020202020204" pitchFamily="34" charset="0"/>
+              <a:buChar char="–"/>
+              <a:defRPr sz="1800" kern="1200">
+                <a:solidFill>
+                  <a:schemeClr val="tx1"/>
+                </a:solidFill>
+                <a:latin typeface="+mn-lt"/>
+                <a:ea typeface="+mn-ea"/>
+                <a:cs typeface="+mn-cs"/>
+              </a:defRPr>
+            </a:lvl4pPr>
+            <a:lvl5pPr marL="2057400" indent="-228600" algn="l" rtl="0" eaLnBrk="1" fontAlgn="base" hangingPunct="1">
+              <a:spcBef>
+                <a:spcPct val="20000"/>
+              </a:spcBef>
+              <a:spcAft>
+                <a:spcPct val="0"/>
+              </a:spcAft>
+              <a:buFont typeface="Arial" pitchFamily="34" charset="0"/>
+              <a:buChar char="­"/>
+              <a:defRPr sz="1800" kern="1200">
+                <a:solidFill>
+                  <a:schemeClr val="tx1"/>
+                </a:solidFill>
+                <a:latin typeface="+mn-lt"/>
+                <a:ea typeface="+mn-ea"/>
+                <a:cs typeface="+mn-cs"/>
+              </a:defRPr>
+            </a:lvl5pPr>
+            <a:lvl6pPr marL="2514600" indent="-228600" algn="l" defTabSz="914400" rtl="0" eaLnBrk="1" latinLnBrk="0" hangingPunct="1">
+              <a:spcBef>
+                <a:spcPct val="20000"/>
+              </a:spcBef>
+              <a:buFont typeface="Arial" pitchFamily="34" charset="0"/>
+              <a:buChar char="•"/>
+              <a:defRPr sz="2000" kern="1200">
+                <a:solidFill>
+                  <a:schemeClr val="tx1"/>
+                </a:solidFill>
+                <a:latin typeface="+mn-lt"/>
+                <a:ea typeface="+mn-ea"/>
+                <a:cs typeface="+mn-cs"/>
+              </a:defRPr>
+            </a:lvl6pPr>
+            <a:lvl7pPr marL="2971800" indent="-228600" algn="l" defTabSz="914400" rtl="0" eaLnBrk="1" latinLnBrk="0" hangingPunct="1">
+              <a:spcBef>
+                <a:spcPct val="20000"/>
+              </a:spcBef>
+              <a:buFont typeface="Arial" pitchFamily="34" charset="0"/>
+              <a:buChar char="•"/>
+              <a:defRPr sz="2000" kern="1200">
+                <a:solidFill>
+                  <a:schemeClr val="tx1"/>
+                </a:solidFill>
+                <a:latin typeface="+mn-lt"/>
+                <a:ea typeface="+mn-ea"/>
+                <a:cs typeface="+mn-cs"/>
+              </a:defRPr>
+            </a:lvl7pPr>
+            <a:lvl8pPr marL="3429000" indent="-228600" algn="l" defTabSz="914400" rtl="0" eaLnBrk="1" latinLnBrk="0" hangingPunct="1">
+              <a:spcBef>
+                <a:spcPct val="20000"/>
+              </a:spcBef>
+              <a:buFont typeface="Arial" pitchFamily="34" charset="0"/>
+              <a:buChar char="•"/>
+              <a:defRPr sz="2000" kern="1200">
+                <a:solidFill>
+                  <a:schemeClr val="tx1"/>
+                </a:solidFill>
+                <a:latin typeface="+mn-lt"/>
+                <a:ea typeface="+mn-ea"/>
+                <a:cs typeface="+mn-cs"/>
+              </a:defRPr>
+            </a:lvl8pPr>
+            <a:lvl9pPr marL="3886200" indent="-228600" algn="l" defTabSz="914400" rtl="0" eaLnBrk="1" latinLnBrk="0" hangingPunct="1">
+              <a:spcBef>
+                <a:spcPct val="20000"/>
+              </a:spcBef>
+              <a:buFont typeface="Arial" pitchFamily="34" charset="0"/>
+              <a:buChar char="•"/>
+              <a:defRPr sz="2000" kern="1200">
+                <a:solidFill>
+                  <a:schemeClr val="tx1"/>
+                </a:solidFill>
+                <a:latin typeface="+mn-lt"/>
+                <a:ea typeface="+mn-ea"/>
+                <a:cs typeface="+mn-cs"/>
+              </a:defRPr>
+            </a:lvl9pPr>
+          </a:lstStyle>
+          <a:p>
+            <a:r>
+              <a:rPr lang="en-GB" dirty="0"/>
+              <a:t>A single row</a:t>
+            </a:r>
+          </a:p>
+        </p:txBody>
+      </p:sp>
+      <p:pic>
+        <p:nvPicPr>
+          <p:cNvPr id="21" name="Picture 20">
+            <a:extLst>
+              <a:ext uri="{FF2B5EF4-FFF2-40B4-BE49-F238E27FC236}">
+                <a16:creationId xmlns:a16="http://schemas.microsoft.com/office/drawing/2014/main" id="{053AA60D-C624-43EF-9E8C-99F29A3BF888}"/>
+              </a:ext>
+            </a:extLst>
+          </p:cNvPr>
+          <p:cNvPicPr>
+            <a:picLocks noChangeAspect="1"/>
+          </p:cNvPicPr>
+          <p:nvPr/>
+        </p:nvPicPr>
+        <p:blipFill>
+          <a:blip r:embed="rId2"/>
+          <a:stretch>
+            <a:fillRect/>
+          </a:stretch>
+        </p:blipFill>
+        <p:spPr>
+          <a:xfrm>
+            <a:off x="4693920" y="3850376"/>
+            <a:ext cx="2804160" cy="2190750"/>
+          </a:xfrm>
+          <a:prstGeom prst="rect">
+            <a:avLst/>
+          </a:prstGeom>
+          <a:ln w="12700">
+            <a:solidFill>
+              <a:srgbClr val="BF2F37"/>
+            </a:solidFill>
+          </a:ln>
+        </p:spPr>
+      </p:pic>
+      <p:sp>
+        <p:nvSpPr>
+          <p:cNvPr id="16" name="Content Placeholder 2">
+            <a:extLst>
+              <a:ext uri="{FF2B5EF4-FFF2-40B4-BE49-F238E27FC236}">
+                <a16:creationId xmlns:a16="http://schemas.microsoft.com/office/drawing/2014/main" id="{85B85927-0157-4AB1-B1CE-6782F9DF5441}"/>
+              </a:ext>
+            </a:extLst>
+          </p:cNvPr>
+          <p:cNvSpPr txBox="1">
+            <a:spLocks/>
+          </p:cNvSpPr>
+          <p:nvPr/>
+        </p:nvSpPr>
+        <p:spPr>
+          <a:xfrm>
+            <a:off x="4176560" y="3247696"/>
+            <a:ext cx="3841200" cy="1878217"/>
+          </a:xfrm>
+          <a:prstGeom prst="rect">
+            <a:avLst/>
+          </a:prstGeom>
+        </p:spPr>
+        <p:txBody>
+          <a:bodyPr/>
+          <a:lstStyle>
+            <a:lvl1pPr marL="342900" indent="-342900" algn="l" rtl="0" eaLnBrk="1" fontAlgn="base" hangingPunct="1">
+              <a:spcBef>
+                <a:spcPct val="20000"/>
+              </a:spcBef>
+              <a:spcAft>
+                <a:spcPct val="0"/>
+              </a:spcAft>
+              <a:buFont typeface="Arial" panose="020B0604020202020204" pitchFamily="34" charset="0"/>
+              <a:buChar char="•"/>
+              <a:defRPr sz="2800" kern="1200">
+                <a:solidFill>
+                  <a:schemeClr val="tx1"/>
+                </a:solidFill>
+                <a:latin typeface="+mn-lt"/>
+                <a:ea typeface="+mn-ea"/>
+                <a:cs typeface="+mn-cs"/>
+              </a:defRPr>
+            </a:lvl1pPr>
+            <a:lvl2pPr marL="742950" indent="-285750" algn="l" rtl="0" eaLnBrk="1" fontAlgn="base" hangingPunct="1">
+              <a:spcBef>
+                <a:spcPct val="20000"/>
+              </a:spcBef>
+              <a:spcAft>
+                <a:spcPct val="0"/>
+              </a:spcAft>
+              <a:buFont typeface="Arial" panose="020B0604020202020204" pitchFamily="34" charset="0"/>
+              <a:buChar char="•"/>
+              <a:defRPr sz="2400" kern="1200">
+                <a:solidFill>
+                  <a:srgbClr val="BF2F37"/>
+                </a:solidFill>
+                <a:latin typeface="+mn-lt"/>
+                <a:ea typeface="+mn-ea"/>
+                <a:cs typeface="+mn-cs"/>
+              </a:defRPr>
+            </a:lvl2pPr>
+            <a:lvl3pPr marL="1143000" indent="-228600" algn="l" rtl="0" eaLnBrk="1" fontAlgn="base" hangingPunct="1">
+              <a:spcBef>
+                <a:spcPct val="20000"/>
+              </a:spcBef>
+              <a:spcAft>
+                <a:spcPct val="0"/>
+              </a:spcAft>
+              <a:buFont typeface="Arial" panose="020B0604020202020204" pitchFamily="34" charset="0"/>
+              <a:buChar char="•"/>
+              <a:defRPr sz="2000" kern="1200">
+                <a:solidFill>
+                  <a:schemeClr val="tx1"/>
+                </a:solidFill>
+                <a:latin typeface="+mn-lt"/>
+                <a:ea typeface="+mn-ea"/>
+                <a:cs typeface="+mn-cs"/>
+              </a:defRPr>
+            </a:lvl3pPr>
+            <a:lvl4pPr marL="1600200" indent="-228600" algn="l" rtl="0" eaLnBrk="1" fontAlgn="base" hangingPunct="1">
+              <a:spcBef>
+                <a:spcPct val="20000"/>
+              </a:spcBef>
+              <a:spcAft>
+                <a:spcPct val="0"/>
+              </a:spcAft>
+              <a:buFont typeface="Arial" panose="020B0604020202020204" pitchFamily="34" charset="0"/>
+              <a:buChar char="–"/>
+              <a:defRPr sz="1800" kern="1200">
+                <a:solidFill>
+                  <a:schemeClr val="tx1"/>
+                </a:solidFill>
+                <a:latin typeface="+mn-lt"/>
+                <a:ea typeface="+mn-ea"/>
+                <a:cs typeface="+mn-cs"/>
+              </a:defRPr>
+            </a:lvl4pPr>
+            <a:lvl5pPr marL="2057400" indent="-228600" algn="l" rtl="0" eaLnBrk="1" fontAlgn="base" hangingPunct="1">
+              <a:spcBef>
+                <a:spcPct val="20000"/>
+              </a:spcBef>
+              <a:spcAft>
+                <a:spcPct val="0"/>
+              </a:spcAft>
+              <a:buFont typeface="Arial" pitchFamily="34" charset="0"/>
+              <a:buChar char="­"/>
+              <a:defRPr sz="1800" kern="1200">
+                <a:solidFill>
+                  <a:schemeClr val="tx1"/>
+                </a:solidFill>
+                <a:latin typeface="+mn-lt"/>
+                <a:ea typeface="+mn-ea"/>
+                <a:cs typeface="+mn-cs"/>
+              </a:defRPr>
+            </a:lvl5pPr>
+            <a:lvl6pPr marL="2514600" indent="-228600" algn="l" defTabSz="914400" rtl="0" eaLnBrk="1" latinLnBrk="0" hangingPunct="1">
+              <a:spcBef>
+                <a:spcPct val="20000"/>
+              </a:spcBef>
+              <a:buFont typeface="Arial" pitchFamily="34" charset="0"/>
+              <a:buChar char="•"/>
+              <a:defRPr sz="2000" kern="1200">
+                <a:solidFill>
+                  <a:schemeClr val="tx1"/>
+                </a:solidFill>
+                <a:latin typeface="+mn-lt"/>
+                <a:ea typeface="+mn-ea"/>
+                <a:cs typeface="+mn-cs"/>
+              </a:defRPr>
+            </a:lvl6pPr>
+            <a:lvl7pPr marL="2971800" indent="-228600" algn="l" defTabSz="914400" rtl="0" eaLnBrk="1" latinLnBrk="0" hangingPunct="1">
+              <a:spcBef>
+                <a:spcPct val="20000"/>
+              </a:spcBef>
+              <a:buFont typeface="Arial" pitchFamily="34" charset="0"/>
+              <a:buChar char="•"/>
+              <a:defRPr sz="2000" kern="1200">
+                <a:solidFill>
+                  <a:schemeClr val="tx1"/>
+                </a:solidFill>
+                <a:latin typeface="+mn-lt"/>
+                <a:ea typeface="+mn-ea"/>
+                <a:cs typeface="+mn-cs"/>
+              </a:defRPr>
+            </a:lvl7pPr>
+            <a:lvl8pPr marL="3429000" indent="-228600" algn="l" defTabSz="914400" rtl="0" eaLnBrk="1" latinLnBrk="0" hangingPunct="1">
+              <a:spcBef>
+                <a:spcPct val="20000"/>
+              </a:spcBef>
+              <a:buFont typeface="Arial" pitchFamily="34" charset="0"/>
+              <a:buChar char="•"/>
+              <a:defRPr sz="2000" kern="1200">
+                <a:solidFill>
+                  <a:schemeClr val="tx1"/>
+                </a:solidFill>
+                <a:latin typeface="+mn-lt"/>
+                <a:ea typeface="+mn-ea"/>
+                <a:cs typeface="+mn-cs"/>
+              </a:defRPr>
+            </a:lvl8pPr>
+            <a:lvl9pPr marL="3886200" indent="-228600" algn="l" defTabSz="914400" rtl="0" eaLnBrk="1" latinLnBrk="0" hangingPunct="1">
+              <a:spcBef>
+                <a:spcPct val="20000"/>
+              </a:spcBef>
+              <a:buFont typeface="Arial" pitchFamily="34" charset="0"/>
+              <a:buChar char="•"/>
+              <a:defRPr sz="2000" kern="1200">
+                <a:solidFill>
+                  <a:schemeClr val="tx1"/>
+                </a:solidFill>
+                <a:latin typeface="+mn-lt"/>
+                <a:ea typeface="+mn-ea"/>
+                <a:cs typeface="+mn-cs"/>
+              </a:defRPr>
+            </a:lvl9pPr>
+          </a:lstStyle>
+          <a:p>
+            <a:r>
+              <a:rPr lang="en-GB" dirty="0"/>
+              <a:t>A single column</a:t>
+            </a:r>
+          </a:p>
+          <a:p>
+            <a:pPr lvl="1"/>
+            <a:endParaRPr lang="en-GB" i="1" dirty="0">
+              <a:solidFill>
+                <a:schemeClr val="accent1"/>
+              </a:solidFill>
+            </a:endParaRPr>
+          </a:p>
+          <a:p>
+            <a:pPr lvl="1"/>
+            <a:endParaRPr lang="en-GB" sz="1200" dirty="0"/>
+          </a:p>
+          <a:p>
+            <a:pPr lvl="1"/>
+            <a:endParaRPr lang="en-GB" dirty="0"/>
+          </a:p>
+        </p:txBody>
+      </p:sp>
+      <p:pic>
+        <p:nvPicPr>
+          <p:cNvPr id="20" name="Picture 19">
+            <a:extLst>
+              <a:ext uri="{FF2B5EF4-FFF2-40B4-BE49-F238E27FC236}">
+                <a16:creationId xmlns:a16="http://schemas.microsoft.com/office/drawing/2014/main" id="{1C7002C5-58B7-4395-B99C-219A0BA87EAB}"/>
+              </a:ext>
+            </a:extLst>
+          </p:cNvPr>
+          <p:cNvPicPr>
+            <a:picLocks noChangeAspect="1"/>
+          </p:cNvPicPr>
+          <p:nvPr/>
+        </p:nvPicPr>
+        <p:blipFill>
+          <a:blip r:embed="rId3"/>
+          <a:stretch>
+            <a:fillRect/>
+          </a:stretch>
+        </p:blipFill>
+        <p:spPr>
+          <a:xfrm>
+            <a:off x="853880" y="3850376"/>
+            <a:ext cx="2804160" cy="2190750"/>
+          </a:xfrm>
+          <a:prstGeom prst="rect">
+            <a:avLst/>
+          </a:prstGeom>
+          <a:ln w="12700">
+            <a:solidFill>
+              <a:srgbClr val="BF2F37"/>
+            </a:solidFill>
+          </a:ln>
+        </p:spPr>
+      </p:pic>
+      <p:sp>
+        <p:nvSpPr>
+          <p:cNvPr id="23" name="Content Placeholder 2">
+            <a:extLst>
+              <a:ext uri="{FF2B5EF4-FFF2-40B4-BE49-F238E27FC236}">
+                <a16:creationId xmlns:a16="http://schemas.microsoft.com/office/drawing/2014/main" id="{E3B329FC-57D7-4384-A84D-C614B27BF593}"/>
+              </a:ext>
+            </a:extLst>
+          </p:cNvPr>
+          <p:cNvSpPr txBox="1">
+            <a:spLocks/>
+          </p:cNvSpPr>
+          <p:nvPr/>
+        </p:nvSpPr>
+        <p:spPr>
+          <a:xfrm>
+            <a:off x="8015442" y="3247693"/>
+            <a:ext cx="3841200" cy="1878217"/>
+          </a:xfrm>
+          <a:prstGeom prst="rect">
+            <a:avLst/>
+          </a:prstGeom>
+        </p:spPr>
+        <p:txBody>
+          <a:bodyPr/>
+          <a:lstStyle>
+            <a:lvl1pPr marL="342900" indent="-342900" algn="l" rtl="0" eaLnBrk="1" fontAlgn="base" hangingPunct="1">
+              <a:spcBef>
+                <a:spcPct val="20000"/>
+              </a:spcBef>
+              <a:spcAft>
+                <a:spcPct val="0"/>
+              </a:spcAft>
+              <a:buFont typeface="Arial" panose="020B0604020202020204" pitchFamily="34" charset="0"/>
+              <a:buChar char="•"/>
+              <a:defRPr sz="2800" kern="1200">
+                <a:solidFill>
+                  <a:schemeClr val="tx1"/>
+                </a:solidFill>
+                <a:latin typeface="+mn-lt"/>
+                <a:ea typeface="+mn-ea"/>
+                <a:cs typeface="+mn-cs"/>
+              </a:defRPr>
+            </a:lvl1pPr>
+            <a:lvl2pPr marL="742950" indent="-285750" algn="l" rtl="0" eaLnBrk="1" fontAlgn="base" hangingPunct="1">
+              <a:spcBef>
+                <a:spcPct val="20000"/>
+              </a:spcBef>
+              <a:spcAft>
+                <a:spcPct val="0"/>
+              </a:spcAft>
+              <a:buFont typeface="Arial" panose="020B0604020202020204" pitchFamily="34" charset="0"/>
+              <a:buChar char="•"/>
+              <a:defRPr sz="2400" kern="1200">
+                <a:solidFill>
+                  <a:srgbClr val="BF2F37"/>
+                </a:solidFill>
+                <a:latin typeface="+mn-lt"/>
+                <a:ea typeface="+mn-ea"/>
+                <a:cs typeface="+mn-cs"/>
+              </a:defRPr>
+            </a:lvl2pPr>
+            <a:lvl3pPr marL="1143000" indent="-228600" algn="l" rtl="0" eaLnBrk="1" fontAlgn="base" hangingPunct="1">
+              <a:spcBef>
+                <a:spcPct val="20000"/>
+              </a:spcBef>
+              <a:spcAft>
+                <a:spcPct val="0"/>
+              </a:spcAft>
+              <a:buFont typeface="Arial" panose="020B0604020202020204" pitchFamily="34" charset="0"/>
+              <a:buChar char="•"/>
+              <a:defRPr sz="2000" kern="1200">
+                <a:solidFill>
+                  <a:schemeClr val="tx1"/>
+                </a:solidFill>
+                <a:latin typeface="+mn-lt"/>
+                <a:ea typeface="+mn-ea"/>
+                <a:cs typeface="+mn-cs"/>
+              </a:defRPr>
+            </a:lvl3pPr>
+            <a:lvl4pPr marL="1600200" indent="-228600" algn="l" rtl="0" eaLnBrk="1" fontAlgn="base" hangingPunct="1">
+              <a:spcBef>
+                <a:spcPct val="20000"/>
+              </a:spcBef>
+              <a:spcAft>
+                <a:spcPct val="0"/>
+              </a:spcAft>
+              <a:buFont typeface="Arial" panose="020B0604020202020204" pitchFamily="34" charset="0"/>
+              <a:buChar char="–"/>
+              <a:defRPr sz="1800" kern="1200">
+                <a:solidFill>
+                  <a:schemeClr val="tx1"/>
+                </a:solidFill>
+                <a:latin typeface="+mn-lt"/>
+                <a:ea typeface="+mn-ea"/>
+                <a:cs typeface="+mn-cs"/>
+              </a:defRPr>
+            </a:lvl4pPr>
+            <a:lvl5pPr marL="2057400" indent="-228600" algn="l" rtl="0" eaLnBrk="1" fontAlgn="base" hangingPunct="1">
+              <a:spcBef>
+                <a:spcPct val="20000"/>
+              </a:spcBef>
+              <a:spcAft>
+                <a:spcPct val="0"/>
+              </a:spcAft>
+              <a:buFont typeface="Arial" pitchFamily="34" charset="0"/>
+              <a:buChar char="­"/>
+              <a:defRPr sz="1800" kern="1200">
+                <a:solidFill>
+                  <a:schemeClr val="tx1"/>
+                </a:solidFill>
+                <a:latin typeface="+mn-lt"/>
+                <a:ea typeface="+mn-ea"/>
+                <a:cs typeface="+mn-cs"/>
+              </a:defRPr>
+            </a:lvl5pPr>
+            <a:lvl6pPr marL="2514600" indent="-228600" algn="l" defTabSz="914400" rtl="0" eaLnBrk="1" latinLnBrk="0" hangingPunct="1">
+              <a:spcBef>
+                <a:spcPct val="20000"/>
+              </a:spcBef>
+              <a:buFont typeface="Arial" pitchFamily="34" charset="0"/>
+              <a:buChar char="•"/>
+              <a:defRPr sz="2000" kern="1200">
+                <a:solidFill>
+                  <a:schemeClr val="tx1"/>
+                </a:solidFill>
+                <a:latin typeface="+mn-lt"/>
+                <a:ea typeface="+mn-ea"/>
+                <a:cs typeface="+mn-cs"/>
+              </a:defRPr>
+            </a:lvl6pPr>
+            <a:lvl7pPr marL="2971800" indent="-228600" algn="l" defTabSz="914400" rtl="0" eaLnBrk="1" latinLnBrk="0" hangingPunct="1">
+              <a:spcBef>
+                <a:spcPct val="20000"/>
+              </a:spcBef>
+              <a:buFont typeface="Arial" pitchFamily="34" charset="0"/>
+              <a:buChar char="•"/>
+              <a:defRPr sz="2000" kern="1200">
+                <a:solidFill>
+                  <a:schemeClr val="tx1"/>
+                </a:solidFill>
+                <a:latin typeface="+mn-lt"/>
+                <a:ea typeface="+mn-ea"/>
+                <a:cs typeface="+mn-cs"/>
+              </a:defRPr>
+            </a:lvl7pPr>
+            <a:lvl8pPr marL="3429000" indent="-228600" algn="l" defTabSz="914400" rtl="0" eaLnBrk="1" latinLnBrk="0" hangingPunct="1">
+              <a:spcBef>
+                <a:spcPct val="20000"/>
+              </a:spcBef>
+              <a:buFont typeface="Arial" pitchFamily="34" charset="0"/>
+              <a:buChar char="•"/>
+              <a:defRPr sz="2000" kern="1200">
+                <a:solidFill>
+                  <a:schemeClr val="tx1"/>
+                </a:solidFill>
+                <a:latin typeface="+mn-lt"/>
+                <a:ea typeface="+mn-ea"/>
+                <a:cs typeface="+mn-cs"/>
+              </a:defRPr>
+            </a:lvl8pPr>
+            <a:lvl9pPr marL="3886200" indent="-228600" algn="l" defTabSz="914400" rtl="0" eaLnBrk="1" latinLnBrk="0" hangingPunct="1">
+              <a:spcBef>
+                <a:spcPct val="20000"/>
+              </a:spcBef>
+              <a:buFont typeface="Arial" pitchFamily="34" charset="0"/>
+              <a:buChar char="•"/>
+              <a:defRPr sz="2000" kern="1200">
+                <a:solidFill>
+                  <a:schemeClr val="tx1"/>
+                </a:solidFill>
+                <a:latin typeface="+mn-lt"/>
+                <a:ea typeface="+mn-ea"/>
+                <a:cs typeface="+mn-cs"/>
+              </a:defRPr>
+            </a:lvl9pPr>
+          </a:lstStyle>
+          <a:p>
+            <a:r>
+              <a:rPr lang="en-GB" dirty="0"/>
+              <a:t>A true 2D matrix</a:t>
+            </a:r>
+          </a:p>
+          <a:p>
+            <a:pPr lvl="1"/>
+            <a:endParaRPr lang="en-GB" i="1" dirty="0">
+              <a:solidFill>
+                <a:schemeClr val="accent1"/>
+              </a:solidFill>
+            </a:endParaRPr>
+          </a:p>
+          <a:p>
+            <a:pPr lvl="1"/>
+            <a:endParaRPr lang="en-GB" sz="1200" dirty="0"/>
+          </a:p>
+          <a:p>
+            <a:pPr lvl="1"/>
+            <a:endParaRPr lang="en-GB" dirty="0"/>
+          </a:p>
+        </p:txBody>
+      </p:sp>
+      <p:pic>
+        <p:nvPicPr>
+          <p:cNvPr id="24" name="Picture 23">
+            <a:extLst>
+              <a:ext uri="{FF2B5EF4-FFF2-40B4-BE49-F238E27FC236}">
+                <a16:creationId xmlns:a16="http://schemas.microsoft.com/office/drawing/2014/main" id="{455EB208-4DE9-48EF-832B-B81488BF7738}"/>
+              </a:ext>
+            </a:extLst>
+          </p:cNvPr>
+          <p:cNvPicPr>
+            <a:picLocks noChangeAspect="1"/>
+          </p:cNvPicPr>
+          <p:nvPr/>
+        </p:nvPicPr>
+        <p:blipFill>
+          <a:blip r:embed="rId4"/>
+          <a:stretch>
+            <a:fillRect/>
+          </a:stretch>
+        </p:blipFill>
+        <p:spPr>
+          <a:xfrm>
+            <a:off x="8533962" y="3850376"/>
+            <a:ext cx="2804160" cy="2190750"/>
+          </a:xfrm>
+          <a:prstGeom prst="rect">
+            <a:avLst/>
+          </a:prstGeom>
+          <a:ln w="12700">
+            <a:solidFill>
+              <a:srgbClr val="BF2F37"/>
+            </a:solidFill>
+          </a:ln>
+        </p:spPr>
+      </p:pic>
+    </p:spTree>
+    <p:extLst>
+      <p:ext uri="{BB962C8B-B14F-4D97-AF65-F5344CB8AC3E}">
+        <p14:creationId xmlns:p14="http://schemas.microsoft.com/office/powerpoint/2010/main" val="460338814"/>
+      </p:ext>
+    </p:extLst>
+  </p:cSld>
+  <p:clrMapOvr>
+    <a:masterClrMapping/>
+  </p:clrMapOvr>
+  <mc:AlternateContent xmlns:mc="http://schemas.openxmlformats.org/markup-compatibility/2006">
+    <mc:Choice xmlns:p14="http://schemas.microsoft.com/office/powerpoint/2010/main" Requires="p14">
+      <p:transition p14:dur="300">
+        <p:fade/>
+      </p:transition>
+    </mc:Choice>
+    <mc:Fallback>
+      <p:transition>
+        <p:fade/>
+      </p:transition>
+    </mc:Fallback>
+  </mc:AlternateContent>
+</p:sld>
+</file>
+
+<file path=ppt/slides/slide6.xml><?xml version="1.0" encoding="utf-8"?>
+<p:sld xmlns:a="http://schemas.openxmlformats.org/drawingml/2006/main" xmlns:r="http://schemas.openxmlformats.org/officeDocument/2006/relationships" xmlns:p="http://schemas.openxmlformats.org/presentationml/2006/main">
+  <p:cSld>
+    <p:spTree>
+      <p:nvGrpSpPr>
+        <p:cNvPr id="1" name=""/>
+        <p:cNvGrpSpPr/>
+        <p:nvPr/>
+      </p:nvGrpSpPr>
+      <p:grpSpPr>
+        <a:xfrm>
+          <a:off x="0" y="0"/>
+          <a:ext cx="0" cy="0"/>
+          <a:chOff x="0" y="0"/>
+          <a:chExt cx="0" cy="0"/>
+        </a:xfrm>
+      </p:grpSpPr>
+      <p:sp>
+        <p:nvSpPr>
+          <p:cNvPr id="2" name="Title 1">
+            <a:extLst>
+              <a:ext uri="{FF2B5EF4-FFF2-40B4-BE49-F238E27FC236}">
+                <a16:creationId xmlns:a16="http://schemas.microsoft.com/office/drawing/2014/main" id="{8B0C5865-E132-43F0-814F-C61B94E5671C}"/>
+              </a:ext>
+            </a:extLst>
+          </p:cNvPr>
+          <p:cNvSpPr>
+            <a:spLocks noGrp="1"/>
+          </p:cNvSpPr>
+          <p:nvPr>
+            <p:ph type="title"/>
+          </p:nvPr>
+        </p:nvSpPr>
+        <p:spPr/>
+        <p:txBody>
+          <a:bodyPr/>
+          <a:lstStyle/>
+          <a:p>
+            <a:r>
+              <a:rPr lang="en-GB" dirty="0"/>
+              <a:t>Combining matrices</a:t>
+            </a:r>
+          </a:p>
+        </p:txBody>
+      </p:sp>
+      <p:sp>
+        <p:nvSpPr>
+          <p:cNvPr id="3" name="Content Placeholder 2">
+            <a:extLst>
+              <a:ext uri="{FF2B5EF4-FFF2-40B4-BE49-F238E27FC236}">
+                <a16:creationId xmlns:a16="http://schemas.microsoft.com/office/drawing/2014/main" id="{B00B5046-B5DF-4F1A-AFA6-4A5FA79CAEFA}"/>
+              </a:ext>
+            </a:extLst>
+          </p:cNvPr>
+          <p:cNvSpPr>
+            <a:spLocks noGrp="1"/>
+          </p:cNvSpPr>
+          <p:nvPr>
+            <p:ph idx="1"/>
+          </p:nvPr>
+        </p:nvSpPr>
+        <p:spPr/>
+        <p:txBody>
+          <a:bodyPr/>
+          <a:lstStyle/>
+          <a:p>
+            <a:r>
+              <a:rPr lang="en-GB" dirty="0"/>
+              <a:t>Matrices can be joined along existing or new axes</a:t>
+            </a:r>
+          </a:p>
+          <a:p>
+            <a:pPr lvl="1"/>
+            <a:r>
+              <a:rPr lang="en-GB" dirty="0"/>
+              <a:t>Used to create higher dimensionalities than 2D</a:t>
+            </a:r>
+          </a:p>
+          <a:p>
+            <a:pPr lvl="1"/>
+            <a:endParaRPr lang="en-GB" sz="1200" dirty="0"/>
+          </a:p>
+          <a:p>
+            <a:r>
+              <a:rPr lang="en-GB" dirty="0"/>
+              <a:t>Using concatenation function</a:t>
+            </a:r>
+          </a:p>
+          <a:p>
+            <a:pPr lvl="1"/>
+            <a:r>
+              <a:rPr lang="en-GB" dirty="0"/>
+              <a:t>Create separate matrices, then join using </a:t>
+            </a:r>
+            <a:r>
+              <a:rPr lang="en-GB" i="1" dirty="0">
+                <a:solidFill>
+                  <a:schemeClr val="accent1"/>
+                </a:solidFill>
+              </a:rPr>
+              <a:t>cat</a:t>
+            </a:r>
+            <a:r>
+              <a:rPr lang="en-GB" dirty="0"/>
+              <a:t> function</a:t>
+            </a:r>
+          </a:p>
+          <a:p>
+            <a:pPr lvl="1"/>
+            <a:r>
+              <a:rPr lang="en-GB" dirty="0"/>
+              <a:t>First argument of </a:t>
+            </a:r>
+            <a:r>
+              <a:rPr lang="en-GB" i="1" dirty="0">
+                <a:solidFill>
+                  <a:schemeClr val="accent1"/>
+                </a:solidFill>
+              </a:rPr>
+              <a:t>cat</a:t>
+            </a:r>
+            <a:r>
+              <a:rPr lang="en-GB" dirty="0"/>
+              <a:t> specifies axis to concatenate along</a:t>
+            </a:r>
+          </a:p>
+          <a:p>
+            <a:pPr lvl="1"/>
+            <a:endParaRPr lang="en-GB" sz="1200" dirty="0"/>
+          </a:p>
+          <a:p>
+            <a:r>
+              <a:rPr lang="en-GB" dirty="0"/>
+              <a:t>By indexing</a:t>
+            </a:r>
+          </a:p>
+          <a:p>
+            <a:pPr lvl="1"/>
+            <a:r>
+              <a:rPr lang="en-GB" dirty="0"/>
+              <a:t>Create separate matrices, then merge one into the other</a:t>
+            </a:r>
+          </a:p>
+          <a:p>
+            <a:pPr lvl="1"/>
+            <a:r>
+              <a:rPr lang="en-GB" dirty="0"/>
+              <a:t>Not as simple to extend existing dimensions (</a:t>
+            </a:r>
+            <a:r>
+              <a:rPr lang="en-GB" i="1" dirty="0">
+                <a:solidFill>
+                  <a:schemeClr val="accent1"/>
+                </a:solidFill>
+              </a:rPr>
+              <a:t>cat</a:t>
+            </a:r>
+            <a:r>
+              <a:rPr lang="en-GB" dirty="0"/>
+              <a:t> is better)</a:t>
+            </a:r>
+          </a:p>
+          <a:p>
+            <a:pPr lvl="1"/>
+            <a:r>
+              <a:rPr lang="en-GB" dirty="0"/>
+              <a:t>We’ll look into indexing in more detail later on</a:t>
+            </a:r>
+          </a:p>
+        </p:txBody>
+      </p:sp>
+      <p:sp>
+        <p:nvSpPr>
+          <p:cNvPr id="18" name="Rectangle 17">
+            <a:extLst>
+              <a:ext uri="{FF2B5EF4-FFF2-40B4-BE49-F238E27FC236}">
+                <a16:creationId xmlns:a16="http://schemas.microsoft.com/office/drawing/2014/main" id="{DFD3422C-CF2F-475A-94EB-1CB488A2AEC9}"/>
+              </a:ext>
+            </a:extLst>
+          </p:cNvPr>
+          <p:cNvSpPr/>
+          <p:nvPr/>
+        </p:nvSpPr>
+        <p:spPr>
+          <a:xfrm>
+            <a:off x="335360" y="2362200"/>
+            <a:ext cx="11521280" cy="3763965"/>
+          </a:xfrm>
+          <a:prstGeom prst="rect">
+            <a:avLst/>
+          </a:prstGeom>
+          <a:solidFill>
+            <a:srgbClr val="FFFFFF">
+              <a:alpha val="89804"/>
+            </a:srgbClr>
+          </a:solidFill>
+          <a:ln>
+            <a:noFill/>
+          </a:ln>
+        </p:spPr>
+        <p:style>
+          <a:lnRef idx="2">
+            <a:schemeClr val="accent1">
+              <a:shade val="50000"/>
+            </a:schemeClr>
+          </a:lnRef>
+          <a:fillRef idx="1">
+            <a:schemeClr val="accent1"/>
+          </a:fillRef>
+          <a:effectRef idx="0">
+            <a:schemeClr val="accent1"/>
+          </a:effectRef>
+          <a:fontRef idx="minor">
+            <a:schemeClr val="lt1"/>
+          </a:fontRef>
+        </p:style>
+        <p:txBody>
+          <a:bodyPr rtlCol="0" anchor="ctr"/>
+          <a:lstStyle/>
+          <a:p>
+            <a:pPr algn="ctr"/>
+            <a:endParaRPr lang="en-GB"/>
+          </a:p>
+        </p:txBody>
+      </p:sp>
+    </p:spTree>
+    <p:extLst>
+      <p:ext uri="{BB962C8B-B14F-4D97-AF65-F5344CB8AC3E}">
+        <p14:creationId xmlns:p14="http://schemas.microsoft.com/office/powerpoint/2010/main" val="85447036"/>
+      </p:ext>
+    </p:extLst>
+  </p:cSld>
+  <p:clrMapOvr>
+    <a:masterClrMapping/>
+  </p:clrMapOvr>
+  <mc:AlternateContent xmlns:mc="http://schemas.openxmlformats.org/markup-compatibility/2006">
+    <mc:Choice xmlns:p14="http://schemas.microsoft.com/office/powerpoint/2010/main" Requires="p14">
+      <p:transition p14:dur="300">
+        <p:fade/>
+      </p:transition>
+    </mc:Choice>
+    <mc:Fallback>
+      <p:transition>
+        <p:fade/>
+      </p:transition>
+    </mc:Fallback>
+  </mc:AlternateContent>
+</p:sld>
+</file>
+
+<file path=ppt/slides/slide7.xml><?xml version="1.0" encoding="utf-8"?>
+<p:sld xmlns:a="http://schemas.openxmlformats.org/drawingml/2006/main" xmlns:r="http://schemas.openxmlformats.org/officeDocument/2006/relationships" xmlns:p="http://schemas.openxmlformats.org/presentationml/2006/main">
+  <p:cSld>
+    <p:spTree>
+      <p:nvGrpSpPr>
+        <p:cNvPr id="1" name=""/>
+        <p:cNvGrpSpPr/>
+        <p:nvPr/>
+      </p:nvGrpSpPr>
+      <p:grpSpPr>
+        <a:xfrm>
+          <a:off x="0" y="0"/>
+          <a:ext cx="0" cy="0"/>
+          <a:chOff x="0" y="0"/>
+          <a:chExt cx="0" cy="0"/>
+        </a:xfrm>
+      </p:grpSpPr>
+      <p:sp>
+        <p:nvSpPr>
+          <p:cNvPr id="2" name="Title 1">
+            <a:extLst>
+              <a:ext uri="{FF2B5EF4-FFF2-40B4-BE49-F238E27FC236}">
+                <a16:creationId xmlns:a16="http://schemas.microsoft.com/office/drawing/2014/main" id="{8B0C5865-E132-43F0-814F-C61B94E5671C}"/>
+              </a:ext>
+            </a:extLst>
+          </p:cNvPr>
+          <p:cNvSpPr>
+            <a:spLocks noGrp="1"/>
+          </p:cNvSpPr>
+          <p:nvPr>
+            <p:ph type="title"/>
+          </p:nvPr>
+        </p:nvSpPr>
+        <p:spPr/>
+        <p:txBody>
+          <a:bodyPr/>
+          <a:lstStyle/>
+          <a:p>
+            <a:r>
+              <a:rPr lang="en-GB" dirty="0"/>
+              <a:t>Combining matrices</a:t>
+            </a:r>
+          </a:p>
+        </p:txBody>
+      </p:sp>
+      <p:sp>
+        <p:nvSpPr>
+          <p:cNvPr id="3" name="Content Placeholder 2">
+            <a:extLst>
+              <a:ext uri="{FF2B5EF4-FFF2-40B4-BE49-F238E27FC236}">
+                <a16:creationId xmlns:a16="http://schemas.microsoft.com/office/drawing/2014/main" id="{B00B5046-B5DF-4F1A-AFA6-4A5FA79CAEFA}"/>
+              </a:ext>
+            </a:extLst>
+          </p:cNvPr>
+          <p:cNvSpPr>
+            <a:spLocks noGrp="1"/>
+          </p:cNvSpPr>
+          <p:nvPr>
+            <p:ph idx="1"/>
+          </p:nvPr>
+        </p:nvSpPr>
+        <p:spPr/>
+        <p:txBody>
+          <a:bodyPr/>
+          <a:lstStyle/>
+          <a:p>
+            <a:r>
+              <a:rPr lang="en-GB" dirty="0"/>
+              <a:t>Matrices can be joined along existing or new axes</a:t>
+            </a:r>
+          </a:p>
+          <a:p>
+            <a:pPr lvl="1"/>
+            <a:r>
+              <a:rPr lang="en-GB" dirty="0"/>
+              <a:t>Used to create higher dimensionalities than 2D</a:t>
+            </a:r>
+          </a:p>
+          <a:p>
+            <a:pPr lvl="1"/>
+            <a:endParaRPr lang="en-GB" sz="1200" dirty="0"/>
+          </a:p>
+          <a:p>
+            <a:r>
+              <a:rPr lang="en-GB" dirty="0"/>
+              <a:t>Using concatenation function</a:t>
+            </a:r>
+          </a:p>
+          <a:p>
+            <a:pPr lvl="1"/>
+            <a:r>
+              <a:rPr lang="en-GB" dirty="0"/>
+              <a:t>Create separate matrices, then join using </a:t>
+            </a:r>
+            <a:r>
+              <a:rPr lang="en-GB" i="1" dirty="0">
+                <a:solidFill>
+                  <a:schemeClr val="accent1"/>
+                </a:solidFill>
+              </a:rPr>
+              <a:t>cat</a:t>
+            </a:r>
+            <a:r>
+              <a:rPr lang="en-GB" dirty="0"/>
+              <a:t> function</a:t>
+            </a:r>
+          </a:p>
+          <a:p>
+            <a:pPr lvl="1"/>
+            <a:r>
+              <a:rPr lang="en-GB" dirty="0"/>
+              <a:t>First argument of </a:t>
+            </a:r>
+            <a:r>
+              <a:rPr lang="en-GB" i="1" dirty="0">
+                <a:solidFill>
+                  <a:schemeClr val="accent1"/>
+                </a:solidFill>
+              </a:rPr>
+              <a:t>cat</a:t>
+            </a:r>
+            <a:r>
+              <a:rPr lang="en-GB" dirty="0"/>
+              <a:t> specifies axis to concatenate along</a:t>
+            </a:r>
+          </a:p>
+          <a:p>
+            <a:pPr lvl="1"/>
+            <a:endParaRPr lang="en-GB" sz="1200" dirty="0"/>
+          </a:p>
+          <a:p>
+            <a:r>
+              <a:rPr lang="en-GB" dirty="0"/>
+              <a:t>By indexing</a:t>
+            </a:r>
+          </a:p>
+          <a:p>
+            <a:pPr lvl="1"/>
+            <a:r>
+              <a:rPr lang="en-GB" dirty="0"/>
+              <a:t>Create separate matrices, then merge one into the other</a:t>
+            </a:r>
+          </a:p>
+          <a:p>
+            <a:pPr lvl="1"/>
+            <a:r>
+              <a:rPr lang="en-GB" dirty="0"/>
+              <a:t>Not as simple to extend existing dimensions (</a:t>
+            </a:r>
+            <a:r>
+              <a:rPr lang="en-GB" i="1" dirty="0">
+                <a:solidFill>
+                  <a:schemeClr val="accent1"/>
+                </a:solidFill>
+              </a:rPr>
+              <a:t>cat</a:t>
+            </a:r>
+            <a:r>
+              <a:rPr lang="en-GB" dirty="0"/>
+              <a:t> is better)</a:t>
+            </a:r>
+          </a:p>
+          <a:p>
+            <a:pPr lvl="1"/>
+            <a:r>
+              <a:rPr lang="en-GB" dirty="0"/>
+              <a:t>We’ll look into indexing in more detail later on</a:t>
+            </a:r>
+          </a:p>
+        </p:txBody>
+      </p:sp>
+      <p:sp>
+        <p:nvSpPr>
+          <p:cNvPr id="18" name="Rectangle 17">
+            <a:extLst>
+              <a:ext uri="{FF2B5EF4-FFF2-40B4-BE49-F238E27FC236}">
+                <a16:creationId xmlns:a16="http://schemas.microsoft.com/office/drawing/2014/main" id="{DFD3422C-CF2F-475A-94EB-1CB488A2AEC9}"/>
+              </a:ext>
+            </a:extLst>
+          </p:cNvPr>
+          <p:cNvSpPr/>
+          <p:nvPr/>
+        </p:nvSpPr>
+        <p:spPr>
+          <a:xfrm>
+            <a:off x="335360" y="3857297"/>
+            <a:ext cx="11521280" cy="2268868"/>
+          </a:xfrm>
+          <a:prstGeom prst="rect">
+            <a:avLst/>
+          </a:prstGeom>
+          <a:solidFill>
+            <a:srgbClr val="FFFFFF">
+              <a:alpha val="89804"/>
+            </a:srgbClr>
+          </a:solidFill>
+          <a:ln>
+            <a:noFill/>
+          </a:ln>
+        </p:spPr>
+        <p:style>
+          <a:lnRef idx="2">
+            <a:schemeClr val="accent1">
+              <a:shade val="50000"/>
+            </a:schemeClr>
+          </a:lnRef>
+          <a:fillRef idx="1">
+            <a:schemeClr val="accent1"/>
+          </a:fillRef>
+          <a:effectRef idx="0">
+            <a:schemeClr val="accent1"/>
+          </a:effectRef>
+          <a:fontRef idx="minor">
+            <a:schemeClr val="lt1"/>
+          </a:fontRef>
+        </p:style>
+        <p:txBody>
+          <a:bodyPr rtlCol="0" anchor="ctr"/>
+          <a:lstStyle/>
+          <a:p>
+            <a:pPr algn="ctr"/>
+            <a:endParaRPr lang="en-GB"/>
+          </a:p>
+        </p:txBody>
+      </p:sp>
+      <p:pic>
+        <p:nvPicPr>
+          <p:cNvPr id="4" name="Picture 3">
+            <a:extLst>
+              <a:ext uri="{FF2B5EF4-FFF2-40B4-BE49-F238E27FC236}">
+                <a16:creationId xmlns:a16="http://schemas.microsoft.com/office/drawing/2014/main" id="{875DBF88-9070-480B-A837-4C932A17F4C4}"/>
+              </a:ext>
+            </a:extLst>
+          </p:cNvPr>
+          <p:cNvPicPr>
+            <a:picLocks noChangeAspect="1"/>
+          </p:cNvPicPr>
+          <p:nvPr/>
+        </p:nvPicPr>
+        <p:blipFill>
+          <a:blip r:embed="rId2"/>
+          <a:stretch>
+            <a:fillRect/>
+          </a:stretch>
+        </p:blipFill>
+        <p:spPr>
+          <a:xfrm>
+            <a:off x="8533962" y="1344158"/>
+            <a:ext cx="2804160" cy="4696968"/>
+          </a:xfrm>
+          <a:prstGeom prst="rect">
+            <a:avLst/>
+          </a:prstGeom>
+          <a:ln w="12700">
+            <a:solidFill>
+              <a:srgbClr val="BF2F37"/>
+            </a:solidFill>
+          </a:ln>
+        </p:spPr>
+      </p:pic>
+      <p:sp>
+        <p:nvSpPr>
+          <p:cNvPr id="9" name="Rectangle 8">
+            <a:extLst>
+              <a:ext uri="{FF2B5EF4-FFF2-40B4-BE49-F238E27FC236}">
+                <a16:creationId xmlns:a16="http://schemas.microsoft.com/office/drawing/2014/main" id="{43AEC3F5-97E9-4E72-A151-AB0ABA786691}"/>
+              </a:ext>
+            </a:extLst>
+          </p:cNvPr>
+          <p:cNvSpPr/>
+          <p:nvPr/>
+        </p:nvSpPr>
+        <p:spPr>
+          <a:xfrm>
+            <a:off x="8903585" y="3444875"/>
+            <a:ext cx="2097790" cy="183371"/>
+          </a:xfrm>
+          <a:prstGeom prst="rect">
+            <a:avLst/>
+          </a:prstGeom>
+          <a:noFill/>
+          <a:ln>
+            <a:solidFill>
+              <a:srgbClr val="FF0000"/>
+            </a:solidFill>
+          </a:ln>
+        </p:spPr>
+        <p:style>
+          <a:lnRef idx="2">
+            <a:schemeClr val="accent1">
+              <a:shade val="50000"/>
+            </a:schemeClr>
+          </a:lnRef>
+          <a:fillRef idx="1">
+            <a:schemeClr val="accent1"/>
+          </a:fillRef>
+          <a:effectRef idx="0">
+            <a:schemeClr val="accent1"/>
+          </a:effectRef>
+          <a:fontRef idx="minor">
+            <a:schemeClr val="lt1"/>
+          </a:fontRef>
+        </p:style>
+        <p:txBody>
+          <a:bodyPr rtlCol="0" anchor="ctr"/>
+          <a:lstStyle/>
+          <a:p>
+            <a:pPr algn="ctr"/>
+            <a:endParaRPr lang="en-GB"/>
+          </a:p>
+        </p:txBody>
+      </p:sp>
+    </p:spTree>
+    <p:extLst>
+      <p:ext uri="{BB962C8B-B14F-4D97-AF65-F5344CB8AC3E}">
+        <p14:creationId xmlns:p14="http://schemas.microsoft.com/office/powerpoint/2010/main" val="3644646552"/>
+      </p:ext>
+    </p:extLst>
+  </p:cSld>
+  <p:clrMapOvr>
+    <a:masterClrMapping/>
+  </p:clrMapOvr>
+  <mc:AlternateContent xmlns:mc="http://schemas.openxmlformats.org/markup-compatibility/2006">
+    <mc:Choice xmlns:p14="http://schemas.microsoft.com/office/powerpoint/2010/main" Requires="p14">
+      <p:transition p14:dur="300">
+        <p:fade/>
+      </p:transition>
+    </mc:Choice>
+    <mc:Fallback>
+      <p:transition>
+        <p:fade/>
+      </p:transition>
+    </mc:Fallback>
+  </mc:AlternateContent>
+  <p:timing>
+    <p:tnLst>
+      <p:par>
+        <p:cTn id="1" dur="indefinite" restart="never" nodeType="tmRoot">
+          <p:childTnLst>
+            <p:seq concurrent="1" nextAc="seek">
+              <p:cTn id="2" dur="indefinite" nodeType="mainSeq">
+                <p:childTnLst>
+                  <p:par>
+                    <p:cTn id="3" fill="hold">
+                      <p:stCondLst>
+                        <p:cond delay="indefinite"/>
+                      </p:stCondLst>
+                      <p:childTnLst>
+                        <p:par>
+                          <p:cTn id="4" fill="hold">
+                            <p:stCondLst>
+                              <p:cond delay="0"/>
+                            </p:stCondLst>
+                            <p:childTnLst>
+                              <p:par>
+                                <p:cTn id="5" presetID="10" presetClass="entr" presetSubtype="0" fill="hold" grpId="0" nodeType="clickEffect">
+                                  <p:stCondLst>
+                                    <p:cond delay="0"/>
+                                  </p:stCondLst>
+                                  <p:childTnLst>
+                                    <p:set>
+                                      <p:cBhvr>
+                                        <p:cTn id="6" dur="1" fill="hold">
+                                          <p:stCondLst>
+                                            <p:cond delay="0"/>
+                                          </p:stCondLst>
+                                        </p:cTn>
+                                        <p:tgtEl>
+                                          <p:spTgt spid="9"/>
+                                        </p:tgtEl>
+                                        <p:attrNameLst>
+                                          <p:attrName>style.visibility</p:attrName>
+                                        </p:attrNameLst>
+                                      </p:cBhvr>
+                                      <p:to>
+                                        <p:strVal val="visible"/>
+                                      </p:to>
+                                    </p:set>
+                                    <p:animEffect transition="in" filter="fade">
+                                      <p:cBhvr>
+                                        <p:cTn id="7" dur="300"/>
+                                        <p:tgtEl>
+                                          <p:spTgt spid="9"/>
+                                        </p:tgtEl>
+                                      </p:cBhvr>
+                                    </p:animEffect>
+                                  </p:childTnLst>
+                                </p:cTn>
+                              </p:par>
+                            </p:childTnLst>
+                          </p:cTn>
+                        </p:par>
+                      </p:childTnLst>
+                    </p:cTn>
+                  </p:par>
+                </p:childTnLst>
+              </p:cTn>
+              <p:prevCondLst>
+                <p:cond evt="onPrev" delay="0">
+                  <p:tgtEl>
+                    <p:sldTgt/>
+                  </p:tgtEl>
+                </p:cond>
+              </p:prevCondLst>
+              <p:nextCondLst>
+                <p:cond evt="onNext" delay="0">
+                  <p:tgtEl>
+                    <p:sldTgt/>
+                  </p:tgtEl>
+                </p:cond>
+              </p:nextCondLst>
+            </p:seq>
+          </p:childTnLst>
+        </p:cTn>
+      </p:par>
+    </p:tnLst>
+    <p:bldLst>
+      <p:bldP spid="9" grpId="0" animBg="1"/>
+    </p:bldLst>
+  </p:timing>
 </p:sld>
 </file>
 
@@ -5411,103 +6640,604 @@
           <a:p>
             <a:r>
               <a:rPr lang="en-GB" dirty="0"/>
-              <a:t>Creating matrices</a:t>
+              <a:t>Combining matrices</a:t>
             </a:r>
           </a:p>
         </p:txBody>
       </p:sp>
       <p:sp>
         <p:nvSpPr>
-          <p:cNvPr id="3" name="Content Placeholder 2">
+          <p:cNvPr id="15" name="Content Placeholder 2">
             <a:extLst>
               <a:ext uri="{FF2B5EF4-FFF2-40B4-BE49-F238E27FC236}">
-                <a16:creationId xmlns:a16="http://schemas.microsoft.com/office/drawing/2014/main" id="{B00B5046-B5DF-4F1A-AFA6-4A5FA79CAEFA}"/>
+                <a16:creationId xmlns:a16="http://schemas.microsoft.com/office/drawing/2014/main" id="{89B021CB-97DB-4981-A50E-D47508637B41}"/>
               </a:ext>
             </a:extLst>
           </p:cNvPr>
-          <p:cNvSpPr>
-            <a:spLocks noGrp="1"/>
+          <p:cNvSpPr txBox="1">
+            <a:spLocks/>
           </p:cNvSpPr>
-          <p:nvPr>
-            <p:ph idx="1"/>
-          </p:nvPr>
+          <p:nvPr/>
         </p:nvSpPr>
-        <p:spPr/>
+        <p:spPr>
+          <a:xfrm>
+            <a:off x="335360" y="1198179"/>
+            <a:ext cx="3841200" cy="1878217"/>
+          </a:xfrm>
+          <a:prstGeom prst="rect">
+            <a:avLst/>
+          </a:prstGeom>
+        </p:spPr>
         <p:txBody>
           <a:bodyPr/>
-          <a:lstStyle/>
-          <a:p>
-            <a:r>
-              <a:rPr lang="en-GB" sz="2800" dirty="0"/>
-              <a:t>Create a matrix from known values</a:t>
+          <a:lstStyle>
+            <a:lvl1pPr marL="342900" indent="-342900" algn="l" rtl="0" eaLnBrk="1" fontAlgn="base" hangingPunct="1">
+              <a:spcBef>
+                <a:spcPct val="20000"/>
+              </a:spcBef>
+              <a:spcAft>
+                <a:spcPct val="0"/>
+              </a:spcAft>
+              <a:buFont typeface="Arial" panose="020B0604020202020204" pitchFamily="34" charset="0"/>
+              <a:buChar char="•"/>
+              <a:defRPr sz="2800" kern="1200">
+                <a:solidFill>
+                  <a:schemeClr val="tx1"/>
+                </a:solidFill>
+                <a:latin typeface="+mn-lt"/>
+                <a:ea typeface="+mn-ea"/>
+                <a:cs typeface="+mn-cs"/>
+              </a:defRPr>
+            </a:lvl1pPr>
+            <a:lvl2pPr marL="742950" indent="-285750" algn="l" rtl="0" eaLnBrk="1" fontAlgn="base" hangingPunct="1">
+              <a:spcBef>
+                <a:spcPct val="20000"/>
+              </a:spcBef>
+              <a:spcAft>
+                <a:spcPct val="0"/>
+              </a:spcAft>
+              <a:buFont typeface="Arial" panose="020B0604020202020204" pitchFamily="34" charset="0"/>
+              <a:buChar char="•"/>
+              <a:defRPr sz="2400" kern="1200">
+                <a:solidFill>
+                  <a:srgbClr val="BF2F37"/>
+                </a:solidFill>
+                <a:latin typeface="+mn-lt"/>
+                <a:ea typeface="+mn-ea"/>
+                <a:cs typeface="+mn-cs"/>
+              </a:defRPr>
+            </a:lvl2pPr>
+            <a:lvl3pPr marL="1143000" indent="-228600" algn="l" rtl="0" eaLnBrk="1" fontAlgn="base" hangingPunct="1">
+              <a:spcBef>
+                <a:spcPct val="20000"/>
+              </a:spcBef>
+              <a:spcAft>
+                <a:spcPct val="0"/>
+              </a:spcAft>
+              <a:buFont typeface="Arial" panose="020B0604020202020204" pitchFamily="34" charset="0"/>
+              <a:buChar char="•"/>
+              <a:defRPr sz="2000" kern="1200">
+                <a:solidFill>
+                  <a:schemeClr val="tx1"/>
+                </a:solidFill>
+                <a:latin typeface="+mn-lt"/>
+                <a:ea typeface="+mn-ea"/>
+                <a:cs typeface="+mn-cs"/>
+              </a:defRPr>
+            </a:lvl3pPr>
+            <a:lvl4pPr marL="1600200" indent="-228600" algn="l" rtl="0" eaLnBrk="1" fontAlgn="base" hangingPunct="1">
+              <a:spcBef>
+                <a:spcPct val="20000"/>
+              </a:spcBef>
+              <a:spcAft>
+                <a:spcPct val="0"/>
+              </a:spcAft>
+              <a:buFont typeface="Arial" panose="020B0604020202020204" pitchFamily="34" charset="0"/>
+              <a:buChar char="–"/>
+              <a:defRPr sz="1800" kern="1200">
+                <a:solidFill>
+                  <a:schemeClr val="tx1"/>
+                </a:solidFill>
+                <a:latin typeface="+mn-lt"/>
+                <a:ea typeface="+mn-ea"/>
+                <a:cs typeface="+mn-cs"/>
+              </a:defRPr>
+            </a:lvl4pPr>
+            <a:lvl5pPr marL="2057400" indent="-228600" algn="l" rtl="0" eaLnBrk="1" fontAlgn="base" hangingPunct="1">
+              <a:spcBef>
+                <a:spcPct val="20000"/>
+              </a:spcBef>
+              <a:spcAft>
+                <a:spcPct val="0"/>
+              </a:spcAft>
+              <a:buFont typeface="Arial" pitchFamily="34" charset="0"/>
+              <a:buChar char="­"/>
+              <a:defRPr sz="1800" kern="1200">
+                <a:solidFill>
+                  <a:schemeClr val="tx1"/>
+                </a:solidFill>
+                <a:latin typeface="+mn-lt"/>
+                <a:ea typeface="+mn-ea"/>
+                <a:cs typeface="+mn-cs"/>
+              </a:defRPr>
+            </a:lvl5pPr>
+            <a:lvl6pPr marL="2514600" indent="-228600" algn="l" defTabSz="914400" rtl="0" eaLnBrk="1" latinLnBrk="0" hangingPunct="1">
+              <a:spcBef>
+                <a:spcPct val="20000"/>
+              </a:spcBef>
+              <a:buFont typeface="Arial" pitchFamily="34" charset="0"/>
+              <a:buChar char="•"/>
+              <a:defRPr sz="2000" kern="1200">
+                <a:solidFill>
+                  <a:schemeClr val="tx1"/>
+                </a:solidFill>
+                <a:latin typeface="+mn-lt"/>
+                <a:ea typeface="+mn-ea"/>
+                <a:cs typeface="+mn-cs"/>
+              </a:defRPr>
+            </a:lvl6pPr>
+            <a:lvl7pPr marL="2971800" indent="-228600" algn="l" defTabSz="914400" rtl="0" eaLnBrk="1" latinLnBrk="0" hangingPunct="1">
+              <a:spcBef>
+                <a:spcPct val="20000"/>
+              </a:spcBef>
+              <a:buFont typeface="Arial" pitchFamily="34" charset="0"/>
+              <a:buChar char="•"/>
+              <a:defRPr sz="2000" kern="1200">
+                <a:solidFill>
+                  <a:schemeClr val="tx1"/>
+                </a:solidFill>
+                <a:latin typeface="+mn-lt"/>
+                <a:ea typeface="+mn-ea"/>
+                <a:cs typeface="+mn-cs"/>
+              </a:defRPr>
+            </a:lvl7pPr>
+            <a:lvl8pPr marL="3429000" indent="-228600" algn="l" defTabSz="914400" rtl="0" eaLnBrk="1" latinLnBrk="0" hangingPunct="1">
+              <a:spcBef>
+                <a:spcPct val="20000"/>
+              </a:spcBef>
+              <a:buFont typeface="Arial" pitchFamily="34" charset="0"/>
+              <a:buChar char="•"/>
+              <a:defRPr sz="2000" kern="1200">
+                <a:solidFill>
+                  <a:schemeClr val="tx1"/>
+                </a:solidFill>
+                <a:latin typeface="+mn-lt"/>
+                <a:ea typeface="+mn-ea"/>
+                <a:cs typeface="+mn-cs"/>
+              </a:defRPr>
+            </a:lvl8pPr>
+            <a:lvl9pPr marL="3886200" indent="-228600" algn="l" defTabSz="914400" rtl="0" eaLnBrk="1" latinLnBrk="0" hangingPunct="1">
+              <a:spcBef>
+                <a:spcPct val="20000"/>
+              </a:spcBef>
+              <a:buFont typeface="Arial" pitchFamily="34" charset="0"/>
+              <a:buChar char="•"/>
+              <a:defRPr sz="2000" kern="1200">
+                <a:solidFill>
+                  <a:schemeClr val="tx1"/>
+                </a:solidFill>
+                <a:latin typeface="+mn-lt"/>
+                <a:ea typeface="+mn-ea"/>
+                <a:cs typeface="+mn-cs"/>
+              </a:defRPr>
+            </a:lvl9pPr>
+          </a:lstStyle>
+          <a:p>
+            <a:r>
+              <a:rPr lang="en-GB" dirty="0"/>
+              <a:t>Joining vertically</a:t>
+            </a:r>
+          </a:p>
+        </p:txBody>
+      </p:sp>
+      <p:sp>
+        <p:nvSpPr>
+          <p:cNvPr id="16" name="Content Placeholder 2">
+            <a:extLst>
+              <a:ext uri="{FF2B5EF4-FFF2-40B4-BE49-F238E27FC236}">
+                <a16:creationId xmlns:a16="http://schemas.microsoft.com/office/drawing/2014/main" id="{4E266A01-BDAA-41F5-A602-56C0536C9764}"/>
+              </a:ext>
+            </a:extLst>
+          </p:cNvPr>
+          <p:cNvSpPr txBox="1">
+            <a:spLocks/>
+          </p:cNvSpPr>
+          <p:nvPr/>
+        </p:nvSpPr>
+        <p:spPr>
+          <a:xfrm>
+            <a:off x="4176560" y="1198178"/>
+            <a:ext cx="3841200" cy="1878217"/>
+          </a:xfrm>
+          <a:prstGeom prst="rect">
+            <a:avLst/>
+          </a:prstGeom>
+        </p:spPr>
+        <p:txBody>
+          <a:bodyPr/>
+          <a:lstStyle>
+            <a:lvl1pPr marL="342900" indent="-342900" algn="l" rtl="0" eaLnBrk="1" fontAlgn="base" hangingPunct="1">
+              <a:spcBef>
+                <a:spcPct val="20000"/>
+              </a:spcBef>
+              <a:spcAft>
+                <a:spcPct val="0"/>
+              </a:spcAft>
+              <a:buFont typeface="Arial" panose="020B0604020202020204" pitchFamily="34" charset="0"/>
+              <a:buChar char="•"/>
+              <a:defRPr sz="2800" kern="1200">
+                <a:solidFill>
+                  <a:schemeClr val="tx1"/>
+                </a:solidFill>
+                <a:latin typeface="+mn-lt"/>
+                <a:ea typeface="+mn-ea"/>
+                <a:cs typeface="+mn-cs"/>
+              </a:defRPr>
+            </a:lvl1pPr>
+            <a:lvl2pPr marL="742950" indent="-285750" algn="l" rtl="0" eaLnBrk="1" fontAlgn="base" hangingPunct="1">
+              <a:spcBef>
+                <a:spcPct val="20000"/>
+              </a:spcBef>
+              <a:spcAft>
+                <a:spcPct val="0"/>
+              </a:spcAft>
+              <a:buFont typeface="Arial" panose="020B0604020202020204" pitchFamily="34" charset="0"/>
+              <a:buChar char="•"/>
+              <a:defRPr sz="2400" kern="1200">
+                <a:solidFill>
+                  <a:srgbClr val="BF2F37"/>
+                </a:solidFill>
+                <a:latin typeface="+mn-lt"/>
+                <a:ea typeface="+mn-ea"/>
+                <a:cs typeface="+mn-cs"/>
+              </a:defRPr>
+            </a:lvl2pPr>
+            <a:lvl3pPr marL="1143000" indent="-228600" algn="l" rtl="0" eaLnBrk="1" fontAlgn="base" hangingPunct="1">
+              <a:spcBef>
+                <a:spcPct val="20000"/>
+              </a:spcBef>
+              <a:spcAft>
+                <a:spcPct val="0"/>
+              </a:spcAft>
+              <a:buFont typeface="Arial" panose="020B0604020202020204" pitchFamily="34" charset="0"/>
+              <a:buChar char="•"/>
+              <a:defRPr sz="2000" kern="1200">
+                <a:solidFill>
+                  <a:schemeClr val="tx1"/>
+                </a:solidFill>
+                <a:latin typeface="+mn-lt"/>
+                <a:ea typeface="+mn-ea"/>
+                <a:cs typeface="+mn-cs"/>
+              </a:defRPr>
+            </a:lvl3pPr>
+            <a:lvl4pPr marL="1600200" indent="-228600" algn="l" rtl="0" eaLnBrk="1" fontAlgn="base" hangingPunct="1">
+              <a:spcBef>
+                <a:spcPct val="20000"/>
+              </a:spcBef>
+              <a:spcAft>
+                <a:spcPct val="0"/>
+              </a:spcAft>
+              <a:buFont typeface="Arial" panose="020B0604020202020204" pitchFamily="34" charset="0"/>
+              <a:buChar char="–"/>
+              <a:defRPr sz="1800" kern="1200">
+                <a:solidFill>
+                  <a:schemeClr val="tx1"/>
+                </a:solidFill>
+                <a:latin typeface="+mn-lt"/>
+                <a:ea typeface="+mn-ea"/>
+                <a:cs typeface="+mn-cs"/>
+              </a:defRPr>
+            </a:lvl4pPr>
+            <a:lvl5pPr marL="2057400" indent="-228600" algn="l" rtl="0" eaLnBrk="1" fontAlgn="base" hangingPunct="1">
+              <a:spcBef>
+                <a:spcPct val="20000"/>
+              </a:spcBef>
+              <a:spcAft>
+                <a:spcPct val="0"/>
+              </a:spcAft>
+              <a:buFont typeface="Arial" pitchFamily="34" charset="0"/>
+              <a:buChar char="­"/>
+              <a:defRPr sz="1800" kern="1200">
+                <a:solidFill>
+                  <a:schemeClr val="tx1"/>
+                </a:solidFill>
+                <a:latin typeface="+mn-lt"/>
+                <a:ea typeface="+mn-ea"/>
+                <a:cs typeface="+mn-cs"/>
+              </a:defRPr>
+            </a:lvl5pPr>
+            <a:lvl6pPr marL="2514600" indent="-228600" algn="l" defTabSz="914400" rtl="0" eaLnBrk="1" latinLnBrk="0" hangingPunct="1">
+              <a:spcBef>
+                <a:spcPct val="20000"/>
+              </a:spcBef>
+              <a:buFont typeface="Arial" pitchFamily="34" charset="0"/>
+              <a:buChar char="•"/>
+              <a:defRPr sz="2000" kern="1200">
+                <a:solidFill>
+                  <a:schemeClr val="tx1"/>
+                </a:solidFill>
+                <a:latin typeface="+mn-lt"/>
+                <a:ea typeface="+mn-ea"/>
+                <a:cs typeface="+mn-cs"/>
+              </a:defRPr>
+            </a:lvl6pPr>
+            <a:lvl7pPr marL="2971800" indent="-228600" algn="l" defTabSz="914400" rtl="0" eaLnBrk="1" latinLnBrk="0" hangingPunct="1">
+              <a:spcBef>
+                <a:spcPct val="20000"/>
+              </a:spcBef>
+              <a:buFont typeface="Arial" pitchFamily="34" charset="0"/>
+              <a:buChar char="•"/>
+              <a:defRPr sz="2000" kern="1200">
+                <a:solidFill>
+                  <a:schemeClr val="tx1"/>
+                </a:solidFill>
+                <a:latin typeface="+mn-lt"/>
+                <a:ea typeface="+mn-ea"/>
+                <a:cs typeface="+mn-cs"/>
+              </a:defRPr>
+            </a:lvl7pPr>
+            <a:lvl8pPr marL="3429000" indent="-228600" algn="l" defTabSz="914400" rtl="0" eaLnBrk="1" latinLnBrk="0" hangingPunct="1">
+              <a:spcBef>
+                <a:spcPct val="20000"/>
+              </a:spcBef>
+              <a:buFont typeface="Arial" pitchFamily="34" charset="0"/>
+              <a:buChar char="•"/>
+              <a:defRPr sz="2000" kern="1200">
+                <a:solidFill>
+                  <a:schemeClr val="tx1"/>
+                </a:solidFill>
+                <a:latin typeface="+mn-lt"/>
+                <a:ea typeface="+mn-ea"/>
+                <a:cs typeface="+mn-cs"/>
+              </a:defRPr>
+            </a:lvl8pPr>
+            <a:lvl9pPr marL="3886200" indent="-228600" algn="l" defTabSz="914400" rtl="0" eaLnBrk="1" latinLnBrk="0" hangingPunct="1">
+              <a:spcBef>
+                <a:spcPct val="20000"/>
+              </a:spcBef>
+              <a:buFont typeface="Arial" pitchFamily="34" charset="0"/>
+              <a:buChar char="•"/>
+              <a:defRPr sz="2000" kern="1200">
+                <a:solidFill>
+                  <a:schemeClr val="tx1"/>
+                </a:solidFill>
+                <a:latin typeface="+mn-lt"/>
+                <a:ea typeface="+mn-ea"/>
+                <a:cs typeface="+mn-cs"/>
+              </a:defRPr>
+            </a:lvl9pPr>
+          </a:lstStyle>
+          <a:p>
+            <a:r>
+              <a:rPr lang="en-GB" dirty="0"/>
+              <a:t>Joining horizontally</a:t>
             </a:r>
           </a:p>
           <a:p>
             <a:pPr lvl="1"/>
-            <a:r>
-              <a:rPr lang="en-GB" dirty="0"/>
-              <a:t>Comma-separate items on the same row</a:t>
-            </a:r>
-          </a:p>
-          <a:p>
-            <a:pPr lvl="1"/>
-            <a:r>
-              <a:rPr lang="en-GB" dirty="0"/>
-              <a:t>Semicolon-separate rows</a:t>
-            </a:r>
+            <a:endParaRPr lang="en-GB" i="1" dirty="0">
+              <a:solidFill>
+                <a:schemeClr val="accent1"/>
+              </a:solidFill>
+            </a:endParaRPr>
           </a:p>
           <a:p>
             <a:pPr lvl="1"/>
             <a:endParaRPr lang="en-GB" sz="1200" dirty="0"/>
           </a:p>
           <a:p>
-            <a:r>
-              <a:rPr lang="en-GB" dirty="0"/>
-              <a:t>A single row matrix</a:t>
-            </a:r>
-          </a:p>
-          <a:p>
             <a:pPr lvl="1"/>
-            <a:r>
-              <a:rPr lang="en-GB" dirty="0"/>
-              <a:t>new_mat_1 = [32,-12,7];</a:t>
-            </a:r>
+            <a:endParaRPr lang="en-GB" dirty="0"/>
+          </a:p>
+        </p:txBody>
+      </p:sp>
+      <p:sp>
+        <p:nvSpPr>
+          <p:cNvPr id="18" name="Content Placeholder 2">
+            <a:extLst>
+              <a:ext uri="{FF2B5EF4-FFF2-40B4-BE49-F238E27FC236}">
+                <a16:creationId xmlns:a16="http://schemas.microsoft.com/office/drawing/2014/main" id="{5592B9A9-ABD6-4508-B8B8-5BEE4F4E5EA1}"/>
+              </a:ext>
+            </a:extLst>
+          </p:cNvPr>
+          <p:cNvSpPr txBox="1">
+            <a:spLocks/>
+          </p:cNvSpPr>
+          <p:nvPr/>
+        </p:nvSpPr>
+        <p:spPr>
+          <a:xfrm>
+            <a:off x="8015442" y="1198175"/>
+            <a:ext cx="3841200" cy="1878217"/>
+          </a:xfrm>
+          <a:prstGeom prst="rect">
+            <a:avLst/>
+          </a:prstGeom>
+        </p:spPr>
+        <p:txBody>
+          <a:bodyPr/>
+          <a:lstStyle>
+            <a:lvl1pPr marL="342900" indent="-342900" algn="l" rtl="0" eaLnBrk="1" fontAlgn="base" hangingPunct="1">
+              <a:spcBef>
+                <a:spcPct val="20000"/>
+              </a:spcBef>
+              <a:spcAft>
+                <a:spcPct val="0"/>
+              </a:spcAft>
+              <a:buFont typeface="Arial" panose="020B0604020202020204" pitchFamily="34" charset="0"/>
+              <a:buChar char="•"/>
+              <a:defRPr sz="2800" kern="1200">
+                <a:solidFill>
+                  <a:schemeClr val="tx1"/>
+                </a:solidFill>
+                <a:latin typeface="+mn-lt"/>
+                <a:ea typeface="+mn-ea"/>
+                <a:cs typeface="+mn-cs"/>
+              </a:defRPr>
+            </a:lvl1pPr>
+            <a:lvl2pPr marL="742950" indent="-285750" algn="l" rtl="0" eaLnBrk="1" fontAlgn="base" hangingPunct="1">
+              <a:spcBef>
+                <a:spcPct val="20000"/>
+              </a:spcBef>
+              <a:spcAft>
+                <a:spcPct val="0"/>
+              </a:spcAft>
+              <a:buFont typeface="Arial" panose="020B0604020202020204" pitchFamily="34" charset="0"/>
+              <a:buChar char="•"/>
+              <a:defRPr sz="2400" kern="1200">
+                <a:solidFill>
+                  <a:srgbClr val="BF2F37"/>
+                </a:solidFill>
+                <a:latin typeface="+mn-lt"/>
+                <a:ea typeface="+mn-ea"/>
+                <a:cs typeface="+mn-cs"/>
+              </a:defRPr>
+            </a:lvl2pPr>
+            <a:lvl3pPr marL="1143000" indent="-228600" algn="l" rtl="0" eaLnBrk="1" fontAlgn="base" hangingPunct="1">
+              <a:spcBef>
+                <a:spcPct val="20000"/>
+              </a:spcBef>
+              <a:spcAft>
+                <a:spcPct val="0"/>
+              </a:spcAft>
+              <a:buFont typeface="Arial" panose="020B0604020202020204" pitchFamily="34" charset="0"/>
+              <a:buChar char="•"/>
+              <a:defRPr sz="2000" kern="1200">
+                <a:solidFill>
+                  <a:schemeClr val="tx1"/>
+                </a:solidFill>
+                <a:latin typeface="+mn-lt"/>
+                <a:ea typeface="+mn-ea"/>
+                <a:cs typeface="+mn-cs"/>
+              </a:defRPr>
+            </a:lvl3pPr>
+            <a:lvl4pPr marL="1600200" indent="-228600" algn="l" rtl="0" eaLnBrk="1" fontAlgn="base" hangingPunct="1">
+              <a:spcBef>
+                <a:spcPct val="20000"/>
+              </a:spcBef>
+              <a:spcAft>
+                <a:spcPct val="0"/>
+              </a:spcAft>
+              <a:buFont typeface="Arial" panose="020B0604020202020204" pitchFamily="34" charset="0"/>
+              <a:buChar char="–"/>
+              <a:defRPr sz="1800" kern="1200">
+                <a:solidFill>
+                  <a:schemeClr val="tx1"/>
+                </a:solidFill>
+                <a:latin typeface="+mn-lt"/>
+                <a:ea typeface="+mn-ea"/>
+                <a:cs typeface="+mn-cs"/>
+              </a:defRPr>
+            </a:lvl4pPr>
+            <a:lvl5pPr marL="2057400" indent="-228600" algn="l" rtl="0" eaLnBrk="1" fontAlgn="base" hangingPunct="1">
+              <a:spcBef>
+                <a:spcPct val="20000"/>
+              </a:spcBef>
+              <a:spcAft>
+                <a:spcPct val="0"/>
+              </a:spcAft>
+              <a:buFont typeface="Arial" pitchFamily="34" charset="0"/>
+              <a:buChar char="­"/>
+              <a:defRPr sz="1800" kern="1200">
+                <a:solidFill>
+                  <a:schemeClr val="tx1"/>
+                </a:solidFill>
+                <a:latin typeface="+mn-lt"/>
+                <a:ea typeface="+mn-ea"/>
+                <a:cs typeface="+mn-cs"/>
+              </a:defRPr>
+            </a:lvl5pPr>
+            <a:lvl6pPr marL="2514600" indent="-228600" algn="l" defTabSz="914400" rtl="0" eaLnBrk="1" latinLnBrk="0" hangingPunct="1">
+              <a:spcBef>
+                <a:spcPct val="20000"/>
+              </a:spcBef>
+              <a:buFont typeface="Arial" pitchFamily="34" charset="0"/>
+              <a:buChar char="•"/>
+              <a:defRPr sz="2000" kern="1200">
+                <a:solidFill>
+                  <a:schemeClr val="tx1"/>
+                </a:solidFill>
+                <a:latin typeface="+mn-lt"/>
+                <a:ea typeface="+mn-ea"/>
+                <a:cs typeface="+mn-cs"/>
+              </a:defRPr>
+            </a:lvl6pPr>
+            <a:lvl7pPr marL="2971800" indent="-228600" algn="l" defTabSz="914400" rtl="0" eaLnBrk="1" latinLnBrk="0" hangingPunct="1">
+              <a:spcBef>
+                <a:spcPct val="20000"/>
+              </a:spcBef>
+              <a:buFont typeface="Arial" pitchFamily="34" charset="0"/>
+              <a:buChar char="•"/>
+              <a:defRPr sz="2000" kern="1200">
+                <a:solidFill>
+                  <a:schemeClr val="tx1"/>
+                </a:solidFill>
+                <a:latin typeface="+mn-lt"/>
+                <a:ea typeface="+mn-ea"/>
+                <a:cs typeface="+mn-cs"/>
+              </a:defRPr>
+            </a:lvl7pPr>
+            <a:lvl8pPr marL="3429000" indent="-228600" algn="l" defTabSz="914400" rtl="0" eaLnBrk="1" latinLnBrk="0" hangingPunct="1">
+              <a:spcBef>
+                <a:spcPct val="20000"/>
+              </a:spcBef>
+              <a:buFont typeface="Arial" pitchFamily="34" charset="0"/>
+              <a:buChar char="•"/>
+              <a:defRPr sz="2000" kern="1200">
+                <a:solidFill>
+                  <a:schemeClr val="tx1"/>
+                </a:solidFill>
+                <a:latin typeface="+mn-lt"/>
+                <a:ea typeface="+mn-ea"/>
+                <a:cs typeface="+mn-cs"/>
+              </a:defRPr>
+            </a:lvl8pPr>
+            <a:lvl9pPr marL="3886200" indent="-228600" algn="l" defTabSz="914400" rtl="0" eaLnBrk="1" latinLnBrk="0" hangingPunct="1">
+              <a:spcBef>
+                <a:spcPct val="20000"/>
+              </a:spcBef>
+              <a:buFont typeface="Arial" pitchFamily="34" charset="0"/>
+              <a:buChar char="•"/>
+              <a:defRPr sz="2000" kern="1200">
+                <a:solidFill>
+                  <a:schemeClr val="tx1"/>
+                </a:solidFill>
+                <a:latin typeface="+mn-lt"/>
+                <a:ea typeface="+mn-ea"/>
+                <a:cs typeface="+mn-cs"/>
+              </a:defRPr>
+            </a:lvl9pPr>
+          </a:lstStyle>
+          <a:p>
+            <a:r>
+              <a:rPr lang="en-GB" dirty="0"/>
+              <a:t>Joining along new axis</a:t>
+            </a:r>
+          </a:p>
+          <a:p>
+            <a:pPr lvl="1"/>
+            <a:endParaRPr lang="en-GB" i="1" dirty="0">
+              <a:solidFill>
+                <a:schemeClr val="accent1"/>
+              </a:solidFill>
+            </a:endParaRPr>
           </a:p>
           <a:p>
             <a:pPr lvl="1"/>
             <a:endParaRPr lang="en-GB" sz="1200" dirty="0"/>
           </a:p>
           <a:p>
-            <a:r>
-              <a:rPr lang="en-GB" dirty="0"/>
-              <a:t>A single column matrix</a:t>
-            </a:r>
-          </a:p>
-          <a:p>
-            <a:pPr lvl="1"/>
-            <a:r>
-              <a:rPr lang="en-GB" dirty="0"/>
-              <a:t>new_mat_2 = [1;2;3];</a:t>
-            </a:r>
-          </a:p>
-          <a:p>
             <a:pPr lvl="1"/>
             <a:endParaRPr lang="en-GB" dirty="0"/>
-          </a:p>
-          <a:p>
-            <a:pPr marL="0" indent="0">
-              <a:buNone/>
-            </a:pPr>
-            <a:endParaRPr lang="en-GB" sz="2800" dirty="0"/>
           </a:p>
         </p:txBody>
       </p:sp>
       <p:pic>
         <p:nvPicPr>
-          <p:cNvPr id="4" name="Picture 3">
+          <p:cNvPr id="6" name="Picture 5">
             <a:extLst>
               <a:ext uri="{FF2B5EF4-FFF2-40B4-BE49-F238E27FC236}">
-                <a16:creationId xmlns:a16="http://schemas.microsoft.com/office/drawing/2014/main" id="{4EA86319-D018-46CB-AD76-83A2E71A4E79}"/>
+                <a16:creationId xmlns:a16="http://schemas.microsoft.com/office/drawing/2014/main" id="{C0E64607-8CAD-4193-A0C5-1456B992397B}"/>
               </a:ext>
             </a:extLst>
           </p:cNvPr>
@@ -5516,31 +7246,275 @@
           </p:cNvPicPr>
           <p:nvPr/>
         </p:nvPicPr>
-        <p:blipFill rotWithShape="1">
+        <p:blipFill>
           <a:blip r:embed="rId2"/>
-          <a:srcRect l="29862" t="8440" r="48533" b="59266"/>
-          <a:stretch/>
+          <a:stretch>
+            <a:fillRect/>
+          </a:stretch>
         </p:blipFill>
         <p:spPr>
           <a:xfrm>
-            <a:off x="7140591" y="2554112"/>
-            <a:ext cx="2634143" cy="2214694"/>
+            <a:off x="853880" y="1834886"/>
+            <a:ext cx="2804160" cy="4206240"/>
           </a:xfrm>
           <a:prstGeom prst="rect">
             <a:avLst/>
           </a:prstGeom>
+          <a:ln w="12700">
+            <a:solidFill>
+              <a:srgbClr val="BF2F37"/>
+            </a:solidFill>
+          </a:ln>
         </p:spPr>
       </p:pic>
+      <p:pic>
+        <p:nvPicPr>
+          <p:cNvPr id="9" name="Picture 8">
+            <a:extLst>
+              <a:ext uri="{FF2B5EF4-FFF2-40B4-BE49-F238E27FC236}">
+                <a16:creationId xmlns:a16="http://schemas.microsoft.com/office/drawing/2014/main" id="{8918412C-DCE6-42C7-A9EE-5F5A1E139663}"/>
+              </a:ext>
+            </a:extLst>
+          </p:cNvPr>
+          <p:cNvPicPr>
+            <a:picLocks noChangeAspect="1"/>
+          </p:cNvPicPr>
+          <p:nvPr/>
+        </p:nvPicPr>
+        <p:blipFill>
+          <a:blip r:embed="rId3"/>
+          <a:stretch>
+            <a:fillRect/>
+          </a:stretch>
+        </p:blipFill>
+        <p:spPr>
+          <a:xfrm>
+            <a:off x="8533962" y="1834886"/>
+            <a:ext cx="2804160" cy="4206240"/>
+          </a:xfrm>
+          <a:prstGeom prst="rect">
+            <a:avLst/>
+          </a:prstGeom>
+          <a:ln w="12700">
+            <a:solidFill>
+              <a:srgbClr val="BF2F37"/>
+            </a:solidFill>
+          </a:ln>
+        </p:spPr>
+      </p:pic>
+      <p:pic>
+        <p:nvPicPr>
+          <p:cNvPr id="22" name="Picture 21">
+            <a:extLst>
+              <a:ext uri="{FF2B5EF4-FFF2-40B4-BE49-F238E27FC236}">
+                <a16:creationId xmlns:a16="http://schemas.microsoft.com/office/drawing/2014/main" id="{A3A2E758-2613-45D9-9FAE-AEA6B61BC83A}"/>
+              </a:ext>
+            </a:extLst>
+          </p:cNvPr>
+          <p:cNvPicPr>
+            <a:picLocks noChangeAspect="1"/>
+          </p:cNvPicPr>
+          <p:nvPr/>
+        </p:nvPicPr>
+        <p:blipFill>
+          <a:blip r:embed="rId4"/>
+          <a:stretch>
+            <a:fillRect/>
+          </a:stretch>
+        </p:blipFill>
+        <p:spPr>
+          <a:xfrm>
+            <a:off x="4693920" y="1834886"/>
+            <a:ext cx="2804160" cy="4206240"/>
+          </a:xfrm>
+          <a:prstGeom prst="rect">
+            <a:avLst/>
+          </a:prstGeom>
+          <a:ln w="12700">
+            <a:solidFill>
+              <a:srgbClr val="BF2F37"/>
+            </a:solidFill>
+          </a:ln>
+        </p:spPr>
+      </p:pic>
+      <p:sp>
+        <p:nvSpPr>
+          <p:cNvPr id="23" name="Rectangle 22">
+            <a:extLst>
+              <a:ext uri="{FF2B5EF4-FFF2-40B4-BE49-F238E27FC236}">
+                <a16:creationId xmlns:a16="http://schemas.microsoft.com/office/drawing/2014/main" id="{18DE8992-0794-4720-967E-8DDB8AFA8180}"/>
+              </a:ext>
+            </a:extLst>
+          </p:cNvPr>
+          <p:cNvSpPr/>
+          <p:nvPr/>
+        </p:nvSpPr>
+        <p:spPr>
+          <a:xfrm>
+            <a:off x="1221351" y="3933244"/>
+            <a:ext cx="2097790" cy="183371"/>
+          </a:xfrm>
+          <a:prstGeom prst="rect">
+            <a:avLst/>
+          </a:prstGeom>
+          <a:noFill/>
+          <a:ln>
+            <a:solidFill>
+              <a:srgbClr val="FF0000"/>
+            </a:solidFill>
+          </a:ln>
+        </p:spPr>
+        <p:style>
+          <a:lnRef idx="2">
+            <a:schemeClr val="accent1">
+              <a:shade val="50000"/>
+            </a:schemeClr>
+          </a:lnRef>
+          <a:fillRef idx="1">
+            <a:schemeClr val="accent1"/>
+          </a:fillRef>
+          <a:effectRef idx="0">
+            <a:schemeClr val="accent1"/>
+          </a:effectRef>
+          <a:fontRef idx="minor">
+            <a:schemeClr val="lt1"/>
+          </a:fontRef>
+        </p:style>
+        <p:txBody>
+          <a:bodyPr rtlCol="0" anchor="ctr"/>
+          <a:lstStyle/>
+          <a:p>
+            <a:pPr algn="ctr"/>
+            <a:endParaRPr lang="en-GB"/>
+          </a:p>
+        </p:txBody>
+      </p:sp>
+      <p:sp>
+        <p:nvSpPr>
+          <p:cNvPr id="24" name="Rectangle 23">
+            <a:extLst>
+              <a:ext uri="{FF2B5EF4-FFF2-40B4-BE49-F238E27FC236}">
+                <a16:creationId xmlns:a16="http://schemas.microsoft.com/office/drawing/2014/main" id="{B2384821-8010-443B-9EDD-885F1514A0DB}"/>
+              </a:ext>
+            </a:extLst>
+          </p:cNvPr>
+          <p:cNvSpPr/>
+          <p:nvPr/>
+        </p:nvSpPr>
+        <p:spPr>
+          <a:xfrm>
+            <a:off x="5059437" y="3933243"/>
+            <a:ext cx="2097790" cy="183371"/>
+          </a:xfrm>
+          <a:prstGeom prst="rect">
+            <a:avLst/>
+          </a:prstGeom>
+          <a:noFill/>
+          <a:ln>
+            <a:solidFill>
+              <a:srgbClr val="FF0000"/>
+            </a:solidFill>
+          </a:ln>
+        </p:spPr>
+        <p:style>
+          <a:lnRef idx="2">
+            <a:schemeClr val="accent1">
+              <a:shade val="50000"/>
+            </a:schemeClr>
+          </a:lnRef>
+          <a:fillRef idx="1">
+            <a:schemeClr val="accent1"/>
+          </a:fillRef>
+          <a:effectRef idx="0">
+            <a:schemeClr val="accent1"/>
+          </a:effectRef>
+          <a:fontRef idx="minor">
+            <a:schemeClr val="lt1"/>
+          </a:fontRef>
+        </p:style>
+        <p:txBody>
+          <a:bodyPr rtlCol="0" anchor="ctr"/>
+          <a:lstStyle/>
+          <a:p>
+            <a:pPr algn="ctr"/>
+            <a:endParaRPr lang="en-GB"/>
+          </a:p>
+        </p:txBody>
+      </p:sp>
+      <p:sp>
+        <p:nvSpPr>
+          <p:cNvPr id="25" name="Rectangle 24">
+            <a:extLst>
+              <a:ext uri="{FF2B5EF4-FFF2-40B4-BE49-F238E27FC236}">
+                <a16:creationId xmlns:a16="http://schemas.microsoft.com/office/drawing/2014/main" id="{C9E11C6E-3ED8-45A5-8D23-893E23B12A03}"/>
+              </a:ext>
+            </a:extLst>
+          </p:cNvPr>
+          <p:cNvSpPr/>
+          <p:nvPr/>
+        </p:nvSpPr>
+        <p:spPr>
+          <a:xfrm>
+            <a:off x="8910007" y="2355904"/>
+            <a:ext cx="2097790" cy="183371"/>
+          </a:xfrm>
+          <a:prstGeom prst="rect">
+            <a:avLst/>
+          </a:prstGeom>
+          <a:noFill/>
+          <a:ln>
+            <a:solidFill>
+              <a:srgbClr val="FF0000"/>
+            </a:solidFill>
+          </a:ln>
+        </p:spPr>
+        <p:style>
+          <a:lnRef idx="2">
+            <a:schemeClr val="accent1">
+              <a:shade val="50000"/>
+            </a:schemeClr>
+          </a:lnRef>
+          <a:fillRef idx="1">
+            <a:schemeClr val="accent1"/>
+          </a:fillRef>
+          <a:effectRef idx="0">
+            <a:schemeClr val="accent1"/>
+          </a:effectRef>
+          <a:fontRef idx="minor">
+            <a:schemeClr val="lt1"/>
+          </a:fontRef>
+        </p:style>
+        <p:txBody>
+          <a:bodyPr rtlCol="0" anchor="ctr"/>
+          <a:lstStyle/>
+          <a:p>
+            <a:pPr algn="ctr"/>
+            <a:endParaRPr lang="en-GB"/>
+          </a:p>
+        </p:txBody>
+      </p:sp>
     </p:spTree>
     <p:extLst>
       <p:ext uri="{BB962C8B-B14F-4D97-AF65-F5344CB8AC3E}">
-        <p14:creationId xmlns:p14="http://schemas.microsoft.com/office/powerpoint/2010/main" val="460338814"/>
+        <p14:creationId xmlns:p14="http://schemas.microsoft.com/office/powerpoint/2010/main" val="3296521587"/>
       </p:ext>
     </p:extLst>
   </p:cSld>
   <p:clrMapOvr>
     <a:masterClrMapping/>
   </p:clrMapOvr>
+  <mc:AlternateContent xmlns:mc="http://schemas.openxmlformats.org/markup-compatibility/2006">
+    <mc:Choice xmlns:p14="http://schemas.microsoft.com/office/powerpoint/2010/main" Requires="p14">
+      <p:transition p14:dur="300">
+        <p:fade/>
+      </p:transition>
+    </mc:Choice>
+    <mc:Fallback>
+      <p:transition>
+        <p:fade/>
+      </p:transition>
+    </mc:Fallback>
+  </mc:AlternateContent>
 </p:sld>
 </file>
 
@@ -5584,7 +7558,7 @@
           <a:p>
             <a:r>
               <a:rPr lang="en-GB" dirty="0"/>
-              <a:t>Creating matrices</a:t>
+              <a:t>Combining matrices</a:t>
             </a:r>
           </a:p>
         </p:txBody>
@@ -5612,33 +7586,588 @@
           <a:p>
             <a:r>
               <a:rPr lang="en-GB" dirty="0"/>
-              <a:t>Initialising an empty matrix</a:t>
-            </a:r>
-          </a:p>
-          <a:p>
-            <a:pPr marL="0" indent="0">
-              <a:buNone/>
-            </a:pPr>
-            <a:endParaRPr lang="en-GB" dirty="0"/>
-          </a:p>
-          <a:p>
-            <a:r>
-              <a:rPr lang="en-GB" dirty="0"/>
-              <a:t>Matrices can be re-sized, but this is SLOW</a:t>
-            </a:r>
+              <a:t>Matrices can be joined along existing or new axes</a:t>
+            </a:r>
+          </a:p>
+          <a:p>
+            <a:pPr lvl="1"/>
+            <a:r>
+              <a:rPr lang="en-GB" dirty="0"/>
+              <a:t>Used to create higher dimensionalities than 2D</a:t>
+            </a:r>
+          </a:p>
+          <a:p>
+            <a:pPr lvl="1"/>
+            <a:endParaRPr lang="en-GB" sz="1200" dirty="0"/>
+          </a:p>
+          <a:p>
+            <a:r>
+              <a:rPr lang="en-GB" dirty="0"/>
+              <a:t>Using concatenation function</a:t>
+            </a:r>
+          </a:p>
+          <a:p>
+            <a:pPr lvl="1"/>
+            <a:r>
+              <a:rPr lang="en-GB" dirty="0"/>
+              <a:t>Create separate matrices, then join using </a:t>
+            </a:r>
+            <a:r>
+              <a:rPr lang="en-GB" i="1" dirty="0">
+                <a:solidFill>
+                  <a:schemeClr val="accent1"/>
+                </a:solidFill>
+              </a:rPr>
+              <a:t>cat</a:t>
+            </a:r>
+            <a:r>
+              <a:rPr lang="en-GB" dirty="0"/>
+              <a:t> function</a:t>
+            </a:r>
+          </a:p>
+          <a:p>
+            <a:pPr lvl="1"/>
+            <a:r>
+              <a:rPr lang="en-GB" dirty="0"/>
+              <a:t>First argument of </a:t>
+            </a:r>
+            <a:r>
+              <a:rPr lang="en-GB" i="1" dirty="0">
+                <a:solidFill>
+                  <a:schemeClr val="accent1"/>
+                </a:solidFill>
+              </a:rPr>
+              <a:t>cat</a:t>
+            </a:r>
+            <a:r>
+              <a:rPr lang="en-GB" dirty="0"/>
+              <a:t> specifies axis to concatenate along</a:t>
+            </a:r>
+          </a:p>
+          <a:p>
+            <a:pPr lvl="1"/>
+            <a:endParaRPr lang="en-GB" sz="1200" dirty="0"/>
+          </a:p>
+          <a:p>
+            <a:r>
+              <a:rPr lang="en-GB" dirty="0"/>
+              <a:t>By indexing</a:t>
+            </a:r>
+          </a:p>
+          <a:p>
+            <a:pPr lvl="1"/>
+            <a:r>
+              <a:rPr lang="en-GB" dirty="0"/>
+              <a:t>Create separate matrices, then merge one into the other</a:t>
+            </a:r>
+          </a:p>
+          <a:p>
+            <a:pPr lvl="1"/>
+            <a:r>
+              <a:rPr lang="en-GB" dirty="0"/>
+              <a:t>Not as simple to extend existing dimensions (</a:t>
+            </a:r>
+            <a:r>
+              <a:rPr lang="en-GB" i="1" dirty="0">
+                <a:solidFill>
+                  <a:schemeClr val="accent1"/>
+                </a:solidFill>
+              </a:rPr>
+              <a:t>cat</a:t>
+            </a:r>
+            <a:r>
+              <a:rPr lang="en-GB" dirty="0"/>
+              <a:t> is better)</a:t>
+            </a:r>
+          </a:p>
+          <a:p>
+            <a:pPr lvl="1"/>
+            <a:r>
+              <a:rPr lang="en-GB" dirty="0"/>
+              <a:t>We’ll look into indexing in more detail later on</a:t>
+            </a:r>
+          </a:p>
+        </p:txBody>
+      </p:sp>
+      <p:sp>
+        <p:nvSpPr>
+          <p:cNvPr id="6" name="Rectangle 5">
+            <a:extLst>
+              <a:ext uri="{FF2B5EF4-FFF2-40B4-BE49-F238E27FC236}">
+                <a16:creationId xmlns:a16="http://schemas.microsoft.com/office/drawing/2014/main" id="{8A0BAEFA-D303-4DB8-9C12-CE043C51E41A}"/>
+              </a:ext>
+            </a:extLst>
+          </p:cNvPr>
+          <p:cNvSpPr/>
+          <p:nvPr/>
+        </p:nvSpPr>
+        <p:spPr>
+          <a:xfrm>
+            <a:off x="335360" y="2185639"/>
+            <a:ext cx="11521280" cy="1761893"/>
+          </a:xfrm>
+          <a:prstGeom prst="rect">
+            <a:avLst/>
+          </a:prstGeom>
+          <a:solidFill>
+            <a:srgbClr val="FFFFFF">
+              <a:alpha val="89804"/>
+            </a:srgbClr>
+          </a:solidFill>
+          <a:ln>
+            <a:noFill/>
+          </a:ln>
+        </p:spPr>
+        <p:style>
+          <a:lnRef idx="2">
+            <a:schemeClr val="accent1">
+              <a:shade val="50000"/>
+            </a:schemeClr>
+          </a:lnRef>
+          <a:fillRef idx="1">
+            <a:schemeClr val="accent1"/>
+          </a:fillRef>
+          <a:effectRef idx="0">
+            <a:schemeClr val="accent1"/>
+          </a:effectRef>
+          <a:fontRef idx="minor">
+            <a:schemeClr val="lt1"/>
+          </a:fontRef>
+        </p:style>
+        <p:txBody>
+          <a:bodyPr rtlCol="0" anchor="ctr"/>
+          <a:lstStyle/>
+          <a:p>
+            <a:pPr algn="ctr"/>
+            <a:endParaRPr lang="en-GB"/>
+          </a:p>
+        </p:txBody>
+      </p:sp>
+      <p:pic>
+        <p:nvPicPr>
+          <p:cNvPr id="5" name="Picture 4">
+            <a:extLst>
+              <a:ext uri="{FF2B5EF4-FFF2-40B4-BE49-F238E27FC236}">
+                <a16:creationId xmlns:a16="http://schemas.microsoft.com/office/drawing/2014/main" id="{C91ECB1F-47B4-4727-9942-BEC780DE87EB}"/>
+              </a:ext>
+            </a:extLst>
+          </p:cNvPr>
+          <p:cNvPicPr>
+            <a:picLocks noChangeAspect="1"/>
+          </p:cNvPicPr>
+          <p:nvPr/>
+        </p:nvPicPr>
+        <p:blipFill>
+          <a:blip r:embed="rId2"/>
+          <a:stretch>
+            <a:fillRect/>
+          </a:stretch>
+        </p:blipFill>
+        <p:spPr>
+          <a:xfrm>
+            <a:off x="8533962" y="1344158"/>
+            <a:ext cx="2804160" cy="4696968"/>
+          </a:xfrm>
+          <a:prstGeom prst="rect">
+            <a:avLst/>
+          </a:prstGeom>
+          <a:ln w="12700">
+            <a:solidFill>
+              <a:srgbClr val="BF2F37"/>
+            </a:solidFill>
+          </a:ln>
+        </p:spPr>
+      </p:pic>
+      <p:sp>
+        <p:nvSpPr>
+          <p:cNvPr id="7" name="Rectangle 6">
+            <a:extLst>
+              <a:ext uri="{FF2B5EF4-FFF2-40B4-BE49-F238E27FC236}">
+                <a16:creationId xmlns:a16="http://schemas.microsoft.com/office/drawing/2014/main" id="{DD4FCC21-AE80-40B2-B5EA-C669B6C061DB}"/>
+              </a:ext>
+            </a:extLst>
+          </p:cNvPr>
+          <p:cNvSpPr/>
+          <p:nvPr/>
+        </p:nvSpPr>
+        <p:spPr>
+          <a:xfrm>
+            <a:off x="9039225" y="1863711"/>
+            <a:ext cx="590550" cy="183371"/>
+          </a:xfrm>
+          <a:prstGeom prst="rect">
+            <a:avLst/>
+          </a:prstGeom>
+          <a:noFill/>
+          <a:ln>
+            <a:solidFill>
+              <a:srgbClr val="FF0000"/>
+            </a:solidFill>
+          </a:ln>
+        </p:spPr>
+        <p:style>
+          <a:lnRef idx="2">
+            <a:schemeClr val="accent1">
+              <a:shade val="50000"/>
+            </a:schemeClr>
+          </a:lnRef>
+          <a:fillRef idx="1">
+            <a:schemeClr val="accent1"/>
+          </a:fillRef>
+          <a:effectRef idx="0">
+            <a:schemeClr val="accent1"/>
+          </a:effectRef>
+          <a:fontRef idx="minor">
+            <a:schemeClr val="lt1"/>
+          </a:fontRef>
+        </p:style>
+        <p:txBody>
+          <a:bodyPr rtlCol="0" anchor="ctr"/>
+          <a:lstStyle/>
+          <a:p>
+            <a:pPr algn="ctr"/>
+            <a:endParaRPr lang="en-GB"/>
+          </a:p>
+        </p:txBody>
+      </p:sp>
+      <p:sp>
+        <p:nvSpPr>
+          <p:cNvPr id="8" name="Rectangle 7">
+            <a:extLst>
+              <a:ext uri="{FF2B5EF4-FFF2-40B4-BE49-F238E27FC236}">
+                <a16:creationId xmlns:a16="http://schemas.microsoft.com/office/drawing/2014/main" id="{0D7AC471-D56E-4616-A5DE-B46068DC22B6}"/>
+              </a:ext>
+            </a:extLst>
+          </p:cNvPr>
+          <p:cNvSpPr/>
+          <p:nvPr/>
+        </p:nvSpPr>
+        <p:spPr>
+          <a:xfrm>
+            <a:off x="9039224" y="5492322"/>
+            <a:ext cx="1006476" cy="183371"/>
+          </a:xfrm>
+          <a:prstGeom prst="rect">
+            <a:avLst/>
+          </a:prstGeom>
+          <a:noFill/>
+          <a:ln>
+            <a:solidFill>
+              <a:srgbClr val="FF0000"/>
+            </a:solidFill>
+          </a:ln>
+        </p:spPr>
+        <p:style>
+          <a:lnRef idx="2">
+            <a:schemeClr val="accent1">
+              <a:shade val="50000"/>
+            </a:schemeClr>
+          </a:lnRef>
+          <a:fillRef idx="1">
+            <a:schemeClr val="accent1"/>
+          </a:fillRef>
+          <a:effectRef idx="0">
+            <a:schemeClr val="accent1"/>
+          </a:effectRef>
+          <a:fontRef idx="minor">
+            <a:schemeClr val="lt1"/>
+          </a:fontRef>
+        </p:style>
+        <p:txBody>
+          <a:bodyPr rtlCol="0" anchor="ctr"/>
+          <a:lstStyle/>
+          <a:p>
+            <a:pPr algn="ctr"/>
+            <a:endParaRPr lang="en-GB"/>
+          </a:p>
+        </p:txBody>
+      </p:sp>
+      <p:sp>
+        <p:nvSpPr>
+          <p:cNvPr id="9" name="Rectangle 8">
+            <a:extLst>
+              <a:ext uri="{FF2B5EF4-FFF2-40B4-BE49-F238E27FC236}">
+                <a16:creationId xmlns:a16="http://schemas.microsoft.com/office/drawing/2014/main" id="{F33AE187-07EC-47FD-B97F-3EE7E2B7415F}"/>
+              </a:ext>
+            </a:extLst>
+          </p:cNvPr>
+          <p:cNvSpPr/>
+          <p:nvPr/>
+        </p:nvSpPr>
+        <p:spPr>
+          <a:xfrm>
+            <a:off x="8903585" y="2809297"/>
+            <a:ext cx="1526290" cy="183371"/>
+          </a:xfrm>
+          <a:prstGeom prst="rect">
+            <a:avLst/>
+          </a:prstGeom>
+          <a:noFill/>
+          <a:ln>
+            <a:solidFill>
+              <a:srgbClr val="FF0000"/>
+            </a:solidFill>
+          </a:ln>
+        </p:spPr>
+        <p:style>
+          <a:lnRef idx="2">
+            <a:schemeClr val="accent1">
+              <a:shade val="50000"/>
+            </a:schemeClr>
+          </a:lnRef>
+          <a:fillRef idx="1">
+            <a:schemeClr val="accent1"/>
+          </a:fillRef>
+          <a:effectRef idx="0">
+            <a:schemeClr val="accent1"/>
+          </a:effectRef>
+          <a:fontRef idx="minor">
+            <a:schemeClr val="lt1"/>
+          </a:fontRef>
+        </p:style>
+        <p:txBody>
+          <a:bodyPr rtlCol="0" anchor="ctr"/>
+          <a:lstStyle/>
+          <a:p>
+            <a:pPr algn="ctr"/>
+            <a:endParaRPr lang="en-GB"/>
           </a:p>
         </p:txBody>
       </p:sp>
     </p:spTree>
     <p:extLst>
       <p:ext uri="{BB962C8B-B14F-4D97-AF65-F5344CB8AC3E}">
-        <p14:creationId xmlns:p14="http://schemas.microsoft.com/office/powerpoint/2010/main" val="2138320475"/>
+        <p14:creationId xmlns:p14="http://schemas.microsoft.com/office/powerpoint/2010/main" val="1020562840"/>
       </p:ext>
     </p:extLst>
   </p:cSld>
   <p:clrMapOvr>
     <a:masterClrMapping/>
   </p:clrMapOvr>
+  <mc:AlternateContent xmlns:mc="http://schemas.openxmlformats.org/markup-compatibility/2006">
+    <mc:Choice xmlns:p14="http://schemas.microsoft.com/office/powerpoint/2010/main" Requires="p14">
+      <p:transition p14:dur="300">
+        <p:fade/>
+      </p:transition>
+    </mc:Choice>
+    <mc:Fallback>
+      <p:transition>
+        <p:fade/>
+      </p:transition>
+    </mc:Fallback>
+  </mc:AlternateContent>
+  <p:timing>
+    <p:tnLst>
+      <p:par>
+        <p:cTn id="1" dur="indefinite" restart="never" nodeType="tmRoot">
+          <p:childTnLst>
+            <p:seq concurrent="1" nextAc="seek">
+              <p:cTn id="2" dur="indefinite" nodeType="mainSeq">
+                <p:childTnLst>
+                  <p:par>
+                    <p:cTn id="3" fill="hold">
+                      <p:stCondLst>
+                        <p:cond delay="indefinite"/>
+                      </p:stCondLst>
+                      <p:childTnLst>
+                        <p:par>
+                          <p:cTn id="4" fill="hold">
+                            <p:stCondLst>
+                              <p:cond delay="0"/>
+                            </p:stCondLst>
+                            <p:childTnLst>
+                              <p:par>
+                                <p:cTn id="5" presetID="10" presetClass="entr" presetSubtype="0" fill="hold" grpId="0" nodeType="clickEffect">
+                                  <p:stCondLst>
+                                    <p:cond delay="0"/>
+                                  </p:stCondLst>
+                                  <p:childTnLst>
+                                    <p:set>
+                                      <p:cBhvr>
+                                        <p:cTn id="6" dur="1" fill="hold">
+                                          <p:stCondLst>
+                                            <p:cond delay="0"/>
+                                          </p:stCondLst>
+                                        </p:cTn>
+                                        <p:tgtEl>
+                                          <p:spTgt spid="9"/>
+                                        </p:tgtEl>
+                                        <p:attrNameLst>
+                                          <p:attrName>style.visibility</p:attrName>
+                                        </p:attrNameLst>
+                                      </p:cBhvr>
+                                      <p:to>
+                                        <p:strVal val="visible"/>
+                                      </p:to>
+                                    </p:set>
+                                    <p:animEffect transition="in" filter="fade">
+                                      <p:cBhvr>
+                                        <p:cTn id="7" dur="300"/>
+                                        <p:tgtEl>
+                                          <p:spTgt spid="9"/>
+                                        </p:tgtEl>
+                                      </p:cBhvr>
+                                    </p:animEffect>
+                                  </p:childTnLst>
+                                </p:cTn>
+                              </p:par>
+                            </p:childTnLst>
+                          </p:cTn>
+                        </p:par>
+                      </p:childTnLst>
+                    </p:cTn>
+                  </p:par>
+                  <p:par>
+                    <p:cTn id="8" fill="hold">
+                      <p:stCondLst>
+                        <p:cond delay="indefinite"/>
+                      </p:stCondLst>
+                      <p:childTnLst>
+                        <p:par>
+                          <p:cTn id="9" fill="hold">
+                            <p:stCondLst>
+                              <p:cond delay="0"/>
+                            </p:stCondLst>
+                            <p:childTnLst>
+                              <p:par>
+                                <p:cTn id="10" presetID="10" presetClass="entr" presetSubtype="0" fill="hold" grpId="0" nodeType="clickEffect">
+                                  <p:stCondLst>
+                                    <p:cond delay="0"/>
+                                  </p:stCondLst>
+                                  <p:childTnLst>
+                                    <p:set>
+                                      <p:cBhvr>
+                                        <p:cTn id="11" dur="1" fill="hold">
+                                          <p:stCondLst>
+                                            <p:cond delay="0"/>
+                                          </p:stCondLst>
+                                        </p:cTn>
+                                        <p:tgtEl>
+                                          <p:spTgt spid="7"/>
+                                        </p:tgtEl>
+                                        <p:attrNameLst>
+                                          <p:attrName>style.visibility</p:attrName>
+                                        </p:attrNameLst>
+                                      </p:cBhvr>
+                                      <p:to>
+                                        <p:strVal val="visible"/>
+                                      </p:to>
+                                    </p:set>
+                                    <p:animEffect transition="in" filter="fade">
+                                      <p:cBhvr>
+                                        <p:cTn id="12" dur="300"/>
+                                        <p:tgtEl>
+                                          <p:spTgt spid="7"/>
+                                        </p:tgtEl>
+                                      </p:cBhvr>
+                                    </p:animEffect>
+                                  </p:childTnLst>
+                                </p:cTn>
+                              </p:par>
+                              <p:par>
+                                <p:cTn id="13" presetID="10" presetClass="entr" presetSubtype="0" fill="hold" grpId="0" nodeType="withEffect">
+                                  <p:stCondLst>
+                                    <p:cond delay="0"/>
+                                  </p:stCondLst>
+                                  <p:childTnLst>
+                                    <p:set>
+                                      <p:cBhvr>
+                                        <p:cTn id="14" dur="1" fill="hold">
+                                          <p:stCondLst>
+                                            <p:cond delay="0"/>
+                                          </p:stCondLst>
+                                        </p:cTn>
+                                        <p:tgtEl>
+                                          <p:spTgt spid="8"/>
+                                        </p:tgtEl>
+                                        <p:attrNameLst>
+                                          <p:attrName>style.visibility</p:attrName>
+                                        </p:attrNameLst>
+                                      </p:cBhvr>
+                                      <p:to>
+                                        <p:strVal val="visible"/>
+                                      </p:to>
+                                    </p:set>
+                                    <p:animEffect transition="in" filter="fade">
+                                      <p:cBhvr>
+                                        <p:cTn id="15" dur="300"/>
+                                        <p:tgtEl>
+                                          <p:spTgt spid="8"/>
+                                        </p:tgtEl>
+                                      </p:cBhvr>
+                                    </p:animEffect>
+                                  </p:childTnLst>
+                                </p:cTn>
+                              </p:par>
+                              <p:par>
+                                <p:cTn id="16" presetID="10" presetClass="exit" presetSubtype="0" fill="hold" grpId="1" nodeType="withEffect">
+                                  <p:stCondLst>
+                                    <p:cond delay="0"/>
+                                  </p:stCondLst>
+                                  <p:childTnLst>
+                                    <p:animEffect transition="out" filter="fade">
+                                      <p:cBhvr>
+                                        <p:cTn id="17" dur="300"/>
+                                        <p:tgtEl>
+                                          <p:spTgt spid="9"/>
+                                        </p:tgtEl>
+                                      </p:cBhvr>
+                                    </p:animEffect>
+                                    <p:set>
+                                      <p:cBhvr>
+                                        <p:cTn id="18" dur="1" fill="hold">
+                                          <p:stCondLst>
+                                            <p:cond delay="299"/>
+                                          </p:stCondLst>
+                                        </p:cTn>
+                                        <p:tgtEl>
+                                          <p:spTgt spid="9"/>
+                                        </p:tgtEl>
+                                        <p:attrNameLst>
+                                          <p:attrName>style.visibility</p:attrName>
+                                        </p:attrNameLst>
+                                      </p:cBhvr>
+                                      <p:to>
+                                        <p:strVal val="hidden"/>
+                                      </p:to>
+                                    </p:set>
+                                  </p:childTnLst>
+                                </p:cTn>
+                              </p:par>
+                            </p:childTnLst>
+                          </p:cTn>
+                        </p:par>
+                      </p:childTnLst>
+                    </p:cTn>
+                  </p:par>
+                </p:childTnLst>
+              </p:cTn>
+              <p:prevCondLst>
+                <p:cond evt="onPrev" delay="0">
+                  <p:tgtEl>
+                    <p:sldTgt/>
+                  </p:tgtEl>
+                </p:cond>
+              </p:prevCondLst>
+              <p:nextCondLst>
+                <p:cond evt="onNext" delay="0">
+                  <p:tgtEl>
+                    <p:sldTgt/>
+                  </p:tgtEl>
+                </p:cond>
+              </p:nextCondLst>
+            </p:seq>
+          </p:childTnLst>
+        </p:cTn>
+      </p:par>
+    </p:tnLst>
+    <p:bldLst>
+      <p:bldP spid="7" grpId="0" animBg="1"/>
+      <p:bldP spid="8" grpId="0" animBg="1"/>
+      <p:bldP spid="9" grpId="0" animBg="1"/>
+      <p:bldP spid="9" grpId="1" animBg="1"/>
+    </p:bldLst>
+  </p:timing>
 </p:sld>
 </file>
 

--- a/Session 2 - Matrices and image processing/MATLAB Session 2.pptx
+++ b/Session 2 - Matrices and image processing/MATLAB Session 2.pptx
@@ -5,7 +5,7 @@
     <p:sldMasterId id="2147483678" r:id="rId1"/>
   </p:sldMasterIdLst>
   <p:notesMasterIdLst>
-    <p:notesMasterId r:id="rId26"/>
+    <p:notesMasterId r:id="rId27"/>
   </p:notesMasterIdLst>
   <p:sldIdLst>
     <p:sldId id="316" r:id="rId2"/>
@@ -13,25 +13,26 @@
     <p:sldId id="407" r:id="rId4"/>
     <p:sldId id="361" r:id="rId5"/>
     <p:sldId id="352" r:id="rId6"/>
-    <p:sldId id="368" r:id="rId7"/>
-    <p:sldId id="367" r:id="rId8"/>
-    <p:sldId id="371" r:id="rId9"/>
-    <p:sldId id="373" r:id="rId10"/>
-    <p:sldId id="372" r:id="rId11"/>
-    <p:sldId id="374" r:id="rId12"/>
-    <p:sldId id="370" r:id="rId13"/>
-    <p:sldId id="375" r:id="rId14"/>
-    <p:sldId id="408" r:id="rId15"/>
-    <p:sldId id="409" r:id="rId16"/>
-    <p:sldId id="366" r:id="rId17"/>
-    <p:sldId id="365" r:id="rId18"/>
-    <p:sldId id="354" r:id="rId19"/>
-    <p:sldId id="353" r:id="rId20"/>
-    <p:sldId id="362" r:id="rId21"/>
-    <p:sldId id="355" r:id="rId22"/>
-    <p:sldId id="356" r:id="rId23"/>
-    <p:sldId id="358" r:id="rId24"/>
-    <p:sldId id="357" r:id="rId25"/>
+    <p:sldId id="410" r:id="rId7"/>
+    <p:sldId id="411" r:id="rId8"/>
+    <p:sldId id="368" r:id="rId9"/>
+    <p:sldId id="367" r:id="rId10"/>
+    <p:sldId id="371" r:id="rId11"/>
+    <p:sldId id="373" r:id="rId12"/>
+    <p:sldId id="372" r:id="rId13"/>
+    <p:sldId id="374" r:id="rId14"/>
+    <p:sldId id="370" r:id="rId15"/>
+    <p:sldId id="375" r:id="rId16"/>
+    <p:sldId id="408" r:id="rId17"/>
+    <p:sldId id="409" r:id="rId18"/>
+    <p:sldId id="366" r:id="rId19"/>
+    <p:sldId id="412" r:id="rId20"/>
+    <p:sldId id="365" r:id="rId21"/>
+    <p:sldId id="362" r:id="rId22"/>
+    <p:sldId id="355" r:id="rId23"/>
+    <p:sldId id="356" r:id="rId24"/>
+    <p:sldId id="358" r:id="rId25"/>
+    <p:sldId id="357" r:id="rId26"/>
   </p:sldIdLst>
   <p:sldSz cx="12192000" cy="6858000"/>
   <p:notesSz cx="6669088" cy="9926638"/>
@@ -127,6 +128,1084 @@
     </p:extLst>
   </p:cmAuthor>
 </p:cmAuthorLst>
+</file>
+
+<file path=ppt/charts/chart1.xml><?xml version="1.0" encoding="utf-8"?>
+<c:chartSpace xmlns:c="http://schemas.openxmlformats.org/drawingml/2006/chart" xmlns:a="http://schemas.openxmlformats.org/drawingml/2006/main" xmlns:r="http://schemas.openxmlformats.org/officeDocument/2006/relationships" xmlns:c16r2="http://schemas.microsoft.com/office/drawing/2015/06/chart">
+  <c:date1904 val="0"/>
+  <c:lang val="en-US"/>
+  <c:roundedCorners val="0"/>
+  <mc:AlternateContent xmlns:mc="http://schemas.openxmlformats.org/markup-compatibility/2006">
+    <mc:Choice xmlns:c14="http://schemas.microsoft.com/office/drawing/2007/8/2/chart" Requires="c14">
+      <c14:style val="102"/>
+    </mc:Choice>
+    <mc:Fallback>
+      <c:style val="2"/>
+    </mc:Fallback>
+  </mc:AlternateContent>
+  <c:chart>
+    <c:autoTitleDeleted val="1"/>
+    <c:plotArea>
+      <c:layout/>
+      <c:scatterChart>
+        <c:scatterStyle val="lineMarker"/>
+        <c:varyColors val="0"/>
+        <c:ser>
+          <c:idx val="0"/>
+          <c:order val="0"/>
+          <c:tx>
+            <c:v>Resize</c:v>
+          </c:tx>
+          <c:spPr>
+            <a:ln w="19050" cap="rnd">
+              <a:solidFill>
+                <a:schemeClr val="accent1"/>
+              </a:solidFill>
+              <a:prstDash val="sysDash"/>
+              <a:round/>
+            </a:ln>
+            <a:effectLst/>
+          </c:spPr>
+          <c:marker>
+            <c:symbol val="circle"/>
+            <c:size val="8"/>
+            <c:spPr>
+              <a:solidFill>
+                <a:schemeClr val="accent1"/>
+              </a:solidFill>
+              <a:ln w="12700">
+                <a:solidFill>
+                  <a:schemeClr val="accent1"/>
+                </a:solidFill>
+              </a:ln>
+              <a:effectLst/>
+            </c:spPr>
+          </c:marker>
+          <c:xVal>
+            <c:numRef>
+              <c:f>Sheet1!$B$2:$B$8</c:f>
+              <c:numCache>
+                <c:formatCode>0.0E+00</c:formatCode>
+                <c:ptCount val="7"/>
+                <c:pt idx="0">
+                  <c:v>250000</c:v>
+                </c:pt>
+                <c:pt idx="1">
+                  <c:v>1000000</c:v>
+                </c:pt>
+                <c:pt idx="2">
+                  <c:v>2250000</c:v>
+                </c:pt>
+                <c:pt idx="3">
+                  <c:v>4000000</c:v>
+                </c:pt>
+                <c:pt idx="4">
+                  <c:v>6250000</c:v>
+                </c:pt>
+                <c:pt idx="5">
+                  <c:v>9000000</c:v>
+                </c:pt>
+              </c:numCache>
+            </c:numRef>
+          </c:xVal>
+          <c:yVal>
+            <c:numRef>
+              <c:f>Sheet1!$C$2:$C$8</c:f>
+              <c:numCache>
+                <c:formatCode>General</c:formatCode>
+                <c:ptCount val="7"/>
+                <c:pt idx="0">
+                  <c:v>0.03</c:v>
+                </c:pt>
+                <c:pt idx="1">
+                  <c:v>0.19</c:v>
+                </c:pt>
+                <c:pt idx="2">
+                  <c:v>0.97</c:v>
+                </c:pt>
+                <c:pt idx="3">
+                  <c:v>2.88</c:v>
+                </c:pt>
+                <c:pt idx="4">
+                  <c:v>5.99</c:v>
+                </c:pt>
+                <c:pt idx="5">
+                  <c:v>10.64</c:v>
+                </c:pt>
+              </c:numCache>
+            </c:numRef>
+          </c:yVal>
+          <c:smooth val="0"/>
+          <c:extLst>
+            <c:ext xmlns:c16="http://schemas.microsoft.com/office/drawing/2014/chart" uri="{C3380CC4-5D6E-409C-BE32-E72D297353CC}">
+              <c16:uniqueId val="{00000000-3C31-45A4-9EC4-107CAFF6B39B}"/>
+            </c:ext>
+          </c:extLst>
+        </c:ser>
+        <c:ser>
+          <c:idx val="1"/>
+          <c:order val="1"/>
+          <c:tx>
+            <c:v>Zeros</c:v>
+          </c:tx>
+          <c:spPr>
+            <a:ln w="25400" cap="rnd">
+              <a:solidFill>
+                <a:srgbClr val="BF2F37"/>
+              </a:solidFill>
+              <a:prstDash val="sysDash"/>
+              <a:round/>
+            </a:ln>
+            <a:effectLst/>
+          </c:spPr>
+          <c:marker>
+            <c:symbol val="triangle"/>
+            <c:size val="8"/>
+            <c:spPr>
+              <a:solidFill>
+                <a:schemeClr val="accent2"/>
+              </a:solidFill>
+              <a:ln w="12700">
+                <a:solidFill>
+                  <a:schemeClr val="accent2"/>
+                </a:solidFill>
+              </a:ln>
+              <a:effectLst/>
+            </c:spPr>
+          </c:marker>
+          <c:xVal>
+            <c:numRef>
+              <c:f>Sheet1!$B$2:$B$8</c:f>
+              <c:numCache>
+                <c:formatCode>0.0E+00</c:formatCode>
+                <c:ptCount val="7"/>
+                <c:pt idx="0">
+                  <c:v>250000</c:v>
+                </c:pt>
+                <c:pt idx="1">
+                  <c:v>1000000</c:v>
+                </c:pt>
+                <c:pt idx="2">
+                  <c:v>2250000</c:v>
+                </c:pt>
+                <c:pt idx="3">
+                  <c:v>4000000</c:v>
+                </c:pt>
+                <c:pt idx="4">
+                  <c:v>6250000</c:v>
+                </c:pt>
+                <c:pt idx="5">
+                  <c:v>9000000</c:v>
+                </c:pt>
+              </c:numCache>
+            </c:numRef>
+          </c:xVal>
+          <c:yVal>
+            <c:numRef>
+              <c:f>Sheet1!$D$2:$D$8</c:f>
+              <c:numCache>
+                <c:formatCode>General</c:formatCode>
+                <c:ptCount val="7"/>
+                <c:pt idx="0">
+                  <c:v>0.01</c:v>
+                </c:pt>
+                <c:pt idx="1">
+                  <c:v>0.02</c:v>
+                </c:pt>
+                <c:pt idx="2">
+                  <c:v>0.03</c:v>
+                </c:pt>
+                <c:pt idx="3">
+                  <c:v>0.05</c:v>
+                </c:pt>
+                <c:pt idx="4">
+                  <c:v>7.0000000000000007E-2</c:v>
+                </c:pt>
+                <c:pt idx="5">
+                  <c:v>0.11</c:v>
+                </c:pt>
+              </c:numCache>
+            </c:numRef>
+          </c:yVal>
+          <c:smooth val="0"/>
+          <c:extLst>
+            <c:ext xmlns:c16="http://schemas.microsoft.com/office/drawing/2014/chart" uri="{C3380CC4-5D6E-409C-BE32-E72D297353CC}">
+              <c16:uniqueId val="{00000001-3C31-45A4-9EC4-107CAFF6B39B}"/>
+            </c:ext>
+          </c:extLst>
+        </c:ser>
+        <c:dLbls>
+          <c:showLegendKey val="0"/>
+          <c:showVal val="0"/>
+          <c:showCatName val="0"/>
+          <c:showSerName val="0"/>
+          <c:showPercent val="0"/>
+          <c:showBubbleSize val="0"/>
+        </c:dLbls>
+        <c:axId val="395110008"/>
+        <c:axId val="401020184"/>
+      </c:scatterChart>
+      <c:valAx>
+        <c:axId val="395110008"/>
+        <c:scaling>
+          <c:orientation val="minMax"/>
+        </c:scaling>
+        <c:delete val="0"/>
+        <c:axPos val="b"/>
+        <c:majorGridlines>
+          <c:spPr>
+            <a:ln w="9525" cap="flat" cmpd="sng" algn="ctr">
+              <a:solidFill>
+                <a:schemeClr val="tx1">
+                  <a:lumMod val="15000"/>
+                  <a:lumOff val="85000"/>
+                </a:schemeClr>
+              </a:solidFill>
+              <a:round/>
+            </a:ln>
+            <a:effectLst/>
+          </c:spPr>
+        </c:majorGridlines>
+        <c:title>
+          <c:tx>
+            <c:rich>
+              <a:bodyPr rot="0" spcFirstLastPara="1" vertOverflow="ellipsis" vert="horz" wrap="square" anchor="ctr" anchorCtr="1"/>
+              <a:lstStyle/>
+              <a:p>
+                <a:pPr>
+                  <a:defRPr sz="1600" b="1" i="0" u="none" strike="noStrike" kern="1200" baseline="0">
+                    <a:solidFill>
+                      <a:schemeClr val="tx1">
+                        <a:lumMod val="65000"/>
+                        <a:lumOff val="35000"/>
+                      </a:schemeClr>
+                    </a:solidFill>
+                    <a:latin typeface="+mn-lt"/>
+                    <a:ea typeface="+mn-ea"/>
+                    <a:cs typeface="+mn-cs"/>
+                  </a:defRPr>
+                </a:pPr>
+                <a:r>
+                  <a:rPr lang="en-GB" b="1"/>
+                  <a:t>Number of pixels</a:t>
+                </a:r>
+              </a:p>
+            </c:rich>
+          </c:tx>
+          <c:overlay val="0"/>
+          <c:spPr>
+            <a:noFill/>
+            <a:ln>
+              <a:noFill/>
+            </a:ln>
+            <a:effectLst/>
+          </c:spPr>
+          <c:txPr>
+            <a:bodyPr rot="0" spcFirstLastPara="1" vertOverflow="ellipsis" vert="horz" wrap="square" anchor="ctr" anchorCtr="1"/>
+            <a:lstStyle/>
+            <a:p>
+              <a:pPr>
+                <a:defRPr sz="1600" b="1" i="0" u="none" strike="noStrike" kern="1200" baseline="0">
+                  <a:solidFill>
+                    <a:schemeClr val="tx1">
+                      <a:lumMod val="65000"/>
+                      <a:lumOff val="35000"/>
+                    </a:schemeClr>
+                  </a:solidFill>
+                  <a:latin typeface="+mn-lt"/>
+                  <a:ea typeface="+mn-ea"/>
+                  <a:cs typeface="+mn-cs"/>
+                </a:defRPr>
+              </a:pPr>
+              <a:endParaRPr lang="en-US"/>
+            </a:p>
+          </c:txPr>
+        </c:title>
+        <c:numFmt formatCode="0.0E+00" sourceLinked="1"/>
+        <c:majorTickMark val="none"/>
+        <c:minorTickMark val="none"/>
+        <c:tickLblPos val="nextTo"/>
+        <c:spPr>
+          <a:noFill/>
+          <a:ln w="9525" cap="flat" cmpd="sng" algn="ctr">
+            <a:solidFill>
+              <a:schemeClr val="tx1">
+                <a:lumMod val="25000"/>
+                <a:lumOff val="75000"/>
+              </a:schemeClr>
+            </a:solidFill>
+            <a:round/>
+          </a:ln>
+          <a:effectLst/>
+        </c:spPr>
+        <c:txPr>
+          <a:bodyPr rot="-60000000" spcFirstLastPara="1" vertOverflow="ellipsis" vert="horz" wrap="square" anchor="ctr" anchorCtr="1"/>
+          <a:lstStyle/>
+          <a:p>
+            <a:pPr>
+              <a:defRPr sz="1600" b="0" i="0" u="none" strike="noStrike" kern="1200" baseline="0">
+                <a:solidFill>
+                  <a:schemeClr val="tx1">
+                    <a:lumMod val="65000"/>
+                    <a:lumOff val="35000"/>
+                  </a:schemeClr>
+                </a:solidFill>
+                <a:latin typeface="+mn-lt"/>
+                <a:ea typeface="+mn-ea"/>
+                <a:cs typeface="+mn-cs"/>
+              </a:defRPr>
+            </a:pPr>
+            <a:endParaRPr lang="en-US"/>
+          </a:p>
+        </c:txPr>
+        <c:crossAx val="401020184"/>
+        <c:crosses val="autoZero"/>
+        <c:crossBetween val="midCat"/>
+      </c:valAx>
+      <c:valAx>
+        <c:axId val="401020184"/>
+        <c:scaling>
+          <c:orientation val="minMax"/>
+        </c:scaling>
+        <c:delete val="0"/>
+        <c:axPos val="l"/>
+        <c:majorGridlines>
+          <c:spPr>
+            <a:ln w="9525" cap="flat" cmpd="sng" algn="ctr">
+              <a:solidFill>
+                <a:schemeClr val="tx1">
+                  <a:lumMod val="15000"/>
+                  <a:lumOff val="85000"/>
+                </a:schemeClr>
+              </a:solidFill>
+              <a:round/>
+            </a:ln>
+            <a:effectLst/>
+          </c:spPr>
+        </c:majorGridlines>
+        <c:title>
+          <c:tx>
+            <c:rich>
+              <a:bodyPr rot="-5400000" spcFirstLastPara="1" vertOverflow="ellipsis" vert="horz" wrap="square" anchor="ctr" anchorCtr="1"/>
+              <a:lstStyle/>
+              <a:p>
+                <a:pPr>
+                  <a:defRPr sz="1600" b="0" i="0" u="none" strike="noStrike" kern="1200" baseline="0">
+                    <a:solidFill>
+                      <a:schemeClr val="tx1">
+                        <a:lumMod val="65000"/>
+                        <a:lumOff val="35000"/>
+                      </a:schemeClr>
+                    </a:solidFill>
+                    <a:latin typeface="+mn-lt"/>
+                    <a:ea typeface="+mn-ea"/>
+                    <a:cs typeface="+mn-cs"/>
+                  </a:defRPr>
+                </a:pPr>
+                <a:r>
+                  <a:rPr lang="en-GB"/>
+                  <a:t>Time to process (s)</a:t>
+                </a:r>
+              </a:p>
+            </c:rich>
+          </c:tx>
+          <c:overlay val="0"/>
+          <c:spPr>
+            <a:noFill/>
+            <a:ln>
+              <a:noFill/>
+            </a:ln>
+            <a:effectLst/>
+          </c:spPr>
+          <c:txPr>
+            <a:bodyPr rot="-5400000" spcFirstLastPara="1" vertOverflow="ellipsis" vert="horz" wrap="square" anchor="ctr" anchorCtr="1"/>
+            <a:lstStyle/>
+            <a:p>
+              <a:pPr>
+                <a:defRPr sz="1600" b="0" i="0" u="none" strike="noStrike" kern="1200" baseline="0">
+                  <a:solidFill>
+                    <a:schemeClr val="tx1">
+                      <a:lumMod val="65000"/>
+                      <a:lumOff val="35000"/>
+                    </a:schemeClr>
+                  </a:solidFill>
+                  <a:latin typeface="+mn-lt"/>
+                  <a:ea typeface="+mn-ea"/>
+                  <a:cs typeface="+mn-cs"/>
+                </a:defRPr>
+              </a:pPr>
+              <a:endParaRPr lang="en-US"/>
+            </a:p>
+          </c:txPr>
+        </c:title>
+        <c:numFmt formatCode="General" sourceLinked="1"/>
+        <c:majorTickMark val="none"/>
+        <c:minorTickMark val="none"/>
+        <c:tickLblPos val="nextTo"/>
+        <c:spPr>
+          <a:noFill/>
+          <a:ln w="9525" cap="flat" cmpd="sng" algn="ctr">
+            <a:solidFill>
+              <a:schemeClr val="tx1">
+                <a:lumMod val="25000"/>
+                <a:lumOff val="75000"/>
+              </a:schemeClr>
+            </a:solidFill>
+            <a:round/>
+          </a:ln>
+          <a:effectLst/>
+        </c:spPr>
+        <c:txPr>
+          <a:bodyPr rot="-60000000" spcFirstLastPara="1" vertOverflow="ellipsis" vert="horz" wrap="square" anchor="ctr" anchorCtr="1"/>
+          <a:lstStyle/>
+          <a:p>
+            <a:pPr>
+              <a:defRPr sz="1600" b="0" i="0" u="none" strike="noStrike" kern="1200" baseline="0">
+                <a:solidFill>
+                  <a:schemeClr val="tx1">
+                    <a:lumMod val="65000"/>
+                    <a:lumOff val="35000"/>
+                  </a:schemeClr>
+                </a:solidFill>
+                <a:latin typeface="+mn-lt"/>
+                <a:ea typeface="+mn-ea"/>
+                <a:cs typeface="+mn-cs"/>
+              </a:defRPr>
+            </a:pPr>
+            <a:endParaRPr lang="en-US"/>
+          </a:p>
+        </c:txPr>
+        <c:crossAx val="395110008"/>
+        <c:crosses val="autoZero"/>
+        <c:crossBetween val="midCat"/>
+      </c:valAx>
+      <c:spPr>
+        <a:noFill/>
+        <a:ln>
+          <a:noFill/>
+        </a:ln>
+        <a:effectLst/>
+      </c:spPr>
+    </c:plotArea>
+    <c:legend>
+      <c:legendPos val="r"/>
+      <c:overlay val="0"/>
+      <c:spPr>
+        <a:noFill/>
+        <a:ln>
+          <a:noFill/>
+        </a:ln>
+        <a:effectLst/>
+      </c:spPr>
+      <c:txPr>
+        <a:bodyPr rot="0" spcFirstLastPara="1" vertOverflow="ellipsis" vert="horz" wrap="square" anchor="ctr" anchorCtr="1"/>
+        <a:lstStyle/>
+        <a:p>
+          <a:pPr>
+            <a:defRPr sz="1600" b="0" i="0" u="none" strike="noStrike" kern="1200" baseline="0">
+              <a:solidFill>
+                <a:schemeClr val="tx1">
+                  <a:lumMod val="65000"/>
+                  <a:lumOff val="35000"/>
+                </a:schemeClr>
+              </a:solidFill>
+              <a:latin typeface="+mn-lt"/>
+              <a:ea typeface="+mn-ea"/>
+              <a:cs typeface="+mn-cs"/>
+            </a:defRPr>
+          </a:pPr>
+          <a:endParaRPr lang="en-US"/>
+        </a:p>
+      </c:txPr>
+    </c:legend>
+    <c:plotVisOnly val="1"/>
+    <c:dispBlanksAs val="gap"/>
+    <c:extLst>
+      <c:ext xmlns:c16r3="http://schemas.microsoft.com/office/drawing/2017/03/chart" uri="{56B9EC1D-385E-4148-901F-78D8002777C0}">
+        <c16r3:dataDisplayOptions16>
+          <c16r3:dispNaAsBlank val="1"/>
+        </c16r3:dataDisplayOptions16>
+      </c:ext>
+    </c:extLst>
+    <c:showDLblsOverMax val="0"/>
+  </c:chart>
+  <c:spPr>
+    <a:noFill/>
+    <a:ln>
+      <a:noFill/>
+    </a:ln>
+    <a:effectLst/>
+  </c:spPr>
+  <c:txPr>
+    <a:bodyPr/>
+    <a:lstStyle/>
+    <a:p>
+      <a:pPr>
+        <a:defRPr sz="1600"/>
+      </a:pPr>
+      <a:endParaRPr lang="en-US"/>
+    </a:p>
+  </c:txPr>
+  <c:externalData r:id="rId3">
+    <c:autoUpdate val="0"/>
+  </c:externalData>
+</c:chartSpace>
+</file>
+
+<file path=ppt/charts/colors1.xml><?xml version="1.0" encoding="utf-8"?>
+<cs:colorStyle xmlns:cs="http://schemas.microsoft.com/office/drawing/2012/chartStyle" xmlns:a="http://schemas.openxmlformats.org/drawingml/2006/main" meth="cycle" id="10">
+  <a:schemeClr val="accent1"/>
+  <a:schemeClr val="accent2"/>
+  <a:schemeClr val="accent3"/>
+  <a:schemeClr val="accent4"/>
+  <a:schemeClr val="accent5"/>
+  <a:schemeClr val="accent6"/>
+  <cs:variation/>
+  <cs:variation>
+    <a:lumMod val="60000"/>
+  </cs:variation>
+  <cs:variation>
+    <a:lumMod val="80000"/>
+    <a:lumOff val="20000"/>
+  </cs:variation>
+  <cs:variation>
+    <a:lumMod val="80000"/>
+  </cs:variation>
+  <cs:variation>
+    <a:lumMod val="60000"/>
+    <a:lumOff val="40000"/>
+  </cs:variation>
+  <cs:variation>
+    <a:lumMod val="50000"/>
+  </cs:variation>
+  <cs:variation>
+    <a:lumMod val="70000"/>
+    <a:lumOff val="30000"/>
+  </cs:variation>
+  <cs:variation>
+    <a:lumMod val="70000"/>
+  </cs:variation>
+  <cs:variation>
+    <a:lumMod val="50000"/>
+    <a:lumOff val="50000"/>
+  </cs:variation>
+</cs:colorStyle>
+</file>
+
+<file path=ppt/charts/style1.xml><?xml version="1.0" encoding="utf-8"?>
+<cs:chartStyle xmlns:cs="http://schemas.microsoft.com/office/drawing/2012/chartStyle" xmlns:a="http://schemas.openxmlformats.org/drawingml/2006/main" id="240">
+  <cs:axisTitle>
+    <cs:lnRef idx="0"/>
+    <cs:fillRef idx="0"/>
+    <cs:effectRef idx="0"/>
+    <cs:fontRef idx="minor">
+      <a:schemeClr val="tx1">
+        <a:lumMod val="65000"/>
+        <a:lumOff val="35000"/>
+      </a:schemeClr>
+    </cs:fontRef>
+    <cs:defRPr sz="1000" kern="1200"/>
+  </cs:axisTitle>
+  <cs:categoryAxis>
+    <cs:lnRef idx="0"/>
+    <cs:fillRef idx="0"/>
+    <cs:effectRef idx="0"/>
+    <cs:fontRef idx="minor">
+      <a:schemeClr val="tx1">
+        <a:lumMod val="65000"/>
+        <a:lumOff val="35000"/>
+      </a:schemeClr>
+    </cs:fontRef>
+    <cs:spPr>
+      <a:ln w="9525" cap="flat" cmpd="sng" algn="ctr">
+        <a:solidFill>
+          <a:schemeClr val="tx1">
+            <a:lumMod val="25000"/>
+            <a:lumOff val="75000"/>
+          </a:schemeClr>
+        </a:solidFill>
+        <a:round/>
+      </a:ln>
+    </cs:spPr>
+    <cs:defRPr sz="900" kern="1200"/>
+  </cs:categoryAxis>
+  <cs:chartArea mods="allowNoFillOverride allowNoLineOverride">
+    <cs:lnRef idx="0"/>
+    <cs:fillRef idx="0"/>
+    <cs:effectRef idx="0"/>
+    <cs:fontRef idx="minor">
+      <a:schemeClr val="tx1"/>
+    </cs:fontRef>
+    <cs:spPr>
+      <a:solidFill>
+        <a:schemeClr val="bg1"/>
+      </a:solidFill>
+      <a:ln w="9525" cap="flat" cmpd="sng" algn="ctr">
+        <a:solidFill>
+          <a:schemeClr val="tx1">
+            <a:lumMod val="15000"/>
+            <a:lumOff val="85000"/>
+          </a:schemeClr>
+        </a:solidFill>
+        <a:round/>
+      </a:ln>
+    </cs:spPr>
+    <cs:defRPr sz="1000" kern="1200"/>
+  </cs:chartArea>
+  <cs:dataLabel>
+    <cs:lnRef idx="0"/>
+    <cs:fillRef idx="0"/>
+    <cs:effectRef idx="0"/>
+    <cs:fontRef idx="minor">
+      <a:schemeClr val="tx1">
+        <a:lumMod val="75000"/>
+        <a:lumOff val="25000"/>
+      </a:schemeClr>
+    </cs:fontRef>
+    <cs:defRPr sz="900" kern="1200"/>
+  </cs:dataLabel>
+  <cs:dataLabelCallout>
+    <cs:lnRef idx="0"/>
+    <cs:fillRef idx="0"/>
+    <cs:effectRef idx="0"/>
+    <cs:fontRef idx="minor">
+      <a:schemeClr val="dk1">
+        <a:lumMod val="65000"/>
+        <a:lumOff val="35000"/>
+      </a:schemeClr>
+    </cs:fontRef>
+    <cs:spPr>
+      <a:solidFill>
+        <a:schemeClr val="lt1"/>
+      </a:solidFill>
+      <a:ln>
+        <a:solidFill>
+          <a:schemeClr val="dk1">
+            <a:lumMod val="25000"/>
+            <a:lumOff val="75000"/>
+          </a:schemeClr>
+        </a:solidFill>
+      </a:ln>
+    </cs:spPr>
+    <cs:defRPr sz="900" kern="1200"/>
+    <cs:bodyPr rot="0" spcFirstLastPara="1" vertOverflow="clip" horzOverflow="clip" vert="horz" wrap="square" lIns="36576" tIns="18288" rIns="36576" bIns="18288" anchor="ctr" anchorCtr="1">
+      <a:spAutoFit/>
+    </cs:bodyPr>
+  </cs:dataLabelCallout>
+  <cs:dataPoint>
+    <cs:lnRef idx="0"/>
+    <cs:fillRef idx="1">
+      <cs:styleClr val="auto"/>
+    </cs:fillRef>
+    <cs:effectRef idx="0"/>
+    <cs:fontRef idx="minor">
+      <a:schemeClr val="tx1"/>
+    </cs:fontRef>
+  </cs:dataPoint>
+  <cs:dataPoint3D>
+    <cs:lnRef idx="0"/>
+    <cs:fillRef idx="1">
+      <cs:styleClr val="auto"/>
+    </cs:fillRef>
+    <cs:effectRef idx="0"/>
+    <cs:fontRef idx="minor">
+      <a:schemeClr val="tx1"/>
+    </cs:fontRef>
+  </cs:dataPoint3D>
+  <cs:dataPointLine>
+    <cs:lnRef idx="0">
+      <cs:styleClr val="auto"/>
+    </cs:lnRef>
+    <cs:fillRef idx="1"/>
+    <cs:effectRef idx="0"/>
+    <cs:fontRef idx="minor">
+      <a:schemeClr val="tx1"/>
+    </cs:fontRef>
+    <cs:spPr>
+      <a:ln w="19050" cap="rnd">
+        <a:solidFill>
+          <a:schemeClr val="phClr"/>
+        </a:solidFill>
+        <a:round/>
+      </a:ln>
+    </cs:spPr>
+  </cs:dataPointLine>
+  <cs:dataPointMarker>
+    <cs:lnRef idx="0">
+      <cs:styleClr val="auto"/>
+    </cs:lnRef>
+    <cs:fillRef idx="1">
+      <cs:styleClr val="auto"/>
+    </cs:fillRef>
+    <cs:effectRef idx="0"/>
+    <cs:fontRef idx="minor">
+      <a:schemeClr val="tx1"/>
+    </cs:fontRef>
+    <cs:spPr>
+      <a:ln w="9525">
+        <a:solidFill>
+          <a:schemeClr val="phClr"/>
+        </a:solidFill>
+      </a:ln>
+    </cs:spPr>
+  </cs:dataPointMarker>
+  <cs:dataPointMarkerLayout symbol="circle" size="5"/>
+  <cs:dataPointWireframe>
+    <cs:lnRef idx="0">
+      <cs:styleClr val="auto"/>
+    </cs:lnRef>
+    <cs:fillRef idx="0"/>
+    <cs:effectRef idx="0"/>
+    <cs:fontRef idx="minor">
+      <a:schemeClr val="dk1"/>
+    </cs:fontRef>
+    <cs:spPr>
+      <a:ln w="9525" cap="rnd">
+        <a:solidFill>
+          <a:schemeClr val="phClr"/>
+        </a:solidFill>
+        <a:round/>
+      </a:ln>
+    </cs:spPr>
+  </cs:dataPointWireframe>
+  <cs:dataTable>
+    <cs:lnRef idx="0"/>
+    <cs:fillRef idx="0"/>
+    <cs:effectRef idx="0"/>
+    <cs:fontRef idx="minor">
+      <a:schemeClr val="tx1">
+        <a:lumMod val="65000"/>
+        <a:lumOff val="35000"/>
+      </a:schemeClr>
+    </cs:fontRef>
+    <cs:spPr>
+      <a:noFill/>
+      <a:ln w="9525" cap="flat" cmpd="sng" algn="ctr">
+        <a:solidFill>
+          <a:schemeClr val="tx1">
+            <a:lumMod val="15000"/>
+            <a:lumOff val="85000"/>
+          </a:schemeClr>
+        </a:solidFill>
+        <a:round/>
+      </a:ln>
+    </cs:spPr>
+    <cs:defRPr sz="900" kern="1200"/>
+  </cs:dataTable>
+  <cs:downBar>
+    <cs:lnRef idx="0"/>
+    <cs:fillRef idx="0"/>
+    <cs:effectRef idx="0"/>
+    <cs:fontRef idx="minor">
+      <a:schemeClr val="tx1"/>
+    </cs:fontRef>
+    <cs:spPr>
+      <a:solidFill>
+        <a:schemeClr val="dk1">
+          <a:lumMod val="75000"/>
+          <a:lumOff val="25000"/>
+        </a:schemeClr>
+      </a:solidFill>
+      <a:ln w="9525" cap="flat" cmpd="sng" algn="ctr">
+        <a:solidFill>
+          <a:schemeClr val="tx1">
+            <a:lumMod val="65000"/>
+            <a:lumOff val="35000"/>
+          </a:schemeClr>
+        </a:solidFill>
+        <a:round/>
+      </a:ln>
+    </cs:spPr>
+  </cs:downBar>
+  <cs:dropLine>
+    <cs:lnRef idx="0"/>
+    <cs:fillRef idx="0"/>
+    <cs:effectRef idx="0"/>
+    <cs:fontRef idx="minor">
+      <a:schemeClr val="tx1"/>
+    </cs:fontRef>
+    <cs:spPr>
+      <a:ln w="9525" cap="flat" cmpd="sng" algn="ctr">
+        <a:solidFill>
+          <a:schemeClr val="tx1">
+            <a:lumMod val="35000"/>
+            <a:lumOff val="65000"/>
+          </a:schemeClr>
+        </a:solidFill>
+        <a:round/>
+      </a:ln>
+    </cs:spPr>
+  </cs:dropLine>
+  <cs:errorBar>
+    <cs:lnRef idx="0"/>
+    <cs:fillRef idx="0"/>
+    <cs:effectRef idx="0"/>
+    <cs:fontRef idx="minor">
+      <a:schemeClr val="tx1"/>
+    </cs:fontRef>
+    <cs:spPr>
+      <a:ln w="9525" cap="flat" cmpd="sng" algn="ctr">
+        <a:solidFill>
+          <a:schemeClr val="tx1">
+            <a:lumMod val="65000"/>
+            <a:lumOff val="35000"/>
+          </a:schemeClr>
+        </a:solidFill>
+        <a:round/>
+      </a:ln>
+    </cs:spPr>
+  </cs:errorBar>
+  <cs:floor>
+    <cs:lnRef idx="0"/>
+    <cs:fillRef idx="0"/>
+    <cs:effectRef idx="0"/>
+    <cs:fontRef idx="minor">
+      <a:schemeClr val="tx1"/>
+    </cs:fontRef>
+    <cs:spPr>
+      <a:noFill/>
+      <a:ln>
+        <a:noFill/>
+      </a:ln>
+    </cs:spPr>
+  </cs:floor>
+  <cs:gridlineMajor>
+    <cs:lnRef idx="0"/>
+    <cs:fillRef idx="0"/>
+    <cs:effectRef idx="0"/>
+    <cs:fontRef idx="minor">
+      <a:schemeClr val="tx1"/>
+    </cs:fontRef>
+    <cs:spPr>
+      <a:ln w="9525" cap="flat" cmpd="sng" algn="ctr">
+        <a:solidFill>
+          <a:schemeClr val="tx1">
+            <a:lumMod val="15000"/>
+            <a:lumOff val="85000"/>
+          </a:schemeClr>
+        </a:solidFill>
+        <a:round/>
+      </a:ln>
+    </cs:spPr>
+  </cs:gridlineMajor>
+  <cs:gridlineMinor>
+    <cs:lnRef idx="0"/>
+    <cs:fillRef idx="0"/>
+    <cs:effectRef idx="0"/>
+    <cs:fontRef idx="minor">
+      <a:schemeClr val="tx1"/>
+    </cs:fontRef>
+    <cs:spPr>
+      <a:ln w="9525" cap="flat" cmpd="sng" algn="ctr">
+        <a:solidFill>
+          <a:schemeClr val="tx1">
+            <a:lumMod val="5000"/>
+            <a:lumOff val="95000"/>
+          </a:schemeClr>
+        </a:solidFill>
+        <a:round/>
+      </a:ln>
+    </cs:spPr>
+  </cs:gridlineMinor>
+  <cs:hiLoLine>
+    <cs:lnRef idx="0"/>
+    <cs:fillRef idx="0"/>
+    <cs:effectRef idx="0"/>
+    <cs:fontRef idx="minor">
+      <a:schemeClr val="tx1"/>
+    </cs:fontRef>
+    <cs:spPr>
+      <a:ln w="9525" cap="flat" cmpd="sng" algn="ctr">
+        <a:solidFill>
+          <a:schemeClr val="tx1">
+            <a:lumMod val="50000"/>
+            <a:lumOff val="50000"/>
+          </a:schemeClr>
+        </a:solidFill>
+        <a:round/>
+      </a:ln>
+    </cs:spPr>
+  </cs:hiLoLine>
+  <cs:leaderLine>
+    <cs:lnRef idx="0"/>
+    <cs:fillRef idx="0"/>
+    <cs:effectRef idx="0"/>
+    <cs:fontRef idx="minor">
+      <a:schemeClr val="tx1"/>
+    </cs:fontRef>
+    <cs:spPr>
+      <a:ln w="9525" cap="flat" cmpd="sng" algn="ctr">
+        <a:solidFill>
+          <a:schemeClr val="tx1">
+            <a:lumMod val="35000"/>
+            <a:lumOff val="65000"/>
+          </a:schemeClr>
+        </a:solidFill>
+        <a:round/>
+      </a:ln>
+    </cs:spPr>
+  </cs:leaderLine>
+  <cs:legend>
+    <cs:lnRef idx="0"/>
+    <cs:fillRef idx="0"/>
+    <cs:effectRef idx="0"/>
+    <cs:fontRef idx="minor">
+      <a:schemeClr val="tx1">
+        <a:lumMod val="65000"/>
+        <a:lumOff val="35000"/>
+      </a:schemeClr>
+    </cs:fontRef>
+    <cs:defRPr sz="900" kern="1200"/>
+  </cs:legend>
+  <cs:plotArea mods="allowNoFillOverride allowNoLineOverride">
+    <cs:lnRef idx="0"/>
+    <cs:fillRef idx="0"/>
+    <cs:effectRef idx="0"/>
+    <cs:fontRef idx="minor">
+      <a:schemeClr val="tx1"/>
+    </cs:fontRef>
+  </cs:plotArea>
+  <cs:plotArea3D mods="allowNoFillOverride allowNoLineOverride">
+    <cs:lnRef idx="0"/>
+    <cs:fillRef idx="0"/>
+    <cs:effectRef idx="0"/>
+    <cs:fontRef idx="minor">
+      <a:schemeClr val="tx1"/>
+    </cs:fontRef>
+  </cs:plotArea3D>
+  <cs:seriesAxis>
+    <cs:lnRef idx="0"/>
+    <cs:fillRef idx="0"/>
+    <cs:effectRef idx="0"/>
+    <cs:fontRef idx="minor">
+      <a:schemeClr val="tx1">
+        <a:lumMod val="65000"/>
+        <a:lumOff val="35000"/>
+      </a:schemeClr>
+    </cs:fontRef>
+    <cs:defRPr sz="900" kern="1200"/>
+  </cs:seriesAxis>
+  <cs:seriesLine>
+    <cs:lnRef idx="0"/>
+    <cs:fillRef idx="0"/>
+    <cs:effectRef idx="0"/>
+    <cs:fontRef idx="minor">
+      <a:schemeClr val="tx1"/>
+    </cs:fontRef>
+    <cs:spPr>
+      <a:ln w="9525" cap="flat" cmpd="sng" algn="ctr">
+        <a:solidFill>
+          <a:schemeClr val="tx1">
+            <a:lumMod val="35000"/>
+            <a:lumOff val="65000"/>
+          </a:schemeClr>
+        </a:solidFill>
+        <a:round/>
+      </a:ln>
+    </cs:spPr>
+  </cs:seriesLine>
+  <cs:title>
+    <cs:lnRef idx="0"/>
+    <cs:fillRef idx="0"/>
+    <cs:effectRef idx="0"/>
+    <cs:fontRef idx="minor">
+      <a:schemeClr val="tx1">
+        <a:lumMod val="65000"/>
+        <a:lumOff val="35000"/>
+      </a:schemeClr>
+    </cs:fontRef>
+    <cs:defRPr sz="1400" b="0" kern="1200" spc="0" baseline="0"/>
+  </cs:title>
+  <cs:trendline>
+    <cs:lnRef idx="0">
+      <cs:styleClr val="auto"/>
+    </cs:lnRef>
+    <cs:fillRef idx="0"/>
+    <cs:effectRef idx="0"/>
+    <cs:fontRef idx="minor">
+      <a:schemeClr val="tx1"/>
+    </cs:fontRef>
+    <cs:spPr>
+      <a:ln w="19050" cap="rnd">
+        <a:solidFill>
+          <a:schemeClr val="phClr"/>
+        </a:solidFill>
+        <a:prstDash val="sysDot"/>
+      </a:ln>
+    </cs:spPr>
+  </cs:trendline>
+  <cs:trendlineLabel>
+    <cs:lnRef idx="0"/>
+    <cs:fillRef idx="0"/>
+    <cs:effectRef idx="0"/>
+    <cs:fontRef idx="minor">
+      <a:schemeClr val="tx1">
+        <a:lumMod val="65000"/>
+        <a:lumOff val="35000"/>
+      </a:schemeClr>
+    </cs:fontRef>
+    <cs:defRPr sz="900" kern="1200"/>
+  </cs:trendlineLabel>
+  <cs:upBar>
+    <cs:lnRef idx="0"/>
+    <cs:fillRef idx="0"/>
+    <cs:effectRef idx="0"/>
+    <cs:fontRef idx="minor">
+      <a:schemeClr val="tx1"/>
+    </cs:fontRef>
+    <cs:spPr>
+      <a:solidFill>
+        <a:schemeClr val="lt1"/>
+      </a:solidFill>
+      <a:ln w="9525" cap="flat" cmpd="sng" algn="ctr">
+        <a:solidFill>
+          <a:schemeClr val="tx1">
+            <a:lumMod val="65000"/>
+            <a:lumOff val="35000"/>
+          </a:schemeClr>
+        </a:solidFill>
+        <a:round/>
+      </a:ln>
+    </cs:spPr>
+  </cs:upBar>
+  <cs:valueAxis>
+    <cs:lnRef idx="0"/>
+    <cs:fillRef idx="0"/>
+    <cs:effectRef idx="0"/>
+    <cs:fontRef idx="minor">
+      <a:schemeClr val="tx1">
+        <a:lumMod val="65000"/>
+        <a:lumOff val="35000"/>
+      </a:schemeClr>
+    </cs:fontRef>
+    <cs:spPr>
+      <a:ln w="9525" cap="flat" cmpd="sng" algn="ctr">
+        <a:solidFill>
+          <a:schemeClr val="tx1">
+            <a:lumMod val="25000"/>
+            <a:lumOff val="75000"/>
+          </a:schemeClr>
+        </a:solidFill>
+        <a:round/>
+      </a:ln>
+    </cs:spPr>
+    <cs:defRPr sz="900" kern="1200"/>
+  </cs:valueAxis>
+  <cs:wall>
+    <cs:lnRef idx="0"/>
+    <cs:fillRef idx="0"/>
+    <cs:effectRef idx="0"/>
+    <cs:fontRef idx="minor">
+      <a:schemeClr val="tx1"/>
+    </cs:fontRef>
+    <cs:spPr>
+      <a:noFill/>
+      <a:ln>
+        <a:noFill/>
+      </a:ln>
+    </cs:spPr>
+  </cs:wall>
+</cs:chartStyle>
 </file>
 
 <file path=ppt/notesMasters/notesMaster1.xml><?xml version="1.0" encoding="utf-8"?>
@@ -2397,6 +3476,679 @@
       </p:sp>
       <p:sp>
         <p:nvSpPr>
+          <p:cNvPr id="3" name="Content Placeholder 2">
+            <a:extLst>
+              <a:ext uri="{FF2B5EF4-FFF2-40B4-BE49-F238E27FC236}">
+                <a16:creationId xmlns:a16="http://schemas.microsoft.com/office/drawing/2014/main" id="{B00B5046-B5DF-4F1A-AFA6-4A5FA79CAEFA}"/>
+              </a:ext>
+            </a:extLst>
+          </p:cNvPr>
+          <p:cNvSpPr>
+            <a:spLocks noGrp="1"/>
+          </p:cNvSpPr>
+          <p:nvPr>
+            <p:ph idx="1"/>
+          </p:nvPr>
+        </p:nvSpPr>
+        <p:spPr/>
+        <p:txBody>
+          <a:bodyPr/>
+          <a:lstStyle/>
+          <a:p>
+            <a:r>
+              <a:rPr lang="en-GB" dirty="0"/>
+              <a:t>Matrices can be joined along existing or new axes</a:t>
+            </a:r>
+          </a:p>
+          <a:p>
+            <a:pPr lvl="1"/>
+            <a:r>
+              <a:rPr lang="en-GB" dirty="0"/>
+              <a:t>Used to create higher dimensionalities than 2D</a:t>
+            </a:r>
+          </a:p>
+          <a:p>
+            <a:pPr lvl="1"/>
+            <a:endParaRPr lang="en-GB" sz="1200" dirty="0"/>
+          </a:p>
+          <a:p>
+            <a:r>
+              <a:rPr lang="en-GB" dirty="0"/>
+              <a:t>Using concatenation function</a:t>
+            </a:r>
+          </a:p>
+          <a:p>
+            <a:pPr lvl="1"/>
+            <a:r>
+              <a:rPr lang="en-GB" dirty="0"/>
+              <a:t>Create separate matrices, then join using </a:t>
+            </a:r>
+            <a:r>
+              <a:rPr lang="en-GB" i="1" dirty="0">
+                <a:solidFill>
+                  <a:schemeClr val="accent1"/>
+                </a:solidFill>
+              </a:rPr>
+              <a:t>cat</a:t>
+            </a:r>
+            <a:r>
+              <a:rPr lang="en-GB" dirty="0"/>
+              <a:t> function</a:t>
+            </a:r>
+          </a:p>
+          <a:p>
+            <a:pPr lvl="1"/>
+            <a:r>
+              <a:rPr lang="en-GB" dirty="0"/>
+              <a:t>First argument of </a:t>
+            </a:r>
+            <a:r>
+              <a:rPr lang="en-GB" i="1" dirty="0">
+                <a:solidFill>
+                  <a:schemeClr val="accent1"/>
+                </a:solidFill>
+              </a:rPr>
+              <a:t>cat</a:t>
+            </a:r>
+            <a:r>
+              <a:rPr lang="en-GB" dirty="0"/>
+              <a:t> specifies axis to concatenate along</a:t>
+            </a:r>
+          </a:p>
+          <a:p>
+            <a:pPr lvl="1"/>
+            <a:endParaRPr lang="en-GB" sz="1200" dirty="0"/>
+          </a:p>
+          <a:p>
+            <a:r>
+              <a:rPr lang="en-GB" dirty="0"/>
+              <a:t>By indexing</a:t>
+            </a:r>
+          </a:p>
+          <a:p>
+            <a:pPr lvl="1"/>
+            <a:r>
+              <a:rPr lang="en-GB" dirty="0"/>
+              <a:t>Create separate matrices, then merge one into the other</a:t>
+            </a:r>
+          </a:p>
+          <a:p>
+            <a:pPr lvl="1"/>
+            <a:r>
+              <a:rPr lang="en-GB" dirty="0"/>
+              <a:t>Not as simple to extend existing dimensions (</a:t>
+            </a:r>
+            <a:r>
+              <a:rPr lang="en-GB" i="1" dirty="0">
+                <a:solidFill>
+                  <a:schemeClr val="accent1"/>
+                </a:solidFill>
+              </a:rPr>
+              <a:t>cat</a:t>
+            </a:r>
+            <a:r>
+              <a:rPr lang="en-GB" dirty="0"/>
+              <a:t> is better)</a:t>
+            </a:r>
+          </a:p>
+          <a:p>
+            <a:pPr lvl="1"/>
+            <a:r>
+              <a:rPr lang="en-GB" dirty="0"/>
+              <a:t>We’ll look into indexing in more detail later on</a:t>
+            </a:r>
+          </a:p>
+        </p:txBody>
+      </p:sp>
+      <p:sp>
+        <p:nvSpPr>
+          <p:cNvPr id="18" name="Rectangle 17">
+            <a:extLst>
+              <a:ext uri="{FF2B5EF4-FFF2-40B4-BE49-F238E27FC236}">
+                <a16:creationId xmlns:a16="http://schemas.microsoft.com/office/drawing/2014/main" id="{DFD3422C-CF2F-475A-94EB-1CB488A2AEC9}"/>
+              </a:ext>
+            </a:extLst>
+          </p:cNvPr>
+          <p:cNvSpPr/>
+          <p:nvPr/>
+        </p:nvSpPr>
+        <p:spPr>
+          <a:xfrm>
+            <a:off x="335360" y="2362200"/>
+            <a:ext cx="11521280" cy="3763965"/>
+          </a:xfrm>
+          <a:prstGeom prst="rect">
+            <a:avLst/>
+          </a:prstGeom>
+          <a:solidFill>
+            <a:srgbClr val="FFFFFF">
+              <a:alpha val="89804"/>
+            </a:srgbClr>
+          </a:solidFill>
+          <a:ln>
+            <a:noFill/>
+          </a:ln>
+        </p:spPr>
+        <p:style>
+          <a:lnRef idx="2">
+            <a:schemeClr val="accent1">
+              <a:shade val="50000"/>
+            </a:schemeClr>
+          </a:lnRef>
+          <a:fillRef idx="1">
+            <a:schemeClr val="accent1"/>
+          </a:fillRef>
+          <a:effectRef idx="0">
+            <a:schemeClr val="accent1"/>
+          </a:effectRef>
+          <a:fontRef idx="minor">
+            <a:schemeClr val="lt1"/>
+          </a:fontRef>
+        </p:style>
+        <p:txBody>
+          <a:bodyPr rtlCol="0" anchor="ctr"/>
+          <a:lstStyle/>
+          <a:p>
+            <a:pPr algn="ctr"/>
+            <a:endParaRPr lang="en-GB"/>
+          </a:p>
+        </p:txBody>
+      </p:sp>
+    </p:spTree>
+    <p:extLst>
+      <p:ext uri="{BB962C8B-B14F-4D97-AF65-F5344CB8AC3E}">
+        <p14:creationId xmlns:p14="http://schemas.microsoft.com/office/powerpoint/2010/main" val="85447036"/>
+      </p:ext>
+    </p:extLst>
+  </p:cSld>
+  <p:clrMapOvr>
+    <a:masterClrMapping/>
+  </p:clrMapOvr>
+  <mc:AlternateContent xmlns:mc="http://schemas.openxmlformats.org/markup-compatibility/2006" xmlns:p14="http://schemas.microsoft.com/office/powerpoint/2010/main">
+    <mc:Choice Requires="p14">
+      <p:transition p14:dur="300">
+        <p:fade/>
+      </p:transition>
+    </mc:Choice>
+    <mc:Fallback xmlns="">
+      <p:transition>
+        <p:fade/>
+      </p:transition>
+    </mc:Fallback>
+  </mc:AlternateContent>
+</p:sld>
+</file>
+
+<file path=ppt/slides/slide11.xml><?xml version="1.0" encoding="utf-8"?>
+<p:sld xmlns:a="http://schemas.openxmlformats.org/drawingml/2006/main" xmlns:r="http://schemas.openxmlformats.org/officeDocument/2006/relationships" xmlns:p="http://schemas.openxmlformats.org/presentationml/2006/main">
+  <p:cSld>
+    <p:spTree>
+      <p:nvGrpSpPr>
+        <p:cNvPr id="1" name=""/>
+        <p:cNvGrpSpPr/>
+        <p:nvPr/>
+      </p:nvGrpSpPr>
+      <p:grpSpPr>
+        <a:xfrm>
+          <a:off x="0" y="0"/>
+          <a:ext cx="0" cy="0"/>
+          <a:chOff x="0" y="0"/>
+          <a:chExt cx="0" cy="0"/>
+        </a:xfrm>
+      </p:grpSpPr>
+      <p:sp>
+        <p:nvSpPr>
+          <p:cNvPr id="2" name="Title 1">
+            <a:extLst>
+              <a:ext uri="{FF2B5EF4-FFF2-40B4-BE49-F238E27FC236}">
+                <a16:creationId xmlns:a16="http://schemas.microsoft.com/office/drawing/2014/main" id="{8B0C5865-E132-43F0-814F-C61B94E5671C}"/>
+              </a:ext>
+            </a:extLst>
+          </p:cNvPr>
+          <p:cNvSpPr>
+            <a:spLocks noGrp="1"/>
+          </p:cNvSpPr>
+          <p:nvPr>
+            <p:ph type="title"/>
+          </p:nvPr>
+        </p:nvSpPr>
+        <p:spPr/>
+        <p:txBody>
+          <a:bodyPr/>
+          <a:lstStyle/>
+          <a:p>
+            <a:r>
+              <a:rPr lang="en-GB" dirty="0"/>
+              <a:t>Combining matrices</a:t>
+            </a:r>
+          </a:p>
+        </p:txBody>
+      </p:sp>
+      <p:sp>
+        <p:nvSpPr>
+          <p:cNvPr id="3" name="Content Placeholder 2">
+            <a:extLst>
+              <a:ext uri="{FF2B5EF4-FFF2-40B4-BE49-F238E27FC236}">
+                <a16:creationId xmlns:a16="http://schemas.microsoft.com/office/drawing/2014/main" id="{B00B5046-B5DF-4F1A-AFA6-4A5FA79CAEFA}"/>
+              </a:ext>
+            </a:extLst>
+          </p:cNvPr>
+          <p:cNvSpPr>
+            <a:spLocks noGrp="1"/>
+          </p:cNvSpPr>
+          <p:nvPr>
+            <p:ph idx="1"/>
+          </p:nvPr>
+        </p:nvSpPr>
+        <p:spPr/>
+        <p:txBody>
+          <a:bodyPr/>
+          <a:lstStyle/>
+          <a:p>
+            <a:r>
+              <a:rPr lang="en-GB" dirty="0"/>
+              <a:t>Matrices can be joined along existing or new axes</a:t>
+            </a:r>
+          </a:p>
+          <a:p>
+            <a:pPr lvl="1"/>
+            <a:r>
+              <a:rPr lang="en-GB" dirty="0"/>
+              <a:t>Used to create higher dimensionalities than 2D</a:t>
+            </a:r>
+          </a:p>
+          <a:p>
+            <a:pPr lvl="1"/>
+            <a:endParaRPr lang="en-GB" sz="1200" dirty="0"/>
+          </a:p>
+          <a:p>
+            <a:r>
+              <a:rPr lang="en-GB" dirty="0"/>
+              <a:t>Using concatenation function</a:t>
+            </a:r>
+          </a:p>
+          <a:p>
+            <a:pPr lvl="1"/>
+            <a:r>
+              <a:rPr lang="en-GB" dirty="0"/>
+              <a:t>Create separate matrices, then join using </a:t>
+            </a:r>
+            <a:r>
+              <a:rPr lang="en-GB" i="1" dirty="0">
+                <a:solidFill>
+                  <a:schemeClr val="accent1"/>
+                </a:solidFill>
+              </a:rPr>
+              <a:t>cat</a:t>
+            </a:r>
+            <a:r>
+              <a:rPr lang="en-GB" dirty="0"/>
+              <a:t> function</a:t>
+            </a:r>
+          </a:p>
+          <a:p>
+            <a:pPr lvl="1"/>
+            <a:r>
+              <a:rPr lang="en-GB" dirty="0"/>
+              <a:t>First argument of </a:t>
+            </a:r>
+            <a:r>
+              <a:rPr lang="en-GB" i="1" dirty="0">
+                <a:solidFill>
+                  <a:schemeClr val="accent1"/>
+                </a:solidFill>
+              </a:rPr>
+              <a:t>cat</a:t>
+            </a:r>
+            <a:r>
+              <a:rPr lang="en-GB" dirty="0"/>
+              <a:t> specifies axis to concatenate along</a:t>
+            </a:r>
+          </a:p>
+          <a:p>
+            <a:pPr lvl="1"/>
+            <a:endParaRPr lang="en-GB" sz="1200" dirty="0"/>
+          </a:p>
+          <a:p>
+            <a:r>
+              <a:rPr lang="en-GB" dirty="0"/>
+              <a:t>By indexing</a:t>
+            </a:r>
+          </a:p>
+          <a:p>
+            <a:pPr lvl="1"/>
+            <a:r>
+              <a:rPr lang="en-GB" dirty="0"/>
+              <a:t>Create separate matrices, then merge one into the other</a:t>
+            </a:r>
+          </a:p>
+          <a:p>
+            <a:pPr lvl="1"/>
+            <a:r>
+              <a:rPr lang="en-GB" dirty="0"/>
+              <a:t>Not as simple to extend existing dimensions (</a:t>
+            </a:r>
+            <a:r>
+              <a:rPr lang="en-GB" i="1" dirty="0">
+                <a:solidFill>
+                  <a:schemeClr val="accent1"/>
+                </a:solidFill>
+              </a:rPr>
+              <a:t>cat</a:t>
+            </a:r>
+            <a:r>
+              <a:rPr lang="en-GB" dirty="0"/>
+              <a:t> is better)</a:t>
+            </a:r>
+          </a:p>
+          <a:p>
+            <a:pPr lvl="1"/>
+            <a:r>
+              <a:rPr lang="en-GB" dirty="0"/>
+              <a:t>We’ll look into indexing in more detail later on</a:t>
+            </a:r>
+          </a:p>
+        </p:txBody>
+      </p:sp>
+      <p:sp>
+        <p:nvSpPr>
+          <p:cNvPr id="18" name="Rectangle 17">
+            <a:extLst>
+              <a:ext uri="{FF2B5EF4-FFF2-40B4-BE49-F238E27FC236}">
+                <a16:creationId xmlns:a16="http://schemas.microsoft.com/office/drawing/2014/main" id="{DFD3422C-CF2F-475A-94EB-1CB488A2AEC9}"/>
+              </a:ext>
+            </a:extLst>
+          </p:cNvPr>
+          <p:cNvSpPr/>
+          <p:nvPr/>
+        </p:nvSpPr>
+        <p:spPr>
+          <a:xfrm>
+            <a:off x="335360" y="3857297"/>
+            <a:ext cx="11521280" cy="2268868"/>
+          </a:xfrm>
+          <a:prstGeom prst="rect">
+            <a:avLst/>
+          </a:prstGeom>
+          <a:solidFill>
+            <a:srgbClr val="FFFFFF">
+              <a:alpha val="89804"/>
+            </a:srgbClr>
+          </a:solidFill>
+          <a:ln>
+            <a:noFill/>
+          </a:ln>
+        </p:spPr>
+        <p:style>
+          <a:lnRef idx="2">
+            <a:schemeClr val="accent1">
+              <a:shade val="50000"/>
+            </a:schemeClr>
+          </a:lnRef>
+          <a:fillRef idx="1">
+            <a:schemeClr val="accent1"/>
+          </a:fillRef>
+          <a:effectRef idx="0">
+            <a:schemeClr val="accent1"/>
+          </a:effectRef>
+          <a:fontRef idx="minor">
+            <a:schemeClr val="lt1"/>
+          </a:fontRef>
+        </p:style>
+        <p:txBody>
+          <a:bodyPr rtlCol="0" anchor="ctr"/>
+          <a:lstStyle/>
+          <a:p>
+            <a:pPr algn="ctr"/>
+            <a:endParaRPr lang="en-GB"/>
+          </a:p>
+        </p:txBody>
+      </p:sp>
+      <p:pic>
+        <p:nvPicPr>
+          <p:cNvPr id="4" name="Picture 3">
+            <a:extLst>
+              <a:ext uri="{FF2B5EF4-FFF2-40B4-BE49-F238E27FC236}">
+                <a16:creationId xmlns:a16="http://schemas.microsoft.com/office/drawing/2014/main" id="{875DBF88-9070-480B-A837-4C932A17F4C4}"/>
+              </a:ext>
+            </a:extLst>
+          </p:cNvPr>
+          <p:cNvPicPr>
+            <a:picLocks noChangeAspect="1"/>
+          </p:cNvPicPr>
+          <p:nvPr/>
+        </p:nvPicPr>
+        <p:blipFill>
+          <a:blip r:embed="rId2"/>
+          <a:stretch>
+            <a:fillRect/>
+          </a:stretch>
+        </p:blipFill>
+        <p:spPr>
+          <a:xfrm>
+            <a:off x="8533962" y="1344158"/>
+            <a:ext cx="2804160" cy="4696968"/>
+          </a:xfrm>
+          <a:prstGeom prst="rect">
+            <a:avLst/>
+          </a:prstGeom>
+          <a:ln w="12700">
+            <a:solidFill>
+              <a:srgbClr val="BF2F37"/>
+            </a:solidFill>
+          </a:ln>
+        </p:spPr>
+      </p:pic>
+      <p:sp>
+        <p:nvSpPr>
+          <p:cNvPr id="9" name="Rectangle 8">
+            <a:extLst>
+              <a:ext uri="{FF2B5EF4-FFF2-40B4-BE49-F238E27FC236}">
+                <a16:creationId xmlns:a16="http://schemas.microsoft.com/office/drawing/2014/main" id="{43AEC3F5-97E9-4E72-A151-AB0ABA786691}"/>
+              </a:ext>
+            </a:extLst>
+          </p:cNvPr>
+          <p:cNvSpPr/>
+          <p:nvPr/>
+        </p:nvSpPr>
+        <p:spPr>
+          <a:xfrm>
+            <a:off x="8903585" y="3444875"/>
+            <a:ext cx="2097790" cy="183371"/>
+          </a:xfrm>
+          <a:prstGeom prst="rect">
+            <a:avLst/>
+          </a:prstGeom>
+          <a:noFill/>
+          <a:ln>
+            <a:solidFill>
+              <a:srgbClr val="FF0000"/>
+            </a:solidFill>
+          </a:ln>
+        </p:spPr>
+        <p:style>
+          <a:lnRef idx="2">
+            <a:schemeClr val="accent1">
+              <a:shade val="50000"/>
+            </a:schemeClr>
+          </a:lnRef>
+          <a:fillRef idx="1">
+            <a:schemeClr val="accent1"/>
+          </a:fillRef>
+          <a:effectRef idx="0">
+            <a:schemeClr val="accent1"/>
+          </a:effectRef>
+          <a:fontRef idx="minor">
+            <a:schemeClr val="lt1"/>
+          </a:fontRef>
+        </p:style>
+        <p:txBody>
+          <a:bodyPr rtlCol="0" anchor="ctr"/>
+          <a:lstStyle/>
+          <a:p>
+            <a:pPr algn="ctr"/>
+            <a:endParaRPr lang="en-GB"/>
+          </a:p>
+        </p:txBody>
+      </p:sp>
+    </p:spTree>
+    <p:extLst>
+      <p:ext uri="{BB962C8B-B14F-4D97-AF65-F5344CB8AC3E}">
+        <p14:creationId xmlns:p14="http://schemas.microsoft.com/office/powerpoint/2010/main" val="3644646552"/>
+      </p:ext>
+    </p:extLst>
+  </p:cSld>
+  <p:clrMapOvr>
+    <a:masterClrMapping/>
+  </p:clrMapOvr>
+  <mc:AlternateContent xmlns:mc="http://schemas.openxmlformats.org/markup-compatibility/2006" xmlns:p14="http://schemas.microsoft.com/office/powerpoint/2010/main">
+    <mc:Choice Requires="p14">
+      <p:transition p14:dur="300">
+        <p:fade/>
+      </p:transition>
+    </mc:Choice>
+    <mc:Fallback xmlns="">
+      <p:transition>
+        <p:fade/>
+      </p:transition>
+    </mc:Fallback>
+  </mc:AlternateContent>
+  <p:timing>
+    <p:tnLst>
+      <p:par>
+        <p:cTn id="1" dur="indefinite" restart="never" nodeType="tmRoot">
+          <p:childTnLst>
+            <p:seq concurrent="1" nextAc="seek">
+              <p:cTn id="2" dur="indefinite" nodeType="mainSeq">
+                <p:childTnLst>
+                  <p:par>
+                    <p:cTn id="3" fill="hold">
+                      <p:stCondLst>
+                        <p:cond delay="indefinite"/>
+                      </p:stCondLst>
+                      <p:childTnLst>
+                        <p:par>
+                          <p:cTn id="4" fill="hold">
+                            <p:stCondLst>
+                              <p:cond delay="0"/>
+                            </p:stCondLst>
+                            <p:childTnLst>
+                              <p:par>
+                                <p:cTn id="5" presetID="10" presetClass="entr" presetSubtype="0" fill="hold" grpId="0" nodeType="clickEffect">
+                                  <p:stCondLst>
+                                    <p:cond delay="0"/>
+                                  </p:stCondLst>
+                                  <p:childTnLst>
+                                    <p:set>
+                                      <p:cBhvr>
+                                        <p:cTn id="6" dur="1" fill="hold">
+                                          <p:stCondLst>
+                                            <p:cond delay="0"/>
+                                          </p:stCondLst>
+                                        </p:cTn>
+                                        <p:tgtEl>
+                                          <p:spTgt spid="9"/>
+                                        </p:tgtEl>
+                                        <p:attrNameLst>
+                                          <p:attrName>style.visibility</p:attrName>
+                                        </p:attrNameLst>
+                                      </p:cBhvr>
+                                      <p:to>
+                                        <p:strVal val="visible"/>
+                                      </p:to>
+                                    </p:set>
+                                    <p:animEffect transition="in" filter="fade">
+                                      <p:cBhvr>
+                                        <p:cTn id="7" dur="300"/>
+                                        <p:tgtEl>
+                                          <p:spTgt spid="9"/>
+                                        </p:tgtEl>
+                                      </p:cBhvr>
+                                    </p:animEffect>
+                                  </p:childTnLst>
+                                </p:cTn>
+                              </p:par>
+                            </p:childTnLst>
+                          </p:cTn>
+                        </p:par>
+                      </p:childTnLst>
+                    </p:cTn>
+                  </p:par>
+                </p:childTnLst>
+              </p:cTn>
+              <p:prevCondLst>
+                <p:cond evt="onPrev" delay="0">
+                  <p:tgtEl>
+                    <p:sldTgt/>
+                  </p:tgtEl>
+                </p:cond>
+              </p:prevCondLst>
+              <p:nextCondLst>
+                <p:cond evt="onNext" delay="0">
+                  <p:tgtEl>
+                    <p:sldTgt/>
+                  </p:tgtEl>
+                </p:cond>
+              </p:nextCondLst>
+            </p:seq>
+          </p:childTnLst>
+        </p:cTn>
+      </p:par>
+    </p:tnLst>
+    <p:bldLst>
+      <p:bldP spid="9" grpId="0" animBg="1"/>
+    </p:bldLst>
+  </p:timing>
+</p:sld>
+</file>
+
+<file path=ppt/slides/slide12.xml><?xml version="1.0" encoding="utf-8"?>
+<p:sld xmlns:a="http://schemas.openxmlformats.org/drawingml/2006/main" xmlns:r="http://schemas.openxmlformats.org/officeDocument/2006/relationships" xmlns:p="http://schemas.openxmlformats.org/presentationml/2006/main">
+  <p:cSld>
+    <p:spTree>
+      <p:nvGrpSpPr>
+        <p:cNvPr id="1" name=""/>
+        <p:cNvGrpSpPr/>
+        <p:nvPr/>
+      </p:nvGrpSpPr>
+      <p:grpSpPr>
+        <a:xfrm>
+          <a:off x="0" y="0"/>
+          <a:ext cx="0" cy="0"/>
+          <a:chOff x="0" y="0"/>
+          <a:chExt cx="0" cy="0"/>
+        </a:xfrm>
+      </p:grpSpPr>
+      <p:sp>
+        <p:nvSpPr>
+          <p:cNvPr id="2" name="Title 1">
+            <a:extLst>
+              <a:ext uri="{FF2B5EF4-FFF2-40B4-BE49-F238E27FC236}">
+                <a16:creationId xmlns:a16="http://schemas.microsoft.com/office/drawing/2014/main" id="{8B0C5865-E132-43F0-814F-C61B94E5671C}"/>
+              </a:ext>
+            </a:extLst>
+          </p:cNvPr>
+          <p:cNvSpPr>
+            <a:spLocks noGrp="1"/>
+          </p:cNvSpPr>
+          <p:nvPr>
+            <p:ph type="title"/>
+          </p:nvPr>
+        </p:nvSpPr>
+        <p:spPr/>
+        <p:txBody>
+          <a:bodyPr/>
+          <a:lstStyle/>
+          <a:p>
+            <a:r>
+              <a:rPr lang="en-GB" dirty="0"/>
+              <a:t>Combining matrices</a:t>
+            </a:r>
+          </a:p>
+        </p:txBody>
+      </p:sp>
+      <p:sp>
+        <p:nvSpPr>
           <p:cNvPr id="15" name="Content Placeholder 2">
             <a:extLst>
               <a:ext uri="{FF2B5EF4-FFF2-40B4-BE49-F238E27FC236}">
@@ -3268,7 +5020,7 @@
 </p:sld>
 </file>
 
-<file path=ppt/slides/slide11.xml><?xml version="1.0" encoding="utf-8"?>
+<file path=ppt/slides/slide13.xml><?xml version="1.0" encoding="utf-8"?>
 <p:sld xmlns:a="http://schemas.openxmlformats.org/drawingml/2006/main" xmlns:r="http://schemas.openxmlformats.org/officeDocument/2006/relationships" xmlns:p="http://schemas.openxmlformats.org/presentationml/2006/main">
   <p:cSld>
     <p:spTree>
@@ -3428,13 +5180,6 @@
             <a:r>
               <a:rPr lang="en-GB" dirty="0"/>
               <a:t> is better)</a:t>
-            </a:r>
-          </a:p>
-          <a:p>
-            <a:pPr lvl="1"/>
-            <a:r>
-              <a:rPr lang="en-GB" dirty="0"/>
-              <a:t>We’ll look into indexing in more detail later on</a:t>
             </a:r>
           </a:p>
         </p:txBody>
@@ -3921,7 +5666,7 @@
 </p:sld>
 </file>
 
-<file path=ppt/slides/slide12.xml><?xml version="1.0" encoding="utf-8"?>
+<file path=ppt/slides/slide14.xml><?xml version="1.0" encoding="utf-8"?>
 <p:sld xmlns:a="http://schemas.openxmlformats.org/drawingml/2006/main" xmlns:r="http://schemas.openxmlformats.org/officeDocument/2006/relationships" xmlns:p="http://schemas.openxmlformats.org/presentationml/2006/main">
   <p:cSld>
     <p:spTree>
@@ -4008,30 +5753,604 @@
             <a:pPr lvl="1"/>
             <a:r>
               <a:rPr lang="en-GB" dirty="0"/>
-              <a:t>N arguments, each specifying a new axis</a:t>
+              <a:t>This </a:t>
+            </a:r>
+            <a:r>
+              <a:rPr lang="en-GB" dirty="0" err="1"/>
+              <a:t>preallocates</a:t>
+            </a:r>
+            <a:r>
+              <a:rPr lang="en-GB" dirty="0"/>
+              <a:t> the necessary memory</a:t>
+            </a:r>
+          </a:p>
+        </p:txBody>
+      </p:sp>
+      <p:sp>
+        <p:nvSpPr>
+          <p:cNvPr id="11" name="Content Placeholder 2">
+            <a:extLst>
+              <a:ext uri="{FF2B5EF4-FFF2-40B4-BE49-F238E27FC236}">
+                <a16:creationId xmlns:a16="http://schemas.microsoft.com/office/drawing/2014/main" id="{23091F68-8DDC-4B9D-BA68-4C7E3CE70A7E}"/>
+              </a:ext>
+            </a:extLst>
+          </p:cNvPr>
+          <p:cNvSpPr txBox="1">
+            <a:spLocks/>
+          </p:cNvSpPr>
+          <p:nvPr/>
+        </p:nvSpPr>
+        <p:spPr>
+          <a:xfrm>
+            <a:off x="335359" y="2357905"/>
+            <a:ext cx="3841200" cy="1878217"/>
+          </a:xfrm>
+          <a:prstGeom prst="rect">
+            <a:avLst/>
+          </a:prstGeom>
+        </p:spPr>
+        <p:txBody>
+          <a:bodyPr/>
+          <a:lstStyle>
+            <a:lvl1pPr marL="342900" indent="-342900" algn="l" rtl="0" eaLnBrk="1" fontAlgn="base" hangingPunct="1">
+              <a:spcBef>
+                <a:spcPct val="20000"/>
+              </a:spcBef>
+              <a:spcAft>
+                <a:spcPct val="0"/>
+              </a:spcAft>
+              <a:buFont typeface="Arial" panose="020B0604020202020204" pitchFamily="34" charset="0"/>
+              <a:buChar char="•"/>
+              <a:defRPr sz="2800" kern="1200">
+                <a:solidFill>
+                  <a:schemeClr val="tx1"/>
+                </a:solidFill>
+                <a:latin typeface="+mn-lt"/>
+                <a:ea typeface="+mn-ea"/>
+                <a:cs typeface="+mn-cs"/>
+              </a:defRPr>
+            </a:lvl1pPr>
+            <a:lvl2pPr marL="742950" indent="-285750" algn="l" rtl="0" eaLnBrk="1" fontAlgn="base" hangingPunct="1">
+              <a:spcBef>
+                <a:spcPct val="20000"/>
+              </a:spcBef>
+              <a:spcAft>
+                <a:spcPct val="0"/>
+              </a:spcAft>
+              <a:buFont typeface="Arial" panose="020B0604020202020204" pitchFamily="34" charset="0"/>
+              <a:buChar char="•"/>
+              <a:defRPr sz="2400" kern="1200">
+                <a:solidFill>
+                  <a:srgbClr val="BF2F37"/>
+                </a:solidFill>
+                <a:latin typeface="+mn-lt"/>
+                <a:ea typeface="+mn-ea"/>
+                <a:cs typeface="+mn-cs"/>
+              </a:defRPr>
+            </a:lvl2pPr>
+            <a:lvl3pPr marL="1143000" indent="-228600" algn="l" rtl="0" eaLnBrk="1" fontAlgn="base" hangingPunct="1">
+              <a:spcBef>
+                <a:spcPct val="20000"/>
+              </a:spcBef>
+              <a:spcAft>
+                <a:spcPct val="0"/>
+              </a:spcAft>
+              <a:buFont typeface="Arial" panose="020B0604020202020204" pitchFamily="34" charset="0"/>
+              <a:buChar char="•"/>
+              <a:defRPr sz="2000" kern="1200">
+                <a:solidFill>
+                  <a:schemeClr val="tx1"/>
+                </a:solidFill>
+                <a:latin typeface="+mn-lt"/>
+                <a:ea typeface="+mn-ea"/>
+                <a:cs typeface="+mn-cs"/>
+              </a:defRPr>
+            </a:lvl3pPr>
+            <a:lvl4pPr marL="1600200" indent="-228600" algn="l" rtl="0" eaLnBrk="1" fontAlgn="base" hangingPunct="1">
+              <a:spcBef>
+                <a:spcPct val="20000"/>
+              </a:spcBef>
+              <a:spcAft>
+                <a:spcPct val="0"/>
+              </a:spcAft>
+              <a:buFont typeface="Arial" panose="020B0604020202020204" pitchFamily="34" charset="0"/>
+              <a:buChar char="–"/>
+              <a:defRPr sz="1800" kern="1200">
+                <a:solidFill>
+                  <a:schemeClr val="tx1"/>
+                </a:solidFill>
+                <a:latin typeface="+mn-lt"/>
+                <a:ea typeface="+mn-ea"/>
+                <a:cs typeface="+mn-cs"/>
+              </a:defRPr>
+            </a:lvl4pPr>
+            <a:lvl5pPr marL="2057400" indent="-228600" algn="l" rtl="0" eaLnBrk="1" fontAlgn="base" hangingPunct="1">
+              <a:spcBef>
+                <a:spcPct val="20000"/>
+              </a:spcBef>
+              <a:spcAft>
+                <a:spcPct val="0"/>
+              </a:spcAft>
+              <a:buFont typeface="Arial" pitchFamily="34" charset="0"/>
+              <a:buChar char="­"/>
+              <a:defRPr sz="1800" kern="1200">
+                <a:solidFill>
+                  <a:schemeClr val="tx1"/>
+                </a:solidFill>
+                <a:latin typeface="+mn-lt"/>
+                <a:ea typeface="+mn-ea"/>
+                <a:cs typeface="+mn-cs"/>
+              </a:defRPr>
+            </a:lvl5pPr>
+            <a:lvl6pPr marL="2514600" indent="-228600" algn="l" defTabSz="914400" rtl="0" eaLnBrk="1" latinLnBrk="0" hangingPunct="1">
+              <a:spcBef>
+                <a:spcPct val="20000"/>
+              </a:spcBef>
+              <a:buFont typeface="Arial" pitchFamily="34" charset="0"/>
+              <a:buChar char="•"/>
+              <a:defRPr sz="2000" kern="1200">
+                <a:solidFill>
+                  <a:schemeClr val="tx1"/>
+                </a:solidFill>
+                <a:latin typeface="+mn-lt"/>
+                <a:ea typeface="+mn-ea"/>
+                <a:cs typeface="+mn-cs"/>
+              </a:defRPr>
+            </a:lvl6pPr>
+            <a:lvl7pPr marL="2971800" indent="-228600" algn="l" defTabSz="914400" rtl="0" eaLnBrk="1" latinLnBrk="0" hangingPunct="1">
+              <a:spcBef>
+                <a:spcPct val="20000"/>
+              </a:spcBef>
+              <a:buFont typeface="Arial" pitchFamily="34" charset="0"/>
+              <a:buChar char="•"/>
+              <a:defRPr sz="2000" kern="1200">
+                <a:solidFill>
+                  <a:schemeClr val="tx1"/>
+                </a:solidFill>
+                <a:latin typeface="+mn-lt"/>
+                <a:ea typeface="+mn-ea"/>
+                <a:cs typeface="+mn-cs"/>
+              </a:defRPr>
+            </a:lvl7pPr>
+            <a:lvl8pPr marL="3429000" indent="-228600" algn="l" defTabSz="914400" rtl="0" eaLnBrk="1" latinLnBrk="0" hangingPunct="1">
+              <a:spcBef>
+                <a:spcPct val="20000"/>
+              </a:spcBef>
+              <a:buFont typeface="Arial" pitchFamily="34" charset="0"/>
+              <a:buChar char="•"/>
+              <a:defRPr sz="2000" kern="1200">
+                <a:solidFill>
+                  <a:schemeClr val="tx1"/>
+                </a:solidFill>
+                <a:latin typeface="+mn-lt"/>
+                <a:ea typeface="+mn-ea"/>
+                <a:cs typeface="+mn-cs"/>
+              </a:defRPr>
+            </a:lvl8pPr>
+            <a:lvl9pPr marL="3886200" indent="-228600" algn="l" defTabSz="914400" rtl="0" eaLnBrk="1" latinLnBrk="0" hangingPunct="1">
+              <a:spcBef>
+                <a:spcPct val="20000"/>
+              </a:spcBef>
+              <a:buFont typeface="Arial" pitchFamily="34" charset="0"/>
+              <a:buChar char="•"/>
+              <a:defRPr sz="2000" kern="1200">
+                <a:solidFill>
+                  <a:schemeClr val="tx1"/>
+                </a:solidFill>
+                <a:latin typeface="+mn-lt"/>
+                <a:ea typeface="+mn-ea"/>
+                <a:cs typeface="+mn-cs"/>
+              </a:defRPr>
+            </a:lvl9pPr>
+          </a:lstStyle>
+          <a:p>
+            <a:r>
+              <a:rPr lang="en-GB" dirty="0"/>
+              <a:t>1D (</a:t>
+            </a:r>
+            <a:r>
+              <a:rPr lang="en-GB" dirty="0" err="1"/>
+              <a:t>ish</a:t>
+            </a:r>
+            <a:r>
+              <a:rPr lang="en-GB" dirty="0"/>
+              <a:t>)</a:t>
+            </a:r>
+          </a:p>
+        </p:txBody>
+      </p:sp>
+      <p:sp>
+        <p:nvSpPr>
+          <p:cNvPr id="12" name="Content Placeholder 2">
+            <a:extLst>
+              <a:ext uri="{FF2B5EF4-FFF2-40B4-BE49-F238E27FC236}">
+                <a16:creationId xmlns:a16="http://schemas.microsoft.com/office/drawing/2014/main" id="{29C7E189-4173-447C-A12F-1270BECE44AA}"/>
+              </a:ext>
+            </a:extLst>
+          </p:cNvPr>
+          <p:cNvSpPr txBox="1">
+            <a:spLocks/>
+          </p:cNvSpPr>
+          <p:nvPr/>
+        </p:nvSpPr>
+        <p:spPr>
+          <a:xfrm>
+            <a:off x="4176560" y="2357908"/>
+            <a:ext cx="3841200" cy="1878217"/>
+          </a:xfrm>
+          <a:prstGeom prst="rect">
+            <a:avLst/>
+          </a:prstGeom>
+        </p:spPr>
+        <p:txBody>
+          <a:bodyPr/>
+          <a:lstStyle>
+            <a:lvl1pPr marL="342900" indent="-342900" algn="l" rtl="0" eaLnBrk="1" fontAlgn="base" hangingPunct="1">
+              <a:spcBef>
+                <a:spcPct val="20000"/>
+              </a:spcBef>
+              <a:spcAft>
+                <a:spcPct val="0"/>
+              </a:spcAft>
+              <a:buFont typeface="Arial" panose="020B0604020202020204" pitchFamily="34" charset="0"/>
+              <a:buChar char="•"/>
+              <a:defRPr sz="2800" kern="1200">
+                <a:solidFill>
+                  <a:schemeClr val="tx1"/>
+                </a:solidFill>
+                <a:latin typeface="+mn-lt"/>
+                <a:ea typeface="+mn-ea"/>
+                <a:cs typeface="+mn-cs"/>
+              </a:defRPr>
+            </a:lvl1pPr>
+            <a:lvl2pPr marL="742950" indent="-285750" algn="l" rtl="0" eaLnBrk="1" fontAlgn="base" hangingPunct="1">
+              <a:spcBef>
+                <a:spcPct val="20000"/>
+              </a:spcBef>
+              <a:spcAft>
+                <a:spcPct val="0"/>
+              </a:spcAft>
+              <a:buFont typeface="Arial" panose="020B0604020202020204" pitchFamily="34" charset="0"/>
+              <a:buChar char="•"/>
+              <a:defRPr sz="2400" kern="1200">
+                <a:solidFill>
+                  <a:srgbClr val="BF2F37"/>
+                </a:solidFill>
+                <a:latin typeface="+mn-lt"/>
+                <a:ea typeface="+mn-ea"/>
+                <a:cs typeface="+mn-cs"/>
+              </a:defRPr>
+            </a:lvl2pPr>
+            <a:lvl3pPr marL="1143000" indent="-228600" algn="l" rtl="0" eaLnBrk="1" fontAlgn="base" hangingPunct="1">
+              <a:spcBef>
+                <a:spcPct val="20000"/>
+              </a:spcBef>
+              <a:spcAft>
+                <a:spcPct val="0"/>
+              </a:spcAft>
+              <a:buFont typeface="Arial" panose="020B0604020202020204" pitchFamily="34" charset="0"/>
+              <a:buChar char="•"/>
+              <a:defRPr sz="2000" kern="1200">
+                <a:solidFill>
+                  <a:schemeClr val="tx1"/>
+                </a:solidFill>
+                <a:latin typeface="+mn-lt"/>
+                <a:ea typeface="+mn-ea"/>
+                <a:cs typeface="+mn-cs"/>
+              </a:defRPr>
+            </a:lvl3pPr>
+            <a:lvl4pPr marL="1600200" indent="-228600" algn="l" rtl="0" eaLnBrk="1" fontAlgn="base" hangingPunct="1">
+              <a:spcBef>
+                <a:spcPct val="20000"/>
+              </a:spcBef>
+              <a:spcAft>
+                <a:spcPct val="0"/>
+              </a:spcAft>
+              <a:buFont typeface="Arial" panose="020B0604020202020204" pitchFamily="34" charset="0"/>
+              <a:buChar char="–"/>
+              <a:defRPr sz="1800" kern="1200">
+                <a:solidFill>
+                  <a:schemeClr val="tx1"/>
+                </a:solidFill>
+                <a:latin typeface="+mn-lt"/>
+                <a:ea typeface="+mn-ea"/>
+                <a:cs typeface="+mn-cs"/>
+              </a:defRPr>
+            </a:lvl4pPr>
+            <a:lvl5pPr marL="2057400" indent="-228600" algn="l" rtl="0" eaLnBrk="1" fontAlgn="base" hangingPunct="1">
+              <a:spcBef>
+                <a:spcPct val="20000"/>
+              </a:spcBef>
+              <a:spcAft>
+                <a:spcPct val="0"/>
+              </a:spcAft>
+              <a:buFont typeface="Arial" pitchFamily="34" charset="0"/>
+              <a:buChar char="­"/>
+              <a:defRPr sz="1800" kern="1200">
+                <a:solidFill>
+                  <a:schemeClr val="tx1"/>
+                </a:solidFill>
+                <a:latin typeface="+mn-lt"/>
+                <a:ea typeface="+mn-ea"/>
+                <a:cs typeface="+mn-cs"/>
+              </a:defRPr>
+            </a:lvl5pPr>
+            <a:lvl6pPr marL="2514600" indent="-228600" algn="l" defTabSz="914400" rtl="0" eaLnBrk="1" latinLnBrk="0" hangingPunct="1">
+              <a:spcBef>
+                <a:spcPct val="20000"/>
+              </a:spcBef>
+              <a:buFont typeface="Arial" pitchFamily="34" charset="0"/>
+              <a:buChar char="•"/>
+              <a:defRPr sz="2000" kern="1200">
+                <a:solidFill>
+                  <a:schemeClr val="tx1"/>
+                </a:solidFill>
+                <a:latin typeface="+mn-lt"/>
+                <a:ea typeface="+mn-ea"/>
+                <a:cs typeface="+mn-cs"/>
+              </a:defRPr>
+            </a:lvl6pPr>
+            <a:lvl7pPr marL="2971800" indent="-228600" algn="l" defTabSz="914400" rtl="0" eaLnBrk="1" latinLnBrk="0" hangingPunct="1">
+              <a:spcBef>
+                <a:spcPct val="20000"/>
+              </a:spcBef>
+              <a:buFont typeface="Arial" pitchFamily="34" charset="0"/>
+              <a:buChar char="•"/>
+              <a:defRPr sz="2000" kern="1200">
+                <a:solidFill>
+                  <a:schemeClr val="tx1"/>
+                </a:solidFill>
+                <a:latin typeface="+mn-lt"/>
+                <a:ea typeface="+mn-ea"/>
+                <a:cs typeface="+mn-cs"/>
+              </a:defRPr>
+            </a:lvl7pPr>
+            <a:lvl8pPr marL="3429000" indent="-228600" algn="l" defTabSz="914400" rtl="0" eaLnBrk="1" latinLnBrk="0" hangingPunct="1">
+              <a:spcBef>
+                <a:spcPct val="20000"/>
+              </a:spcBef>
+              <a:buFont typeface="Arial" pitchFamily="34" charset="0"/>
+              <a:buChar char="•"/>
+              <a:defRPr sz="2000" kern="1200">
+                <a:solidFill>
+                  <a:schemeClr val="tx1"/>
+                </a:solidFill>
+                <a:latin typeface="+mn-lt"/>
+                <a:ea typeface="+mn-ea"/>
+                <a:cs typeface="+mn-cs"/>
+              </a:defRPr>
+            </a:lvl8pPr>
+            <a:lvl9pPr marL="3886200" indent="-228600" algn="l" defTabSz="914400" rtl="0" eaLnBrk="1" latinLnBrk="0" hangingPunct="1">
+              <a:spcBef>
+                <a:spcPct val="20000"/>
+              </a:spcBef>
+              <a:buFont typeface="Arial" pitchFamily="34" charset="0"/>
+              <a:buChar char="•"/>
+              <a:defRPr sz="2000" kern="1200">
+                <a:solidFill>
+                  <a:schemeClr val="tx1"/>
+                </a:solidFill>
+                <a:latin typeface="+mn-lt"/>
+                <a:ea typeface="+mn-ea"/>
+                <a:cs typeface="+mn-cs"/>
+              </a:defRPr>
+            </a:lvl9pPr>
+          </a:lstStyle>
+          <a:p>
+            <a:r>
+              <a:rPr lang="en-GB" dirty="0"/>
+              <a:t>2D</a:t>
+            </a:r>
+          </a:p>
+        </p:txBody>
+      </p:sp>
+      <p:sp>
+        <p:nvSpPr>
+          <p:cNvPr id="13" name="Content Placeholder 2">
+            <a:extLst>
+              <a:ext uri="{FF2B5EF4-FFF2-40B4-BE49-F238E27FC236}">
+                <a16:creationId xmlns:a16="http://schemas.microsoft.com/office/drawing/2014/main" id="{698BE63D-1D14-4A85-B06A-8637B3F4254E}"/>
+              </a:ext>
+            </a:extLst>
+          </p:cNvPr>
+          <p:cNvSpPr txBox="1">
+            <a:spLocks/>
+          </p:cNvSpPr>
+          <p:nvPr/>
+        </p:nvSpPr>
+        <p:spPr>
+          <a:xfrm>
+            <a:off x="8015442" y="2357905"/>
+            <a:ext cx="3841200" cy="1878217"/>
+          </a:xfrm>
+          <a:prstGeom prst="rect">
+            <a:avLst/>
+          </a:prstGeom>
+        </p:spPr>
+        <p:txBody>
+          <a:bodyPr/>
+          <a:lstStyle>
+            <a:lvl1pPr marL="342900" indent="-342900" algn="l" rtl="0" eaLnBrk="1" fontAlgn="base" hangingPunct="1">
+              <a:spcBef>
+                <a:spcPct val="20000"/>
+              </a:spcBef>
+              <a:spcAft>
+                <a:spcPct val="0"/>
+              </a:spcAft>
+              <a:buFont typeface="Arial" panose="020B0604020202020204" pitchFamily="34" charset="0"/>
+              <a:buChar char="•"/>
+              <a:defRPr sz="2800" kern="1200">
+                <a:solidFill>
+                  <a:schemeClr val="tx1"/>
+                </a:solidFill>
+                <a:latin typeface="+mn-lt"/>
+                <a:ea typeface="+mn-ea"/>
+                <a:cs typeface="+mn-cs"/>
+              </a:defRPr>
+            </a:lvl1pPr>
+            <a:lvl2pPr marL="742950" indent="-285750" algn="l" rtl="0" eaLnBrk="1" fontAlgn="base" hangingPunct="1">
+              <a:spcBef>
+                <a:spcPct val="20000"/>
+              </a:spcBef>
+              <a:spcAft>
+                <a:spcPct val="0"/>
+              </a:spcAft>
+              <a:buFont typeface="Arial" panose="020B0604020202020204" pitchFamily="34" charset="0"/>
+              <a:buChar char="•"/>
+              <a:defRPr sz="2400" kern="1200">
+                <a:solidFill>
+                  <a:srgbClr val="BF2F37"/>
+                </a:solidFill>
+                <a:latin typeface="+mn-lt"/>
+                <a:ea typeface="+mn-ea"/>
+                <a:cs typeface="+mn-cs"/>
+              </a:defRPr>
+            </a:lvl2pPr>
+            <a:lvl3pPr marL="1143000" indent="-228600" algn="l" rtl="0" eaLnBrk="1" fontAlgn="base" hangingPunct="1">
+              <a:spcBef>
+                <a:spcPct val="20000"/>
+              </a:spcBef>
+              <a:spcAft>
+                <a:spcPct val="0"/>
+              </a:spcAft>
+              <a:buFont typeface="Arial" panose="020B0604020202020204" pitchFamily="34" charset="0"/>
+              <a:buChar char="•"/>
+              <a:defRPr sz="2000" kern="1200">
+                <a:solidFill>
+                  <a:schemeClr val="tx1"/>
+                </a:solidFill>
+                <a:latin typeface="+mn-lt"/>
+                <a:ea typeface="+mn-ea"/>
+                <a:cs typeface="+mn-cs"/>
+              </a:defRPr>
+            </a:lvl3pPr>
+            <a:lvl4pPr marL="1600200" indent="-228600" algn="l" rtl="0" eaLnBrk="1" fontAlgn="base" hangingPunct="1">
+              <a:spcBef>
+                <a:spcPct val="20000"/>
+              </a:spcBef>
+              <a:spcAft>
+                <a:spcPct val="0"/>
+              </a:spcAft>
+              <a:buFont typeface="Arial" panose="020B0604020202020204" pitchFamily="34" charset="0"/>
+              <a:buChar char="–"/>
+              <a:defRPr sz="1800" kern="1200">
+                <a:solidFill>
+                  <a:schemeClr val="tx1"/>
+                </a:solidFill>
+                <a:latin typeface="+mn-lt"/>
+                <a:ea typeface="+mn-ea"/>
+                <a:cs typeface="+mn-cs"/>
+              </a:defRPr>
+            </a:lvl4pPr>
+            <a:lvl5pPr marL="2057400" indent="-228600" algn="l" rtl="0" eaLnBrk="1" fontAlgn="base" hangingPunct="1">
+              <a:spcBef>
+                <a:spcPct val="20000"/>
+              </a:spcBef>
+              <a:spcAft>
+                <a:spcPct val="0"/>
+              </a:spcAft>
+              <a:buFont typeface="Arial" pitchFamily="34" charset="0"/>
+              <a:buChar char="­"/>
+              <a:defRPr sz="1800" kern="1200">
+                <a:solidFill>
+                  <a:schemeClr val="tx1"/>
+                </a:solidFill>
+                <a:latin typeface="+mn-lt"/>
+                <a:ea typeface="+mn-ea"/>
+                <a:cs typeface="+mn-cs"/>
+              </a:defRPr>
+            </a:lvl5pPr>
+            <a:lvl6pPr marL="2514600" indent="-228600" algn="l" defTabSz="914400" rtl="0" eaLnBrk="1" latinLnBrk="0" hangingPunct="1">
+              <a:spcBef>
+                <a:spcPct val="20000"/>
+              </a:spcBef>
+              <a:buFont typeface="Arial" pitchFamily="34" charset="0"/>
+              <a:buChar char="•"/>
+              <a:defRPr sz="2000" kern="1200">
+                <a:solidFill>
+                  <a:schemeClr val="tx1"/>
+                </a:solidFill>
+                <a:latin typeface="+mn-lt"/>
+                <a:ea typeface="+mn-ea"/>
+                <a:cs typeface="+mn-cs"/>
+              </a:defRPr>
+            </a:lvl6pPr>
+            <a:lvl7pPr marL="2971800" indent="-228600" algn="l" defTabSz="914400" rtl="0" eaLnBrk="1" latinLnBrk="0" hangingPunct="1">
+              <a:spcBef>
+                <a:spcPct val="20000"/>
+              </a:spcBef>
+              <a:buFont typeface="Arial" pitchFamily="34" charset="0"/>
+              <a:buChar char="•"/>
+              <a:defRPr sz="2000" kern="1200">
+                <a:solidFill>
+                  <a:schemeClr val="tx1"/>
+                </a:solidFill>
+                <a:latin typeface="+mn-lt"/>
+                <a:ea typeface="+mn-ea"/>
+                <a:cs typeface="+mn-cs"/>
+              </a:defRPr>
+            </a:lvl7pPr>
+            <a:lvl8pPr marL="3429000" indent="-228600" algn="l" defTabSz="914400" rtl="0" eaLnBrk="1" latinLnBrk="0" hangingPunct="1">
+              <a:spcBef>
+                <a:spcPct val="20000"/>
+              </a:spcBef>
+              <a:buFont typeface="Arial" pitchFamily="34" charset="0"/>
+              <a:buChar char="•"/>
+              <a:defRPr sz="2000" kern="1200">
+                <a:solidFill>
+                  <a:schemeClr val="tx1"/>
+                </a:solidFill>
+                <a:latin typeface="+mn-lt"/>
+                <a:ea typeface="+mn-ea"/>
+                <a:cs typeface="+mn-cs"/>
+              </a:defRPr>
+            </a:lvl8pPr>
+            <a:lvl9pPr marL="3886200" indent="-228600" algn="l" defTabSz="914400" rtl="0" eaLnBrk="1" latinLnBrk="0" hangingPunct="1">
+              <a:spcBef>
+                <a:spcPct val="20000"/>
+              </a:spcBef>
+              <a:buFont typeface="Arial" pitchFamily="34" charset="0"/>
+              <a:buChar char="•"/>
+              <a:defRPr sz="2000" kern="1200">
+                <a:solidFill>
+                  <a:schemeClr val="tx1"/>
+                </a:solidFill>
+                <a:latin typeface="+mn-lt"/>
+                <a:ea typeface="+mn-ea"/>
+                <a:cs typeface="+mn-cs"/>
+              </a:defRPr>
+            </a:lvl9pPr>
+          </a:lstStyle>
+          <a:p>
+            <a:r>
+              <a:rPr lang="en-GB" dirty="0"/>
+              <a:t>3D</a:t>
             </a:r>
           </a:p>
           <a:p>
             <a:pPr lvl="1"/>
-            <a:r>
-              <a:rPr lang="en-GB" dirty="0"/>
-              <a:t>This reserves the necessary memory</a:t>
-            </a:r>
-          </a:p>
-          <a:p>
-            <a:pPr marL="0" indent="0">
-              <a:buNone/>
-            </a:pPr>
+            <a:endParaRPr lang="en-GB" i="1" dirty="0">
+              <a:solidFill>
+                <a:schemeClr val="accent1"/>
+              </a:solidFill>
+            </a:endParaRPr>
+          </a:p>
+          <a:p>
+            <a:pPr lvl="1"/>
+            <a:endParaRPr lang="en-GB" sz="1200" dirty="0"/>
+          </a:p>
+          <a:p>
+            <a:pPr lvl="1"/>
             <a:endParaRPr lang="en-GB" dirty="0"/>
           </a:p>
         </p:txBody>
       </p:sp>
       <p:pic>
         <p:nvPicPr>
-          <p:cNvPr id="8" name="Picture 7">
+          <p:cNvPr id="14" name="Picture 13">
             <a:extLst>
               <a:ext uri="{FF2B5EF4-FFF2-40B4-BE49-F238E27FC236}">
-                <a16:creationId xmlns:a16="http://schemas.microsoft.com/office/drawing/2014/main" id="{3F772409-203B-473E-8DA1-E25B11557E6B}"/>
+                <a16:creationId xmlns:a16="http://schemas.microsoft.com/office/drawing/2014/main" id="{7E4D89ED-06E4-4821-A17A-C78DC1225FC6}"/>
               </a:ext>
             </a:extLst>
           </p:cNvPr>
@@ -4048,8 +6367,8 @@
         </p:blipFill>
         <p:spPr>
           <a:xfrm>
-            <a:off x="8533962" y="2360666"/>
-            <a:ext cx="2891790" cy="3680460"/>
+            <a:off x="8766371" y="2942072"/>
+            <a:ext cx="2426970" cy="3099054"/>
           </a:xfrm>
           <a:prstGeom prst="rect">
             <a:avLst/>
@@ -4063,10 +6382,10 @@
       </p:pic>
       <p:pic>
         <p:nvPicPr>
-          <p:cNvPr id="9" name="Picture 8">
+          <p:cNvPr id="15" name="Picture 14">
             <a:extLst>
               <a:ext uri="{FF2B5EF4-FFF2-40B4-BE49-F238E27FC236}">
-                <a16:creationId xmlns:a16="http://schemas.microsoft.com/office/drawing/2014/main" id="{E9225358-0337-44CD-8735-E81C37971B3C}"/>
+                <a16:creationId xmlns:a16="http://schemas.microsoft.com/office/drawing/2014/main" id="{019C685C-6C43-47D5-9887-EB87FBD4DECC}"/>
               </a:ext>
             </a:extLst>
           </p:cNvPr>
@@ -4083,8 +6402,8 @@
         </p:blipFill>
         <p:spPr>
           <a:xfrm>
-            <a:off x="853880" y="2974076"/>
-            <a:ext cx="2891790" cy="3067050"/>
+            <a:off x="1085710" y="2942072"/>
+            <a:ext cx="2426970" cy="3099054"/>
           </a:xfrm>
           <a:prstGeom prst="rect">
             <a:avLst/>
@@ -4098,10 +6417,10 @@
       </p:pic>
       <p:pic>
         <p:nvPicPr>
-          <p:cNvPr id="10" name="Picture 9">
+          <p:cNvPr id="16" name="Picture 15">
             <a:extLst>
               <a:ext uri="{FF2B5EF4-FFF2-40B4-BE49-F238E27FC236}">
-                <a16:creationId xmlns:a16="http://schemas.microsoft.com/office/drawing/2014/main" id="{8237133D-E781-420D-B278-B4A63528DA18}"/>
+                <a16:creationId xmlns:a16="http://schemas.microsoft.com/office/drawing/2014/main" id="{80C94265-1FC0-4157-B904-06C8D83FEF78}"/>
               </a:ext>
             </a:extLst>
           </p:cNvPr>
@@ -4118,8 +6437,8 @@
         </p:blipFill>
         <p:spPr>
           <a:xfrm>
-            <a:off x="4693920" y="2974076"/>
-            <a:ext cx="2891790" cy="3067050"/>
+            <a:off x="4925750" y="2942072"/>
+            <a:ext cx="2426970" cy="3099054"/>
           </a:xfrm>
           <a:prstGeom prst="rect">
             <a:avLst/>
@@ -4156,7 +6475,7 @@
 </p:sld>
 </file>
 
-<file path=ppt/slides/slide13.xml><?xml version="1.0" encoding="utf-8"?>
+<file path=ppt/slides/slide15.xml><?xml version="1.0" encoding="utf-8"?>
 <p:sld xmlns:a="http://schemas.openxmlformats.org/drawingml/2006/main" xmlns:r="http://schemas.openxmlformats.org/officeDocument/2006/relationships" xmlns:p="http://schemas.openxmlformats.org/presentationml/2006/main">
   <p:cSld>
     <p:spTree>
@@ -4250,7 +6569,7 @@
             <a:pPr lvl="1"/>
             <a:r>
               <a:rPr lang="en-GB" dirty="0"/>
-              <a:t>Each resize operation requires making copies of the matrix</a:t>
+              <a:t>Resize operations require the matrix to be moved in the PC’s memory</a:t>
             </a:r>
           </a:p>
           <a:p>
@@ -4265,9 +6584,6 @@
           </a:p>
           <a:p>
             <a:pPr lvl="1"/>
-            <a:endParaRPr lang="en-GB" sz="1200" dirty="0"/>
-          </a:p>
-          <a:p>
             <a:r>
               <a:rPr lang="en-GB" dirty="0" err="1"/>
               <a:t>TicToc</a:t>
@@ -4275,7 +6591,7 @@
             <a:endParaRPr lang="en-GB" dirty="0"/>
           </a:p>
           <a:p>
-            <a:pPr lvl="1"/>
+            <a:pPr lvl="2"/>
             <a:r>
               <a:rPr lang="en-GB" dirty="0"/>
               <a:t>Tells us the time between </a:t>
@@ -4307,9 +6623,6 @@
           </a:p>
           <a:p>
             <a:pPr lvl="1"/>
-            <a:endParaRPr lang="en-GB" sz="1200" dirty="0"/>
-          </a:p>
-          <a:p>
             <a:r>
               <a:rPr lang="en-GB" dirty="0"/>
               <a:t>Profiler</a:t>
@@ -4321,10 +6634,24 @@
             </a:endParaRPr>
           </a:p>
           <a:p>
-            <a:pPr lvl="1"/>
+            <a:pPr lvl="2"/>
             <a:r>
               <a:rPr lang="en-GB" dirty="0"/>
               <a:t>A graphical tool to evaluate code performance in greater detail</a:t>
+            </a:r>
+          </a:p>
+          <a:p>
+            <a:pPr lvl="2"/>
+            <a:r>
+              <a:rPr lang="en-GB" dirty="0"/>
+              <a:t>Reports number of calls per line</a:t>
+            </a:r>
+          </a:p>
+          <a:p>
+            <a:pPr lvl="2"/>
+            <a:r>
+              <a:rPr lang="en-GB" dirty="0"/>
+              <a:t>Reports time taken per line</a:t>
             </a:r>
           </a:p>
         </p:txBody>
@@ -4354,7 +6681,7 @@
 </p:sld>
 </file>
 
-<file path=ppt/slides/slide14.xml><?xml version="1.0" encoding="utf-8"?>
+<file path=ppt/slides/slide16.xml><?xml version="1.0" encoding="utf-8"?>
 <p:sld xmlns:a="http://schemas.openxmlformats.org/drawingml/2006/main" xmlns:r="http://schemas.openxmlformats.org/officeDocument/2006/relationships" xmlns:p="http://schemas.openxmlformats.org/presentationml/2006/main">
   <p:cSld>
     <p:spTree>
@@ -4373,10 +6700,10 @@
       </p:grpSpPr>
       <p:pic>
         <p:nvPicPr>
-          <p:cNvPr id="20" name="Picture 19">
+          <p:cNvPr id="7" name="Picture 6">
             <a:extLst>
               <a:ext uri="{FF2B5EF4-FFF2-40B4-BE49-F238E27FC236}">
-                <a16:creationId xmlns:a16="http://schemas.microsoft.com/office/drawing/2014/main" id="{8BA44496-F60F-4D29-937B-987069E7328B}"/>
+                <a16:creationId xmlns:a16="http://schemas.microsoft.com/office/drawing/2014/main" id="{B37460AC-53A0-481B-9F9D-089141145979}"/>
               </a:ext>
             </a:extLst>
           </p:cNvPr>
@@ -4393,8 +6720,8 @@
         </p:blipFill>
         <p:spPr>
           <a:xfrm>
-            <a:off x="2091847" y="3762746"/>
-            <a:ext cx="3329940" cy="2278380"/>
+            <a:off x="7499945" y="3526526"/>
+            <a:ext cx="2952750" cy="2514600"/>
           </a:xfrm>
           <a:prstGeom prst="rect">
             <a:avLst/>
@@ -4542,10 +6869,10 @@
       </p:sp>
       <p:pic>
         <p:nvPicPr>
-          <p:cNvPr id="23" name="Picture 22">
+          <p:cNvPr id="6" name="Picture 5">
             <a:extLst>
               <a:ext uri="{FF2B5EF4-FFF2-40B4-BE49-F238E27FC236}">
-                <a16:creationId xmlns:a16="http://schemas.microsoft.com/office/drawing/2014/main" id="{263A0F04-ED32-47E8-98D0-F5863925B39F}"/>
+                <a16:creationId xmlns:a16="http://schemas.microsoft.com/office/drawing/2014/main" id="{8B717935-2339-475A-A198-C97C21E68856}"/>
               </a:ext>
             </a:extLst>
           </p:cNvPr>
@@ -4562,8 +6889,8 @@
         </p:blipFill>
         <p:spPr>
           <a:xfrm>
-            <a:off x="6770213" y="3762746"/>
-            <a:ext cx="3329940" cy="2278380"/>
+            <a:off x="1786930" y="3526526"/>
+            <a:ext cx="2857500" cy="2514600"/>
           </a:xfrm>
           <a:prstGeom prst="rect">
             <a:avLst/>
@@ -4589,8 +6916,8 @@
         </p:nvSpPr>
         <p:spPr>
           <a:xfrm>
-            <a:off x="2558415" y="4032686"/>
-            <a:ext cx="363855" cy="183371"/>
+            <a:off x="2189213" y="3752850"/>
+            <a:ext cx="320626" cy="173920"/>
           </a:xfrm>
           <a:prstGeom prst="rect">
             <a:avLst/>
@@ -4629,10 +6956,10 @@
       </p:sp>
       <p:sp>
         <p:nvSpPr>
-          <p:cNvPr id="9" name="Rectangle 8">
+          <p:cNvPr id="10" name="Rectangle 9">
             <a:extLst>
               <a:ext uri="{FF2B5EF4-FFF2-40B4-BE49-F238E27FC236}">
-                <a16:creationId xmlns:a16="http://schemas.microsoft.com/office/drawing/2014/main" id="{15008082-DEC1-4C0F-9A32-FAD2A508FBB7}"/>
+                <a16:creationId xmlns:a16="http://schemas.microsoft.com/office/drawing/2014/main" id="{BD06BC4F-DEE9-445B-9BE5-4BDBD9FA2F15}"/>
               </a:ext>
             </a:extLst>
           </p:cNvPr>
@@ -4641,8 +6968,8 @@
         </p:nvSpPr>
         <p:spPr>
           <a:xfrm>
-            <a:off x="7237095" y="4032686"/>
-            <a:ext cx="363855" cy="183371"/>
+            <a:off x="1967868" y="4948579"/>
+            <a:ext cx="301464" cy="173920"/>
           </a:xfrm>
           <a:prstGeom prst="rect">
             <a:avLst/>
@@ -4681,10 +7008,10 @@
       </p:sp>
       <p:sp>
         <p:nvSpPr>
-          <p:cNvPr id="10" name="Rectangle 9">
+          <p:cNvPr id="12" name="Rectangle 11">
             <a:extLst>
               <a:ext uri="{FF2B5EF4-FFF2-40B4-BE49-F238E27FC236}">
-                <a16:creationId xmlns:a16="http://schemas.microsoft.com/office/drawing/2014/main" id="{BD06BC4F-DEE9-445B-9BE5-4BDBD9FA2F15}"/>
+                <a16:creationId xmlns:a16="http://schemas.microsoft.com/office/drawing/2014/main" id="{7FDA5B12-C380-4EC1-81FA-5F4107BBB26A}"/>
               </a:ext>
             </a:extLst>
           </p:cNvPr>
@@ -4693,8 +7020,8 @@
         </p:nvSpPr>
         <p:spPr>
           <a:xfrm>
-            <a:off x="2299335" y="5423882"/>
-            <a:ext cx="363855" cy="183371"/>
+            <a:off x="1967868" y="5122499"/>
+            <a:ext cx="2575558" cy="173920"/>
           </a:xfrm>
           <a:prstGeom prst="rect">
             <a:avLst/>
@@ -4731,183 +7058,6 @@
           </a:p>
         </p:txBody>
       </p:sp>
-      <p:sp>
-        <p:nvSpPr>
-          <p:cNvPr id="12" name="Rectangle 11">
-            <a:extLst>
-              <a:ext uri="{FF2B5EF4-FFF2-40B4-BE49-F238E27FC236}">
-                <a16:creationId xmlns:a16="http://schemas.microsoft.com/office/drawing/2014/main" id="{7FDA5B12-C380-4EC1-81FA-5F4107BBB26A}"/>
-              </a:ext>
-            </a:extLst>
-          </p:cNvPr>
-          <p:cNvSpPr/>
-          <p:nvPr/>
-        </p:nvSpPr>
-        <p:spPr>
-          <a:xfrm>
-            <a:off x="2299335" y="5611684"/>
-            <a:ext cx="2958465" cy="183371"/>
-          </a:xfrm>
-          <a:prstGeom prst="rect">
-            <a:avLst/>
-          </a:prstGeom>
-          <a:noFill/>
-          <a:ln>
-            <a:solidFill>
-              <a:srgbClr val="FF0000"/>
-            </a:solidFill>
-          </a:ln>
-        </p:spPr>
-        <p:style>
-          <a:lnRef idx="2">
-            <a:schemeClr val="accent1">
-              <a:shade val="50000"/>
-            </a:schemeClr>
-          </a:lnRef>
-          <a:fillRef idx="1">
-            <a:schemeClr val="accent1"/>
-          </a:fillRef>
-          <a:effectRef idx="0">
-            <a:schemeClr val="accent1"/>
-          </a:effectRef>
-          <a:fontRef idx="minor">
-            <a:schemeClr val="lt1"/>
-          </a:fontRef>
-        </p:style>
-        <p:txBody>
-          <a:bodyPr rtlCol="0" anchor="ctr"/>
-          <a:lstStyle/>
-          <a:p>
-            <a:pPr algn="ctr"/>
-            <a:endParaRPr lang="en-GB"/>
-          </a:p>
-        </p:txBody>
-      </p:sp>
-      <p:grpSp>
-        <p:nvGrpSpPr>
-          <p:cNvPr id="24" name="Group 23">
-            <a:extLst>
-              <a:ext uri="{FF2B5EF4-FFF2-40B4-BE49-F238E27FC236}">
-                <a16:creationId xmlns:a16="http://schemas.microsoft.com/office/drawing/2014/main" id="{0634863A-CE3F-4A3C-BFBC-C8738A98E75E}"/>
-              </a:ext>
-            </a:extLst>
-          </p:cNvPr>
-          <p:cNvGrpSpPr/>
-          <p:nvPr/>
-        </p:nvGrpSpPr>
-        <p:grpSpPr>
-          <a:xfrm>
-            <a:off x="6973486" y="5428313"/>
-            <a:ext cx="2958465" cy="366742"/>
-            <a:chOff x="6973486" y="3791571"/>
-            <a:chExt cx="2958465" cy="366742"/>
-          </a:xfrm>
-        </p:grpSpPr>
-        <p:sp>
-          <p:nvSpPr>
-            <p:cNvPr id="11" name="Rectangle 10">
-              <a:extLst>
-                <a:ext uri="{FF2B5EF4-FFF2-40B4-BE49-F238E27FC236}">
-                  <a16:creationId xmlns:a16="http://schemas.microsoft.com/office/drawing/2014/main" id="{B6D70DBF-310C-4276-B525-E37161797A30}"/>
-                </a:ext>
-              </a:extLst>
-            </p:cNvPr>
-            <p:cNvSpPr/>
-            <p:nvPr/>
-          </p:nvSpPr>
-          <p:spPr>
-            <a:xfrm>
-              <a:off x="6973486" y="3791571"/>
-              <a:ext cx="363855" cy="183371"/>
-            </a:xfrm>
-            <a:prstGeom prst="rect">
-              <a:avLst/>
-            </a:prstGeom>
-            <a:noFill/>
-            <a:ln>
-              <a:solidFill>
-                <a:srgbClr val="FF0000"/>
-              </a:solidFill>
-            </a:ln>
-          </p:spPr>
-          <p:style>
-            <a:lnRef idx="2">
-              <a:schemeClr val="accent1">
-                <a:shade val="50000"/>
-              </a:schemeClr>
-            </a:lnRef>
-            <a:fillRef idx="1">
-              <a:schemeClr val="accent1"/>
-            </a:fillRef>
-            <a:effectRef idx="0">
-              <a:schemeClr val="accent1"/>
-            </a:effectRef>
-            <a:fontRef idx="minor">
-              <a:schemeClr val="lt1"/>
-            </a:fontRef>
-          </p:style>
-          <p:txBody>
-            <a:bodyPr rtlCol="0" anchor="ctr"/>
-            <a:lstStyle/>
-            <a:p>
-              <a:pPr algn="ctr"/>
-              <a:endParaRPr lang="en-GB"/>
-            </a:p>
-          </p:txBody>
-        </p:sp>
-        <p:sp>
-          <p:nvSpPr>
-            <p:cNvPr id="13" name="Rectangle 12">
-              <a:extLst>
-                <a:ext uri="{FF2B5EF4-FFF2-40B4-BE49-F238E27FC236}">
-                  <a16:creationId xmlns:a16="http://schemas.microsoft.com/office/drawing/2014/main" id="{831EBCDF-7CFD-4C3C-9ECE-BCD70120531B}"/>
-                </a:ext>
-              </a:extLst>
-            </p:cNvPr>
-            <p:cNvSpPr/>
-            <p:nvPr/>
-          </p:nvSpPr>
-          <p:spPr>
-            <a:xfrm>
-              <a:off x="6973486" y="3974942"/>
-              <a:ext cx="2958465" cy="183371"/>
-            </a:xfrm>
-            <a:prstGeom prst="rect">
-              <a:avLst/>
-            </a:prstGeom>
-            <a:noFill/>
-            <a:ln>
-              <a:solidFill>
-                <a:srgbClr val="FF0000"/>
-              </a:solidFill>
-            </a:ln>
-          </p:spPr>
-          <p:style>
-            <a:lnRef idx="2">
-              <a:schemeClr val="accent1">
-                <a:shade val="50000"/>
-              </a:schemeClr>
-            </a:lnRef>
-            <a:fillRef idx="1">
-              <a:schemeClr val="accent1"/>
-            </a:fillRef>
-            <a:effectRef idx="0">
-              <a:schemeClr val="accent1"/>
-            </a:effectRef>
-            <a:fontRef idx="minor">
-              <a:schemeClr val="lt1"/>
-            </a:fontRef>
-          </p:style>
-          <p:txBody>
-            <a:bodyPr rtlCol="0" anchor="ctr"/>
-            <a:lstStyle/>
-            <a:p>
-              <a:pPr algn="ctr"/>
-              <a:endParaRPr lang="en-GB"/>
-            </a:p>
-          </p:txBody>
-        </p:sp>
-      </p:grpSp>
       <p:sp>
         <p:nvSpPr>
           <p:cNvPr id="21" name="Content Placeholder 2">
@@ -5288,6 +7438,162 @@
                 <a:schemeClr val="accent1"/>
               </a:solidFill>
             </a:endParaRPr>
+          </a:p>
+        </p:txBody>
+      </p:sp>
+      <p:sp>
+        <p:nvSpPr>
+          <p:cNvPr id="19" name="Rectangle 18">
+            <a:extLst>
+              <a:ext uri="{FF2B5EF4-FFF2-40B4-BE49-F238E27FC236}">
+                <a16:creationId xmlns:a16="http://schemas.microsoft.com/office/drawing/2014/main" id="{8707B569-7202-4B2B-BBCC-C42D1F19BB7E}"/>
+              </a:ext>
+            </a:extLst>
+          </p:cNvPr>
+          <p:cNvSpPr/>
+          <p:nvPr/>
+        </p:nvSpPr>
+        <p:spPr>
+          <a:xfrm>
+            <a:off x="7908019" y="3752850"/>
+            <a:ext cx="320626" cy="173920"/>
+          </a:xfrm>
+          <a:prstGeom prst="rect">
+            <a:avLst/>
+          </a:prstGeom>
+          <a:noFill/>
+          <a:ln>
+            <a:solidFill>
+              <a:srgbClr val="FF0000"/>
+            </a:solidFill>
+          </a:ln>
+        </p:spPr>
+        <p:style>
+          <a:lnRef idx="2">
+            <a:schemeClr val="accent1">
+              <a:shade val="50000"/>
+            </a:schemeClr>
+          </a:lnRef>
+          <a:fillRef idx="1">
+            <a:schemeClr val="accent1"/>
+          </a:fillRef>
+          <a:effectRef idx="0">
+            <a:schemeClr val="accent1"/>
+          </a:effectRef>
+          <a:fontRef idx="minor">
+            <a:schemeClr val="lt1"/>
+          </a:fontRef>
+        </p:style>
+        <p:txBody>
+          <a:bodyPr rtlCol="0" anchor="ctr"/>
+          <a:lstStyle/>
+          <a:p>
+            <a:pPr algn="ctr"/>
+            <a:endParaRPr lang="en-GB"/>
+          </a:p>
+        </p:txBody>
+      </p:sp>
+      <p:sp>
+        <p:nvSpPr>
+          <p:cNvPr id="25" name="Rectangle 24">
+            <a:extLst>
+              <a:ext uri="{FF2B5EF4-FFF2-40B4-BE49-F238E27FC236}">
+                <a16:creationId xmlns:a16="http://schemas.microsoft.com/office/drawing/2014/main" id="{ABA73B88-76FF-4278-BB3E-4B5592D3AD85}"/>
+              </a:ext>
+            </a:extLst>
+          </p:cNvPr>
+          <p:cNvSpPr/>
+          <p:nvPr/>
+        </p:nvSpPr>
+        <p:spPr>
+          <a:xfrm>
+            <a:off x="7686674" y="4948579"/>
+            <a:ext cx="301464" cy="173920"/>
+          </a:xfrm>
+          <a:prstGeom prst="rect">
+            <a:avLst/>
+          </a:prstGeom>
+          <a:noFill/>
+          <a:ln>
+            <a:solidFill>
+              <a:srgbClr val="FF0000"/>
+            </a:solidFill>
+          </a:ln>
+        </p:spPr>
+        <p:style>
+          <a:lnRef idx="2">
+            <a:schemeClr val="accent1">
+              <a:shade val="50000"/>
+            </a:schemeClr>
+          </a:lnRef>
+          <a:fillRef idx="1">
+            <a:schemeClr val="accent1"/>
+          </a:fillRef>
+          <a:effectRef idx="0">
+            <a:schemeClr val="accent1"/>
+          </a:effectRef>
+          <a:fontRef idx="minor">
+            <a:schemeClr val="lt1"/>
+          </a:fontRef>
+        </p:style>
+        <p:txBody>
+          <a:bodyPr rtlCol="0" anchor="ctr"/>
+          <a:lstStyle/>
+          <a:p>
+            <a:pPr algn="ctr"/>
+            <a:endParaRPr lang="en-GB"/>
+          </a:p>
+        </p:txBody>
+      </p:sp>
+      <p:sp>
+        <p:nvSpPr>
+          <p:cNvPr id="26" name="Rectangle 25">
+            <a:extLst>
+              <a:ext uri="{FF2B5EF4-FFF2-40B4-BE49-F238E27FC236}">
+                <a16:creationId xmlns:a16="http://schemas.microsoft.com/office/drawing/2014/main" id="{DE7038CD-9392-42B0-9B0B-AF2B4C8ACE9B}"/>
+              </a:ext>
+            </a:extLst>
+          </p:cNvPr>
+          <p:cNvSpPr/>
+          <p:nvPr/>
+        </p:nvSpPr>
+        <p:spPr>
+          <a:xfrm>
+            <a:off x="7686674" y="5122499"/>
+            <a:ext cx="2575558" cy="173920"/>
+          </a:xfrm>
+          <a:prstGeom prst="rect">
+            <a:avLst/>
+          </a:prstGeom>
+          <a:noFill/>
+          <a:ln>
+            <a:solidFill>
+              <a:srgbClr val="FF0000"/>
+            </a:solidFill>
+          </a:ln>
+        </p:spPr>
+        <p:style>
+          <a:lnRef idx="2">
+            <a:schemeClr val="accent1">
+              <a:shade val="50000"/>
+            </a:schemeClr>
+          </a:lnRef>
+          <a:fillRef idx="1">
+            <a:schemeClr val="accent1"/>
+          </a:fillRef>
+          <a:effectRef idx="0">
+            <a:schemeClr val="accent1"/>
+          </a:effectRef>
+          <a:fontRef idx="minor">
+            <a:schemeClr val="lt1"/>
+          </a:fontRef>
+        </p:style>
+        <p:txBody>
+          <a:bodyPr rtlCol="0" anchor="ctr"/>
+          <a:lstStyle/>
+          <a:p>
+            <a:pPr algn="ctr"/>
+            <a:endParaRPr lang="en-GB"/>
           </a:p>
         </p:txBody>
       </p:sp>
@@ -5382,7 +7688,7 @@
                                           </p:stCondLst>
                                         </p:cTn>
                                         <p:tgtEl>
-                                          <p:spTgt spid="9"/>
+                                          <p:spTgt spid="19"/>
                                         </p:tgtEl>
                                         <p:attrNameLst>
                                           <p:attrName>style.visibility</p:attrName>
@@ -5396,7 +7702,7 @@
                                       <p:cBhvr>
                                         <p:cTn id="10" dur="300"/>
                                         <p:tgtEl>
-                                          <p:spTgt spid="9"/>
+                                          <p:spTgt spid="19"/>
                                         </p:tgtEl>
                                       </p:cBhvr>
                                     </p:animEffect>
@@ -5457,14 +7763,49 @@
                                 </p:cTn>
                               </p:par>
                               <p:par>
-                                <p:cTn id="16" presetID="10" presetClass="exit" presetSubtype="0" fill="hold" grpId="1" nodeType="withEffect">
+                                <p:cTn id="16" presetID="10" presetClass="entr" presetSubtype="0" fill="hold" grpId="0" nodeType="withEffect">
+                                  <p:stCondLst>
+                                    <p:cond delay="0"/>
+                                  </p:stCondLst>
+                                  <p:childTnLst>
+                                    <p:set>
+                                      <p:cBhvr>
+                                        <p:cTn id="17" dur="1" fill="hold">
+                                          <p:stCondLst>
+                                            <p:cond delay="0"/>
+                                          </p:stCondLst>
+                                        </p:cTn>
+                                        <p:tgtEl>
+                                          <p:spTgt spid="25"/>
+                                        </p:tgtEl>
+                                        <p:attrNameLst>
+                                          <p:attrName>style.visibility</p:attrName>
+                                        </p:attrNameLst>
+                                      </p:cBhvr>
+                                      <p:to>
+                                        <p:strVal val="visible"/>
+                                      </p:to>
+                                    </p:set>
+                                    <p:animEffect transition="in" filter="fade">
+                                      <p:cBhvr>
+                                        <p:cTn id="18" dur="300"/>
+                                        <p:tgtEl>
+                                          <p:spTgt spid="25"/>
+                                        </p:tgtEl>
+                                      </p:cBhvr>
+                                    </p:animEffect>
+                                  </p:childTnLst>
+                                </p:cTn>
+                              </p:par>
+                              <p:par>
+                                <p:cTn id="19" presetID="10" presetClass="exit" presetSubtype="0" fill="hold" grpId="1" nodeType="withEffect">
                                   <p:stCondLst>
                                     <p:cond delay="0"/>
                                   </p:stCondLst>
                                   <p:childTnLst>
                                     <p:animEffect transition="out" filter="fade">
                                       <p:cBhvr>
-                                        <p:cTn id="17" dur="500"/>
+                                        <p:cTn id="20" dur="300"/>
                                         <p:tgtEl>
                                           <p:spTgt spid="8"/>
                                         </p:tgtEl>
@@ -5472,9 +7813,9 @@
                                     </p:animEffect>
                                     <p:set>
                                       <p:cBhvr>
-                                        <p:cTn id="18" dur="1" fill="hold">
+                                        <p:cTn id="21" dur="1" fill="hold">
                                           <p:stCondLst>
-                                            <p:cond delay="499"/>
+                                            <p:cond delay="299"/>
                                           </p:stCondLst>
                                         </p:cTn>
                                         <p:tgtEl>
@@ -5492,28 +7833,28 @@
                                 </p:cTn>
                               </p:par>
                               <p:par>
-                                <p:cTn id="19" presetID="10" presetClass="exit" presetSubtype="0" fill="hold" grpId="1" nodeType="withEffect">
+                                <p:cTn id="22" presetID="10" presetClass="exit" presetSubtype="0" fill="hold" grpId="1" nodeType="withEffect">
                                   <p:stCondLst>
                                     <p:cond delay="0"/>
                                   </p:stCondLst>
                                   <p:childTnLst>
                                     <p:animEffect transition="out" filter="fade">
                                       <p:cBhvr>
-                                        <p:cTn id="20" dur="500"/>
+                                        <p:cTn id="23" dur="300"/>
                                         <p:tgtEl>
-                                          <p:spTgt spid="9"/>
+                                          <p:spTgt spid="19"/>
                                         </p:tgtEl>
                                       </p:cBhvr>
                                     </p:animEffect>
                                     <p:set>
                                       <p:cBhvr>
-                                        <p:cTn id="21" dur="1" fill="hold">
+                                        <p:cTn id="24" dur="1" fill="hold">
                                           <p:stCondLst>
-                                            <p:cond delay="499"/>
+                                            <p:cond delay="299"/>
                                           </p:stCondLst>
                                         </p:cTn>
                                         <p:tgtEl>
-                                          <p:spTgt spid="9"/>
+                                          <p:spTgt spid="19"/>
                                         </p:tgtEl>
                                         <p:attrNameLst>
                                           <p:attrName>style.visibility</p:attrName>
@@ -5533,26 +7874,26 @@
                     </p:cTn>
                   </p:par>
                   <p:par>
-                    <p:cTn id="22" fill="hold">
+                    <p:cTn id="25" fill="hold">
                       <p:stCondLst>
                         <p:cond delay="indefinite"/>
                       </p:stCondLst>
                       <p:childTnLst>
                         <p:par>
-                          <p:cTn id="23" fill="hold">
+                          <p:cTn id="26" fill="hold">
                             <p:stCondLst>
                               <p:cond delay="0"/>
                             </p:stCondLst>
                             <p:childTnLst>
                               <p:par>
-                                <p:cTn id="24" presetID="10" presetClass="entr" presetSubtype="0" fill="hold" grpId="0" nodeType="clickEffect">
+                                <p:cTn id="27" presetID="10" presetClass="entr" presetSubtype="0" fill="hold" grpId="0" nodeType="clickEffect">
                                   <p:stCondLst>
                                     <p:cond delay="0"/>
                                   </p:stCondLst>
                                   <p:childTnLst>
                                     <p:set>
                                       <p:cBhvr>
-                                        <p:cTn id="25" dur="1" fill="hold">
+                                        <p:cTn id="28" dur="1" fill="hold">
                                           <p:stCondLst>
                                             <p:cond delay="0"/>
                                           </p:stCondLst>
@@ -5570,7 +7911,7 @@
                                     </p:set>
                                     <p:animEffect transition="in" filter="fade">
                                       <p:cBhvr>
-                                        <p:cTn id="26" dur="300"/>
+                                        <p:cTn id="29" dur="300"/>
                                         <p:tgtEl>
                                           <p:spTgt spid="12"/>
                                         </p:tgtEl>
@@ -5580,14 +7921,49 @@
                                 </p:cTn>
                               </p:par>
                               <p:par>
-                                <p:cTn id="27" presetID="10" presetClass="exit" presetSubtype="0" fill="hold" grpId="1" nodeType="withEffect">
+                                <p:cTn id="30" presetID="10" presetClass="entr" presetSubtype="0" fill="hold" grpId="0" nodeType="withEffect">
+                                  <p:stCondLst>
+                                    <p:cond delay="0"/>
+                                  </p:stCondLst>
+                                  <p:childTnLst>
+                                    <p:set>
+                                      <p:cBhvr>
+                                        <p:cTn id="31" dur="1" fill="hold">
+                                          <p:stCondLst>
+                                            <p:cond delay="0"/>
+                                          </p:stCondLst>
+                                        </p:cTn>
+                                        <p:tgtEl>
+                                          <p:spTgt spid="26"/>
+                                        </p:tgtEl>
+                                        <p:attrNameLst>
+                                          <p:attrName>style.visibility</p:attrName>
+                                        </p:attrNameLst>
+                                      </p:cBhvr>
+                                      <p:to>
+                                        <p:strVal val="visible"/>
+                                      </p:to>
+                                    </p:set>
+                                    <p:animEffect transition="in" filter="fade">
+                                      <p:cBhvr>
+                                        <p:cTn id="32" dur="500"/>
+                                        <p:tgtEl>
+                                          <p:spTgt spid="26"/>
+                                        </p:tgtEl>
+                                      </p:cBhvr>
+                                    </p:animEffect>
+                                  </p:childTnLst>
+                                </p:cTn>
+                              </p:par>
+                              <p:par>
+                                <p:cTn id="33" presetID="10" presetClass="exit" presetSubtype="0" fill="hold" grpId="1" nodeType="withEffect">
                                   <p:stCondLst>
                                     <p:cond delay="0"/>
                                   </p:stCondLst>
                                   <p:childTnLst>
                                     <p:animEffect transition="out" filter="fade">
                                       <p:cBhvr>
-                                        <p:cTn id="28" dur="500"/>
+                                        <p:cTn id="34" dur="300"/>
                                         <p:tgtEl>
                                           <p:spTgt spid="10"/>
                                         </p:tgtEl>
@@ -5595,13 +7971,48 @@
                                     </p:animEffect>
                                     <p:set>
                                       <p:cBhvr>
-                                        <p:cTn id="29" dur="1" fill="hold">
+                                        <p:cTn id="35" dur="1" fill="hold">
                                           <p:stCondLst>
-                                            <p:cond delay="499"/>
+                                            <p:cond delay="299"/>
                                           </p:stCondLst>
                                         </p:cTn>
                                         <p:tgtEl>
                                           <p:spTgt spid="10"/>
+                                        </p:tgtEl>
+                                        <p:attrNameLst>
+                                          <p:attrName>style.visibility</p:attrName>
+                                        </p:attrNameLst>
+                                      </p:cBhvr>
+                                      <p:to>
+                                        <p:strVal val="hidden"/>
+                                      </p:to>
+                                    </p:set>
+                                  </p:childTnLst>
+                                </p:cTn>
+                              </p:par>
+                              <p:par>
+                                <p:cTn id="36" presetID="10" presetClass="exit" presetSubtype="0" fill="hold" grpId="1" nodeType="withEffect">
+                                  <p:stCondLst>
+                                    <p:cond delay="0"/>
+                                  </p:stCondLst>
+                                  <p:childTnLst>
+                                    <p:animEffect transition="out" filter="fade">
+                                      <p:cBhvr>
+                                        <p:cTn id="37" dur="300"/>
+                                        <p:tgtEl>
+                                          <p:spTgt spid="25"/>
+                                        </p:tgtEl>
+                                      </p:cBhvr>
+                                    </p:animEffect>
+                                    <p:set>
+                                      <p:cBhvr>
+                                        <p:cTn id="38" dur="1" fill="hold">
+                                          <p:stCondLst>
+                                            <p:cond delay="299"/>
+                                          </p:stCondLst>
+                                        </p:cTn>
+                                        <p:tgtEl>
+                                          <p:spTgt spid="25"/>
                                         </p:tgtEl>
                                         <p:attrNameLst>
                                           <p:attrName>style.visibility</p:attrName>
@@ -5644,213 +8055,16 @@
     <p:bldLst>
       <p:bldP spid="8" grpId="0" animBg="1"/>
       <p:bldP spid="8" grpId="1" animBg="1"/>
-      <p:bldP spid="9" grpId="0" animBg="1"/>
-      <p:bldP spid="9" grpId="1" animBg="1"/>
       <p:bldP spid="10" grpId="0" animBg="1"/>
       <p:bldP spid="10" grpId="1" animBg="1"/>
       <p:bldP spid="12" grpId="0" animBg="1"/>
+      <p:bldP spid="19" grpId="0" animBg="1"/>
+      <p:bldP spid="19" grpId="1" animBg="1"/>
+      <p:bldP spid="25" grpId="0" animBg="1"/>
+      <p:bldP spid="25" grpId="1" animBg="1"/>
+      <p:bldP spid="26" grpId="0" animBg="1"/>
     </p:bldLst>
   </p:timing>
-</p:sld>
-</file>
-
-<file path=ppt/slides/slide15.xml><?xml version="1.0" encoding="utf-8"?>
-<p:sld xmlns:a="http://schemas.openxmlformats.org/drawingml/2006/main" xmlns:r="http://schemas.openxmlformats.org/officeDocument/2006/relationships" xmlns:p="http://schemas.openxmlformats.org/presentationml/2006/main">
-  <p:cSld>
-    <p:spTree>
-      <p:nvGrpSpPr>
-        <p:cNvPr id="1" name=""/>
-        <p:cNvGrpSpPr/>
-        <p:nvPr/>
-      </p:nvGrpSpPr>
-      <p:grpSpPr>
-        <a:xfrm>
-          <a:off x="0" y="0"/>
-          <a:ext cx="0" cy="0"/>
-          <a:chOff x="0" y="0"/>
-          <a:chExt cx="0" cy="0"/>
-        </a:xfrm>
-      </p:grpSpPr>
-      <p:sp>
-        <p:nvSpPr>
-          <p:cNvPr id="2" name="Title 1">
-            <a:extLst>
-              <a:ext uri="{FF2B5EF4-FFF2-40B4-BE49-F238E27FC236}">
-                <a16:creationId xmlns:a16="http://schemas.microsoft.com/office/drawing/2014/main" id="{8B0C5865-E132-43F0-814F-C61B94E5671C}"/>
-              </a:ext>
-            </a:extLst>
-          </p:cNvPr>
-          <p:cNvSpPr>
-            <a:spLocks noGrp="1"/>
-          </p:cNvSpPr>
-          <p:nvPr>
-            <p:ph type="title"/>
-          </p:nvPr>
-        </p:nvSpPr>
-        <p:spPr/>
-        <p:txBody>
-          <a:bodyPr/>
-          <a:lstStyle/>
-          <a:p>
-            <a:r>
-              <a:rPr lang="en-GB" dirty="0"/>
-              <a:t>Tic Toc</a:t>
-            </a:r>
-          </a:p>
-        </p:txBody>
-      </p:sp>
-    </p:spTree>
-    <p:extLst>
-      <p:ext uri="{BB962C8B-B14F-4D97-AF65-F5344CB8AC3E}">
-        <p14:creationId xmlns:p14="http://schemas.microsoft.com/office/powerpoint/2010/main" val="553406868"/>
-      </p:ext>
-    </p:extLst>
-  </p:cSld>
-  <p:clrMapOvr>
-    <a:masterClrMapping/>
-  </p:clrMapOvr>
-  <mc:AlternateContent xmlns:mc="http://schemas.openxmlformats.org/markup-compatibility/2006" xmlns:p14="http://schemas.microsoft.com/office/powerpoint/2010/main">
-    <mc:Choice Requires="p14">
-      <p:transition p14:dur="300">
-        <p:fade/>
-      </p:transition>
-    </mc:Choice>
-    <mc:Fallback xmlns="">
-      <p:transition>
-        <p:fade/>
-      </p:transition>
-    </mc:Fallback>
-  </mc:AlternateContent>
-</p:sld>
-</file>
-
-<file path=ppt/slides/slide16.xml><?xml version="1.0" encoding="utf-8"?>
-<p:sld xmlns:a="http://schemas.openxmlformats.org/drawingml/2006/main" xmlns:r="http://schemas.openxmlformats.org/officeDocument/2006/relationships" xmlns:p="http://schemas.openxmlformats.org/presentationml/2006/main">
-  <p:cSld>
-    <p:spTree>
-      <p:nvGrpSpPr>
-        <p:cNvPr id="1" name=""/>
-        <p:cNvGrpSpPr/>
-        <p:nvPr/>
-      </p:nvGrpSpPr>
-      <p:grpSpPr>
-        <a:xfrm>
-          <a:off x="0" y="0"/>
-          <a:ext cx="0" cy="0"/>
-          <a:chOff x="0" y="0"/>
-          <a:chExt cx="0" cy="0"/>
-        </a:xfrm>
-      </p:grpSpPr>
-      <p:sp>
-        <p:nvSpPr>
-          <p:cNvPr id="2" name="Title 1">
-            <a:extLst>
-              <a:ext uri="{FF2B5EF4-FFF2-40B4-BE49-F238E27FC236}">
-                <a16:creationId xmlns:a16="http://schemas.microsoft.com/office/drawing/2014/main" id="{8B0C5865-E132-43F0-814F-C61B94E5671C}"/>
-              </a:ext>
-            </a:extLst>
-          </p:cNvPr>
-          <p:cNvSpPr>
-            <a:spLocks noGrp="1"/>
-          </p:cNvSpPr>
-          <p:nvPr>
-            <p:ph type="title"/>
-          </p:nvPr>
-        </p:nvSpPr>
-        <p:spPr/>
-        <p:txBody>
-          <a:bodyPr/>
-          <a:lstStyle/>
-          <a:p>
-            <a:r>
-              <a:rPr lang="en-GB" dirty="0"/>
-              <a:t>Introduction to matrices</a:t>
-            </a:r>
-          </a:p>
-        </p:txBody>
-      </p:sp>
-      <p:sp>
-        <p:nvSpPr>
-          <p:cNvPr id="3" name="Content Placeholder 2">
-            <a:extLst>
-              <a:ext uri="{FF2B5EF4-FFF2-40B4-BE49-F238E27FC236}">
-                <a16:creationId xmlns:a16="http://schemas.microsoft.com/office/drawing/2014/main" id="{B00B5046-B5DF-4F1A-AFA6-4A5FA79CAEFA}"/>
-              </a:ext>
-            </a:extLst>
-          </p:cNvPr>
-          <p:cNvSpPr>
-            <a:spLocks noGrp="1"/>
-          </p:cNvSpPr>
-          <p:nvPr>
-            <p:ph idx="1"/>
-          </p:nvPr>
-        </p:nvSpPr>
-        <p:spPr/>
-        <p:txBody>
-          <a:bodyPr/>
-          <a:lstStyle/>
-          <a:p>
-            <a:r>
-              <a:rPr lang="en-GB" dirty="0"/>
-              <a:t>Demo creating a small matrix</a:t>
-            </a:r>
-          </a:p>
-          <a:p>
-            <a:r>
-              <a:rPr lang="en-GB" dirty="0"/>
-              <a:t>Could use rand(3)</a:t>
-            </a:r>
-          </a:p>
-          <a:p>
-            <a:r>
-              <a:rPr lang="en-GB" dirty="0"/>
-              <a:t>Dimension order</a:t>
-            </a:r>
-          </a:p>
-          <a:p>
-            <a:r>
-              <a:rPr lang="en-GB" dirty="0"/>
-              <a:t>Indexing</a:t>
-            </a:r>
-          </a:p>
-          <a:p>
-            <a:pPr lvl="1"/>
-            <a:r>
-              <a:rPr lang="en-GB" dirty="0"/>
-              <a:t>Accessing a single value</a:t>
-            </a:r>
-          </a:p>
-          <a:p>
-            <a:pPr lvl="1"/>
-            <a:r>
-              <a:rPr lang="en-GB" dirty="0"/>
-              <a:t>Accessing a range of values</a:t>
-            </a:r>
-          </a:p>
-        </p:txBody>
-      </p:sp>
-    </p:spTree>
-    <p:extLst>
-      <p:ext uri="{BB962C8B-B14F-4D97-AF65-F5344CB8AC3E}">
-        <p14:creationId xmlns:p14="http://schemas.microsoft.com/office/powerpoint/2010/main" val="2285108047"/>
-      </p:ext>
-    </p:extLst>
-  </p:cSld>
-  <p:clrMapOvr>
-    <a:masterClrMapping/>
-  </p:clrMapOvr>
-  <mc:AlternateContent xmlns:mc="http://schemas.openxmlformats.org/markup-compatibility/2006" xmlns:p14="http://schemas.microsoft.com/office/powerpoint/2010/main">
-    <mc:Choice Requires="p14">
-      <p:transition p14:dur="300">
-        <p:fade/>
-      </p:transition>
-    </mc:Choice>
-    <mc:Fallback xmlns="">
-      <p:transition>
-        <p:fade/>
-      </p:transition>
-    </mc:Fallback>
-  </mc:AlternateContent>
 </p:sld>
 </file>
 
@@ -5894,64 +8108,294 @@
           <a:p>
             <a:r>
               <a:rPr lang="en-GB" dirty="0"/>
-              <a:t>Introduction to matrices</a:t>
+              <a:t>Tic Toc</a:t>
+            </a:r>
+          </a:p>
+        </p:txBody>
+      </p:sp>
+      <p:graphicFrame>
+        <p:nvGraphicFramePr>
+          <p:cNvPr id="4" name="Chart 3">
+            <a:extLst>
+              <a:ext uri="{FF2B5EF4-FFF2-40B4-BE49-F238E27FC236}">
+                <a16:creationId xmlns:a16="http://schemas.microsoft.com/office/drawing/2014/main" id="{F2B4A43E-37DA-4FF2-9341-CABA10F269F5}"/>
+              </a:ext>
+            </a:extLst>
+          </p:cNvPr>
+          <p:cNvGraphicFramePr>
+            <a:graphicFrameLocks/>
+          </p:cNvGraphicFramePr>
+          <p:nvPr>
+            <p:extLst>
+              <p:ext uri="{D42A27DB-BD31-4B8C-83A1-F6EECF244321}">
+                <p14:modId xmlns:p14="http://schemas.microsoft.com/office/powerpoint/2010/main" val="2398670426"/>
+              </p:ext>
+            </p:extLst>
+          </p:nvPr>
+        </p:nvGraphicFramePr>
+        <p:xfrm>
+          <a:off x="1597572" y="1450429"/>
+          <a:ext cx="9701049" cy="4656082"/>
+        </p:xfrm>
+        <a:graphic>
+          <a:graphicData uri="http://schemas.openxmlformats.org/drawingml/2006/chart">
+            <c:chart xmlns:c="http://schemas.openxmlformats.org/drawingml/2006/chart" xmlns:r="http://schemas.openxmlformats.org/officeDocument/2006/relationships" r:id="rId2"/>
+          </a:graphicData>
+        </a:graphic>
+      </p:graphicFrame>
+      <p:cxnSp>
+        <p:nvCxnSpPr>
+          <p:cNvPr id="7" name="Straight Connector 6">
+            <a:extLst>
+              <a:ext uri="{FF2B5EF4-FFF2-40B4-BE49-F238E27FC236}">
+                <a16:creationId xmlns:a16="http://schemas.microsoft.com/office/drawing/2014/main" id="{C4A003F0-BCFA-4DFF-B371-3B3E1E160C4C}"/>
+              </a:ext>
+            </a:extLst>
+          </p:cNvPr>
+          <p:cNvCxnSpPr>
+            <a:cxnSpLocks/>
+          </p:cNvCxnSpPr>
+          <p:nvPr/>
+        </p:nvCxnSpPr>
+        <p:spPr>
+          <a:xfrm flipV="1">
+            <a:off x="3163619" y="1490428"/>
+            <a:ext cx="0" cy="3777737"/>
+          </a:xfrm>
+          <a:prstGeom prst="line">
+            <a:avLst/>
+          </a:prstGeom>
+          <a:ln w="25400">
+            <a:solidFill>
+              <a:srgbClr val="FF0000"/>
+            </a:solidFill>
+          </a:ln>
+        </p:spPr>
+        <p:style>
+          <a:lnRef idx="1">
+            <a:schemeClr val="accent1"/>
+          </a:lnRef>
+          <a:fillRef idx="0">
+            <a:schemeClr val="accent1"/>
+          </a:fillRef>
+          <a:effectRef idx="0">
+            <a:schemeClr val="accent1"/>
+          </a:effectRef>
+          <a:fontRef idx="minor">
+            <a:schemeClr val="tx1"/>
+          </a:fontRef>
+        </p:style>
+      </p:cxnSp>
+      <p:sp>
+        <p:nvSpPr>
+          <p:cNvPr id="8" name="TextBox 7">
+            <a:extLst>
+              <a:ext uri="{FF2B5EF4-FFF2-40B4-BE49-F238E27FC236}">
+                <a16:creationId xmlns:a16="http://schemas.microsoft.com/office/drawing/2014/main" id="{BC8D1EC2-D8BA-457E-B9AD-640927CF3D38}"/>
+              </a:ext>
+            </a:extLst>
+          </p:cNvPr>
+          <p:cNvSpPr txBox="1"/>
+          <p:nvPr/>
+        </p:nvSpPr>
+        <p:spPr>
+          <a:xfrm>
+            <a:off x="2107329" y="1121096"/>
+            <a:ext cx="2112580" cy="369332"/>
+          </a:xfrm>
+          <a:prstGeom prst="rect">
+            <a:avLst/>
+          </a:prstGeom>
+          <a:noFill/>
+        </p:spPr>
+        <p:txBody>
+          <a:bodyPr wrap="square" rtlCol="0">
+            <a:spAutoFit/>
+          </a:bodyPr>
+          <a:lstStyle/>
+          <a:p>
+            <a:pPr algn="ctr"/>
+            <a:r>
+              <a:rPr lang="en-GB" dirty="0">
+                <a:solidFill>
+                  <a:srgbClr val="FF0000"/>
+                </a:solidFill>
+              </a:rPr>
+              <a:t>1000px x 1000px</a:t>
             </a:r>
           </a:p>
         </p:txBody>
       </p:sp>
       <p:sp>
         <p:nvSpPr>
-          <p:cNvPr id="3" name="Content Placeholder 2">
+          <p:cNvPr id="11" name="TextBox 10">
             <a:extLst>
               <a:ext uri="{FF2B5EF4-FFF2-40B4-BE49-F238E27FC236}">
-                <a16:creationId xmlns:a16="http://schemas.microsoft.com/office/drawing/2014/main" id="{B00B5046-B5DF-4F1A-AFA6-4A5FA79CAEFA}"/>
+                <a16:creationId xmlns:a16="http://schemas.microsoft.com/office/drawing/2014/main" id="{5B466751-BA69-4A2F-B11A-8175C00F0766}"/>
               </a:ext>
             </a:extLst>
           </p:cNvPr>
-          <p:cNvSpPr>
-            <a:spLocks noGrp="1"/>
-          </p:cNvSpPr>
-          <p:nvPr>
-            <p:ph idx="1"/>
-          </p:nvPr>
+          <p:cNvSpPr txBox="1"/>
+          <p:nvPr/>
         </p:nvSpPr>
-        <p:spPr/>
+        <p:spPr>
+          <a:xfrm>
+            <a:off x="4301367" y="1121096"/>
+            <a:ext cx="2112580" cy="369332"/>
+          </a:xfrm>
+          <a:prstGeom prst="rect">
+            <a:avLst/>
+          </a:prstGeom>
+          <a:noFill/>
+        </p:spPr>
         <p:txBody>
-          <a:bodyPr/>
+          <a:bodyPr wrap="square" rtlCol="0">
+            <a:spAutoFit/>
+          </a:bodyPr>
           <a:lstStyle/>
           <a:p>
-            <a:r>
-              <a:rPr lang="en-GB" dirty="0"/>
-              <a:t>Matrix operations</a:t>
-            </a:r>
-          </a:p>
-          <a:p>
-            <a:pPr lvl="1"/>
-            <a:r>
-              <a:rPr lang="en-GB" dirty="0"/>
-              <a:t>Start by adding a single value to a matrix</a:t>
-            </a:r>
-          </a:p>
-          <a:p>
-            <a:pPr lvl="1"/>
-            <a:r>
-              <a:rPr lang="en-GB" dirty="0"/>
-              <a:t>Add two matrices together</a:t>
-            </a:r>
-          </a:p>
-          <a:p>
-            <a:pPr lvl="1"/>
-            <a:r>
-              <a:rPr lang="en-GB" dirty="0"/>
-              <a:t>Talk about the element-wise dot (e.g. .*)</a:t>
+            <a:pPr algn="ctr"/>
+            <a:r>
+              <a:rPr lang="en-GB" dirty="0">
+                <a:solidFill>
+                  <a:srgbClr val="FF0000"/>
+                </a:solidFill>
+              </a:rPr>
+              <a:t>2000px x 2000px</a:t>
             </a:r>
           </a:p>
         </p:txBody>
       </p:sp>
+      <p:sp>
+        <p:nvSpPr>
+          <p:cNvPr id="14" name="TextBox 13">
+            <a:extLst>
+              <a:ext uri="{FF2B5EF4-FFF2-40B4-BE49-F238E27FC236}">
+                <a16:creationId xmlns:a16="http://schemas.microsoft.com/office/drawing/2014/main" id="{400408BE-37F0-463D-8E2B-67BA30503B62}"/>
+              </a:ext>
+            </a:extLst>
+          </p:cNvPr>
+          <p:cNvSpPr txBox="1"/>
+          <p:nvPr/>
+        </p:nvSpPr>
+        <p:spPr>
+          <a:xfrm>
+            <a:off x="7972091" y="1121096"/>
+            <a:ext cx="2112580" cy="369332"/>
+          </a:xfrm>
+          <a:prstGeom prst="rect">
+            <a:avLst/>
+          </a:prstGeom>
+          <a:noFill/>
+        </p:spPr>
+        <p:txBody>
+          <a:bodyPr wrap="square" rtlCol="0">
+            <a:spAutoFit/>
+          </a:bodyPr>
+          <a:lstStyle/>
+          <a:p>
+            <a:pPr algn="ctr"/>
+            <a:r>
+              <a:rPr lang="en-GB" dirty="0">
+                <a:solidFill>
+                  <a:srgbClr val="FF0000"/>
+                </a:solidFill>
+              </a:rPr>
+              <a:t>3000px x 3000px</a:t>
+            </a:r>
+          </a:p>
+        </p:txBody>
+      </p:sp>
+      <p:cxnSp>
+        <p:nvCxnSpPr>
+          <p:cNvPr id="18" name="Straight Connector 17">
+            <a:extLst>
+              <a:ext uri="{FF2B5EF4-FFF2-40B4-BE49-F238E27FC236}">
+                <a16:creationId xmlns:a16="http://schemas.microsoft.com/office/drawing/2014/main" id="{AAAA0E07-4794-45C5-B62D-CC63EDDCBB54}"/>
+              </a:ext>
+            </a:extLst>
+          </p:cNvPr>
+          <p:cNvCxnSpPr>
+            <a:cxnSpLocks/>
+          </p:cNvCxnSpPr>
+          <p:nvPr/>
+        </p:nvCxnSpPr>
+        <p:spPr>
+          <a:xfrm flipV="1">
+            <a:off x="9023124" y="1490428"/>
+            <a:ext cx="0" cy="3777737"/>
+          </a:xfrm>
+          <a:prstGeom prst="line">
+            <a:avLst/>
+          </a:prstGeom>
+          <a:ln w="25400">
+            <a:solidFill>
+              <a:srgbClr val="FF0000"/>
+            </a:solidFill>
+          </a:ln>
+        </p:spPr>
+        <p:style>
+          <a:lnRef idx="1">
+            <a:schemeClr val="accent1"/>
+          </a:lnRef>
+          <a:fillRef idx="0">
+            <a:schemeClr val="accent1"/>
+          </a:fillRef>
+          <a:effectRef idx="0">
+            <a:schemeClr val="accent1"/>
+          </a:effectRef>
+          <a:fontRef idx="minor">
+            <a:schemeClr val="tx1"/>
+          </a:fontRef>
+        </p:style>
+      </p:cxnSp>
+      <p:cxnSp>
+        <p:nvCxnSpPr>
+          <p:cNvPr id="19" name="Straight Connector 18">
+            <a:extLst>
+              <a:ext uri="{FF2B5EF4-FFF2-40B4-BE49-F238E27FC236}">
+                <a16:creationId xmlns:a16="http://schemas.microsoft.com/office/drawing/2014/main" id="{4525A2E4-3BB7-4D62-864C-8A4C2C17E941}"/>
+              </a:ext>
+            </a:extLst>
+          </p:cNvPr>
+          <p:cNvCxnSpPr>
+            <a:cxnSpLocks/>
+          </p:cNvCxnSpPr>
+          <p:nvPr/>
+        </p:nvCxnSpPr>
+        <p:spPr>
+          <a:xfrm flipV="1">
+            <a:off x="5355025" y="1490428"/>
+            <a:ext cx="0" cy="3777737"/>
+          </a:xfrm>
+          <a:prstGeom prst="line">
+            <a:avLst/>
+          </a:prstGeom>
+          <a:ln w="25400">
+            <a:solidFill>
+              <a:srgbClr val="FF0000"/>
+            </a:solidFill>
+          </a:ln>
+        </p:spPr>
+        <p:style>
+          <a:lnRef idx="1">
+            <a:schemeClr val="accent1"/>
+          </a:lnRef>
+          <a:fillRef idx="0">
+            <a:schemeClr val="accent1"/>
+          </a:fillRef>
+          <a:effectRef idx="0">
+            <a:schemeClr val="accent1"/>
+          </a:effectRef>
+          <a:fontRef idx="minor">
+            <a:schemeClr val="tx1"/>
+          </a:fontRef>
+        </p:style>
+      </p:cxnSp>
     </p:spTree>
     <p:extLst>
       <p:ext uri="{BB962C8B-B14F-4D97-AF65-F5344CB8AC3E}">
-        <p14:creationId xmlns:p14="http://schemas.microsoft.com/office/powerpoint/2010/main" val="909048802"/>
+        <p14:creationId xmlns:p14="http://schemas.microsoft.com/office/powerpoint/2010/main" val="553406868"/>
       </p:ext>
     </p:extLst>
   </p:cSld>
@@ -5970,6 +8414,269 @@
       </p:transition>
     </mc:Fallback>
   </mc:AlternateContent>
+  <p:timing>
+    <p:tnLst>
+      <p:par>
+        <p:cTn id="1" dur="indefinite" restart="never" nodeType="tmRoot">
+          <p:childTnLst>
+            <p:seq concurrent="1" nextAc="seek">
+              <p:cTn id="2" dur="indefinite" nodeType="mainSeq">
+                <p:childTnLst>
+                  <p:par>
+                    <p:cTn id="3" fill="hold">
+                      <p:stCondLst>
+                        <p:cond delay="indefinite"/>
+                      </p:stCondLst>
+                      <p:childTnLst>
+                        <p:par>
+                          <p:cTn id="4" fill="hold">
+                            <p:stCondLst>
+                              <p:cond delay="0"/>
+                            </p:stCondLst>
+                            <p:childTnLst>
+                              <p:par>
+                                <p:cTn id="5" presetID="10" presetClass="entr" presetSubtype="0" fill="hold" nodeType="clickEffect">
+                                  <p:stCondLst>
+                                    <p:cond delay="0"/>
+                                  </p:stCondLst>
+                                  <p:childTnLst>
+                                    <p:set>
+                                      <p:cBhvr>
+                                        <p:cTn id="6" dur="1" fill="hold">
+                                          <p:stCondLst>
+                                            <p:cond delay="0"/>
+                                          </p:stCondLst>
+                                        </p:cTn>
+                                        <p:tgtEl>
+                                          <p:spTgt spid="7"/>
+                                        </p:tgtEl>
+                                        <p:attrNameLst>
+                                          <p:attrName>style.visibility</p:attrName>
+                                        </p:attrNameLst>
+                                      </p:cBhvr>
+                                      <p:to>
+                                        <p:strVal val="visible"/>
+                                      </p:to>
+                                    </p:set>
+                                    <p:animEffect transition="in" filter="fade">
+                                      <p:cBhvr>
+                                        <p:cTn id="7" dur="300"/>
+                                        <p:tgtEl>
+                                          <p:spTgt spid="7"/>
+                                        </p:tgtEl>
+                                      </p:cBhvr>
+                                    </p:animEffect>
+                                  </p:childTnLst>
+                                </p:cTn>
+                              </p:par>
+                              <p:par>
+                                <p:cTn id="8" presetID="10" presetClass="entr" presetSubtype="0" fill="hold" grpId="0" nodeType="withEffect">
+                                  <p:stCondLst>
+                                    <p:cond delay="0"/>
+                                  </p:stCondLst>
+                                  <p:childTnLst>
+                                    <p:set>
+                                      <p:cBhvr>
+                                        <p:cTn id="9" dur="1" fill="hold">
+                                          <p:stCondLst>
+                                            <p:cond delay="0"/>
+                                          </p:stCondLst>
+                                        </p:cTn>
+                                        <p:tgtEl>
+                                          <p:spTgt spid="8"/>
+                                        </p:tgtEl>
+                                        <p:attrNameLst>
+                                          <p:attrName>style.visibility</p:attrName>
+                                        </p:attrNameLst>
+                                      </p:cBhvr>
+                                      <p:to>
+                                        <p:strVal val="visible"/>
+                                      </p:to>
+                                    </p:set>
+                                    <p:animEffect transition="in" filter="fade">
+                                      <p:cBhvr>
+                                        <p:cTn id="10" dur="300"/>
+                                        <p:tgtEl>
+                                          <p:spTgt spid="8"/>
+                                        </p:tgtEl>
+                                      </p:cBhvr>
+                                    </p:animEffect>
+                                  </p:childTnLst>
+                                </p:cTn>
+                              </p:par>
+                              <p:par>
+                                <p:cTn id="11" presetID="10" presetClass="entr" presetSubtype="0" fill="hold" grpId="0" nodeType="withEffect">
+                                  <p:stCondLst>
+                                    <p:cond delay="0"/>
+                                  </p:stCondLst>
+                                  <p:childTnLst>
+                                    <p:set>
+                                      <p:cBhvr>
+                                        <p:cTn id="12" dur="1" fill="hold">
+                                          <p:stCondLst>
+                                            <p:cond delay="0"/>
+                                          </p:stCondLst>
+                                        </p:cTn>
+                                        <p:tgtEl>
+                                          <p:spTgt spid="11"/>
+                                        </p:tgtEl>
+                                        <p:attrNameLst>
+                                          <p:attrName>style.visibility</p:attrName>
+                                        </p:attrNameLst>
+                                      </p:cBhvr>
+                                      <p:to>
+                                        <p:strVal val="visible"/>
+                                      </p:to>
+                                    </p:set>
+                                    <p:animEffect transition="in" filter="fade">
+                                      <p:cBhvr>
+                                        <p:cTn id="13" dur="300"/>
+                                        <p:tgtEl>
+                                          <p:spTgt spid="11"/>
+                                        </p:tgtEl>
+                                      </p:cBhvr>
+                                    </p:animEffect>
+                                  </p:childTnLst>
+                                </p:cTn>
+                              </p:par>
+                              <p:par>
+                                <p:cTn id="14" presetID="10" presetClass="entr" presetSubtype="0" fill="hold" nodeType="withEffect">
+                                  <p:stCondLst>
+                                    <p:cond delay="0"/>
+                                  </p:stCondLst>
+                                  <p:childTnLst>
+                                    <p:set>
+                                      <p:cBhvr>
+                                        <p:cTn id="15" dur="1" fill="hold">
+                                          <p:stCondLst>
+                                            <p:cond delay="0"/>
+                                          </p:stCondLst>
+                                        </p:cTn>
+                                        <p:tgtEl>
+                                          <p:spTgt spid="19"/>
+                                        </p:tgtEl>
+                                        <p:attrNameLst>
+                                          <p:attrName>style.visibility</p:attrName>
+                                        </p:attrNameLst>
+                                      </p:cBhvr>
+                                      <p:to>
+                                        <p:strVal val="visible"/>
+                                      </p:to>
+                                    </p:set>
+                                    <p:animEffect transition="in" filter="fade">
+                                      <p:cBhvr>
+                                        <p:cTn id="16" dur="300"/>
+                                        <p:tgtEl>
+                                          <p:spTgt spid="19"/>
+                                        </p:tgtEl>
+                                      </p:cBhvr>
+                                    </p:animEffect>
+                                  </p:childTnLst>
+                                </p:cTn>
+                              </p:par>
+                              <p:par>
+                                <p:cTn id="17" presetID="10" presetClass="entr" presetSubtype="0" fill="hold" grpId="0" nodeType="withEffect">
+                                  <p:stCondLst>
+                                    <p:cond delay="0"/>
+                                  </p:stCondLst>
+                                  <p:childTnLst>
+                                    <p:set>
+                                      <p:cBhvr>
+                                        <p:cTn id="18" dur="1" fill="hold">
+                                          <p:stCondLst>
+                                            <p:cond delay="0"/>
+                                          </p:stCondLst>
+                                        </p:cTn>
+                                        <p:tgtEl>
+                                          <p:spTgt spid="14"/>
+                                        </p:tgtEl>
+                                        <p:attrNameLst>
+                                          <p:attrName>style.visibility</p:attrName>
+                                        </p:attrNameLst>
+                                      </p:cBhvr>
+                                      <p:to>
+                                        <p:strVal val="visible"/>
+                                      </p:to>
+                                    </p:set>
+                                    <p:animEffect transition="in" filter="fade">
+                                      <p:cBhvr>
+                                        <p:cTn id="19" dur="300"/>
+                                        <p:tgtEl>
+                                          <p:spTgt spid="14"/>
+                                        </p:tgtEl>
+                                      </p:cBhvr>
+                                    </p:animEffect>
+                                  </p:childTnLst>
+                                </p:cTn>
+                              </p:par>
+                              <p:par>
+                                <p:cTn id="20" presetID="10" presetClass="entr" presetSubtype="0" fill="hold" nodeType="withEffect">
+                                  <p:stCondLst>
+                                    <p:cond delay="0"/>
+                                  </p:stCondLst>
+                                  <p:childTnLst>
+                                    <p:set>
+                                      <p:cBhvr>
+                                        <p:cTn id="21" dur="1" fill="hold">
+                                          <p:stCondLst>
+                                            <p:cond delay="0"/>
+                                          </p:stCondLst>
+                                        </p:cTn>
+                                        <p:tgtEl>
+                                          <p:spTgt spid="18"/>
+                                        </p:tgtEl>
+                                        <p:attrNameLst>
+                                          <p:attrName>style.visibility</p:attrName>
+                                        </p:attrNameLst>
+                                      </p:cBhvr>
+                                      <p:to>
+                                        <p:strVal val="visible"/>
+                                      </p:to>
+                                    </p:set>
+                                    <p:animEffect transition="in" filter="fade">
+                                      <p:cBhvr>
+                                        <p:cTn id="22" dur="300"/>
+                                        <p:tgtEl>
+                                          <p:spTgt spid="18"/>
+                                        </p:tgtEl>
+                                      </p:cBhvr>
+                                    </p:animEffect>
+                                  </p:childTnLst>
+                                </p:cTn>
+                              </p:par>
+                            </p:childTnLst>
+                          </p:cTn>
+                        </p:par>
+                      </p:childTnLst>
+                    </p:cTn>
+                  </p:par>
+                </p:childTnLst>
+              </p:cTn>
+              <p:prevCondLst>
+                <p:cond evt="onPrev" delay="0">
+                  <p:tgtEl>
+                    <p:sldTgt/>
+                  </p:tgtEl>
+                </p:cond>
+              </p:prevCondLst>
+              <p:nextCondLst>
+                <p:cond evt="onNext" delay="0">
+                  <p:tgtEl>
+                    <p:sldTgt/>
+                  </p:tgtEl>
+                </p:cond>
+              </p:nextCondLst>
+            </p:seq>
+          </p:childTnLst>
+        </p:cTn>
+      </p:par>
+    </p:tnLst>
+    <p:bldLst>
+      <p:bldP spid="8" grpId="0"/>
+      <p:bldP spid="11" grpId="0"/>
+      <p:bldP spid="14" grpId="0"/>
+    </p:bldLst>
+  </p:timing>
 </p:sld>
 </file>
 
@@ -6013,7 +8720,7 @@
           <a:p>
             <a:r>
               <a:rPr lang="en-GB" dirty="0"/>
-              <a:t>Initialising matrices</a:t>
+              <a:t>Profiler</a:t>
             </a:r>
           </a:p>
         </p:txBody>
@@ -6041,43 +8748,99 @@
           <a:p>
             <a:r>
               <a:rPr lang="en-GB" dirty="0"/>
-              <a:t>Why and how?</a:t>
-            </a:r>
-          </a:p>
-          <a:p>
+              <a:t>Evaluates the time taken by each line of code</a:t>
+            </a:r>
+          </a:p>
+          <a:p>
+            <a:pPr lvl="1"/>
             <a:r>
               <a:rPr lang="en-GB" dirty="0"/>
-              <a:t>Demo of creating a matrix</a:t>
+              <a:t>Only works for scripts and functions</a:t>
+            </a:r>
+          </a:p>
+          <a:p>
+            <a:pPr lvl="2"/>
+            <a:r>
+              <a:rPr lang="en-GB" dirty="0"/>
+              <a:t>Doesn’t work on code in the command window</a:t>
+            </a:r>
+          </a:p>
+          <a:p>
+            <a:pPr lvl="2"/>
+            <a:endParaRPr lang="en-GB" sz="1200" dirty="0"/>
+          </a:p>
+          <a:p>
+            <a:r>
+              <a:rPr lang="en-GB" dirty="0"/>
+              <a:t>Using the profiler</a:t>
             </a:r>
           </a:p>
           <a:p>
             <a:pPr lvl="1"/>
             <a:r>
               <a:rPr lang="en-GB" dirty="0"/>
-              <a:t>Non-initialised</a:t>
+              <a:t>Start profiler using </a:t>
+            </a:r>
+            <a:r>
+              <a:rPr lang="en-GB" i="1" dirty="0">
+                <a:solidFill>
+                  <a:schemeClr val="accent1"/>
+                </a:solidFill>
+              </a:rPr>
+              <a:t>profile on</a:t>
             </a:r>
           </a:p>
           <a:p>
             <a:pPr lvl="1"/>
             <a:r>
               <a:rPr lang="en-GB" dirty="0"/>
-              <a:t>Initialised</a:t>
+              <a:t>Stop profiler using </a:t>
+            </a:r>
+            <a:r>
+              <a:rPr lang="en-GB" i="1" dirty="0">
+                <a:solidFill>
+                  <a:schemeClr val="accent1"/>
+                </a:solidFill>
+              </a:rPr>
+              <a:t>profile off</a:t>
             </a:r>
           </a:p>
           <a:p>
             <a:pPr lvl="1"/>
-            <a:endParaRPr lang="en-GB" dirty="0"/>
+            <a:r>
+              <a:rPr lang="en-GB" dirty="0"/>
+              <a:t>View profile results using </a:t>
+            </a:r>
+            <a:r>
+              <a:rPr lang="en-GB" i="1" dirty="0">
+                <a:solidFill>
+                  <a:schemeClr val="accent1"/>
+                </a:solidFill>
+              </a:rPr>
+              <a:t>profiler viewer</a:t>
+            </a:r>
           </a:p>
           <a:p>
             <a:pPr lvl="1"/>
-            <a:endParaRPr lang="en-GB" dirty="0"/>
+            <a:r>
+              <a:rPr lang="en-GB" dirty="0"/>
+              <a:t>Clear previous results with </a:t>
+            </a:r>
+            <a:r>
+              <a:rPr lang="en-GB" i="1" dirty="0">
+                <a:solidFill>
+                  <a:schemeClr val="accent1"/>
+                </a:solidFill>
+              </a:rPr>
+              <a:t>profile clear</a:t>
+            </a:r>
           </a:p>
         </p:txBody>
       </p:sp>
     </p:spTree>
     <p:extLst>
       <p:ext uri="{BB962C8B-B14F-4D97-AF65-F5344CB8AC3E}">
-        <p14:creationId xmlns:p14="http://schemas.microsoft.com/office/powerpoint/2010/main" val="1466587016"/>
+        <p14:creationId xmlns:p14="http://schemas.microsoft.com/office/powerpoint/2010/main" val="2285108047"/>
       </p:ext>
     </p:extLst>
   </p:cSld>
@@ -6139,63 +8902,129 @@
           <a:p>
             <a:r>
               <a:rPr lang="en-GB" dirty="0"/>
-              <a:t>Optimising code</a:t>
+              <a:t>Profiler</a:t>
             </a:r>
           </a:p>
         </p:txBody>
       </p:sp>
-      <p:sp>
-        <p:nvSpPr>
-          <p:cNvPr id="3" name="Content Placeholder 2">
+      <p:pic>
+        <p:nvPicPr>
+          <p:cNvPr id="4" name="Picture 3">
             <a:extLst>
               <a:ext uri="{FF2B5EF4-FFF2-40B4-BE49-F238E27FC236}">
-                <a16:creationId xmlns:a16="http://schemas.microsoft.com/office/drawing/2014/main" id="{B00B5046-B5DF-4F1A-AFA6-4A5FA79CAEFA}"/>
+                <a16:creationId xmlns:a16="http://schemas.microsoft.com/office/drawing/2014/main" id="{35930B1B-DD17-4113-9394-19C2191B6270}"/>
               </a:ext>
             </a:extLst>
           </p:cNvPr>
-          <p:cNvSpPr>
-            <a:spLocks noGrp="1"/>
-          </p:cNvSpPr>
-          <p:nvPr>
-            <p:ph idx="1"/>
-          </p:nvPr>
-        </p:nvSpPr>
-        <p:spPr/>
-        <p:txBody>
-          <a:bodyPr/>
-          <a:lstStyle/>
-          <a:p>
-            <a:r>
-              <a:rPr lang="en-GB" dirty="0"/>
-              <a:t>Tic toc</a:t>
-            </a:r>
-          </a:p>
-          <a:p>
-            <a:pPr lvl="1"/>
-            <a:r>
-              <a:rPr lang="en-GB" dirty="0"/>
-              <a:t>Demo</a:t>
-            </a:r>
-          </a:p>
-          <a:p>
-            <a:r>
-              <a:rPr lang="en-GB" dirty="0"/>
-              <a:t>Profiler</a:t>
-            </a:r>
-          </a:p>
-          <a:p>
-            <a:pPr lvl="1"/>
-            <a:r>
-              <a:rPr lang="en-GB" dirty="0"/>
-              <a:t>Demo</a:t>
-            </a:r>
-          </a:p>
-        </p:txBody>
-      </p:sp>
+          <p:cNvPicPr>
+            <a:picLocks noChangeAspect="1"/>
+          </p:cNvPicPr>
+          <p:nvPr/>
+        </p:nvPicPr>
+        <p:blipFill>
+          <a:blip r:embed="rId2"/>
+          <a:stretch>
+            <a:fillRect/>
+          </a:stretch>
+        </p:blipFill>
+        <p:spPr>
+          <a:xfrm>
+            <a:off x="1605056" y="2096504"/>
+            <a:ext cx="2952750" cy="3048000"/>
+          </a:xfrm>
+          <a:prstGeom prst="rect">
+            <a:avLst/>
+          </a:prstGeom>
+          <a:ln w="12700">
+            <a:solidFill>
+              <a:srgbClr val="BF2F37"/>
+            </a:solidFill>
+          </a:ln>
+        </p:spPr>
+      </p:pic>
+      <p:pic>
+        <p:nvPicPr>
+          <p:cNvPr id="8" name="Picture 7">
+            <a:extLst>
+              <a:ext uri="{FF2B5EF4-FFF2-40B4-BE49-F238E27FC236}">
+                <a16:creationId xmlns:a16="http://schemas.microsoft.com/office/drawing/2014/main" id="{3B52FA41-FFCE-4492-A0EB-1063A00C0761}"/>
+              </a:ext>
+            </a:extLst>
+          </p:cNvPr>
+          <p:cNvPicPr>
+            <a:picLocks noChangeAspect="1"/>
+          </p:cNvPicPr>
+          <p:nvPr/>
+        </p:nvPicPr>
+        <p:blipFill>
+          <a:blip r:embed="rId3"/>
+          <a:stretch>
+            <a:fillRect/>
+          </a:stretch>
+        </p:blipFill>
+        <p:spPr>
+          <a:xfrm>
+            <a:off x="6134960" y="1203059"/>
+            <a:ext cx="4451985" cy="4834890"/>
+          </a:xfrm>
+          <a:prstGeom prst="rect">
+            <a:avLst/>
+          </a:prstGeom>
+          <a:ln w="12700">
+            <a:solidFill>
+              <a:srgbClr val="BF2F37"/>
+            </a:solidFill>
+          </a:ln>
+        </p:spPr>
+      </p:pic>
+      <p:cxnSp>
+        <p:nvCxnSpPr>
+          <p:cNvPr id="10" name="Straight Arrow Connector 9">
+            <a:extLst>
+              <a:ext uri="{FF2B5EF4-FFF2-40B4-BE49-F238E27FC236}">
+                <a16:creationId xmlns:a16="http://schemas.microsoft.com/office/drawing/2014/main" id="{D42F41E2-CC75-4615-A875-4FD0340233AF}"/>
+              </a:ext>
+            </a:extLst>
+          </p:cNvPr>
+          <p:cNvCxnSpPr>
+            <a:cxnSpLocks/>
+          </p:cNvCxnSpPr>
+          <p:nvPr/>
+        </p:nvCxnSpPr>
+        <p:spPr>
+          <a:xfrm>
+            <a:off x="4957500" y="3620504"/>
+            <a:ext cx="777766" cy="0"/>
+          </a:xfrm>
+          <a:prstGeom prst="straightConnector1">
+            <a:avLst/>
+          </a:prstGeom>
+          <a:ln w="28575">
+            <a:solidFill>
+              <a:srgbClr val="BF2F37"/>
+            </a:solidFill>
+            <a:tailEnd type="triangle" w="lg" len="lg"/>
+          </a:ln>
+        </p:spPr>
+        <p:style>
+          <a:lnRef idx="1">
+            <a:schemeClr val="accent1"/>
+          </a:lnRef>
+          <a:fillRef idx="0">
+            <a:schemeClr val="accent1"/>
+          </a:fillRef>
+          <a:effectRef idx="0">
+            <a:schemeClr val="accent1"/>
+          </a:effectRef>
+          <a:fontRef idx="minor">
+            <a:schemeClr val="tx1"/>
+          </a:fontRef>
+        </p:style>
+      </p:cxnSp>
     </p:spTree>
     <p:extLst>
       <p:ext uri="{BB962C8B-B14F-4D97-AF65-F5344CB8AC3E}">
-        <p14:creationId xmlns:p14="http://schemas.microsoft.com/office/powerpoint/2010/main" val="1218872746"/>
+        <p14:creationId xmlns:p14="http://schemas.microsoft.com/office/powerpoint/2010/main" val="1108258225"/>
       </p:ext>
     </p:extLst>
   </p:cSld>
@@ -6214,6 +9043,124 @@
       </p:transition>
     </mc:Fallback>
   </mc:AlternateContent>
+  <p:timing>
+    <p:tnLst>
+      <p:par>
+        <p:cTn id="1" dur="indefinite" restart="never" nodeType="tmRoot">
+          <p:childTnLst>
+            <p:seq concurrent="1" nextAc="seek">
+              <p:cTn id="2" dur="indefinite" nodeType="mainSeq">
+                <p:childTnLst>
+                  <p:par>
+                    <p:cTn id="3" fill="hold">
+                      <p:stCondLst>
+                        <p:cond delay="indefinite"/>
+                      </p:stCondLst>
+                      <p:childTnLst>
+                        <p:par>
+                          <p:cTn id="4" fill="hold">
+                            <p:stCondLst>
+                              <p:cond delay="0"/>
+                            </p:stCondLst>
+                            <p:childTnLst>
+                              <p:par>
+                                <p:cTn id="5" presetID="10" presetClass="entr" presetSubtype="0" fill="hold" nodeType="clickEffect">
+                                  <p:stCondLst>
+                                    <p:cond delay="0"/>
+                                  </p:stCondLst>
+                                  <p:childTnLst>
+                                    <p:set>
+                                      <p:cBhvr>
+                                        <p:cTn id="6" dur="1" fill="hold">
+                                          <p:stCondLst>
+                                            <p:cond delay="0"/>
+                                          </p:stCondLst>
+                                        </p:cTn>
+                                        <p:tgtEl>
+                                          <p:spTgt spid="10"/>
+                                        </p:tgtEl>
+                                        <p:attrNameLst>
+                                          <p:attrName>style.visibility</p:attrName>
+                                        </p:attrNameLst>
+                                      </p:cBhvr>
+                                      <p:to>
+                                        <p:strVal val="visible"/>
+                                      </p:to>
+                                    </p:set>
+                                    <p:animEffect transition="in" filter="fade">
+                                      <p:cBhvr>
+                                        <p:cTn id="7" dur="300"/>
+                                        <p:tgtEl>
+                                          <p:spTgt spid="10"/>
+                                        </p:tgtEl>
+                                      </p:cBhvr>
+                                    </p:animEffect>
+                                  </p:childTnLst>
+                                </p:cTn>
+                              </p:par>
+                              <p:par>
+                                <p:cTn id="8" presetID="10" presetClass="entr" presetSubtype="0" fill="hold" nodeType="withEffect">
+                                  <p:stCondLst>
+                                    <p:cond delay="0"/>
+                                  </p:stCondLst>
+                                  <p:childTnLst>
+                                    <p:set>
+                                      <p:cBhvr>
+                                        <p:cTn id="9" dur="1" fill="hold">
+                                          <p:stCondLst>
+                                            <p:cond delay="0"/>
+                                          </p:stCondLst>
+                                        </p:cTn>
+                                        <p:tgtEl>
+                                          <p:spTgt spid="8"/>
+                                        </p:tgtEl>
+                                        <p:attrNameLst>
+                                          <p:attrName>style.visibility</p:attrName>
+                                        </p:attrNameLst>
+                                      </p:cBhvr>
+                                      <p:to>
+                                        <p:strVal val="visible"/>
+                                      </p:to>
+                                    </p:set>
+                                    <p:animEffect transition="in" filter="fade">
+                                      <p:cBhvr>
+                                        <p:cTn id="10" dur="300"/>
+                                        <p:tgtEl>
+                                          <p:spTgt spid="8"/>
+                                        </p:tgtEl>
+                                      </p:cBhvr>
+                                    </p:animEffect>
+                                  </p:childTnLst>
+                                </p:cTn>
+                              </p:par>
+                            </p:childTnLst>
+                          </p:cTn>
+                        </p:par>
+                      </p:childTnLst>
+                    </p:cTn>
+                  </p:par>
+                </p:childTnLst>
+              </p:cTn>
+              <p:prevCondLst>
+                <p:cond evt="onPrev" delay="0">
+                  <p:tgtEl>
+                    <p:sldTgt/>
+                  </p:tgtEl>
+                </p:cond>
+              </p:prevCondLst>
+              <p:nextCondLst>
+                <p:cond evt="onNext" delay="0">
+                  <p:tgtEl>
+                    <p:sldTgt/>
+                  </p:tgtEl>
+                </p:cond>
+              </p:nextCondLst>
+            </p:seq>
+          </p:childTnLst>
+        </p:cTn>
+      </p:par>
+    </p:tnLst>
+  </p:timing>
 </p:sld>
 </file>
 
@@ -6835,7 +9782,7 @@
           <p:cNvPr id="2" name="Title 1">
             <a:extLst>
               <a:ext uri="{FF2B5EF4-FFF2-40B4-BE49-F238E27FC236}">
-                <a16:creationId xmlns:a16="http://schemas.microsoft.com/office/drawing/2014/main" id="{8EEF9218-B50A-424A-A99D-57BA08F4A8E3}"/>
+                <a16:creationId xmlns:a16="http://schemas.microsoft.com/office/drawing/2014/main" id="{8B0C5865-E132-43F0-814F-C61B94E5671C}"/>
               </a:ext>
             </a:extLst>
           </p:cNvPr>
@@ -6851,55 +9798,66 @@
           <a:bodyPr/>
           <a:lstStyle/>
           <a:p>
-            <a:endParaRPr lang="en-GB" dirty="0"/>
+            <a:r>
+              <a:rPr lang="en-GB" dirty="0"/>
+              <a:t>Introduction to matrices</a:t>
+            </a:r>
           </a:p>
         </p:txBody>
       </p:sp>
       <p:sp>
         <p:nvSpPr>
-          <p:cNvPr id="4" name="TextBox 3">
+          <p:cNvPr id="3" name="Content Placeholder 2">
             <a:extLst>
               <a:ext uri="{FF2B5EF4-FFF2-40B4-BE49-F238E27FC236}">
-                <a16:creationId xmlns:a16="http://schemas.microsoft.com/office/drawing/2014/main" id="{31426854-EE0B-4A5A-AC6D-2BF50C4B1D90}"/>
+                <a16:creationId xmlns:a16="http://schemas.microsoft.com/office/drawing/2014/main" id="{B00B5046-B5DF-4F1A-AFA6-4A5FA79CAEFA}"/>
               </a:ext>
             </a:extLst>
           </p:cNvPr>
-          <p:cNvSpPr txBox="1"/>
-          <p:nvPr/>
+          <p:cNvSpPr>
+            <a:spLocks noGrp="1"/>
+          </p:cNvSpPr>
+          <p:nvPr>
+            <p:ph idx="1"/>
+          </p:nvPr>
         </p:nvSpPr>
-        <p:spPr>
-          <a:xfrm>
-            <a:off x="2052408" y="3136612"/>
-            <a:ext cx="8087183" cy="584775"/>
-          </a:xfrm>
-          <a:prstGeom prst="rect">
-            <a:avLst/>
-          </a:prstGeom>
-          <a:noFill/>
-        </p:spPr>
+        <p:spPr/>
         <p:txBody>
-          <a:bodyPr wrap="square" rtlCol="0">
-            <a:spAutoFit/>
-          </a:bodyPr>
+          <a:bodyPr/>
           <a:lstStyle/>
           <a:p>
-            <a:pPr algn="ctr"/>
-            <a:r>
-              <a:rPr lang="en-GB" sz="3200" dirty="0"/>
-              <a:t>Image processing</a:t>
-            </a:r>
-            <a:endParaRPr lang="en-GB" sz="2800" dirty="0">
-              <a:solidFill>
-                <a:schemeClr val="tx1"/>
-              </a:solidFill>
-            </a:endParaRPr>
+            <a:r>
+              <a:rPr lang="en-GB" dirty="0"/>
+              <a:t>Matrix operations</a:t>
+            </a:r>
+          </a:p>
+          <a:p>
+            <a:pPr lvl="1"/>
+            <a:r>
+              <a:rPr lang="en-GB" dirty="0"/>
+              <a:t>Start by adding a single value to a matrix</a:t>
+            </a:r>
+          </a:p>
+          <a:p>
+            <a:pPr lvl="1"/>
+            <a:r>
+              <a:rPr lang="en-GB" dirty="0"/>
+              <a:t>Add two matrices together</a:t>
+            </a:r>
+          </a:p>
+          <a:p>
+            <a:pPr lvl="1"/>
+            <a:r>
+              <a:rPr lang="en-GB" dirty="0"/>
+              <a:t>Talk about the element-wise dot (e.g. .*)</a:t>
+            </a:r>
           </a:p>
         </p:txBody>
       </p:sp>
     </p:spTree>
     <p:extLst>
       <p:ext uri="{BB962C8B-B14F-4D97-AF65-F5344CB8AC3E}">
-        <p14:creationId xmlns:p14="http://schemas.microsoft.com/office/powerpoint/2010/main" val="519321222"/>
+        <p14:creationId xmlns:p14="http://schemas.microsoft.com/office/powerpoint/2010/main" val="909048802"/>
       </p:ext>
     </p:extLst>
   </p:cSld>
@@ -6943,7 +9901,7 @@
           <p:cNvPr id="2" name="Title 1">
             <a:extLst>
               <a:ext uri="{FF2B5EF4-FFF2-40B4-BE49-F238E27FC236}">
-                <a16:creationId xmlns:a16="http://schemas.microsoft.com/office/drawing/2014/main" id="{8B0C5865-E132-43F0-814F-C61B94E5671C}"/>
+                <a16:creationId xmlns:a16="http://schemas.microsoft.com/office/drawing/2014/main" id="{8EEF9218-B50A-424A-A99D-57BA08F4A8E3}"/>
               </a:ext>
             </a:extLst>
           </p:cNvPr>
@@ -6959,65 +9917,55 @@
           <a:bodyPr/>
           <a:lstStyle/>
           <a:p>
-            <a:r>
-              <a:rPr lang="en-GB" dirty="0"/>
-              <a:t>Image loading</a:t>
-            </a:r>
+            <a:endParaRPr lang="en-GB" dirty="0"/>
           </a:p>
         </p:txBody>
       </p:sp>
       <p:sp>
         <p:nvSpPr>
-          <p:cNvPr id="3" name="Content Placeholder 2">
+          <p:cNvPr id="4" name="TextBox 3">
             <a:extLst>
               <a:ext uri="{FF2B5EF4-FFF2-40B4-BE49-F238E27FC236}">
-                <a16:creationId xmlns:a16="http://schemas.microsoft.com/office/drawing/2014/main" id="{B00B5046-B5DF-4F1A-AFA6-4A5FA79CAEFA}"/>
+                <a16:creationId xmlns:a16="http://schemas.microsoft.com/office/drawing/2014/main" id="{31426854-EE0B-4A5A-AC6D-2BF50C4B1D90}"/>
               </a:ext>
             </a:extLst>
           </p:cNvPr>
-          <p:cNvSpPr>
-            <a:spLocks noGrp="1"/>
-          </p:cNvSpPr>
-          <p:nvPr>
-            <p:ph idx="1"/>
-          </p:nvPr>
+          <p:cNvSpPr txBox="1"/>
+          <p:nvPr/>
         </p:nvSpPr>
-        <p:spPr/>
+        <p:spPr>
+          <a:xfrm>
+            <a:off x="2052408" y="3136612"/>
+            <a:ext cx="8087183" cy="584775"/>
+          </a:xfrm>
+          <a:prstGeom prst="rect">
+            <a:avLst/>
+          </a:prstGeom>
+          <a:noFill/>
+        </p:spPr>
         <p:txBody>
-          <a:bodyPr/>
+          <a:bodyPr wrap="square" rtlCol="0">
+            <a:spAutoFit/>
+          </a:bodyPr>
           <a:lstStyle/>
           <a:p>
-            <a:r>
-              <a:rPr lang="en-GB" dirty="0"/>
-              <a:t>Using standard libraries</a:t>
-            </a:r>
-          </a:p>
-          <a:p>
-            <a:pPr lvl="1"/>
-            <a:r>
-              <a:rPr lang="en-GB" dirty="0" err="1"/>
-              <a:t>imread</a:t>
-            </a:r>
-            <a:endParaRPr lang="en-GB" dirty="0"/>
-          </a:p>
-          <a:p>
-            <a:r>
-              <a:rPr lang="en-GB" dirty="0"/>
-              <a:t>Oh look, they’re matrices</a:t>
-            </a:r>
-          </a:p>
-          <a:p>
-            <a:r>
-              <a:rPr lang="en-GB" dirty="0"/>
-              <a:t>Multidimensionality</a:t>
-            </a:r>
+            <a:pPr algn="ctr"/>
+            <a:r>
+              <a:rPr lang="en-GB" sz="3200" dirty="0"/>
+              <a:t>Image processing</a:t>
+            </a:r>
+            <a:endParaRPr lang="en-GB" sz="2800" dirty="0">
+              <a:solidFill>
+                <a:schemeClr val="tx1"/>
+              </a:solidFill>
+            </a:endParaRPr>
           </a:p>
         </p:txBody>
       </p:sp>
     </p:spTree>
     <p:extLst>
       <p:ext uri="{BB962C8B-B14F-4D97-AF65-F5344CB8AC3E}">
-        <p14:creationId xmlns:p14="http://schemas.microsoft.com/office/powerpoint/2010/main" val="2947281789"/>
+        <p14:creationId xmlns:p14="http://schemas.microsoft.com/office/powerpoint/2010/main" val="519321222"/>
       </p:ext>
     </p:extLst>
   </p:cSld>
@@ -7079,7 +10027,7 @@
           <a:p>
             <a:r>
               <a:rPr lang="en-GB" dirty="0"/>
-              <a:t>Visualising images</a:t>
+              <a:t>Image loading</a:t>
             </a:r>
           </a:p>
         </p:txBody>
@@ -7107,30 +10055,35 @@
           <a:p>
             <a:r>
               <a:rPr lang="en-GB" dirty="0"/>
-              <a:t>image</a:t>
+              <a:t>Using standard libraries</a:t>
             </a:r>
           </a:p>
           <a:p>
             <a:pPr lvl="1"/>
             <a:r>
               <a:rPr lang="en-GB" dirty="0" err="1"/>
-              <a:t>imagesc</a:t>
+              <a:t>imread</a:t>
             </a:r>
             <a:endParaRPr lang="en-GB" dirty="0"/>
           </a:p>
           <a:p>
             <a:r>
-              <a:rPr lang="en-GB" dirty="0" err="1"/>
-              <a:t>imshow</a:t>
-            </a:r>
-            <a:endParaRPr lang="en-GB" dirty="0"/>
+              <a:rPr lang="en-GB" dirty="0"/>
+              <a:t>Oh look, they’re matrices</a:t>
+            </a:r>
+          </a:p>
+          <a:p>
+            <a:r>
+              <a:rPr lang="en-GB" dirty="0"/>
+              <a:t>Multidimensionality</a:t>
+            </a:r>
           </a:p>
         </p:txBody>
       </p:sp>
     </p:spTree>
     <p:extLst>
       <p:ext uri="{BB962C8B-B14F-4D97-AF65-F5344CB8AC3E}">
-        <p14:creationId xmlns:p14="http://schemas.microsoft.com/office/powerpoint/2010/main" val="1668107566"/>
+        <p14:creationId xmlns:p14="http://schemas.microsoft.com/office/powerpoint/2010/main" val="2947281789"/>
       </p:ext>
     </p:extLst>
   </p:cSld>
@@ -7192,6 +10145,119 @@
           <a:p>
             <a:r>
               <a:rPr lang="en-GB" dirty="0"/>
+              <a:t>Visualising images</a:t>
+            </a:r>
+          </a:p>
+        </p:txBody>
+      </p:sp>
+      <p:sp>
+        <p:nvSpPr>
+          <p:cNvPr id="3" name="Content Placeholder 2">
+            <a:extLst>
+              <a:ext uri="{FF2B5EF4-FFF2-40B4-BE49-F238E27FC236}">
+                <a16:creationId xmlns:a16="http://schemas.microsoft.com/office/drawing/2014/main" id="{B00B5046-B5DF-4F1A-AFA6-4A5FA79CAEFA}"/>
+              </a:ext>
+            </a:extLst>
+          </p:cNvPr>
+          <p:cNvSpPr>
+            <a:spLocks noGrp="1"/>
+          </p:cNvSpPr>
+          <p:nvPr>
+            <p:ph idx="1"/>
+          </p:nvPr>
+        </p:nvSpPr>
+        <p:spPr/>
+        <p:txBody>
+          <a:bodyPr/>
+          <a:lstStyle/>
+          <a:p>
+            <a:r>
+              <a:rPr lang="en-GB" dirty="0"/>
+              <a:t>image</a:t>
+            </a:r>
+          </a:p>
+          <a:p>
+            <a:pPr lvl="1"/>
+            <a:r>
+              <a:rPr lang="en-GB" dirty="0" err="1"/>
+              <a:t>imagesc</a:t>
+            </a:r>
+            <a:endParaRPr lang="en-GB" dirty="0"/>
+          </a:p>
+          <a:p>
+            <a:r>
+              <a:rPr lang="en-GB" dirty="0" err="1"/>
+              <a:t>imshow</a:t>
+            </a:r>
+            <a:endParaRPr lang="en-GB" dirty="0"/>
+          </a:p>
+        </p:txBody>
+      </p:sp>
+    </p:spTree>
+    <p:extLst>
+      <p:ext uri="{BB962C8B-B14F-4D97-AF65-F5344CB8AC3E}">
+        <p14:creationId xmlns:p14="http://schemas.microsoft.com/office/powerpoint/2010/main" val="1668107566"/>
+      </p:ext>
+    </p:extLst>
+  </p:cSld>
+  <p:clrMapOvr>
+    <a:masterClrMapping/>
+  </p:clrMapOvr>
+  <mc:AlternateContent xmlns:mc="http://schemas.openxmlformats.org/markup-compatibility/2006" xmlns:p14="http://schemas.microsoft.com/office/powerpoint/2010/main">
+    <mc:Choice Requires="p14">
+      <p:transition p14:dur="300">
+        <p:fade/>
+      </p:transition>
+    </mc:Choice>
+    <mc:Fallback xmlns="">
+      <p:transition>
+        <p:fade/>
+      </p:transition>
+    </mc:Fallback>
+  </mc:AlternateContent>
+</p:sld>
+</file>
+
+<file path=ppt/slides/slide24.xml><?xml version="1.0" encoding="utf-8"?>
+<p:sld xmlns:a="http://schemas.openxmlformats.org/drawingml/2006/main" xmlns:r="http://schemas.openxmlformats.org/officeDocument/2006/relationships" xmlns:p="http://schemas.openxmlformats.org/presentationml/2006/main">
+  <p:cSld>
+    <p:spTree>
+      <p:nvGrpSpPr>
+        <p:cNvPr id="1" name=""/>
+        <p:cNvGrpSpPr/>
+        <p:nvPr/>
+      </p:nvGrpSpPr>
+      <p:grpSpPr>
+        <a:xfrm>
+          <a:off x="0" y="0"/>
+          <a:ext cx="0" cy="0"/>
+          <a:chOff x="0" y="0"/>
+          <a:chExt cx="0" cy="0"/>
+        </a:xfrm>
+      </p:grpSpPr>
+      <p:sp>
+        <p:nvSpPr>
+          <p:cNvPr id="2" name="Title 1">
+            <a:extLst>
+              <a:ext uri="{FF2B5EF4-FFF2-40B4-BE49-F238E27FC236}">
+                <a16:creationId xmlns:a16="http://schemas.microsoft.com/office/drawing/2014/main" id="{8B0C5865-E132-43F0-814F-C61B94E5671C}"/>
+              </a:ext>
+            </a:extLst>
+          </p:cNvPr>
+          <p:cNvSpPr>
+            <a:spLocks noGrp="1"/>
+          </p:cNvSpPr>
+          <p:nvPr>
+            <p:ph type="title"/>
+          </p:nvPr>
+        </p:nvSpPr>
+        <p:spPr/>
+        <p:txBody>
+          <a:bodyPr/>
+          <a:lstStyle/>
+          <a:p>
+            <a:r>
+              <a:rPr lang="en-GB" dirty="0"/>
               <a:t>Image processing</a:t>
             </a:r>
           </a:p>
@@ -7278,7 +10344,7 @@
 </p:sld>
 </file>
 
-<file path=ppt/slides/slide24.xml><?xml version="1.0" encoding="utf-8"?>
+<file path=ppt/slides/slide25.xml><?xml version="1.0" encoding="utf-8"?>
 <p:sld xmlns:a="http://schemas.openxmlformats.org/drawingml/2006/main" xmlns:r="http://schemas.openxmlformats.org/officeDocument/2006/relationships" xmlns:p="http://schemas.openxmlformats.org/presentationml/2006/main">
   <p:cSld>
     <p:spTree>
@@ -8155,7 +11221,7 @@
           <a:p>
             <a:r>
               <a:rPr lang="en-GB" dirty="0"/>
-              <a:t>Accessing matrix data</a:t>
+              <a:t>Introduction to matrices</a:t>
             </a:r>
           </a:p>
         </p:txBody>
@@ -8182,18 +11248,299 @@
           <a:lstStyle/>
           <a:p>
             <a:r>
+              <a:rPr lang="en-GB" dirty="0">
+                <a:solidFill>
+                  <a:srgbClr val="FF0000"/>
+                </a:solidFill>
+              </a:rPr>
+              <a:t>[Relationship to images – do zoom in on an image]</a:t>
+            </a:r>
+          </a:p>
+        </p:txBody>
+      </p:sp>
+    </p:spTree>
+    <p:extLst>
+      <p:ext uri="{BB962C8B-B14F-4D97-AF65-F5344CB8AC3E}">
+        <p14:creationId xmlns:p14="http://schemas.microsoft.com/office/powerpoint/2010/main" val="36836001"/>
+      </p:ext>
+    </p:extLst>
+  </p:cSld>
+  <p:clrMapOvr>
+    <a:masterClrMapping/>
+  </p:clrMapOvr>
+  <mc:AlternateContent xmlns:mc="http://schemas.openxmlformats.org/markup-compatibility/2006" xmlns:p14="http://schemas.microsoft.com/office/powerpoint/2010/main">
+    <mc:Choice Requires="p14">
+      <p:transition p14:dur="300">
+        <p:fade/>
+      </p:transition>
+    </mc:Choice>
+    <mc:Fallback xmlns="">
+      <p:transition>
+        <p:fade/>
+      </p:transition>
+    </mc:Fallback>
+  </mc:AlternateContent>
+</p:sld>
+</file>
+
+<file path=ppt/slides/slide7.xml><?xml version="1.0" encoding="utf-8"?>
+<p:sld xmlns:a="http://schemas.openxmlformats.org/drawingml/2006/main" xmlns:r="http://schemas.openxmlformats.org/officeDocument/2006/relationships" xmlns:p="http://schemas.openxmlformats.org/presentationml/2006/main">
+  <p:cSld>
+    <p:spTree>
+      <p:nvGrpSpPr>
+        <p:cNvPr id="1" name=""/>
+        <p:cNvGrpSpPr/>
+        <p:nvPr/>
+      </p:nvGrpSpPr>
+      <p:grpSpPr>
+        <a:xfrm>
+          <a:off x="0" y="0"/>
+          <a:ext cx="0" cy="0"/>
+          <a:chOff x="0" y="0"/>
+          <a:chExt cx="0" cy="0"/>
+        </a:xfrm>
+      </p:grpSpPr>
+      <p:sp>
+        <p:nvSpPr>
+          <p:cNvPr id="2" name="Title 1">
+            <a:extLst>
+              <a:ext uri="{FF2B5EF4-FFF2-40B4-BE49-F238E27FC236}">
+                <a16:creationId xmlns:a16="http://schemas.microsoft.com/office/drawing/2014/main" id="{8B0C5865-E132-43F0-814F-C61B94E5671C}"/>
+              </a:ext>
+            </a:extLst>
+          </p:cNvPr>
+          <p:cNvSpPr>
+            <a:spLocks noGrp="1"/>
+          </p:cNvSpPr>
+          <p:nvPr>
+            <p:ph type="title"/>
+          </p:nvPr>
+        </p:nvSpPr>
+        <p:spPr/>
+        <p:txBody>
+          <a:bodyPr/>
+          <a:lstStyle/>
+          <a:p>
+            <a:r>
+              <a:rPr lang="en-GB" dirty="0"/>
+              <a:t>Introduction to matrices</a:t>
+            </a:r>
+          </a:p>
+        </p:txBody>
+      </p:sp>
+      <p:sp>
+        <p:nvSpPr>
+          <p:cNvPr id="3" name="Content Placeholder 2">
+            <a:extLst>
+              <a:ext uri="{FF2B5EF4-FFF2-40B4-BE49-F238E27FC236}">
+                <a16:creationId xmlns:a16="http://schemas.microsoft.com/office/drawing/2014/main" id="{B00B5046-B5DF-4F1A-AFA6-4A5FA79CAEFA}"/>
+              </a:ext>
+            </a:extLst>
+          </p:cNvPr>
+          <p:cNvSpPr>
+            <a:spLocks noGrp="1"/>
+          </p:cNvSpPr>
+          <p:nvPr>
+            <p:ph idx="1"/>
+          </p:nvPr>
+        </p:nvSpPr>
+        <p:spPr/>
+        <p:txBody>
+          <a:bodyPr/>
+          <a:lstStyle/>
+          <a:p>
+            <a:r>
+              <a:rPr lang="en-GB" dirty="0"/>
+              <a:t>Demo creating a small matrix</a:t>
+            </a:r>
+          </a:p>
+          <a:p>
+            <a:r>
+              <a:rPr lang="en-GB" dirty="0"/>
+              <a:t>Could use rand(3)</a:t>
+            </a:r>
+          </a:p>
+          <a:p>
+            <a:r>
+              <a:rPr lang="en-GB" dirty="0"/>
+              <a:t>Dimension order</a:t>
+            </a:r>
+          </a:p>
+          <a:p>
+            <a:r>
+              <a:rPr lang="en-GB" dirty="0"/>
+              <a:t>Indexing</a:t>
+            </a:r>
+          </a:p>
+          <a:p>
+            <a:pPr lvl="1"/>
+            <a:r>
+              <a:rPr lang="en-GB" dirty="0"/>
+              <a:t>Accessing a single value</a:t>
+            </a:r>
+          </a:p>
+          <a:p>
+            <a:pPr lvl="1"/>
+            <a:r>
+              <a:rPr lang="en-GB" dirty="0"/>
+              <a:t>Accessing a range of values</a:t>
+            </a:r>
+          </a:p>
+        </p:txBody>
+      </p:sp>
+    </p:spTree>
+    <p:extLst>
+      <p:ext uri="{BB962C8B-B14F-4D97-AF65-F5344CB8AC3E}">
+        <p14:creationId xmlns:p14="http://schemas.microsoft.com/office/powerpoint/2010/main" val="3577482311"/>
+      </p:ext>
+    </p:extLst>
+  </p:cSld>
+  <p:clrMapOvr>
+    <a:masterClrMapping/>
+  </p:clrMapOvr>
+  <mc:AlternateContent xmlns:mc="http://schemas.openxmlformats.org/markup-compatibility/2006" xmlns:p14="http://schemas.microsoft.com/office/powerpoint/2010/main">
+    <mc:Choice Requires="p14">
+      <p:transition p14:dur="300">
+        <p:fade/>
+      </p:transition>
+    </mc:Choice>
+    <mc:Fallback xmlns="">
+      <p:transition>
+        <p:fade/>
+      </p:transition>
+    </mc:Fallback>
+  </mc:AlternateContent>
+</p:sld>
+</file>
+
+<file path=ppt/slides/slide8.xml><?xml version="1.0" encoding="utf-8"?>
+<p:sld xmlns:a="http://schemas.openxmlformats.org/drawingml/2006/main" xmlns:r="http://schemas.openxmlformats.org/officeDocument/2006/relationships" xmlns:p="http://schemas.openxmlformats.org/presentationml/2006/main">
+  <p:cSld>
+    <p:spTree>
+      <p:nvGrpSpPr>
+        <p:cNvPr id="1" name=""/>
+        <p:cNvGrpSpPr/>
+        <p:nvPr/>
+      </p:nvGrpSpPr>
+      <p:grpSpPr>
+        <a:xfrm>
+          <a:off x="0" y="0"/>
+          <a:ext cx="0" cy="0"/>
+          <a:chOff x="0" y="0"/>
+          <a:chExt cx="0" cy="0"/>
+        </a:xfrm>
+      </p:grpSpPr>
+      <p:sp>
+        <p:nvSpPr>
+          <p:cNvPr id="2" name="Title 1">
+            <a:extLst>
+              <a:ext uri="{FF2B5EF4-FFF2-40B4-BE49-F238E27FC236}">
+                <a16:creationId xmlns:a16="http://schemas.microsoft.com/office/drawing/2014/main" id="{8B0C5865-E132-43F0-814F-C61B94E5671C}"/>
+              </a:ext>
+            </a:extLst>
+          </p:cNvPr>
+          <p:cNvSpPr>
+            <a:spLocks noGrp="1"/>
+          </p:cNvSpPr>
+          <p:nvPr>
+            <p:ph type="title"/>
+          </p:nvPr>
+        </p:nvSpPr>
+        <p:spPr/>
+        <p:txBody>
+          <a:bodyPr/>
+          <a:lstStyle/>
+          <a:p>
+            <a:r>
+              <a:rPr lang="en-GB" dirty="0"/>
+              <a:t>Accessing matrix data</a:t>
+            </a:r>
+          </a:p>
+        </p:txBody>
+      </p:sp>
+      <p:sp>
+        <p:nvSpPr>
+          <p:cNvPr id="3" name="Content Placeholder 2">
+            <a:extLst>
+              <a:ext uri="{FF2B5EF4-FFF2-40B4-BE49-F238E27FC236}">
+                <a16:creationId xmlns:a16="http://schemas.microsoft.com/office/drawing/2014/main" id="{B00B5046-B5DF-4F1A-AFA6-4A5FA79CAEFA}"/>
+              </a:ext>
+            </a:extLst>
+          </p:cNvPr>
+          <p:cNvSpPr>
+            <a:spLocks noGrp="1"/>
+          </p:cNvSpPr>
+          <p:nvPr>
+            <p:ph idx="1"/>
+          </p:nvPr>
+        </p:nvSpPr>
+        <p:spPr/>
+        <p:txBody>
+          <a:bodyPr/>
+          <a:lstStyle/>
+          <a:p>
+            <a:r>
               <a:rPr lang="en-GB" sz="2800" dirty="0"/>
               <a:t>Access values in a matrix using coordinates</a:t>
             </a:r>
           </a:p>
           <a:p>
+            <a:pPr marL="0" indent="0">
+              <a:buNone/>
+            </a:pPr>
+            <a:endParaRPr lang="en-GB" dirty="0">
+              <a:solidFill>
+                <a:srgbClr val="FF0000"/>
+              </a:solidFill>
+            </a:endParaRPr>
+          </a:p>
+          <a:p>
+            <a:pPr marL="0" indent="0">
+              <a:buNone/>
+            </a:pPr>
+            <a:endParaRPr lang="en-GB" dirty="0">
+              <a:solidFill>
+                <a:srgbClr val="FF0000"/>
+              </a:solidFill>
+            </a:endParaRPr>
+          </a:p>
+          <a:p>
+            <a:pPr marL="0" indent="0" algn="ctr">
+              <a:buNone/>
+            </a:pPr>
             <a:r>
               <a:rPr lang="en-GB" dirty="0">
                 <a:solidFill>
                   <a:srgbClr val="FF0000"/>
                 </a:solidFill>
               </a:rPr>
-              <a:t>[EXAMPLE USING RAND – can get different size matrices]</a:t>
+              <a:t>[EXAMPLE USING RAND – can get different size matrices</a:t>
+            </a:r>
+          </a:p>
+          <a:p>
+            <a:pPr marL="0" indent="0" algn="ctr">
+              <a:buNone/>
+            </a:pPr>
+            <a:r>
+              <a:rPr lang="en-GB" dirty="0">
+                <a:solidFill>
+                  <a:srgbClr val="FF0000"/>
+                </a:solidFill>
+              </a:rPr>
+              <a:t>OR, COULD LOAD A VERY SMALL IMAGE</a:t>
+            </a:r>
+          </a:p>
+          <a:p>
+            <a:pPr marL="0" indent="0" algn="ctr">
+              <a:buNone/>
+            </a:pPr>
+            <a:r>
+              <a:rPr lang="en-GB" dirty="0">
+                <a:solidFill>
+                  <a:srgbClr val="FF0000"/>
+                </a:solidFill>
+              </a:rPr>
+              <a:t>OOOOOR, DO BOTH!]</a:t>
             </a:r>
           </a:p>
           <a:p>
@@ -8236,7 +11583,7 @@
 </p:sld>
 </file>
 
-<file path=ppt/slides/slide7.xml><?xml version="1.0" encoding="utf-8"?>
+<file path=ppt/slides/slide9.xml><?xml version="1.0" encoding="utf-8"?>
 <p:sld xmlns:a="http://schemas.openxmlformats.org/drawingml/2006/main" xmlns:r="http://schemas.openxmlformats.org/officeDocument/2006/relationships" xmlns:p="http://schemas.openxmlformats.org/presentationml/2006/main">
   <p:cSld>
     <p:spTree>
@@ -9037,679 +12384,6 @@
       </p:transition>
     </mc:Fallback>
   </mc:AlternateContent>
-</p:sld>
-</file>
-
-<file path=ppt/slides/slide8.xml><?xml version="1.0" encoding="utf-8"?>
-<p:sld xmlns:a="http://schemas.openxmlformats.org/drawingml/2006/main" xmlns:r="http://schemas.openxmlformats.org/officeDocument/2006/relationships" xmlns:p="http://schemas.openxmlformats.org/presentationml/2006/main">
-  <p:cSld>
-    <p:spTree>
-      <p:nvGrpSpPr>
-        <p:cNvPr id="1" name=""/>
-        <p:cNvGrpSpPr/>
-        <p:nvPr/>
-      </p:nvGrpSpPr>
-      <p:grpSpPr>
-        <a:xfrm>
-          <a:off x="0" y="0"/>
-          <a:ext cx="0" cy="0"/>
-          <a:chOff x="0" y="0"/>
-          <a:chExt cx="0" cy="0"/>
-        </a:xfrm>
-      </p:grpSpPr>
-      <p:sp>
-        <p:nvSpPr>
-          <p:cNvPr id="2" name="Title 1">
-            <a:extLst>
-              <a:ext uri="{FF2B5EF4-FFF2-40B4-BE49-F238E27FC236}">
-                <a16:creationId xmlns:a16="http://schemas.microsoft.com/office/drawing/2014/main" id="{8B0C5865-E132-43F0-814F-C61B94E5671C}"/>
-              </a:ext>
-            </a:extLst>
-          </p:cNvPr>
-          <p:cNvSpPr>
-            <a:spLocks noGrp="1"/>
-          </p:cNvSpPr>
-          <p:nvPr>
-            <p:ph type="title"/>
-          </p:nvPr>
-        </p:nvSpPr>
-        <p:spPr/>
-        <p:txBody>
-          <a:bodyPr/>
-          <a:lstStyle/>
-          <a:p>
-            <a:r>
-              <a:rPr lang="en-GB" dirty="0"/>
-              <a:t>Combining matrices</a:t>
-            </a:r>
-          </a:p>
-        </p:txBody>
-      </p:sp>
-      <p:sp>
-        <p:nvSpPr>
-          <p:cNvPr id="3" name="Content Placeholder 2">
-            <a:extLst>
-              <a:ext uri="{FF2B5EF4-FFF2-40B4-BE49-F238E27FC236}">
-                <a16:creationId xmlns:a16="http://schemas.microsoft.com/office/drawing/2014/main" id="{B00B5046-B5DF-4F1A-AFA6-4A5FA79CAEFA}"/>
-              </a:ext>
-            </a:extLst>
-          </p:cNvPr>
-          <p:cNvSpPr>
-            <a:spLocks noGrp="1"/>
-          </p:cNvSpPr>
-          <p:nvPr>
-            <p:ph idx="1"/>
-          </p:nvPr>
-        </p:nvSpPr>
-        <p:spPr/>
-        <p:txBody>
-          <a:bodyPr/>
-          <a:lstStyle/>
-          <a:p>
-            <a:r>
-              <a:rPr lang="en-GB" dirty="0"/>
-              <a:t>Matrices can be joined along existing or new axes</a:t>
-            </a:r>
-          </a:p>
-          <a:p>
-            <a:pPr lvl="1"/>
-            <a:r>
-              <a:rPr lang="en-GB" dirty="0"/>
-              <a:t>Used to create higher dimensionalities than 2D</a:t>
-            </a:r>
-          </a:p>
-          <a:p>
-            <a:pPr lvl="1"/>
-            <a:endParaRPr lang="en-GB" sz="1200" dirty="0"/>
-          </a:p>
-          <a:p>
-            <a:r>
-              <a:rPr lang="en-GB" dirty="0"/>
-              <a:t>Using concatenation function</a:t>
-            </a:r>
-          </a:p>
-          <a:p>
-            <a:pPr lvl="1"/>
-            <a:r>
-              <a:rPr lang="en-GB" dirty="0"/>
-              <a:t>Create separate matrices, then join using </a:t>
-            </a:r>
-            <a:r>
-              <a:rPr lang="en-GB" i="1" dirty="0">
-                <a:solidFill>
-                  <a:schemeClr val="accent1"/>
-                </a:solidFill>
-              </a:rPr>
-              <a:t>cat</a:t>
-            </a:r>
-            <a:r>
-              <a:rPr lang="en-GB" dirty="0"/>
-              <a:t> function</a:t>
-            </a:r>
-          </a:p>
-          <a:p>
-            <a:pPr lvl="1"/>
-            <a:r>
-              <a:rPr lang="en-GB" dirty="0"/>
-              <a:t>First argument of </a:t>
-            </a:r>
-            <a:r>
-              <a:rPr lang="en-GB" i="1" dirty="0">
-                <a:solidFill>
-                  <a:schemeClr val="accent1"/>
-                </a:solidFill>
-              </a:rPr>
-              <a:t>cat</a:t>
-            </a:r>
-            <a:r>
-              <a:rPr lang="en-GB" dirty="0"/>
-              <a:t> specifies axis to concatenate along</a:t>
-            </a:r>
-          </a:p>
-          <a:p>
-            <a:pPr lvl="1"/>
-            <a:endParaRPr lang="en-GB" sz="1200" dirty="0"/>
-          </a:p>
-          <a:p>
-            <a:r>
-              <a:rPr lang="en-GB" dirty="0"/>
-              <a:t>By indexing</a:t>
-            </a:r>
-          </a:p>
-          <a:p>
-            <a:pPr lvl="1"/>
-            <a:r>
-              <a:rPr lang="en-GB" dirty="0"/>
-              <a:t>Create separate matrices, then merge one into the other</a:t>
-            </a:r>
-          </a:p>
-          <a:p>
-            <a:pPr lvl="1"/>
-            <a:r>
-              <a:rPr lang="en-GB" dirty="0"/>
-              <a:t>Not as simple to extend existing dimensions (</a:t>
-            </a:r>
-            <a:r>
-              <a:rPr lang="en-GB" i="1" dirty="0">
-                <a:solidFill>
-                  <a:schemeClr val="accent1"/>
-                </a:solidFill>
-              </a:rPr>
-              <a:t>cat</a:t>
-            </a:r>
-            <a:r>
-              <a:rPr lang="en-GB" dirty="0"/>
-              <a:t> is better)</a:t>
-            </a:r>
-          </a:p>
-          <a:p>
-            <a:pPr lvl="1"/>
-            <a:r>
-              <a:rPr lang="en-GB" dirty="0"/>
-              <a:t>We’ll look into indexing in more detail later on</a:t>
-            </a:r>
-          </a:p>
-        </p:txBody>
-      </p:sp>
-      <p:sp>
-        <p:nvSpPr>
-          <p:cNvPr id="18" name="Rectangle 17">
-            <a:extLst>
-              <a:ext uri="{FF2B5EF4-FFF2-40B4-BE49-F238E27FC236}">
-                <a16:creationId xmlns:a16="http://schemas.microsoft.com/office/drawing/2014/main" id="{DFD3422C-CF2F-475A-94EB-1CB488A2AEC9}"/>
-              </a:ext>
-            </a:extLst>
-          </p:cNvPr>
-          <p:cNvSpPr/>
-          <p:nvPr/>
-        </p:nvSpPr>
-        <p:spPr>
-          <a:xfrm>
-            <a:off x="335360" y="2362200"/>
-            <a:ext cx="11521280" cy="3763965"/>
-          </a:xfrm>
-          <a:prstGeom prst="rect">
-            <a:avLst/>
-          </a:prstGeom>
-          <a:solidFill>
-            <a:srgbClr val="FFFFFF">
-              <a:alpha val="89804"/>
-            </a:srgbClr>
-          </a:solidFill>
-          <a:ln>
-            <a:noFill/>
-          </a:ln>
-        </p:spPr>
-        <p:style>
-          <a:lnRef idx="2">
-            <a:schemeClr val="accent1">
-              <a:shade val="50000"/>
-            </a:schemeClr>
-          </a:lnRef>
-          <a:fillRef idx="1">
-            <a:schemeClr val="accent1"/>
-          </a:fillRef>
-          <a:effectRef idx="0">
-            <a:schemeClr val="accent1"/>
-          </a:effectRef>
-          <a:fontRef idx="minor">
-            <a:schemeClr val="lt1"/>
-          </a:fontRef>
-        </p:style>
-        <p:txBody>
-          <a:bodyPr rtlCol="0" anchor="ctr"/>
-          <a:lstStyle/>
-          <a:p>
-            <a:pPr algn="ctr"/>
-            <a:endParaRPr lang="en-GB"/>
-          </a:p>
-        </p:txBody>
-      </p:sp>
-    </p:spTree>
-    <p:extLst>
-      <p:ext uri="{BB962C8B-B14F-4D97-AF65-F5344CB8AC3E}">
-        <p14:creationId xmlns:p14="http://schemas.microsoft.com/office/powerpoint/2010/main" val="85447036"/>
-      </p:ext>
-    </p:extLst>
-  </p:cSld>
-  <p:clrMapOvr>
-    <a:masterClrMapping/>
-  </p:clrMapOvr>
-  <mc:AlternateContent xmlns:mc="http://schemas.openxmlformats.org/markup-compatibility/2006" xmlns:p14="http://schemas.microsoft.com/office/powerpoint/2010/main">
-    <mc:Choice Requires="p14">
-      <p:transition p14:dur="300">
-        <p:fade/>
-      </p:transition>
-    </mc:Choice>
-    <mc:Fallback xmlns="">
-      <p:transition>
-        <p:fade/>
-      </p:transition>
-    </mc:Fallback>
-  </mc:AlternateContent>
-</p:sld>
-</file>
-
-<file path=ppt/slides/slide9.xml><?xml version="1.0" encoding="utf-8"?>
-<p:sld xmlns:a="http://schemas.openxmlformats.org/drawingml/2006/main" xmlns:r="http://schemas.openxmlformats.org/officeDocument/2006/relationships" xmlns:p="http://schemas.openxmlformats.org/presentationml/2006/main">
-  <p:cSld>
-    <p:spTree>
-      <p:nvGrpSpPr>
-        <p:cNvPr id="1" name=""/>
-        <p:cNvGrpSpPr/>
-        <p:nvPr/>
-      </p:nvGrpSpPr>
-      <p:grpSpPr>
-        <a:xfrm>
-          <a:off x="0" y="0"/>
-          <a:ext cx="0" cy="0"/>
-          <a:chOff x="0" y="0"/>
-          <a:chExt cx="0" cy="0"/>
-        </a:xfrm>
-      </p:grpSpPr>
-      <p:sp>
-        <p:nvSpPr>
-          <p:cNvPr id="2" name="Title 1">
-            <a:extLst>
-              <a:ext uri="{FF2B5EF4-FFF2-40B4-BE49-F238E27FC236}">
-                <a16:creationId xmlns:a16="http://schemas.microsoft.com/office/drawing/2014/main" id="{8B0C5865-E132-43F0-814F-C61B94E5671C}"/>
-              </a:ext>
-            </a:extLst>
-          </p:cNvPr>
-          <p:cNvSpPr>
-            <a:spLocks noGrp="1"/>
-          </p:cNvSpPr>
-          <p:nvPr>
-            <p:ph type="title"/>
-          </p:nvPr>
-        </p:nvSpPr>
-        <p:spPr/>
-        <p:txBody>
-          <a:bodyPr/>
-          <a:lstStyle/>
-          <a:p>
-            <a:r>
-              <a:rPr lang="en-GB" dirty="0"/>
-              <a:t>Combining matrices</a:t>
-            </a:r>
-          </a:p>
-        </p:txBody>
-      </p:sp>
-      <p:sp>
-        <p:nvSpPr>
-          <p:cNvPr id="3" name="Content Placeholder 2">
-            <a:extLst>
-              <a:ext uri="{FF2B5EF4-FFF2-40B4-BE49-F238E27FC236}">
-                <a16:creationId xmlns:a16="http://schemas.microsoft.com/office/drawing/2014/main" id="{B00B5046-B5DF-4F1A-AFA6-4A5FA79CAEFA}"/>
-              </a:ext>
-            </a:extLst>
-          </p:cNvPr>
-          <p:cNvSpPr>
-            <a:spLocks noGrp="1"/>
-          </p:cNvSpPr>
-          <p:nvPr>
-            <p:ph idx="1"/>
-          </p:nvPr>
-        </p:nvSpPr>
-        <p:spPr/>
-        <p:txBody>
-          <a:bodyPr/>
-          <a:lstStyle/>
-          <a:p>
-            <a:r>
-              <a:rPr lang="en-GB" dirty="0"/>
-              <a:t>Matrices can be joined along existing or new axes</a:t>
-            </a:r>
-          </a:p>
-          <a:p>
-            <a:pPr lvl="1"/>
-            <a:r>
-              <a:rPr lang="en-GB" dirty="0"/>
-              <a:t>Used to create higher dimensionalities than 2D</a:t>
-            </a:r>
-          </a:p>
-          <a:p>
-            <a:pPr lvl="1"/>
-            <a:endParaRPr lang="en-GB" sz="1200" dirty="0"/>
-          </a:p>
-          <a:p>
-            <a:r>
-              <a:rPr lang="en-GB" dirty="0"/>
-              <a:t>Using concatenation function</a:t>
-            </a:r>
-          </a:p>
-          <a:p>
-            <a:pPr lvl="1"/>
-            <a:r>
-              <a:rPr lang="en-GB" dirty="0"/>
-              <a:t>Create separate matrices, then join using </a:t>
-            </a:r>
-            <a:r>
-              <a:rPr lang="en-GB" i="1" dirty="0">
-                <a:solidFill>
-                  <a:schemeClr val="accent1"/>
-                </a:solidFill>
-              </a:rPr>
-              <a:t>cat</a:t>
-            </a:r>
-            <a:r>
-              <a:rPr lang="en-GB" dirty="0"/>
-              <a:t> function</a:t>
-            </a:r>
-          </a:p>
-          <a:p>
-            <a:pPr lvl="1"/>
-            <a:r>
-              <a:rPr lang="en-GB" dirty="0"/>
-              <a:t>First argument of </a:t>
-            </a:r>
-            <a:r>
-              <a:rPr lang="en-GB" i="1" dirty="0">
-                <a:solidFill>
-                  <a:schemeClr val="accent1"/>
-                </a:solidFill>
-              </a:rPr>
-              <a:t>cat</a:t>
-            </a:r>
-            <a:r>
-              <a:rPr lang="en-GB" dirty="0"/>
-              <a:t> specifies axis to concatenate along</a:t>
-            </a:r>
-          </a:p>
-          <a:p>
-            <a:pPr lvl="1"/>
-            <a:endParaRPr lang="en-GB" sz="1200" dirty="0"/>
-          </a:p>
-          <a:p>
-            <a:r>
-              <a:rPr lang="en-GB" dirty="0"/>
-              <a:t>By indexing</a:t>
-            </a:r>
-          </a:p>
-          <a:p>
-            <a:pPr lvl="1"/>
-            <a:r>
-              <a:rPr lang="en-GB" dirty="0"/>
-              <a:t>Create separate matrices, then merge one into the other</a:t>
-            </a:r>
-          </a:p>
-          <a:p>
-            <a:pPr lvl="1"/>
-            <a:r>
-              <a:rPr lang="en-GB" dirty="0"/>
-              <a:t>Not as simple to extend existing dimensions (</a:t>
-            </a:r>
-            <a:r>
-              <a:rPr lang="en-GB" i="1" dirty="0">
-                <a:solidFill>
-                  <a:schemeClr val="accent1"/>
-                </a:solidFill>
-              </a:rPr>
-              <a:t>cat</a:t>
-            </a:r>
-            <a:r>
-              <a:rPr lang="en-GB" dirty="0"/>
-              <a:t> is better)</a:t>
-            </a:r>
-          </a:p>
-          <a:p>
-            <a:pPr lvl="1"/>
-            <a:r>
-              <a:rPr lang="en-GB" dirty="0"/>
-              <a:t>We’ll look into indexing in more detail later on</a:t>
-            </a:r>
-          </a:p>
-        </p:txBody>
-      </p:sp>
-      <p:sp>
-        <p:nvSpPr>
-          <p:cNvPr id="18" name="Rectangle 17">
-            <a:extLst>
-              <a:ext uri="{FF2B5EF4-FFF2-40B4-BE49-F238E27FC236}">
-                <a16:creationId xmlns:a16="http://schemas.microsoft.com/office/drawing/2014/main" id="{DFD3422C-CF2F-475A-94EB-1CB488A2AEC9}"/>
-              </a:ext>
-            </a:extLst>
-          </p:cNvPr>
-          <p:cNvSpPr/>
-          <p:nvPr/>
-        </p:nvSpPr>
-        <p:spPr>
-          <a:xfrm>
-            <a:off x="335360" y="3857297"/>
-            <a:ext cx="11521280" cy="2268868"/>
-          </a:xfrm>
-          <a:prstGeom prst="rect">
-            <a:avLst/>
-          </a:prstGeom>
-          <a:solidFill>
-            <a:srgbClr val="FFFFFF">
-              <a:alpha val="89804"/>
-            </a:srgbClr>
-          </a:solidFill>
-          <a:ln>
-            <a:noFill/>
-          </a:ln>
-        </p:spPr>
-        <p:style>
-          <a:lnRef idx="2">
-            <a:schemeClr val="accent1">
-              <a:shade val="50000"/>
-            </a:schemeClr>
-          </a:lnRef>
-          <a:fillRef idx="1">
-            <a:schemeClr val="accent1"/>
-          </a:fillRef>
-          <a:effectRef idx="0">
-            <a:schemeClr val="accent1"/>
-          </a:effectRef>
-          <a:fontRef idx="minor">
-            <a:schemeClr val="lt1"/>
-          </a:fontRef>
-        </p:style>
-        <p:txBody>
-          <a:bodyPr rtlCol="0" anchor="ctr"/>
-          <a:lstStyle/>
-          <a:p>
-            <a:pPr algn="ctr"/>
-            <a:endParaRPr lang="en-GB"/>
-          </a:p>
-        </p:txBody>
-      </p:sp>
-      <p:pic>
-        <p:nvPicPr>
-          <p:cNvPr id="4" name="Picture 3">
-            <a:extLst>
-              <a:ext uri="{FF2B5EF4-FFF2-40B4-BE49-F238E27FC236}">
-                <a16:creationId xmlns:a16="http://schemas.microsoft.com/office/drawing/2014/main" id="{875DBF88-9070-480B-A837-4C932A17F4C4}"/>
-              </a:ext>
-            </a:extLst>
-          </p:cNvPr>
-          <p:cNvPicPr>
-            <a:picLocks noChangeAspect="1"/>
-          </p:cNvPicPr>
-          <p:nvPr/>
-        </p:nvPicPr>
-        <p:blipFill>
-          <a:blip r:embed="rId2"/>
-          <a:stretch>
-            <a:fillRect/>
-          </a:stretch>
-        </p:blipFill>
-        <p:spPr>
-          <a:xfrm>
-            <a:off x="8533962" y="1344158"/>
-            <a:ext cx="2804160" cy="4696968"/>
-          </a:xfrm>
-          <a:prstGeom prst="rect">
-            <a:avLst/>
-          </a:prstGeom>
-          <a:ln w="12700">
-            <a:solidFill>
-              <a:srgbClr val="BF2F37"/>
-            </a:solidFill>
-          </a:ln>
-        </p:spPr>
-      </p:pic>
-      <p:sp>
-        <p:nvSpPr>
-          <p:cNvPr id="9" name="Rectangle 8">
-            <a:extLst>
-              <a:ext uri="{FF2B5EF4-FFF2-40B4-BE49-F238E27FC236}">
-                <a16:creationId xmlns:a16="http://schemas.microsoft.com/office/drawing/2014/main" id="{43AEC3F5-97E9-4E72-A151-AB0ABA786691}"/>
-              </a:ext>
-            </a:extLst>
-          </p:cNvPr>
-          <p:cNvSpPr/>
-          <p:nvPr/>
-        </p:nvSpPr>
-        <p:spPr>
-          <a:xfrm>
-            <a:off x="8903585" y="3444875"/>
-            <a:ext cx="2097790" cy="183371"/>
-          </a:xfrm>
-          <a:prstGeom prst="rect">
-            <a:avLst/>
-          </a:prstGeom>
-          <a:noFill/>
-          <a:ln>
-            <a:solidFill>
-              <a:srgbClr val="FF0000"/>
-            </a:solidFill>
-          </a:ln>
-        </p:spPr>
-        <p:style>
-          <a:lnRef idx="2">
-            <a:schemeClr val="accent1">
-              <a:shade val="50000"/>
-            </a:schemeClr>
-          </a:lnRef>
-          <a:fillRef idx="1">
-            <a:schemeClr val="accent1"/>
-          </a:fillRef>
-          <a:effectRef idx="0">
-            <a:schemeClr val="accent1"/>
-          </a:effectRef>
-          <a:fontRef idx="minor">
-            <a:schemeClr val="lt1"/>
-          </a:fontRef>
-        </p:style>
-        <p:txBody>
-          <a:bodyPr rtlCol="0" anchor="ctr"/>
-          <a:lstStyle/>
-          <a:p>
-            <a:pPr algn="ctr"/>
-            <a:endParaRPr lang="en-GB"/>
-          </a:p>
-        </p:txBody>
-      </p:sp>
-    </p:spTree>
-    <p:extLst>
-      <p:ext uri="{BB962C8B-B14F-4D97-AF65-F5344CB8AC3E}">
-        <p14:creationId xmlns:p14="http://schemas.microsoft.com/office/powerpoint/2010/main" val="3644646552"/>
-      </p:ext>
-    </p:extLst>
-  </p:cSld>
-  <p:clrMapOvr>
-    <a:masterClrMapping/>
-  </p:clrMapOvr>
-  <mc:AlternateContent xmlns:mc="http://schemas.openxmlformats.org/markup-compatibility/2006" xmlns:p14="http://schemas.microsoft.com/office/powerpoint/2010/main">
-    <mc:Choice Requires="p14">
-      <p:transition p14:dur="300">
-        <p:fade/>
-      </p:transition>
-    </mc:Choice>
-    <mc:Fallback xmlns="">
-      <p:transition>
-        <p:fade/>
-      </p:transition>
-    </mc:Fallback>
-  </mc:AlternateContent>
-  <p:timing>
-    <p:tnLst>
-      <p:par>
-        <p:cTn id="1" dur="indefinite" restart="never" nodeType="tmRoot">
-          <p:childTnLst>
-            <p:seq concurrent="1" nextAc="seek">
-              <p:cTn id="2" dur="indefinite" nodeType="mainSeq">
-                <p:childTnLst>
-                  <p:par>
-                    <p:cTn id="3" fill="hold">
-                      <p:stCondLst>
-                        <p:cond delay="indefinite"/>
-                      </p:stCondLst>
-                      <p:childTnLst>
-                        <p:par>
-                          <p:cTn id="4" fill="hold">
-                            <p:stCondLst>
-                              <p:cond delay="0"/>
-                            </p:stCondLst>
-                            <p:childTnLst>
-                              <p:par>
-                                <p:cTn id="5" presetID="10" presetClass="entr" presetSubtype="0" fill="hold" grpId="0" nodeType="clickEffect">
-                                  <p:stCondLst>
-                                    <p:cond delay="0"/>
-                                  </p:stCondLst>
-                                  <p:childTnLst>
-                                    <p:set>
-                                      <p:cBhvr>
-                                        <p:cTn id="6" dur="1" fill="hold">
-                                          <p:stCondLst>
-                                            <p:cond delay="0"/>
-                                          </p:stCondLst>
-                                        </p:cTn>
-                                        <p:tgtEl>
-                                          <p:spTgt spid="9"/>
-                                        </p:tgtEl>
-                                        <p:attrNameLst>
-                                          <p:attrName>style.visibility</p:attrName>
-                                        </p:attrNameLst>
-                                      </p:cBhvr>
-                                      <p:to>
-                                        <p:strVal val="visible"/>
-                                      </p:to>
-                                    </p:set>
-                                    <p:animEffect transition="in" filter="fade">
-                                      <p:cBhvr>
-                                        <p:cTn id="7" dur="300"/>
-                                        <p:tgtEl>
-                                          <p:spTgt spid="9"/>
-                                        </p:tgtEl>
-                                      </p:cBhvr>
-                                    </p:animEffect>
-                                  </p:childTnLst>
-                                </p:cTn>
-                              </p:par>
-                            </p:childTnLst>
-                          </p:cTn>
-                        </p:par>
-                      </p:childTnLst>
-                    </p:cTn>
-                  </p:par>
-                </p:childTnLst>
-              </p:cTn>
-              <p:prevCondLst>
-                <p:cond evt="onPrev" delay="0">
-                  <p:tgtEl>
-                    <p:sldTgt/>
-                  </p:tgtEl>
-                </p:cond>
-              </p:prevCondLst>
-              <p:nextCondLst>
-                <p:cond evt="onNext" delay="0">
-                  <p:tgtEl>
-                    <p:sldTgt/>
-                  </p:tgtEl>
-                </p:cond>
-              </p:nextCondLst>
-            </p:seq>
-          </p:childTnLst>
-        </p:cTn>
-      </p:par>
-    </p:tnLst>
-    <p:bldLst>
-      <p:bldP spid="9" grpId="0" animBg="1"/>
-    </p:bldLst>
-  </p:timing>
 </p:sld>
 </file>
 

--- a/Session 2 - Matrices and image processing/MATLAB Session 2.pptx
+++ b/Session 2 - Matrices and image processing/MATLAB Session 2.pptx
@@ -5,7 +5,7 @@
     <p:sldMasterId id="2147483678" r:id="rId1"/>
   </p:sldMasterIdLst>
   <p:notesMasterIdLst>
-    <p:notesMasterId r:id="rId27"/>
+    <p:notesMasterId r:id="rId35"/>
   </p:notesMasterIdLst>
   <p:sldIdLst>
     <p:sldId id="316" r:id="rId2"/>
@@ -14,25 +14,33 @@
     <p:sldId id="361" r:id="rId5"/>
     <p:sldId id="352" r:id="rId6"/>
     <p:sldId id="410" r:id="rId7"/>
-    <p:sldId id="411" r:id="rId8"/>
-    <p:sldId id="368" r:id="rId9"/>
-    <p:sldId id="367" r:id="rId10"/>
-    <p:sldId id="371" r:id="rId11"/>
-    <p:sldId id="373" r:id="rId12"/>
-    <p:sldId id="372" r:id="rId13"/>
-    <p:sldId id="374" r:id="rId14"/>
-    <p:sldId id="370" r:id="rId15"/>
-    <p:sldId id="375" r:id="rId16"/>
-    <p:sldId id="408" r:id="rId17"/>
-    <p:sldId id="409" r:id="rId18"/>
-    <p:sldId id="366" r:id="rId19"/>
-    <p:sldId id="412" r:id="rId20"/>
-    <p:sldId id="365" r:id="rId21"/>
-    <p:sldId id="362" r:id="rId22"/>
-    <p:sldId id="355" r:id="rId23"/>
-    <p:sldId id="356" r:id="rId24"/>
-    <p:sldId id="358" r:id="rId25"/>
-    <p:sldId id="357" r:id="rId26"/>
+    <p:sldId id="421" r:id="rId8"/>
+    <p:sldId id="414" r:id="rId9"/>
+    <p:sldId id="416" r:id="rId10"/>
+    <p:sldId id="417" r:id="rId11"/>
+    <p:sldId id="418" r:id="rId12"/>
+    <p:sldId id="419" r:id="rId13"/>
+    <p:sldId id="420" r:id="rId14"/>
+    <p:sldId id="424" r:id="rId15"/>
+    <p:sldId id="422" r:id="rId16"/>
+    <p:sldId id="367" r:id="rId17"/>
+    <p:sldId id="371" r:id="rId18"/>
+    <p:sldId id="373" r:id="rId19"/>
+    <p:sldId id="372" r:id="rId20"/>
+    <p:sldId id="374" r:id="rId21"/>
+    <p:sldId id="370" r:id="rId22"/>
+    <p:sldId id="375" r:id="rId23"/>
+    <p:sldId id="408" r:id="rId24"/>
+    <p:sldId id="409" r:id="rId25"/>
+    <p:sldId id="366" r:id="rId26"/>
+    <p:sldId id="412" r:id="rId27"/>
+    <p:sldId id="423" r:id="rId28"/>
+    <p:sldId id="365" r:id="rId29"/>
+    <p:sldId id="362" r:id="rId30"/>
+    <p:sldId id="355" r:id="rId31"/>
+    <p:sldId id="356" r:id="rId32"/>
+    <p:sldId id="358" r:id="rId33"/>
+    <p:sldId id="357" r:id="rId34"/>
   </p:sldIdLst>
   <p:sldSz cx="12192000" cy="6858000"/>
   <p:notesSz cx="6669088" cy="9926638"/>
@@ -1506,6 +1514,259 @@
           <a:bodyPr/>
           <a:lstStyle/>
           <a:p>
+            <a:endParaRPr lang="en-GB" dirty="0"/>
+          </a:p>
+        </p:txBody>
+      </p:sp>
+    </p:spTree>
+    <p:extLst>
+      <p:ext uri="{BB962C8B-B14F-4D97-AF65-F5344CB8AC3E}">
+        <p14:creationId xmlns:p14="http://schemas.microsoft.com/office/powerpoint/2010/main" val="3782674457"/>
+      </p:ext>
+    </p:extLst>
+  </p:cSld>
+  <p:clrMapOvr>
+    <a:masterClrMapping/>
+  </p:clrMapOvr>
+</p:notes>
+</file>
+
+<file path=ppt/notesSlides/notesSlide3.xml><?xml version="1.0" encoding="utf-8"?>
+<p:notes xmlns:a="http://schemas.openxmlformats.org/drawingml/2006/main" xmlns:r="http://schemas.openxmlformats.org/officeDocument/2006/relationships" xmlns:p="http://schemas.openxmlformats.org/presentationml/2006/main">
+  <p:cSld>
+    <p:spTree>
+      <p:nvGrpSpPr>
+        <p:cNvPr id="1" name=""/>
+        <p:cNvGrpSpPr/>
+        <p:nvPr/>
+      </p:nvGrpSpPr>
+      <p:grpSpPr>
+        <a:xfrm>
+          <a:off x="0" y="0"/>
+          <a:ext cx="0" cy="0"/>
+          <a:chOff x="0" y="0"/>
+          <a:chExt cx="0" cy="0"/>
+        </a:xfrm>
+      </p:grpSpPr>
+      <p:sp>
+        <p:nvSpPr>
+          <p:cNvPr id="2" name="Slide Image Placeholder 1"/>
+          <p:cNvSpPr>
+            <a:spLocks noGrp="1" noRot="1" noChangeAspect="1"/>
+          </p:cNvSpPr>
+          <p:nvPr>
+            <p:ph type="sldImg"/>
+          </p:nvPr>
+        </p:nvSpPr>
+        <p:spPr/>
+      </p:sp>
+      <p:sp>
+        <p:nvSpPr>
+          <p:cNvPr id="3" name="Notes Placeholder 2"/>
+          <p:cNvSpPr>
+            <a:spLocks noGrp="1"/>
+          </p:cNvSpPr>
+          <p:nvPr>
+            <p:ph type="body" idx="1"/>
+          </p:nvPr>
+        </p:nvSpPr>
+        <p:spPr/>
+        <p:txBody>
+          <a:bodyPr/>
+          <a:lstStyle/>
+          <a:p>
+            <a:r>
+              <a:rPr lang="en-GB" dirty="0"/>
+              <a:t>Convert this into 2 spider diagrams if there’s time</a:t>
+            </a:r>
+          </a:p>
+        </p:txBody>
+      </p:sp>
+    </p:spTree>
+    <p:extLst>
+      <p:ext uri="{BB962C8B-B14F-4D97-AF65-F5344CB8AC3E}">
+        <p14:creationId xmlns:p14="http://schemas.microsoft.com/office/powerpoint/2010/main" val="2279437433"/>
+      </p:ext>
+    </p:extLst>
+  </p:cSld>
+  <p:clrMapOvr>
+    <a:masterClrMapping/>
+  </p:clrMapOvr>
+</p:notes>
+</file>
+
+<file path=ppt/notesSlides/notesSlide4.xml><?xml version="1.0" encoding="utf-8"?>
+<p:notes xmlns:a="http://schemas.openxmlformats.org/drawingml/2006/main" xmlns:r="http://schemas.openxmlformats.org/officeDocument/2006/relationships" xmlns:p="http://schemas.openxmlformats.org/presentationml/2006/main">
+  <p:cSld>
+    <p:spTree>
+      <p:nvGrpSpPr>
+        <p:cNvPr id="1" name=""/>
+        <p:cNvGrpSpPr/>
+        <p:nvPr/>
+      </p:nvGrpSpPr>
+      <p:grpSpPr>
+        <a:xfrm>
+          <a:off x="0" y="0"/>
+          <a:ext cx="0" cy="0"/>
+          <a:chOff x="0" y="0"/>
+          <a:chExt cx="0" cy="0"/>
+        </a:xfrm>
+      </p:grpSpPr>
+      <p:sp>
+        <p:nvSpPr>
+          <p:cNvPr id="2" name="Slide Image Placeholder 1"/>
+          <p:cNvSpPr>
+            <a:spLocks noGrp="1" noRot="1" noChangeAspect="1"/>
+          </p:cNvSpPr>
+          <p:nvPr>
+            <p:ph type="sldImg"/>
+          </p:nvPr>
+        </p:nvSpPr>
+        <p:spPr/>
+      </p:sp>
+      <p:sp>
+        <p:nvSpPr>
+          <p:cNvPr id="3" name="Notes Placeholder 2"/>
+          <p:cNvSpPr>
+            <a:spLocks noGrp="1"/>
+          </p:cNvSpPr>
+          <p:nvPr>
+            <p:ph type="body" idx="1"/>
+          </p:nvPr>
+        </p:nvSpPr>
+        <p:spPr/>
+        <p:txBody>
+          <a:bodyPr/>
+          <a:lstStyle/>
+          <a:p>
+            <a:r>
+              <a:rPr lang="en-GB" dirty="0"/>
+              <a:t>Convert this into 2 spider diagrams if there’s time</a:t>
+            </a:r>
+          </a:p>
+        </p:txBody>
+      </p:sp>
+    </p:spTree>
+    <p:extLst>
+      <p:ext uri="{BB962C8B-B14F-4D97-AF65-F5344CB8AC3E}">
+        <p14:creationId xmlns:p14="http://schemas.microsoft.com/office/powerpoint/2010/main" val="3850954654"/>
+      </p:ext>
+    </p:extLst>
+  </p:cSld>
+  <p:clrMapOvr>
+    <a:masterClrMapping/>
+  </p:clrMapOvr>
+</p:notes>
+</file>
+
+<file path=ppt/notesSlides/notesSlide5.xml><?xml version="1.0" encoding="utf-8"?>
+<p:notes xmlns:a="http://schemas.openxmlformats.org/drawingml/2006/main" xmlns:r="http://schemas.openxmlformats.org/officeDocument/2006/relationships" xmlns:p="http://schemas.openxmlformats.org/presentationml/2006/main">
+  <p:cSld>
+    <p:spTree>
+      <p:nvGrpSpPr>
+        <p:cNvPr id="1" name=""/>
+        <p:cNvGrpSpPr/>
+        <p:nvPr/>
+      </p:nvGrpSpPr>
+      <p:grpSpPr>
+        <a:xfrm>
+          <a:off x="0" y="0"/>
+          <a:ext cx="0" cy="0"/>
+          <a:chOff x="0" y="0"/>
+          <a:chExt cx="0" cy="0"/>
+        </a:xfrm>
+      </p:grpSpPr>
+      <p:sp>
+        <p:nvSpPr>
+          <p:cNvPr id="2" name="Slide Image Placeholder 1"/>
+          <p:cNvSpPr>
+            <a:spLocks noGrp="1" noRot="1" noChangeAspect="1"/>
+          </p:cNvSpPr>
+          <p:nvPr>
+            <p:ph type="sldImg"/>
+          </p:nvPr>
+        </p:nvSpPr>
+        <p:spPr/>
+      </p:sp>
+      <p:sp>
+        <p:nvSpPr>
+          <p:cNvPr id="3" name="Notes Placeholder 2"/>
+          <p:cNvSpPr>
+            <a:spLocks noGrp="1"/>
+          </p:cNvSpPr>
+          <p:nvPr>
+            <p:ph type="body" idx="1"/>
+          </p:nvPr>
+        </p:nvSpPr>
+        <p:spPr/>
+        <p:txBody>
+          <a:bodyPr/>
+          <a:lstStyle/>
+          <a:p>
+            <a:r>
+              <a:rPr lang="en-GB" dirty="0"/>
+              <a:t>Convert this into 2 spider diagrams if there’s time</a:t>
+            </a:r>
+          </a:p>
+        </p:txBody>
+      </p:sp>
+    </p:spTree>
+    <p:extLst>
+      <p:ext uri="{BB962C8B-B14F-4D97-AF65-F5344CB8AC3E}">
+        <p14:creationId xmlns:p14="http://schemas.microsoft.com/office/powerpoint/2010/main" val="597165813"/>
+      </p:ext>
+    </p:extLst>
+  </p:cSld>
+  <p:clrMapOvr>
+    <a:masterClrMapping/>
+  </p:clrMapOvr>
+</p:notes>
+</file>
+
+<file path=ppt/notesSlides/notesSlide6.xml><?xml version="1.0" encoding="utf-8"?>
+<p:notes xmlns:a="http://schemas.openxmlformats.org/drawingml/2006/main" xmlns:r="http://schemas.openxmlformats.org/officeDocument/2006/relationships" xmlns:p="http://schemas.openxmlformats.org/presentationml/2006/main">
+  <p:cSld>
+    <p:spTree>
+      <p:nvGrpSpPr>
+        <p:cNvPr id="1" name=""/>
+        <p:cNvGrpSpPr/>
+        <p:nvPr/>
+      </p:nvGrpSpPr>
+      <p:grpSpPr>
+        <a:xfrm>
+          <a:off x="0" y="0"/>
+          <a:ext cx="0" cy="0"/>
+          <a:chOff x="0" y="0"/>
+          <a:chExt cx="0" cy="0"/>
+        </a:xfrm>
+      </p:grpSpPr>
+      <p:sp>
+        <p:nvSpPr>
+          <p:cNvPr id="2" name="Slide Image Placeholder 1"/>
+          <p:cNvSpPr>
+            <a:spLocks noGrp="1" noRot="1" noChangeAspect="1"/>
+          </p:cNvSpPr>
+          <p:nvPr>
+            <p:ph type="sldImg"/>
+          </p:nvPr>
+        </p:nvSpPr>
+        <p:spPr/>
+      </p:sp>
+      <p:sp>
+        <p:nvSpPr>
+          <p:cNvPr id="3" name="Notes Placeholder 2"/>
+          <p:cNvSpPr>
+            <a:spLocks noGrp="1"/>
+          </p:cNvSpPr>
+          <p:nvPr>
+            <p:ph type="body" idx="1"/>
+          </p:nvPr>
+        </p:nvSpPr>
+        <p:spPr/>
+        <p:txBody>
+          <a:bodyPr/>
+          <a:lstStyle/>
+          <a:p>
             <a:r>
               <a:rPr lang="en-GB" dirty="0"/>
               <a:t>Convert this into 2 spider diagrams if there’s time</a:t>
@@ -1791,60 +2052,6 @@
           </a:p>
         </p:txBody>
       </p:sp>
-      <p:pic>
-        <p:nvPicPr>
-          <p:cNvPr id="7" name="Picture 11"/>
-          <p:cNvPicPr>
-            <a:picLocks noChangeAspect="1"/>
-          </p:cNvPicPr>
-          <p:nvPr userDrawn="1"/>
-        </p:nvPicPr>
-        <p:blipFill>
-          <a:blip r:embed="rId2" cstate="screen">
-            <a:extLst>
-              <a:ext uri="{28A0092B-C50C-407E-A947-70E740481C1C}">
-                <a14:useLocalDpi xmlns:a14="http://schemas.microsoft.com/office/drawing/2010/main"/>
-              </a:ext>
-            </a:extLst>
-          </a:blip>
-          <a:srcRect/>
-          <a:stretch>
-            <a:fillRect/>
-          </a:stretch>
-        </p:blipFill>
-        <p:spPr bwMode="auto">
-          <a:xfrm>
-            <a:off x="11137503" y="123980"/>
-            <a:ext cx="719137" cy="858837"/>
-          </a:xfrm>
-          <a:prstGeom prst="rect">
-            <a:avLst/>
-          </a:prstGeom>
-          <a:noFill/>
-          <a:ln>
-            <a:noFill/>
-          </a:ln>
-          <a:extLst>
-            <a:ext uri="{909E8E84-426E-40DD-AFC4-6F175D3DCCD1}">
-              <a14:hiddenFill xmlns:a14="http://schemas.microsoft.com/office/drawing/2010/main">
-                <a:solidFill>
-                  <a:srgbClr val="FFFFFF"/>
-                </a:solidFill>
-              </a14:hiddenFill>
-            </a:ext>
-            <a:ext uri="{91240B29-F687-4F45-9708-019B960494DF}">
-              <a14:hiddenLine xmlns:a14="http://schemas.microsoft.com/office/drawing/2010/main" w="9525">
-                <a:solidFill>
-                  <a:srgbClr val="000000"/>
-                </a:solidFill>
-                <a:miter lim="800000"/>
-                <a:headEnd/>
-                <a:tailEnd/>
-              </a14:hiddenLine>
-            </a:ext>
-          </a:extLst>
-        </p:spPr>
-      </p:pic>
       <p:sp>
         <p:nvSpPr>
           <p:cNvPr id="8" name="Content Placeholder 2"/>
@@ -2043,60 +2250,6 @@
           </a:p>
         </p:txBody>
       </p:sp>
-      <p:pic>
-        <p:nvPicPr>
-          <p:cNvPr id="4" name="Picture 11"/>
-          <p:cNvPicPr>
-            <a:picLocks noChangeAspect="1"/>
-          </p:cNvPicPr>
-          <p:nvPr userDrawn="1"/>
-        </p:nvPicPr>
-        <p:blipFill>
-          <a:blip r:embed="rId2" cstate="screen">
-            <a:extLst>
-              <a:ext uri="{28A0092B-C50C-407E-A947-70E740481C1C}">
-                <a14:useLocalDpi xmlns:a14="http://schemas.microsoft.com/office/drawing/2010/main"/>
-              </a:ext>
-            </a:extLst>
-          </a:blip>
-          <a:srcRect/>
-          <a:stretch>
-            <a:fillRect/>
-          </a:stretch>
-        </p:blipFill>
-        <p:spPr bwMode="auto">
-          <a:xfrm>
-            <a:off x="11137503" y="123980"/>
-            <a:ext cx="719137" cy="858837"/>
-          </a:xfrm>
-          <a:prstGeom prst="rect">
-            <a:avLst/>
-          </a:prstGeom>
-          <a:noFill/>
-          <a:ln>
-            <a:noFill/>
-          </a:ln>
-          <a:extLst>
-            <a:ext uri="{909E8E84-426E-40DD-AFC4-6F175D3DCCD1}">
-              <a14:hiddenFill xmlns:a14="http://schemas.microsoft.com/office/drawing/2010/main">
-                <a:solidFill>
-                  <a:srgbClr val="FFFFFF"/>
-                </a:solidFill>
-              </a14:hiddenFill>
-            </a:ext>
-            <a:ext uri="{91240B29-F687-4F45-9708-019B960494DF}">
-              <a14:hiddenLine xmlns:a14="http://schemas.microsoft.com/office/drawing/2010/main" w="9525">
-                <a:solidFill>
-                  <a:srgbClr val="000000"/>
-                </a:solidFill>
-                <a:miter lim="800000"/>
-                <a:headEnd/>
-                <a:tailEnd/>
-              </a14:hiddenLine>
-            </a:ext>
-          </a:extLst>
-        </p:spPr>
-      </p:pic>
     </p:spTree>
     <p:extLst>
       <p:ext uri="{BB962C8B-B14F-4D97-AF65-F5344CB8AC3E}">
@@ -2315,60 +2468,6 @@
           </a:p>
         </p:txBody>
       </p:sp>
-      <p:pic>
-        <p:nvPicPr>
-          <p:cNvPr id="5" name="Picture 11"/>
-          <p:cNvPicPr>
-            <a:picLocks noChangeAspect="1"/>
-          </p:cNvPicPr>
-          <p:nvPr userDrawn="1"/>
-        </p:nvPicPr>
-        <p:blipFill>
-          <a:blip r:embed="rId2" cstate="screen">
-            <a:extLst>
-              <a:ext uri="{28A0092B-C50C-407E-A947-70E740481C1C}">
-                <a14:useLocalDpi xmlns:a14="http://schemas.microsoft.com/office/drawing/2010/main"/>
-              </a:ext>
-            </a:extLst>
-          </a:blip>
-          <a:srcRect/>
-          <a:stretch>
-            <a:fillRect/>
-          </a:stretch>
-        </p:blipFill>
-        <p:spPr bwMode="auto">
-          <a:xfrm>
-            <a:off x="11137503" y="123980"/>
-            <a:ext cx="719137" cy="858837"/>
-          </a:xfrm>
-          <a:prstGeom prst="rect">
-            <a:avLst/>
-          </a:prstGeom>
-          <a:noFill/>
-          <a:ln>
-            <a:noFill/>
-          </a:ln>
-          <a:extLst>
-            <a:ext uri="{909E8E84-426E-40DD-AFC4-6F175D3DCCD1}">
-              <a14:hiddenFill xmlns:a14="http://schemas.microsoft.com/office/drawing/2010/main">
-                <a:solidFill>
-                  <a:srgbClr val="FFFFFF"/>
-                </a:solidFill>
-              </a14:hiddenFill>
-            </a:ext>
-            <a:ext uri="{91240B29-F687-4F45-9708-019B960494DF}">
-              <a14:hiddenLine xmlns:a14="http://schemas.microsoft.com/office/drawing/2010/main" w="9525">
-                <a:solidFill>
-                  <a:srgbClr val="000000"/>
-                </a:solidFill>
-                <a:miter lim="800000"/>
-                <a:headEnd/>
-                <a:tailEnd/>
-              </a14:hiddenLine>
-            </a:ext>
-          </a:extLst>
-        </p:spPr>
-      </p:pic>
     </p:spTree>
     <p:extLst>
       <p:ext uri="{BB962C8B-B14F-4D97-AF65-F5344CB8AC3E}">
@@ -2550,60 +2649,6 @@
           </a:p>
         </p:txBody>
       </p:sp>
-      <p:pic>
-        <p:nvPicPr>
-          <p:cNvPr id="5" name="Picture 11"/>
-          <p:cNvPicPr>
-            <a:picLocks noChangeAspect="1"/>
-          </p:cNvPicPr>
-          <p:nvPr userDrawn="1"/>
-        </p:nvPicPr>
-        <p:blipFill>
-          <a:blip r:embed="rId2" cstate="screen">
-            <a:extLst>
-              <a:ext uri="{28A0092B-C50C-407E-A947-70E740481C1C}">
-                <a14:useLocalDpi xmlns:a14="http://schemas.microsoft.com/office/drawing/2010/main"/>
-              </a:ext>
-            </a:extLst>
-          </a:blip>
-          <a:srcRect/>
-          <a:stretch>
-            <a:fillRect/>
-          </a:stretch>
-        </p:blipFill>
-        <p:spPr bwMode="auto">
-          <a:xfrm>
-            <a:off x="11137503" y="123980"/>
-            <a:ext cx="719137" cy="858837"/>
-          </a:xfrm>
-          <a:prstGeom prst="rect">
-            <a:avLst/>
-          </a:prstGeom>
-          <a:noFill/>
-          <a:ln>
-            <a:noFill/>
-          </a:ln>
-          <a:extLst>
-            <a:ext uri="{909E8E84-426E-40DD-AFC4-6F175D3DCCD1}">
-              <a14:hiddenFill xmlns:a14="http://schemas.microsoft.com/office/drawing/2010/main">
-                <a:solidFill>
-                  <a:srgbClr val="FFFFFF"/>
-                </a:solidFill>
-              </a14:hiddenFill>
-            </a:ext>
-            <a:ext uri="{91240B29-F687-4F45-9708-019B960494DF}">
-              <a14:hiddenLine xmlns:a14="http://schemas.microsoft.com/office/drawing/2010/main" w="9525">
-                <a:solidFill>
-                  <a:srgbClr val="000000"/>
-                </a:solidFill>
-                <a:miter lim="800000"/>
-                <a:headEnd/>
-                <a:tailEnd/>
-              </a14:hiddenLine>
-            </a:ext>
-          </a:extLst>
-        </p:spPr>
-      </p:pic>
     </p:spTree>
     <p:extLst>
       <p:ext uri="{BB962C8B-B14F-4D97-AF65-F5344CB8AC3E}">
@@ -2646,60 +2691,6 @@
           <a:chExt cx="0" cy="0"/>
         </a:xfrm>
       </p:grpSpPr>
-      <p:pic>
-        <p:nvPicPr>
-          <p:cNvPr id="2" name="Picture 11"/>
-          <p:cNvPicPr>
-            <a:picLocks noChangeAspect="1"/>
-          </p:cNvPicPr>
-          <p:nvPr userDrawn="1"/>
-        </p:nvPicPr>
-        <p:blipFill>
-          <a:blip r:embed="rId2" cstate="screen">
-            <a:extLst>
-              <a:ext uri="{28A0092B-C50C-407E-A947-70E740481C1C}">
-                <a14:useLocalDpi xmlns:a14="http://schemas.microsoft.com/office/drawing/2010/main"/>
-              </a:ext>
-            </a:extLst>
-          </a:blip>
-          <a:srcRect/>
-          <a:stretch>
-            <a:fillRect/>
-          </a:stretch>
-        </p:blipFill>
-        <p:spPr bwMode="auto">
-          <a:xfrm>
-            <a:off x="11137503" y="123980"/>
-            <a:ext cx="719137" cy="858837"/>
-          </a:xfrm>
-          <a:prstGeom prst="rect">
-            <a:avLst/>
-          </a:prstGeom>
-          <a:noFill/>
-          <a:ln>
-            <a:noFill/>
-          </a:ln>
-          <a:extLst>
-            <a:ext uri="{909E8E84-426E-40DD-AFC4-6F175D3DCCD1}">
-              <a14:hiddenFill xmlns:a14="http://schemas.microsoft.com/office/drawing/2010/main">
-                <a:solidFill>
-                  <a:srgbClr val="FFFFFF"/>
-                </a:solidFill>
-              </a14:hiddenFill>
-            </a:ext>
-            <a:ext uri="{91240B29-F687-4F45-9708-019B960494DF}">
-              <a14:hiddenLine xmlns:a14="http://schemas.microsoft.com/office/drawing/2010/main" w="9525">
-                <a:solidFill>
-                  <a:srgbClr val="000000"/>
-                </a:solidFill>
-                <a:miter lim="800000"/>
-                <a:headEnd/>
-                <a:tailEnd/>
-              </a14:hiddenLine>
-            </a:ext>
-          </a:extLst>
-        </p:spPr>
-      </p:pic>
     </p:spTree>
     <p:extLst>
       <p:ext uri="{BB962C8B-B14F-4D97-AF65-F5344CB8AC3E}">
@@ -2905,6 +2896,66 @@
           <a:xfrm>
             <a:off x="10364788" y="6237288"/>
             <a:ext cx="1492250" cy="342900"/>
+          </a:xfrm>
+          <a:prstGeom prst="rect">
+            <a:avLst/>
+          </a:prstGeom>
+          <a:noFill/>
+          <a:ln>
+            <a:noFill/>
+          </a:ln>
+          <a:extLst>
+            <a:ext uri="{909E8E84-426E-40DD-AFC4-6F175D3DCCD1}">
+              <a14:hiddenFill xmlns:a14="http://schemas.microsoft.com/office/drawing/2010/main">
+                <a:solidFill>
+                  <a:srgbClr val="FFFFFF"/>
+                </a:solidFill>
+              </a14:hiddenFill>
+            </a:ext>
+            <a:ext uri="{91240B29-F687-4F45-9708-019B960494DF}">
+              <a14:hiddenLine xmlns:a14="http://schemas.microsoft.com/office/drawing/2010/main" w="9525">
+                <a:solidFill>
+                  <a:srgbClr val="000000"/>
+                </a:solidFill>
+                <a:miter lim="800000"/>
+                <a:headEnd/>
+                <a:tailEnd/>
+              </a14:hiddenLine>
+            </a:ext>
+          </a:extLst>
+        </p:spPr>
+      </p:pic>
+      <p:pic>
+        <p:nvPicPr>
+          <p:cNvPr id="6" name="Picture 11">
+            <a:extLst>
+              <a:ext uri="{FF2B5EF4-FFF2-40B4-BE49-F238E27FC236}">
+                <a16:creationId xmlns:a16="http://schemas.microsoft.com/office/drawing/2014/main" id="{092C8417-ECC2-4FC2-93D2-362020D9DED6}"/>
+              </a:ext>
+            </a:extLst>
+          </p:cNvPr>
+          <p:cNvPicPr>
+            <a:picLocks noChangeAspect="1"/>
+          </p:cNvPicPr>
+          <p:nvPr userDrawn="1"/>
+        </p:nvPicPr>
+        <p:blipFill>
+          <a:blip r:embed="rId10" cstate="screen">
+            <a:extLst>
+              <a:ext uri="{28A0092B-C50C-407E-A947-70E740481C1C}">
+                <a14:useLocalDpi xmlns:a14="http://schemas.microsoft.com/office/drawing/2010/main"/>
+              </a:ext>
+            </a:extLst>
+          </a:blip>
+          <a:srcRect/>
+          <a:stretch>
+            <a:fillRect/>
+          </a:stretch>
+        </p:blipFill>
+        <p:spPr bwMode="auto">
+          <a:xfrm>
+            <a:off x="11137503" y="123980"/>
+            <a:ext cx="719137" cy="858837"/>
           </a:xfrm>
           <a:prstGeom prst="rect">
             <a:avLst/>
@@ -3469,6 +3520,3713 @@
           <a:p>
             <a:r>
               <a:rPr lang="en-GB" dirty="0"/>
+              <a:t>Indexing matrices</a:t>
+            </a:r>
+          </a:p>
+        </p:txBody>
+      </p:sp>
+      <p:sp>
+        <p:nvSpPr>
+          <p:cNvPr id="3" name="Content Placeholder 2">
+            <a:extLst>
+              <a:ext uri="{FF2B5EF4-FFF2-40B4-BE49-F238E27FC236}">
+                <a16:creationId xmlns:a16="http://schemas.microsoft.com/office/drawing/2014/main" id="{B00B5046-B5DF-4F1A-AFA6-4A5FA79CAEFA}"/>
+              </a:ext>
+            </a:extLst>
+          </p:cNvPr>
+          <p:cNvSpPr>
+            <a:spLocks noGrp="1"/>
+          </p:cNvSpPr>
+          <p:nvPr>
+            <p:ph idx="1"/>
+          </p:nvPr>
+        </p:nvSpPr>
+        <p:spPr>
+          <a:xfrm>
+            <a:off x="355680" y="1186594"/>
+            <a:ext cx="11490880" cy="4929411"/>
+          </a:xfrm>
+        </p:spPr>
+        <p:txBody>
+          <a:bodyPr/>
+          <a:lstStyle/>
+          <a:p>
+            <a:r>
+              <a:rPr lang="en-GB" dirty="0"/>
+              <a:t>Elements of a matrix indexed using square bracket notation</a:t>
+            </a:r>
+          </a:p>
+          <a:p>
+            <a:pPr lvl="1"/>
+            <a:r>
+              <a:rPr lang="en-GB" dirty="0"/>
+              <a:t>Square brackets applied to variable name</a:t>
+            </a:r>
+          </a:p>
+          <a:p>
+            <a:pPr lvl="1"/>
+            <a:r>
+              <a:rPr lang="en-GB" dirty="0"/>
+              <a:t>First index specifies row, second specifies column</a:t>
+            </a:r>
+          </a:p>
+          <a:p>
+            <a:pPr lvl="1"/>
+            <a:r>
+              <a:rPr lang="en-GB" dirty="0"/>
+              <a:t>Index numbering starts at 1</a:t>
+            </a:r>
+          </a:p>
+          <a:p>
+            <a:pPr lvl="1"/>
+            <a:endParaRPr lang="en-GB" sz="1200" dirty="0"/>
+          </a:p>
+          <a:p>
+            <a:r>
+              <a:rPr lang="en-GB" dirty="0"/>
+              <a:t>Example, a random number array</a:t>
+            </a:r>
+          </a:p>
+          <a:p>
+            <a:pPr lvl="1"/>
+            <a:r>
+              <a:rPr lang="en-GB" dirty="0"/>
+              <a:t>Create a 2D matrix:   	</a:t>
+            </a:r>
+            <a:r>
+              <a:rPr lang="en-GB" i="1" dirty="0" err="1">
+                <a:solidFill>
+                  <a:schemeClr val="accent1"/>
+                </a:solidFill>
+              </a:rPr>
+              <a:t>rand_array</a:t>
+            </a:r>
+            <a:r>
+              <a:rPr lang="en-GB" i="1" dirty="0">
+                <a:solidFill>
+                  <a:schemeClr val="accent1"/>
+                </a:solidFill>
+              </a:rPr>
+              <a:t> = rand(4,3);</a:t>
+            </a:r>
+          </a:p>
+          <a:p>
+            <a:pPr lvl="1"/>
+            <a:r>
+              <a:rPr lang="en-GB" dirty="0"/>
+              <a:t>Top-left value:    	</a:t>
+            </a:r>
+            <a:r>
+              <a:rPr lang="en-GB" i="1" dirty="0" err="1">
+                <a:solidFill>
+                  <a:schemeClr val="accent1"/>
+                </a:solidFill>
+              </a:rPr>
+              <a:t>tl_val</a:t>
+            </a:r>
+            <a:r>
+              <a:rPr lang="en-GB" i="1" dirty="0">
+                <a:solidFill>
+                  <a:schemeClr val="accent1"/>
+                </a:solidFill>
+              </a:rPr>
+              <a:t> = </a:t>
+            </a:r>
+            <a:r>
+              <a:rPr lang="en-GB" i="1" dirty="0" err="1">
+                <a:solidFill>
+                  <a:schemeClr val="accent1"/>
+                </a:solidFill>
+              </a:rPr>
+              <a:t>rand_array</a:t>
+            </a:r>
+            <a:r>
+              <a:rPr lang="en-GB" i="1" dirty="0">
+                <a:solidFill>
+                  <a:schemeClr val="accent1"/>
+                </a:solidFill>
+              </a:rPr>
+              <a:t>[1,1];</a:t>
+            </a:r>
+          </a:p>
+          <a:p>
+            <a:pPr lvl="1"/>
+            <a:r>
+              <a:rPr lang="en-GB" dirty="0"/>
+              <a:t>Bottom-left </a:t>
+            </a:r>
+            <a:r>
+              <a:rPr lang="en-GB" dirty="0" err="1"/>
+              <a:t>val</a:t>
+            </a:r>
+            <a:r>
+              <a:rPr lang="en-GB" dirty="0"/>
+              <a:t>:</a:t>
+            </a:r>
+            <a:r>
+              <a:rPr lang="en-GB" i="1" dirty="0"/>
+              <a:t>		</a:t>
+            </a:r>
+            <a:r>
+              <a:rPr lang="en-GB" i="1" dirty="0" err="1">
+                <a:solidFill>
+                  <a:schemeClr val="accent1"/>
+                </a:solidFill>
+              </a:rPr>
+              <a:t>bl_val</a:t>
+            </a:r>
+            <a:r>
+              <a:rPr lang="en-GB" i="1" dirty="0">
+                <a:solidFill>
+                  <a:schemeClr val="accent1"/>
+                </a:solidFill>
+              </a:rPr>
+              <a:t> = </a:t>
+            </a:r>
+            <a:r>
+              <a:rPr lang="en-GB" i="1" dirty="0" err="1">
+                <a:solidFill>
+                  <a:schemeClr val="accent1"/>
+                </a:solidFill>
+              </a:rPr>
+              <a:t>rand_array</a:t>
+            </a:r>
+            <a:r>
+              <a:rPr lang="en-GB" i="1" dirty="0">
+                <a:solidFill>
+                  <a:schemeClr val="accent1"/>
+                </a:solidFill>
+              </a:rPr>
+              <a:t>[4,1]; </a:t>
+            </a:r>
+          </a:p>
+          <a:p>
+            <a:pPr lvl="1"/>
+            <a:r>
+              <a:rPr lang="en-GB" dirty="0"/>
+              <a:t>Top-right </a:t>
+            </a:r>
+            <a:r>
+              <a:rPr lang="en-GB" dirty="0" err="1"/>
+              <a:t>val</a:t>
+            </a:r>
+            <a:r>
+              <a:rPr lang="en-GB" dirty="0"/>
+              <a:t>:</a:t>
+            </a:r>
+            <a:r>
+              <a:rPr lang="en-GB" i="1" dirty="0">
+                <a:solidFill>
+                  <a:schemeClr val="accent1"/>
+                </a:solidFill>
+              </a:rPr>
+              <a:t>		</a:t>
+            </a:r>
+            <a:r>
+              <a:rPr lang="en-GB" i="1" dirty="0" err="1">
+                <a:solidFill>
+                  <a:schemeClr val="accent1"/>
+                </a:solidFill>
+              </a:rPr>
+              <a:t>tr_val</a:t>
+            </a:r>
+            <a:r>
+              <a:rPr lang="en-GB" i="1" dirty="0">
+                <a:solidFill>
+                  <a:schemeClr val="accent1"/>
+                </a:solidFill>
+              </a:rPr>
+              <a:t> = </a:t>
+            </a:r>
+            <a:r>
+              <a:rPr lang="en-GB" i="1" dirty="0" err="1">
+                <a:solidFill>
+                  <a:schemeClr val="accent1"/>
+                </a:solidFill>
+              </a:rPr>
+              <a:t>rand_array</a:t>
+            </a:r>
+            <a:r>
+              <a:rPr lang="en-GB" i="1" dirty="0">
+                <a:solidFill>
+                  <a:schemeClr val="accent1"/>
+                </a:solidFill>
+              </a:rPr>
+              <a:t>[1,3];</a:t>
+            </a:r>
+          </a:p>
+        </p:txBody>
+      </p:sp>
+      <p:graphicFrame>
+        <p:nvGraphicFramePr>
+          <p:cNvPr id="9" name="Table 11">
+            <a:extLst>
+              <a:ext uri="{FF2B5EF4-FFF2-40B4-BE49-F238E27FC236}">
+                <a16:creationId xmlns:a16="http://schemas.microsoft.com/office/drawing/2014/main" id="{C443B23F-C643-4E66-AE4B-8D1AB5D56572}"/>
+              </a:ext>
+            </a:extLst>
+          </p:cNvPr>
+          <p:cNvGraphicFramePr>
+            <a:graphicFrameLocks noGrp="1"/>
+          </p:cNvGraphicFramePr>
+          <p:nvPr>
+            <p:extLst>
+              <p:ext uri="{D42A27DB-BD31-4B8C-83A1-F6EECF244321}">
+                <p14:modId xmlns:p14="http://schemas.microsoft.com/office/powerpoint/2010/main" val="3698904701"/>
+              </p:ext>
+            </p:extLst>
+          </p:nvPr>
+        </p:nvGraphicFramePr>
+        <p:xfrm>
+          <a:off x="9022745" y="2089126"/>
+          <a:ext cx="2616537" cy="3488716"/>
+        </p:xfrm>
+        <a:graphic>
+          <a:graphicData uri="http://schemas.openxmlformats.org/drawingml/2006/table">
+            <a:tbl>
+              <a:tblPr firstRow="1" bandRow="1">
+                <a:tableStyleId>{5940675A-B579-460E-94D1-54222C63F5DA}</a:tableStyleId>
+              </a:tblPr>
+              <a:tblGrid>
+                <a:gridCol w="872179">
+                  <a:extLst>
+                    <a:ext uri="{9D8B030D-6E8A-4147-A177-3AD203B41FA5}">
+                      <a16:colId xmlns:a16="http://schemas.microsoft.com/office/drawing/2014/main" val="2264223351"/>
+                    </a:ext>
+                  </a:extLst>
+                </a:gridCol>
+                <a:gridCol w="872179">
+                  <a:extLst>
+                    <a:ext uri="{9D8B030D-6E8A-4147-A177-3AD203B41FA5}">
+                      <a16:colId xmlns:a16="http://schemas.microsoft.com/office/drawing/2014/main" val="4294296283"/>
+                    </a:ext>
+                  </a:extLst>
+                </a:gridCol>
+                <a:gridCol w="872179">
+                  <a:extLst>
+                    <a:ext uri="{9D8B030D-6E8A-4147-A177-3AD203B41FA5}">
+                      <a16:colId xmlns:a16="http://schemas.microsoft.com/office/drawing/2014/main" val="3139006436"/>
+                    </a:ext>
+                  </a:extLst>
+                </a:gridCol>
+              </a:tblGrid>
+              <a:tr h="872179">
+                <a:tc>
+                  <a:txBody>
+                    <a:bodyPr/>
+                    <a:lstStyle/>
+                    <a:p>
+                      <a:pPr algn="ctr"/>
+                      <a:r>
+                        <a:rPr lang="en-GB" sz="2200" dirty="0"/>
+                        <a:t>0.9</a:t>
+                      </a:r>
+                    </a:p>
+                  </a:txBody>
+                  <a:tcPr marL="252170" marR="252170" marT="126087" marB="126087" anchor="ctr"/>
+                </a:tc>
+                <a:tc>
+                  <a:txBody>
+                    <a:bodyPr/>
+                    <a:lstStyle/>
+                    <a:p>
+                      <a:pPr algn="ctr"/>
+                      <a:r>
+                        <a:rPr lang="en-GB" sz="2200" dirty="0"/>
+                        <a:t>0.3</a:t>
+                      </a:r>
+                    </a:p>
+                  </a:txBody>
+                  <a:tcPr marL="252170" marR="252170" marT="126087" marB="126087" anchor="ctr"/>
+                </a:tc>
+                <a:tc>
+                  <a:txBody>
+                    <a:bodyPr/>
+                    <a:lstStyle/>
+                    <a:p>
+                      <a:pPr algn="ctr"/>
+                      <a:r>
+                        <a:rPr lang="en-GB" sz="2200" dirty="0"/>
+                        <a:t>0.1</a:t>
+                      </a:r>
+                    </a:p>
+                  </a:txBody>
+                  <a:tcPr marL="252170" marR="252170" marT="126087" marB="126087" anchor="ctr"/>
+                </a:tc>
+                <a:extLst>
+                  <a:ext uri="{0D108BD9-81ED-4DB2-BD59-A6C34878D82A}">
+                    <a16:rowId xmlns:a16="http://schemas.microsoft.com/office/drawing/2014/main" val="2703465221"/>
+                  </a:ext>
+                </a:extLst>
+              </a:tr>
+              <a:tr h="872179">
+                <a:tc>
+                  <a:txBody>
+                    <a:bodyPr/>
+                    <a:lstStyle/>
+                    <a:p>
+                      <a:pPr algn="ctr"/>
+                      <a:r>
+                        <a:rPr lang="en-GB" sz="2200" dirty="0"/>
+                        <a:t>0.2</a:t>
+                      </a:r>
+                    </a:p>
+                  </a:txBody>
+                  <a:tcPr marL="252170" marR="252170" marT="126087" marB="126087" anchor="ctr"/>
+                </a:tc>
+                <a:tc>
+                  <a:txBody>
+                    <a:bodyPr/>
+                    <a:lstStyle/>
+                    <a:p>
+                      <a:pPr algn="ctr"/>
+                      <a:r>
+                        <a:rPr lang="en-GB" sz="2200" dirty="0"/>
+                        <a:t>0.1</a:t>
+                      </a:r>
+                    </a:p>
+                  </a:txBody>
+                  <a:tcPr marL="252170" marR="252170" marT="126087" marB="126087" anchor="ctr"/>
+                </a:tc>
+                <a:tc>
+                  <a:txBody>
+                    <a:bodyPr/>
+                    <a:lstStyle/>
+                    <a:p>
+                      <a:pPr algn="ctr"/>
+                      <a:r>
+                        <a:rPr lang="en-GB" sz="2200" dirty="0"/>
+                        <a:t>0.5</a:t>
+                      </a:r>
+                    </a:p>
+                  </a:txBody>
+                  <a:tcPr marL="252170" marR="252170" marT="126087" marB="126087" anchor="ctr"/>
+                </a:tc>
+                <a:extLst>
+                  <a:ext uri="{0D108BD9-81ED-4DB2-BD59-A6C34878D82A}">
+                    <a16:rowId xmlns:a16="http://schemas.microsoft.com/office/drawing/2014/main" val="2907702860"/>
+                  </a:ext>
+                </a:extLst>
+              </a:tr>
+              <a:tr h="872179">
+                <a:tc>
+                  <a:txBody>
+                    <a:bodyPr/>
+                    <a:lstStyle/>
+                    <a:p>
+                      <a:pPr algn="ctr"/>
+                      <a:r>
+                        <a:rPr lang="en-GB" sz="2200" dirty="0"/>
+                        <a:t>0.4</a:t>
+                      </a:r>
+                    </a:p>
+                  </a:txBody>
+                  <a:tcPr marL="252170" marR="252170" marT="126087" marB="126087" anchor="ctr"/>
+                </a:tc>
+                <a:tc>
+                  <a:txBody>
+                    <a:bodyPr/>
+                    <a:lstStyle/>
+                    <a:p>
+                      <a:pPr algn="ctr"/>
+                      <a:r>
+                        <a:rPr lang="en-GB" sz="2200" dirty="0"/>
+                        <a:t>0.7</a:t>
+                      </a:r>
+                    </a:p>
+                  </a:txBody>
+                  <a:tcPr marL="252170" marR="252170" marT="126087" marB="126087" anchor="ctr"/>
+                </a:tc>
+                <a:tc>
+                  <a:txBody>
+                    <a:bodyPr/>
+                    <a:lstStyle/>
+                    <a:p>
+                      <a:pPr algn="ctr"/>
+                      <a:r>
+                        <a:rPr lang="en-GB" sz="2200" dirty="0"/>
+                        <a:t>0.2</a:t>
+                      </a:r>
+                    </a:p>
+                  </a:txBody>
+                  <a:tcPr marL="252170" marR="252170" marT="126087" marB="126087" anchor="ctr"/>
+                </a:tc>
+                <a:extLst>
+                  <a:ext uri="{0D108BD9-81ED-4DB2-BD59-A6C34878D82A}">
+                    <a16:rowId xmlns:a16="http://schemas.microsoft.com/office/drawing/2014/main" val="637290251"/>
+                  </a:ext>
+                </a:extLst>
+              </a:tr>
+              <a:tr h="872179">
+                <a:tc>
+                  <a:txBody>
+                    <a:bodyPr/>
+                    <a:lstStyle/>
+                    <a:p>
+                      <a:pPr algn="ctr"/>
+                      <a:r>
+                        <a:rPr lang="en-GB" sz="2200" dirty="0"/>
+                        <a:t>0.7</a:t>
+                      </a:r>
+                    </a:p>
+                  </a:txBody>
+                  <a:tcPr marL="252170" marR="252170" marT="126087" marB="126087" anchor="ctr"/>
+                </a:tc>
+                <a:tc>
+                  <a:txBody>
+                    <a:bodyPr/>
+                    <a:lstStyle/>
+                    <a:p>
+                      <a:pPr algn="ctr"/>
+                      <a:r>
+                        <a:rPr lang="en-GB" sz="2200" dirty="0"/>
+                        <a:t>0.3</a:t>
+                      </a:r>
+                    </a:p>
+                  </a:txBody>
+                  <a:tcPr marL="252170" marR="252170" marT="126087" marB="126087" anchor="ctr"/>
+                </a:tc>
+                <a:tc>
+                  <a:txBody>
+                    <a:bodyPr/>
+                    <a:lstStyle/>
+                    <a:p>
+                      <a:pPr algn="ctr"/>
+                      <a:r>
+                        <a:rPr lang="en-GB" sz="2200" dirty="0"/>
+                        <a:t>0.5</a:t>
+                      </a:r>
+                    </a:p>
+                  </a:txBody>
+                  <a:tcPr marL="252170" marR="252170" marT="126087" marB="126087" anchor="ctr"/>
+                </a:tc>
+                <a:extLst>
+                  <a:ext uri="{0D108BD9-81ED-4DB2-BD59-A6C34878D82A}">
+                    <a16:rowId xmlns:a16="http://schemas.microsoft.com/office/drawing/2014/main" val="3764598351"/>
+                  </a:ext>
+                </a:extLst>
+              </a:tr>
+            </a:tbl>
+          </a:graphicData>
+        </a:graphic>
+      </p:graphicFrame>
+      <p:sp>
+        <p:nvSpPr>
+          <p:cNvPr id="5" name="Rectangle 4">
+            <a:extLst>
+              <a:ext uri="{FF2B5EF4-FFF2-40B4-BE49-F238E27FC236}">
+                <a16:creationId xmlns:a16="http://schemas.microsoft.com/office/drawing/2014/main" id="{CB0CCE8B-7BC7-41DB-AA1F-6DE593BF5A9E}"/>
+              </a:ext>
+            </a:extLst>
+          </p:cNvPr>
+          <p:cNvSpPr/>
+          <p:nvPr/>
+        </p:nvSpPr>
+        <p:spPr>
+          <a:xfrm>
+            <a:off x="335360" y="4646428"/>
+            <a:ext cx="7382512" cy="1479736"/>
+          </a:xfrm>
+          <a:prstGeom prst="rect">
+            <a:avLst/>
+          </a:prstGeom>
+          <a:solidFill>
+            <a:srgbClr val="FFFFFF">
+              <a:alpha val="89804"/>
+            </a:srgbClr>
+          </a:solidFill>
+          <a:ln>
+            <a:noFill/>
+          </a:ln>
+        </p:spPr>
+        <p:style>
+          <a:lnRef idx="2">
+            <a:schemeClr val="accent1">
+              <a:shade val="50000"/>
+            </a:schemeClr>
+          </a:lnRef>
+          <a:fillRef idx="1">
+            <a:schemeClr val="accent1"/>
+          </a:fillRef>
+          <a:effectRef idx="0">
+            <a:schemeClr val="accent1"/>
+          </a:effectRef>
+          <a:fontRef idx="minor">
+            <a:schemeClr val="lt1"/>
+          </a:fontRef>
+        </p:style>
+        <p:txBody>
+          <a:bodyPr rtlCol="0" anchor="ctr"/>
+          <a:lstStyle/>
+          <a:p>
+            <a:pPr algn="ctr"/>
+            <a:endParaRPr lang="en-GB"/>
+          </a:p>
+        </p:txBody>
+      </p:sp>
+      <p:sp>
+        <p:nvSpPr>
+          <p:cNvPr id="6" name="Rectangle 5">
+            <a:extLst>
+              <a:ext uri="{FF2B5EF4-FFF2-40B4-BE49-F238E27FC236}">
+                <a16:creationId xmlns:a16="http://schemas.microsoft.com/office/drawing/2014/main" id="{739AD52B-4713-477E-AD07-4E793633205F}"/>
+              </a:ext>
+            </a:extLst>
+          </p:cNvPr>
+          <p:cNvSpPr/>
+          <p:nvPr/>
+        </p:nvSpPr>
+        <p:spPr>
+          <a:xfrm>
+            <a:off x="9063385" y="2127226"/>
+            <a:ext cx="792000" cy="792000"/>
+          </a:xfrm>
+          <a:prstGeom prst="rect">
+            <a:avLst/>
+          </a:prstGeom>
+          <a:noFill/>
+          <a:ln>
+            <a:solidFill>
+              <a:srgbClr val="FF0000"/>
+            </a:solidFill>
+          </a:ln>
+        </p:spPr>
+        <p:style>
+          <a:lnRef idx="2">
+            <a:schemeClr val="accent1">
+              <a:shade val="50000"/>
+            </a:schemeClr>
+          </a:lnRef>
+          <a:fillRef idx="1">
+            <a:schemeClr val="accent1"/>
+          </a:fillRef>
+          <a:effectRef idx="0">
+            <a:schemeClr val="accent1"/>
+          </a:effectRef>
+          <a:fontRef idx="minor">
+            <a:schemeClr val="lt1"/>
+          </a:fontRef>
+        </p:style>
+        <p:txBody>
+          <a:bodyPr rtlCol="0" anchor="ctr"/>
+          <a:lstStyle/>
+          <a:p>
+            <a:pPr algn="ctr"/>
+            <a:endParaRPr lang="en-GB"/>
+          </a:p>
+        </p:txBody>
+      </p:sp>
+    </p:spTree>
+    <p:extLst>
+      <p:ext uri="{BB962C8B-B14F-4D97-AF65-F5344CB8AC3E}">
+        <p14:creationId xmlns:p14="http://schemas.microsoft.com/office/powerpoint/2010/main" val="3389702848"/>
+      </p:ext>
+    </p:extLst>
+  </p:cSld>
+  <p:clrMapOvr>
+    <a:masterClrMapping/>
+  </p:clrMapOvr>
+  <mc:AlternateContent xmlns:mc="http://schemas.openxmlformats.org/markup-compatibility/2006" xmlns:p14="http://schemas.microsoft.com/office/powerpoint/2010/main">
+    <mc:Choice Requires="p14">
+      <p:transition p14:dur="300">
+        <p:fade/>
+      </p:transition>
+    </mc:Choice>
+    <mc:Fallback xmlns="">
+      <p:transition>
+        <p:fade/>
+      </p:transition>
+    </mc:Fallback>
+  </mc:AlternateContent>
+</p:sld>
+</file>
+
+<file path=ppt/slides/slide11.xml><?xml version="1.0" encoding="utf-8"?>
+<p:sld xmlns:a="http://schemas.openxmlformats.org/drawingml/2006/main" xmlns:r="http://schemas.openxmlformats.org/officeDocument/2006/relationships" xmlns:p="http://schemas.openxmlformats.org/presentationml/2006/main">
+  <p:cSld>
+    <p:spTree>
+      <p:nvGrpSpPr>
+        <p:cNvPr id="1" name=""/>
+        <p:cNvGrpSpPr/>
+        <p:nvPr/>
+      </p:nvGrpSpPr>
+      <p:grpSpPr>
+        <a:xfrm>
+          <a:off x="0" y="0"/>
+          <a:ext cx="0" cy="0"/>
+          <a:chOff x="0" y="0"/>
+          <a:chExt cx="0" cy="0"/>
+        </a:xfrm>
+      </p:grpSpPr>
+      <p:sp>
+        <p:nvSpPr>
+          <p:cNvPr id="2" name="Title 1">
+            <a:extLst>
+              <a:ext uri="{FF2B5EF4-FFF2-40B4-BE49-F238E27FC236}">
+                <a16:creationId xmlns:a16="http://schemas.microsoft.com/office/drawing/2014/main" id="{8B0C5865-E132-43F0-814F-C61B94E5671C}"/>
+              </a:ext>
+            </a:extLst>
+          </p:cNvPr>
+          <p:cNvSpPr>
+            <a:spLocks noGrp="1"/>
+          </p:cNvSpPr>
+          <p:nvPr>
+            <p:ph type="title"/>
+          </p:nvPr>
+        </p:nvSpPr>
+        <p:spPr/>
+        <p:txBody>
+          <a:bodyPr/>
+          <a:lstStyle/>
+          <a:p>
+            <a:r>
+              <a:rPr lang="en-GB" dirty="0"/>
+              <a:t>Indexing matrices</a:t>
+            </a:r>
+          </a:p>
+        </p:txBody>
+      </p:sp>
+      <p:sp>
+        <p:nvSpPr>
+          <p:cNvPr id="3" name="Content Placeholder 2">
+            <a:extLst>
+              <a:ext uri="{FF2B5EF4-FFF2-40B4-BE49-F238E27FC236}">
+                <a16:creationId xmlns:a16="http://schemas.microsoft.com/office/drawing/2014/main" id="{B00B5046-B5DF-4F1A-AFA6-4A5FA79CAEFA}"/>
+              </a:ext>
+            </a:extLst>
+          </p:cNvPr>
+          <p:cNvSpPr>
+            <a:spLocks noGrp="1"/>
+          </p:cNvSpPr>
+          <p:nvPr>
+            <p:ph idx="1"/>
+          </p:nvPr>
+        </p:nvSpPr>
+        <p:spPr>
+          <a:xfrm>
+            <a:off x="355680" y="1186594"/>
+            <a:ext cx="11490880" cy="4929411"/>
+          </a:xfrm>
+        </p:spPr>
+        <p:txBody>
+          <a:bodyPr/>
+          <a:lstStyle/>
+          <a:p>
+            <a:r>
+              <a:rPr lang="en-GB" dirty="0"/>
+              <a:t>Elements of a matrix indexed using square bracket notation</a:t>
+            </a:r>
+          </a:p>
+          <a:p>
+            <a:pPr lvl="1"/>
+            <a:r>
+              <a:rPr lang="en-GB" dirty="0"/>
+              <a:t>Square brackets applied to variable name</a:t>
+            </a:r>
+          </a:p>
+          <a:p>
+            <a:pPr lvl="1"/>
+            <a:r>
+              <a:rPr lang="en-GB" dirty="0"/>
+              <a:t>First index specifies row, second specifies column</a:t>
+            </a:r>
+          </a:p>
+          <a:p>
+            <a:pPr lvl="1"/>
+            <a:r>
+              <a:rPr lang="en-GB" dirty="0"/>
+              <a:t>Index numbering starts at 1</a:t>
+            </a:r>
+          </a:p>
+          <a:p>
+            <a:pPr lvl="1"/>
+            <a:endParaRPr lang="en-GB" sz="1200" dirty="0"/>
+          </a:p>
+          <a:p>
+            <a:r>
+              <a:rPr lang="en-GB" dirty="0"/>
+              <a:t>Example, a random number array</a:t>
+            </a:r>
+          </a:p>
+          <a:p>
+            <a:pPr lvl="1"/>
+            <a:r>
+              <a:rPr lang="en-GB" dirty="0"/>
+              <a:t>Create a 2D matrix:   	</a:t>
+            </a:r>
+            <a:r>
+              <a:rPr lang="en-GB" i="1" dirty="0" err="1">
+                <a:solidFill>
+                  <a:schemeClr val="accent1"/>
+                </a:solidFill>
+              </a:rPr>
+              <a:t>rand_array</a:t>
+            </a:r>
+            <a:r>
+              <a:rPr lang="en-GB" i="1" dirty="0">
+                <a:solidFill>
+                  <a:schemeClr val="accent1"/>
+                </a:solidFill>
+              </a:rPr>
+              <a:t> = rand(4,3);</a:t>
+            </a:r>
+          </a:p>
+          <a:p>
+            <a:pPr lvl="1"/>
+            <a:r>
+              <a:rPr lang="en-GB" dirty="0"/>
+              <a:t>Top-left value:    	</a:t>
+            </a:r>
+            <a:r>
+              <a:rPr lang="en-GB" i="1" dirty="0" err="1">
+                <a:solidFill>
+                  <a:schemeClr val="accent1"/>
+                </a:solidFill>
+              </a:rPr>
+              <a:t>tl_val</a:t>
+            </a:r>
+            <a:r>
+              <a:rPr lang="en-GB" i="1" dirty="0">
+                <a:solidFill>
+                  <a:schemeClr val="accent1"/>
+                </a:solidFill>
+              </a:rPr>
+              <a:t> = </a:t>
+            </a:r>
+            <a:r>
+              <a:rPr lang="en-GB" i="1" dirty="0" err="1">
+                <a:solidFill>
+                  <a:schemeClr val="accent1"/>
+                </a:solidFill>
+              </a:rPr>
+              <a:t>rand_array</a:t>
+            </a:r>
+            <a:r>
+              <a:rPr lang="en-GB" i="1" dirty="0">
+                <a:solidFill>
+                  <a:schemeClr val="accent1"/>
+                </a:solidFill>
+              </a:rPr>
+              <a:t>[1,1];</a:t>
+            </a:r>
+          </a:p>
+          <a:p>
+            <a:pPr lvl="1"/>
+            <a:r>
+              <a:rPr lang="en-GB" dirty="0"/>
+              <a:t>Bottom-left </a:t>
+            </a:r>
+            <a:r>
+              <a:rPr lang="en-GB" dirty="0" err="1"/>
+              <a:t>val</a:t>
+            </a:r>
+            <a:r>
+              <a:rPr lang="en-GB" dirty="0"/>
+              <a:t>:</a:t>
+            </a:r>
+            <a:r>
+              <a:rPr lang="en-GB" i="1" dirty="0"/>
+              <a:t>		</a:t>
+            </a:r>
+            <a:r>
+              <a:rPr lang="en-GB" i="1" dirty="0" err="1">
+                <a:solidFill>
+                  <a:schemeClr val="accent1"/>
+                </a:solidFill>
+              </a:rPr>
+              <a:t>bl_val</a:t>
+            </a:r>
+            <a:r>
+              <a:rPr lang="en-GB" i="1" dirty="0">
+                <a:solidFill>
+                  <a:schemeClr val="accent1"/>
+                </a:solidFill>
+              </a:rPr>
+              <a:t> = </a:t>
+            </a:r>
+            <a:r>
+              <a:rPr lang="en-GB" i="1" dirty="0" err="1">
+                <a:solidFill>
+                  <a:schemeClr val="accent1"/>
+                </a:solidFill>
+              </a:rPr>
+              <a:t>rand_array</a:t>
+            </a:r>
+            <a:r>
+              <a:rPr lang="en-GB" i="1" dirty="0">
+                <a:solidFill>
+                  <a:schemeClr val="accent1"/>
+                </a:solidFill>
+              </a:rPr>
+              <a:t>[4,1]; </a:t>
+            </a:r>
+          </a:p>
+          <a:p>
+            <a:pPr lvl="1"/>
+            <a:r>
+              <a:rPr lang="en-GB" dirty="0"/>
+              <a:t>Top-right </a:t>
+            </a:r>
+            <a:r>
+              <a:rPr lang="en-GB" dirty="0" err="1"/>
+              <a:t>val</a:t>
+            </a:r>
+            <a:r>
+              <a:rPr lang="en-GB" dirty="0"/>
+              <a:t>:</a:t>
+            </a:r>
+            <a:r>
+              <a:rPr lang="en-GB" i="1" dirty="0">
+                <a:solidFill>
+                  <a:schemeClr val="accent1"/>
+                </a:solidFill>
+              </a:rPr>
+              <a:t>		</a:t>
+            </a:r>
+            <a:r>
+              <a:rPr lang="en-GB" i="1" dirty="0" err="1">
+                <a:solidFill>
+                  <a:schemeClr val="accent1"/>
+                </a:solidFill>
+              </a:rPr>
+              <a:t>tr_val</a:t>
+            </a:r>
+            <a:r>
+              <a:rPr lang="en-GB" i="1" dirty="0">
+                <a:solidFill>
+                  <a:schemeClr val="accent1"/>
+                </a:solidFill>
+              </a:rPr>
+              <a:t> = </a:t>
+            </a:r>
+            <a:r>
+              <a:rPr lang="en-GB" i="1" dirty="0" err="1">
+                <a:solidFill>
+                  <a:schemeClr val="accent1"/>
+                </a:solidFill>
+              </a:rPr>
+              <a:t>rand_array</a:t>
+            </a:r>
+            <a:r>
+              <a:rPr lang="en-GB" i="1" dirty="0">
+                <a:solidFill>
+                  <a:schemeClr val="accent1"/>
+                </a:solidFill>
+              </a:rPr>
+              <a:t>[1,3];</a:t>
+            </a:r>
+          </a:p>
+        </p:txBody>
+      </p:sp>
+      <p:graphicFrame>
+        <p:nvGraphicFramePr>
+          <p:cNvPr id="9" name="Table 11">
+            <a:extLst>
+              <a:ext uri="{FF2B5EF4-FFF2-40B4-BE49-F238E27FC236}">
+                <a16:creationId xmlns:a16="http://schemas.microsoft.com/office/drawing/2014/main" id="{C443B23F-C643-4E66-AE4B-8D1AB5D56572}"/>
+              </a:ext>
+            </a:extLst>
+          </p:cNvPr>
+          <p:cNvGraphicFramePr>
+            <a:graphicFrameLocks noGrp="1"/>
+          </p:cNvGraphicFramePr>
+          <p:nvPr/>
+        </p:nvGraphicFramePr>
+        <p:xfrm>
+          <a:off x="9022745" y="2089126"/>
+          <a:ext cx="2616537" cy="3488716"/>
+        </p:xfrm>
+        <a:graphic>
+          <a:graphicData uri="http://schemas.openxmlformats.org/drawingml/2006/table">
+            <a:tbl>
+              <a:tblPr firstRow="1" bandRow="1">
+                <a:tableStyleId>{5940675A-B579-460E-94D1-54222C63F5DA}</a:tableStyleId>
+              </a:tblPr>
+              <a:tblGrid>
+                <a:gridCol w="872179">
+                  <a:extLst>
+                    <a:ext uri="{9D8B030D-6E8A-4147-A177-3AD203B41FA5}">
+                      <a16:colId xmlns:a16="http://schemas.microsoft.com/office/drawing/2014/main" val="2264223351"/>
+                    </a:ext>
+                  </a:extLst>
+                </a:gridCol>
+                <a:gridCol w="872179">
+                  <a:extLst>
+                    <a:ext uri="{9D8B030D-6E8A-4147-A177-3AD203B41FA5}">
+                      <a16:colId xmlns:a16="http://schemas.microsoft.com/office/drawing/2014/main" val="4294296283"/>
+                    </a:ext>
+                  </a:extLst>
+                </a:gridCol>
+                <a:gridCol w="872179">
+                  <a:extLst>
+                    <a:ext uri="{9D8B030D-6E8A-4147-A177-3AD203B41FA5}">
+                      <a16:colId xmlns:a16="http://schemas.microsoft.com/office/drawing/2014/main" val="3139006436"/>
+                    </a:ext>
+                  </a:extLst>
+                </a:gridCol>
+              </a:tblGrid>
+              <a:tr h="872179">
+                <a:tc>
+                  <a:txBody>
+                    <a:bodyPr/>
+                    <a:lstStyle/>
+                    <a:p>
+                      <a:pPr algn="ctr"/>
+                      <a:r>
+                        <a:rPr lang="en-GB" sz="2200" dirty="0"/>
+                        <a:t>0.9</a:t>
+                      </a:r>
+                    </a:p>
+                  </a:txBody>
+                  <a:tcPr marL="252170" marR="252170" marT="126087" marB="126087" anchor="ctr"/>
+                </a:tc>
+                <a:tc>
+                  <a:txBody>
+                    <a:bodyPr/>
+                    <a:lstStyle/>
+                    <a:p>
+                      <a:pPr algn="ctr"/>
+                      <a:r>
+                        <a:rPr lang="en-GB" sz="2200" dirty="0"/>
+                        <a:t>0.3</a:t>
+                      </a:r>
+                    </a:p>
+                  </a:txBody>
+                  <a:tcPr marL="252170" marR="252170" marT="126087" marB="126087" anchor="ctr"/>
+                </a:tc>
+                <a:tc>
+                  <a:txBody>
+                    <a:bodyPr/>
+                    <a:lstStyle/>
+                    <a:p>
+                      <a:pPr algn="ctr"/>
+                      <a:r>
+                        <a:rPr lang="en-GB" sz="2200" dirty="0"/>
+                        <a:t>0.1</a:t>
+                      </a:r>
+                    </a:p>
+                  </a:txBody>
+                  <a:tcPr marL="252170" marR="252170" marT="126087" marB="126087" anchor="ctr"/>
+                </a:tc>
+                <a:extLst>
+                  <a:ext uri="{0D108BD9-81ED-4DB2-BD59-A6C34878D82A}">
+                    <a16:rowId xmlns:a16="http://schemas.microsoft.com/office/drawing/2014/main" val="2703465221"/>
+                  </a:ext>
+                </a:extLst>
+              </a:tr>
+              <a:tr h="872179">
+                <a:tc>
+                  <a:txBody>
+                    <a:bodyPr/>
+                    <a:lstStyle/>
+                    <a:p>
+                      <a:pPr algn="ctr"/>
+                      <a:r>
+                        <a:rPr lang="en-GB" sz="2200" dirty="0"/>
+                        <a:t>0.2</a:t>
+                      </a:r>
+                    </a:p>
+                  </a:txBody>
+                  <a:tcPr marL="252170" marR="252170" marT="126087" marB="126087" anchor="ctr"/>
+                </a:tc>
+                <a:tc>
+                  <a:txBody>
+                    <a:bodyPr/>
+                    <a:lstStyle/>
+                    <a:p>
+                      <a:pPr algn="ctr"/>
+                      <a:r>
+                        <a:rPr lang="en-GB" sz="2200" dirty="0"/>
+                        <a:t>0.1</a:t>
+                      </a:r>
+                    </a:p>
+                  </a:txBody>
+                  <a:tcPr marL="252170" marR="252170" marT="126087" marB="126087" anchor="ctr"/>
+                </a:tc>
+                <a:tc>
+                  <a:txBody>
+                    <a:bodyPr/>
+                    <a:lstStyle/>
+                    <a:p>
+                      <a:pPr algn="ctr"/>
+                      <a:r>
+                        <a:rPr lang="en-GB" sz="2200" dirty="0"/>
+                        <a:t>0.5</a:t>
+                      </a:r>
+                    </a:p>
+                  </a:txBody>
+                  <a:tcPr marL="252170" marR="252170" marT="126087" marB="126087" anchor="ctr"/>
+                </a:tc>
+                <a:extLst>
+                  <a:ext uri="{0D108BD9-81ED-4DB2-BD59-A6C34878D82A}">
+                    <a16:rowId xmlns:a16="http://schemas.microsoft.com/office/drawing/2014/main" val="2907702860"/>
+                  </a:ext>
+                </a:extLst>
+              </a:tr>
+              <a:tr h="872179">
+                <a:tc>
+                  <a:txBody>
+                    <a:bodyPr/>
+                    <a:lstStyle/>
+                    <a:p>
+                      <a:pPr algn="ctr"/>
+                      <a:r>
+                        <a:rPr lang="en-GB" sz="2200" dirty="0"/>
+                        <a:t>0.4</a:t>
+                      </a:r>
+                    </a:p>
+                  </a:txBody>
+                  <a:tcPr marL="252170" marR="252170" marT="126087" marB="126087" anchor="ctr"/>
+                </a:tc>
+                <a:tc>
+                  <a:txBody>
+                    <a:bodyPr/>
+                    <a:lstStyle/>
+                    <a:p>
+                      <a:pPr algn="ctr"/>
+                      <a:r>
+                        <a:rPr lang="en-GB" sz="2200" dirty="0"/>
+                        <a:t>0.7</a:t>
+                      </a:r>
+                    </a:p>
+                  </a:txBody>
+                  <a:tcPr marL="252170" marR="252170" marT="126087" marB="126087" anchor="ctr"/>
+                </a:tc>
+                <a:tc>
+                  <a:txBody>
+                    <a:bodyPr/>
+                    <a:lstStyle/>
+                    <a:p>
+                      <a:pPr algn="ctr"/>
+                      <a:r>
+                        <a:rPr lang="en-GB" sz="2200" dirty="0"/>
+                        <a:t>0.2</a:t>
+                      </a:r>
+                    </a:p>
+                  </a:txBody>
+                  <a:tcPr marL="252170" marR="252170" marT="126087" marB="126087" anchor="ctr"/>
+                </a:tc>
+                <a:extLst>
+                  <a:ext uri="{0D108BD9-81ED-4DB2-BD59-A6C34878D82A}">
+                    <a16:rowId xmlns:a16="http://schemas.microsoft.com/office/drawing/2014/main" val="637290251"/>
+                  </a:ext>
+                </a:extLst>
+              </a:tr>
+              <a:tr h="872179">
+                <a:tc>
+                  <a:txBody>
+                    <a:bodyPr/>
+                    <a:lstStyle/>
+                    <a:p>
+                      <a:pPr algn="ctr"/>
+                      <a:r>
+                        <a:rPr lang="en-GB" sz="2200" dirty="0"/>
+                        <a:t>0.7</a:t>
+                      </a:r>
+                    </a:p>
+                  </a:txBody>
+                  <a:tcPr marL="252170" marR="252170" marT="126087" marB="126087" anchor="ctr"/>
+                </a:tc>
+                <a:tc>
+                  <a:txBody>
+                    <a:bodyPr/>
+                    <a:lstStyle/>
+                    <a:p>
+                      <a:pPr algn="ctr"/>
+                      <a:r>
+                        <a:rPr lang="en-GB" sz="2200" dirty="0"/>
+                        <a:t>0.3</a:t>
+                      </a:r>
+                    </a:p>
+                  </a:txBody>
+                  <a:tcPr marL="252170" marR="252170" marT="126087" marB="126087" anchor="ctr"/>
+                </a:tc>
+                <a:tc>
+                  <a:txBody>
+                    <a:bodyPr/>
+                    <a:lstStyle/>
+                    <a:p>
+                      <a:pPr algn="ctr"/>
+                      <a:r>
+                        <a:rPr lang="en-GB" sz="2200" dirty="0"/>
+                        <a:t>0.5</a:t>
+                      </a:r>
+                    </a:p>
+                  </a:txBody>
+                  <a:tcPr marL="252170" marR="252170" marT="126087" marB="126087" anchor="ctr"/>
+                </a:tc>
+                <a:extLst>
+                  <a:ext uri="{0D108BD9-81ED-4DB2-BD59-A6C34878D82A}">
+                    <a16:rowId xmlns:a16="http://schemas.microsoft.com/office/drawing/2014/main" val="3764598351"/>
+                  </a:ext>
+                </a:extLst>
+              </a:tr>
+            </a:tbl>
+          </a:graphicData>
+        </a:graphic>
+      </p:graphicFrame>
+      <p:sp>
+        <p:nvSpPr>
+          <p:cNvPr id="5" name="Rectangle 4">
+            <a:extLst>
+              <a:ext uri="{FF2B5EF4-FFF2-40B4-BE49-F238E27FC236}">
+                <a16:creationId xmlns:a16="http://schemas.microsoft.com/office/drawing/2014/main" id="{CB0CCE8B-7BC7-41DB-AA1F-6DE593BF5A9E}"/>
+              </a:ext>
+            </a:extLst>
+          </p:cNvPr>
+          <p:cNvSpPr/>
+          <p:nvPr/>
+        </p:nvSpPr>
+        <p:spPr>
+          <a:xfrm>
+            <a:off x="335360" y="5082363"/>
+            <a:ext cx="7382512" cy="1043801"/>
+          </a:xfrm>
+          <a:prstGeom prst="rect">
+            <a:avLst/>
+          </a:prstGeom>
+          <a:solidFill>
+            <a:srgbClr val="FFFFFF">
+              <a:alpha val="89804"/>
+            </a:srgbClr>
+          </a:solidFill>
+          <a:ln>
+            <a:noFill/>
+          </a:ln>
+        </p:spPr>
+        <p:style>
+          <a:lnRef idx="2">
+            <a:schemeClr val="accent1">
+              <a:shade val="50000"/>
+            </a:schemeClr>
+          </a:lnRef>
+          <a:fillRef idx="1">
+            <a:schemeClr val="accent1"/>
+          </a:fillRef>
+          <a:effectRef idx="0">
+            <a:schemeClr val="accent1"/>
+          </a:effectRef>
+          <a:fontRef idx="minor">
+            <a:schemeClr val="lt1"/>
+          </a:fontRef>
+        </p:style>
+        <p:txBody>
+          <a:bodyPr rtlCol="0" anchor="ctr"/>
+          <a:lstStyle/>
+          <a:p>
+            <a:pPr algn="ctr"/>
+            <a:endParaRPr lang="en-GB"/>
+          </a:p>
+        </p:txBody>
+      </p:sp>
+      <p:sp>
+        <p:nvSpPr>
+          <p:cNvPr id="6" name="Rectangle 5">
+            <a:extLst>
+              <a:ext uri="{FF2B5EF4-FFF2-40B4-BE49-F238E27FC236}">
+                <a16:creationId xmlns:a16="http://schemas.microsoft.com/office/drawing/2014/main" id="{739AD52B-4713-477E-AD07-4E793633205F}"/>
+              </a:ext>
+            </a:extLst>
+          </p:cNvPr>
+          <p:cNvSpPr/>
+          <p:nvPr/>
+        </p:nvSpPr>
+        <p:spPr>
+          <a:xfrm>
+            <a:off x="9063385" y="4744594"/>
+            <a:ext cx="792000" cy="792000"/>
+          </a:xfrm>
+          <a:prstGeom prst="rect">
+            <a:avLst/>
+          </a:prstGeom>
+          <a:noFill/>
+          <a:ln>
+            <a:solidFill>
+              <a:srgbClr val="FF0000"/>
+            </a:solidFill>
+          </a:ln>
+        </p:spPr>
+        <p:style>
+          <a:lnRef idx="2">
+            <a:schemeClr val="accent1">
+              <a:shade val="50000"/>
+            </a:schemeClr>
+          </a:lnRef>
+          <a:fillRef idx="1">
+            <a:schemeClr val="accent1"/>
+          </a:fillRef>
+          <a:effectRef idx="0">
+            <a:schemeClr val="accent1"/>
+          </a:effectRef>
+          <a:fontRef idx="minor">
+            <a:schemeClr val="lt1"/>
+          </a:fontRef>
+        </p:style>
+        <p:txBody>
+          <a:bodyPr rtlCol="0" anchor="ctr"/>
+          <a:lstStyle/>
+          <a:p>
+            <a:pPr algn="ctr"/>
+            <a:endParaRPr lang="en-GB"/>
+          </a:p>
+        </p:txBody>
+      </p:sp>
+    </p:spTree>
+    <p:extLst>
+      <p:ext uri="{BB962C8B-B14F-4D97-AF65-F5344CB8AC3E}">
+        <p14:creationId xmlns:p14="http://schemas.microsoft.com/office/powerpoint/2010/main" val="3643813450"/>
+      </p:ext>
+    </p:extLst>
+  </p:cSld>
+  <p:clrMapOvr>
+    <a:masterClrMapping/>
+  </p:clrMapOvr>
+  <mc:AlternateContent xmlns:mc="http://schemas.openxmlformats.org/markup-compatibility/2006" xmlns:p14="http://schemas.microsoft.com/office/powerpoint/2010/main">
+    <mc:Choice Requires="p14">
+      <p:transition p14:dur="300">
+        <p:fade/>
+      </p:transition>
+    </mc:Choice>
+    <mc:Fallback xmlns="">
+      <p:transition>
+        <p:fade/>
+      </p:transition>
+    </mc:Fallback>
+  </mc:AlternateContent>
+</p:sld>
+</file>
+
+<file path=ppt/slides/slide12.xml><?xml version="1.0" encoding="utf-8"?>
+<p:sld xmlns:a="http://schemas.openxmlformats.org/drawingml/2006/main" xmlns:r="http://schemas.openxmlformats.org/officeDocument/2006/relationships" xmlns:p="http://schemas.openxmlformats.org/presentationml/2006/main">
+  <p:cSld>
+    <p:spTree>
+      <p:nvGrpSpPr>
+        <p:cNvPr id="1" name=""/>
+        <p:cNvGrpSpPr/>
+        <p:nvPr/>
+      </p:nvGrpSpPr>
+      <p:grpSpPr>
+        <a:xfrm>
+          <a:off x="0" y="0"/>
+          <a:ext cx="0" cy="0"/>
+          <a:chOff x="0" y="0"/>
+          <a:chExt cx="0" cy="0"/>
+        </a:xfrm>
+      </p:grpSpPr>
+      <p:sp>
+        <p:nvSpPr>
+          <p:cNvPr id="2" name="Title 1">
+            <a:extLst>
+              <a:ext uri="{FF2B5EF4-FFF2-40B4-BE49-F238E27FC236}">
+                <a16:creationId xmlns:a16="http://schemas.microsoft.com/office/drawing/2014/main" id="{8B0C5865-E132-43F0-814F-C61B94E5671C}"/>
+              </a:ext>
+            </a:extLst>
+          </p:cNvPr>
+          <p:cNvSpPr>
+            <a:spLocks noGrp="1"/>
+          </p:cNvSpPr>
+          <p:nvPr>
+            <p:ph type="title"/>
+          </p:nvPr>
+        </p:nvSpPr>
+        <p:spPr/>
+        <p:txBody>
+          <a:bodyPr/>
+          <a:lstStyle/>
+          <a:p>
+            <a:r>
+              <a:rPr lang="en-GB" dirty="0"/>
+              <a:t>Indexing matrices</a:t>
+            </a:r>
+          </a:p>
+        </p:txBody>
+      </p:sp>
+      <p:sp>
+        <p:nvSpPr>
+          <p:cNvPr id="3" name="Content Placeholder 2">
+            <a:extLst>
+              <a:ext uri="{FF2B5EF4-FFF2-40B4-BE49-F238E27FC236}">
+                <a16:creationId xmlns:a16="http://schemas.microsoft.com/office/drawing/2014/main" id="{B00B5046-B5DF-4F1A-AFA6-4A5FA79CAEFA}"/>
+              </a:ext>
+            </a:extLst>
+          </p:cNvPr>
+          <p:cNvSpPr>
+            <a:spLocks noGrp="1"/>
+          </p:cNvSpPr>
+          <p:nvPr>
+            <p:ph idx="1"/>
+          </p:nvPr>
+        </p:nvSpPr>
+        <p:spPr>
+          <a:xfrm>
+            <a:off x="355680" y="1186594"/>
+            <a:ext cx="11490880" cy="4929411"/>
+          </a:xfrm>
+        </p:spPr>
+        <p:txBody>
+          <a:bodyPr/>
+          <a:lstStyle/>
+          <a:p>
+            <a:r>
+              <a:rPr lang="en-GB" dirty="0"/>
+              <a:t>Elements of a matrix indexed using square bracket notation</a:t>
+            </a:r>
+          </a:p>
+          <a:p>
+            <a:pPr lvl="1"/>
+            <a:r>
+              <a:rPr lang="en-GB" dirty="0"/>
+              <a:t>Square brackets applied to variable name</a:t>
+            </a:r>
+          </a:p>
+          <a:p>
+            <a:pPr lvl="1"/>
+            <a:r>
+              <a:rPr lang="en-GB" dirty="0"/>
+              <a:t>First index specifies row, second specifies column</a:t>
+            </a:r>
+          </a:p>
+          <a:p>
+            <a:pPr lvl="1"/>
+            <a:r>
+              <a:rPr lang="en-GB" dirty="0"/>
+              <a:t>Index numbering starts at 1</a:t>
+            </a:r>
+          </a:p>
+          <a:p>
+            <a:pPr lvl="1"/>
+            <a:endParaRPr lang="en-GB" sz="1200" dirty="0"/>
+          </a:p>
+          <a:p>
+            <a:r>
+              <a:rPr lang="en-GB" dirty="0"/>
+              <a:t>Example, a random number array</a:t>
+            </a:r>
+          </a:p>
+          <a:p>
+            <a:pPr lvl="1"/>
+            <a:r>
+              <a:rPr lang="en-GB" dirty="0"/>
+              <a:t>Create a 2D matrix:   	</a:t>
+            </a:r>
+            <a:r>
+              <a:rPr lang="en-GB" i="1" dirty="0" err="1">
+                <a:solidFill>
+                  <a:schemeClr val="accent1"/>
+                </a:solidFill>
+              </a:rPr>
+              <a:t>rand_array</a:t>
+            </a:r>
+            <a:r>
+              <a:rPr lang="en-GB" i="1" dirty="0">
+                <a:solidFill>
+                  <a:schemeClr val="accent1"/>
+                </a:solidFill>
+              </a:rPr>
+              <a:t> = rand(4,3);</a:t>
+            </a:r>
+          </a:p>
+          <a:p>
+            <a:pPr lvl="1"/>
+            <a:r>
+              <a:rPr lang="en-GB" dirty="0"/>
+              <a:t>Top-left value:    	</a:t>
+            </a:r>
+            <a:r>
+              <a:rPr lang="en-GB" i="1" dirty="0" err="1">
+                <a:solidFill>
+                  <a:schemeClr val="accent1"/>
+                </a:solidFill>
+              </a:rPr>
+              <a:t>tl_val</a:t>
+            </a:r>
+            <a:r>
+              <a:rPr lang="en-GB" i="1" dirty="0">
+                <a:solidFill>
+                  <a:schemeClr val="accent1"/>
+                </a:solidFill>
+              </a:rPr>
+              <a:t> = </a:t>
+            </a:r>
+            <a:r>
+              <a:rPr lang="en-GB" i="1" dirty="0" err="1">
+                <a:solidFill>
+                  <a:schemeClr val="accent1"/>
+                </a:solidFill>
+              </a:rPr>
+              <a:t>rand_array</a:t>
+            </a:r>
+            <a:r>
+              <a:rPr lang="en-GB" i="1" dirty="0">
+                <a:solidFill>
+                  <a:schemeClr val="accent1"/>
+                </a:solidFill>
+              </a:rPr>
+              <a:t>[1,1];</a:t>
+            </a:r>
+          </a:p>
+          <a:p>
+            <a:pPr lvl="1"/>
+            <a:r>
+              <a:rPr lang="en-GB" dirty="0"/>
+              <a:t>Bottom-left </a:t>
+            </a:r>
+            <a:r>
+              <a:rPr lang="en-GB" dirty="0" err="1"/>
+              <a:t>val</a:t>
+            </a:r>
+            <a:r>
+              <a:rPr lang="en-GB" dirty="0"/>
+              <a:t>:</a:t>
+            </a:r>
+            <a:r>
+              <a:rPr lang="en-GB" i="1" dirty="0"/>
+              <a:t>		</a:t>
+            </a:r>
+            <a:r>
+              <a:rPr lang="en-GB" i="1" dirty="0" err="1">
+                <a:solidFill>
+                  <a:schemeClr val="accent1"/>
+                </a:solidFill>
+              </a:rPr>
+              <a:t>bl_val</a:t>
+            </a:r>
+            <a:r>
+              <a:rPr lang="en-GB" i="1" dirty="0">
+                <a:solidFill>
+                  <a:schemeClr val="accent1"/>
+                </a:solidFill>
+              </a:rPr>
+              <a:t> = </a:t>
+            </a:r>
+            <a:r>
+              <a:rPr lang="en-GB" i="1" dirty="0" err="1">
+                <a:solidFill>
+                  <a:schemeClr val="accent1"/>
+                </a:solidFill>
+              </a:rPr>
+              <a:t>rand_array</a:t>
+            </a:r>
+            <a:r>
+              <a:rPr lang="en-GB" i="1" dirty="0">
+                <a:solidFill>
+                  <a:schemeClr val="accent1"/>
+                </a:solidFill>
+              </a:rPr>
+              <a:t>[4,1]; </a:t>
+            </a:r>
+          </a:p>
+          <a:p>
+            <a:pPr lvl="1"/>
+            <a:r>
+              <a:rPr lang="en-GB" dirty="0"/>
+              <a:t>Top-right </a:t>
+            </a:r>
+            <a:r>
+              <a:rPr lang="en-GB" dirty="0" err="1"/>
+              <a:t>val</a:t>
+            </a:r>
+            <a:r>
+              <a:rPr lang="en-GB" dirty="0"/>
+              <a:t>:</a:t>
+            </a:r>
+            <a:r>
+              <a:rPr lang="en-GB" i="1" dirty="0">
+                <a:solidFill>
+                  <a:schemeClr val="accent1"/>
+                </a:solidFill>
+              </a:rPr>
+              <a:t>		</a:t>
+            </a:r>
+            <a:r>
+              <a:rPr lang="en-GB" i="1" dirty="0" err="1">
+                <a:solidFill>
+                  <a:schemeClr val="accent1"/>
+                </a:solidFill>
+              </a:rPr>
+              <a:t>tr_val</a:t>
+            </a:r>
+            <a:r>
+              <a:rPr lang="en-GB" i="1" dirty="0">
+                <a:solidFill>
+                  <a:schemeClr val="accent1"/>
+                </a:solidFill>
+              </a:rPr>
+              <a:t> = </a:t>
+            </a:r>
+            <a:r>
+              <a:rPr lang="en-GB" i="1" dirty="0" err="1">
+                <a:solidFill>
+                  <a:schemeClr val="accent1"/>
+                </a:solidFill>
+              </a:rPr>
+              <a:t>rand_array</a:t>
+            </a:r>
+            <a:r>
+              <a:rPr lang="en-GB" i="1" dirty="0">
+                <a:solidFill>
+                  <a:schemeClr val="accent1"/>
+                </a:solidFill>
+              </a:rPr>
+              <a:t>[1,3];</a:t>
+            </a:r>
+          </a:p>
+        </p:txBody>
+      </p:sp>
+      <p:graphicFrame>
+        <p:nvGraphicFramePr>
+          <p:cNvPr id="9" name="Table 11">
+            <a:extLst>
+              <a:ext uri="{FF2B5EF4-FFF2-40B4-BE49-F238E27FC236}">
+                <a16:creationId xmlns:a16="http://schemas.microsoft.com/office/drawing/2014/main" id="{C443B23F-C643-4E66-AE4B-8D1AB5D56572}"/>
+              </a:ext>
+            </a:extLst>
+          </p:cNvPr>
+          <p:cNvGraphicFramePr>
+            <a:graphicFrameLocks noGrp="1"/>
+          </p:cNvGraphicFramePr>
+          <p:nvPr/>
+        </p:nvGraphicFramePr>
+        <p:xfrm>
+          <a:off x="9022745" y="2089126"/>
+          <a:ext cx="2616537" cy="3488716"/>
+        </p:xfrm>
+        <a:graphic>
+          <a:graphicData uri="http://schemas.openxmlformats.org/drawingml/2006/table">
+            <a:tbl>
+              <a:tblPr firstRow="1" bandRow="1">
+                <a:tableStyleId>{5940675A-B579-460E-94D1-54222C63F5DA}</a:tableStyleId>
+              </a:tblPr>
+              <a:tblGrid>
+                <a:gridCol w="872179">
+                  <a:extLst>
+                    <a:ext uri="{9D8B030D-6E8A-4147-A177-3AD203B41FA5}">
+                      <a16:colId xmlns:a16="http://schemas.microsoft.com/office/drawing/2014/main" val="2264223351"/>
+                    </a:ext>
+                  </a:extLst>
+                </a:gridCol>
+                <a:gridCol w="872179">
+                  <a:extLst>
+                    <a:ext uri="{9D8B030D-6E8A-4147-A177-3AD203B41FA5}">
+                      <a16:colId xmlns:a16="http://schemas.microsoft.com/office/drawing/2014/main" val="4294296283"/>
+                    </a:ext>
+                  </a:extLst>
+                </a:gridCol>
+                <a:gridCol w="872179">
+                  <a:extLst>
+                    <a:ext uri="{9D8B030D-6E8A-4147-A177-3AD203B41FA5}">
+                      <a16:colId xmlns:a16="http://schemas.microsoft.com/office/drawing/2014/main" val="3139006436"/>
+                    </a:ext>
+                  </a:extLst>
+                </a:gridCol>
+              </a:tblGrid>
+              <a:tr h="872179">
+                <a:tc>
+                  <a:txBody>
+                    <a:bodyPr/>
+                    <a:lstStyle/>
+                    <a:p>
+                      <a:pPr algn="ctr"/>
+                      <a:r>
+                        <a:rPr lang="en-GB" sz="2200" dirty="0"/>
+                        <a:t>0.9</a:t>
+                      </a:r>
+                    </a:p>
+                  </a:txBody>
+                  <a:tcPr marL="252170" marR="252170" marT="126087" marB="126087" anchor="ctr"/>
+                </a:tc>
+                <a:tc>
+                  <a:txBody>
+                    <a:bodyPr/>
+                    <a:lstStyle/>
+                    <a:p>
+                      <a:pPr algn="ctr"/>
+                      <a:r>
+                        <a:rPr lang="en-GB" sz="2200" dirty="0"/>
+                        <a:t>0.3</a:t>
+                      </a:r>
+                    </a:p>
+                  </a:txBody>
+                  <a:tcPr marL="252170" marR="252170" marT="126087" marB="126087" anchor="ctr"/>
+                </a:tc>
+                <a:tc>
+                  <a:txBody>
+                    <a:bodyPr/>
+                    <a:lstStyle/>
+                    <a:p>
+                      <a:pPr algn="ctr"/>
+                      <a:r>
+                        <a:rPr lang="en-GB" sz="2200" dirty="0"/>
+                        <a:t>0.1</a:t>
+                      </a:r>
+                    </a:p>
+                  </a:txBody>
+                  <a:tcPr marL="252170" marR="252170" marT="126087" marB="126087" anchor="ctr"/>
+                </a:tc>
+                <a:extLst>
+                  <a:ext uri="{0D108BD9-81ED-4DB2-BD59-A6C34878D82A}">
+                    <a16:rowId xmlns:a16="http://schemas.microsoft.com/office/drawing/2014/main" val="2703465221"/>
+                  </a:ext>
+                </a:extLst>
+              </a:tr>
+              <a:tr h="872179">
+                <a:tc>
+                  <a:txBody>
+                    <a:bodyPr/>
+                    <a:lstStyle/>
+                    <a:p>
+                      <a:pPr algn="ctr"/>
+                      <a:r>
+                        <a:rPr lang="en-GB" sz="2200" dirty="0"/>
+                        <a:t>0.2</a:t>
+                      </a:r>
+                    </a:p>
+                  </a:txBody>
+                  <a:tcPr marL="252170" marR="252170" marT="126087" marB="126087" anchor="ctr"/>
+                </a:tc>
+                <a:tc>
+                  <a:txBody>
+                    <a:bodyPr/>
+                    <a:lstStyle/>
+                    <a:p>
+                      <a:pPr algn="ctr"/>
+                      <a:r>
+                        <a:rPr lang="en-GB" sz="2200" dirty="0"/>
+                        <a:t>0.1</a:t>
+                      </a:r>
+                    </a:p>
+                  </a:txBody>
+                  <a:tcPr marL="252170" marR="252170" marT="126087" marB="126087" anchor="ctr"/>
+                </a:tc>
+                <a:tc>
+                  <a:txBody>
+                    <a:bodyPr/>
+                    <a:lstStyle/>
+                    <a:p>
+                      <a:pPr algn="ctr"/>
+                      <a:r>
+                        <a:rPr lang="en-GB" sz="2200" dirty="0"/>
+                        <a:t>0.5</a:t>
+                      </a:r>
+                    </a:p>
+                  </a:txBody>
+                  <a:tcPr marL="252170" marR="252170" marT="126087" marB="126087" anchor="ctr"/>
+                </a:tc>
+                <a:extLst>
+                  <a:ext uri="{0D108BD9-81ED-4DB2-BD59-A6C34878D82A}">
+                    <a16:rowId xmlns:a16="http://schemas.microsoft.com/office/drawing/2014/main" val="2907702860"/>
+                  </a:ext>
+                </a:extLst>
+              </a:tr>
+              <a:tr h="872179">
+                <a:tc>
+                  <a:txBody>
+                    <a:bodyPr/>
+                    <a:lstStyle/>
+                    <a:p>
+                      <a:pPr algn="ctr"/>
+                      <a:r>
+                        <a:rPr lang="en-GB" sz="2200" dirty="0"/>
+                        <a:t>0.4</a:t>
+                      </a:r>
+                    </a:p>
+                  </a:txBody>
+                  <a:tcPr marL="252170" marR="252170" marT="126087" marB="126087" anchor="ctr"/>
+                </a:tc>
+                <a:tc>
+                  <a:txBody>
+                    <a:bodyPr/>
+                    <a:lstStyle/>
+                    <a:p>
+                      <a:pPr algn="ctr"/>
+                      <a:r>
+                        <a:rPr lang="en-GB" sz="2200" dirty="0"/>
+                        <a:t>0.7</a:t>
+                      </a:r>
+                    </a:p>
+                  </a:txBody>
+                  <a:tcPr marL="252170" marR="252170" marT="126087" marB="126087" anchor="ctr"/>
+                </a:tc>
+                <a:tc>
+                  <a:txBody>
+                    <a:bodyPr/>
+                    <a:lstStyle/>
+                    <a:p>
+                      <a:pPr algn="ctr"/>
+                      <a:r>
+                        <a:rPr lang="en-GB" sz="2200" dirty="0"/>
+                        <a:t>0.2</a:t>
+                      </a:r>
+                    </a:p>
+                  </a:txBody>
+                  <a:tcPr marL="252170" marR="252170" marT="126087" marB="126087" anchor="ctr"/>
+                </a:tc>
+                <a:extLst>
+                  <a:ext uri="{0D108BD9-81ED-4DB2-BD59-A6C34878D82A}">
+                    <a16:rowId xmlns:a16="http://schemas.microsoft.com/office/drawing/2014/main" val="637290251"/>
+                  </a:ext>
+                </a:extLst>
+              </a:tr>
+              <a:tr h="872179">
+                <a:tc>
+                  <a:txBody>
+                    <a:bodyPr/>
+                    <a:lstStyle/>
+                    <a:p>
+                      <a:pPr algn="ctr"/>
+                      <a:r>
+                        <a:rPr lang="en-GB" sz="2200" dirty="0"/>
+                        <a:t>0.7</a:t>
+                      </a:r>
+                    </a:p>
+                  </a:txBody>
+                  <a:tcPr marL="252170" marR="252170" marT="126087" marB="126087" anchor="ctr"/>
+                </a:tc>
+                <a:tc>
+                  <a:txBody>
+                    <a:bodyPr/>
+                    <a:lstStyle/>
+                    <a:p>
+                      <a:pPr algn="ctr"/>
+                      <a:r>
+                        <a:rPr lang="en-GB" sz="2200" dirty="0"/>
+                        <a:t>0.3</a:t>
+                      </a:r>
+                    </a:p>
+                  </a:txBody>
+                  <a:tcPr marL="252170" marR="252170" marT="126087" marB="126087" anchor="ctr"/>
+                </a:tc>
+                <a:tc>
+                  <a:txBody>
+                    <a:bodyPr/>
+                    <a:lstStyle/>
+                    <a:p>
+                      <a:pPr algn="ctr"/>
+                      <a:r>
+                        <a:rPr lang="en-GB" sz="2200" dirty="0"/>
+                        <a:t>0.5</a:t>
+                      </a:r>
+                    </a:p>
+                  </a:txBody>
+                  <a:tcPr marL="252170" marR="252170" marT="126087" marB="126087" anchor="ctr"/>
+                </a:tc>
+                <a:extLst>
+                  <a:ext uri="{0D108BD9-81ED-4DB2-BD59-A6C34878D82A}">
+                    <a16:rowId xmlns:a16="http://schemas.microsoft.com/office/drawing/2014/main" val="3764598351"/>
+                  </a:ext>
+                </a:extLst>
+              </a:tr>
+            </a:tbl>
+          </a:graphicData>
+        </a:graphic>
+      </p:graphicFrame>
+      <p:sp>
+        <p:nvSpPr>
+          <p:cNvPr id="6" name="Rectangle 5">
+            <a:extLst>
+              <a:ext uri="{FF2B5EF4-FFF2-40B4-BE49-F238E27FC236}">
+                <a16:creationId xmlns:a16="http://schemas.microsoft.com/office/drawing/2014/main" id="{739AD52B-4713-477E-AD07-4E793633205F}"/>
+              </a:ext>
+            </a:extLst>
+          </p:cNvPr>
+          <p:cNvSpPr/>
+          <p:nvPr/>
+        </p:nvSpPr>
+        <p:spPr>
+          <a:xfrm>
+            <a:off x="10804988" y="2127226"/>
+            <a:ext cx="792000" cy="792000"/>
+          </a:xfrm>
+          <a:prstGeom prst="rect">
+            <a:avLst/>
+          </a:prstGeom>
+          <a:noFill/>
+          <a:ln>
+            <a:solidFill>
+              <a:srgbClr val="FF0000"/>
+            </a:solidFill>
+          </a:ln>
+        </p:spPr>
+        <p:style>
+          <a:lnRef idx="2">
+            <a:schemeClr val="accent1">
+              <a:shade val="50000"/>
+            </a:schemeClr>
+          </a:lnRef>
+          <a:fillRef idx="1">
+            <a:schemeClr val="accent1"/>
+          </a:fillRef>
+          <a:effectRef idx="0">
+            <a:schemeClr val="accent1"/>
+          </a:effectRef>
+          <a:fontRef idx="minor">
+            <a:schemeClr val="lt1"/>
+          </a:fontRef>
+        </p:style>
+        <p:txBody>
+          <a:bodyPr rtlCol="0" anchor="ctr"/>
+          <a:lstStyle/>
+          <a:p>
+            <a:pPr algn="ctr"/>
+            <a:endParaRPr lang="en-GB"/>
+          </a:p>
+        </p:txBody>
+      </p:sp>
+    </p:spTree>
+    <p:extLst>
+      <p:ext uri="{BB962C8B-B14F-4D97-AF65-F5344CB8AC3E}">
+        <p14:creationId xmlns:p14="http://schemas.microsoft.com/office/powerpoint/2010/main" val="3678870655"/>
+      </p:ext>
+    </p:extLst>
+  </p:cSld>
+  <p:clrMapOvr>
+    <a:masterClrMapping/>
+  </p:clrMapOvr>
+  <mc:AlternateContent xmlns:mc="http://schemas.openxmlformats.org/markup-compatibility/2006" xmlns:p14="http://schemas.microsoft.com/office/powerpoint/2010/main">
+    <mc:Choice Requires="p14">
+      <p:transition p14:dur="300">
+        <p:fade/>
+      </p:transition>
+    </mc:Choice>
+    <mc:Fallback xmlns="">
+      <p:transition>
+        <p:fade/>
+      </p:transition>
+    </mc:Fallback>
+  </mc:AlternateContent>
+</p:sld>
+</file>
+
+<file path=ppt/slides/slide13.xml><?xml version="1.0" encoding="utf-8"?>
+<p:sld xmlns:a="http://schemas.openxmlformats.org/drawingml/2006/main" xmlns:r="http://schemas.openxmlformats.org/officeDocument/2006/relationships" xmlns:p="http://schemas.openxmlformats.org/presentationml/2006/main">
+  <p:cSld>
+    <p:spTree>
+      <p:nvGrpSpPr>
+        <p:cNvPr id="1" name=""/>
+        <p:cNvGrpSpPr/>
+        <p:nvPr/>
+      </p:nvGrpSpPr>
+      <p:grpSpPr>
+        <a:xfrm>
+          <a:off x="0" y="0"/>
+          <a:ext cx="0" cy="0"/>
+          <a:chOff x="0" y="0"/>
+          <a:chExt cx="0" cy="0"/>
+        </a:xfrm>
+      </p:grpSpPr>
+      <p:sp>
+        <p:nvSpPr>
+          <p:cNvPr id="2" name="Title 1">
+            <a:extLst>
+              <a:ext uri="{FF2B5EF4-FFF2-40B4-BE49-F238E27FC236}">
+                <a16:creationId xmlns:a16="http://schemas.microsoft.com/office/drawing/2014/main" id="{8B0C5865-E132-43F0-814F-C61B94E5671C}"/>
+              </a:ext>
+            </a:extLst>
+          </p:cNvPr>
+          <p:cNvSpPr>
+            <a:spLocks noGrp="1"/>
+          </p:cNvSpPr>
+          <p:nvPr>
+            <p:ph type="title"/>
+          </p:nvPr>
+        </p:nvSpPr>
+        <p:spPr/>
+        <p:txBody>
+          <a:bodyPr/>
+          <a:lstStyle/>
+          <a:p>
+            <a:r>
+              <a:rPr lang="en-GB" dirty="0"/>
+              <a:t>Indexing matrices</a:t>
+            </a:r>
+          </a:p>
+        </p:txBody>
+      </p:sp>
+      <p:grpSp>
+        <p:nvGrpSpPr>
+          <p:cNvPr id="7" name="Group 6">
+            <a:extLst>
+              <a:ext uri="{FF2B5EF4-FFF2-40B4-BE49-F238E27FC236}">
+                <a16:creationId xmlns:a16="http://schemas.microsoft.com/office/drawing/2014/main" id="{38C9162F-7173-45EC-AC34-44A6B0616FA2}"/>
+              </a:ext>
+            </a:extLst>
+          </p:cNvPr>
+          <p:cNvGrpSpPr/>
+          <p:nvPr/>
+        </p:nvGrpSpPr>
+        <p:grpSpPr>
+          <a:xfrm>
+            <a:off x="1584634" y="1993604"/>
+            <a:ext cx="9022732" cy="4308873"/>
+            <a:chOff x="2335794" y="3736643"/>
+            <a:chExt cx="7438940" cy="2558234"/>
+          </a:xfrm>
+        </p:grpSpPr>
+        <p:sp>
+          <p:nvSpPr>
+            <p:cNvPr id="8" name="Rectangle 7">
+              <a:extLst>
+                <a:ext uri="{FF2B5EF4-FFF2-40B4-BE49-F238E27FC236}">
+                  <a16:creationId xmlns:a16="http://schemas.microsoft.com/office/drawing/2014/main" id="{303CCD27-D324-438C-9840-DF6C6E15C4C8}"/>
+                </a:ext>
+              </a:extLst>
+            </p:cNvPr>
+            <p:cNvSpPr/>
+            <p:nvPr/>
+          </p:nvSpPr>
+          <p:spPr>
+            <a:xfrm>
+              <a:off x="2335794" y="3739081"/>
+              <a:ext cx="7438940" cy="1922166"/>
+            </a:xfrm>
+            <a:prstGeom prst="rect">
+              <a:avLst/>
+            </a:prstGeom>
+            <a:solidFill>
+              <a:srgbClr val="FFFFFF"/>
+            </a:solidFill>
+            <a:ln>
+              <a:solidFill>
+                <a:srgbClr val="BF2F37"/>
+              </a:solidFill>
+            </a:ln>
+          </p:spPr>
+          <p:style>
+            <a:lnRef idx="2">
+              <a:schemeClr val="accent1">
+                <a:shade val="50000"/>
+              </a:schemeClr>
+            </a:lnRef>
+            <a:fillRef idx="1">
+              <a:schemeClr val="accent1"/>
+            </a:fillRef>
+            <a:effectRef idx="0">
+              <a:schemeClr val="accent1"/>
+            </a:effectRef>
+            <a:fontRef idx="minor">
+              <a:schemeClr val="lt1"/>
+            </a:fontRef>
+          </p:style>
+          <p:txBody>
+            <a:bodyPr rtlCol="0" anchor="ctr"/>
+            <a:lstStyle/>
+            <a:p>
+              <a:pPr algn="ctr"/>
+              <a:endParaRPr lang="en-GB" sz="2000"/>
+            </a:p>
+          </p:txBody>
+        </p:sp>
+        <p:sp>
+          <p:nvSpPr>
+            <p:cNvPr id="10" name="TextBox 9">
+              <a:extLst>
+                <a:ext uri="{FF2B5EF4-FFF2-40B4-BE49-F238E27FC236}">
+                  <a16:creationId xmlns:a16="http://schemas.microsoft.com/office/drawing/2014/main" id="{D772070C-9B87-47BD-A837-3DC37DF49F46}"/>
+                </a:ext>
+              </a:extLst>
+            </p:cNvPr>
+            <p:cNvSpPr txBox="1"/>
+            <p:nvPr/>
+          </p:nvSpPr>
+          <p:spPr>
+            <a:xfrm>
+              <a:off x="2335794" y="3736643"/>
+              <a:ext cx="7438940" cy="2558234"/>
+            </a:xfrm>
+            <a:prstGeom prst="rect">
+              <a:avLst/>
+            </a:prstGeom>
+            <a:noFill/>
+          </p:spPr>
+          <p:txBody>
+            <a:bodyPr wrap="square" rtlCol="0">
+              <a:spAutoFit/>
+            </a:bodyPr>
+            <a:lstStyle/>
+            <a:p>
+              <a:r>
+                <a:rPr lang="en-GB" sz="2400" b="1" dirty="0">
+                  <a:solidFill>
+                    <a:srgbClr val="BF2F37"/>
+                  </a:solidFill>
+                </a:rPr>
+                <a:t>Exercise: Indexing a single value in a matrix</a:t>
+              </a:r>
+            </a:p>
+            <a:p>
+              <a:endParaRPr lang="en-GB" sz="2000" dirty="0"/>
+            </a:p>
+            <a:p>
+              <a:pPr marL="457200" indent="-457200">
+                <a:lnSpc>
+                  <a:spcPct val="150000"/>
+                </a:lnSpc>
+                <a:buFont typeface="+mj-lt"/>
+                <a:buAutoNum type="arabicPeriod"/>
+              </a:pPr>
+              <a:r>
+                <a:rPr lang="en-GB" sz="2000" dirty="0"/>
+                <a:t>Create a random number matrix with 5 rows and 4 columns</a:t>
+              </a:r>
+            </a:p>
+            <a:p>
+              <a:pPr>
+                <a:lnSpc>
+                  <a:spcPct val="150000"/>
+                </a:lnSpc>
+              </a:pPr>
+              <a:r>
+                <a:rPr lang="en-GB" sz="2000" dirty="0"/>
+                <a:t>           - Skip the semicolon at the end of the line, so we can see the matrix</a:t>
+              </a:r>
+            </a:p>
+            <a:p>
+              <a:pPr marL="457200" indent="-457200">
+                <a:lnSpc>
+                  <a:spcPct val="150000"/>
+                </a:lnSpc>
+                <a:buFont typeface="+mj-lt"/>
+                <a:buAutoNum type="arabicPeriod" startAt="2"/>
+              </a:pPr>
+              <a:r>
+                <a:rPr lang="en-GB" sz="2000" dirty="0"/>
+                <a:t>Access the bottom right element and store as a new variable</a:t>
+              </a:r>
+            </a:p>
+            <a:p>
+              <a:pPr marL="342900" indent="-342900">
+                <a:lnSpc>
+                  <a:spcPct val="150000"/>
+                </a:lnSpc>
+                <a:buAutoNum type="arabicPeriod" startAt="2"/>
+              </a:pPr>
+              <a:endParaRPr lang="en-GB" sz="2000" dirty="0"/>
+            </a:p>
+            <a:p>
+              <a:pPr algn="ctr">
+                <a:lnSpc>
+                  <a:spcPct val="150000"/>
+                </a:lnSpc>
+              </a:pPr>
+              <a:r>
+                <a:rPr lang="en-GB" sz="2000" dirty="0"/>
+                <a:t>Does the new variable have the correct value?</a:t>
+              </a:r>
+            </a:p>
+            <a:p>
+              <a:pPr marL="342900" indent="-342900">
+                <a:buAutoNum type="arabicPeriod"/>
+              </a:pPr>
+              <a:endParaRPr lang="en-GB" sz="2000" dirty="0"/>
+            </a:p>
+            <a:p>
+              <a:endParaRPr lang="en-GB" sz="2000" dirty="0"/>
+            </a:p>
+            <a:p>
+              <a:pPr marL="342900" indent="-342900">
+                <a:buAutoNum type="arabicPeriod"/>
+              </a:pPr>
+              <a:endParaRPr lang="en-GB" sz="2000" dirty="0"/>
+            </a:p>
+            <a:p>
+              <a:pPr lvl="2"/>
+              <a:endParaRPr lang="en-GB" sz="2000" dirty="0"/>
+            </a:p>
+          </p:txBody>
+        </p:sp>
+      </p:grpSp>
+    </p:spTree>
+    <p:extLst>
+      <p:ext uri="{BB962C8B-B14F-4D97-AF65-F5344CB8AC3E}">
+        <p14:creationId xmlns:p14="http://schemas.microsoft.com/office/powerpoint/2010/main" val="3589412571"/>
+      </p:ext>
+    </p:extLst>
+  </p:cSld>
+  <p:clrMapOvr>
+    <a:masterClrMapping/>
+  </p:clrMapOvr>
+  <mc:AlternateContent xmlns:mc="http://schemas.openxmlformats.org/markup-compatibility/2006" xmlns:p14="http://schemas.microsoft.com/office/powerpoint/2010/main">
+    <mc:Choice Requires="p14">
+      <p:transition p14:dur="300">
+        <p:fade/>
+      </p:transition>
+    </mc:Choice>
+    <mc:Fallback xmlns="">
+      <p:transition>
+        <p:fade/>
+      </p:transition>
+    </mc:Fallback>
+  </mc:AlternateContent>
+</p:sld>
+</file>
+
+<file path=ppt/slides/slide14.xml><?xml version="1.0" encoding="utf-8"?>
+<p:sld xmlns:a="http://schemas.openxmlformats.org/drawingml/2006/main" xmlns:r="http://schemas.openxmlformats.org/officeDocument/2006/relationships" xmlns:p="http://schemas.openxmlformats.org/presentationml/2006/main">
+  <p:cSld>
+    <p:spTree>
+      <p:nvGrpSpPr>
+        <p:cNvPr id="1" name=""/>
+        <p:cNvGrpSpPr/>
+        <p:nvPr/>
+      </p:nvGrpSpPr>
+      <p:grpSpPr>
+        <a:xfrm>
+          <a:off x="0" y="0"/>
+          <a:ext cx="0" cy="0"/>
+          <a:chOff x="0" y="0"/>
+          <a:chExt cx="0" cy="0"/>
+        </a:xfrm>
+      </p:grpSpPr>
+      <p:sp>
+        <p:nvSpPr>
+          <p:cNvPr id="2" name="Title 1">
+            <a:extLst>
+              <a:ext uri="{FF2B5EF4-FFF2-40B4-BE49-F238E27FC236}">
+                <a16:creationId xmlns:a16="http://schemas.microsoft.com/office/drawing/2014/main" id="{8B0C5865-E132-43F0-814F-C61B94E5671C}"/>
+              </a:ext>
+            </a:extLst>
+          </p:cNvPr>
+          <p:cNvSpPr>
+            <a:spLocks noGrp="1"/>
+          </p:cNvSpPr>
+          <p:nvPr>
+            <p:ph type="title"/>
+          </p:nvPr>
+        </p:nvSpPr>
+        <p:spPr/>
+        <p:txBody>
+          <a:bodyPr/>
+          <a:lstStyle/>
+          <a:p>
+            <a:r>
+              <a:rPr lang="en-GB" dirty="0"/>
+              <a:t>Indexing matrices</a:t>
+            </a:r>
+          </a:p>
+        </p:txBody>
+      </p:sp>
+      <p:sp>
+        <p:nvSpPr>
+          <p:cNvPr id="3" name="Content Placeholder 2">
+            <a:extLst>
+              <a:ext uri="{FF2B5EF4-FFF2-40B4-BE49-F238E27FC236}">
+                <a16:creationId xmlns:a16="http://schemas.microsoft.com/office/drawing/2014/main" id="{B00B5046-B5DF-4F1A-AFA6-4A5FA79CAEFA}"/>
+              </a:ext>
+            </a:extLst>
+          </p:cNvPr>
+          <p:cNvSpPr>
+            <a:spLocks noGrp="1"/>
+          </p:cNvSpPr>
+          <p:nvPr>
+            <p:ph idx="1"/>
+          </p:nvPr>
+        </p:nvSpPr>
+        <p:spPr>
+          <a:xfrm>
+            <a:off x="355680" y="1186594"/>
+            <a:ext cx="11490880" cy="4929411"/>
+          </a:xfrm>
+        </p:spPr>
+        <p:txBody>
+          <a:bodyPr/>
+          <a:lstStyle/>
+          <a:p>
+            <a:r>
+              <a:rPr lang="en-GB" dirty="0"/>
+              <a:t>We can access more than on value at a time</a:t>
+            </a:r>
+          </a:p>
+          <a:p>
+            <a:pPr lvl="1"/>
+            <a:r>
+              <a:rPr lang="en-GB" dirty="0"/>
+              <a:t>Use the colon operator to specify a range</a:t>
+            </a:r>
+          </a:p>
+          <a:p>
+            <a:pPr lvl="2"/>
+            <a:r>
+              <a:rPr lang="en-GB" dirty="0"/>
+              <a:t>Colon on its own indicates the full range</a:t>
+            </a:r>
+          </a:p>
+          <a:p>
+            <a:pPr lvl="2"/>
+            <a:r>
+              <a:rPr lang="en-GB" dirty="0"/>
+              <a:t>Specify a subset of the range with </a:t>
+            </a:r>
+            <a:r>
+              <a:rPr lang="en-GB" i="1" dirty="0" err="1">
+                <a:solidFill>
+                  <a:schemeClr val="accent1"/>
+                </a:solidFill>
+              </a:rPr>
+              <a:t>start:end</a:t>
+            </a:r>
+            <a:r>
+              <a:rPr lang="en-GB" i="1" dirty="0">
+                <a:solidFill>
+                  <a:schemeClr val="accent1"/>
+                </a:solidFill>
+              </a:rPr>
+              <a:t> </a:t>
+            </a:r>
+            <a:r>
+              <a:rPr lang="en-GB" dirty="0"/>
+              <a:t>form</a:t>
+            </a:r>
+          </a:p>
+          <a:p>
+            <a:pPr lvl="2"/>
+            <a:r>
+              <a:rPr lang="en-GB" dirty="0"/>
+              <a:t>Specify an interval range with </a:t>
+            </a:r>
+            <a:r>
+              <a:rPr lang="en-GB" i="1" dirty="0" err="1">
+                <a:solidFill>
+                  <a:schemeClr val="accent1"/>
+                </a:solidFill>
+              </a:rPr>
+              <a:t>start:interval:end</a:t>
+            </a:r>
+            <a:r>
+              <a:rPr lang="en-GB" i="1" dirty="0">
+                <a:solidFill>
+                  <a:schemeClr val="accent1"/>
+                </a:solidFill>
+              </a:rPr>
+              <a:t> </a:t>
+            </a:r>
+            <a:r>
+              <a:rPr lang="en-GB" dirty="0"/>
+              <a:t>form</a:t>
+            </a:r>
+          </a:p>
+          <a:p>
+            <a:pPr lvl="1"/>
+            <a:endParaRPr lang="en-GB" sz="1200" dirty="0"/>
+          </a:p>
+          <a:p>
+            <a:r>
+              <a:rPr lang="en-GB" dirty="0"/>
+              <a:t>Back to our random number array</a:t>
+            </a:r>
+          </a:p>
+          <a:p>
+            <a:pPr lvl="1"/>
+            <a:r>
+              <a:rPr lang="en-GB" dirty="0"/>
+              <a:t>All first row:    		</a:t>
+            </a:r>
+            <a:r>
+              <a:rPr lang="en-GB" i="1" dirty="0">
+                <a:solidFill>
+                  <a:schemeClr val="accent1"/>
+                </a:solidFill>
+              </a:rPr>
+              <a:t>row_1 = </a:t>
+            </a:r>
+            <a:r>
+              <a:rPr lang="en-GB" i="1" dirty="0" err="1">
+                <a:solidFill>
+                  <a:schemeClr val="accent1"/>
+                </a:solidFill>
+              </a:rPr>
+              <a:t>rand_array</a:t>
+            </a:r>
+            <a:r>
+              <a:rPr lang="en-GB" i="1" dirty="0">
+                <a:solidFill>
+                  <a:schemeClr val="accent1"/>
+                </a:solidFill>
+              </a:rPr>
+              <a:t>[1,:];</a:t>
+            </a:r>
+          </a:p>
+          <a:p>
+            <a:pPr lvl="1"/>
+            <a:r>
+              <a:rPr lang="en-GB" dirty="0"/>
+              <a:t>All second column</a:t>
+            </a:r>
+            <a:r>
+              <a:rPr lang="en-GB" i="1" dirty="0"/>
+              <a:t>:	</a:t>
+            </a:r>
+            <a:r>
+              <a:rPr lang="en-GB" i="1" dirty="0">
+                <a:solidFill>
+                  <a:schemeClr val="accent1"/>
+                </a:solidFill>
+              </a:rPr>
+              <a:t>col_2 = </a:t>
+            </a:r>
+            <a:r>
+              <a:rPr lang="en-GB" i="1" dirty="0" err="1">
+                <a:solidFill>
+                  <a:schemeClr val="accent1"/>
+                </a:solidFill>
+              </a:rPr>
+              <a:t>rand_array</a:t>
+            </a:r>
+            <a:r>
+              <a:rPr lang="en-GB" i="1" dirty="0">
+                <a:solidFill>
+                  <a:schemeClr val="accent1"/>
+                </a:solidFill>
+              </a:rPr>
+              <a:t>[:,2]; </a:t>
+            </a:r>
+          </a:p>
+          <a:p>
+            <a:pPr lvl="1"/>
+            <a:r>
+              <a:rPr lang="en-GB" dirty="0"/>
+              <a:t>Subset of third col.:</a:t>
+            </a:r>
+            <a:r>
+              <a:rPr lang="en-GB" i="1" dirty="0">
+                <a:solidFill>
+                  <a:schemeClr val="accent1"/>
+                </a:solidFill>
+              </a:rPr>
+              <a:t>	col_3 = </a:t>
+            </a:r>
+            <a:r>
+              <a:rPr lang="en-GB" i="1" dirty="0" err="1">
+                <a:solidFill>
+                  <a:schemeClr val="accent1"/>
+                </a:solidFill>
+              </a:rPr>
+              <a:t>rand_array</a:t>
+            </a:r>
+            <a:r>
+              <a:rPr lang="en-GB" i="1" dirty="0">
+                <a:solidFill>
+                  <a:schemeClr val="accent1"/>
+                </a:solidFill>
+              </a:rPr>
+              <a:t>[1,3];</a:t>
+            </a:r>
+          </a:p>
+          <a:p>
+            <a:pPr lvl="1"/>
+            <a:r>
+              <a:rPr lang="en-GB" dirty="0"/>
+              <a:t>2D region:		</a:t>
+            </a:r>
+            <a:r>
+              <a:rPr lang="en-GB" i="1" dirty="0">
+                <a:solidFill>
+                  <a:schemeClr val="accent1"/>
+                </a:solidFill>
+              </a:rPr>
+              <a:t>subset_2D = </a:t>
+            </a:r>
+            <a:r>
+              <a:rPr lang="en-GB" i="1" dirty="0" err="1">
+                <a:solidFill>
+                  <a:schemeClr val="accent1"/>
+                </a:solidFill>
+              </a:rPr>
+              <a:t>rand_array</a:t>
+            </a:r>
+            <a:r>
+              <a:rPr lang="en-GB" i="1" dirty="0">
+                <a:solidFill>
+                  <a:schemeClr val="accent1"/>
+                </a:solidFill>
+              </a:rPr>
+              <a:t>[2:3,1:3];</a:t>
+            </a:r>
+          </a:p>
+          <a:p>
+            <a:endParaRPr lang="en-GB" dirty="0"/>
+          </a:p>
+        </p:txBody>
+      </p:sp>
+      <p:graphicFrame>
+        <p:nvGraphicFramePr>
+          <p:cNvPr id="7" name="Table 11">
+            <a:extLst>
+              <a:ext uri="{FF2B5EF4-FFF2-40B4-BE49-F238E27FC236}">
+                <a16:creationId xmlns:a16="http://schemas.microsoft.com/office/drawing/2014/main" id="{7215CCC6-A37C-4B9F-B2FF-E6B361490ECF}"/>
+              </a:ext>
+            </a:extLst>
+          </p:cNvPr>
+          <p:cNvGraphicFramePr>
+            <a:graphicFrameLocks noGrp="1"/>
+          </p:cNvGraphicFramePr>
+          <p:nvPr/>
+        </p:nvGraphicFramePr>
+        <p:xfrm>
+          <a:off x="9022745" y="2089126"/>
+          <a:ext cx="2616537" cy="3488716"/>
+        </p:xfrm>
+        <a:graphic>
+          <a:graphicData uri="http://schemas.openxmlformats.org/drawingml/2006/table">
+            <a:tbl>
+              <a:tblPr firstRow="1" bandRow="1">
+                <a:tableStyleId>{5940675A-B579-460E-94D1-54222C63F5DA}</a:tableStyleId>
+              </a:tblPr>
+              <a:tblGrid>
+                <a:gridCol w="872179">
+                  <a:extLst>
+                    <a:ext uri="{9D8B030D-6E8A-4147-A177-3AD203B41FA5}">
+                      <a16:colId xmlns:a16="http://schemas.microsoft.com/office/drawing/2014/main" val="2264223351"/>
+                    </a:ext>
+                  </a:extLst>
+                </a:gridCol>
+                <a:gridCol w="872179">
+                  <a:extLst>
+                    <a:ext uri="{9D8B030D-6E8A-4147-A177-3AD203B41FA5}">
+                      <a16:colId xmlns:a16="http://schemas.microsoft.com/office/drawing/2014/main" val="4294296283"/>
+                    </a:ext>
+                  </a:extLst>
+                </a:gridCol>
+                <a:gridCol w="872179">
+                  <a:extLst>
+                    <a:ext uri="{9D8B030D-6E8A-4147-A177-3AD203B41FA5}">
+                      <a16:colId xmlns:a16="http://schemas.microsoft.com/office/drawing/2014/main" val="3139006436"/>
+                    </a:ext>
+                  </a:extLst>
+                </a:gridCol>
+              </a:tblGrid>
+              <a:tr h="872179">
+                <a:tc>
+                  <a:txBody>
+                    <a:bodyPr/>
+                    <a:lstStyle/>
+                    <a:p>
+                      <a:pPr algn="ctr"/>
+                      <a:r>
+                        <a:rPr lang="en-GB" sz="2200" dirty="0"/>
+                        <a:t>0.9</a:t>
+                      </a:r>
+                    </a:p>
+                  </a:txBody>
+                  <a:tcPr marL="252170" marR="252170" marT="126087" marB="126087" anchor="ctr"/>
+                </a:tc>
+                <a:tc>
+                  <a:txBody>
+                    <a:bodyPr/>
+                    <a:lstStyle/>
+                    <a:p>
+                      <a:pPr algn="ctr"/>
+                      <a:r>
+                        <a:rPr lang="en-GB" sz="2200" dirty="0"/>
+                        <a:t>0.3</a:t>
+                      </a:r>
+                    </a:p>
+                  </a:txBody>
+                  <a:tcPr marL="252170" marR="252170" marT="126087" marB="126087" anchor="ctr"/>
+                </a:tc>
+                <a:tc>
+                  <a:txBody>
+                    <a:bodyPr/>
+                    <a:lstStyle/>
+                    <a:p>
+                      <a:pPr algn="ctr"/>
+                      <a:r>
+                        <a:rPr lang="en-GB" sz="2200" dirty="0"/>
+                        <a:t>0.1</a:t>
+                      </a:r>
+                    </a:p>
+                  </a:txBody>
+                  <a:tcPr marL="252170" marR="252170" marT="126087" marB="126087" anchor="ctr"/>
+                </a:tc>
+                <a:extLst>
+                  <a:ext uri="{0D108BD9-81ED-4DB2-BD59-A6C34878D82A}">
+                    <a16:rowId xmlns:a16="http://schemas.microsoft.com/office/drawing/2014/main" val="2703465221"/>
+                  </a:ext>
+                </a:extLst>
+              </a:tr>
+              <a:tr h="872179">
+                <a:tc>
+                  <a:txBody>
+                    <a:bodyPr/>
+                    <a:lstStyle/>
+                    <a:p>
+                      <a:pPr algn="ctr"/>
+                      <a:r>
+                        <a:rPr lang="en-GB" sz="2200" dirty="0"/>
+                        <a:t>0.2</a:t>
+                      </a:r>
+                    </a:p>
+                  </a:txBody>
+                  <a:tcPr marL="252170" marR="252170" marT="126087" marB="126087" anchor="ctr"/>
+                </a:tc>
+                <a:tc>
+                  <a:txBody>
+                    <a:bodyPr/>
+                    <a:lstStyle/>
+                    <a:p>
+                      <a:pPr algn="ctr"/>
+                      <a:r>
+                        <a:rPr lang="en-GB" sz="2200" dirty="0"/>
+                        <a:t>0.1</a:t>
+                      </a:r>
+                    </a:p>
+                  </a:txBody>
+                  <a:tcPr marL="252170" marR="252170" marT="126087" marB="126087" anchor="ctr"/>
+                </a:tc>
+                <a:tc>
+                  <a:txBody>
+                    <a:bodyPr/>
+                    <a:lstStyle/>
+                    <a:p>
+                      <a:pPr algn="ctr"/>
+                      <a:r>
+                        <a:rPr lang="en-GB" sz="2200" dirty="0"/>
+                        <a:t>0.5</a:t>
+                      </a:r>
+                    </a:p>
+                  </a:txBody>
+                  <a:tcPr marL="252170" marR="252170" marT="126087" marB="126087" anchor="ctr"/>
+                </a:tc>
+                <a:extLst>
+                  <a:ext uri="{0D108BD9-81ED-4DB2-BD59-A6C34878D82A}">
+                    <a16:rowId xmlns:a16="http://schemas.microsoft.com/office/drawing/2014/main" val="2907702860"/>
+                  </a:ext>
+                </a:extLst>
+              </a:tr>
+              <a:tr h="872179">
+                <a:tc>
+                  <a:txBody>
+                    <a:bodyPr/>
+                    <a:lstStyle/>
+                    <a:p>
+                      <a:pPr algn="ctr"/>
+                      <a:r>
+                        <a:rPr lang="en-GB" sz="2200" dirty="0"/>
+                        <a:t>0.4</a:t>
+                      </a:r>
+                    </a:p>
+                  </a:txBody>
+                  <a:tcPr marL="252170" marR="252170" marT="126087" marB="126087" anchor="ctr"/>
+                </a:tc>
+                <a:tc>
+                  <a:txBody>
+                    <a:bodyPr/>
+                    <a:lstStyle/>
+                    <a:p>
+                      <a:pPr algn="ctr"/>
+                      <a:r>
+                        <a:rPr lang="en-GB" sz="2200" dirty="0"/>
+                        <a:t>0.7</a:t>
+                      </a:r>
+                    </a:p>
+                  </a:txBody>
+                  <a:tcPr marL="252170" marR="252170" marT="126087" marB="126087" anchor="ctr"/>
+                </a:tc>
+                <a:tc>
+                  <a:txBody>
+                    <a:bodyPr/>
+                    <a:lstStyle/>
+                    <a:p>
+                      <a:pPr algn="ctr"/>
+                      <a:r>
+                        <a:rPr lang="en-GB" sz="2200" dirty="0"/>
+                        <a:t>0.2</a:t>
+                      </a:r>
+                    </a:p>
+                  </a:txBody>
+                  <a:tcPr marL="252170" marR="252170" marT="126087" marB="126087" anchor="ctr"/>
+                </a:tc>
+                <a:extLst>
+                  <a:ext uri="{0D108BD9-81ED-4DB2-BD59-A6C34878D82A}">
+                    <a16:rowId xmlns:a16="http://schemas.microsoft.com/office/drawing/2014/main" val="637290251"/>
+                  </a:ext>
+                </a:extLst>
+              </a:tr>
+              <a:tr h="872179">
+                <a:tc>
+                  <a:txBody>
+                    <a:bodyPr/>
+                    <a:lstStyle/>
+                    <a:p>
+                      <a:pPr algn="ctr"/>
+                      <a:r>
+                        <a:rPr lang="en-GB" sz="2200" dirty="0"/>
+                        <a:t>0.7</a:t>
+                      </a:r>
+                    </a:p>
+                  </a:txBody>
+                  <a:tcPr marL="252170" marR="252170" marT="126087" marB="126087" anchor="ctr"/>
+                </a:tc>
+                <a:tc>
+                  <a:txBody>
+                    <a:bodyPr/>
+                    <a:lstStyle/>
+                    <a:p>
+                      <a:pPr algn="ctr"/>
+                      <a:r>
+                        <a:rPr lang="en-GB" sz="2200" dirty="0"/>
+                        <a:t>0.3</a:t>
+                      </a:r>
+                    </a:p>
+                  </a:txBody>
+                  <a:tcPr marL="252170" marR="252170" marT="126087" marB="126087" anchor="ctr"/>
+                </a:tc>
+                <a:tc>
+                  <a:txBody>
+                    <a:bodyPr/>
+                    <a:lstStyle/>
+                    <a:p>
+                      <a:pPr algn="ctr"/>
+                      <a:r>
+                        <a:rPr lang="en-GB" sz="2200" dirty="0"/>
+                        <a:t>0.5</a:t>
+                      </a:r>
+                    </a:p>
+                  </a:txBody>
+                  <a:tcPr marL="252170" marR="252170" marT="126087" marB="126087" anchor="ctr"/>
+                </a:tc>
+                <a:extLst>
+                  <a:ext uri="{0D108BD9-81ED-4DB2-BD59-A6C34878D82A}">
+                    <a16:rowId xmlns:a16="http://schemas.microsoft.com/office/drawing/2014/main" val="3764598351"/>
+                  </a:ext>
+                </a:extLst>
+              </a:tr>
+            </a:tbl>
+          </a:graphicData>
+        </a:graphic>
+      </p:graphicFrame>
+      <p:sp>
+        <p:nvSpPr>
+          <p:cNvPr id="8" name="Rectangle 7">
+            <a:extLst>
+              <a:ext uri="{FF2B5EF4-FFF2-40B4-BE49-F238E27FC236}">
+                <a16:creationId xmlns:a16="http://schemas.microsoft.com/office/drawing/2014/main" id="{7FBF2BF8-5F0B-434A-8DB9-866822699644}"/>
+              </a:ext>
+            </a:extLst>
+          </p:cNvPr>
+          <p:cNvSpPr/>
+          <p:nvPr/>
+        </p:nvSpPr>
+        <p:spPr>
+          <a:xfrm>
+            <a:off x="10804988" y="2127226"/>
+            <a:ext cx="792000" cy="792000"/>
+          </a:xfrm>
+          <a:prstGeom prst="rect">
+            <a:avLst/>
+          </a:prstGeom>
+          <a:noFill/>
+          <a:ln>
+            <a:solidFill>
+              <a:srgbClr val="FF0000"/>
+            </a:solidFill>
+          </a:ln>
+        </p:spPr>
+        <p:style>
+          <a:lnRef idx="2">
+            <a:schemeClr val="accent1">
+              <a:shade val="50000"/>
+            </a:schemeClr>
+          </a:lnRef>
+          <a:fillRef idx="1">
+            <a:schemeClr val="accent1"/>
+          </a:fillRef>
+          <a:effectRef idx="0">
+            <a:schemeClr val="accent1"/>
+          </a:effectRef>
+          <a:fontRef idx="minor">
+            <a:schemeClr val="lt1"/>
+          </a:fontRef>
+        </p:style>
+        <p:txBody>
+          <a:bodyPr rtlCol="0" anchor="ctr"/>
+          <a:lstStyle/>
+          <a:p>
+            <a:pPr algn="ctr"/>
+            <a:endParaRPr lang="en-GB"/>
+          </a:p>
+        </p:txBody>
+      </p:sp>
+    </p:spTree>
+    <p:extLst>
+      <p:ext uri="{BB962C8B-B14F-4D97-AF65-F5344CB8AC3E}">
+        <p14:creationId xmlns:p14="http://schemas.microsoft.com/office/powerpoint/2010/main" val="793865058"/>
+      </p:ext>
+    </p:extLst>
+  </p:cSld>
+  <p:clrMapOvr>
+    <a:masterClrMapping/>
+  </p:clrMapOvr>
+  <mc:AlternateContent xmlns:mc="http://schemas.openxmlformats.org/markup-compatibility/2006" xmlns:p14="http://schemas.microsoft.com/office/powerpoint/2010/main">
+    <mc:Choice Requires="p14">
+      <p:transition p14:dur="300">
+        <p:fade/>
+      </p:transition>
+    </mc:Choice>
+    <mc:Fallback xmlns="">
+      <p:transition>
+        <p:fade/>
+      </p:transition>
+    </mc:Fallback>
+  </mc:AlternateContent>
+</p:sld>
+</file>
+
+<file path=ppt/slides/slide15.xml><?xml version="1.0" encoding="utf-8"?>
+<p:sld xmlns:a="http://schemas.openxmlformats.org/drawingml/2006/main" xmlns:r="http://schemas.openxmlformats.org/officeDocument/2006/relationships" xmlns:p="http://schemas.openxmlformats.org/presentationml/2006/main">
+  <p:cSld>
+    <p:spTree>
+      <p:nvGrpSpPr>
+        <p:cNvPr id="1" name=""/>
+        <p:cNvGrpSpPr/>
+        <p:nvPr/>
+      </p:nvGrpSpPr>
+      <p:grpSpPr>
+        <a:xfrm>
+          <a:off x="0" y="0"/>
+          <a:ext cx="0" cy="0"/>
+          <a:chOff x="0" y="0"/>
+          <a:chExt cx="0" cy="0"/>
+        </a:xfrm>
+      </p:grpSpPr>
+      <p:sp>
+        <p:nvSpPr>
+          <p:cNvPr id="2" name="Title 1">
+            <a:extLst>
+              <a:ext uri="{FF2B5EF4-FFF2-40B4-BE49-F238E27FC236}">
+                <a16:creationId xmlns:a16="http://schemas.microsoft.com/office/drawing/2014/main" id="{8EEF9218-B50A-424A-A99D-57BA08F4A8E3}"/>
+              </a:ext>
+            </a:extLst>
+          </p:cNvPr>
+          <p:cNvSpPr>
+            <a:spLocks noGrp="1"/>
+          </p:cNvSpPr>
+          <p:nvPr>
+            <p:ph type="title"/>
+          </p:nvPr>
+        </p:nvSpPr>
+        <p:spPr/>
+        <p:txBody>
+          <a:bodyPr/>
+          <a:lstStyle/>
+          <a:p>
+            <a:endParaRPr lang="en-GB" dirty="0"/>
+          </a:p>
+        </p:txBody>
+      </p:sp>
+      <p:sp>
+        <p:nvSpPr>
+          <p:cNvPr id="4" name="TextBox 3">
+            <a:extLst>
+              <a:ext uri="{FF2B5EF4-FFF2-40B4-BE49-F238E27FC236}">
+                <a16:creationId xmlns:a16="http://schemas.microsoft.com/office/drawing/2014/main" id="{31426854-EE0B-4A5A-AC6D-2BF50C4B1D90}"/>
+              </a:ext>
+            </a:extLst>
+          </p:cNvPr>
+          <p:cNvSpPr txBox="1"/>
+          <p:nvPr/>
+        </p:nvSpPr>
+        <p:spPr>
+          <a:xfrm>
+            <a:off x="2052408" y="3136612"/>
+            <a:ext cx="8087183" cy="584775"/>
+          </a:xfrm>
+          <a:prstGeom prst="rect">
+            <a:avLst/>
+          </a:prstGeom>
+          <a:noFill/>
+        </p:spPr>
+        <p:txBody>
+          <a:bodyPr wrap="square" rtlCol="0">
+            <a:spAutoFit/>
+          </a:bodyPr>
+          <a:lstStyle/>
+          <a:p>
+            <a:pPr algn="ctr"/>
+            <a:r>
+              <a:rPr lang="en-GB" sz="3200" dirty="0">
+                <a:solidFill>
+                  <a:schemeClr val="tx1"/>
+                </a:solidFill>
+              </a:rPr>
+              <a:t>Creating matrices</a:t>
+            </a:r>
+            <a:endParaRPr lang="en-GB" sz="2800" dirty="0">
+              <a:solidFill>
+                <a:schemeClr val="tx1"/>
+              </a:solidFill>
+            </a:endParaRPr>
+          </a:p>
+        </p:txBody>
+      </p:sp>
+    </p:spTree>
+    <p:extLst>
+      <p:ext uri="{BB962C8B-B14F-4D97-AF65-F5344CB8AC3E}">
+        <p14:creationId xmlns:p14="http://schemas.microsoft.com/office/powerpoint/2010/main" val="900809644"/>
+      </p:ext>
+    </p:extLst>
+  </p:cSld>
+  <p:clrMapOvr>
+    <a:masterClrMapping/>
+  </p:clrMapOvr>
+  <mc:AlternateContent xmlns:mc="http://schemas.openxmlformats.org/markup-compatibility/2006" xmlns:p14="http://schemas.microsoft.com/office/powerpoint/2010/main">
+    <mc:Choice Requires="p14">
+      <p:transition p14:dur="300">
+        <p:fade/>
+      </p:transition>
+    </mc:Choice>
+    <mc:Fallback xmlns="">
+      <p:transition>
+        <p:fade/>
+      </p:transition>
+    </mc:Fallback>
+  </mc:AlternateContent>
+</p:sld>
+</file>
+
+<file path=ppt/slides/slide16.xml><?xml version="1.0" encoding="utf-8"?>
+<p:sld xmlns:a="http://schemas.openxmlformats.org/drawingml/2006/main" xmlns:r="http://schemas.openxmlformats.org/officeDocument/2006/relationships" xmlns:p="http://schemas.openxmlformats.org/presentationml/2006/main">
+  <p:cSld>
+    <p:spTree>
+      <p:nvGrpSpPr>
+        <p:cNvPr id="1" name=""/>
+        <p:cNvGrpSpPr/>
+        <p:nvPr/>
+      </p:nvGrpSpPr>
+      <p:grpSpPr>
+        <a:xfrm>
+          <a:off x="0" y="0"/>
+          <a:ext cx="0" cy="0"/>
+          <a:chOff x="0" y="0"/>
+          <a:chExt cx="0" cy="0"/>
+        </a:xfrm>
+      </p:grpSpPr>
+      <p:sp>
+        <p:nvSpPr>
+          <p:cNvPr id="2" name="Title 1">
+            <a:extLst>
+              <a:ext uri="{FF2B5EF4-FFF2-40B4-BE49-F238E27FC236}">
+                <a16:creationId xmlns:a16="http://schemas.microsoft.com/office/drawing/2014/main" id="{8B0C5865-E132-43F0-814F-C61B94E5671C}"/>
+              </a:ext>
+            </a:extLst>
+          </p:cNvPr>
+          <p:cNvSpPr>
+            <a:spLocks noGrp="1"/>
+          </p:cNvSpPr>
+          <p:nvPr>
+            <p:ph type="title"/>
+          </p:nvPr>
+        </p:nvSpPr>
+        <p:spPr/>
+        <p:txBody>
+          <a:bodyPr/>
+          <a:lstStyle/>
+          <a:p>
+            <a:r>
+              <a:rPr lang="en-GB" dirty="0"/>
+              <a:t>Creating 2D matrix from known values</a:t>
+            </a:r>
+          </a:p>
+        </p:txBody>
+      </p:sp>
+      <p:sp>
+        <p:nvSpPr>
+          <p:cNvPr id="3" name="Content Placeholder 2">
+            <a:extLst>
+              <a:ext uri="{FF2B5EF4-FFF2-40B4-BE49-F238E27FC236}">
+                <a16:creationId xmlns:a16="http://schemas.microsoft.com/office/drawing/2014/main" id="{B00B5046-B5DF-4F1A-AFA6-4A5FA79CAEFA}"/>
+              </a:ext>
+            </a:extLst>
+          </p:cNvPr>
+          <p:cNvSpPr>
+            <a:spLocks noGrp="1"/>
+          </p:cNvSpPr>
+          <p:nvPr>
+            <p:ph idx="1"/>
+          </p:nvPr>
+        </p:nvSpPr>
+        <p:spPr/>
+        <p:txBody>
+          <a:bodyPr/>
+          <a:lstStyle/>
+          <a:p>
+            <a:r>
+              <a:rPr lang="en-GB" dirty="0"/>
+              <a:t>Surround values with square brackets</a:t>
+            </a:r>
+          </a:p>
+          <a:p>
+            <a:pPr lvl="1"/>
+            <a:r>
+              <a:rPr lang="en-GB" dirty="0"/>
+              <a:t>Comma-separate items on the same row</a:t>
+            </a:r>
+          </a:p>
+          <a:p>
+            <a:pPr lvl="1"/>
+            <a:r>
+              <a:rPr lang="en-GB" dirty="0"/>
+              <a:t>Semicolon-separate rows</a:t>
+            </a:r>
+          </a:p>
+        </p:txBody>
+      </p:sp>
+      <p:sp>
+        <p:nvSpPr>
+          <p:cNvPr id="15" name="Content Placeholder 2">
+            <a:extLst>
+              <a:ext uri="{FF2B5EF4-FFF2-40B4-BE49-F238E27FC236}">
+                <a16:creationId xmlns:a16="http://schemas.microsoft.com/office/drawing/2014/main" id="{CE0D0426-0B06-473B-9CD0-B82445A8FEE4}"/>
+              </a:ext>
+            </a:extLst>
+          </p:cNvPr>
+          <p:cNvSpPr txBox="1">
+            <a:spLocks/>
+          </p:cNvSpPr>
+          <p:nvPr/>
+        </p:nvSpPr>
+        <p:spPr>
+          <a:xfrm>
+            <a:off x="335360" y="2805583"/>
+            <a:ext cx="3841200" cy="1878217"/>
+          </a:xfrm>
+          <a:prstGeom prst="rect">
+            <a:avLst/>
+          </a:prstGeom>
+        </p:spPr>
+        <p:txBody>
+          <a:bodyPr/>
+          <a:lstStyle>
+            <a:lvl1pPr marL="342900" indent="-342900" algn="l" rtl="0" eaLnBrk="1" fontAlgn="base" hangingPunct="1">
+              <a:spcBef>
+                <a:spcPct val="20000"/>
+              </a:spcBef>
+              <a:spcAft>
+                <a:spcPct val="0"/>
+              </a:spcAft>
+              <a:buFont typeface="Arial" panose="020B0604020202020204" pitchFamily="34" charset="0"/>
+              <a:buChar char="•"/>
+              <a:defRPr sz="2800" kern="1200">
+                <a:solidFill>
+                  <a:schemeClr val="tx1"/>
+                </a:solidFill>
+                <a:latin typeface="+mn-lt"/>
+                <a:ea typeface="+mn-ea"/>
+                <a:cs typeface="+mn-cs"/>
+              </a:defRPr>
+            </a:lvl1pPr>
+            <a:lvl2pPr marL="742950" indent="-285750" algn="l" rtl="0" eaLnBrk="1" fontAlgn="base" hangingPunct="1">
+              <a:spcBef>
+                <a:spcPct val="20000"/>
+              </a:spcBef>
+              <a:spcAft>
+                <a:spcPct val="0"/>
+              </a:spcAft>
+              <a:buFont typeface="Arial" panose="020B0604020202020204" pitchFamily="34" charset="0"/>
+              <a:buChar char="•"/>
+              <a:defRPr sz="2400" kern="1200">
+                <a:solidFill>
+                  <a:srgbClr val="BF2F37"/>
+                </a:solidFill>
+                <a:latin typeface="+mn-lt"/>
+                <a:ea typeface="+mn-ea"/>
+                <a:cs typeface="+mn-cs"/>
+              </a:defRPr>
+            </a:lvl2pPr>
+            <a:lvl3pPr marL="1143000" indent="-228600" algn="l" rtl="0" eaLnBrk="1" fontAlgn="base" hangingPunct="1">
+              <a:spcBef>
+                <a:spcPct val="20000"/>
+              </a:spcBef>
+              <a:spcAft>
+                <a:spcPct val="0"/>
+              </a:spcAft>
+              <a:buFont typeface="Arial" panose="020B0604020202020204" pitchFamily="34" charset="0"/>
+              <a:buChar char="•"/>
+              <a:defRPr sz="2000" kern="1200">
+                <a:solidFill>
+                  <a:schemeClr val="tx1"/>
+                </a:solidFill>
+                <a:latin typeface="+mn-lt"/>
+                <a:ea typeface="+mn-ea"/>
+                <a:cs typeface="+mn-cs"/>
+              </a:defRPr>
+            </a:lvl3pPr>
+            <a:lvl4pPr marL="1600200" indent="-228600" algn="l" rtl="0" eaLnBrk="1" fontAlgn="base" hangingPunct="1">
+              <a:spcBef>
+                <a:spcPct val="20000"/>
+              </a:spcBef>
+              <a:spcAft>
+                <a:spcPct val="0"/>
+              </a:spcAft>
+              <a:buFont typeface="Arial" panose="020B0604020202020204" pitchFamily="34" charset="0"/>
+              <a:buChar char="–"/>
+              <a:defRPr sz="1800" kern="1200">
+                <a:solidFill>
+                  <a:schemeClr val="tx1"/>
+                </a:solidFill>
+                <a:latin typeface="+mn-lt"/>
+                <a:ea typeface="+mn-ea"/>
+                <a:cs typeface="+mn-cs"/>
+              </a:defRPr>
+            </a:lvl4pPr>
+            <a:lvl5pPr marL="2057400" indent="-228600" algn="l" rtl="0" eaLnBrk="1" fontAlgn="base" hangingPunct="1">
+              <a:spcBef>
+                <a:spcPct val="20000"/>
+              </a:spcBef>
+              <a:spcAft>
+                <a:spcPct val="0"/>
+              </a:spcAft>
+              <a:buFont typeface="Arial" pitchFamily="34" charset="0"/>
+              <a:buChar char="­"/>
+              <a:defRPr sz="1800" kern="1200">
+                <a:solidFill>
+                  <a:schemeClr val="tx1"/>
+                </a:solidFill>
+                <a:latin typeface="+mn-lt"/>
+                <a:ea typeface="+mn-ea"/>
+                <a:cs typeface="+mn-cs"/>
+              </a:defRPr>
+            </a:lvl5pPr>
+            <a:lvl6pPr marL="2514600" indent="-228600" algn="l" defTabSz="914400" rtl="0" eaLnBrk="1" latinLnBrk="0" hangingPunct="1">
+              <a:spcBef>
+                <a:spcPct val="20000"/>
+              </a:spcBef>
+              <a:buFont typeface="Arial" pitchFamily="34" charset="0"/>
+              <a:buChar char="•"/>
+              <a:defRPr sz="2000" kern="1200">
+                <a:solidFill>
+                  <a:schemeClr val="tx1"/>
+                </a:solidFill>
+                <a:latin typeface="+mn-lt"/>
+                <a:ea typeface="+mn-ea"/>
+                <a:cs typeface="+mn-cs"/>
+              </a:defRPr>
+            </a:lvl6pPr>
+            <a:lvl7pPr marL="2971800" indent="-228600" algn="l" defTabSz="914400" rtl="0" eaLnBrk="1" latinLnBrk="0" hangingPunct="1">
+              <a:spcBef>
+                <a:spcPct val="20000"/>
+              </a:spcBef>
+              <a:buFont typeface="Arial" pitchFamily="34" charset="0"/>
+              <a:buChar char="•"/>
+              <a:defRPr sz="2000" kern="1200">
+                <a:solidFill>
+                  <a:schemeClr val="tx1"/>
+                </a:solidFill>
+                <a:latin typeface="+mn-lt"/>
+                <a:ea typeface="+mn-ea"/>
+                <a:cs typeface="+mn-cs"/>
+              </a:defRPr>
+            </a:lvl7pPr>
+            <a:lvl8pPr marL="3429000" indent="-228600" algn="l" defTabSz="914400" rtl="0" eaLnBrk="1" latinLnBrk="0" hangingPunct="1">
+              <a:spcBef>
+                <a:spcPct val="20000"/>
+              </a:spcBef>
+              <a:buFont typeface="Arial" pitchFamily="34" charset="0"/>
+              <a:buChar char="•"/>
+              <a:defRPr sz="2000" kern="1200">
+                <a:solidFill>
+                  <a:schemeClr val="tx1"/>
+                </a:solidFill>
+                <a:latin typeface="+mn-lt"/>
+                <a:ea typeface="+mn-ea"/>
+                <a:cs typeface="+mn-cs"/>
+              </a:defRPr>
+            </a:lvl8pPr>
+            <a:lvl9pPr marL="3886200" indent="-228600" algn="l" defTabSz="914400" rtl="0" eaLnBrk="1" latinLnBrk="0" hangingPunct="1">
+              <a:spcBef>
+                <a:spcPct val="20000"/>
+              </a:spcBef>
+              <a:buFont typeface="Arial" pitchFamily="34" charset="0"/>
+              <a:buChar char="•"/>
+              <a:defRPr sz="2000" kern="1200">
+                <a:solidFill>
+                  <a:schemeClr val="tx1"/>
+                </a:solidFill>
+                <a:latin typeface="+mn-lt"/>
+                <a:ea typeface="+mn-ea"/>
+                <a:cs typeface="+mn-cs"/>
+              </a:defRPr>
+            </a:lvl9pPr>
+          </a:lstStyle>
+          <a:p>
+            <a:r>
+              <a:rPr lang="en-GB" dirty="0"/>
+              <a:t>A single row</a:t>
+            </a:r>
+          </a:p>
+        </p:txBody>
+      </p:sp>
+      <p:pic>
+        <p:nvPicPr>
+          <p:cNvPr id="21" name="Picture 20">
+            <a:extLst>
+              <a:ext uri="{FF2B5EF4-FFF2-40B4-BE49-F238E27FC236}">
+                <a16:creationId xmlns:a16="http://schemas.microsoft.com/office/drawing/2014/main" id="{053AA60D-C624-43EF-9E8C-99F29A3BF888}"/>
+              </a:ext>
+            </a:extLst>
+          </p:cNvPr>
+          <p:cNvPicPr>
+            <a:picLocks noChangeAspect="1"/>
+          </p:cNvPicPr>
+          <p:nvPr/>
+        </p:nvPicPr>
+        <p:blipFill>
+          <a:blip r:embed="rId2"/>
+          <a:stretch>
+            <a:fillRect/>
+          </a:stretch>
+        </p:blipFill>
+        <p:spPr>
+          <a:xfrm>
+            <a:off x="4693920" y="3850376"/>
+            <a:ext cx="2804160" cy="2190750"/>
+          </a:xfrm>
+          <a:prstGeom prst="rect">
+            <a:avLst/>
+          </a:prstGeom>
+          <a:ln w="12700">
+            <a:solidFill>
+              <a:srgbClr val="BF2F37"/>
+            </a:solidFill>
+          </a:ln>
+        </p:spPr>
+      </p:pic>
+      <p:sp>
+        <p:nvSpPr>
+          <p:cNvPr id="16" name="Content Placeholder 2">
+            <a:extLst>
+              <a:ext uri="{FF2B5EF4-FFF2-40B4-BE49-F238E27FC236}">
+                <a16:creationId xmlns:a16="http://schemas.microsoft.com/office/drawing/2014/main" id="{85B85927-0157-4AB1-B1CE-6782F9DF5441}"/>
+              </a:ext>
+            </a:extLst>
+          </p:cNvPr>
+          <p:cNvSpPr txBox="1">
+            <a:spLocks/>
+          </p:cNvSpPr>
+          <p:nvPr/>
+        </p:nvSpPr>
+        <p:spPr>
+          <a:xfrm>
+            <a:off x="4176560" y="2805582"/>
+            <a:ext cx="3841200" cy="1878217"/>
+          </a:xfrm>
+          <a:prstGeom prst="rect">
+            <a:avLst/>
+          </a:prstGeom>
+        </p:spPr>
+        <p:txBody>
+          <a:bodyPr/>
+          <a:lstStyle>
+            <a:lvl1pPr marL="342900" indent="-342900" algn="l" rtl="0" eaLnBrk="1" fontAlgn="base" hangingPunct="1">
+              <a:spcBef>
+                <a:spcPct val="20000"/>
+              </a:spcBef>
+              <a:spcAft>
+                <a:spcPct val="0"/>
+              </a:spcAft>
+              <a:buFont typeface="Arial" panose="020B0604020202020204" pitchFamily="34" charset="0"/>
+              <a:buChar char="•"/>
+              <a:defRPr sz="2800" kern="1200">
+                <a:solidFill>
+                  <a:schemeClr val="tx1"/>
+                </a:solidFill>
+                <a:latin typeface="+mn-lt"/>
+                <a:ea typeface="+mn-ea"/>
+                <a:cs typeface="+mn-cs"/>
+              </a:defRPr>
+            </a:lvl1pPr>
+            <a:lvl2pPr marL="742950" indent="-285750" algn="l" rtl="0" eaLnBrk="1" fontAlgn="base" hangingPunct="1">
+              <a:spcBef>
+                <a:spcPct val="20000"/>
+              </a:spcBef>
+              <a:spcAft>
+                <a:spcPct val="0"/>
+              </a:spcAft>
+              <a:buFont typeface="Arial" panose="020B0604020202020204" pitchFamily="34" charset="0"/>
+              <a:buChar char="•"/>
+              <a:defRPr sz="2400" kern="1200">
+                <a:solidFill>
+                  <a:srgbClr val="BF2F37"/>
+                </a:solidFill>
+                <a:latin typeface="+mn-lt"/>
+                <a:ea typeface="+mn-ea"/>
+                <a:cs typeface="+mn-cs"/>
+              </a:defRPr>
+            </a:lvl2pPr>
+            <a:lvl3pPr marL="1143000" indent="-228600" algn="l" rtl="0" eaLnBrk="1" fontAlgn="base" hangingPunct="1">
+              <a:spcBef>
+                <a:spcPct val="20000"/>
+              </a:spcBef>
+              <a:spcAft>
+                <a:spcPct val="0"/>
+              </a:spcAft>
+              <a:buFont typeface="Arial" panose="020B0604020202020204" pitchFamily="34" charset="0"/>
+              <a:buChar char="•"/>
+              <a:defRPr sz="2000" kern="1200">
+                <a:solidFill>
+                  <a:schemeClr val="tx1"/>
+                </a:solidFill>
+                <a:latin typeface="+mn-lt"/>
+                <a:ea typeface="+mn-ea"/>
+                <a:cs typeface="+mn-cs"/>
+              </a:defRPr>
+            </a:lvl3pPr>
+            <a:lvl4pPr marL="1600200" indent="-228600" algn="l" rtl="0" eaLnBrk="1" fontAlgn="base" hangingPunct="1">
+              <a:spcBef>
+                <a:spcPct val="20000"/>
+              </a:spcBef>
+              <a:spcAft>
+                <a:spcPct val="0"/>
+              </a:spcAft>
+              <a:buFont typeface="Arial" panose="020B0604020202020204" pitchFamily="34" charset="0"/>
+              <a:buChar char="–"/>
+              <a:defRPr sz="1800" kern="1200">
+                <a:solidFill>
+                  <a:schemeClr val="tx1"/>
+                </a:solidFill>
+                <a:latin typeface="+mn-lt"/>
+                <a:ea typeface="+mn-ea"/>
+                <a:cs typeface="+mn-cs"/>
+              </a:defRPr>
+            </a:lvl4pPr>
+            <a:lvl5pPr marL="2057400" indent="-228600" algn="l" rtl="0" eaLnBrk="1" fontAlgn="base" hangingPunct="1">
+              <a:spcBef>
+                <a:spcPct val="20000"/>
+              </a:spcBef>
+              <a:spcAft>
+                <a:spcPct val="0"/>
+              </a:spcAft>
+              <a:buFont typeface="Arial" pitchFamily="34" charset="0"/>
+              <a:buChar char="­"/>
+              <a:defRPr sz="1800" kern="1200">
+                <a:solidFill>
+                  <a:schemeClr val="tx1"/>
+                </a:solidFill>
+                <a:latin typeface="+mn-lt"/>
+                <a:ea typeface="+mn-ea"/>
+                <a:cs typeface="+mn-cs"/>
+              </a:defRPr>
+            </a:lvl5pPr>
+            <a:lvl6pPr marL="2514600" indent="-228600" algn="l" defTabSz="914400" rtl="0" eaLnBrk="1" latinLnBrk="0" hangingPunct="1">
+              <a:spcBef>
+                <a:spcPct val="20000"/>
+              </a:spcBef>
+              <a:buFont typeface="Arial" pitchFamily="34" charset="0"/>
+              <a:buChar char="•"/>
+              <a:defRPr sz="2000" kern="1200">
+                <a:solidFill>
+                  <a:schemeClr val="tx1"/>
+                </a:solidFill>
+                <a:latin typeface="+mn-lt"/>
+                <a:ea typeface="+mn-ea"/>
+                <a:cs typeface="+mn-cs"/>
+              </a:defRPr>
+            </a:lvl6pPr>
+            <a:lvl7pPr marL="2971800" indent="-228600" algn="l" defTabSz="914400" rtl="0" eaLnBrk="1" latinLnBrk="0" hangingPunct="1">
+              <a:spcBef>
+                <a:spcPct val="20000"/>
+              </a:spcBef>
+              <a:buFont typeface="Arial" pitchFamily="34" charset="0"/>
+              <a:buChar char="•"/>
+              <a:defRPr sz="2000" kern="1200">
+                <a:solidFill>
+                  <a:schemeClr val="tx1"/>
+                </a:solidFill>
+                <a:latin typeface="+mn-lt"/>
+                <a:ea typeface="+mn-ea"/>
+                <a:cs typeface="+mn-cs"/>
+              </a:defRPr>
+            </a:lvl7pPr>
+            <a:lvl8pPr marL="3429000" indent="-228600" algn="l" defTabSz="914400" rtl="0" eaLnBrk="1" latinLnBrk="0" hangingPunct="1">
+              <a:spcBef>
+                <a:spcPct val="20000"/>
+              </a:spcBef>
+              <a:buFont typeface="Arial" pitchFamily="34" charset="0"/>
+              <a:buChar char="•"/>
+              <a:defRPr sz="2000" kern="1200">
+                <a:solidFill>
+                  <a:schemeClr val="tx1"/>
+                </a:solidFill>
+                <a:latin typeface="+mn-lt"/>
+                <a:ea typeface="+mn-ea"/>
+                <a:cs typeface="+mn-cs"/>
+              </a:defRPr>
+            </a:lvl8pPr>
+            <a:lvl9pPr marL="3886200" indent="-228600" algn="l" defTabSz="914400" rtl="0" eaLnBrk="1" latinLnBrk="0" hangingPunct="1">
+              <a:spcBef>
+                <a:spcPct val="20000"/>
+              </a:spcBef>
+              <a:buFont typeface="Arial" pitchFamily="34" charset="0"/>
+              <a:buChar char="•"/>
+              <a:defRPr sz="2000" kern="1200">
+                <a:solidFill>
+                  <a:schemeClr val="tx1"/>
+                </a:solidFill>
+                <a:latin typeface="+mn-lt"/>
+                <a:ea typeface="+mn-ea"/>
+                <a:cs typeface="+mn-cs"/>
+              </a:defRPr>
+            </a:lvl9pPr>
+          </a:lstStyle>
+          <a:p>
+            <a:r>
+              <a:rPr lang="en-GB" dirty="0"/>
+              <a:t>A single column</a:t>
+            </a:r>
+          </a:p>
+          <a:p>
+            <a:pPr lvl="1"/>
+            <a:endParaRPr lang="en-GB" i="1" dirty="0">
+              <a:solidFill>
+                <a:schemeClr val="accent1"/>
+              </a:solidFill>
+            </a:endParaRPr>
+          </a:p>
+          <a:p>
+            <a:pPr lvl="1"/>
+            <a:endParaRPr lang="en-GB" sz="1200" dirty="0"/>
+          </a:p>
+          <a:p>
+            <a:pPr lvl="1"/>
+            <a:endParaRPr lang="en-GB" dirty="0"/>
+          </a:p>
+        </p:txBody>
+      </p:sp>
+      <p:pic>
+        <p:nvPicPr>
+          <p:cNvPr id="20" name="Picture 19">
+            <a:extLst>
+              <a:ext uri="{FF2B5EF4-FFF2-40B4-BE49-F238E27FC236}">
+                <a16:creationId xmlns:a16="http://schemas.microsoft.com/office/drawing/2014/main" id="{1C7002C5-58B7-4395-B99C-219A0BA87EAB}"/>
+              </a:ext>
+            </a:extLst>
+          </p:cNvPr>
+          <p:cNvPicPr>
+            <a:picLocks noChangeAspect="1"/>
+          </p:cNvPicPr>
+          <p:nvPr/>
+        </p:nvPicPr>
+        <p:blipFill>
+          <a:blip r:embed="rId3"/>
+          <a:stretch>
+            <a:fillRect/>
+          </a:stretch>
+        </p:blipFill>
+        <p:spPr>
+          <a:xfrm>
+            <a:off x="853880" y="3850376"/>
+            <a:ext cx="2804160" cy="2190750"/>
+          </a:xfrm>
+          <a:prstGeom prst="rect">
+            <a:avLst/>
+          </a:prstGeom>
+          <a:ln w="12700">
+            <a:solidFill>
+              <a:srgbClr val="BF2F37"/>
+            </a:solidFill>
+          </a:ln>
+        </p:spPr>
+      </p:pic>
+      <p:sp>
+        <p:nvSpPr>
+          <p:cNvPr id="23" name="Content Placeholder 2">
+            <a:extLst>
+              <a:ext uri="{FF2B5EF4-FFF2-40B4-BE49-F238E27FC236}">
+                <a16:creationId xmlns:a16="http://schemas.microsoft.com/office/drawing/2014/main" id="{E3B329FC-57D7-4384-A84D-C614B27BF593}"/>
+              </a:ext>
+            </a:extLst>
+          </p:cNvPr>
+          <p:cNvSpPr txBox="1">
+            <a:spLocks/>
+          </p:cNvSpPr>
+          <p:nvPr/>
+        </p:nvSpPr>
+        <p:spPr>
+          <a:xfrm>
+            <a:off x="8015442" y="2805579"/>
+            <a:ext cx="3841200" cy="1878217"/>
+          </a:xfrm>
+          <a:prstGeom prst="rect">
+            <a:avLst/>
+          </a:prstGeom>
+        </p:spPr>
+        <p:txBody>
+          <a:bodyPr/>
+          <a:lstStyle>
+            <a:lvl1pPr marL="342900" indent="-342900" algn="l" rtl="0" eaLnBrk="1" fontAlgn="base" hangingPunct="1">
+              <a:spcBef>
+                <a:spcPct val="20000"/>
+              </a:spcBef>
+              <a:spcAft>
+                <a:spcPct val="0"/>
+              </a:spcAft>
+              <a:buFont typeface="Arial" panose="020B0604020202020204" pitchFamily="34" charset="0"/>
+              <a:buChar char="•"/>
+              <a:defRPr sz="2800" kern="1200">
+                <a:solidFill>
+                  <a:schemeClr val="tx1"/>
+                </a:solidFill>
+                <a:latin typeface="+mn-lt"/>
+                <a:ea typeface="+mn-ea"/>
+                <a:cs typeface="+mn-cs"/>
+              </a:defRPr>
+            </a:lvl1pPr>
+            <a:lvl2pPr marL="742950" indent="-285750" algn="l" rtl="0" eaLnBrk="1" fontAlgn="base" hangingPunct="1">
+              <a:spcBef>
+                <a:spcPct val="20000"/>
+              </a:spcBef>
+              <a:spcAft>
+                <a:spcPct val="0"/>
+              </a:spcAft>
+              <a:buFont typeface="Arial" panose="020B0604020202020204" pitchFamily="34" charset="0"/>
+              <a:buChar char="•"/>
+              <a:defRPr sz="2400" kern="1200">
+                <a:solidFill>
+                  <a:srgbClr val="BF2F37"/>
+                </a:solidFill>
+                <a:latin typeface="+mn-lt"/>
+                <a:ea typeface="+mn-ea"/>
+                <a:cs typeface="+mn-cs"/>
+              </a:defRPr>
+            </a:lvl2pPr>
+            <a:lvl3pPr marL="1143000" indent="-228600" algn="l" rtl="0" eaLnBrk="1" fontAlgn="base" hangingPunct="1">
+              <a:spcBef>
+                <a:spcPct val="20000"/>
+              </a:spcBef>
+              <a:spcAft>
+                <a:spcPct val="0"/>
+              </a:spcAft>
+              <a:buFont typeface="Arial" panose="020B0604020202020204" pitchFamily="34" charset="0"/>
+              <a:buChar char="•"/>
+              <a:defRPr sz="2000" kern="1200">
+                <a:solidFill>
+                  <a:schemeClr val="tx1"/>
+                </a:solidFill>
+                <a:latin typeface="+mn-lt"/>
+                <a:ea typeface="+mn-ea"/>
+                <a:cs typeface="+mn-cs"/>
+              </a:defRPr>
+            </a:lvl3pPr>
+            <a:lvl4pPr marL="1600200" indent="-228600" algn="l" rtl="0" eaLnBrk="1" fontAlgn="base" hangingPunct="1">
+              <a:spcBef>
+                <a:spcPct val="20000"/>
+              </a:spcBef>
+              <a:spcAft>
+                <a:spcPct val="0"/>
+              </a:spcAft>
+              <a:buFont typeface="Arial" panose="020B0604020202020204" pitchFamily="34" charset="0"/>
+              <a:buChar char="–"/>
+              <a:defRPr sz="1800" kern="1200">
+                <a:solidFill>
+                  <a:schemeClr val="tx1"/>
+                </a:solidFill>
+                <a:latin typeface="+mn-lt"/>
+                <a:ea typeface="+mn-ea"/>
+                <a:cs typeface="+mn-cs"/>
+              </a:defRPr>
+            </a:lvl4pPr>
+            <a:lvl5pPr marL="2057400" indent="-228600" algn="l" rtl="0" eaLnBrk="1" fontAlgn="base" hangingPunct="1">
+              <a:spcBef>
+                <a:spcPct val="20000"/>
+              </a:spcBef>
+              <a:spcAft>
+                <a:spcPct val="0"/>
+              </a:spcAft>
+              <a:buFont typeface="Arial" pitchFamily="34" charset="0"/>
+              <a:buChar char="­"/>
+              <a:defRPr sz="1800" kern="1200">
+                <a:solidFill>
+                  <a:schemeClr val="tx1"/>
+                </a:solidFill>
+                <a:latin typeface="+mn-lt"/>
+                <a:ea typeface="+mn-ea"/>
+                <a:cs typeface="+mn-cs"/>
+              </a:defRPr>
+            </a:lvl5pPr>
+            <a:lvl6pPr marL="2514600" indent="-228600" algn="l" defTabSz="914400" rtl="0" eaLnBrk="1" latinLnBrk="0" hangingPunct="1">
+              <a:spcBef>
+                <a:spcPct val="20000"/>
+              </a:spcBef>
+              <a:buFont typeface="Arial" pitchFamily="34" charset="0"/>
+              <a:buChar char="•"/>
+              <a:defRPr sz="2000" kern="1200">
+                <a:solidFill>
+                  <a:schemeClr val="tx1"/>
+                </a:solidFill>
+                <a:latin typeface="+mn-lt"/>
+                <a:ea typeface="+mn-ea"/>
+                <a:cs typeface="+mn-cs"/>
+              </a:defRPr>
+            </a:lvl6pPr>
+            <a:lvl7pPr marL="2971800" indent="-228600" algn="l" defTabSz="914400" rtl="0" eaLnBrk="1" latinLnBrk="0" hangingPunct="1">
+              <a:spcBef>
+                <a:spcPct val="20000"/>
+              </a:spcBef>
+              <a:buFont typeface="Arial" pitchFamily="34" charset="0"/>
+              <a:buChar char="•"/>
+              <a:defRPr sz="2000" kern="1200">
+                <a:solidFill>
+                  <a:schemeClr val="tx1"/>
+                </a:solidFill>
+                <a:latin typeface="+mn-lt"/>
+                <a:ea typeface="+mn-ea"/>
+                <a:cs typeface="+mn-cs"/>
+              </a:defRPr>
+            </a:lvl7pPr>
+            <a:lvl8pPr marL="3429000" indent="-228600" algn="l" defTabSz="914400" rtl="0" eaLnBrk="1" latinLnBrk="0" hangingPunct="1">
+              <a:spcBef>
+                <a:spcPct val="20000"/>
+              </a:spcBef>
+              <a:buFont typeface="Arial" pitchFamily="34" charset="0"/>
+              <a:buChar char="•"/>
+              <a:defRPr sz="2000" kern="1200">
+                <a:solidFill>
+                  <a:schemeClr val="tx1"/>
+                </a:solidFill>
+                <a:latin typeface="+mn-lt"/>
+                <a:ea typeface="+mn-ea"/>
+                <a:cs typeface="+mn-cs"/>
+              </a:defRPr>
+            </a:lvl8pPr>
+            <a:lvl9pPr marL="3886200" indent="-228600" algn="l" defTabSz="914400" rtl="0" eaLnBrk="1" latinLnBrk="0" hangingPunct="1">
+              <a:spcBef>
+                <a:spcPct val="20000"/>
+              </a:spcBef>
+              <a:buFont typeface="Arial" pitchFamily="34" charset="0"/>
+              <a:buChar char="•"/>
+              <a:defRPr sz="2000" kern="1200">
+                <a:solidFill>
+                  <a:schemeClr val="tx1"/>
+                </a:solidFill>
+                <a:latin typeface="+mn-lt"/>
+                <a:ea typeface="+mn-ea"/>
+                <a:cs typeface="+mn-cs"/>
+              </a:defRPr>
+            </a:lvl9pPr>
+          </a:lstStyle>
+          <a:p>
+            <a:r>
+              <a:rPr lang="en-GB" dirty="0"/>
+              <a:t>A true 2D matrix</a:t>
+            </a:r>
+          </a:p>
+          <a:p>
+            <a:pPr lvl="1"/>
+            <a:endParaRPr lang="en-GB" i="1" dirty="0">
+              <a:solidFill>
+                <a:schemeClr val="accent1"/>
+              </a:solidFill>
+            </a:endParaRPr>
+          </a:p>
+          <a:p>
+            <a:pPr lvl="1"/>
+            <a:endParaRPr lang="en-GB" sz="1200" dirty="0"/>
+          </a:p>
+          <a:p>
+            <a:pPr lvl="1"/>
+            <a:endParaRPr lang="en-GB" dirty="0"/>
+          </a:p>
+        </p:txBody>
+      </p:sp>
+      <p:pic>
+        <p:nvPicPr>
+          <p:cNvPr id="24" name="Picture 23">
+            <a:extLst>
+              <a:ext uri="{FF2B5EF4-FFF2-40B4-BE49-F238E27FC236}">
+                <a16:creationId xmlns:a16="http://schemas.microsoft.com/office/drawing/2014/main" id="{455EB208-4DE9-48EF-832B-B81488BF7738}"/>
+              </a:ext>
+            </a:extLst>
+          </p:cNvPr>
+          <p:cNvPicPr>
+            <a:picLocks noChangeAspect="1"/>
+          </p:cNvPicPr>
+          <p:nvPr/>
+        </p:nvPicPr>
+        <p:blipFill>
+          <a:blip r:embed="rId4"/>
+          <a:stretch>
+            <a:fillRect/>
+          </a:stretch>
+        </p:blipFill>
+        <p:spPr>
+          <a:xfrm>
+            <a:off x="8533962" y="3850376"/>
+            <a:ext cx="2804160" cy="2190750"/>
+          </a:xfrm>
+          <a:prstGeom prst="rect">
+            <a:avLst/>
+          </a:prstGeom>
+          <a:ln w="12700">
+            <a:solidFill>
+              <a:srgbClr val="BF2F37"/>
+            </a:solidFill>
+          </a:ln>
+        </p:spPr>
+      </p:pic>
+    </p:spTree>
+    <p:extLst>
+      <p:ext uri="{BB962C8B-B14F-4D97-AF65-F5344CB8AC3E}">
+        <p14:creationId xmlns:p14="http://schemas.microsoft.com/office/powerpoint/2010/main" val="460338814"/>
+      </p:ext>
+    </p:extLst>
+  </p:cSld>
+  <p:clrMapOvr>
+    <a:masterClrMapping/>
+  </p:clrMapOvr>
+  <mc:AlternateContent xmlns:mc="http://schemas.openxmlformats.org/markup-compatibility/2006" xmlns:p14="http://schemas.microsoft.com/office/powerpoint/2010/main">
+    <mc:Choice Requires="p14">
+      <p:transition p14:dur="300">
+        <p:fade/>
+      </p:transition>
+    </mc:Choice>
+    <mc:Fallback xmlns="">
+      <p:transition>
+        <p:fade/>
+      </p:transition>
+    </mc:Fallback>
+  </mc:AlternateContent>
+</p:sld>
+</file>
+
+<file path=ppt/slides/slide17.xml><?xml version="1.0" encoding="utf-8"?>
+<p:sld xmlns:a="http://schemas.openxmlformats.org/drawingml/2006/main" xmlns:r="http://schemas.openxmlformats.org/officeDocument/2006/relationships" xmlns:p="http://schemas.openxmlformats.org/presentationml/2006/main">
+  <p:cSld>
+    <p:spTree>
+      <p:nvGrpSpPr>
+        <p:cNvPr id="1" name=""/>
+        <p:cNvGrpSpPr/>
+        <p:nvPr/>
+      </p:nvGrpSpPr>
+      <p:grpSpPr>
+        <a:xfrm>
+          <a:off x="0" y="0"/>
+          <a:ext cx="0" cy="0"/>
+          <a:chOff x="0" y="0"/>
+          <a:chExt cx="0" cy="0"/>
+        </a:xfrm>
+      </p:grpSpPr>
+      <p:sp>
+        <p:nvSpPr>
+          <p:cNvPr id="2" name="Title 1">
+            <a:extLst>
+              <a:ext uri="{FF2B5EF4-FFF2-40B4-BE49-F238E27FC236}">
+                <a16:creationId xmlns:a16="http://schemas.microsoft.com/office/drawing/2014/main" id="{8B0C5865-E132-43F0-814F-C61B94E5671C}"/>
+              </a:ext>
+            </a:extLst>
+          </p:cNvPr>
+          <p:cNvSpPr>
+            <a:spLocks noGrp="1"/>
+          </p:cNvSpPr>
+          <p:nvPr>
+            <p:ph type="title"/>
+          </p:nvPr>
+        </p:nvSpPr>
+        <p:spPr/>
+        <p:txBody>
+          <a:bodyPr/>
+          <a:lstStyle/>
+          <a:p>
+            <a:r>
+              <a:rPr lang="en-GB" dirty="0"/>
               <a:t>Combining matrices</a:t>
             </a:r>
           </a:p>
@@ -3679,7 +7437,7 @@
 </p:sld>
 </file>
 
-<file path=ppt/slides/slide11.xml><?xml version="1.0" encoding="utf-8"?>
+<file path=ppt/slides/slide18.xml><?xml version="1.0" encoding="utf-8"?>
 <p:sld xmlns:a="http://schemas.openxmlformats.org/drawingml/2006/main" xmlns:r="http://schemas.openxmlformats.org/officeDocument/2006/relationships" xmlns:p="http://schemas.openxmlformats.org/presentationml/2006/main">
   <p:cSld>
     <p:spTree>
@@ -4013,96 +7771,10 @@
       </p:transition>
     </mc:Fallback>
   </mc:AlternateContent>
-  <p:timing>
-    <p:tnLst>
-      <p:par>
-        <p:cTn id="1" dur="indefinite" restart="never" nodeType="tmRoot">
-          <p:childTnLst>
-            <p:seq concurrent="1" nextAc="seek">
-              <p:cTn id="2" dur="indefinite" nodeType="mainSeq">
-                <p:childTnLst>
-                  <p:par>
-                    <p:cTn id="3" fill="hold">
-                      <p:stCondLst>
-                        <p:cond delay="indefinite"/>
-                      </p:stCondLst>
-                      <p:childTnLst>
-                        <p:par>
-                          <p:cTn id="4" fill="hold">
-                            <p:stCondLst>
-                              <p:cond delay="0"/>
-                            </p:stCondLst>
-                            <p:childTnLst>
-                              <p:par>
-                                <p:cTn id="5" presetID="10" presetClass="entr" presetSubtype="0" fill="hold" grpId="0" nodeType="clickEffect">
-                                  <p:stCondLst>
-                                    <p:cond delay="0"/>
-                                  </p:stCondLst>
-                                  <p:childTnLst>
-                                    <p:set>
-                                      <p:cBhvr>
-                                        <p:cTn id="6" dur="1" fill="hold">
-                                          <p:stCondLst>
-                                            <p:cond delay="0"/>
-                                          </p:stCondLst>
-                                        </p:cTn>
-                                        <p:tgtEl>
-                                          <p:spTgt spid="9"/>
-                                        </p:tgtEl>
-                                        <p:attrNameLst>
-                                          <p:attrName>style.visibility</p:attrName>
-                                        </p:attrNameLst>
-                                      </p:cBhvr>
-                                      <p:to>
-                                        <p:strVal val="visible"/>
-                                      </p:to>
-                                    </p:set>
-                                    <p:animEffect transition="in" filter="fade">
-                                      <p:cBhvr>
-                                        <p:cTn id="7" dur="300"/>
-                                        <p:tgtEl>
-                                          <p:spTgt spid="9"/>
-                                        </p:tgtEl>
-                                      </p:cBhvr>
-                                    </p:animEffect>
-                                  </p:childTnLst>
-                                </p:cTn>
-                              </p:par>
-                            </p:childTnLst>
-                          </p:cTn>
-                        </p:par>
-                      </p:childTnLst>
-                    </p:cTn>
-                  </p:par>
-                </p:childTnLst>
-              </p:cTn>
-              <p:prevCondLst>
-                <p:cond evt="onPrev" delay="0">
-                  <p:tgtEl>
-                    <p:sldTgt/>
-                  </p:tgtEl>
-                </p:cond>
-              </p:prevCondLst>
-              <p:nextCondLst>
-                <p:cond evt="onNext" delay="0">
-                  <p:tgtEl>
-                    <p:sldTgt/>
-                  </p:tgtEl>
-                </p:cond>
-              </p:nextCondLst>
-            </p:seq>
-          </p:childTnLst>
-        </p:cTn>
-      </p:par>
-    </p:tnLst>
-    <p:bldLst>
-      <p:bldP spid="9" grpId="0" animBg="1"/>
-    </p:bldLst>
-  </p:timing>
 </p:sld>
 </file>
 
-<file path=ppt/slides/slide12.xml><?xml version="1.0" encoding="utf-8"?>
+<file path=ppt/slides/slide19.xml><?xml version="1.0" encoding="utf-8"?>
 <p:sld xmlns:a="http://schemas.openxmlformats.org/drawingml/2006/main" xmlns:r="http://schemas.openxmlformats.org/officeDocument/2006/relationships" xmlns:p="http://schemas.openxmlformats.org/presentationml/2006/main">
   <p:cSld>
     <p:spTree>
@@ -5020,7 +8692,603 @@
 </p:sld>
 </file>
 
-<file path=ppt/slides/slide13.xml><?xml version="1.0" encoding="utf-8"?>
+<file path=ppt/slides/slide2.xml><?xml version="1.0" encoding="utf-8"?>
+<p:sld xmlns:a="http://schemas.openxmlformats.org/drawingml/2006/main" xmlns:r="http://schemas.openxmlformats.org/officeDocument/2006/relationships" xmlns:p="http://schemas.openxmlformats.org/presentationml/2006/main">
+  <p:cSld>
+    <p:spTree>
+      <p:nvGrpSpPr>
+        <p:cNvPr id="1" name=""/>
+        <p:cNvGrpSpPr/>
+        <p:nvPr/>
+      </p:nvGrpSpPr>
+      <p:grpSpPr>
+        <a:xfrm>
+          <a:off x="0" y="0"/>
+          <a:ext cx="0" cy="0"/>
+          <a:chOff x="0" y="0"/>
+          <a:chExt cx="0" cy="0"/>
+        </a:xfrm>
+      </p:grpSpPr>
+      <p:sp>
+        <p:nvSpPr>
+          <p:cNvPr id="2" name="Title 1">
+            <a:extLst>
+              <a:ext uri="{FF2B5EF4-FFF2-40B4-BE49-F238E27FC236}">
+                <a16:creationId xmlns:a16="http://schemas.microsoft.com/office/drawing/2014/main" id="{98B3C4F8-6083-4C32-A0D4-15ED3BB43F78}"/>
+              </a:ext>
+            </a:extLst>
+          </p:cNvPr>
+          <p:cNvSpPr>
+            <a:spLocks noGrp="1"/>
+          </p:cNvSpPr>
+          <p:nvPr>
+            <p:ph type="title"/>
+          </p:nvPr>
+        </p:nvSpPr>
+        <p:spPr/>
+        <p:txBody>
+          <a:bodyPr/>
+          <a:lstStyle/>
+          <a:p>
+            <a:r>
+              <a:rPr lang="en-GB" dirty="0"/>
+              <a:t>Course structure</a:t>
+            </a:r>
+          </a:p>
+        </p:txBody>
+      </p:sp>
+      <p:sp>
+        <p:nvSpPr>
+          <p:cNvPr id="3" name="Content Placeholder 2">
+            <a:extLst>
+              <a:ext uri="{FF2B5EF4-FFF2-40B4-BE49-F238E27FC236}">
+                <a16:creationId xmlns:a16="http://schemas.microsoft.com/office/drawing/2014/main" id="{71B4E4A7-CBDD-4C3F-9BC8-05BB491F14AB}"/>
+              </a:ext>
+            </a:extLst>
+          </p:cNvPr>
+          <p:cNvSpPr>
+            <a:spLocks noGrp="1"/>
+          </p:cNvSpPr>
+          <p:nvPr>
+            <p:ph idx="1"/>
+          </p:nvPr>
+        </p:nvSpPr>
+        <p:spPr>
+          <a:xfrm>
+            <a:off x="335360" y="1196754"/>
+            <a:ext cx="5760640" cy="4929411"/>
+          </a:xfrm>
+        </p:spPr>
+        <p:txBody>
+          <a:bodyPr/>
+          <a:lstStyle/>
+          <a:p>
+            <a:r>
+              <a:rPr lang="en-GB" sz="2800" dirty="0"/>
+              <a:t>Session 1</a:t>
+            </a:r>
+          </a:p>
+          <a:p>
+            <a:pPr lvl="1"/>
+            <a:r>
+              <a:rPr lang="en-GB" sz="2400" dirty="0"/>
+              <a:t>Introduction to MATLAB</a:t>
+            </a:r>
+          </a:p>
+          <a:p>
+            <a:pPr lvl="1"/>
+            <a:r>
+              <a:rPr lang="en-GB" sz="2400" dirty="0"/>
+              <a:t>Data types</a:t>
+            </a:r>
+          </a:p>
+          <a:p>
+            <a:pPr lvl="1"/>
+            <a:r>
+              <a:rPr lang="en-GB" sz="2400" dirty="0"/>
+              <a:t>Conditional statements and loops</a:t>
+            </a:r>
+          </a:p>
+          <a:p>
+            <a:pPr lvl="1"/>
+            <a:endParaRPr lang="en-GB" sz="2400" dirty="0"/>
+          </a:p>
+          <a:p>
+            <a:pPr lvl="1"/>
+            <a:endParaRPr lang="en-GB" sz="1200" dirty="0"/>
+          </a:p>
+          <a:p>
+            <a:r>
+              <a:rPr lang="en-GB" sz="2800" dirty="0"/>
+              <a:t>Session 3</a:t>
+            </a:r>
+          </a:p>
+          <a:p>
+            <a:pPr lvl="1"/>
+            <a:r>
+              <a:rPr lang="en-GB" sz="2400" dirty="0"/>
+              <a:t>Advanced data structures</a:t>
+            </a:r>
+          </a:p>
+          <a:p>
+            <a:pPr lvl="1"/>
+            <a:r>
+              <a:rPr lang="en-GB" sz="2400" dirty="0"/>
+              <a:t>Advanced image reading (</a:t>
+            </a:r>
+            <a:r>
+              <a:rPr lang="en-GB" sz="2400" dirty="0" err="1"/>
+              <a:t>Bioformats</a:t>
+            </a:r>
+            <a:r>
+              <a:rPr lang="en-GB" sz="2400" dirty="0"/>
+              <a:t>)</a:t>
+            </a:r>
+            <a:endParaRPr lang="en-GB" sz="2000" dirty="0"/>
+          </a:p>
+          <a:p>
+            <a:pPr lvl="1"/>
+            <a:r>
+              <a:rPr lang="en-GB" sz="2400" dirty="0"/>
+              <a:t>Object-oriented programming</a:t>
+            </a:r>
+          </a:p>
+          <a:p>
+            <a:pPr lvl="1"/>
+            <a:endParaRPr lang="en-GB" sz="2400" dirty="0"/>
+          </a:p>
+        </p:txBody>
+      </p:sp>
+      <p:sp>
+        <p:nvSpPr>
+          <p:cNvPr id="4" name="Content Placeholder 2">
+            <a:extLst>
+              <a:ext uri="{FF2B5EF4-FFF2-40B4-BE49-F238E27FC236}">
+                <a16:creationId xmlns:a16="http://schemas.microsoft.com/office/drawing/2014/main" id="{C6368441-D1D8-40DF-8257-0B2FE0BFC97F}"/>
+              </a:ext>
+            </a:extLst>
+          </p:cNvPr>
+          <p:cNvSpPr txBox="1">
+            <a:spLocks/>
+          </p:cNvSpPr>
+          <p:nvPr/>
+        </p:nvSpPr>
+        <p:spPr>
+          <a:xfrm>
+            <a:off x="6096000" y="1196942"/>
+            <a:ext cx="5760640" cy="4929411"/>
+          </a:xfrm>
+          <a:prstGeom prst="rect">
+            <a:avLst/>
+          </a:prstGeom>
+        </p:spPr>
+        <p:txBody>
+          <a:bodyPr/>
+          <a:lstStyle>
+            <a:lvl1pPr marL="342900" indent="-342900" algn="l" rtl="0" eaLnBrk="1" fontAlgn="base" hangingPunct="1">
+              <a:spcBef>
+                <a:spcPct val="20000"/>
+              </a:spcBef>
+              <a:spcAft>
+                <a:spcPct val="0"/>
+              </a:spcAft>
+              <a:buFont typeface="Arial" panose="020B0604020202020204" pitchFamily="34" charset="0"/>
+              <a:buChar char="•"/>
+              <a:defRPr sz="3200" kern="1200">
+                <a:solidFill>
+                  <a:schemeClr val="tx1"/>
+                </a:solidFill>
+                <a:latin typeface="+mn-lt"/>
+                <a:ea typeface="+mn-ea"/>
+                <a:cs typeface="+mn-cs"/>
+              </a:defRPr>
+            </a:lvl1pPr>
+            <a:lvl2pPr marL="742950" indent="-285750" algn="l" rtl="0" eaLnBrk="1" fontAlgn="base" hangingPunct="1">
+              <a:spcBef>
+                <a:spcPct val="20000"/>
+              </a:spcBef>
+              <a:spcAft>
+                <a:spcPct val="0"/>
+              </a:spcAft>
+              <a:buFont typeface="Arial" panose="020B0604020202020204" pitchFamily="34" charset="0"/>
+              <a:buChar char="•"/>
+              <a:defRPr sz="2800" kern="1200">
+                <a:solidFill>
+                  <a:srgbClr val="BF2F37"/>
+                </a:solidFill>
+                <a:latin typeface="+mn-lt"/>
+                <a:ea typeface="+mn-ea"/>
+                <a:cs typeface="+mn-cs"/>
+              </a:defRPr>
+            </a:lvl2pPr>
+            <a:lvl3pPr marL="1143000" indent="-228600" algn="l" rtl="0" eaLnBrk="1" fontAlgn="base" hangingPunct="1">
+              <a:spcBef>
+                <a:spcPct val="20000"/>
+              </a:spcBef>
+              <a:spcAft>
+                <a:spcPct val="0"/>
+              </a:spcAft>
+              <a:buFont typeface="Arial" panose="020B0604020202020204" pitchFamily="34" charset="0"/>
+              <a:buChar char="•"/>
+              <a:defRPr sz="2400" kern="1200">
+                <a:solidFill>
+                  <a:schemeClr val="tx1"/>
+                </a:solidFill>
+                <a:latin typeface="+mn-lt"/>
+                <a:ea typeface="+mn-ea"/>
+                <a:cs typeface="+mn-cs"/>
+              </a:defRPr>
+            </a:lvl3pPr>
+            <a:lvl4pPr marL="1600200" indent="-228600" algn="l" rtl="0" eaLnBrk="1" fontAlgn="base" hangingPunct="1">
+              <a:spcBef>
+                <a:spcPct val="20000"/>
+              </a:spcBef>
+              <a:spcAft>
+                <a:spcPct val="0"/>
+              </a:spcAft>
+              <a:buFont typeface="Arial" panose="020B0604020202020204" pitchFamily="34" charset="0"/>
+              <a:buChar char="–"/>
+              <a:defRPr sz="2000" kern="1200">
+                <a:solidFill>
+                  <a:schemeClr val="tx1"/>
+                </a:solidFill>
+                <a:latin typeface="+mn-lt"/>
+                <a:ea typeface="+mn-ea"/>
+                <a:cs typeface="+mn-cs"/>
+              </a:defRPr>
+            </a:lvl4pPr>
+            <a:lvl5pPr marL="2057400" indent="-228600" algn="l" rtl="0" eaLnBrk="1" fontAlgn="base" hangingPunct="1">
+              <a:spcBef>
+                <a:spcPct val="20000"/>
+              </a:spcBef>
+              <a:spcAft>
+                <a:spcPct val="0"/>
+              </a:spcAft>
+              <a:buFont typeface="Arial" pitchFamily="34" charset="0"/>
+              <a:buChar char="­"/>
+              <a:defRPr sz="2000" kern="1200">
+                <a:solidFill>
+                  <a:schemeClr val="tx1"/>
+                </a:solidFill>
+                <a:latin typeface="+mn-lt"/>
+                <a:ea typeface="+mn-ea"/>
+                <a:cs typeface="+mn-cs"/>
+              </a:defRPr>
+            </a:lvl5pPr>
+            <a:lvl6pPr marL="2514600" indent="-228600" algn="l" defTabSz="914400" rtl="0" eaLnBrk="1" latinLnBrk="0" hangingPunct="1">
+              <a:spcBef>
+                <a:spcPct val="20000"/>
+              </a:spcBef>
+              <a:buFont typeface="Arial" pitchFamily="34" charset="0"/>
+              <a:buChar char="•"/>
+              <a:defRPr sz="2000" kern="1200">
+                <a:solidFill>
+                  <a:schemeClr val="tx1"/>
+                </a:solidFill>
+                <a:latin typeface="+mn-lt"/>
+                <a:ea typeface="+mn-ea"/>
+                <a:cs typeface="+mn-cs"/>
+              </a:defRPr>
+            </a:lvl6pPr>
+            <a:lvl7pPr marL="2971800" indent="-228600" algn="l" defTabSz="914400" rtl="0" eaLnBrk="1" latinLnBrk="0" hangingPunct="1">
+              <a:spcBef>
+                <a:spcPct val="20000"/>
+              </a:spcBef>
+              <a:buFont typeface="Arial" pitchFamily="34" charset="0"/>
+              <a:buChar char="•"/>
+              <a:defRPr sz="2000" kern="1200">
+                <a:solidFill>
+                  <a:schemeClr val="tx1"/>
+                </a:solidFill>
+                <a:latin typeface="+mn-lt"/>
+                <a:ea typeface="+mn-ea"/>
+                <a:cs typeface="+mn-cs"/>
+              </a:defRPr>
+            </a:lvl7pPr>
+            <a:lvl8pPr marL="3429000" indent="-228600" algn="l" defTabSz="914400" rtl="0" eaLnBrk="1" latinLnBrk="0" hangingPunct="1">
+              <a:spcBef>
+                <a:spcPct val="20000"/>
+              </a:spcBef>
+              <a:buFont typeface="Arial" pitchFamily="34" charset="0"/>
+              <a:buChar char="•"/>
+              <a:defRPr sz="2000" kern="1200">
+                <a:solidFill>
+                  <a:schemeClr val="tx1"/>
+                </a:solidFill>
+                <a:latin typeface="+mn-lt"/>
+                <a:ea typeface="+mn-ea"/>
+                <a:cs typeface="+mn-cs"/>
+              </a:defRPr>
+            </a:lvl8pPr>
+            <a:lvl9pPr marL="3886200" indent="-228600" algn="l" defTabSz="914400" rtl="0" eaLnBrk="1" latinLnBrk="0" hangingPunct="1">
+              <a:spcBef>
+                <a:spcPct val="20000"/>
+              </a:spcBef>
+              <a:buFont typeface="Arial" pitchFamily="34" charset="0"/>
+              <a:buChar char="•"/>
+              <a:defRPr sz="2000" kern="1200">
+                <a:solidFill>
+                  <a:schemeClr val="tx1"/>
+                </a:solidFill>
+                <a:latin typeface="+mn-lt"/>
+                <a:ea typeface="+mn-ea"/>
+                <a:cs typeface="+mn-cs"/>
+              </a:defRPr>
+            </a:lvl9pPr>
+          </a:lstStyle>
+          <a:p>
+            <a:r>
+              <a:rPr lang="en-GB" sz="2800" dirty="0"/>
+              <a:t>Session 2</a:t>
+            </a:r>
+          </a:p>
+          <a:p>
+            <a:pPr lvl="1"/>
+            <a:r>
+              <a:rPr lang="en-GB" sz="2400" dirty="0"/>
+              <a:t>Matrix operations</a:t>
+            </a:r>
+          </a:p>
+          <a:p>
+            <a:pPr lvl="1"/>
+            <a:r>
+              <a:rPr lang="en-GB" sz="2400" dirty="0"/>
+              <a:t>Image processing</a:t>
+            </a:r>
+          </a:p>
+          <a:p>
+            <a:pPr lvl="1"/>
+            <a:endParaRPr lang="en-GB" sz="2400" dirty="0"/>
+          </a:p>
+          <a:p>
+            <a:pPr lvl="1"/>
+            <a:endParaRPr lang="en-GB" sz="2400" dirty="0"/>
+          </a:p>
+          <a:p>
+            <a:pPr lvl="1"/>
+            <a:endParaRPr lang="en-GB" sz="1200" dirty="0"/>
+          </a:p>
+          <a:p>
+            <a:r>
+              <a:rPr lang="en-GB" sz="2800" dirty="0"/>
+              <a:t>Session 4</a:t>
+            </a:r>
+          </a:p>
+          <a:p>
+            <a:pPr lvl="1"/>
+            <a:r>
+              <a:rPr lang="en-GB" sz="2400" dirty="0"/>
+              <a:t>Figures and plotting</a:t>
+            </a:r>
+          </a:p>
+          <a:p>
+            <a:pPr lvl="1"/>
+            <a:r>
+              <a:rPr lang="en-GB" sz="2400" dirty="0"/>
+              <a:t>Designing a user interface</a:t>
+            </a:r>
+          </a:p>
+          <a:p>
+            <a:pPr lvl="1"/>
+            <a:endParaRPr lang="en-GB" sz="2400" dirty="0"/>
+          </a:p>
+          <a:p>
+            <a:pPr lvl="1"/>
+            <a:endParaRPr lang="en-GB" sz="2400" dirty="0"/>
+          </a:p>
+        </p:txBody>
+      </p:sp>
+      <p:sp>
+        <p:nvSpPr>
+          <p:cNvPr id="5" name="Content Placeholder 2">
+            <a:extLst>
+              <a:ext uri="{FF2B5EF4-FFF2-40B4-BE49-F238E27FC236}">
+                <a16:creationId xmlns:a16="http://schemas.microsoft.com/office/drawing/2014/main" id="{745436AD-830D-4C1D-80FA-646A4CAA0142}"/>
+              </a:ext>
+            </a:extLst>
+          </p:cNvPr>
+          <p:cNvSpPr txBox="1">
+            <a:spLocks/>
+          </p:cNvSpPr>
+          <p:nvPr/>
+        </p:nvSpPr>
+        <p:spPr>
+          <a:xfrm>
+            <a:off x="7341201" y="5060757"/>
+            <a:ext cx="4431297" cy="535461"/>
+          </a:xfrm>
+          <a:prstGeom prst="rect">
+            <a:avLst/>
+          </a:prstGeom>
+        </p:spPr>
+        <p:txBody>
+          <a:bodyPr/>
+          <a:lstStyle>
+            <a:lvl1pPr marL="342900" indent="-342900" algn="l" rtl="0" eaLnBrk="1" fontAlgn="base" hangingPunct="1">
+              <a:spcBef>
+                <a:spcPct val="20000"/>
+              </a:spcBef>
+              <a:spcAft>
+                <a:spcPct val="0"/>
+              </a:spcAft>
+              <a:buFont typeface="Arial" panose="020B0604020202020204" pitchFamily="34" charset="0"/>
+              <a:buChar char="•"/>
+              <a:defRPr sz="3200" kern="1200">
+                <a:solidFill>
+                  <a:schemeClr val="tx1"/>
+                </a:solidFill>
+                <a:latin typeface="+mn-lt"/>
+                <a:ea typeface="+mn-ea"/>
+                <a:cs typeface="+mn-cs"/>
+              </a:defRPr>
+            </a:lvl1pPr>
+            <a:lvl2pPr marL="742950" indent="-285750" algn="l" rtl="0" eaLnBrk="1" fontAlgn="base" hangingPunct="1">
+              <a:spcBef>
+                <a:spcPct val="20000"/>
+              </a:spcBef>
+              <a:spcAft>
+                <a:spcPct val="0"/>
+              </a:spcAft>
+              <a:buFont typeface="Arial" panose="020B0604020202020204" pitchFamily="34" charset="0"/>
+              <a:buChar char="•"/>
+              <a:defRPr sz="2800" kern="1200">
+                <a:solidFill>
+                  <a:srgbClr val="BF2F37"/>
+                </a:solidFill>
+                <a:latin typeface="+mn-lt"/>
+                <a:ea typeface="+mn-ea"/>
+                <a:cs typeface="+mn-cs"/>
+              </a:defRPr>
+            </a:lvl2pPr>
+            <a:lvl3pPr marL="1143000" indent="-228600" algn="l" rtl="0" eaLnBrk="1" fontAlgn="base" hangingPunct="1">
+              <a:spcBef>
+                <a:spcPct val="20000"/>
+              </a:spcBef>
+              <a:spcAft>
+                <a:spcPct val="0"/>
+              </a:spcAft>
+              <a:buFont typeface="Arial" panose="020B0604020202020204" pitchFamily="34" charset="0"/>
+              <a:buChar char="•"/>
+              <a:defRPr sz="2400" kern="1200">
+                <a:solidFill>
+                  <a:schemeClr val="tx1"/>
+                </a:solidFill>
+                <a:latin typeface="+mn-lt"/>
+                <a:ea typeface="+mn-ea"/>
+                <a:cs typeface="+mn-cs"/>
+              </a:defRPr>
+            </a:lvl3pPr>
+            <a:lvl4pPr marL="1600200" indent="-228600" algn="l" rtl="0" eaLnBrk="1" fontAlgn="base" hangingPunct="1">
+              <a:spcBef>
+                <a:spcPct val="20000"/>
+              </a:spcBef>
+              <a:spcAft>
+                <a:spcPct val="0"/>
+              </a:spcAft>
+              <a:buFont typeface="Arial" panose="020B0604020202020204" pitchFamily="34" charset="0"/>
+              <a:buChar char="–"/>
+              <a:defRPr sz="2000" kern="1200">
+                <a:solidFill>
+                  <a:schemeClr val="tx1"/>
+                </a:solidFill>
+                <a:latin typeface="+mn-lt"/>
+                <a:ea typeface="+mn-ea"/>
+                <a:cs typeface="+mn-cs"/>
+              </a:defRPr>
+            </a:lvl4pPr>
+            <a:lvl5pPr marL="2057400" indent="-228600" algn="l" rtl="0" eaLnBrk="1" fontAlgn="base" hangingPunct="1">
+              <a:spcBef>
+                <a:spcPct val="20000"/>
+              </a:spcBef>
+              <a:spcAft>
+                <a:spcPct val="0"/>
+              </a:spcAft>
+              <a:buFont typeface="Arial" pitchFamily="34" charset="0"/>
+              <a:buChar char="­"/>
+              <a:defRPr sz="2000" kern="1200">
+                <a:solidFill>
+                  <a:schemeClr val="tx1"/>
+                </a:solidFill>
+                <a:latin typeface="+mn-lt"/>
+                <a:ea typeface="+mn-ea"/>
+                <a:cs typeface="+mn-cs"/>
+              </a:defRPr>
+            </a:lvl5pPr>
+            <a:lvl6pPr marL="2514600" indent="-228600" algn="l" defTabSz="914400" rtl="0" eaLnBrk="1" latinLnBrk="0" hangingPunct="1">
+              <a:spcBef>
+                <a:spcPct val="20000"/>
+              </a:spcBef>
+              <a:buFont typeface="Arial" pitchFamily="34" charset="0"/>
+              <a:buChar char="•"/>
+              <a:defRPr sz="2000" kern="1200">
+                <a:solidFill>
+                  <a:schemeClr val="tx1"/>
+                </a:solidFill>
+                <a:latin typeface="+mn-lt"/>
+                <a:ea typeface="+mn-ea"/>
+                <a:cs typeface="+mn-cs"/>
+              </a:defRPr>
+            </a:lvl6pPr>
+            <a:lvl7pPr marL="2971800" indent="-228600" algn="l" defTabSz="914400" rtl="0" eaLnBrk="1" latinLnBrk="0" hangingPunct="1">
+              <a:spcBef>
+                <a:spcPct val="20000"/>
+              </a:spcBef>
+              <a:buFont typeface="Arial" pitchFamily="34" charset="0"/>
+              <a:buChar char="•"/>
+              <a:defRPr sz="2000" kern="1200">
+                <a:solidFill>
+                  <a:schemeClr val="tx1"/>
+                </a:solidFill>
+                <a:latin typeface="+mn-lt"/>
+                <a:ea typeface="+mn-ea"/>
+                <a:cs typeface="+mn-cs"/>
+              </a:defRPr>
+            </a:lvl7pPr>
+            <a:lvl8pPr marL="3429000" indent="-228600" algn="l" defTabSz="914400" rtl="0" eaLnBrk="1" latinLnBrk="0" hangingPunct="1">
+              <a:spcBef>
+                <a:spcPct val="20000"/>
+              </a:spcBef>
+              <a:buFont typeface="Arial" pitchFamily="34" charset="0"/>
+              <a:buChar char="•"/>
+              <a:defRPr sz="2000" kern="1200">
+                <a:solidFill>
+                  <a:schemeClr val="tx1"/>
+                </a:solidFill>
+                <a:latin typeface="+mn-lt"/>
+                <a:ea typeface="+mn-ea"/>
+                <a:cs typeface="+mn-cs"/>
+              </a:defRPr>
+            </a:lvl8pPr>
+            <a:lvl9pPr marL="3886200" indent="-228600" algn="l" defTabSz="914400" rtl="0" eaLnBrk="1" latinLnBrk="0" hangingPunct="1">
+              <a:spcBef>
+                <a:spcPct val="20000"/>
+              </a:spcBef>
+              <a:buFont typeface="Arial" pitchFamily="34" charset="0"/>
+              <a:buChar char="•"/>
+              <a:defRPr sz="2000" kern="1200">
+                <a:solidFill>
+                  <a:schemeClr val="tx1"/>
+                </a:solidFill>
+                <a:latin typeface="+mn-lt"/>
+                <a:ea typeface="+mn-ea"/>
+                <a:cs typeface="+mn-cs"/>
+              </a:defRPr>
+            </a:lvl9pPr>
+          </a:lstStyle>
+          <a:p>
+            <a:pPr marL="0" indent="0">
+              <a:buNone/>
+            </a:pPr>
+            <a:endParaRPr lang="en-GB" sz="2400" dirty="0"/>
+          </a:p>
+        </p:txBody>
+      </p:sp>
+    </p:spTree>
+    <p:extLst>
+      <p:ext uri="{BB962C8B-B14F-4D97-AF65-F5344CB8AC3E}">
+        <p14:creationId xmlns:p14="http://schemas.microsoft.com/office/powerpoint/2010/main" val="844134463"/>
+      </p:ext>
+    </p:extLst>
+  </p:cSld>
+  <p:clrMapOvr>
+    <a:masterClrMapping/>
+  </p:clrMapOvr>
+  <mc:AlternateContent xmlns:mc="http://schemas.openxmlformats.org/markup-compatibility/2006" xmlns:p14="http://schemas.microsoft.com/office/powerpoint/2010/main">
+    <mc:Choice Requires="p14">
+      <p:transition p14:dur="300">
+        <p:fade/>
+      </p:transition>
+    </mc:Choice>
+    <mc:Fallback xmlns="">
+      <p:transition>
+        <p:fade/>
+      </p:transition>
+    </mc:Fallback>
+  </mc:AlternateContent>
+</p:sld>
+</file>
+
+<file path=ppt/slides/slide20.xml><?xml version="1.0" encoding="utf-8"?>
 <p:sld xmlns:a="http://schemas.openxmlformats.org/drawingml/2006/main" xmlns:r="http://schemas.openxmlformats.org/officeDocument/2006/relationships" xmlns:p="http://schemas.openxmlformats.org/presentationml/2006/main">
   <p:cSld>
     <p:spTree>
@@ -5666,7 +9934,7 @@
 </p:sld>
 </file>
 
-<file path=ppt/slides/slide14.xml><?xml version="1.0" encoding="utf-8"?>
+<file path=ppt/slides/slide21.xml><?xml version="1.0" encoding="utf-8"?>
 <p:sld xmlns:a="http://schemas.openxmlformats.org/drawingml/2006/main" xmlns:r="http://schemas.openxmlformats.org/officeDocument/2006/relationships" xmlns:p="http://schemas.openxmlformats.org/presentationml/2006/main">
   <p:cSld>
     <p:spTree>
@@ -6475,7 +10743,7 @@
 </p:sld>
 </file>
 
-<file path=ppt/slides/slide15.xml><?xml version="1.0" encoding="utf-8"?>
+<file path=ppt/slides/slide22.xml><?xml version="1.0" encoding="utf-8"?>
 <p:sld xmlns:a="http://schemas.openxmlformats.org/drawingml/2006/main" xmlns:r="http://schemas.openxmlformats.org/officeDocument/2006/relationships" xmlns:p="http://schemas.openxmlformats.org/presentationml/2006/main">
   <p:cSld>
     <p:spTree>
@@ -6681,7 +10949,7 @@
 </p:sld>
 </file>
 
-<file path=ppt/slides/slide16.xml><?xml version="1.0" encoding="utf-8"?>
+<file path=ppt/slides/slide23.xml><?xml version="1.0" encoding="utf-8"?>
 <p:sld xmlns:a="http://schemas.openxmlformats.org/drawingml/2006/main" xmlns:r="http://schemas.openxmlformats.org/officeDocument/2006/relationships" xmlns:p="http://schemas.openxmlformats.org/presentationml/2006/main">
   <p:cSld>
     <p:spTree>
@@ -8068,7 +12336,7 @@
 </p:sld>
 </file>
 
-<file path=ppt/slides/slide17.xml><?xml version="1.0" encoding="utf-8"?>
+<file path=ppt/slides/slide24.xml><?xml version="1.0" encoding="utf-8"?>
 <p:sld xmlns:a="http://schemas.openxmlformats.org/drawingml/2006/main" xmlns:r="http://schemas.openxmlformats.org/officeDocument/2006/relationships" xmlns:p="http://schemas.openxmlformats.org/presentationml/2006/main">
   <p:cSld>
     <p:spTree>
@@ -8680,7 +12948,7 @@
 </p:sld>
 </file>
 
-<file path=ppt/slides/slide18.xml><?xml version="1.0" encoding="utf-8"?>
+<file path=ppt/slides/slide25.xml><?xml version="1.0" encoding="utf-8"?>
 <p:sld xmlns:a="http://schemas.openxmlformats.org/drawingml/2006/main" xmlns:r="http://schemas.openxmlformats.org/officeDocument/2006/relationships" xmlns:p="http://schemas.openxmlformats.org/presentationml/2006/main">
   <p:cSld>
     <p:spTree>
@@ -8862,7 +13130,7 @@
 </p:sld>
 </file>
 
-<file path=ppt/slides/slide19.xml><?xml version="1.0" encoding="utf-8"?>
+<file path=ppt/slides/slide26.xml><?xml version="1.0" encoding="utf-8"?>
 <p:sld xmlns:a="http://schemas.openxmlformats.org/drawingml/2006/main" xmlns:r="http://schemas.openxmlformats.org/officeDocument/2006/relationships" xmlns:p="http://schemas.openxmlformats.org/presentationml/2006/main">
   <p:cSld>
     <p:spTree>
@@ -9164,7 +13432,7 @@
 </p:sld>
 </file>
 
-<file path=ppt/slides/slide2.xml><?xml version="1.0" encoding="utf-8"?>
+<file path=ppt/slides/slide27.xml><?xml version="1.0" encoding="utf-8"?>
 <p:sld xmlns:a="http://schemas.openxmlformats.org/drawingml/2006/main" xmlns:r="http://schemas.openxmlformats.org/officeDocument/2006/relationships" xmlns:p="http://schemas.openxmlformats.org/presentationml/2006/main">
   <p:cSld>
     <p:spTree>
@@ -9186,7 +13454,7 @@
           <p:cNvPr id="2" name="Title 1">
             <a:extLst>
               <a:ext uri="{FF2B5EF4-FFF2-40B4-BE49-F238E27FC236}">
-                <a16:creationId xmlns:a16="http://schemas.microsoft.com/office/drawing/2014/main" id="{98B3C4F8-6083-4C32-A0D4-15ED3BB43F78}"/>
+                <a16:creationId xmlns:a16="http://schemas.microsoft.com/office/drawing/2014/main" id="{8EEF9218-B50A-424A-A99D-57BA08F4A8E3}"/>
               </a:ext>
             </a:extLst>
           </p:cNvPr>
@@ -9202,543 +13470,59 @@
           <a:bodyPr/>
           <a:lstStyle/>
           <a:p>
-            <a:r>
-              <a:rPr lang="en-GB" dirty="0"/>
-              <a:t>Course structure</a:t>
-            </a:r>
+            <a:endParaRPr lang="en-GB" dirty="0"/>
           </a:p>
         </p:txBody>
       </p:sp>
       <p:sp>
         <p:nvSpPr>
-          <p:cNvPr id="3" name="Content Placeholder 2">
+          <p:cNvPr id="4" name="TextBox 3">
             <a:extLst>
               <a:ext uri="{FF2B5EF4-FFF2-40B4-BE49-F238E27FC236}">
-                <a16:creationId xmlns:a16="http://schemas.microsoft.com/office/drawing/2014/main" id="{71B4E4A7-CBDD-4C3F-9BC8-05BB491F14AB}"/>
+                <a16:creationId xmlns:a16="http://schemas.microsoft.com/office/drawing/2014/main" id="{31426854-EE0B-4A5A-AC6D-2BF50C4B1D90}"/>
               </a:ext>
             </a:extLst>
           </p:cNvPr>
-          <p:cNvSpPr>
-            <a:spLocks noGrp="1"/>
-          </p:cNvSpPr>
-          <p:nvPr>
-            <p:ph idx="1"/>
-          </p:nvPr>
-        </p:nvSpPr>
-        <p:spPr>
-          <a:xfrm>
-            <a:off x="335360" y="1196754"/>
-            <a:ext cx="5760640" cy="4929411"/>
-          </a:xfrm>
-        </p:spPr>
-        <p:txBody>
-          <a:bodyPr/>
-          <a:lstStyle/>
-          <a:p>
-            <a:r>
-              <a:rPr lang="en-GB" sz="2800" dirty="0"/>
-              <a:t>Session 1</a:t>
-            </a:r>
-          </a:p>
-          <a:p>
-            <a:pPr lvl="1"/>
-            <a:r>
-              <a:rPr lang="en-GB" sz="2400" dirty="0"/>
-              <a:t>Introduction to MATLAB</a:t>
-            </a:r>
-          </a:p>
-          <a:p>
-            <a:pPr lvl="1"/>
-            <a:r>
-              <a:rPr lang="en-GB" sz="2400" dirty="0"/>
-              <a:t>Data types</a:t>
-            </a:r>
-          </a:p>
-          <a:p>
-            <a:pPr lvl="1"/>
-            <a:r>
-              <a:rPr lang="en-GB" sz="2400" dirty="0"/>
-              <a:t>Conditional statements and loops</a:t>
-            </a:r>
-          </a:p>
-          <a:p>
-            <a:pPr lvl="1"/>
-            <a:endParaRPr lang="en-GB" sz="2400" dirty="0"/>
-          </a:p>
-          <a:p>
-            <a:pPr lvl="1"/>
-            <a:endParaRPr lang="en-GB" sz="1200" dirty="0"/>
-          </a:p>
-          <a:p>
-            <a:r>
-              <a:rPr lang="en-GB" sz="2800" dirty="0"/>
-              <a:t>Session 3</a:t>
-            </a:r>
-          </a:p>
-          <a:p>
-            <a:pPr lvl="1"/>
-            <a:r>
-              <a:rPr lang="en-GB" sz="2400" dirty="0"/>
-              <a:t>Advanced data structures</a:t>
-            </a:r>
-          </a:p>
-          <a:p>
-            <a:pPr lvl="1"/>
-            <a:r>
-              <a:rPr lang="en-GB" sz="2400" dirty="0"/>
-              <a:t>Advanced image reading (</a:t>
-            </a:r>
-            <a:r>
-              <a:rPr lang="en-GB" sz="2400" dirty="0" err="1"/>
-              <a:t>Bioformats</a:t>
-            </a:r>
-            <a:r>
-              <a:rPr lang="en-GB" sz="2400" dirty="0"/>
-              <a:t>)</a:t>
-            </a:r>
-            <a:endParaRPr lang="en-GB" sz="2000" dirty="0"/>
-          </a:p>
-          <a:p>
-            <a:pPr lvl="1"/>
-            <a:r>
-              <a:rPr lang="en-GB" sz="2400" dirty="0"/>
-              <a:t>Object-oriented programming</a:t>
-            </a:r>
-          </a:p>
-          <a:p>
-            <a:pPr lvl="1"/>
-            <a:endParaRPr lang="en-GB" sz="2400" dirty="0"/>
-          </a:p>
-        </p:txBody>
-      </p:sp>
-      <p:sp>
-        <p:nvSpPr>
-          <p:cNvPr id="4" name="Content Placeholder 2">
-            <a:extLst>
-              <a:ext uri="{FF2B5EF4-FFF2-40B4-BE49-F238E27FC236}">
-                <a16:creationId xmlns:a16="http://schemas.microsoft.com/office/drawing/2014/main" id="{C6368441-D1D8-40DF-8257-0B2FE0BFC97F}"/>
-              </a:ext>
-            </a:extLst>
-          </p:cNvPr>
-          <p:cNvSpPr txBox="1">
-            <a:spLocks/>
-          </p:cNvSpPr>
+          <p:cNvSpPr txBox="1"/>
           <p:nvPr/>
         </p:nvSpPr>
         <p:spPr>
           <a:xfrm>
-            <a:off x="6096000" y="1196942"/>
-            <a:ext cx="5760640" cy="4929411"/>
+            <a:off x="2052408" y="3136612"/>
+            <a:ext cx="8087183" cy="584775"/>
           </a:xfrm>
           <a:prstGeom prst="rect">
             <a:avLst/>
           </a:prstGeom>
+          <a:noFill/>
         </p:spPr>
         <p:txBody>
-          <a:bodyPr/>
-          <a:lstStyle>
-            <a:lvl1pPr marL="342900" indent="-342900" algn="l" rtl="0" eaLnBrk="1" fontAlgn="base" hangingPunct="1">
-              <a:spcBef>
-                <a:spcPct val="20000"/>
-              </a:spcBef>
-              <a:spcAft>
-                <a:spcPct val="0"/>
-              </a:spcAft>
-              <a:buFont typeface="Arial" panose="020B0604020202020204" pitchFamily="34" charset="0"/>
-              <a:buChar char="•"/>
-              <a:defRPr sz="3200" kern="1200">
+          <a:bodyPr wrap="square" rtlCol="0">
+            <a:spAutoFit/>
+          </a:bodyPr>
+          <a:lstStyle/>
+          <a:p>
+            <a:pPr algn="ctr"/>
+            <a:r>
+              <a:rPr lang="en-GB" sz="3200" dirty="0">
                 <a:solidFill>
                   <a:schemeClr val="tx1"/>
                 </a:solidFill>
-                <a:latin typeface="+mn-lt"/>
-                <a:ea typeface="+mn-ea"/>
-                <a:cs typeface="+mn-cs"/>
-              </a:defRPr>
-            </a:lvl1pPr>
-            <a:lvl2pPr marL="742950" indent="-285750" algn="l" rtl="0" eaLnBrk="1" fontAlgn="base" hangingPunct="1">
-              <a:spcBef>
-                <a:spcPct val="20000"/>
-              </a:spcBef>
-              <a:spcAft>
-                <a:spcPct val="0"/>
-              </a:spcAft>
-              <a:buFont typeface="Arial" panose="020B0604020202020204" pitchFamily="34" charset="0"/>
-              <a:buChar char="•"/>
-              <a:defRPr sz="2800" kern="1200">
-                <a:solidFill>
-                  <a:srgbClr val="BF2F37"/>
-                </a:solidFill>
-                <a:latin typeface="+mn-lt"/>
-                <a:ea typeface="+mn-ea"/>
-                <a:cs typeface="+mn-cs"/>
-              </a:defRPr>
-            </a:lvl2pPr>
-            <a:lvl3pPr marL="1143000" indent="-228600" algn="l" rtl="0" eaLnBrk="1" fontAlgn="base" hangingPunct="1">
-              <a:spcBef>
-                <a:spcPct val="20000"/>
-              </a:spcBef>
-              <a:spcAft>
-                <a:spcPct val="0"/>
-              </a:spcAft>
-              <a:buFont typeface="Arial" panose="020B0604020202020204" pitchFamily="34" charset="0"/>
-              <a:buChar char="•"/>
-              <a:defRPr sz="2400" kern="1200">
-                <a:solidFill>
-                  <a:schemeClr val="tx1"/>
-                </a:solidFill>
-                <a:latin typeface="+mn-lt"/>
-                <a:ea typeface="+mn-ea"/>
-                <a:cs typeface="+mn-cs"/>
-              </a:defRPr>
-            </a:lvl3pPr>
-            <a:lvl4pPr marL="1600200" indent="-228600" algn="l" rtl="0" eaLnBrk="1" fontAlgn="base" hangingPunct="1">
-              <a:spcBef>
-                <a:spcPct val="20000"/>
-              </a:spcBef>
-              <a:spcAft>
-                <a:spcPct val="0"/>
-              </a:spcAft>
-              <a:buFont typeface="Arial" panose="020B0604020202020204" pitchFamily="34" charset="0"/>
-              <a:buChar char="–"/>
-              <a:defRPr sz="2000" kern="1200">
-                <a:solidFill>
-                  <a:schemeClr val="tx1"/>
-                </a:solidFill>
-                <a:latin typeface="+mn-lt"/>
-                <a:ea typeface="+mn-ea"/>
-                <a:cs typeface="+mn-cs"/>
-              </a:defRPr>
-            </a:lvl4pPr>
-            <a:lvl5pPr marL="2057400" indent="-228600" algn="l" rtl="0" eaLnBrk="1" fontAlgn="base" hangingPunct="1">
-              <a:spcBef>
-                <a:spcPct val="20000"/>
-              </a:spcBef>
-              <a:spcAft>
-                <a:spcPct val="0"/>
-              </a:spcAft>
-              <a:buFont typeface="Arial" pitchFamily="34" charset="0"/>
-              <a:buChar char="­"/>
-              <a:defRPr sz="2000" kern="1200">
-                <a:solidFill>
-                  <a:schemeClr val="tx1"/>
-                </a:solidFill>
-                <a:latin typeface="+mn-lt"/>
-                <a:ea typeface="+mn-ea"/>
-                <a:cs typeface="+mn-cs"/>
-              </a:defRPr>
-            </a:lvl5pPr>
-            <a:lvl6pPr marL="2514600" indent="-228600" algn="l" defTabSz="914400" rtl="0" eaLnBrk="1" latinLnBrk="0" hangingPunct="1">
-              <a:spcBef>
-                <a:spcPct val="20000"/>
-              </a:spcBef>
-              <a:buFont typeface="Arial" pitchFamily="34" charset="0"/>
-              <a:buChar char="•"/>
-              <a:defRPr sz="2000" kern="1200">
-                <a:solidFill>
-                  <a:schemeClr val="tx1"/>
-                </a:solidFill>
-                <a:latin typeface="+mn-lt"/>
-                <a:ea typeface="+mn-ea"/>
-                <a:cs typeface="+mn-cs"/>
-              </a:defRPr>
-            </a:lvl6pPr>
-            <a:lvl7pPr marL="2971800" indent="-228600" algn="l" defTabSz="914400" rtl="0" eaLnBrk="1" latinLnBrk="0" hangingPunct="1">
-              <a:spcBef>
-                <a:spcPct val="20000"/>
-              </a:spcBef>
-              <a:buFont typeface="Arial" pitchFamily="34" charset="0"/>
-              <a:buChar char="•"/>
-              <a:defRPr sz="2000" kern="1200">
-                <a:solidFill>
-                  <a:schemeClr val="tx1"/>
-                </a:solidFill>
-                <a:latin typeface="+mn-lt"/>
-                <a:ea typeface="+mn-ea"/>
-                <a:cs typeface="+mn-cs"/>
-              </a:defRPr>
-            </a:lvl7pPr>
-            <a:lvl8pPr marL="3429000" indent="-228600" algn="l" defTabSz="914400" rtl="0" eaLnBrk="1" latinLnBrk="0" hangingPunct="1">
-              <a:spcBef>
-                <a:spcPct val="20000"/>
-              </a:spcBef>
-              <a:buFont typeface="Arial" pitchFamily="34" charset="0"/>
-              <a:buChar char="•"/>
-              <a:defRPr sz="2000" kern="1200">
-                <a:solidFill>
-                  <a:schemeClr val="tx1"/>
-                </a:solidFill>
-                <a:latin typeface="+mn-lt"/>
-                <a:ea typeface="+mn-ea"/>
-                <a:cs typeface="+mn-cs"/>
-              </a:defRPr>
-            </a:lvl8pPr>
-            <a:lvl9pPr marL="3886200" indent="-228600" algn="l" defTabSz="914400" rtl="0" eaLnBrk="1" latinLnBrk="0" hangingPunct="1">
-              <a:spcBef>
-                <a:spcPct val="20000"/>
-              </a:spcBef>
-              <a:buFont typeface="Arial" pitchFamily="34" charset="0"/>
-              <a:buChar char="•"/>
-              <a:defRPr sz="2000" kern="1200">
-                <a:solidFill>
-                  <a:schemeClr val="tx1"/>
-                </a:solidFill>
-                <a:latin typeface="+mn-lt"/>
-                <a:ea typeface="+mn-ea"/>
-                <a:cs typeface="+mn-cs"/>
-              </a:defRPr>
-            </a:lvl9pPr>
-          </a:lstStyle>
-          <a:p>
-            <a:r>
-              <a:rPr lang="en-GB" sz="2800" dirty="0"/>
-              <a:t>Session 2</a:t>
-            </a:r>
-          </a:p>
-          <a:p>
-            <a:pPr lvl="1"/>
-            <a:r>
-              <a:rPr lang="en-GB" sz="2400" dirty="0"/>
+              </a:rPr>
               <a:t>Matrix operations</a:t>
             </a:r>
-          </a:p>
-          <a:p>
-            <a:pPr lvl="1"/>
-            <a:r>
-              <a:rPr lang="en-GB" sz="2400" dirty="0"/>
-              <a:t>Image processing</a:t>
-            </a:r>
-          </a:p>
-          <a:p>
-            <a:pPr lvl="1"/>
-            <a:endParaRPr lang="en-GB" sz="2400" dirty="0"/>
-          </a:p>
-          <a:p>
-            <a:pPr lvl="1"/>
-            <a:endParaRPr lang="en-GB" sz="2400" dirty="0"/>
-          </a:p>
-          <a:p>
-            <a:pPr lvl="1"/>
-            <a:endParaRPr lang="en-GB" sz="1200" dirty="0"/>
-          </a:p>
-          <a:p>
-            <a:r>
-              <a:rPr lang="en-GB" sz="2800" dirty="0"/>
-              <a:t>Session 4</a:t>
-            </a:r>
-          </a:p>
-          <a:p>
-            <a:pPr lvl="1"/>
-            <a:r>
-              <a:rPr lang="en-GB" sz="2400" dirty="0"/>
-              <a:t>Figures and plotting</a:t>
-            </a:r>
-          </a:p>
-          <a:p>
-            <a:pPr lvl="1"/>
-            <a:r>
-              <a:rPr lang="en-GB" sz="2400" dirty="0"/>
-              <a:t>Designing a user interface</a:t>
-            </a:r>
-          </a:p>
-          <a:p>
-            <a:pPr lvl="1"/>
-            <a:endParaRPr lang="en-GB" sz="2400" dirty="0"/>
-          </a:p>
-          <a:p>
-            <a:pPr lvl="1"/>
-            <a:endParaRPr lang="en-GB" sz="2400" dirty="0"/>
-          </a:p>
-        </p:txBody>
-      </p:sp>
-      <p:sp>
-        <p:nvSpPr>
-          <p:cNvPr id="5" name="Content Placeholder 2">
-            <a:extLst>
-              <a:ext uri="{FF2B5EF4-FFF2-40B4-BE49-F238E27FC236}">
-                <a16:creationId xmlns:a16="http://schemas.microsoft.com/office/drawing/2014/main" id="{745436AD-830D-4C1D-80FA-646A4CAA0142}"/>
-              </a:ext>
-            </a:extLst>
-          </p:cNvPr>
-          <p:cNvSpPr txBox="1">
-            <a:spLocks/>
-          </p:cNvSpPr>
-          <p:nvPr/>
-        </p:nvSpPr>
-        <p:spPr>
-          <a:xfrm>
-            <a:off x="7341201" y="5060757"/>
-            <a:ext cx="4431297" cy="535461"/>
-          </a:xfrm>
-          <a:prstGeom prst="rect">
-            <a:avLst/>
-          </a:prstGeom>
-        </p:spPr>
-        <p:txBody>
-          <a:bodyPr/>
-          <a:lstStyle>
-            <a:lvl1pPr marL="342900" indent="-342900" algn="l" rtl="0" eaLnBrk="1" fontAlgn="base" hangingPunct="1">
-              <a:spcBef>
-                <a:spcPct val="20000"/>
-              </a:spcBef>
-              <a:spcAft>
-                <a:spcPct val="0"/>
-              </a:spcAft>
-              <a:buFont typeface="Arial" panose="020B0604020202020204" pitchFamily="34" charset="0"/>
-              <a:buChar char="•"/>
-              <a:defRPr sz="3200" kern="1200">
-                <a:solidFill>
-                  <a:schemeClr val="tx1"/>
-                </a:solidFill>
-                <a:latin typeface="+mn-lt"/>
-                <a:ea typeface="+mn-ea"/>
-                <a:cs typeface="+mn-cs"/>
-              </a:defRPr>
-            </a:lvl1pPr>
-            <a:lvl2pPr marL="742950" indent="-285750" algn="l" rtl="0" eaLnBrk="1" fontAlgn="base" hangingPunct="1">
-              <a:spcBef>
-                <a:spcPct val="20000"/>
-              </a:spcBef>
-              <a:spcAft>
-                <a:spcPct val="0"/>
-              </a:spcAft>
-              <a:buFont typeface="Arial" panose="020B0604020202020204" pitchFamily="34" charset="0"/>
-              <a:buChar char="•"/>
-              <a:defRPr sz="2800" kern="1200">
-                <a:solidFill>
-                  <a:srgbClr val="BF2F37"/>
-                </a:solidFill>
-                <a:latin typeface="+mn-lt"/>
-                <a:ea typeface="+mn-ea"/>
-                <a:cs typeface="+mn-cs"/>
-              </a:defRPr>
-            </a:lvl2pPr>
-            <a:lvl3pPr marL="1143000" indent="-228600" algn="l" rtl="0" eaLnBrk="1" fontAlgn="base" hangingPunct="1">
-              <a:spcBef>
-                <a:spcPct val="20000"/>
-              </a:spcBef>
-              <a:spcAft>
-                <a:spcPct val="0"/>
-              </a:spcAft>
-              <a:buFont typeface="Arial" panose="020B0604020202020204" pitchFamily="34" charset="0"/>
-              <a:buChar char="•"/>
-              <a:defRPr sz="2400" kern="1200">
-                <a:solidFill>
-                  <a:schemeClr val="tx1"/>
-                </a:solidFill>
-                <a:latin typeface="+mn-lt"/>
-                <a:ea typeface="+mn-ea"/>
-                <a:cs typeface="+mn-cs"/>
-              </a:defRPr>
-            </a:lvl3pPr>
-            <a:lvl4pPr marL="1600200" indent="-228600" algn="l" rtl="0" eaLnBrk="1" fontAlgn="base" hangingPunct="1">
-              <a:spcBef>
-                <a:spcPct val="20000"/>
-              </a:spcBef>
-              <a:spcAft>
-                <a:spcPct val="0"/>
-              </a:spcAft>
-              <a:buFont typeface="Arial" panose="020B0604020202020204" pitchFamily="34" charset="0"/>
-              <a:buChar char="–"/>
-              <a:defRPr sz="2000" kern="1200">
-                <a:solidFill>
-                  <a:schemeClr val="tx1"/>
-                </a:solidFill>
-                <a:latin typeface="+mn-lt"/>
-                <a:ea typeface="+mn-ea"/>
-                <a:cs typeface="+mn-cs"/>
-              </a:defRPr>
-            </a:lvl4pPr>
-            <a:lvl5pPr marL="2057400" indent="-228600" algn="l" rtl="0" eaLnBrk="1" fontAlgn="base" hangingPunct="1">
-              <a:spcBef>
-                <a:spcPct val="20000"/>
-              </a:spcBef>
-              <a:spcAft>
-                <a:spcPct val="0"/>
-              </a:spcAft>
-              <a:buFont typeface="Arial" pitchFamily="34" charset="0"/>
-              <a:buChar char="­"/>
-              <a:defRPr sz="2000" kern="1200">
-                <a:solidFill>
-                  <a:schemeClr val="tx1"/>
-                </a:solidFill>
-                <a:latin typeface="+mn-lt"/>
-                <a:ea typeface="+mn-ea"/>
-                <a:cs typeface="+mn-cs"/>
-              </a:defRPr>
-            </a:lvl5pPr>
-            <a:lvl6pPr marL="2514600" indent="-228600" algn="l" defTabSz="914400" rtl="0" eaLnBrk="1" latinLnBrk="0" hangingPunct="1">
-              <a:spcBef>
-                <a:spcPct val="20000"/>
-              </a:spcBef>
-              <a:buFont typeface="Arial" pitchFamily="34" charset="0"/>
-              <a:buChar char="•"/>
-              <a:defRPr sz="2000" kern="1200">
-                <a:solidFill>
-                  <a:schemeClr val="tx1"/>
-                </a:solidFill>
-                <a:latin typeface="+mn-lt"/>
-                <a:ea typeface="+mn-ea"/>
-                <a:cs typeface="+mn-cs"/>
-              </a:defRPr>
-            </a:lvl6pPr>
-            <a:lvl7pPr marL="2971800" indent="-228600" algn="l" defTabSz="914400" rtl="0" eaLnBrk="1" latinLnBrk="0" hangingPunct="1">
-              <a:spcBef>
-                <a:spcPct val="20000"/>
-              </a:spcBef>
-              <a:buFont typeface="Arial" pitchFamily="34" charset="0"/>
-              <a:buChar char="•"/>
-              <a:defRPr sz="2000" kern="1200">
-                <a:solidFill>
-                  <a:schemeClr val="tx1"/>
-                </a:solidFill>
-                <a:latin typeface="+mn-lt"/>
-                <a:ea typeface="+mn-ea"/>
-                <a:cs typeface="+mn-cs"/>
-              </a:defRPr>
-            </a:lvl7pPr>
-            <a:lvl8pPr marL="3429000" indent="-228600" algn="l" defTabSz="914400" rtl="0" eaLnBrk="1" latinLnBrk="0" hangingPunct="1">
-              <a:spcBef>
-                <a:spcPct val="20000"/>
-              </a:spcBef>
-              <a:buFont typeface="Arial" pitchFamily="34" charset="0"/>
-              <a:buChar char="•"/>
-              <a:defRPr sz="2000" kern="1200">
-                <a:solidFill>
-                  <a:schemeClr val="tx1"/>
-                </a:solidFill>
-                <a:latin typeface="+mn-lt"/>
-                <a:ea typeface="+mn-ea"/>
-                <a:cs typeface="+mn-cs"/>
-              </a:defRPr>
-            </a:lvl8pPr>
-            <a:lvl9pPr marL="3886200" indent="-228600" algn="l" defTabSz="914400" rtl="0" eaLnBrk="1" latinLnBrk="0" hangingPunct="1">
-              <a:spcBef>
-                <a:spcPct val="20000"/>
-              </a:spcBef>
-              <a:buFont typeface="Arial" pitchFamily="34" charset="0"/>
-              <a:buChar char="•"/>
-              <a:defRPr sz="2000" kern="1200">
-                <a:solidFill>
-                  <a:schemeClr val="tx1"/>
-                </a:solidFill>
-                <a:latin typeface="+mn-lt"/>
-                <a:ea typeface="+mn-ea"/>
-                <a:cs typeface="+mn-cs"/>
-              </a:defRPr>
-            </a:lvl9pPr>
-          </a:lstStyle>
-          <a:p>
-            <a:pPr marL="0" indent="0">
-              <a:buNone/>
-            </a:pPr>
-            <a:endParaRPr lang="en-GB" sz="2400" dirty="0"/>
+            <a:endParaRPr lang="en-GB" sz="2800" dirty="0">
+              <a:solidFill>
+                <a:schemeClr val="tx1"/>
+              </a:solidFill>
+            </a:endParaRPr>
           </a:p>
         </p:txBody>
       </p:sp>
     </p:spTree>
     <p:extLst>
       <p:ext uri="{BB962C8B-B14F-4D97-AF65-F5344CB8AC3E}">
-        <p14:creationId xmlns:p14="http://schemas.microsoft.com/office/powerpoint/2010/main" val="844134463"/>
+        <p14:creationId xmlns:p14="http://schemas.microsoft.com/office/powerpoint/2010/main" val="2452815360"/>
       </p:ext>
     </p:extLst>
   </p:cSld>
@@ -9760,7 +13544,7 @@
 </p:sld>
 </file>
 
-<file path=ppt/slides/slide20.xml><?xml version="1.0" encoding="utf-8"?>
+<file path=ppt/slides/slide28.xml><?xml version="1.0" encoding="utf-8"?>
 <p:sld xmlns:a="http://schemas.openxmlformats.org/drawingml/2006/main" xmlns:r="http://schemas.openxmlformats.org/officeDocument/2006/relationships" xmlns:p="http://schemas.openxmlformats.org/presentationml/2006/main">
   <p:cSld>
     <p:spTree>
@@ -9879,7 +13663,7 @@
 </p:sld>
 </file>
 
-<file path=ppt/slides/slide21.xml><?xml version="1.0" encoding="utf-8"?>
+<file path=ppt/slides/slide29.xml><?xml version="1.0" encoding="utf-8"?>
 <p:sld xmlns:a="http://schemas.openxmlformats.org/drawingml/2006/main" xmlns:r="http://schemas.openxmlformats.org/officeDocument/2006/relationships" xmlns:p="http://schemas.openxmlformats.org/presentationml/2006/main">
   <p:cSld>
     <p:spTree>
@@ -9966,462 +13750,6 @@
     <p:extLst>
       <p:ext uri="{BB962C8B-B14F-4D97-AF65-F5344CB8AC3E}">
         <p14:creationId xmlns:p14="http://schemas.microsoft.com/office/powerpoint/2010/main" val="519321222"/>
-      </p:ext>
-    </p:extLst>
-  </p:cSld>
-  <p:clrMapOvr>
-    <a:masterClrMapping/>
-  </p:clrMapOvr>
-  <mc:AlternateContent xmlns:mc="http://schemas.openxmlformats.org/markup-compatibility/2006" xmlns:p14="http://schemas.microsoft.com/office/powerpoint/2010/main">
-    <mc:Choice Requires="p14">
-      <p:transition p14:dur="300">
-        <p:fade/>
-      </p:transition>
-    </mc:Choice>
-    <mc:Fallback xmlns="">
-      <p:transition>
-        <p:fade/>
-      </p:transition>
-    </mc:Fallback>
-  </mc:AlternateContent>
-</p:sld>
-</file>
-
-<file path=ppt/slides/slide22.xml><?xml version="1.0" encoding="utf-8"?>
-<p:sld xmlns:a="http://schemas.openxmlformats.org/drawingml/2006/main" xmlns:r="http://schemas.openxmlformats.org/officeDocument/2006/relationships" xmlns:p="http://schemas.openxmlformats.org/presentationml/2006/main">
-  <p:cSld>
-    <p:spTree>
-      <p:nvGrpSpPr>
-        <p:cNvPr id="1" name=""/>
-        <p:cNvGrpSpPr/>
-        <p:nvPr/>
-      </p:nvGrpSpPr>
-      <p:grpSpPr>
-        <a:xfrm>
-          <a:off x="0" y="0"/>
-          <a:ext cx="0" cy="0"/>
-          <a:chOff x="0" y="0"/>
-          <a:chExt cx="0" cy="0"/>
-        </a:xfrm>
-      </p:grpSpPr>
-      <p:sp>
-        <p:nvSpPr>
-          <p:cNvPr id="2" name="Title 1">
-            <a:extLst>
-              <a:ext uri="{FF2B5EF4-FFF2-40B4-BE49-F238E27FC236}">
-                <a16:creationId xmlns:a16="http://schemas.microsoft.com/office/drawing/2014/main" id="{8B0C5865-E132-43F0-814F-C61B94E5671C}"/>
-              </a:ext>
-            </a:extLst>
-          </p:cNvPr>
-          <p:cNvSpPr>
-            <a:spLocks noGrp="1"/>
-          </p:cNvSpPr>
-          <p:nvPr>
-            <p:ph type="title"/>
-          </p:nvPr>
-        </p:nvSpPr>
-        <p:spPr/>
-        <p:txBody>
-          <a:bodyPr/>
-          <a:lstStyle/>
-          <a:p>
-            <a:r>
-              <a:rPr lang="en-GB" dirty="0"/>
-              <a:t>Image loading</a:t>
-            </a:r>
-          </a:p>
-        </p:txBody>
-      </p:sp>
-      <p:sp>
-        <p:nvSpPr>
-          <p:cNvPr id="3" name="Content Placeholder 2">
-            <a:extLst>
-              <a:ext uri="{FF2B5EF4-FFF2-40B4-BE49-F238E27FC236}">
-                <a16:creationId xmlns:a16="http://schemas.microsoft.com/office/drawing/2014/main" id="{B00B5046-B5DF-4F1A-AFA6-4A5FA79CAEFA}"/>
-              </a:ext>
-            </a:extLst>
-          </p:cNvPr>
-          <p:cNvSpPr>
-            <a:spLocks noGrp="1"/>
-          </p:cNvSpPr>
-          <p:nvPr>
-            <p:ph idx="1"/>
-          </p:nvPr>
-        </p:nvSpPr>
-        <p:spPr/>
-        <p:txBody>
-          <a:bodyPr/>
-          <a:lstStyle/>
-          <a:p>
-            <a:r>
-              <a:rPr lang="en-GB" dirty="0"/>
-              <a:t>Using standard libraries</a:t>
-            </a:r>
-          </a:p>
-          <a:p>
-            <a:pPr lvl="1"/>
-            <a:r>
-              <a:rPr lang="en-GB" dirty="0" err="1"/>
-              <a:t>imread</a:t>
-            </a:r>
-            <a:endParaRPr lang="en-GB" dirty="0"/>
-          </a:p>
-          <a:p>
-            <a:r>
-              <a:rPr lang="en-GB" dirty="0"/>
-              <a:t>Oh look, they’re matrices</a:t>
-            </a:r>
-          </a:p>
-          <a:p>
-            <a:r>
-              <a:rPr lang="en-GB" dirty="0"/>
-              <a:t>Multidimensionality</a:t>
-            </a:r>
-          </a:p>
-        </p:txBody>
-      </p:sp>
-    </p:spTree>
-    <p:extLst>
-      <p:ext uri="{BB962C8B-B14F-4D97-AF65-F5344CB8AC3E}">
-        <p14:creationId xmlns:p14="http://schemas.microsoft.com/office/powerpoint/2010/main" val="2947281789"/>
-      </p:ext>
-    </p:extLst>
-  </p:cSld>
-  <p:clrMapOvr>
-    <a:masterClrMapping/>
-  </p:clrMapOvr>
-  <mc:AlternateContent xmlns:mc="http://schemas.openxmlformats.org/markup-compatibility/2006" xmlns:p14="http://schemas.microsoft.com/office/powerpoint/2010/main">
-    <mc:Choice Requires="p14">
-      <p:transition p14:dur="300">
-        <p:fade/>
-      </p:transition>
-    </mc:Choice>
-    <mc:Fallback xmlns="">
-      <p:transition>
-        <p:fade/>
-      </p:transition>
-    </mc:Fallback>
-  </mc:AlternateContent>
-</p:sld>
-</file>
-
-<file path=ppt/slides/slide23.xml><?xml version="1.0" encoding="utf-8"?>
-<p:sld xmlns:a="http://schemas.openxmlformats.org/drawingml/2006/main" xmlns:r="http://schemas.openxmlformats.org/officeDocument/2006/relationships" xmlns:p="http://schemas.openxmlformats.org/presentationml/2006/main">
-  <p:cSld>
-    <p:spTree>
-      <p:nvGrpSpPr>
-        <p:cNvPr id="1" name=""/>
-        <p:cNvGrpSpPr/>
-        <p:nvPr/>
-      </p:nvGrpSpPr>
-      <p:grpSpPr>
-        <a:xfrm>
-          <a:off x="0" y="0"/>
-          <a:ext cx="0" cy="0"/>
-          <a:chOff x="0" y="0"/>
-          <a:chExt cx="0" cy="0"/>
-        </a:xfrm>
-      </p:grpSpPr>
-      <p:sp>
-        <p:nvSpPr>
-          <p:cNvPr id="2" name="Title 1">
-            <a:extLst>
-              <a:ext uri="{FF2B5EF4-FFF2-40B4-BE49-F238E27FC236}">
-                <a16:creationId xmlns:a16="http://schemas.microsoft.com/office/drawing/2014/main" id="{8B0C5865-E132-43F0-814F-C61B94E5671C}"/>
-              </a:ext>
-            </a:extLst>
-          </p:cNvPr>
-          <p:cNvSpPr>
-            <a:spLocks noGrp="1"/>
-          </p:cNvSpPr>
-          <p:nvPr>
-            <p:ph type="title"/>
-          </p:nvPr>
-        </p:nvSpPr>
-        <p:spPr/>
-        <p:txBody>
-          <a:bodyPr/>
-          <a:lstStyle/>
-          <a:p>
-            <a:r>
-              <a:rPr lang="en-GB" dirty="0"/>
-              <a:t>Visualising images</a:t>
-            </a:r>
-          </a:p>
-        </p:txBody>
-      </p:sp>
-      <p:sp>
-        <p:nvSpPr>
-          <p:cNvPr id="3" name="Content Placeholder 2">
-            <a:extLst>
-              <a:ext uri="{FF2B5EF4-FFF2-40B4-BE49-F238E27FC236}">
-                <a16:creationId xmlns:a16="http://schemas.microsoft.com/office/drawing/2014/main" id="{B00B5046-B5DF-4F1A-AFA6-4A5FA79CAEFA}"/>
-              </a:ext>
-            </a:extLst>
-          </p:cNvPr>
-          <p:cNvSpPr>
-            <a:spLocks noGrp="1"/>
-          </p:cNvSpPr>
-          <p:nvPr>
-            <p:ph idx="1"/>
-          </p:nvPr>
-        </p:nvSpPr>
-        <p:spPr/>
-        <p:txBody>
-          <a:bodyPr/>
-          <a:lstStyle/>
-          <a:p>
-            <a:r>
-              <a:rPr lang="en-GB" dirty="0"/>
-              <a:t>image</a:t>
-            </a:r>
-          </a:p>
-          <a:p>
-            <a:pPr lvl="1"/>
-            <a:r>
-              <a:rPr lang="en-GB" dirty="0" err="1"/>
-              <a:t>imagesc</a:t>
-            </a:r>
-            <a:endParaRPr lang="en-GB" dirty="0"/>
-          </a:p>
-          <a:p>
-            <a:r>
-              <a:rPr lang="en-GB" dirty="0" err="1"/>
-              <a:t>imshow</a:t>
-            </a:r>
-            <a:endParaRPr lang="en-GB" dirty="0"/>
-          </a:p>
-        </p:txBody>
-      </p:sp>
-    </p:spTree>
-    <p:extLst>
-      <p:ext uri="{BB962C8B-B14F-4D97-AF65-F5344CB8AC3E}">
-        <p14:creationId xmlns:p14="http://schemas.microsoft.com/office/powerpoint/2010/main" val="1668107566"/>
-      </p:ext>
-    </p:extLst>
-  </p:cSld>
-  <p:clrMapOvr>
-    <a:masterClrMapping/>
-  </p:clrMapOvr>
-  <mc:AlternateContent xmlns:mc="http://schemas.openxmlformats.org/markup-compatibility/2006" xmlns:p14="http://schemas.microsoft.com/office/powerpoint/2010/main">
-    <mc:Choice Requires="p14">
-      <p:transition p14:dur="300">
-        <p:fade/>
-      </p:transition>
-    </mc:Choice>
-    <mc:Fallback xmlns="">
-      <p:transition>
-        <p:fade/>
-      </p:transition>
-    </mc:Fallback>
-  </mc:AlternateContent>
-</p:sld>
-</file>
-
-<file path=ppt/slides/slide24.xml><?xml version="1.0" encoding="utf-8"?>
-<p:sld xmlns:a="http://schemas.openxmlformats.org/drawingml/2006/main" xmlns:r="http://schemas.openxmlformats.org/officeDocument/2006/relationships" xmlns:p="http://schemas.openxmlformats.org/presentationml/2006/main">
-  <p:cSld>
-    <p:spTree>
-      <p:nvGrpSpPr>
-        <p:cNvPr id="1" name=""/>
-        <p:cNvGrpSpPr/>
-        <p:nvPr/>
-      </p:nvGrpSpPr>
-      <p:grpSpPr>
-        <a:xfrm>
-          <a:off x="0" y="0"/>
-          <a:ext cx="0" cy="0"/>
-          <a:chOff x="0" y="0"/>
-          <a:chExt cx="0" cy="0"/>
-        </a:xfrm>
-      </p:grpSpPr>
-      <p:sp>
-        <p:nvSpPr>
-          <p:cNvPr id="2" name="Title 1">
-            <a:extLst>
-              <a:ext uri="{FF2B5EF4-FFF2-40B4-BE49-F238E27FC236}">
-                <a16:creationId xmlns:a16="http://schemas.microsoft.com/office/drawing/2014/main" id="{8B0C5865-E132-43F0-814F-C61B94E5671C}"/>
-              </a:ext>
-            </a:extLst>
-          </p:cNvPr>
-          <p:cNvSpPr>
-            <a:spLocks noGrp="1"/>
-          </p:cNvSpPr>
-          <p:nvPr>
-            <p:ph type="title"/>
-          </p:nvPr>
-        </p:nvSpPr>
-        <p:spPr/>
-        <p:txBody>
-          <a:bodyPr/>
-          <a:lstStyle/>
-          <a:p>
-            <a:r>
-              <a:rPr lang="en-GB" dirty="0"/>
-              <a:t>Image processing</a:t>
-            </a:r>
-          </a:p>
-        </p:txBody>
-      </p:sp>
-      <p:sp>
-        <p:nvSpPr>
-          <p:cNvPr id="3" name="Content Placeholder 2">
-            <a:extLst>
-              <a:ext uri="{FF2B5EF4-FFF2-40B4-BE49-F238E27FC236}">
-                <a16:creationId xmlns:a16="http://schemas.microsoft.com/office/drawing/2014/main" id="{B00B5046-B5DF-4F1A-AFA6-4A5FA79CAEFA}"/>
-              </a:ext>
-            </a:extLst>
-          </p:cNvPr>
-          <p:cNvSpPr>
-            <a:spLocks noGrp="1"/>
-          </p:cNvSpPr>
-          <p:nvPr>
-            <p:ph idx="1"/>
-          </p:nvPr>
-        </p:nvSpPr>
-        <p:spPr/>
-        <p:txBody>
-          <a:bodyPr/>
-          <a:lstStyle/>
-          <a:p>
-            <a:r>
-              <a:rPr lang="en-GB" dirty="0"/>
-              <a:t>Filters</a:t>
-            </a:r>
-          </a:p>
-          <a:p>
-            <a:pPr lvl="1"/>
-            <a:r>
-              <a:rPr lang="en-GB" dirty="0"/>
-              <a:t>Median</a:t>
-            </a:r>
-          </a:p>
-          <a:p>
-            <a:pPr lvl="1"/>
-            <a:r>
-              <a:rPr lang="en-GB" dirty="0"/>
-              <a:t>Gaussian</a:t>
-            </a:r>
-            <a:endParaRPr lang="en-GB" b="1" dirty="0"/>
-          </a:p>
-          <a:p>
-            <a:r>
-              <a:rPr lang="en-GB" dirty="0"/>
-              <a:t>Thresholding</a:t>
-            </a:r>
-          </a:p>
-          <a:p>
-            <a:pPr lvl="1"/>
-            <a:r>
-              <a:rPr lang="en-GB" dirty="0"/>
-              <a:t>Otsu method</a:t>
-            </a:r>
-          </a:p>
-        </p:txBody>
-      </p:sp>
-    </p:spTree>
-    <p:extLst>
-      <p:ext uri="{BB962C8B-B14F-4D97-AF65-F5344CB8AC3E}">
-        <p14:creationId xmlns:p14="http://schemas.microsoft.com/office/powerpoint/2010/main" val="3035785174"/>
-      </p:ext>
-    </p:extLst>
-  </p:cSld>
-  <p:clrMapOvr>
-    <a:masterClrMapping/>
-  </p:clrMapOvr>
-  <mc:AlternateContent xmlns:mc="http://schemas.openxmlformats.org/markup-compatibility/2006" xmlns:p14="http://schemas.microsoft.com/office/powerpoint/2010/main">
-    <mc:Choice Requires="p14">
-      <p:transition p14:dur="300">
-        <p:fade/>
-      </p:transition>
-    </mc:Choice>
-    <mc:Fallback xmlns="">
-      <p:transition>
-        <p:fade/>
-      </p:transition>
-    </mc:Fallback>
-  </mc:AlternateContent>
-</p:sld>
-</file>
-
-<file path=ppt/slides/slide25.xml><?xml version="1.0" encoding="utf-8"?>
-<p:sld xmlns:a="http://schemas.openxmlformats.org/drawingml/2006/main" xmlns:r="http://schemas.openxmlformats.org/officeDocument/2006/relationships" xmlns:p="http://schemas.openxmlformats.org/presentationml/2006/main">
-  <p:cSld>
-    <p:spTree>
-      <p:nvGrpSpPr>
-        <p:cNvPr id="1" name=""/>
-        <p:cNvGrpSpPr/>
-        <p:nvPr/>
-      </p:nvGrpSpPr>
-      <p:grpSpPr>
-        <a:xfrm>
-          <a:off x="0" y="0"/>
-          <a:ext cx="0" cy="0"/>
-          <a:chOff x="0" y="0"/>
-          <a:chExt cx="0" cy="0"/>
-        </a:xfrm>
-      </p:grpSpPr>
-      <p:sp>
-        <p:nvSpPr>
-          <p:cNvPr id="2" name="Title 1">
-            <a:extLst>
-              <a:ext uri="{FF2B5EF4-FFF2-40B4-BE49-F238E27FC236}">
-                <a16:creationId xmlns:a16="http://schemas.microsoft.com/office/drawing/2014/main" id="{8B0C5865-E132-43F0-814F-C61B94E5671C}"/>
-              </a:ext>
-            </a:extLst>
-          </p:cNvPr>
-          <p:cNvSpPr>
-            <a:spLocks noGrp="1"/>
-          </p:cNvSpPr>
-          <p:nvPr>
-            <p:ph type="title"/>
-          </p:nvPr>
-        </p:nvSpPr>
-        <p:spPr/>
-        <p:txBody>
-          <a:bodyPr/>
-          <a:lstStyle/>
-          <a:p>
-            <a:r>
-              <a:rPr lang="en-GB" dirty="0"/>
-              <a:t>Saving images</a:t>
-            </a:r>
-          </a:p>
-        </p:txBody>
-      </p:sp>
-      <p:sp>
-        <p:nvSpPr>
-          <p:cNvPr id="3" name="Content Placeholder 2">
-            <a:extLst>
-              <a:ext uri="{FF2B5EF4-FFF2-40B4-BE49-F238E27FC236}">
-                <a16:creationId xmlns:a16="http://schemas.microsoft.com/office/drawing/2014/main" id="{B00B5046-B5DF-4F1A-AFA6-4A5FA79CAEFA}"/>
-              </a:ext>
-            </a:extLst>
-          </p:cNvPr>
-          <p:cNvSpPr>
-            <a:spLocks noGrp="1"/>
-          </p:cNvSpPr>
-          <p:nvPr>
-            <p:ph idx="1"/>
-          </p:nvPr>
-        </p:nvSpPr>
-        <p:spPr/>
-        <p:txBody>
-          <a:bodyPr/>
-          <a:lstStyle/>
-          <a:p>
-            <a:r>
-              <a:rPr lang="en-GB" dirty="0" err="1"/>
-              <a:t>imwrite</a:t>
-            </a:r>
-            <a:endParaRPr lang="en-GB" dirty="0"/>
-          </a:p>
-        </p:txBody>
-      </p:sp>
-    </p:spTree>
-    <p:extLst>
-      <p:ext uri="{BB962C8B-B14F-4D97-AF65-F5344CB8AC3E}">
-        <p14:creationId xmlns:p14="http://schemas.microsoft.com/office/powerpoint/2010/main" val="4047485129"/>
       </p:ext>
     </p:extLst>
   </p:cSld>
@@ -10896,6 +14224,462 @@
 </p:sld>
 </file>
 
+<file path=ppt/slides/slide30.xml><?xml version="1.0" encoding="utf-8"?>
+<p:sld xmlns:a="http://schemas.openxmlformats.org/drawingml/2006/main" xmlns:r="http://schemas.openxmlformats.org/officeDocument/2006/relationships" xmlns:p="http://schemas.openxmlformats.org/presentationml/2006/main">
+  <p:cSld>
+    <p:spTree>
+      <p:nvGrpSpPr>
+        <p:cNvPr id="1" name=""/>
+        <p:cNvGrpSpPr/>
+        <p:nvPr/>
+      </p:nvGrpSpPr>
+      <p:grpSpPr>
+        <a:xfrm>
+          <a:off x="0" y="0"/>
+          <a:ext cx="0" cy="0"/>
+          <a:chOff x="0" y="0"/>
+          <a:chExt cx="0" cy="0"/>
+        </a:xfrm>
+      </p:grpSpPr>
+      <p:sp>
+        <p:nvSpPr>
+          <p:cNvPr id="2" name="Title 1">
+            <a:extLst>
+              <a:ext uri="{FF2B5EF4-FFF2-40B4-BE49-F238E27FC236}">
+                <a16:creationId xmlns:a16="http://schemas.microsoft.com/office/drawing/2014/main" id="{8B0C5865-E132-43F0-814F-C61B94E5671C}"/>
+              </a:ext>
+            </a:extLst>
+          </p:cNvPr>
+          <p:cNvSpPr>
+            <a:spLocks noGrp="1"/>
+          </p:cNvSpPr>
+          <p:nvPr>
+            <p:ph type="title"/>
+          </p:nvPr>
+        </p:nvSpPr>
+        <p:spPr/>
+        <p:txBody>
+          <a:bodyPr/>
+          <a:lstStyle/>
+          <a:p>
+            <a:r>
+              <a:rPr lang="en-GB" dirty="0"/>
+              <a:t>Image loading</a:t>
+            </a:r>
+          </a:p>
+        </p:txBody>
+      </p:sp>
+      <p:sp>
+        <p:nvSpPr>
+          <p:cNvPr id="3" name="Content Placeholder 2">
+            <a:extLst>
+              <a:ext uri="{FF2B5EF4-FFF2-40B4-BE49-F238E27FC236}">
+                <a16:creationId xmlns:a16="http://schemas.microsoft.com/office/drawing/2014/main" id="{B00B5046-B5DF-4F1A-AFA6-4A5FA79CAEFA}"/>
+              </a:ext>
+            </a:extLst>
+          </p:cNvPr>
+          <p:cNvSpPr>
+            <a:spLocks noGrp="1"/>
+          </p:cNvSpPr>
+          <p:nvPr>
+            <p:ph idx="1"/>
+          </p:nvPr>
+        </p:nvSpPr>
+        <p:spPr/>
+        <p:txBody>
+          <a:bodyPr/>
+          <a:lstStyle/>
+          <a:p>
+            <a:r>
+              <a:rPr lang="en-GB" dirty="0"/>
+              <a:t>Using standard libraries</a:t>
+            </a:r>
+          </a:p>
+          <a:p>
+            <a:pPr lvl="1"/>
+            <a:r>
+              <a:rPr lang="en-GB" dirty="0" err="1"/>
+              <a:t>imread</a:t>
+            </a:r>
+            <a:endParaRPr lang="en-GB" dirty="0"/>
+          </a:p>
+          <a:p>
+            <a:r>
+              <a:rPr lang="en-GB" dirty="0"/>
+              <a:t>Oh look, they’re matrices</a:t>
+            </a:r>
+          </a:p>
+          <a:p>
+            <a:r>
+              <a:rPr lang="en-GB" dirty="0"/>
+              <a:t>Multidimensionality</a:t>
+            </a:r>
+          </a:p>
+        </p:txBody>
+      </p:sp>
+    </p:spTree>
+    <p:extLst>
+      <p:ext uri="{BB962C8B-B14F-4D97-AF65-F5344CB8AC3E}">
+        <p14:creationId xmlns:p14="http://schemas.microsoft.com/office/powerpoint/2010/main" val="2947281789"/>
+      </p:ext>
+    </p:extLst>
+  </p:cSld>
+  <p:clrMapOvr>
+    <a:masterClrMapping/>
+  </p:clrMapOvr>
+  <mc:AlternateContent xmlns:mc="http://schemas.openxmlformats.org/markup-compatibility/2006" xmlns:p14="http://schemas.microsoft.com/office/powerpoint/2010/main">
+    <mc:Choice Requires="p14">
+      <p:transition p14:dur="300">
+        <p:fade/>
+      </p:transition>
+    </mc:Choice>
+    <mc:Fallback xmlns="">
+      <p:transition>
+        <p:fade/>
+      </p:transition>
+    </mc:Fallback>
+  </mc:AlternateContent>
+</p:sld>
+</file>
+
+<file path=ppt/slides/slide31.xml><?xml version="1.0" encoding="utf-8"?>
+<p:sld xmlns:a="http://schemas.openxmlformats.org/drawingml/2006/main" xmlns:r="http://schemas.openxmlformats.org/officeDocument/2006/relationships" xmlns:p="http://schemas.openxmlformats.org/presentationml/2006/main">
+  <p:cSld>
+    <p:spTree>
+      <p:nvGrpSpPr>
+        <p:cNvPr id="1" name=""/>
+        <p:cNvGrpSpPr/>
+        <p:nvPr/>
+      </p:nvGrpSpPr>
+      <p:grpSpPr>
+        <a:xfrm>
+          <a:off x="0" y="0"/>
+          <a:ext cx="0" cy="0"/>
+          <a:chOff x="0" y="0"/>
+          <a:chExt cx="0" cy="0"/>
+        </a:xfrm>
+      </p:grpSpPr>
+      <p:sp>
+        <p:nvSpPr>
+          <p:cNvPr id="2" name="Title 1">
+            <a:extLst>
+              <a:ext uri="{FF2B5EF4-FFF2-40B4-BE49-F238E27FC236}">
+                <a16:creationId xmlns:a16="http://schemas.microsoft.com/office/drawing/2014/main" id="{8B0C5865-E132-43F0-814F-C61B94E5671C}"/>
+              </a:ext>
+            </a:extLst>
+          </p:cNvPr>
+          <p:cNvSpPr>
+            <a:spLocks noGrp="1"/>
+          </p:cNvSpPr>
+          <p:nvPr>
+            <p:ph type="title"/>
+          </p:nvPr>
+        </p:nvSpPr>
+        <p:spPr/>
+        <p:txBody>
+          <a:bodyPr/>
+          <a:lstStyle/>
+          <a:p>
+            <a:r>
+              <a:rPr lang="en-GB" dirty="0"/>
+              <a:t>Visualising images</a:t>
+            </a:r>
+          </a:p>
+        </p:txBody>
+      </p:sp>
+      <p:sp>
+        <p:nvSpPr>
+          <p:cNvPr id="3" name="Content Placeholder 2">
+            <a:extLst>
+              <a:ext uri="{FF2B5EF4-FFF2-40B4-BE49-F238E27FC236}">
+                <a16:creationId xmlns:a16="http://schemas.microsoft.com/office/drawing/2014/main" id="{B00B5046-B5DF-4F1A-AFA6-4A5FA79CAEFA}"/>
+              </a:ext>
+            </a:extLst>
+          </p:cNvPr>
+          <p:cNvSpPr>
+            <a:spLocks noGrp="1"/>
+          </p:cNvSpPr>
+          <p:nvPr>
+            <p:ph idx="1"/>
+          </p:nvPr>
+        </p:nvSpPr>
+        <p:spPr/>
+        <p:txBody>
+          <a:bodyPr/>
+          <a:lstStyle/>
+          <a:p>
+            <a:r>
+              <a:rPr lang="en-GB" dirty="0"/>
+              <a:t>image</a:t>
+            </a:r>
+          </a:p>
+          <a:p>
+            <a:pPr lvl="1"/>
+            <a:r>
+              <a:rPr lang="en-GB" dirty="0" err="1"/>
+              <a:t>imagesc</a:t>
+            </a:r>
+            <a:endParaRPr lang="en-GB" dirty="0"/>
+          </a:p>
+          <a:p>
+            <a:r>
+              <a:rPr lang="en-GB" dirty="0" err="1"/>
+              <a:t>imshow</a:t>
+            </a:r>
+            <a:endParaRPr lang="en-GB" dirty="0"/>
+          </a:p>
+        </p:txBody>
+      </p:sp>
+    </p:spTree>
+    <p:extLst>
+      <p:ext uri="{BB962C8B-B14F-4D97-AF65-F5344CB8AC3E}">
+        <p14:creationId xmlns:p14="http://schemas.microsoft.com/office/powerpoint/2010/main" val="1668107566"/>
+      </p:ext>
+    </p:extLst>
+  </p:cSld>
+  <p:clrMapOvr>
+    <a:masterClrMapping/>
+  </p:clrMapOvr>
+  <mc:AlternateContent xmlns:mc="http://schemas.openxmlformats.org/markup-compatibility/2006" xmlns:p14="http://schemas.microsoft.com/office/powerpoint/2010/main">
+    <mc:Choice Requires="p14">
+      <p:transition p14:dur="300">
+        <p:fade/>
+      </p:transition>
+    </mc:Choice>
+    <mc:Fallback xmlns="">
+      <p:transition>
+        <p:fade/>
+      </p:transition>
+    </mc:Fallback>
+  </mc:AlternateContent>
+</p:sld>
+</file>
+
+<file path=ppt/slides/slide32.xml><?xml version="1.0" encoding="utf-8"?>
+<p:sld xmlns:a="http://schemas.openxmlformats.org/drawingml/2006/main" xmlns:r="http://schemas.openxmlformats.org/officeDocument/2006/relationships" xmlns:p="http://schemas.openxmlformats.org/presentationml/2006/main">
+  <p:cSld>
+    <p:spTree>
+      <p:nvGrpSpPr>
+        <p:cNvPr id="1" name=""/>
+        <p:cNvGrpSpPr/>
+        <p:nvPr/>
+      </p:nvGrpSpPr>
+      <p:grpSpPr>
+        <a:xfrm>
+          <a:off x="0" y="0"/>
+          <a:ext cx="0" cy="0"/>
+          <a:chOff x="0" y="0"/>
+          <a:chExt cx="0" cy="0"/>
+        </a:xfrm>
+      </p:grpSpPr>
+      <p:sp>
+        <p:nvSpPr>
+          <p:cNvPr id="2" name="Title 1">
+            <a:extLst>
+              <a:ext uri="{FF2B5EF4-FFF2-40B4-BE49-F238E27FC236}">
+                <a16:creationId xmlns:a16="http://schemas.microsoft.com/office/drawing/2014/main" id="{8B0C5865-E132-43F0-814F-C61B94E5671C}"/>
+              </a:ext>
+            </a:extLst>
+          </p:cNvPr>
+          <p:cNvSpPr>
+            <a:spLocks noGrp="1"/>
+          </p:cNvSpPr>
+          <p:nvPr>
+            <p:ph type="title"/>
+          </p:nvPr>
+        </p:nvSpPr>
+        <p:spPr/>
+        <p:txBody>
+          <a:bodyPr/>
+          <a:lstStyle/>
+          <a:p>
+            <a:r>
+              <a:rPr lang="en-GB" dirty="0"/>
+              <a:t>Image processing</a:t>
+            </a:r>
+          </a:p>
+        </p:txBody>
+      </p:sp>
+      <p:sp>
+        <p:nvSpPr>
+          <p:cNvPr id="3" name="Content Placeholder 2">
+            <a:extLst>
+              <a:ext uri="{FF2B5EF4-FFF2-40B4-BE49-F238E27FC236}">
+                <a16:creationId xmlns:a16="http://schemas.microsoft.com/office/drawing/2014/main" id="{B00B5046-B5DF-4F1A-AFA6-4A5FA79CAEFA}"/>
+              </a:ext>
+            </a:extLst>
+          </p:cNvPr>
+          <p:cNvSpPr>
+            <a:spLocks noGrp="1"/>
+          </p:cNvSpPr>
+          <p:nvPr>
+            <p:ph idx="1"/>
+          </p:nvPr>
+        </p:nvSpPr>
+        <p:spPr/>
+        <p:txBody>
+          <a:bodyPr/>
+          <a:lstStyle/>
+          <a:p>
+            <a:r>
+              <a:rPr lang="en-GB" dirty="0"/>
+              <a:t>Filters</a:t>
+            </a:r>
+          </a:p>
+          <a:p>
+            <a:pPr lvl="1"/>
+            <a:r>
+              <a:rPr lang="en-GB" dirty="0"/>
+              <a:t>Median</a:t>
+            </a:r>
+          </a:p>
+          <a:p>
+            <a:pPr lvl="1"/>
+            <a:r>
+              <a:rPr lang="en-GB" dirty="0"/>
+              <a:t>Gaussian</a:t>
+            </a:r>
+            <a:endParaRPr lang="en-GB" b="1" dirty="0"/>
+          </a:p>
+          <a:p>
+            <a:r>
+              <a:rPr lang="en-GB" dirty="0"/>
+              <a:t>Thresholding</a:t>
+            </a:r>
+          </a:p>
+          <a:p>
+            <a:pPr lvl="1"/>
+            <a:r>
+              <a:rPr lang="en-GB" dirty="0"/>
+              <a:t>Otsu method</a:t>
+            </a:r>
+          </a:p>
+        </p:txBody>
+      </p:sp>
+    </p:spTree>
+    <p:extLst>
+      <p:ext uri="{BB962C8B-B14F-4D97-AF65-F5344CB8AC3E}">
+        <p14:creationId xmlns:p14="http://schemas.microsoft.com/office/powerpoint/2010/main" val="3035785174"/>
+      </p:ext>
+    </p:extLst>
+  </p:cSld>
+  <p:clrMapOvr>
+    <a:masterClrMapping/>
+  </p:clrMapOvr>
+  <mc:AlternateContent xmlns:mc="http://schemas.openxmlformats.org/markup-compatibility/2006" xmlns:p14="http://schemas.microsoft.com/office/powerpoint/2010/main">
+    <mc:Choice Requires="p14">
+      <p:transition p14:dur="300">
+        <p:fade/>
+      </p:transition>
+    </mc:Choice>
+    <mc:Fallback xmlns="">
+      <p:transition>
+        <p:fade/>
+      </p:transition>
+    </mc:Fallback>
+  </mc:AlternateContent>
+</p:sld>
+</file>
+
+<file path=ppt/slides/slide33.xml><?xml version="1.0" encoding="utf-8"?>
+<p:sld xmlns:a="http://schemas.openxmlformats.org/drawingml/2006/main" xmlns:r="http://schemas.openxmlformats.org/officeDocument/2006/relationships" xmlns:p="http://schemas.openxmlformats.org/presentationml/2006/main">
+  <p:cSld>
+    <p:spTree>
+      <p:nvGrpSpPr>
+        <p:cNvPr id="1" name=""/>
+        <p:cNvGrpSpPr/>
+        <p:nvPr/>
+      </p:nvGrpSpPr>
+      <p:grpSpPr>
+        <a:xfrm>
+          <a:off x="0" y="0"/>
+          <a:ext cx="0" cy="0"/>
+          <a:chOff x="0" y="0"/>
+          <a:chExt cx="0" cy="0"/>
+        </a:xfrm>
+      </p:grpSpPr>
+      <p:sp>
+        <p:nvSpPr>
+          <p:cNvPr id="2" name="Title 1">
+            <a:extLst>
+              <a:ext uri="{FF2B5EF4-FFF2-40B4-BE49-F238E27FC236}">
+                <a16:creationId xmlns:a16="http://schemas.microsoft.com/office/drawing/2014/main" id="{8B0C5865-E132-43F0-814F-C61B94E5671C}"/>
+              </a:ext>
+            </a:extLst>
+          </p:cNvPr>
+          <p:cNvSpPr>
+            <a:spLocks noGrp="1"/>
+          </p:cNvSpPr>
+          <p:nvPr>
+            <p:ph type="title"/>
+          </p:nvPr>
+        </p:nvSpPr>
+        <p:spPr/>
+        <p:txBody>
+          <a:bodyPr/>
+          <a:lstStyle/>
+          <a:p>
+            <a:r>
+              <a:rPr lang="en-GB" dirty="0"/>
+              <a:t>Saving images</a:t>
+            </a:r>
+          </a:p>
+        </p:txBody>
+      </p:sp>
+      <p:sp>
+        <p:nvSpPr>
+          <p:cNvPr id="3" name="Content Placeholder 2">
+            <a:extLst>
+              <a:ext uri="{FF2B5EF4-FFF2-40B4-BE49-F238E27FC236}">
+                <a16:creationId xmlns:a16="http://schemas.microsoft.com/office/drawing/2014/main" id="{B00B5046-B5DF-4F1A-AFA6-4A5FA79CAEFA}"/>
+              </a:ext>
+            </a:extLst>
+          </p:cNvPr>
+          <p:cNvSpPr>
+            <a:spLocks noGrp="1"/>
+          </p:cNvSpPr>
+          <p:nvPr>
+            <p:ph idx="1"/>
+          </p:nvPr>
+        </p:nvSpPr>
+        <p:spPr/>
+        <p:txBody>
+          <a:bodyPr/>
+          <a:lstStyle/>
+          <a:p>
+            <a:r>
+              <a:rPr lang="en-GB" dirty="0" err="1"/>
+              <a:t>imwrite</a:t>
+            </a:r>
+            <a:endParaRPr lang="en-GB" dirty="0"/>
+          </a:p>
+        </p:txBody>
+      </p:sp>
+    </p:spTree>
+    <p:extLst>
+      <p:ext uri="{BB962C8B-B14F-4D97-AF65-F5344CB8AC3E}">
+        <p14:creationId xmlns:p14="http://schemas.microsoft.com/office/powerpoint/2010/main" val="4047485129"/>
+      </p:ext>
+    </p:extLst>
+  </p:cSld>
+  <p:clrMapOvr>
+    <a:masterClrMapping/>
+  </p:clrMapOvr>
+  <mc:AlternateContent xmlns:mc="http://schemas.openxmlformats.org/markup-compatibility/2006" xmlns:p14="http://schemas.microsoft.com/office/powerpoint/2010/main">
+    <mc:Choice Requires="p14">
+      <p:transition p14:dur="300">
+        <p:fade/>
+      </p:transition>
+    </mc:Choice>
+    <mc:Fallback xmlns="">
+      <p:transition>
+        <p:fade/>
+      </p:transition>
+    </mc:Fallback>
+  </mc:AlternateContent>
+</p:sld>
+</file>
+
 <file path=ppt/slides/slide4.xml><?xml version="1.0" encoding="utf-8"?>
 <p:sld xmlns:a="http://schemas.openxmlformats.org/drawingml/2006/main" xmlns:r="http://schemas.openxmlformats.org/officeDocument/2006/relationships" xmlns:p="http://schemas.openxmlformats.org/presentationml/2006/main">
   <p:cSld>
@@ -10969,7 +14753,7 @@
             <a:pPr algn="ctr"/>
             <a:r>
               <a:rPr lang="en-GB" sz="3200" dirty="0"/>
-              <a:t>Matrix operations</a:t>
+              <a:t>Matrices</a:t>
             </a:r>
             <a:endParaRPr lang="en-GB" sz="2800" dirty="0">
               <a:solidFill>
@@ -11135,7 +14919,7 @@
           <p:nvPr/>
         </p:nvPicPr>
         <p:blipFill>
-          <a:blip r:embed="rId2">
+          <a:blip r:embed="rId3">
             <a:extLst>
               <a:ext uri="{28A0092B-C50C-407E-A947-70E740481C1C}">
                 <a14:useLocalDpi xmlns:a14="http://schemas.microsoft.com/office/drawing/2010/main" val="0"/>
@@ -11242,18 +15026,124 @@
             <p:ph idx="1"/>
           </p:nvPr>
         </p:nvSpPr>
-        <p:spPr/>
+        <p:spPr>
+          <a:xfrm>
+            <a:off x="335360" y="1186594"/>
+            <a:ext cx="5760640" cy="4929411"/>
+          </a:xfrm>
+        </p:spPr>
         <p:txBody>
           <a:bodyPr/>
           <a:lstStyle/>
           <a:p>
             <a:r>
-              <a:rPr lang="en-GB" dirty="0">
+              <a:rPr lang="en-GB" dirty="0"/>
+              <a:t>Images are an example of a 2D matrix</a:t>
+            </a:r>
+          </a:p>
+          <a:p>
+            <a:pPr lvl="1"/>
+            <a:r>
+              <a:rPr lang="en-GB" dirty="0"/>
+              <a:t>Pixels stored on regular grid</a:t>
+            </a:r>
+          </a:p>
+          <a:p>
+            <a:pPr lvl="1"/>
+            <a:endParaRPr lang="en-GB" sz="1200" dirty="0"/>
+          </a:p>
+          <a:p>
+            <a:r>
+              <a:rPr lang="en-GB" dirty="0"/>
+              <a:t>Each element (pixel) accessed by its coordinates</a:t>
+            </a:r>
+          </a:p>
+          <a:p>
+            <a:pPr lvl="1"/>
+            <a:r>
+              <a:rPr lang="en-GB" dirty="0"/>
+              <a:t>Often referred to as “indexing”</a:t>
+            </a:r>
+          </a:p>
+          <a:p>
+            <a:endParaRPr lang="en-GB" sz="1200" dirty="0"/>
+          </a:p>
+          <a:p>
+            <a:r>
+              <a:rPr lang="en-GB" dirty="0"/>
+              <a:t>Moving beyond 2D</a:t>
+            </a:r>
+          </a:p>
+          <a:p>
+            <a:pPr lvl="1"/>
+            <a:r>
+              <a:rPr lang="en-GB" dirty="0"/>
+              <a:t>Higher dimensionalities used for colour, depth and/or time</a:t>
+            </a:r>
+            <a:endParaRPr lang="en-GB" sz="1100" dirty="0"/>
+          </a:p>
+          <a:p>
+            <a:endParaRPr lang="en-GB" dirty="0"/>
+          </a:p>
+          <a:p>
+            <a:endParaRPr lang="en-GB" sz="1100" dirty="0"/>
+          </a:p>
+        </p:txBody>
+      </p:sp>
+      <p:sp>
+        <p:nvSpPr>
+          <p:cNvPr id="4" name="Rectangle 3">
+            <a:extLst>
+              <a:ext uri="{FF2B5EF4-FFF2-40B4-BE49-F238E27FC236}">
+                <a16:creationId xmlns:a16="http://schemas.microsoft.com/office/drawing/2014/main" id="{42250EDA-71FB-4677-BD6D-D93255C26BD3}"/>
+              </a:ext>
+            </a:extLst>
+          </p:cNvPr>
+          <p:cNvSpPr/>
+          <p:nvPr/>
+        </p:nvSpPr>
+        <p:spPr>
+          <a:xfrm>
+            <a:off x="6756400" y="2322631"/>
+            <a:ext cx="4978400" cy="2677656"/>
+          </a:xfrm>
+          <a:prstGeom prst="rect">
+            <a:avLst/>
+          </a:prstGeom>
+        </p:spPr>
+        <p:txBody>
+          <a:bodyPr wrap="square">
+            <a:spAutoFit/>
+          </a:bodyPr>
+          <a:lstStyle/>
+          <a:p>
+            <a:pPr lvl="1" algn="ctr"/>
+            <a:r>
+              <a:rPr lang="en-GB" sz="2800" dirty="0">
                 <a:solidFill>
                   <a:srgbClr val="FF0000"/>
                 </a:solidFill>
               </a:rPr>
-              <a:t>[Relationship to images – do zoom in on an image]</a:t>
+              <a:t>ZOOM IN ON IMAGE, SHOWING PIXELS APPEAR AT HIGH MAG</a:t>
+            </a:r>
+          </a:p>
+          <a:p>
+            <a:pPr lvl="1" algn="ctr"/>
+            <a:endParaRPr lang="en-GB" sz="2800" dirty="0">
+              <a:solidFill>
+                <a:srgbClr val="FF0000"/>
+              </a:solidFill>
+            </a:endParaRPr>
+          </a:p>
+          <a:p>
+            <a:pPr lvl="1" algn="ctr"/>
+            <a:r>
+              <a:rPr lang="en-GB" sz="2800" dirty="0">
+                <a:solidFill>
+                  <a:srgbClr val="FF0000"/>
+                </a:solidFill>
+              </a:rPr>
+              <a:t>WHEN AT MAX MAG SHOW GRID AND COORDINATES SUPERIMPOSE OVER IMAGE</a:t>
             </a:r>
           </a:p>
         </p:txBody>
@@ -11305,7 +15195,7 @@
           <p:cNvPr id="2" name="Title 1">
             <a:extLst>
               <a:ext uri="{FF2B5EF4-FFF2-40B4-BE49-F238E27FC236}">
-                <a16:creationId xmlns:a16="http://schemas.microsoft.com/office/drawing/2014/main" id="{8B0C5865-E132-43F0-814F-C61B94E5671C}"/>
+                <a16:creationId xmlns:a16="http://schemas.microsoft.com/office/drawing/2014/main" id="{8EEF9218-B50A-424A-A99D-57BA08F4A8E3}"/>
               </a:ext>
             </a:extLst>
           </p:cNvPr>
@@ -11321,77 +15211,59 @@
           <a:bodyPr/>
           <a:lstStyle/>
           <a:p>
-            <a:r>
-              <a:rPr lang="en-GB" dirty="0"/>
-              <a:t>Introduction to matrices</a:t>
-            </a:r>
+            <a:endParaRPr lang="en-GB" dirty="0"/>
           </a:p>
         </p:txBody>
       </p:sp>
       <p:sp>
         <p:nvSpPr>
-          <p:cNvPr id="3" name="Content Placeholder 2">
+          <p:cNvPr id="4" name="TextBox 3">
             <a:extLst>
               <a:ext uri="{FF2B5EF4-FFF2-40B4-BE49-F238E27FC236}">
-                <a16:creationId xmlns:a16="http://schemas.microsoft.com/office/drawing/2014/main" id="{B00B5046-B5DF-4F1A-AFA6-4A5FA79CAEFA}"/>
+                <a16:creationId xmlns:a16="http://schemas.microsoft.com/office/drawing/2014/main" id="{31426854-EE0B-4A5A-AC6D-2BF50C4B1D90}"/>
               </a:ext>
             </a:extLst>
           </p:cNvPr>
-          <p:cNvSpPr>
-            <a:spLocks noGrp="1"/>
-          </p:cNvSpPr>
-          <p:nvPr>
-            <p:ph idx="1"/>
-          </p:nvPr>
+          <p:cNvSpPr txBox="1"/>
+          <p:nvPr/>
         </p:nvSpPr>
-        <p:spPr/>
+        <p:spPr>
+          <a:xfrm>
+            <a:off x="2052408" y="3136612"/>
+            <a:ext cx="8087183" cy="584775"/>
+          </a:xfrm>
+          <a:prstGeom prst="rect">
+            <a:avLst/>
+          </a:prstGeom>
+          <a:noFill/>
+        </p:spPr>
         <p:txBody>
-          <a:bodyPr/>
+          <a:bodyPr wrap="square" rtlCol="0">
+            <a:spAutoFit/>
+          </a:bodyPr>
           <a:lstStyle/>
           <a:p>
-            <a:r>
-              <a:rPr lang="en-GB" dirty="0"/>
-              <a:t>Demo creating a small matrix</a:t>
-            </a:r>
-          </a:p>
-          <a:p>
-            <a:r>
-              <a:rPr lang="en-GB" dirty="0"/>
-              <a:t>Could use rand(3)</a:t>
-            </a:r>
-          </a:p>
-          <a:p>
-            <a:r>
-              <a:rPr lang="en-GB" dirty="0"/>
-              <a:t>Dimension order</a:t>
-            </a:r>
-          </a:p>
-          <a:p>
-            <a:r>
-              <a:rPr lang="en-GB" dirty="0"/>
-              <a:t>Indexing</a:t>
-            </a:r>
-          </a:p>
-          <a:p>
-            <a:pPr lvl="1"/>
-            <a:r>
-              <a:rPr lang="en-GB" dirty="0"/>
-              <a:t>Accessing a single value</a:t>
-            </a:r>
-          </a:p>
-          <a:p>
-            <a:pPr lvl="1"/>
-            <a:r>
-              <a:rPr lang="en-GB" dirty="0"/>
-              <a:t>Accessing a range of values</a:t>
-            </a:r>
+            <a:pPr algn="ctr"/>
+            <a:r>
+              <a:rPr lang="en-GB" sz="3200" dirty="0">
+                <a:solidFill>
+                  <a:schemeClr val="tx1"/>
+                </a:solidFill>
+              </a:rPr>
+              <a:t>Accessing matrix values</a:t>
+            </a:r>
+            <a:endParaRPr lang="en-GB" sz="2800" dirty="0">
+              <a:solidFill>
+                <a:schemeClr val="tx1"/>
+              </a:solidFill>
+            </a:endParaRPr>
           </a:p>
         </p:txBody>
       </p:sp>
     </p:spTree>
     <p:extLst>
       <p:ext uri="{BB962C8B-B14F-4D97-AF65-F5344CB8AC3E}">
-        <p14:creationId xmlns:p14="http://schemas.microsoft.com/office/powerpoint/2010/main" val="3577482311"/>
+        <p14:creationId xmlns:p14="http://schemas.microsoft.com/office/powerpoint/2010/main" val="3994830454"/>
       </p:ext>
     </p:extLst>
   </p:cSld>
@@ -11453,7 +15325,7 @@
           <a:p>
             <a:r>
               <a:rPr lang="en-GB" dirty="0"/>
-              <a:t>Accessing matrix data</a:t>
+              <a:t>Indexing matrices</a:t>
             </a:r>
           </a:p>
         </p:txBody>
@@ -11474,94 +15346,280 @@
             <p:ph idx="1"/>
           </p:nvPr>
         </p:nvSpPr>
-        <p:spPr/>
+        <p:spPr>
+          <a:xfrm>
+            <a:off x="355680" y="1186594"/>
+            <a:ext cx="11490880" cy="4929411"/>
+          </a:xfrm>
+        </p:spPr>
         <p:txBody>
           <a:bodyPr/>
           <a:lstStyle/>
           <a:p>
             <a:r>
-              <a:rPr lang="en-GB" sz="2800" dirty="0"/>
-              <a:t>Access values in a matrix using coordinates</a:t>
-            </a:r>
-          </a:p>
-          <a:p>
-            <a:pPr marL="0" indent="0">
-              <a:buNone/>
-            </a:pPr>
-            <a:endParaRPr lang="en-GB" dirty="0">
-              <a:solidFill>
-                <a:srgbClr val="FF0000"/>
-              </a:solidFill>
-            </a:endParaRPr>
-          </a:p>
-          <a:p>
-            <a:pPr marL="0" indent="0">
-              <a:buNone/>
-            </a:pPr>
-            <a:endParaRPr lang="en-GB" dirty="0">
-              <a:solidFill>
-                <a:srgbClr val="FF0000"/>
-              </a:solidFill>
-            </a:endParaRPr>
-          </a:p>
-          <a:p>
-            <a:pPr marL="0" indent="0" algn="ctr">
-              <a:buNone/>
-            </a:pPr>
-            <a:r>
-              <a:rPr lang="en-GB" dirty="0">
-                <a:solidFill>
-                  <a:srgbClr val="FF0000"/>
+              <a:rPr lang="en-GB" dirty="0"/>
+              <a:t>Elements of a matrix indexed using square bracket notation</a:t>
+            </a:r>
+          </a:p>
+          <a:p>
+            <a:pPr lvl="1"/>
+            <a:r>
+              <a:rPr lang="en-GB" dirty="0"/>
+              <a:t>Square brackets applied to variable name</a:t>
+            </a:r>
+          </a:p>
+          <a:p>
+            <a:pPr lvl="1"/>
+            <a:r>
+              <a:rPr lang="en-GB" dirty="0"/>
+              <a:t>First index specifies row, second specifies column</a:t>
+            </a:r>
+          </a:p>
+          <a:p>
+            <a:pPr lvl="1"/>
+            <a:r>
+              <a:rPr lang="en-GB" dirty="0"/>
+              <a:t>Index numbering starts at 1</a:t>
+            </a:r>
+          </a:p>
+          <a:p>
+            <a:pPr lvl="1"/>
+            <a:endParaRPr lang="en-GB" sz="1200" dirty="0"/>
+          </a:p>
+          <a:p>
+            <a:r>
+              <a:rPr lang="en-GB" dirty="0"/>
+              <a:t>Example, a random number array</a:t>
+            </a:r>
+          </a:p>
+          <a:p>
+            <a:pPr lvl="1"/>
+            <a:r>
+              <a:rPr lang="en-GB" dirty="0"/>
+              <a:t>Create a 2D matrix:   	</a:t>
+            </a:r>
+            <a:r>
+              <a:rPr lang="en-GB" i="1" dirty="0" err="1">
+                <a:solidFill>
+                  <a:schemeClr val="accent1"/>
                 </a:solidFill>
               </a:rPr>
-              <a:t>[EXAMPLE USING RAND – can get different size matrices</a:t>
-            </a:r>
-          </a:p>
-          <a:p>
-            <a:pPr marL="0" indent="0" algn="ctr">
-              <a:buNone/>
-            </a:pPr>
-            <a:r>
-              <a:rPr lang="en-GB" dirty="0">
-                <a:solidFill>
-                  <a:srgbClr val="FF0000"/>
+              <a:t>rand_array</a:t>
+            </a:r>
+            <a:r>
+              <a:rPr lang="en-GB" i="1" dirty="0">
+                <a:solidFill>
+                  <a:schemeClr val="accent1"/>
                 </a:solidFill>
               </a:rPr>
-              <a:t>OR, COULD LOAD A VERY SMALL IMAGE</a:t>
-            </a:r>
-          </a:p>
-          <a:p>
-            <a:pPr marL="0" indent="0" algn="ctr">
-              <a:buNone/>
-            </a:pPr>
-            <a:r>
-              <a:rPr lang="en-GB" dirty="0">
-                <a:solidFill>
-                  <a:srgbClr val="FF0000"/>
+              <a:t> = rand(4,3);</a:t>
+            </a:r>
+          </a:p>
+          <a:p>
+            <a:pPr lvl="1"/>
+            <a:r>
+              <a:rPr lang="en-GB" dirty="0"/>
+              <a:t>Top-left value:    	</a:t>
+            </a:r>
+            <a:r>
+              <a:rPr lang="en-GB" i="1" dirty="0" err="1">
+                <a:solidFill>
+                  <a:schemeClr val="accent1"/>
                 </a:solidFill>
               </a:rPr>
-              <a:t>OOOOOR, DO BOTH!]</a:t>
+              <a:t>tl_val</a:t>
+            </a:r>
+            <a:r>
+              <a:rPr lang="en-GB" i="1" dirty="0">
+                <a:solidFill>
+                  <a:schemeClr val="accent1"/>
+                </a:solidFill>
+              </a:rPr>
+              <a:t> = </a:t>
+            </a:r>
+            <a:r>
+              <a:rPr lang="en-GB" i="1" dirty="0" err="1">
+                <a:solidFill>
+                  <a:schemeClr val="accent1"/>
+                </a:solidFill>
+              </a:rPr>
+              <a:t>rand_array</a:t>
+            </a:r>
+            <a:r>
+              <a:rPr lang="en-GB" i="1" dirty="0">
+                <a:solidFill>
+                  <a:schemeClr val="accent1"/>
+                </a:solidFill>
+              </a:rPr>
+              <a:t>[1,1];</a:t>
             </a:r>
           </a:p>
           <a:p>
             <a:pPr lvl="1"/>
-            <a:endParaRPr lang="en-GB" dirty="0"/>
-          </a:p>
-          <a:p>
-            <a:pPr marL="0" indent="0">
-              <a:buNone/>
-            </a:pPr>
-            <a:endParaRPr lang="en-GB" dirty="0"/>
-          </a:p>
-          <a:p>
-            <a:endParaRPr lang="en-GB" dirty="0"/>
+            <a:r>
+              <a:rPr lang="en-GB" dirty="0"/>
+              <a:t>Bottom-left </a:t>
+            </a:r>
+            <a:r>
+              <a:rPr lang="en-GB" dirty="0" err="1"/>
+              <a:t>val</a:t>
+            </a:r>
+            <a:r>
+              <a:rPr lang="en-GB" dirty="0"/>
+              <a:t>:</a:t>
+            </a:r>
+            <a:r>
+              <a:rPr lang="en-GB" i="1" dirty="0"/>
+              <a:t>		</a:t>
+            </a:r>
+            <a:r>
+              <a:rPr lang="en-GB" i="1" dirty="0" err="1">
+                <a:solidFill>
+                  <a:schemeClr val="accent1"/>
+                </a:solidFill>
+              </a:rPr>
+              <a:t>bl_val</a:t>
+            </a:r>
+            <a:r>
+              <a:rPr lang="en-GB" i="1" dirty="0">
+                <a:solidFill>
+                  <a:schemeClr val="accent1"/>
+                </a:solidFill>
+              </a:rPr>
+              <a:t> = </a:t>
+            </a:r>
+            <a:r>
+              <a:rPr lang="en-GB" i="1" dirty="0" err="1">
+                <a:solidFill>
+                  <a:schemeClr val="accent1"/>
+                </a:solidFill>
+              </a:rPr>
+              <a:t>rand_array</a:t>
+            </a:r>
+            <a:r>
+              <a:rPr lang="en-GB" i="1" dirty="0">
+                <a:solidFill>
+                  <a:schemeClr val="accent1"/>
+                </a:solidFill>
+              </a:rPr>
+              <a:t>[4,1]; </a:t>
+            </a:r>
+          </a:p>
+          <a:p>
+            <a:pPr lvl="1"/>
+            <a:r>
+              <a:rPr lang="en-GB" dirty="0"/>
+              <a:t>Top-right </a:t>
+            </a:r>
+            <a:r>
+              <a:rPr lang="en-GB" dirty="0" err="1"/>
+              <a:t>val</a:t>
+            </a:r>
+            <a:r>
+              <a:rPr lang="en-GB" dirty="0"/>
+              <a:t>:</a:t>
+            </a:r>
+            <a:r>
+              <a:rPr lang="en-GB" i="1" dirty="0">
+                <a:solidFill>
+                  <a:schemeClr val="accent1"/>
+                </a:solidFill>
+              </a:rPr>
+              <a:t>		</a:t>
+            </a:r>
+            <a:r>
+              <a:rPr lang="en-GB" i="1" dirty="0" err="1">
+                <a:solidFill>
+                  <a:schemeClr val="accent1"/>
+                </a:solidFill>
+              </a:rPr>
+              <a:t>tr_val</a:t>
+            </a:r>
+            <a:r>
+              <a:rPr lang="en-GB" i="1" dirty="0">
+                <a:solidFill>
+                  <a:schemeClr val="accent1"/>
+                </a:solidFill>
+              </a:rPr>
+              <a:t> = </a:t>
+            </a:r>
+            <a:r>
+              <a:rPr lang="en-GB" i="1" dirty="0" err="1">
+                <a:solidFill>
+                  <a:schemeClr val="accent1"/>
+                </a:solidFill>
+              </a:rPr>
+              <a:t>rand_array</a:t>
+            </a:r>
+            <a:r>
+              <a:rPr lang="en-GB" i="1" dirty="0">
+                <a:solidFill>
+                  <a:schemeClr val="accent1"/>
+                </a:solidFill>
+              </a:rPr>
+              <a:t>[1,3];</a:t>
+            </a:r>
+          </a:p>
+        </p:txBody>
+      </p:sp>
+      <p:sp>
+        <p:nvSpPr>
+          <p:cNvPr id="5" name="Rectangle 4">
+            <a:extLst>
+              <a:ext uri="{FF2B5EF4-FFF2-40B4-BE49-F238E27FC236}">
+                <a16:creationId xmlns:a16="http://schemas.microsoft.com/office/drawing/2014/main" id="{CB0CCE8B-7BC7-41DB-AA1F-6DE593BF5A9E}"/>
+              </a:ext>
+            </a:extLst>
+          </p:cNvPr>
+          <p:cNvSpPr/>
+          <p:nvPr/>
+        </p:nvSpPr>
+        <p:spPr>
+          <a:xfrm>
+            <a:off x="335360" y="3338818"/>
+            <a:ext cx="7382512" cy="2787347"/>
+          </a:xfrm>
+          <a:prstGeom prst="rect">
+            <a:avLst/>
+          </a:prstGeom>
+          <a:solidFill>
+            <a:srgbClr val="FFFFFF">
+              <a:alpha val="89804"/>
+            </a:srgbClr>
+          </a:solidFill>
+          <a:ln>
+            <a:noFill/>
+          </a:ln>
+        </p:spPr>
+        <p:style>
+          <a:lnRef idx="2">
+            <a:schemeClr val="accent1">
+              <a:shade val="50000"/>
+            </a:schemeClr>
+          </a:lnRef>
+          <a:fillRef idx="1">
+            <a:schemeClr val="accent1"/>
+          </a:fillRef>
+          <a:effectRef idx="0">
+            <a:schemeClr val="accent1"/>
+          </a:effectRef>
+          <a:fontRef idx="minor">
+            <a:schemeClr val="lt1"/>
+          </a:fontRef>
+        </p:style>
+        <p:txBody>
+          <a:bodyPr rtlCol="0" anchor="ctr"/>
+          <a:lstStyle/>
+          <a:p>
+            <a:pPr algn="ctr"/>
+            <a:endParaRPr lang="en-GB"/>
           </a:p>
         </p:txBody>
       </p:sp>
     </p:spTree>
     <p:extLst>
       <p:ext uri="{BB962C8B-B14F-4D97-AF65-F5344CB8AC3E}">
-        <p14:creationId xmlns:p14="http://schemas.microsoft.com/office/powerpoint/2010/main" val="4110354984"/>
+        <p14:creationId xmlns:p14="http://schemas.microsoft.com/office/powerpoint/2010/main" val="3780409806"/>
       </p:ext>
     </p:extLst>
   </p:cSld>
@@ -11623,7 +15681,7 @@
           <a:p>
             <a:r>
               <a:rPr lang="en-GB" dirty="0"/>
-              <a:t>Creating 2D matrix from known values</a:t>
+              <a:t>Indexing matrices</a:t>
             </a:r>
           </a:p>
         </p:txBody>
@@ -11644,728 +15702,527 @@
             <p:ph idx="1"/>
           </p:nvPr>
         </p:nvSpPr>
-        <p:spPr/>
+        <p:spPr>
+          <a:xfrm>
+            <a:off x="355680" y="1186594"/>
+            <a:ext cx="11490880" cy="4929411"/>
+          </a:xfrm>
+        </p:spPr>
         <p:txBody>
           <a:bodyPr/>
           <a:lstStyle/>
           <a:p>
             <a:r>
               <a:rPr lang="en-GB" dirty="0"/>
-              <a:t>Surround values with square brackets</a:t>
+              <a:t>Elements of a matrix indexed using square bracket notation</a:t>
             </a:r>
           </a:p>
           <a:p>
             <a:pPr lvl="1"/>
             <a:r>
               <a:rPr lang="en-GB" dirty="0"/>
-              <a:t>Comma-separate items on the same row</a:t>
+              <a:t>Square brackets applied to variable name</a:t>
             </a:r>
           </a:p>
           <a:p>
             <a:pPr lvl="1"/>
             <a:r>
               <a:rPr lang="en-GB" dirty="0"/>
-              <a:t>Semicolon-separate rows</a:t>
+              <a:t>First index specifies row, second specifies column</a:t>
+            </a:r>
+          </a:p>
+          <a:p>
+            <a:pPr lvl="1"/>
+            <a:r>
+              <a:rPr lang="en-GB" dirty="0"/>
+              <a:t>Index numbering starts at 1</a:t>
+            </a:r>
+          </a:p>
+          <a:p>
+            <a:pPr lvl="1"/>
+            <a:endParaRPr lang="en-GB" sz="1200" dirty="0"/>
+          </a:p>
+          <a:p>
+            <a:r>
+              <a:rPr lang="en-GB" dirty="0"/>
+              <a:t>Example, a random number array</a:t>
+            </a:r>
+          </a:p>
+          <a:p>
+            <a:pPr lvl="1"/>
+            <a:r>
+              <a:rPr lang="en-GB" dirty="0"/>
+              <a:t>Create a 2D matrix:   	</a:t>
+            </a:r>
+            <a:r>
+              <a:rPr lang="en-GB" i="1" dirty="0" err="1">
+                <a:solidFill>
+                  <a:schemeClr val="accent1"/>
+                </a:solidFill>
+              </a:rPr>
+              <a:t>rand_array</a:t>
+            </a:r>
+            <a:r>
+              <a:rPr lang="en-GB" i="1" dirty="0">
+                <a:solidFill>
+                  <a:schemeClr val="accent1"/>
+                </a:solidFill>
+              </a:rPr>
+              <a:t> = rand(4,3);</a:t>
+            </a:r>
+          </a:p>
+          <a:p>
+            <a:pPr lvl="1"/>
+            <a:r>
+              <a:rPr lang="en-GB" dirty="0"/>
+              <a:t>Top-left value:    	</a:t>
+            </a:r>
+            <a:r>
+              <a:rPr lang="en-GB" i="1" dirty="0" err="1">
+                <a:solidFill>
+                  <a:schemeClr val="accent1"/>
+                </a:solidFill>
+              </a:rPr>
+              <a:t>tl_val</a:t>
+            </a:r>
+            <a:r>
+              <a:rPr lang="en-GB" i="1" dirty="0">
+                <a:solidFill>
+                  <a:schemeClr val="accent1"/>
+                </a:solidFill>
+              </a:rPr>
+              <a:t> = </a:t>
+            </a:r>
+            <a:r>
+              <a:rPr lang="en-GB" i="1" dirty="0" err="1">
+                <a:solidFill>
+                  <a:schemeClr val="accent1"/>
+                </a:solidFill>
+              </a:rPr>
+              <a:t>rand_array</a:t>
+            </a:r>
+            <a:r>
+              <a:rPr lang="en-GB" i="1" dirty="0">
+                <a:solidFill>
+                  <a:schemeClr val="accent1"/>
+                </a:solidFill>
+              </a:rPr>
+              <a:t>[1,1];</a:t>
+            </a:r>
+          </a:p>
+          <a:p>
+            <a:pPr lvl="1"/>
+            <a:r>
+              <a:rPr lang="en-GB" dirty="0"/>
+              <a:t>Bottom-left </a:t>
+            </a:r>
+            <a:r>
+              <a:rPr lang="en-GB" dirty="0" err="1"/>
+              <a:t>val</a:t>
+            </a:r>
+            <a:r>
+              <a:rPr lang="en-GB" dirty="0"/>
+              <a:t>:</a:t>
+            </a:r>
+            <a:r>
+              <a:rPr lang="en-GB" i="1" dirty="0"/>
+              <a:t>		</a:t>
+            </a:r>
+            <a:r>
+              <a:rPr lang="en-GB" i="1" dirty="0" err="1">
+                <a:solidFill>
+                  <a:schemeClr val="accent1"/>
+                </a:solidFill>
+              </a:rPr>
+              <a:t>bl_val</a:t>
+            </a:r>
+            <a:r>
+              <a:rPr lang="en-GB" i="1" dirty="0">
+                <a:solidFill>
+                  <a:schemeClr val="accent1"/>
+                </a:solidFill>
+              </a:rPr>
+              <a:t> = </a:t>
+            </a:r>
+            <a:r>
+              <a:rPr lang="en-GB" i="1" dirty="0" err="1">
+                <a:solidFill>
+                  <a:schemeClr val="accent1"/>
+                </a:solidFill>
+              </a:rPr>
+              <a:t>rand_array</a:t>
+            </a:r>
+            <a:r>
+              <a:rPr lang="en-GB" i="1" dirty="0">
+                <a:solidFill>
+                  <a:schemeClr val="accent1"/>
+                </a:solidFill>
+              </a:rPr>
+              <a:t>[4,1]; </a:t>
+            </a:r>
+          </a:p>
+          <a:p>
+            <a:pPr lvl="1"/>
+            <a:r>
+              <a:rPr lang="en-GB" dirty="0"/>
+              <a:t>Top-right </a:t>
+            </a:r>
+            <a:r>
+              <a:rPr lang="en-GB" dirty="0" err="1"/>
+              <a:t>val</a:t>
+            </a:r>
+            <a:r>
+              <a:rPr lang="en-GB" dirty="0"/>
+              <a:t>:</a:t>
+            </a:r>
+            <a:r>
+              <a:rPr lang="en-GB" i="1" dirty="0">
+                <a:solidFill>
+                  <a:schemeClr val="accent1"/>
+                </a:solidFill>
+              </a:rPr>
+              <a:t>		</a:t>
+            </a:r>
+            <a:r>
+              <a:rPr lang="en-GB" i="1" dirty="0" err="1">
+                <a:solidFill>
+                  <a:schemeClr val="accent1"/>
+                </a:solidFill>
+              </a:rPr>
+              <a:t>tr_val</a:t>
+            </a:r>
+            <a:r>
+              <a:rPr lang="en-GB" i="1" dirty="0">
+                <a:solidFill>
+                  <a:schemeClr val="accent1"/>
+                </a:solidFill>
+              </a:rPr>
+              <a:t> = </a:t>
+            </a:r>
+            <a:r>
+              <a:rPr lang="en-GB" i="1" dirty="0" err="1">
+                <a:solidFill>
+                  <a:schemeClr val="accent1"/>
+                </a:solidFill>
+              </a:rPr>
+              <a:t>rand_array</a:t>
+            </a:r>
+            <a:r>
+              <a:rPr lang="en-GB" i="1" dirty="0">
+                <a:solidFill>
+                  <a:schemeClr val="accent1"/>
+                </a:solidFill>
+              </a:rPr>
+              <a:t>[1,3];</a:t>
             </a:r>
           </a:p>
         </p:txBody>
       </p:sp>
-      <p:sp>
-        <p:nvSpPr>
-          <p:cNvPr id="15" name="Content Placeholder 2">
+      <p:graphicFrame>
+        <p:nvGraphicFramePr>
+          <p:cNvPr id="9" name="Table 11">
             <a:extLst>
               <a:ext uri="{FF2B5EF4-FFF2-40B4-BE49-F238E27FC236}">
-                <a16:creationId xmlns:a16="http://schemas.microsoft.com/office/drawing/2014/main" id="{CE0D0426-0B06-473B-9CD0-B82445A8FEE4}"/>
+                <a16:creationId xmlns:a16="http://schemas.microsoft.com/office/drawing/2014/main" id="{C443B23F-C643-4E66-AE4B-8D1AB5D56572}"/>
               </a:ext>
             </a:extLst>
           </p:cNvPr>
-          <p:cNvSpPr txBox="1">
-            <a:spLocks/>
-          </p:cNvSpPr>
+          <p:cNvGraphicFramePr>
+            <a:graphicFrameLocks noGrp="1"/>
+          </p:cNvGraphicFramePr>
+          <p:nvPr/>
+        </p:nvGraphicFramePr>
+        <p:xfrm>
+          <a:off x="9022745" y="2089126"/>
+          <a:ext cx="2616537" cy="3488716"/>
+        </p:xfrm>
+        <a:graphic>
+          <a:graphicData uri="http://schemas.openxmlformats.org/drawingml/2006/table">
+            <a:tbl>
+              <a:tblPr firstRow="1" bandRow="1">
+                <a:tableStyleId>{5940675A-B579-460E-94D1-54222C63F5DA}</a:tableStyleId>
+              </a:tblPr>
+              <a:tblGrid>
+                <a:gridCol w="872179">
+                  <a:extLst>
+                    <a:ext uri="{9D8B030D-6E8A-4147-A177-3AD203B41FA5}">
+                      <a16:colId xmlns:a16="http://schemas.microsoft.com/office/drawing/2014/main" val="2264223351"/>
+                    </a:ext>
+                  </a:extLst>
+                </a:gridCol>
+                <a:gridCol w="872179">
+                  <a:extLst>
+                    <a:ext uri="{9D8B030D-6E8A-4147-A177-3AD203B41FA5}">
+                      <a16:colId xmlns:a16="http://schemas.microsoft.com/office/drawing/2014/main" val="4294296283"/>
+                    </a:ext>
+                  </a:extLst>
+                </a:gridCol>
+                <a:gridCol w="872179">
+                  <a:extLst>
+                    <a:ext uri="{9D8B030D-6E8A-4147-A177-3AD203B41FA5}">
+                      <a16:colId xmlns:a16="http://schemas.microsoft.com/office/drawing/2014/main" val="3139006436"/>
+                    </a:ext>
+                  </a:extLst>
+                </a:gridCol>
+              </a:tblGrid>
+              <a:tr h="872179">
+                <a:tc>
+                  <a:txBody>
+                    <a:bodyPr/>
+                    <a:lstStyle/>
+                    <a:p>
+                      <a:pPr algn="ctr"/>
+                      <a:r>
+                        <a:rPr lang="en-GB" sz="2200" dirty="0"/>
+                        <a:t>0.9</a:t>
+                      </a:r>
+                    </a:p>
+                  </a:txBody>
+                  <a:tcPr marL="252170" marR="252170" marT="126087" marB="126087" anchor="ctr"/>
+                </a:tc>
+                <a:tc>
+                  <a:txBody>
+                    <a:bodyPr/>
+                    <a:lstStyle/>
+                    <a:p>
+                      <a:pPr algn="ctr"/>
+                      <a:r>
+                        <a:rPr lang="en-GB" sz="2200" dirty="0"/>
+                        <a:t>0.3</a:t>
+                      </a:r>
+                    </a:p>
+                  </a:txBody>
+                  <a:tcPr marL="252170" marR="252170" marT="126087" marB="126087" anchor="ctr"/>
+                </a:tc>
+                <a:tc>
+                  <a:txBody>
+                    <a:bodyPr/>
+                    <a:lstStyle/>
+                    <a:p>
+                      <a:pPr algn="ctr"/>
+                      <a:r>
+                        <a:rPr lang="en-GB" sz="2200" dirty="0"/>
+                        <a:t>0.1</a:t>
+                      </a:r>
+                    </a:p>
+                  </a:txBody>
+                  <a:tcPr marL="252170" marR="252170" marT="126087" marB="126087" anchor="ctr"/>
+                </a:tc>
+                <a:extLst>
+                  <a:ext uri="{0D108BD9-81ED-4DB2-BD59-A6C34878D82A}">
+                    <a16:rowId xmlns:a16="http://schemas.microsoft.com/office/drawing/2014/main" val="2703465221"/>
+                  </a:ext>
+                </a:extLst>
+              </a:tr>
+              <a:tr h="872179">
+                <a:tc>
+                  <a:txBody>
+                    <a:bodyPr/>
+                    <a:lstStyle/>
+                    <a:p>
+                      <a:pPr algn="ctr"/>
+                      <a:r>
+                        <a:rPr lang="en-GB" sz="2200" dirty="0"/>
+                        <a:t>0.2</a:t>
+                      </a:r>
+                    </a:p>
+                  </a:txBody>
+                  <a:tcPr marL="252170" marR="252170" marT="126087" marB="126087" anchor="ctr"/>
+                </a:tc>
+                <a:tc>
+                  <a:txBody>
+                    <a:bodyPr/>
+                    <a:lstStyle/>
+                    <a:p>
+                      <a:pPr algn="ctr"/>
+                      <a:r>
+                        <a:rPr lang="en-GB" sz="2200" dirty="0"/>
+                        <a:t>0.1</a:t>
+                      </a:r>
+                    </a:p>
+                  </a:txBody>
+                  <a:tcPr marL="252170" marR="252170" marT="126087" marB="126087" anchor="ctr"/>
+                </a:tc>
+                <a:tc>
+                  <a:txBody>
+                    <a:bodyPr/>
+                    <a:lstStyle/>
+                    <a:p>
+                      <a:pPr algn="ctr"/>
+                      <a:r>
+                        <a:rPr lang="en-GB" sz="2200" dirty="0"/>
+                        <a:t>0.5</a:t>
+                      </a:r>
+                    </a:p>
+                  </a:txBody>
+                  <a:tcPr marL="252170" marR="252170" marT="126087" marB="126087" anchor="ctr"/>
+                </a:tc>
+                <a:extLst>
+                  <a:ext uri="{0D108BD9-81ED-4DB2-BD59-A6C34878D82A}">
+                    <a16:rowId xmlns:a16="http://schemas.microsoft.com/office/drawing/2014/main" val="2907702860"/>
+                  </a:ext>
+                </a:extLst>
+              </a:tr>
+              <a:tr h="872179">
+                <a:tc>
+                  <a:txBody>
+                    <a:bodyPr/>
+                    <a:lstStyle/>
+                    <a:p>
+                      <a:pPr algn="ctr"/>
+                      <a:r>
+                        <a:rPr lang="en-GB" sz="2200" dirty="0"/>
+                        <a:t>0.4</a:t>
+                      </a:r>
+                    </a:p>
+                  </a:txBody>
+                  <a:tcPr marL="252170" marR="252170" marT="126087" marB="126087" anchor="ctr"/>
+                </a:tc>
+                <a:tc>
+                  <a:txBody>
+                    <a:bodyPr/>
+                    <a:lstStyle/>
+                    <a:p>
+                      <a:pPr algn="ctr"/>
+                      <a:r>
+                        <a:rPr lang="en-GB" sz="2200" dirty="0"/>
+                        <a:t>0.7</a:t>
+                      </a:r>
+                    </a:p>
+                  </a:txBody>
+                  <a:tcPr marL="252170" marR="252170" marT="126087" marB="126087" anchor="ctr"/>
+                </a:tc>
+                <a:tc>
+                  <a:txBody>
+                    <a:bodyPr/>
+                    <a:lstStyle/>
+                    <a:p>
+                      <a:pPr algn="ctr"/>
+                      <a:r>
+                        <a:rPr lang="en-GB" sz="2200" dirty="0"/>
+                        <a:t>0.2</a:t>
+                      </a:r>
+                    </a:p>
+                  </a:txBody>
+                  <a:tcPr marL="252170" marR="252170" marT="126087" marB="126087" anchor="ctr"/>
+                </a:tc>
+                <a:extLst>
+                  <a:ext uri="{0D108BD9-81ED-4DB2-BD59-A6C34878D82A}">
+                    <a16:rowId xmlns:a16="http://schemas.microsoft.com/office/drawing/2014/main" val="637290251"/>
+                  </a:ext>
+                </a:extLst>
+              </a:tr>
+              <a:tr h="872179">
+                <a:tc>
+                  <a:txBody>
+                    <a:bodyPr/>
+                    <a:lstStyle/>
+                    <a:p>
+                      <a:pPr algn="ctr"/>
+                      <a:r>
+                        <a:rPr lang="en-GB" sz="2200" dirty="0"/>
+                        <a:t>0.7</a:t>
+                      </a:r>
+                    </a:p>
+                  </a:txBody>
+                  <a:tcPr marL="252170" marR="252170" marT="126087" marB="126087" anchor="ctr"/>
+                </a:tc>
+                <a:tc>
+                  <a:txBody>
+                    <a:bodyPr/>
+                    <a:lstStyle/>
+                    <a:p>
+                      <a:pPr algn="ctr"/>
+                      <a:r>
+                        <a:rPr lang="en-GB" sz="2200" dirty="0"/>
+                        <a:t>0.3</a:t>
+                      </a:r>
+                    </a:p>
+                  </a:txBody>
+                  <a:tcPr marL="252170" marR="252170" marT="126087" marB="126087" anchor="ctr"/>
+                </a:tc>
+                <a:tc>
+                  <a:txBody>
+                    <a:bodyPr/>
+                    <a:lstStyle/>
+                    <a:p>
+                      <a:pPr algn="ctr"/>
+                      <a:r>
+                        <a:rPr lang="en-GB" sz="2200" dirty="0"/>
+                        <a:t>0.5</a:t>
+                      </a:r>
+                    </a:p>
+                  </a:txBody>
+                  <a:tcPr marL="252170" marR="252170" marT="126087" marB="126087" anchor="ctr"/>
+                </a:tc>
+                <a:extLst>
+                  <a:ext uri="{0D108BD9-81ED-4DB2-BD59-A6C34878D82A}">
+                    <a16:rowId xmlns:a16="http://schemas.microsoft.com/office/drawing/2014/main" val="3764598351"/>
+                  </a:ext>
+                </a:extLst>
+              </a:tr>
+            </a:tbl>
+          </a:graphicData>
+        </a:graphic>
+      </p:graphicFrame>
+      <p:sp>
+        <p:nvSpPr>
+          <p:cNvPr id="5" name="Rectangle 4">
+            <a:extLst>
+              <a:ext uri="{FF2B5EF4-FFF2-40B4-BE49-F238E27FC236}">
+                <a16:creationId xmlns:a16="http://schemas.microsoft.com/office/drawing/2014/main" id="{CB0CCE8B-7BC7-41DB-AA1F-6DE593BF5A9E}"/>
+              </a:ext>
+            </a:extLst>
+          </p:cNvPr>
+          <p:cNvSpPr/>
           <p:nvPr/>
         </p:nvSpPr>
         <p:spPr>
           <a:xfrm>
-            <a:off x="335360" y="2805583"/>
-            <a:ext cx="3841200" cy="1878217"/>
+            <a:off x="335360" y="4210493"/>
+            <a:ext cx="7382512" cy="1915672"/>
           </a:xfrm>
           <a:prstGeom prst="rect">
             <a:avLst/>
           </a:prstGeom>
+          <a:solidFill>
+            <a:srgbClr val="FFFFFF">
+              <a:alpha val="89804"/>
+            </a:srgbClr>
+          </a:solidFill>
+          <a:ln>
+            <a:noFill/>
+          </a:ln>
         </p:spPr>
+        <p:style>
+          <a:lnRef idx="2">
+            <a:schemeClr val="accent1">
+              <a:shade val="50000"/>
+            </a:schemeClr>
+          </a:lnRef>
+          <a:fillRef idx="1">
+            <a:schemeClr val="accent1"/>
+          </a:fillRef>
+          <a:effectRef idx="0">
+            <a:schemeClr val="accent1"/>
+          </a:effectRef>
+          <a:fontRef idx="minor">
+            <a:schemeClr val="lt1"/>
+          </a:fontRef>
+        </p:style>
         <p:txBody>
-          <a:bodyPr/>
-          <a:lstStyle>
-            <a:lvl1pPr marL="342900" indent="-342900" algn="l" rtl="0" eaLnBrk="1" fontAlgn="base" hangingPunct="1">
-              <a:spcBef>
-                <a:spcPct val="20000"/>
-              </a:spcBef>
-              <a:spcAft>
-                <a:spcPct val="0"/>
-              </a:spcAft>
-              <a:buFont typeface="Arial" panose="020B0604020202020204" pitchFamily="34" charset="0"/>
-              <a:buChar char="•"/>
-              <a:defRPr sz="2800" kern="1200">
-                <a:solidFill>
-                  <a:schemeClr val="tx1"/>
-                </a:solidFill>
-                <a:latin typeface="+mn-lt"/>
-                <a:ea typeface="+mn-ea"/>
-                <a:cs typeface="+mn-cs"/>
-              </a:defRPr>
-            </a:lvl1pPr>
-            <a:lvl2pPr marL="742950" indent="-285750" algn="l" rtl="0" eaLnBrk="1" fontAlgn="base" hangingPunct="1">
-              <a:spcBef>
-                <a:spcPct val="20000"/>
-              </a:spcBef>
-              <a:spcAft>
-                <a:spcPct val="0"/>
-              </a:spcAft>
-              <a:buFont typeface="Arial" panose="020B0604020202020204" pitchFamily="34" charset="0"/>
-              <a:buChar char="•"/>
-              <a:defRPr sz="2400" kern="1200">
-                <a:solidFill>
-                  <a:srgbClr val="BF2F37"/>
-                </a:solidFill>
-                <a:latin typeface="+mn-lt"/>
-                <a:ea typeface="+mn-ea"/>
-                <a:cs typeface="+mn-cs"/>
-              </a:defRPr>
-            </a:lvl2pPr>
-            <a:lvl3pPr marL="1143000" indent="-228600" algn="l" rtl="0" eaLnBrk="1" fontAlgn="base" hangingPunct="1">
-              <a:spcBef>
-                <a:spcPct val="20000"/>
-              </a:spcBef>
-              <a:spcAft>
-                <a:spcPct val="0"/>
-              </a:spcAft>
-              <a:buFont typeface="Arial" panose="020B0604020202020204" pitchFamily="34" charset="0"/>
-              <a:buChar char="•"/>
-              <a:defRPr sz="2000" kern="1200">
-                <a:solidFill>
-                  <a:schemeClr val="tx1"/>
-                </a:solidFill>
-                <a:latin typeface="+mn-lt"/>
-                <a:ea typeface="+mn-ea"/>
-                <a:cs typeface="+mn-cs"/>
-              </a:defRPr>
-            </a:lvl3pPr>
-            <a:lvl4pPr marL="1600200" indent="-228600" algn="l" rtl="0" eaLnBrk="1" fontAlgn="base" hangingPunct="1">
-              <a:spcBef>
-                <a:spcPct val="20000"/>
-              </a:spcBef>
-              <a:spcAft>
-                <a:spcPct val="0"/>
-              </a:spcAft>
-              <a:buFont typeface="Arial" panose="020B0604020202020204" pitchFamily="34" charset="0"/>
-              <a:buChar char="–"/>
-              <a:defRPr sz="1800" kern="1200">
-                <a:solidFill>
-                  <a:schemeClr val="tx1"/>
-                </a:solidFill>
-                <a:latin typeface="+mn-lt"/>
-                <a:ea typeface="+mn-ea"/>
-                <a:cs typeface="+mn-cs"/>
-              </a:defRPr>
-            </a:lvl4pPr>
-            <a:lvl5pPr marL="2057400" indent="-228600" algn="l" rtl="0" eaLnBrk="1" fontAlgn="base" hangingPunct="1">
-              <a:spcBef>
-                <a:spcPct val="20000"/>
-              </a:spcBef>
-              <a:spcAft>
-                <a:spcPct val="0"/>
-              </a:spcAft>
-              <a:buFont typeface="Arial" pitchFamily="34" charset="0"/>
-              <a:buChar char="­"/>
-              <a:defRPr sz="1800" kern="1200">
-                <a:solidFill>
-                  <a:schemeClr val="tx1"/>
-                </a:solidFill>
-                <a:latin typeface="+mn-lt"/>
-                <a:ea typeface="+mn-ea"/>
-                <a:cs typeface="+mn-cs"/>
-              </a:defRPr>
-            </a:lvl5pPr>
-            <a:lvl6pPr marL="2514600" indent="-228600" algn="l" defTabSz="914400" rtl="0" eaLnBrk="1" latinLnBrk="0" hangingPunct="1">
-              <a:spcBef>
-                <a:spcPct val="20000"/>
-              </a:spcBef>
-              <a:buFont typeface="Arial" pitchFamily="34" charset="0"/>
-              <a:buChar char="•"/>
-              <a:defRPr sz="2000" kern="1200">
-                <a:solidFill>
-                  <a:schemeClr val="tx1"/>
-                </a:solidFill>
-                <a:latin typeface="+mn-lt"/>
-                <a:ea typeface="+mn-ea"/>
-                <a:cs typeface="+mn-cs"/>
-              </a:defRPr>
-            </a:lvl6pPr>
-            <a:lvl7pPr marL="2971800" indent="-228600" algn="l" defTabSz="914400" rtl="0" eaLnBrk="1" latinLnBrk="0" hangingPunct="1">
-              <a:spcBef>
-                <a:spcPct val="20000"/>
-              </a:spcBef>
-              <a:buFont typeface="Arial" pitchFamily="34" charset="0"/>
-              <a:buChar char="•"/>
-              <a:defRPr sz="2000" kern="1200">
-                <a:solidFill>
-                  <a:schemeClr val="tx1"/>
-                </a:solidFill>
-                <a:latin typeface="+mn-lt"/>
-                <a:ea typeface="+mn-ea"/>
-                <a:cs typeface="+mn-cs"/>
-              </a:defRPr>
-            </a:lvl7pPr>
-            <a:lvl8pPr marL="3429000" indent="-228600" algn="l" defTabSz="914400" rtl="0" eaLnBrk="1" latinLnBrk="0" hangingPunct="1">
-              <a:spcBef>
-                <a:spcPct val="20000"/>
-              </a:spcBef>
-              <a:buFont typeface="Arial" pitchFamily="34" charset="0"/>
-              <a:buChar char="•"/>
-              <a:defRPr sz="2000" kern="1200">
-                <a:solidFill>
-                  <a:schemeClr val="tx1"/>
-                </a:solidFill>
-                <a:latin typeface="+mn-lt"/>
-                <a:ea typeface="+mn-ea"/>
-                <a:cs typeface="+mn-cs"/>
-              </a:defRPr>
-            </a:lvl8pPr>
-            <a:lvl9pPr marL="3886200" indent="-228600" algn="l" defTabSz="914400" rtl="0" eaLnBrk="1" latinLnBrk="0" hangingPunct="1">
-              <a:spcBef>
-                <a:spcPct val="20000"/>
-              </a:spcBef>
-              <a:buFont typeface="Arial" pitchFamily="34" charset="0"/>
-              <a:buChar char="•"/>
-              <a:defRPr sz="2000" kern="1200">
-                <a:solidFill>
-                  <a:schemeClr val="tx1"/>
-                </a:solidFill>
-                <a:latin typeface="+mn-lt"/>
-                <a:ea typeface="+mn-ea"/>
-                <a:cs typeface="+mn-cs"/>
-              </a:defRPr>
-            </a:lvl9pPr>
-          </a:lstStyle>
-          <a:p>
-            <a:r>
-              <a:rPr lang="en-GB" dirty="0"/>
-              <a:t>A single row</a:t>
-            </a:r>
+          <a:bodyPr rtlCol="0" anchor="ctr"/>
+          <a:lstStyle/>
+          <a:p>
+            <a:pPr algn="ctr"/>
+            <a:endParaRPr lang="en-GB"/>
           </a:p>
         </p:txBody>
       </p:sp>
-      <p:pic>
-        <p:nvPicPr>
-          <p:cNvPr id="21" name="Picture 20">
-            <a:extLst>
-              <a:ext uri="{FF2B5EF4-FFF2-40B4-BE49-F238E27FC236}">
-                <a16:creationId xmlns:a16="http://schemas.microsoft.com/office/drawing/2014/main" id="{053AA60D-C624-43EF-9E8C-99F29A3BF888}"/>
-              </a:ext>
-            </a:extLst>
-          </p:cNvPr>
-          <p:cNvPicPr>
-            <a:picLocks noChangeAspect="1"/>
-          </p:cNvPicPr>
-          <p:nvPr/>
-        </p:nvPicPr>
-        <p:blipFill>
-          <a:blip r:embed="rId2"/>
-          <a:stretch>
-            <a:fillRect/>
-          </a:stretch>
-        </p:blipFill>
-        <p:spPr>
-          <a:xfrm>
-            <a:off x="4693920" y="3850376"/>
-            <a:ext cx="2804160" cy="2190750"/>
-          </a:xfrm>
-          <a:prstGeom prst="rect">
-            <a:avLst/>
-          </a:prstGeom>
-          <a:ln w="12700">
-            <a:solidFill>
-              <a:srgbClr val="BF2F37"/>
-            </a:solidFill>
-          </a:ln>
-        </p:spPr>
-      </p:pic>
-      <p:sp>
-        <p:nvSpPr>
-          <p:cNvPr id="16" name="Content Placeholder 2">
-            <a:extLst>
-              <a:ext uri="{FF2B5EF4-FFF2-40B4-BE49-F238E27FC236}">
-                <a16:creationId xmlns:a16="http://schemas.microsoft.com/office/drawing/2014/main" id="{85B85927-0157-4AB1-B1CE-6782F9DF5441}"/>
-              </a:ext>
-            </a:extLst>
-          </p:cNvPr>
-          <p:cNvSpPr txBox="1">
-            <a:spLocks/>
-          </p:cNvSpPr>
-          <p:nvPr/>
-        </p:nvSpPr>
-        <p:spPr>
-          <a:xfrm>
-            <a:off x="4176560" y="2805582"/>
-            <a:ext cx="3841200" cy="1878217"/>
-          </a:xfrm>
-          <a:prstGeom prst="rect">
-            <a:avLst/>
-          </a:prstGeom>
-        </p:spPr>
-        <p:txBody>
-          <a:bodyPr/>
-          <a:lstStyle>
-            <a:lvl1pPr marL="342900" indent="-342900" algn="l" rtl="0" eaLnBrk="1" fontAlgn="base" hangingPunct="1">
-              <a:spcBef>
-                <a:spcPct val="20000"/>
-              </a:spcBef>
-              <a:spcAft>
-                <a:spcPct val="0"/>
-              </a:spcAft>
-              <a:buFont typeface="Arial" panose="020B0604020202020204" pitchFamily="34" charset="0"/>
-              <a:buChar char="•"/>
-              <a:defRPr sz="2800" kern="1200">
-                <a:solidFill>
-                  <a:schemeClr val="tx1"/>
-                </a:solidFill>
-                <a:latin typeface="+mn-lt"/>
-                <a:ea typeface="+mn-ea"/>
-                <a:cs typeface="+mn-cs"/>
-              </a:defRPr>
-            </a:lvl1pPr>
-            <a:lvl2pPr marL="742950" indent="-285750" algn="l" rtl="0" eaLnBrk="1" fontAlgn="base" hangingPunct="1">
-              <a:spcBef>
-                <a:spcPct val="20000"/>
-              </a:spcBef>
-              <a:spcAft>
-                <a:spcPct val="0"/>
-              </a:spcAft>
-              <a:buFont typeface="Arial" panose="020B0604020202020204" pitchFamily="34" charset="0"/>
-              <a:buChar char="•"/>
-              <a:defRPr sz="2400" kern="1200">
-                <a:solidFill>
-                  <a:srgbClr val="BF2F37"/>
-                </a:solidFill>
-                <a:latin typeface="+mn-lt"/>
-                <a:ea typeface="+mn-ea"/>
-                <a:cs typeface="+mn-cs"/>
-              </a:defRPr>
-            </a:lvl2pPr>
-            <a:lvl3pPr marL="1143000" indent="-228600" algn="l" rtl="0" eaLnBrk="1" fontAlgn="base" hangingPunct="1">
-              <a:spcBef>
-                <a:spcPct val="20000"/>
-              </a:spcBef>
-              <a:spcAft>
-                <a:spcPct val="0"/>
-              </a:spcAft>
-              <a:buFont typeface="Arial" panose="020B0604020202020204" pitchFamily="34" charset="0"/>
-              <a:buChar char="•"/>
-              <a:defRPr sz="2000" kern="1200">
-                <a:solidFill>
-                  <a:schemeClr val="tx1"/>
-                </a:solidFill>
-                <a:latin typeface="+mn-lt"/>
-                <a:ea typeface="+mn-ea"/>
-                <a:cs typeface="+mn-cs"/>
-              </a:defRPr>
-            </a:lvl3pPr>
-            <a:lvl4pPr marL="1600200" indent="-228600" algn="l" rtl="0" eaLnBrk="1" fontAlgn="base" hangingPunct="1">
-              <a:spcBef>
-                <a:spcPct val="20000"/>
-              </a:spcBef>
-              <a:spcAft>
-                <a:spcPct val="0"/>
-              </a:spcAft>
-              <a:buFont typeface="Arial" panose="020B0604020202020204" pitchFamily="34" charset="0"/>
-              <a:buChar char="–"/>
-              <a:defRPr sz="1800" kern="1200">
-                <a:solidFill>
-                  <a:schemeClr val="tx1"/>
-                </a:solidFill>
-                <a:latin typeface="+mn-lt"/>
-                <a:ea typeface="+mn-ea"/>
-                <a:cs typeface="+mn-cs"/>
-              </a:defRPr>
-            </a:lvl4pPr>
-            <a:lvl5pPr marL="2057400" indent="-228600" algn="l" rtl="0" eaLnBrk="1" fontAlgn="base" hangingPunct="1">
-              <a:spcBef>
-                <a:spcPct val="20000"/>
-              </a:spcBef>
-              <a:spcAft>
-                <a:spcPct val="0"/>
-              </a:spcAft>
-              <a:buFont typeface="Arial" pitchFamily="34" charset="0"/>
-              <a:buChar char="­"/>
-              <a:defRPr sz="1800" kern="1200">
-                <a:solidFill>
-                  <a:schemeClr val="tx1"/>
-                </a:solidFill>
-                <a:latin typeface="+mn-lt"/>
-                <a:ea typeface="+mn-ea"/>
-                <a:cs typeface="+mn-cs"/>
-              </a:defRPr>
-            </a:lvl5pPr>
-            <a:lvl6pPr marL="2514600" indent="-228600" algn="l" defTabSz="914400" rtl="0" eaLnBrk="1" latinLnBrk="0" hangingPunct="1">
-              <a:spcBef>
-                <a:spcPct val="20000"/>
-              </a:spcBef>
-              <a:buFont typeface="Arial" pitchFamily="34" charset="0"/>
-              <a:buChar char="•"/>
-              <a:defRPr sz="2000" kern="1200">
-                <a:solidFill>
-                  <a:schemeClr val="tx1"/>
-                </a:solidFill>
-                <a:latin typeface="+mn-lt"/>
-                <a:ea typeface="+mn-ea"/>
-                <a:cs typeface="+mn-cs"/>
-              </a:defRPr>
-            </a:lvl6pPr>
-            <a:lvl7pPr marL="2971800" indent="-228600" algn="l" defTabSz="914400" rtl="0" eaLnBrk="1" latinLnBrk="0" hangingPunct="1">
-              <a:spcBef>
-                <a:spcPct val="20000"/>
-              </a:spcBef>
-              <a:buFont typeface="Arial" pitchFamily="34" charset="0"/>
-              <a:buChar char="•"/>
-              <a:defRPr sz="2000" kern="1200">
-                <a:solidFill>
-                  <a:schemeClr val="tx1"/>
-                </a:solidFill>
-                <a:latin typeface="+mn-lt"/>
-                <a:ea typeface="+mn-ea"/>
-                <a:cs typeface="+mn-cs"/>
-              </a:defRPr>
-            </a:lvl7pPr>
-            <a:lvl8pPr marL="3429000" indent="-228600" algn="l" defTabSz="914400" rtl="0" eaLnBrk="1" latinLnBrk="0" hangingPunct="1">
-              <a:spcBef>
-                <a:spcPct val="20000"/>
-              </a:spcBef>
-              <a:buFont typeface="Arial" pitchFamily="34" charset="0"/>
-              <a:buChar char="•"/>
-              <a:defRPr sz="2000" kern="1200">
-                <a:solidFill>
-                  <a:schemeClr val="tx1"/>
-                </a:solidFill>
-                <a:latin typeface="+mn-lt"/>
-                <a:ea typeface="+mn-ea"/>
-                <a:cs typeface="+mn-cs"/>
-              </a:defRPr>
-            </a:lvl8pPr>
-            <a:lvl9pPr marL="3886200" indent="-228600" algn="l" defTabSz="914400" rtl="0" eaLnBrk="1" latinLnBrk="0" hangingPunct="1">
-              <a:spcBef>
-                <a:spcPct val="20000"/>
-              </a:spcBef>
-              <a:buFont typeface="Arial" pitchFamily="34" charset="0"/>
-              <a:buChar char="•"/>
-              <a:defRPr sz="2000" kern="1200">
-                <a:solidFill>
-                  <a:schemeClr val="tx1"/>
-                </a:solidFill>
-                <a:latin typeface="+mn-lt"/>
-                <a:ea typeface="+mn-ea"/>
-                <a:cs typeface="+mn-cs"/>
-              </a:defRPr>
-            </a:lvl9pPr>
-          </a:lstStyle>
-          <a:p>
-            <a:r>
-              <a:rPr lang="en-GB" dirty="0"/>
-              <a:t>A single column</a:t>
-            </a:r>
-          </a:p>
-          <a:p>
-            <a:pPr lvl="1"/>
-            <a:endParaRPr lang="en-GB" i="1" dirty="0">
-              <a:solidFill>
-                <a:schemeClr val="accent1"/>
-              </a:solidFill>
-            </a:endParaRPr>
-          </a:p>
-          <a:p>
-            <a:pPr lvl="1"/>
-            <a:endParaRPr lang="en-GB" sz="1200" dirty="0"/>
-          </a:p>
-          <a:p>
-            <a:pPr lvl="1"/>
-            <a:endParaRPr lang="en-GB" dirty="0"/>
-          </a:p>
-        </p:txBody>
-      </p:sp>
-      <p:pic>
-        <p:nvPicPr>
-          <p:cNvPr id="20" name="Picture 19">
-            <a:extLst>
-              <a:ext uri="{FF2B5EF4-FFF2-40B4-BE49-F238E27FC236}">
-                <a16:creationId xmlns:a16="http://schemas.microsoft.com/office/drawing/2014/main" id="{1C7002C5-58B7-4395-B99C-219A0BA87EAB}"/>
-              </a:ext>
-            </a:extLst>
-          </p:cNvPr>
-          <p:cNvPicPr>
-            <a:picLocks noChangeAspect="1"/>
-          </p:cNvPicPr>
-          <p:nvPr/>
-        </p:nvPicPr>
-        <p:blipFill>
-          <a:blip r:embed="rId3"/>
-          <a:stretch>
-            <a:fillRect/>
-          </a:stretch>
-        </p:blipFill>
-        <p:spPr>
-          <a:xfrm>
-            <a:off x="853880" y="3850376"/>
-            <a:ext cx="2804160" cy="2190750"/>
-          </a:xfrm>
-          <a:prstGeom prst="rect">
-            <a:avLst/>
-          </a:prstGeom>
-          <a:ln w="12700">
-            <a:solidFill>
-              <a:srgbClr val="BF2F37"/>
-            </a:solidFill>
-          </a:ln>
-        </p:spPr>
-      </p:pic>
-      <p:sp>
-        <p:nvSpPr>
-          <p:cNvPr id="23" name="Content Placeholder 2">
-            <a:extLst>
-              <a:ext uri="{FF2B5EF4-FFF2-40B4-BE49-F238E27FC236}">
-                <a16:creationId xmlns:a16="http://schemas.microsoft.com/office/drawing/2014/main" id="{E3B329FC-57D7-4384-A84D-C614B27BF593}"/>
-              </a:ext>
-            </a:extLst>
-          </p:cNvPr>
-          <p:cNvSpPr txBox="1">
-            <a:spLocks/>
-          </p:cNvSpPr>
-          <p:nvPr/>
-        </p:nvSpPr>
-        <p:spPr>
-          <a:xfrm>
-            <a:off x="8015442" y="2805579"/>
-            <a:ext cx="3841200" cy="1878217"/>
-          </a:xfrm>
-          <a:prstGeom prst="rect">
-            <a:avLst/>
-          </a:prstGeom>
-        </p:spPr>
-        <p:txBody>
-          <a:bodyPr/>
-          <a:lstStyle>
-            <a:lvl1pPr marL="342900" indent="-342900" algn="l" rtl="0" eaLnBrk="1" fontAlgn="base" hangingPunct="1">
-              <a:spcBef>
-                <a:spcPct val="20000"/>
-              </a:spcBef>
-              <a:spcAft>
-                <a:spcPct val="0"/>
-              </a:spcAft>
-              <a:buFont typeface="Arial" panose="020B0604020202020204" pitchFamily="34" charset="0"/>
-              <a:buChar char="•"/>
-              <a:defRPr sz="2800" kern="1200">
-                <a:solidFill>
-                  <a:schemeClr val="tx1"/>
-                </a:solidFill>
-                <a:latin typeface="+mn-lt"/>
-                <a:ea typeface="+mn-ea"/>
-                <a:cs typeface="+mn-cs"/>
-              </a:defRPr>
-            </a:lvl1pPr>
-            <a:lvl2pPr marL="742950" indent="-285750" algn="l" rtl="0" eaLnBrk="1" fontAlgn="base" hangingPunct="1">
-              <a:spcBef>
-                <a:spcPct val="20000"/>
-              </a:spcBef>
-              <a:spcAft>
-                <a:spcPct val="0"/>
-              </a:spcAft>
-              <a:buFont typeface="Arial" panose="020B0604020202020204" pitchFamily="34" charset="0"/>
-              <a:buChar char="•"/>
-              <a:defRPr sz="2400" kern="1200">
-                <a:solidFill>
-                  <a:srgbClr val="BF2F37"/>
-                </a:solidFill>
-                <a:latin typeface="+mn-lt"/>
-                <a:ea typeface="+mn-ea"/>
-                <a:cs typeface="+mn-cs"/>
-              </a:defRPr>
-            </a:lvl2pPr>
-            <a:lvl3pPr marL="1143000" indent="-228600" algn="l" rtl="0" eaLnBrk="1" fontAlgn="base" hangingPunct="1">
-              <a:spcBef>
-                <a:spcPct val="20000"/>
-              </a:spcBef>
-              <a:spcAft>
-                <a:spcPct val="0"/>
-              </a:spcAft>
-              <a:buFont typeface="Arial" panose="020B0604020202020204" pitchFamily="34" charset="0"/>
-              <a:buChar char="•"/>
-              <a:defRPr sz="2000" kern="1200">
-                <a:solidFill>
-                  <a:schemeClr val="tx1"/>
-                </a:solidFill>
-                <a:latin typeface="+mn-lt"/>
-                <a:ea typeface="+mn-ea"/>
-                <a:cs typeface="+mn-cs"/>
-              </a:defRPr>
-            </a:lvl3pPr>
-            <a:lvl4pPr marL="1600200" indent="-228600" algn="l" rtl="0" eaLnBrk="1" fontAlgn="base" hangingPunct="1">
-              <a:spcBef>
-                <a:spcPct val="20000"/>
-              </a:spcBef>
-              <a:spcAft>
-                <a:spcPct val="0"/>
-              </a:spcAft>
-              <a:buFont typeface="Arial" panose="020B0604020202020204" pitchFamily="34" charset="0"/>
-              <a:buChar char="–"/>
-              <a:defRPr sz="1800" kern="1200">
-                <a:solidFill>
-                  <a:schemeClr val="tx1"/>
-                </a:solidFill>
-                <a:latin typeface="+mn-lt"/>
-                <a:ea typeface="+mn-ea"/>
-                <a:cs typeface="+mn-cs"/>
-              </a:defRPr>
-            </a:lvl4pPr>
-            <a:lvl5pPr marL="2057400" indent="-228600" algn="l" rtl="0" eaLnBrk="1" fontAlgn="base" hangingPunct="1">
-              <a:spcBef>
-                <a:spcPct val="20000"/>
-              </a:spcBef>
-              <a:spcAft>
-                <a:spcPct val="0"/>
-              </a:spcAft>
-              <a:buFont typeface="Arial" pitchFamily="34" charset="0"/>
-              <a:buChar char="­"/>
-              <a:defRPr sz="1800" kern="1200">
-                <a:solidFill>
-                  <a:schemeClr val="tx1"/>
-                </a:solidFill>
-                <a:latin typeface="+mn-lt"/>
-                <a:ea typeface="+mn-ea"/>
-                <a:cs typeface="+mn-cs"/>
-              </a:defRPr>
-            </a:lvl5pPr>
-            <a:lvl6pPr marL="2514600" indent="-228600" algn="l" defTabSz="914400" rtl="0" eaLnBrk="1" latinLnBrk="0" hangingPunct="1">
-              <a:spcBef>
-                <a:spcPct val="20000"/>
-              </a:spcBef>
-              <a:buFont typeface="Arial" pitchFamily="34" charset="0"/>
-              <a:buChar char="•"/>
-              <a:defRPr sz="2000" kern="1200">
-                <a:solidFill>
-                  <a:schemeClr val="tx1"/>
-                </a:solidFill>
-                <a:latin typeface="+mn-lt"/>
-                <a:ea typeface="+mn-ea"/>
-                <a:cs typeface="+mn-cs"/>
-              </a:defRPr>
-            </a:lvl6pPr>
-            <a:lvl7pPr marL="2971800" indent="-228600" algn="l" defTabSz="914400" rtl="0" eaLnBrk="1" latinLnBrk="0" hangingPunct="1">
-              <a:spcBef>
-                <a:spcPct val="20000"/>
-              </a:spcBef>
-              <a:buFont typeface="Arial" pitchFamily="34" charset="0"/>
-              <a:buChar char="•"/>
-              <a:defRPr sz="2000" kern="1200">
-                <a:solidFill>
-                  <a:schemeClr val="tx1"/>
-                </a:solidFill>
-                <a:latin typeface="+mn-lt"/>
-                <a:ea typeface="+mn-ea"/>
-                <a:cs typeface="+mn-cs"/>
-              </a:defRPr>
-            </a:lvl7pPr>
-            <a:lvl8pPr marL="3429000" indent="-228600" algn="l" defTabSz="914400" rtl="0" eaLnBrk="1" latinLnBrk="0" hangingPunct="1">
-              <a:spcBef>
-                <a:spcPct val="20000"/>
-              </a:spcBef>
-              <a:buFont typeface="Arial" pitchFamily="34" charset="0"/>
-              <a:buChar char="•"/>
-              <a:defRPr sz="2000" kern="1200">
-                <a:solidFill>
-                  <a:schemeClr val="tx1"/>
-                </a:solidFill>
-                <a:latin typeface="+mn-lt"/>
-                <a:ea typeface="+mn-ea"/>
-                <a:cs typeface="+mn-cs"/>
-              </a:defRPr>
-            </a:lvl8pPr>
-            <a:lvl9pPr marL="3886200" indent="-228600" algn="l" defTabSz="914400" rtl="0" eaLnBrk="1" latinLnBrk="0" hangingPunct="1">
-              <a:spcBef>
-                <a:spcPct val="20000"/>
-              </a:spcBef>
-              <a:buFont typeface="Arial" pitchFamily="34" charset="0"/>
-              <a:buChar char="•"/>
-              <a:defRPr sz="2000" kern="1200">
-                <a:solidFill>
-                  <a:schemeClr val="tx1"/>
-                </a:solidFill>
-                <a:latin typeface="+mn-lt"/>
-                <a:ea typeface="+mn-ea"/>
-                <a:cs typeface="+mn-cs"/>
-              </a:defRPr>
-            </a:lvl9pPr>
-          </a:lstStyle>
-          <a:p>
-            <a:r>
-              <a:rPr lang="en-GB" dirty="0"/>
-              <a:t>A true 2D matrix</a:t>
-            </a:r>
-          </a:p>
-          <a:p>
-            <a:pPr lvl="1"/>
-            <a:endParaRPr lang="en-GB" i="1" dirty="0">
-              <a:solidFill>
-                <a:schemeClr val="accent1"/>
-              </a:solidFill>
-            </a:endParaRPr>
-          </a:p>
-          <a:p>
-            <a:pPr lvl="1"/>
-            <a:endParaRPr lang="en-GB" sz="1200" dirty="0"/>
-          </a:p>
-          <a:p>
-            <a:pPr lvl="1"/>
-            <a:endParaRPr lang="en-GB" dirty="0"/>
-          </a:p>
-        </p:txBody>
-      </p:sp>
-      <p:pic>
-        <p:nvPicPr>
-          <p:cNvPr id="24" name="Picture 23">
-            <a:extLst>
-              <a:ext uri="{FF2B5EF4-FFF2-40B4-BE49-F238E27FC236}">
-                <a16:creationId xmlns:a16="http://schemas.microsoft.com/office/drawing/2014/main" id="{455EB208-4DE9-48EF-832B-B81488BF7738}"/>
-              </a:ext>
-            </a:extLst>
-          </p:cNvPr>
-          <p:cNvPicPr>
-            <a:picLocks noChangeAspect="1"/>
-          </p:cNvPicPr>
-          <p:nvPr/>
-        </p:nvPicPr>
-        <p:blipFill>
-          <a:blip r:embed="rId4"/>
-          <a:stretch>
-            <a:fillRect/>
-          </a:stretch>
-        </p:blipFill>
-        <p:spPr>
-          <a:xfrm>
-            <a:off x="8533962" y="3850376"/>
-            <a:ext cx="2804160" cy="2190750"/>
-          </a:xfrm>
-          <a:prstGeom prst="rect">
-            <a:avLst/>
-          </a:prstGeom>
-          <a:ln w="12700">
-            <a:solidFill>
-              <a:srgbClr val="BF2F37"/>
-            </a:solidFill>
-          </a:ln>
-        </p:spPr>
-      </p:pic>
     </p:spTree>
     <p:extLst>
       <p:ext uri="{BB962C8B-B14F-4D97-AF65-F5344CB8AC3E}">
-        <p14:creationId xmlns:p14="http://schemas.microsoft.com/office/powerpoint/2010/main" val="460338814"/>
+        <p14:creationId xmlns:p14="http://schemas.microsoft.com/office/powerpoint/2010/main" val="2214879516"/>
       </p:ext>
     </p:extLst>
   </p:cSld>
